--- a/data/HPO/schema.pptx
+++ b/data/HPO/schema.pptx
@@ -260,7 +260,7 @@
           <a:p>
             <a:fld id="{0572D963-F112-4488-97DB-CD8B600123CD}" type="datetimeFigureOut">
               <a:rPr lang="zh-CN" altLang="en-US" smtClean="0"/>
-              <a:t>2020/5/29</a:t>
+              <a:t>2020/6/1</a:t>
             </a:fld>
             <a:endParaRPr lang="zh-CN" altLang="en-US"/>
           </a:p>
@@ -458,7 +458,7 @@
           <a:p>
             <a:fld id="{0572D963-F112-4488-97DB-CD8B600123CD}" type="datetimeFigureOut">
               <a:rPr lang="zh-CN" altLang="en-US" smtClean="0"/>
-              <a:t>2020/5/29</a:t>
+              <a:t>2020/6/1</a:t>
             </a:fld>
             <a:endParaRPr lang="zh-CN" altLang="en-US"/>
           </a:p>
@@ -666,7 +666,7 @@
           <a:p>
             <a:fld id="{0572D963-F112-4488-97DB-CD8B600123CD}" type="datetimeFigureOut">
               <a:rPr lang="zh-CN" altLang="en-US" smtClean="0"/>
-              <a:t>2020/5/29</a:t>
+              <a:t>2020/6/1</a:t>
             </a:fld>
             <a:endParaRPr lang="zh-CN" altLang="en-US"/>
           </a:p>
@@ -864,7 +864,7 @@
           <a:p>
             <a:fld id="{0572D963-F112-4488-97DB-CD8B600123CD}" type="datetimeFigureOut">
               <a:rPr lang="zh-CN" altLang="en-US" smtClean="0"/>
-              <a:t>2020/5/29</a:t>
+              <a:t>2020/6/1</a:t>
             </a:fld>
             <a:endParaRPr lang="zh-CN" altLang="en-US"/>
           </a:p>
@@ -1139,7 +1139,7 @@
           <a:p>
             <a:fld id="{0572D963-F112-4488-97DB-CD8B600123CD}" type="datetimeFigureOut">
               <a:rPr lang="zh-CN" altLang="en-US" smtClean="0"/>
-              <a:t>2020/5/29</a:t>
+              <a:t>2020/6/1</a:t>
             </a:fld>
             <a:endParaRPr lang="zh-CN" altLang="en-US"/>
           </a:p>
@@ -1404,7 +1404,7 @@
           <a:p>
             <a:fld id="{0572D963-F112-4488-97DB-CD8B600123CD}" type="datetimeFigureOut">
               <a:rPr lang="zh-CN" altLang="en-US" smtClean="0"/>
-              <a:t>2020/5/29</a:t>
+              <a:t>2020/6/1</a:t>
             </a:fld>
             <a:endParaRPr lang="zh-CN" altLang="en-US"/>
           </a:p>
@@ -1816,7 +1816,7 @@
           <a:p>
             <a:fld id="{0572D963-F112-4488-97DB-CD8B600123CD}" type="datetimeFigureOut">
               <a:rPr lang="zh-CN" altLang="en-US" smtClean="0"/>
-              <a:t>2020/5/29</a:t>
+              <a:t>2020/6/1</a:t>
             </a:fld>
             <a:endParaRPr lang="zh-CN" altLang="en-US"/>
           </a:p>
@@ -1957,7 +1957,7 @@
           <a:p>
             <a:fld id="{0572D963-F112-4488-97DB-CD8B600123CD}" type="datetimeFigureOut">
               <a:rPr lang="zh-CN" altLang="en-US" smtClean="0"/>
-              <a:t>2020/5/29</a:t>
+              <a:t>2020/6/1</a:t>
             </a:fld>
             <a:endParaRPr lang="zh-CN" altLang="en-US"/>
           </a:p>
@@ -2070,7 +2070,7 @@
           <a:p>
             <a:fld id="{0572D963-F112-4488-97DB-CD8B600123CD}" type="datetimeFigureOut">
               <a:rPr lang="zh-CN" altLang="en-US" smtClean="0"/>
-              <a:t>2020/5/29</a:t>
+              <a:t>2020/6/1</a:t>
             </a:fld>
             <a:endParaRPr lang="zh-CN" altLang="en-US"/>
           </a:p>
@@ -2381,7 +2381,7 @@
           <a:p>
             <a:fld id="{0572D963-F112-4488-97DB-CD8B600123CD}" type="datetimeFigureOut">
               <a:rPr lang="zh-CN" altLang="en-US" smtClean="0"/>
-              <a:t>2020/5/29</a:t>
+              <a:t>2020/6/1</a:t>
             </a:fld>
             <a:endParaRPr lang="zh-CN" altLang="en-US"/>
           </a:p>
@@ -2669,7 +2669,7 @@
           <a:p>
             <a:fld id="{0572D963-F112-4488-97DB-CD8B600123CD}" type="datetimeFigureOut">
               <a:rPr lang="zh-CN" altLang="en-US" smtClean="0"/>
-              <a:t>2020/5/29</a:t>
+              <a:t>2020/6/1</a:t>
             </a:fld>
             <a:endParaRPr lang="zh-CN" altLang="en-US"/>
           </a:p>
@@ -2910,7 +2910,7 @@
           <a:p>
             <a:fld id="{0572D963-F112-4488-97DB-CD8B600123CD}" type="datetimeFigureOut">
               <a:rPr lang="zh-CN" altLang="en-US" smtClean="0"/>
-              <a:t>2020/5/29</a:t>
+              <a:t>2020/6/1</a:t>
             </a:fld>
             <a:endParaRPr lang="zh-CN" altLang="en-US"/>
           </a:p>
@@ -5062,7 +5062,7 @@
           <p:spPr>
             <a:xfrm>
               <a:off x="3994092" y="4895560"/>
-              <a:ext cx="854721" cy="246221"/>
+              <a:ext cx="699230" cy="246221"/>
             </a:xfrm>
             <a:prstGeom prst="rect">
               <a:avLst/>
@@ -5079,7 +5079,7 @@
                   <a:latin typeface="Times New Roman" panose="02020603050405020304" pitchFamily="18" charset="0"/>
                   <a:cs typeface="Times New Roman" panose="02020603050405020304" pitchFamily="18" charset="0"/>
                 </a:rPr>
-                <a:t>Nature paper</a:t>
+                <a:t>Literature</a:t>
               </a:r>
               <a:endParaRPr lang="zh-CN" altLang="en-US" sz="1000" dirty="0"/>
             </a:p>

--- a/data/HPO/schema.pptx
+++ b/data/HPO/schema.pptx
@@ -260,7 +260,7 @@
           <a:p>
             <a:fld id="{0572D963-F112-4488-97DB-CD8B600123CD}" type="datetimeFigureOut">
               <a:rPr lang="zh-CN" altLang="en-US" smtClean="0"/>
-              <a:t>2020/6/1</a:t>
+              <a:t>2020/6/3</a:t>
             </a:fld>
             <a:endParaRPr lang="zh-CN" altLang="en-US"/>
           </a:p>
@@ -458,7 +458,7 @@
           <a:p>
             <a:fld id="{0572D963-F112-4488-97DB-CD8B600123CD}" type="datetimeFigureOut">
               <a:rPr lang="zh-CN" altLang="en-US" smtClean="0"/>
-              <a:t>2020/6/1</a:t>
+              <a:t>2020/6/3</a:t>
             </a:fld>
             <a:endParaRPr lang="zh-CN" altLang="en-US"/>
           </a:p>
@@ -666,7 +666,7 @@
           <a:p>
             <a:fld id="{0572D963-F112-4488-97DB-CD8B600123CD}" type="datetimeFigureOut">
               <a:rPr lang="zh-CN" altLang="en-US" smtClean="0"/>
-              <a:t>2020/6/1</a:t>
+              <a:t>2020/6/3</a:t>
             </a:fld>
             <a:endParaRPr lang="zh-CN" altLang="en-US"/>
           </a:p>
@@ -864,7 +864,7 @@
           <a:p>
             <a:fld id="{0572D963-F112-4488-97DB-CD8B600123CD}" type="datetimeFigureOut">
               <a:rPr lang="zh-CN" altLang="en-US" smtClean="0"/>
-              <a:t>2020/6/1</a:t>
+              <a:t>2020/6/3</a:t>
             </a:fld>
             <a:endParaRPr lang="zh-CN" altLang="en-US"/>
           </a:p>
@@ -1139,7 +1139,7 @@
           <a:p>
             <a:fld id="{0572D963-F112-4488-97DB-CD8B600123CD}" type="datetimeFigureOut">
               <a:rPr lang="zh-CN" altLang="en-US" smtClean="0"/>
-              <a:t>2020/6/1</a:t>
+              <a:t>2020/6/3</a:t>
             </a:fld>
             <a:endParaRPr lang="zh-CN" altLang="en-US"/>
           </a:p>
@@ -1404,7 +1404,7 @@
           <a:p>
             <a:fld id="{0572D963-F112-4488-97DB-CD8B600123CD}" type="datetimeFigureOut">
               <a:rPr lang="zh-CN" altLang="en-US" smtClean="0"/>
-              <a:t>2020/6/1</a:t>
+              <a:t>2020/6/3</a:t>
             </a:fld>
             <a:endParaRPr lang="zh-CN" altLang="en-US"/>
           </a:p>
@@ -1816,7 +1816,7 @@
           <a:p>
             <a:fld id="{0572D963-F112-4488-97DB-CD8B600123CD}" type="datetimeFigureOut">
               <a:rPr lang="zh-CN" altLang="en-US" smtClean="0"/>
-              <a:t>2020/6/1</a:t>
+              <a:t>2020/6/3</a:t>
             </a:fld>
             <a:endParaRPr lang="zh-CN" altLang="en-US"/>
           </a:p>
@@ -1957,7 +1957,7 @@
           <a:p>
             <a:fld id="{0572D963-F112-4488-97DB-CD8B600123CD}" type="datetimeFigureOut">
               <a:rPr lang="zh-CN" altLang="en-US" smtClean="0"/>
-              <a:t>2020/6/1</a:t>
+              <a:t>2020/6/3</a:t>
             </a:fld>
             <a:endParaRPr lang="zh-CN" altLang="en-US"/>
           </a:p>
@@ -2070,7 +2070,7 @@
           <a:p>
             <a:fld id="{0572D963-F112-4488-97DB-CD8B600123CD}" type="datetimeFigureOut">
               <a:rPr lang="zh-CN" altLang="en-US" smtClean="0"/>
-              <a:t>2020/6/1</a:t>
+              <a:t>2020/6/3</a:t>
             </a:fld>
             <a:endParaRPr lang="zh-CN" altLang="en-US"/>
           </a:p>
@@ -2381,7 +2381,7 @@
           <a:p>
             <a:fld id="{0572D963-F112-4488-97DB-CD8B600123CD}" type="datetimeFigureOut">
               <a:rPr lang="zh-CN" altLang="en-US" smtClean="0"/>
-              <a:t>2020/6/1</a:t>
+              <a:t>2020/6/3</a:t>
             </a:fld>
             <a:endParaRPr lang="zh-CN" altLang="en-US"/>
           </a:p>
@@ -2669,7 +2669,7 @@
           <a:p>
             <a:fld id="{0572D963-F112-4488-97DB-CD8B600123CD}" type="datetimeFigureOut">
               <a:rPr lang="zh-CN" altLang="en-US" smtClean="0"/>
-              <a:t>2020/6/1</a:t>
+              <a:t>2020/6/3</a:t>
             </a:fld>
             <a:endParaRPr lang="zh-CN" altLang="en-US"/>
           </a:p>
@@ -2910,7 +2910,7 @@
           <a:p>
             <a:fld id="{0572D963-F112-4488-97DB-CD8B600123CD}" type="datetimeFigureOut">
               <a:rPr lang="zh-CN" altLang="en-US" smtClean="0"/>
-              <a:t>2020/6/1</a:t>
+              <a:t>2020/6/3</a:t>
             </a:fld>
             <a:endParaRPr lang="zh-CN" altLang="en-US"/>
           </a:p>
@@ -3327,12 +3327,48 @@
           <a:chExt cx="0" cy="0"/>
         </a:xfrm>
       </p:grpSpPr>
+      <p:sp>
+        <p:nvSpPr>
+          <p:cNvPr id="71" name="文本框 70">
+            <a:extLst>
+              <a:ext uri="{FF2B5EF4-FFF2-40B4-BE49-F238E27FC236}">
+                <a16:creationId xmlns:a16="http://schemas.microsoft.com/office/drawing/2014/main" id="{52CA73A2-1355-415B-8542-48E92A9A8338}"/>
+              </a:ext>
+            </a:extLst>
+          </p:cNvPr>
+          <p:cNvSpPr txBox="1"/>
+          <p:nvPr/>
+        </p:nvSpPr>
+        <p:spPr>
+          <a:xfrm>
+            <a:off x="451313" y="470936"/>
+            <a:ext cx="962123" cy="369332"/>
+          </a:xfrm>
+          <a:prstGeom prst="rect">
+            <a:avLst/>
+          </a:prstGeom>
+          <a:noFill/>
+        </p:spPr>
+        <p:txBody>
+          <a:bodyPr wrap="none" rtlCol="0">
+            <a:spAutoFit/>
+          </a:bodyPr>
+          <a:lstStyle/>
+          <a:p>
+            <a:r>
+              <a:rPr lang="en-US" altLang="zh-CN" dirty="0"/>
+              <a:t>Schema</a:t>
+            </a:r>
+            <a:endParaRPr lang="zh-CN" altLang="en-US" dirty="0"/>
+          </a:p>
+        </p:txBody>
+      </p:sp>
       <p:grpSp>
         <p:nvGrpSpPr>
-          <p:cNvPr id="4" name="组合 3">
-            <a:extLst>
-              <a:ext uri="{FF2B5EF4-FFF2-40B4-BE49-F238E27FC236}">
-                <a16:creationId xmlns:a16="http://schemas.microsoft.com/office/drawing/2014/main" id="{313B7A89-30E0-41E1-A3FA-8D4E49F237DD}"/>
+          <p:cNvPr id="54" name="组合 53">
+            <a:extLst>
+              <a:ext uri="{FF2B5EF4-FFF2-40B4-BE49-F238E27FC236}">
+                <a16:creationId xmlns:a16="http://schemas.microsoft.com/office/drawing/2014/main" id="{AF34CE35-1214-4ECA-85B4-6A13D8B88151}"/>
               </a:ext>
             </a:extLst>
           </p:cNvPr>
@@ -3347,35 +3383,3280 @@
             <a:chExt cx="5935649" cy="2875475"/>
           </a:xfrm>
         </p:grpSpPr>
-        <p:cxnSp>
-          <p:nvCxnSpPr>
-            <p:cNvPr id="53" name="直接箭头连接符 52">
+        <p:grpSp>
+          <p:nvGrpSpPr>
+            <p:cNvPr id="4" name="组合 3">
               <a:extLst>
                 <a:ext uri="{FF2B5EF4-FFF2-40B4-BE49-F238E27FC236}">
-                  <a16:creationId xmlns:a16="http://schemas.microsoft.com/office/drawing/2014/main" id="{AC59A36B-BCB1-419D-87B6-7144D6DFBFC0}"/>
+                  <a16:creationId xmlns:a16="http://schemas.microsoft.com/office/drawing/2014/main" id="{313B7A89-30E0-41E1-A3FA-8D4E49F237DD}"/>
                 </a:ext>
               </a:extLst>
             </p:cNvPr>
-            <p:cNvCxnSpPr>
-              <a:cxnSpLocks/>
-              <a:stCxn id="8" idx="1"/>
-              <a:endCxn id="52" idx="3"/>
-            </p:cNvCxnSpPr>
+            <p:cNvGrpSpPr/>
             <p:nvPr/>
-          </p:nvCxnSpPr>
+          </p:nvGrpSpPr>
+          <p:grpSpPr>
+            <a:xfrm>
+              <a:off x="2491396" y="2718868"/>
+              <a:ext cx="5935649" cy="2875475"/>
+              <a:chOff x="2491396" y="2718868"/>
+              <a:chExt cx="5935649" cy="2875475"/>
+            </a:xfrm>
+          </p:grpSpPr>
+          <p:cxnSp>
+            <p:nvCxnSpPr>
+              <p:cNvPr id="53" name="直接箭头连接符 52">
+                <a:extLst>
+                  <a:ext uri="{FF2B5EF4-FFF2-40B4-BE49-F238E27FC236}">
+                    <a16:creationId xmlns:a16="http://schemas.microsoft.com/office/drawing/2014/main" id="{AC59A36B-BCB1-419D-87B6-7144D6DFBFC0}"/>
+                  </a:ext>
+                </a:extLst>
+              </p:cNvPr>
+              <p:cNvCxnSpPr>
+                <a:cxnSpLocks/>
+                <a:stCxn id="8" idx="1"/>
+                <a:endCxn id="52" idx="3"/>
+              </p:cNvCxnSpPr>
+              <p:nvPr/>
+            </p:nvCxnSpPr>
+            <p:spPr>
+              <a:xfrm flipH="1">
+                <a:off x="3366039" y="3659861"/>
+                <a:ext cx="1326591" cy="2558"/>
+              </a:xfrm>
+              <a:prstGeom prst="straightConnector1">
+                <a:avLst/>
+              </a:prstGeom>
+              <a:ln>
+                <a:solidFill>
+                  <a:schemeClr val="tx1"/>
+                </a:solidFill>
+                <a:tailEnd type="triangle"/>
+              </a:ln>
+            </p:spPr>
+            <p:style>
+              <a:lnRef idx="1">
+                <a:schemeClr val="dk1"/>
+              </a:lnRef>
+              <a:fillRef idx="0">
+                <a:schemeClr val="dk1"/>
+              </a:fillRef>
+              <a:effectRef idx="0">
+                <a:schemeClr val="dk1"/>
+              </a:effectRef>
+              <a:fontRef idx="minor">
+                <a:schemeClr val="tx1"/>
+              </a:fontRef>
+            </p:style>
+          </p:cxnSp>
+          <p:sp>
+            <p:nvSpPr>
+              <p:cNvPr id="5" name="矩形: 圆角 4">
+                <a:extLst>
+                  <a:ext uri="{FF2B5EF4-FFF2-40B4-BE49-F238E27FC236}">
+                    <a16:creationId xmlns:a16="http://schemas.microsoft.com/office/drawing/2014/main" id="{A63B6C7F-C778-4131-AF96-6EC835DD2005}"/>
+                  </a:ext>
+                </a:extLst>
+              </p:cNvPr>
+              <p:cNvSpPr/>
+              <p:nvPr/>
+            </p:nvSpPr>
+            <p:spPr>
+              <a:xfrm>
+                <a:off x="6006385" y="4792755"/>
+                <a:ext cx="874643" cy="287131"/>
+              </a:xfrm>
+              <a:prstGeom prst="roundRect">
+                <a:avLst/>
+              </a:prstGeom>
+              <a:noFill/>
+              <a:ln>
+                <a:solidFill>
+                  <a:schemeClr val="tx1"/>
+                </a:solidFill>
+              </a:ln>
+            </p:spPr>
+            <p:style>
+              <a:lnRef idx="2">
+                <a:schemeClr val="accent1">
+                  <a:shade val="50000"/>
+                </a:schemeClr>
+              </a:lnRef>
+              <a:fillRef idx="1">
+                <a:schemeClr val="accent1"/>
+              </a:fillRef>
+              <a:effectRef idx="0">
+                <a:schemeClr val="accent1"/>
+              </a:effectRef>
+              <a:fontRef idx="minor">
+                <a:schemeClr val="lt1"/>
+              </a:fontRef>
+            </p:style>
+            <p:txBody>
+              <a:bodyPr rtlCol="0" anchor="ctr"/>
+              <a:lstStyle/>
+              <a:p>
+                <a:pPr algn="ctr"/>
+                <a:r>
+                  <a:rPr lang="en-US" altLang="zh-CN" sz="1100" dirty="0">
+                    <a:solidFill>
+                      <a:schemeClr val="tx1"/>
+                    </a:solidFill>
+                    <a:latin typeface="Times New Roman" panose="02020603050405020304" pitchFamily="18" charset="0"/>
+                    <a:cs typeface="Times New Roman" panose="02020603050405020304" pitchFamily="18" charset="0"/>
+                  </a:rPr>
+                  <a:t>Host </a:t>
+                </a:r>
+              </a:p>
+              <a:p>
+                <a:pPr algn="ctr"/>
+                <a:r>
+                  <a:rPr lang="en-US" altLang="zh-CN" sz="500" dirty="0">
+                    <a:solidFill>
+                      <a:schemeClr val="tx1"/>
+                    </a:solidFill>
+                    <a:latin typeface="Times New Roman" panose="02020603050405020304" pitchFamily="18" charset="0"/>
+                    <a:cs typeface="Times New Roman" panose="02020603050405020304" pitchFamily="18" charset="0"/>
+                  </a:rPr>
+                  <a:t>Human</a:t>
+                </a:r>
+                <a:endParaRPr lang="zh-CN" altLang="en-US" sz="500" dirty="0">
+                  <a:solidFill>
+                    <a:schemeClr val="tx1"/>
+                  </a:solidFill>
+                  <a:latin typeface="Times New Roman" panose="02020603050405020304" pitchFamily="18" charset="0"/>
+                  <a:cs typeface="Times New Roman" panose="02020603050405020304" pitchFamily="18" charset="0"/>
+                </a:endParaRPr>
+              </a:p>
+            </p:txBody>
+          </p:sp>
+          <p:sp>
+            <p:nvSpPr>
+              <p:cNvPr id="6" name="矩形: 圆角 5">
+                <a:extLst>
+                  <a:ext uri="{FF2B5EF4-FFF2-40B4-BE49-F238E27FC236}">
+                    <a16:creationId xmlns:a16="http://schemas.microsoft.com/office/drawing/2014/main" id="{53240D7A-8279-4CBF-9F80-DCB4FC99650D}"/>
+                  </a:ext>
+                </a:extLst>
+              </p:cNvPr>
+              <p:cNvSpPr/>
+              <p:nvPr/>
+            </p:nvSpPr>
+            <p:spPr>
+              <a:xfrm>
+                <a:off x="3555087" y="4036224"/>
+                <a:ext cx="874643" cy="287131"/>
+              </a:xfrm>
+              <a:prstGeom prst="roundRect">
+                <a:avLst/>
+              </a:prstGeom>
+              <a:noFill/>
+              <a:ln>
+                <a:solidFill>
+                  <a:schemeClr val="tx1"/>
+                </a:solidFill>
+              </a:ln>
+            </p:spPr>
+            <p:style>
+              <a:lnRef idx="2">
+                <a:schemeClr val="accent1">
+                  <a:shade val="50000"/>
+                </a:schemeClr>
+              </a:lnRef>
+              <a:fillRef idx="1">
+                <a:schemeClr val="accent1"/>
+              </a:fillRef>
+              <a:effectRef idx="0">
+                <a:schemeClr val="accent1"/>
+              </a:effectRef>
+              <a:fontRef idx="minor">
+                <a:schemeClr val="lt1"/>
+              </a:fontRef>
+            </p:style>
+            <p:txBody>
+              <a:bodyPr rtlCol="0" anchor="ctr"/>
+              <a:lstStyle/>
+              <a:p>
+                <a:pPr algn="ctr"/>
+                <a:r>
+                  <a:rPr lang="en-US" altLang="zh-CN" sz="1100" dirty="0">
+                    <a:solidFill>
+                      <a:schemeClr val="tx1"/>
+                    </a:solidFill>
+                    <a:latin typeface="Times New Roman" panose="02020603050405020304" pitchFamily="18" charset="0"/>
+                    <a:cs typeface="Times New Roman" panose="02020603050405020304" pitchFamily="18" charset="0"/>
+                  </a:rPr>
+                  <a:t>Virus Protein</a:t>
+                </a:r>
+                <a:endParaRPr lang="zh-CN" altLang="en-US" sz="1100" dirty="0"/>
+              </a:p>
+            </p:txBody>
+          </p:sp>
+          <p:sp>
+            <p:nvSpPr>
+              <p:cNvPr id="7" name="矩形: 圆角 6">
+                <a:extLst>
+                  <a:ext uri="{FF2B5EF4-FFF2-40B4-BE49-F238E27FC236}">
+                    <a16:creationId xmlns:a16="http://schemas.microsoft.com/office/drawing/2014/main" id="{48D16F5A-3C4B-4FDF-AB1C-948AD99DA15D}"/>
+                  </a:ext>
+                </a:extLst>
+              </p:cNvPr>
+              <p:cNvSpPr/>
+              <p:nvPr/>
+            </p:nvSpPr>
+            <p:spPr>
+              <a:xfrm>
+                <a:off x="6014713" y="4036224"/>
+                <a:ext cx="874643" cy="287131"/>
+              </a:xfrm>
+              <a:prstGeom prst="roundRect">
+                <a:avLst/>
+              </a:prstGeom>
+              <a:noFill/>
+              <a:ln>
+                <a:solidFill>
+                  <a:schemeClr val="tx1"/>
+                </a:solidFill>
+              </a:ln>
+            </p:spPr>
+            <p:style>
+              <a:lnRef idx="2">
+                <a:schemeClr val="accent1">
+                  <a:shade val="50000"/>
+                </a:schemeClr>
+              </a:lnRef>
+              <a:fillRef idx="1">
+                <a:schemeClr val="accent1"/>
+              </a:fillRef>
+              <a:effectRef idx="0">
+                <a:schemeClr val="accent1"/>
+              </a:effectRef>
+              <a:fontRef idx="minor">
+                <a:schemeClr val="lt1"/>
+              </a:fontRef>
+            </p:style>
+            <p:txBody>
+              <a:bodyPr rtlCol="0" anchor="ctr"/>
+              <a:lstStyle/>
+              <a:p>
+                <a:pPr algn="ctr"/>
+                <a:r>
+                  <a:rPr lang="en-US" altLang="zh-CN" sz="1100" dirty="0">
+                    <a:solidFill>
+                      <a:schemeClr val="tx1"/>
+                    </a:solidFill>
+                    <a:latin typeface="Times New Roman" panose="02020603050405020304" pitchFamily="18" charset="0"/>
+                    <a:cs typeface="Times New Roman" panose="02020603050405020304" pitchFamily="18" charset="0"/>
+                  </a:rPr>
+                  <a:t>Host Protein</a:t>
+                </a:r>
+                <a:endParaRPr lang="zh-CN" altLang="en-US" sz="1100" dirty="0">
+                  <a:solidFill>
+                    <a:schemeClr val="tx1"/>
+                  </a:solidFill>
+                  <a:latin typeface="Times New Roman" panose="02020603050405020304" pitchFamily="18" charset="0"/>
+                  <a:cs typeface="Times New Roman" panose="02020603050405020304" pitchFamily="18" charset="0"/>
+                </a:endParaRPr>
+              </a:p>
+            </p:txBody>
+          </p:sp>
+          <p:sp>
+            <p:nvSpPr>
+              <p:cNvPr id="8" name="矩形: 圆角 7">
+                <a:extLst>
+                  <a:ext uri="{FF2B5EF4-FFF2-40B4-BE49-F238E27FC236}">
+                    <a16:creationId xmlns:a16="http://schemas.microsoft.com/office/drawing/2014/main" id="{3E5071F0-3EB9-4671-BA54-5185AE6E13A6}"/>
+                  </a:ext>
+                </a:extLst>
+              </p:cNvPr>
+              <p:cNvSpPr/>
+              <p:nvPr/>
+            </p:nvSpPr>
+            <p:spPr>
+              <a:xfrm>
+                <a:off x="4692630" y="3516295"/>
+                <a:ext cx="930687" cy="287131"/>
+              </a:xfrm>
+              <a:prstGeom prst="roundRect">
+                <a:avLst/>
+              </a:prstGeom>
+              <a:noFill/>
+              <a:ln>
+                <a:solidFill>
+                  <a:schemeClr val="tx1"/>
+                </a:solidFill>
+              </a:ln>
+            </p:spPr>
+            <p:style>
+              <a:lnRef idx="2">
+                <a:schemeClr val="accent1">
+                  <a:shade val="50000"/>
+                </a:schemeClr>
+              </a:lnRef>
+              <a:fillRef idx="1">
+                <a:schemeClr val="accent1"/>
+              </a:fillRef>
+              <a:effectRef idx="0">
+                <a:schemeClr val="accent1"/>
+              </a:effectRef>
+              <a:fontRef idx="minor">
+                <a:schemeClr val="lt1"/>
+              </a:fontRef>
+            </p:style>
+            <p:txBody>
+              <a:bodyPr rtlCol="0" anchor="ctr"/>
+              <a:lstStyle/>
+              <a:p>
+                <a:pPr algn="ctr"/>
+                <a:r>
+                  <a:rPr lang="en-US" altLang="zh-CN" sz="1100" dirty="0">
+                    <a:solidFill>
+                      <a:schemeClr val="tx1"/>
+                    </a:solidFill>
+                    <a:latin typeface="Times New Roman" panose="02020603050405020304" pitchFamily="18" charset="0"/>
+                    <a:cs typeface="Times New Roman" panose="02020603050405020304" pitchFamily="18" charset="0"/>
+                  </a:rPr>
+                  <a:t>Virus</a:t>
+                </a:r>
+              </a:p>
+              <a:p>
+                <a:pPr algn="ctr"/>
+                <a:r>
+                  <a:rPr lang="en-US" altLang="zh-CN" sz="400" dirty="0">
+                    <a:solidFill>
+                      <a:schemeClr val="tx1"/>
+                    </a:solidFill>
+                    <a:latin typeface="Times New Roman" panose="02020603050405020304" pitchFamily="18" charset="0"/>
+                    <a:cs typeface="Times New Roman" panose="02020603050405020304" pitchFamily="18" charset="0"/>
+                  </a:rPr>
+                  <a:t>SARS-</a:t>
+                </a:r>
+                <a:r>
+                  <a:rPr lang="en-US" altLang="zh-CN" sz="400" dirty="0" err="1">
+                    <a:solidFill>
+                      <a:schemeClr val="tx1"/>
+                    </a:solidFill>
+                    <a:latin typeface="Times New Roman" panose="02020603050405020304" pitchFamily="18" charset="0"/>
+                    <a:cs typeface="Times New Roman" panose="02020603050405020304" pitchFamily="18" charset="0"/>
+                  </a:rPr>
+                  <a:t>CoV</a:t>
+                </a:r>
+                <a:r>
+                  <a:rPr lang="en-US" altLang="zh-CN" sz="400" dirty="0">
+                    <a:solidFill>
+                      <a:schemeClr val="tx1"/>
+                    </a:solidFill>
+                    <a:latin typeface="Times New Roman" panose="02020603050405020304" pitchFamily="18" charset="0"/>
+                    <a:cs typeface="Times New Roman" panose="02020603050405020304" pitchFamily="18" charset="0"/>
+                  </a:rPr>
+                  <a:t>, MERS-</a:t>
+                </a:r>
+                <a:r>
+                  <a:rPr lang="en-US" altLang="zh-CN" sz="400" dirty="0" err="1">
+                    <a:solidFill>
+                      <a:schemeClr val="tx1"/>
+                    </a:solidFill>
+                    <a:latin typeface="Times New Roman" panose="02020603050405020304" pitchFamily="18" charset="0"/>
+                    <a:cs typeface="Times New Roman" panose="02020603050405020304" pitchFamily="18" charset="0"/>
+                  </a:rPr>
+                  <a:t>CoV</a:t>
+                </a:r>
+                <a:r>
+                  <a:rPr lang="en-US" altLang="zh-CN" sz="400" dirty="0">
+                    <a:solidFill>
+                      <a:schemeClr val="tx1"/>
+                    </a:solidFill>
+                    <a:latin typeface="Times New Roman" panose="02020603050405020304" pitchFamily="18" charset="0"/>
+                    <a:cs typeface="Times New Roman" panose="02020603050405020304" pitchFamily="18" charset="0"/>
+                  </a:rPr>
+                  <a:t>, IBV, MHV, </a:t>
+                </a:r>
+                <a:r>
+                  <a:rPr lang="en-US" altLang="zh-CN" sz="400" dirty="0" err="1">
+                    <a:solidFill>
+                      <a:schemeClr val="tx1"/>
+                    </a:solidFill>
+                    <a:latin typeface="Times New Roman" panose="02020603050405020304" pitchFamily="18" charset="0"/>
+                    <a:cs typeface="Times New Roman" panose="02020603050405020304" pitchFamily="18" charset="0"/>
+                  </a:rPr>
+                  <a:t>HCoV</a:t>
+                </a:r>
+                <a:r>
+                  <a:rPr lang="en-US" altLang="zh-CN" sz="400" dirty="0">
+                    <a:solidFill>
+                      <a:schemeClr val="tx1"/>
+                    </a:solidFill>
+                    <a:latin typeface="Times New Roman" panose="02020603050405020304" pitchFamily="18" charset="0"/>
+                    <a:cs typeface="Times New Roman" panose="02020603050405020304" pitchFamily="18" charset="0"/>
+                  </a:rPr>
+                  <a:t>- 229E, HCoV-NL63</a:t>
+                </a:r>
+                <a:endParaRPr lang="zh-CN" altLang="en-US" sz="400" dirty="0">
+                  <a:solidFill>
+                    <a:schemeClr val="tx1"/>
+                  </a:solidFill>
+                  <a:latin typeface="Times New Roman" panose="02020603050405020304" pitchFamily="18" charset="0"/>
+                  <a:cs typeface="Times New Roman" panose="02020603050405020304" pitchFamily="18" charset="0"/>
+                </a:endParaRPr>
+              </a:p>
+            </p:txBody>
+          </p:sp>
+          <p:cxnSp>
+            <p:nvCxnSpPr>
+              <p:cNvPr id="9" name="直接箭头连接符 8">
+                <a:extLst>
+                  <a:ext uri="{FF2B5EF4-FFF2-40B4-BE49-F238E27FC236}">
+                    <a16:creationId xmlns:a16="http://schemas.microsoft.com/office/drawing/2014/main" id="{CF2B91F4-1624-4A8C-BD39-70B76ECD9B9B}"/>
+                  </a:ext>
+                </a:extLst>
+              </p:cNvPr>
+              <p:cNvCxnSpPr>
+                <a:cxnSpLocks/>
+              </p:cNvCxnSpPr>
+              <p:nvPr/>
+            </p:nvCxnSpPr>
+            <p:spPr>
+              <a:xfrm flipH="1">
+                <a:off x="4429731" y="3803426"/>
+                <a:ext cx="266380" cy="232798"/>
+              </a:xfrm>
+              <a:prstGeom prst="straightConnector1">
+                <a:avLst/>
+              </a:prstGeom>
+              <a:ln>
+                <a:solidFill>
+                  <a:schemeClr val="tx1"/>
+                </a:solidFill>
+                <a:tailEnd type="triangle"/>
+              </a:ln>
+            </p:spPr>
+            <p:style>
+              <a:lnRef idx="1">
+                <a:schemeClr val="dk1"/>
+              </a:lnRef>
+              <a:fillRef idx="0">
+                <a:schemeClr val="dk1"/>
+              </a:fillRef>
+              <a:effectRef idx="0">
+                <a:schemeClr val="dk1"/>
+              </a:effectRef>
+              <a:fontRef idx="minor">
+                <a:schemeClr val="tx1"/>
+              </a:fontRef>
+            </p:style>
+          </p:cxnSp>
+          <p:cxnSp>
+            <p:nvCxnSpPr>
+              <p:cNvPr id="10" name="直接箭头连接符 9">
+                <a:extLst>
+                  <a:ext uri="{FF2B5EF4-FFF2-40B4-BE49-F238E27FC236}">
+                    <a16:creationId xmlns:a16="http://schemas.microsoft.com/office/drawing/2014/main" id="{EA43B717-8C0C-4A88-B9D8-B45D73C7D47A}"/>
+                  </a:ext>
+                </a:extLst>
+              </p:cNvPr>
+              <p:cNvCxnSpPr>
+                <a:cxnSpLocks/>
+                <a:endCxn id="7" idx="1"/>
+              </p:cNvCxnSpPr>
+              <p:nvPr/>
+            </p:nvCxnSpPr>
+            <p:spPr>
+              <a:xfrm>
+                <a:off x="4429730" y="4179789"/>
+                <a:ext cx="1584983" cy="1"/>
+              </a:xfrm>
+              <a:prstGeom prst="straightConnector1">
+                <a:avLst/>
+              </a:prstGeom>
+              <a:ln>
+                <a:solidFill>
+                  <a:schemeClr val="tx1"/>
+                </a:solidFill>
+                <a:tailEnd type="triangle"/>
+              </a:ln>
+            </p:spPr>
+            <p:style>
+              <a:lnRef idx="1">
+                <a:schemeClr val="dk1"/>
+              </a:lnRef>
+              <a:fillRef idx="0">
+                <a:schemeClr val="dk1"/>
+              </a:fillRef>
+              <a:effectRef idx="0">
+                <a:schemeClr val="dk1"/>
+              </a:effectRef>
+              <a:fontRef idx="minor">
+                <a:schemeClr val="tx1"/>
+              </a:fontRef>
+            </p:style>
+          </p:cxnSp>
+          <p:sp>
+            <p:nvSpPr>
+              <p:cNvPr id="11" name="矩形 10">
+                <a:extLst>
+                  <a:ext uri="{FF2B5EF4-FFF2-40B4-BE49-F238E27FC236}">
+                    <a16:creationId xmlns:a16="http://schemas.microsoft.com/office/drawing/2014/main" id="{AE4715F4-5CB2-4538-B2E3-A4170FE8FA44}"/>
+                  </a:ext>
+                </a:extLst>
+              </p:cNvPr>
+              <p:cNvSpPr/>
+              <p:nvPr/>
+            </p:nvSpPr>
+            <p:spPr>
+              <a:xfrm>
+                <a:off x="4492079" y="3846273"/>
+                <a:ext cx="599844" cy="246221"/>
+              </a:xfrm>
+              <a:prstGeom prst="rect">
+                <a:avLst/>
+              </a:prstGeom>
+            </p:spPr>
+            <p:txBody>
+              <a:bodyPr wrap="none">
+                <a:spAutoFit/>
+              </a:bodyPr>
+              <a:lstStyle/>
+              <a:p>
+                <a:r>
+                  <a:rPr lang="en-US" altLang="zh-CN" sz="1000" dirty="0">
+                    <a:latin typeface="Times New Roman" panose="02020603050405020304" pitchFamily="18" charset="0"/>
+                    <a:cs typeface="Times New Roman" panose="02020603050405020304" pitchFamily="18" charset="0"/>
+                  </a:rPr>
+                  <a:t>produce</a:t>
+                </a:r>
+                <a:endParaRPr lang="zh-CN" altLang="en-US" sz="1000" dirty="0"/>
+              </a:p>
+            </p:txBody>
+          </p:sp>
+          <p:sp>
+            <p:nvSpPr>
+              <p:cNvPr id="12" name="矩形 11">
+                <a:extLst>
+                  <a:ext uri="{FF2B5EF4-FFF2-40B4-BE49-F238E27FC236}">
+                    <a16:creationId xmlns:a16="http://schemas.microsoft.com/office/drawing/2014/main" id="{3D79CAB7-8B2B-409B-B81F-A9529044084F}"/>
+                  </a:ext>
+                </a:extLst>
+              </p:cNvPr>
+              <p:cNvSpPr/>
+              <p:nvPr/>
+            </p:nvSpPr>
+            <p:spPr>
+              <a:xfrm>
+                <a:off x="4980052" y="4164277"/>
+                <a:ext cx="412292" cy="246221"/>
+              </a:xfrm>
+              <a:prstGeom prst="rect">
+                <a:avLst/>
+              </a:prstGeom>
+            </p:spPr>
+            <p:txBody>
+              <a:bodyPr wrap="none">
+                <a:spAutoFit/>
+              </a:bodyPr>
+              <a:lstStyle/>
+              <a:p>
+                <a:r>
+                  <a:rPr lang="en-US" altLang="zh-CN" sz="1000" dirty="0">
+                    <a:latin typeface="Times New Roman" panose="02020603050405020304" pitchFamily="18" charset="0"/>
+                    <a:cs typeface="Times New Roman" panose="02020603050405020304" pitchFamily="18" charset="0"/>
+                  </a:rPr>
+                  <a:t>bind</a:t>
+                </a:r>
+                <a:endParaRPr lang="zh-CN" altLang="en-US" sz="1000" dirty="0"/>
+              </a:p>
+            </p:txBody>
+          </p:sp>
+          <p:sp>
+            <p:nvSpPr>
+              <p:cNvPr id="13" name="矩形: 圆角 12">
+                <a:extLst>
+                  <a:ext uri="{FF2B5EF4-FFF2-40B4-BE49-F238E27FC236}">
+                    <a16:creationId xmlns:a16="http://schemas.microsoft.com/office/drawing/2014/main" id="{542516D4-7F17-476C-BE21-D23415E03D1A}"/>
+                  </a:ext>
+                </a:extLst>
+              </p:cNvPr>
+              <p:cNvSpPr/>
+              <p:nvPr/>
+            </p:nvSpPr>
+            <p:spPr>
+              <a:xfrm>
+                <a:off x="3939611" y="2764044"/>
+                <a:ext cx="874643" cy="287131"/>
+              </a:xfrm>
+              <a:prstGeom prst="roundRect">
+                <a:avLst/>
+              </a:prstGeom>
+              <a:noFill/>
+              <a:ln>
+                <a:solidFill>
+                  <a:schemeClr val="tx1"/>
+                </a:solidFill>
+              </a:ln>
+            </p:spPr>
+            <p:style>
+              <a:lnRef idx="2">
+                <a:schemeClr val="accent1">
+                  <a:shade val="50000"/>
+                </a:schemeClr>
+              </a:lnRef>
+              <a:fillRef idx="1">
+                <a:schemeClr val="accent1"/>
+              </a:fillRef>
+              <a:effectRef idx="0">
+                <a:schemeClr val="accent1"/>
+              </a:effectRef>
+              <a:fontRef idx="minor">
+                <a:schemeClr val="lt1"/>
+              </a:fontRef>
+            </p:style>
+            <p:txBody>
+              <a:bodyPr rtlCol="0" anchor="ctr"/>
+              <a:lstStyle/>
+              <a:p>
+                <a:pPr algn="ctr"/>
+                <a:r>
+                  <a:rPr lang="en-US" altLang="zh-CN" sz="1100" dirty="0">
+                    <a:solidFill>
+                      <a:schemeClr val="tx1"/>
+                    </a:solidFill>
+                    <a:latin typeface="Times New Roman" panose="02020603050405020304" pitchFamily="18" charset="0"/>
+                    <a:cs typeface="Times New Roman" panose="02020603050405020304" pitchFamily="18" charset="0"/>
+                  </a:rPr>
+                  <a:t>Drug</a:t>
+                </a:r>
+                <a:endParaRPr lang="zh-CN" altLang="en-US" sz="1100" dirty="0"/>
+              </a:p>
+            </p:txBody>
+          </p:sp>
+          <p:sp>
+            <p:nvSpPr>
+              <p:cNvPr id="14" name="矩形: 圆角 13">
+                <a:extLst>
+                  <a:ext uri="{FF2B5EF4-FFF2-40B4-BE49-F238E27FC236}">
+                    <a16:creationId xmlns:a16="http://schemas.microsoft.com/office/drawing/2014/main" id="{309B6005-4087-4C37-92E2-9B435A699803}"/>
+                  </a:ext>
+                </a:extLst>
+              </p:cNvPr>
+              <p:cNvSpPr/>
+              <p:nvPr/>
+            </p:nvSpPr>
+            <p:spPr>
+              <a:xfrm>
+                <a:off x="7511725" y="4036224"/>
+                <a:ext cx="874643" cy="287131"/>
+              </a:xfrm>
+              <a:prstGeom prst="roundRect">
+                <a:avLst/>
+              </a:prstGeom>
+              <a:noFill/>
+              <a:ln>
+                <a:solidFill>
+                  <a:schemeClr val="tx1"/>
+                </a:solidFill>
+              </a:ln>
+            </p:spPr>
+            <p:style>
+              <a:lnRef idx="2">
+                <a:schemeClr val="accent1">
+                  <a:shade val="50000"/>
+                </a:schemeClr>
+              </a:lnRef>
+              <a:fillRef idx="1">
+                <a:schemeClr val="accent1"/>
+              </a:fillRef>
+              <a:effectRef idx="0">
+                <a:schemeClr val="accent1"/>
+              </a:effectRef>
+              <a:fontRef idx="minor">
+                <a:schemeClr val="lt1"/>
+              </a:fontRef>
+            </p:style>
+            <p:txBody>
+              <a:bodyPr rtlCol="0" anchor="ctr"/>
+              <a:lstStyle/>
+              <a:p>
+                <a:pPr algn="ctr"/>
+                <a:r>
+                  <a:rPr lang="en-US" altLang="zh-CN" sz="1100" dirty="0">
+                    <a:solidFill>
+                      <a:schemeClr val="tx1"/>
+                    </a:solidFill>
+                    <a:latin typeface="Times New Roman" panose="02020603050405020304" pitchFamily="18" charset="0"/>
+                    <a:cs typeface="Times New Roman" panose="02020603050405020304" pitchFamily="18" charset="0"/>
+                  </a:rPr>
+                  <a:t>NCBI </a:t>
+                </a:r>
+              </a:p>
+              <a:p>
+                <a:pPr algn="ctr"/>
+                <a:r>
+                  <a:rPr lang="en-US" altLang="zh-CN" sz="1100" dirty="0">
+                    <a:solidFill>
+                      <a:schemeClr val="tx1"/>
+                    </a:solidFill>
+                    <a:latin typeface="Times New Roman" panose="02020603050405020304" pitchFamily="18" charset="0"/>
+                    <a:cs typeface="Times New Roman" panose="02020603050405020304" pitchFamily="18" charset="0"/>
+                  </a:rPr>
+                  <a:t>gene ID</a:t>
+                </a:r>
+                <a:endParaRPr lang="zh-CN" altLang="en-US" sz="1100" dirty="0">
+                  <a:solidFill>
+                    <a:schemeClr val="tx1"/>
+                  </a:solidFill>
+                  <a:latin typeface="Times New Roman" panose="02020603050405020304" pitchFamily="18" charset="0"/>
+                  <a:cs typeface="Times New Roman" panose="02020603050405020304" pitchFamily="18" charset="0"/>
+                </a:endParaRPr>
+              </a:p>
+            </p:txBody>
+          </p:sp>
+          <p:sp>
+            <p:nvSpPr>
+              <p:cNvPr id="15" name="矩形: 圆角 14">
+                <a:extLst>
+                  <a:ext uri="{FF2B5EF4-FFF2-40B4-BE49-F238E27FC236}">
+                    <a16:creationId xmlns:a16="http://schemas.microsoft.com/office/drawing/2014/main" id="{4FB6D4C2-71DF-4A5E-AD19-73D1D021FC93}"/>
+                  </a:ext>
+                </a:extLst>
+              </p:cNvPr>
+              <p:cNvSpPr/>
+              <p:nvPr/>
+            </p:nvSpPr>
+            <p:spPr>
+              <a:xfrm>
+                <a:off x="7511725" y="2762815"/>
+                <a:ext cx="874643" cy="287131"/>
+              </a:xfrm>
+              <a:prstGeom prst="roundRect">
+                <a:avLst/>
+              </a:prstGeom>
+              <a:noFill/>
+              <a:ln>
+                <a:solidFill>
+                  <a:schemeClr val="tx1"/>
+                </a:solidFill>
+              </a:ln>
+            </p:spPr>
+            <p:style>
+              <a:lnRef idx="2">
+                <a:schemeClr val="accent1">
+                  <a:shade val="50000"/>
+                </a:schemeClr>
+              </a:lnRef>
+              <a:fillRef idx="1">
+                <a:schemeClr val="accent1"/>
+              </a:fillRef>
+              <a:effectRef idx="0">
+                <a:schemeClr val="accent1"/>
+              </a:effectRef>
+              <a:fontRef idx="minor">
+                <a:schemeClr val="lt1"/>
+              </a:fontRef>
+            </p:style>
+            <p:txBody>
+              <a:bodyPr rtlCol="0" anchor="ctr"/>
+              <a:lstStyle/>
+              <a:p>
+                <a:pPr algn="ctr"/>
+                <a:r>
+                  <a:rPr lang="en-US" altLang="zh-CN" sz="1100" dirty="0">
+                    <a:solidFill>
+                      <a:schemeClr val="tx1"/>
+                    </a:solidFill>
+                    <a:latin typeface="Times New Roman" panose="02020603050405020304" pitchFamily="18" charset="0"/>
+                    <a:cs typeface="Times New Roman" panose="02020603050405020304" pitchFamily="18" charset="0"/>
+                  </a:rPr>
+                  <a:t>HPO ID</a:t>
+                </a:r>
+              </a:p>
+              <a:p>
+                <a:pPr algn="ctr"/>
+                <a:r>
+                  <a:rPr lang="en-US" altLang="zh-CN" sz="1100" dirty="0">
+                    <a:solidFill>
+                      <a:schemeClr val="tx1"/>
+                    </a:solidFill>
+                    <a:latin typeface="Times New Roman" panose="02020603050405020304" pitchFamily="18" charset="0"/>
+                    <a:cs typeface="Times New Roman" panose="02020603050405020304" pitchFamily="18" charset="0"/>
+                  </a:rPr>
+                  <a:t>(Symptom)</a:t>
+                </a:r>
+                <a:endParaRPr lang="zh-CN" altLang="en-US" sz="1100" dirty="0">
+                  <a:solidFill>
+                    <a:schemeClr val="tx1"/>
+                  </a:solidFill>
+                  <a:latin typeface="Times New Roman" panose="02020603050405020304" pitchFamily="18" charset="0"/>
+                  <a:cs typeface="Times New Roman" panose="02020603050405020304" pitchFamily="18" charset="0"/>
+                </a:endParaRPr>
+              </a:p>
+            </p:txBody>
+          </p:sp>
+          <p:cxnSp>
+            <p:nvCxnSpPr>
+              <p:cNvPr id="16" name="直接箭头连接符 15">
+                <a:extLst>
+                  <a:ext uri="{FF2B5EF4-FFF2-40B4-BE49-F238E27FC236}">
+                    <a16:creationId xmlns:a16="http://schemas.microsoft.com/office/drawing/2014/main" id="{17060873-8937-4056-AA63-D68BD442EEE6}"/>
+                  </a:ext>
+                </a:extLst>
+              </p:cNvPr>
+              <p:cNvCxnSpPr>
+                <a:cxnSpLocks/>
+                <a:endCxn id="14" idx="1"/>
+              </p:cNvCxnSpPr>
+              <p:nvPr/>
+            </p:nvCxnSpPr>
+            <p:spPr>
+              <a:xfrm flipV="1">
+                <a:off x="6889357" y="4179790"/>
+                <a:ext cx="622368" cy="8684"/>
+              </a:xfrm>
+              <a:prstGeom prst="straightConnector1">
+                <a:avLst/>
+              </a:prstGeom>
+              <a:ln>
+                <a:headEnd type="triangle"/>
+                <a:tailEnd type="none"/>
+              </a:ln>
+            </p:spPr>
+            <p:style>
+              <a:lnRef idx="1">
+                <a:schemeClr val="dk1"/>
+              </a:lnRef>
+              <a:fillRef idx="0">
+                <a:schemeClr val="dk1"/>
+              </a:fillRef>
+              <a:effectRef idx="0">
+                <a:schemeClr val="dk1"/>
+              </a:effectRef>
+              <a:fontRef idx="minor">
+                <a:schemeClr val="tx1"/>
+              </a:fontRef>
+            </p:style>
+          </p:cxnSp>
+          <p:sp>
+            <p:nvSpPr>
+              <p:cNvPr id="17" name="矩形 16">
+                <a:extLst>
+                  <a:ext uri="{FF2B5EF4-FFF2-40B4-BE49-F238E27FC236}">
+                    <a16:creationId xmlns:a16="http://schemas.microsoft.com/office/drawing/2014/main" id="{E37B7C62-8068-42C0-A68A-0BB4C686514E}"/>
+                  </a:ext>
+                </a:extLst>
+              </p:cNvPr>
+              <p:cNvSpPr/>
+              <p:nvPr/>
+            </p:nvSpPr>
+            <p:spPr>
+              <a:xfrm>
+                <a:off x="6917977" y="4164276"/>
+                <a:ext cx="599844" cy="246221"/>
+              </a:xfrm>
+              <a:prstGeom prst="rect">
+                <a:avLst/>
+              </a:prstGeom>
+            </p:spPr>
+            <p:txBody>
+              <a:bodyPr wrap="none">
+                <a:spAutoFit/>
+              </a:bodyPr>
+              <a:lstStyle/>
+              <a:p>
+                <a:r>
+                  <a:rPr lang="en-US" altLang="zh-CN" sz="1000" dirty="0">
+                    <a:latin typeface="Times New Roman" panose="02020603050405020304" pitchFamily="18" charset="0"/>
+                    <a:cs typeface="Times New Roman" panose="02020603050405020304" pitchFamily="18" charset="0"/>
+                  </a:rPr>
+                  <a:t>produce</a:t>
+                </a:r>
+                <a:endParaRPr lang="zh-CN" altLang="en-US" sz="1000" dirty="0"/>
+              </a:p>
+            </p:txBody>
+          </p:sp>
+          <p:cxnSp>
+            <p:nvCxnSpPr>
+              <p:cNvPr id="18" name="直接箭头连接符 17">
+                <a:extLst>
+                  <a:ext uri="{FF2B5EF4-FFF2-40B4-BE49-F238E27FC236}">
+                    <a16:creationId xmlns:a16="http://schemas.microsoft.com/office/drawing/2014/main" id="{9B5DC0FD-FE2A-4BD3-AE37-20DB48DB12FF}"/>
+                  </a:ext>
+                </a:extLst>
+              </p:cNvPr>
+              <p:cNvCxnSpPr>
+                <a:cxnSpLocks/>
+                <a:stCxn id="14" idx="0"/>
+                <a:endCxn id="15" idx="2"/>
+              </p:cNvCxnSpPr>
+              <p:nvPr/>
+            </p:nvCxnSpPr>
+            <p:spPr>
+              <a:xfrm flipV="1">
+                <a:off x="7949047" y="3049946"/>
+                <a:ext cx="0" cy="986278"/>
+              </a:xfrm>
+              <a:prstGeom prst="straightConnector1">
+                <a:avLst/>
+              </a:prstGeom>
+              <a:ln>
+                <a:tailEnd type="triangle"/>
+              </a:ln>
+            </p:spPr>
+            <p:style>
+              <a:lnRef idx="1">
+                <a:schemeClr val="dk1"/>
+              </a:lnRef>
+              <a:fillRef idx="0">
+                <a:schemeClr val="dk1"/>
+              </a:fillRef>
+              <a:effectRef idx="0">
+                <a:schemeClr val="dk1"/>
+              </a:effectRef>
+              <a:fontRef idx="minor">
+                <a:schemeClr val="tx1"/>
+              </a:fontRef>
+            </p:style>
+          </p:cxnSp>
+          <p:sp>
+            <p:nvSpPr>
+              <p:cNvPr id="19" name="矩形 18">
+                <a:extLst>
+                  <a:ext uri="{FF2B5EF4-FFF2-40B4-BE49-F238E27FC236}">
+                    <a16:creationId xmlns:a16="http://schemas.microsoft.com/office/drawing/2014/main" id="{628DC0FA-896F-4847-998B-6AAF535A68BE}"/>
+                  </a:ext>
+                </a:extLst>
+              </p:cNvPr>
+              <p:cNvSpPr/>
+              <p:nvPr/>
+            </p:nvSpPr>
+            <p:spPr>
+              <a:xfrm>
+                <a:off x="7086426" y="3444642"/>
+                <a:ext cx="909223" cy="246221"/>
+              </a:xfrm>
+              <a:prstGeom prst="rect">
+                <a:avLst/>
+              </a:prstGeom>
+            </p:spPr>
+            <p:txBody>
+              <a:bodyPr wrap="none">
+                <a:spAutoFit/>
+              </a:bodyPr>
+              <a:lstStyle/>
+              <a:p>
+                <a:r>
+                  <a:rPr lang="en-US" altLang="zh-CN" sz="1000" dirty="0">
+                    <a:latin typeface="Times New Roman" panose="02020603050405020304" pitchFamily="18" charset="0"/>
+                    <a:cs typeface="Times New Roman" panose="02020603050405020304" pitchFamily="18" charset="0"/>
+                  </a:rPr>
+                  <a:t>associate with</a:t>
+                </a:r>
+                <a:endParaRPr lang="zh-CN" altLang="en-US" sz="1000" dirty="0"/>
+              </a:p>
+            </p:txBody>
+          </p:sp>
+          <p:cxnSp>
+            <p:nvCxnSpPr>
+              <p:cNvPr id="20" name="直接箭头连接符 19">
+                <a:extLst>
+                  <a:ext uri="{FF2B5EF4-FFF2-40B4-BE49-F238E27FC236}">
+                    <a16:creationId xmlns:a16="http://schemas.microsoft.com/office/drawing/2014/main" id="{4A7196B2-4511-406A-A78F-94D24EF9EC94}"/>
+                  </a:ext>
+                </a:extLst>
+              </p:cNvPr>
+              <p:cNvCxnSpPr>
+                <a:cxnSpLocks/>
+                <a:stCxn id="15" idx="1"/>
+                <a:endCxn id="21" idx="3"/>
+              </p:cNvCxnSpPr>
+              <p:nvPr/>
+            </p:nvCxnSpPr>
+            <p:spPr>
+              <a:xfrm flipH="1">
+                <a:off x="7012033" y="2906381"/>
+                <a:ext cx="499692" cy="1227"/>
+              </a:xfrm>
+              <a:prstGeom prst="straightConnector1">
+                <a:avLst/>
+              </a:prstGeom>
+              <a:ln>
+                <a:headEnd type="triangle" w="sm" len="sm"/>
+                <a:tailEnd type="none"/>
+              </a:ln>
+            </p:spPr>
+            <p:style>
+              <a:lnRef idx="1">
+                <a:schemeClr val="dk1"/>
+              </a:lnRef>
+              <a:fillRef idx="0">
+                <a:schemeClr val="dk1"/>
+              </a:fillRef>
+              <a:effectRef idx="0">
+                <a:schemeClr val="dk1"/>
+              </a:effectRef>
+              <a:fontRef idx="minor">
+                <a:schemeClr val="tx1"/>
+              </a:fontRef>
+            </p:style>
+          </p:cxnSp>
+          <p:sp>
+            <p:nvSpPr>
+              <p:cNvPr id="21" name="矩形: 圆角 20">
+                <a:extLst>
+                  <a:ext uri="{FF2B5EF4-FFF2-40B4-BE49-F238E27FC236}">
+                    <a16:creationId xmlns:a16="http://schemas.microsoft.com/office/drawing/2014/main" id="{B62CA1ED-C4BD-4672-832C-5F3F2B7D2988}"/>
+                  </a:ext>
+                </a:extLst>
+              </p:cNvPr>
+              <p:cNvSpPr/>
+              <p:nvPr/>
+            </p:nvSpPr>
+            <p:spPr>
+              <a:xfrm>
+                <a:off x="6137390" y="2764042"/>
+                <a:ext cx="874643" cy="287131"/>
+              </a:xfrm>
+              <a:prstGeom prst="roundRect">
+                <a:avLst/>
+              </a:prstGeom>
+              <a:noFill/>
+              <a:ln>
+                <a:solidFill>
+                  <a:schemeClr val="tx1"/>
+                </a:solidFill>
+              </a:ln>
+            </p:spPr>
+            <p:style>
+              <a:lnRef idx="2">
+                <a:schemeClr val="accent1">
+                  <a:shade val="50000"/>
+                </a:schemeClr>
+              </a:lnRef>
+              <a:fillRef idx="1">
+                <a:schemeClr val="accent1"/>
+              </a:fillRef>
+              <a:effectRef idx="0">
+                <a:schemeClr val="accent1"/>
+              </a:effectRef>
+              <a:fontRef idx="minor">
+                <a:schemeClr val="lt1"/>
+              </a:fontRef>
+            </p:style>
+            <p:txBody>
+              <a:bodyPr rtlCol="0" anchor="ctr"/>
+              <a:lstStyle/>
+              <a:p>
+                <a:pPr algn="ctr"/>
+                <a:r>
+                  <a:rPr lang="en-US" altLang="zh-CN" sz="1100" dirty="0">
+                    <a:solidFill>
+                      <a:schemeClr val="tx1"/>
+                    </a:solidFill>
+                    <a:latin typeface="Times New Roman" panose="02020603050405020304" pitchFamily="18" charset="0"/>
+                    <a:cs typeface="Times New Roman" panose="02020603050405020304" pitchFamily="18" charset="0"/>
+                  </a:rPr>
+                  <a:t>Disease</a:t>
+                </a:r>
+                <a:endParaRPr lang="zh-CN" altLang="en-US" sz="1100" dirty="0">
+                  <a:solidFill>
+                    <a:schemeClr val="tx1"/>
+                  </a:solidFill>
+                  <a:latin typeface="Times New Roman" panose="02020603050405020304" pitchFamily="18" charset="0"/>
+                  <a:cs typeface="Times New Roman" panose="02020603050405020304" pitchFamily="18" charset="0"/>
+                </a:endParaRPr>
+              </a:p>
+            </p:txBody>
+          </p:sp>
+          <p:sp>
+            <p:nvSpPr>
+              <p:cNvPr id="22" name="矩形 21">
+                <a:extLst>
+                  <a:ext uri="{FF2B5EF4-FFF2-40B4-BE49-F238E27FC236}">
+                    <a16:creationId xmlns:a16="http://schemas.microsoft.com/office/drawing/2014/main" id="{D0996119-1BC5-4119-A041-5BA3799A61AA}"/>
+                  </a:ext>
+                </a:extLst>
+              </p:cNvPr>
+              <p:cNvSpPr/>
+              <p:nvPr/>
+            </p:nvSpPr>
+            <p:spPr>
+              <a:xfrm>
+                <a:off x="6995191" y="2862810"/>
+                <a:ext cx="530915" cy="246221"/>
+              </a:xfrm>
+              <a:prstGeom prst="rect">
+                <a:avLst/>
+              </a:prstGeom>
+            </p:spPr>
+            <p:txBody>
+              <a:bodyPr wrap="none">
+                <a:spAutoFit/>
+              </a:bodyPr>
+              <a:lstStyle/>
+              <a:p>
+                <a:r>
+                  <a:rPr lang="en-US" altLang="zh-CN" sz="1000" dirty="0">
+                    <a:latin typeface="Times New Roman" panose="02020603050405020304" pitchFamily="18" charset="0"/>
+                    <a:cs typeface="Times New Roman" panose="02020603050405020304" pitchFamily="18" charset="0"/>
+                  </a:rPr>
+                  <a:t>lead to</a:t>
+                </a:r>
+                <a:endParaRPr lang="zh-CN" altLang="en-US" sz="1000" dirty="0">
+                  <a:latin typeface="Times New Roman" panose="02020603050405020304" pitchFamily="18" charset="0"/>
+                  <a:cs typeface="Times New Roman" panose="02020603050405020304" pitchFamily="18" charset="0"/>
+                </a:endParaRPr>
+              </a:p>
+            </p:txBody>
+          </p:sp>
+          <p:cxnSp>
+            <p:nvCxnSpPr>
+              <p:cNvPr id="23" name="直接箭头连接符 22">
+                <a:extLst>
+                  <a:ext uri="{FF2B5EF4-FFF2-40B4-BE49-F238E27FC236}">
+                    <a16:creationId xmlns:a16="http://schemas.microsoft.com/office/drawing/2014/main" id="{23831057-F3F6-4580-9A4D-5A130E4481FA}"/>
+                  </a:ext>
+                </a:extLst>
+              </p:cNvPr>
+              <p:cNvCxnSpPr>
+                <a:cxnSpLocks/>
+                <a:endCxn id="21" idx="1"/>
+              </p:cNvCxnSpPr>
+              <p:nvPr/>
+            </p:nvCxnSpPr>
+            <p:spPr>
+              <a:xfrm flipV="1">
+                <a:off x="5623317" y="2907608"/>
+                <a:ext cx="514073" cy="620651"/>
+              </a:xfrm>
+              <a:prstGeom prst="straightConnector1">
+                <a:avLst/>
+              </a:prstGeom>
+              <a:ln>
+                <a:solidFill>
+                  <a:schemeClr val="tx1"/>
+                </a:solidFill>
+                <a:prstDash val="solid"/>
+                <a:tailEnd type="triangle"/>
+              </a:ln>
+            </p:spPr>
+            <p:style>
+              <a:lnRef idx="1">
+                <a:schemeClr val="dk1"/>
+              </a:lnRef>
+              <a:fillRef idx="0">
+                <a:schemeClr val="dk1"/>
+              </a:fillRef>
+              <a:effectRef idx="0">
+                <a:schemeClr val="dk1"/>
+              </a:effectRef>
+              <a:fontRef idx="minor">
+                <a:schemeClr val="tx1"/>
+              </a:fontRef>
+            </p:style>
+          </p:cxnSp>
+          <p:sp>
+            <p:nvSpPr>
+              <p:cNvPr id="24" name="矩形 23">
+                <a:extLst>
+                  <a:ext uri="{FF2B5EF4-FFF2-40B4-BE49-F238E27FC236}">
+                    <a16:creationId xmlns:a16="http://schemas.microsoft.com/office/drawing/2014/main" id="{E567FC3F-18C7-43EF-8534-3F534A17F7EA}"/>
+                  </a:ext>
+                </a:extLst>
+              </p:cNvPr>
+              <p:cNvSpPr/>
+              <p:nvPr/>
+            </p:nvSpPr>
+            <p:spPr>
+              <a:xfrm>
+                <a:off x="5789514" y="3118079"/>
+                <a:ext cx="471604" cy="246221"/>
+              </a:xfrm>
+              <a:prstGeom prst="rect">
+                <a:avLst/>
+              </a:prstGeom>
+            </p:spPr>
+            <p:txBody>
+              <a:bodyPr wrap="none">
+                <a:spAutoFit/>
+              </a:bodyPr>
+              <a:lstStyle/>
+              <a:p>
+                <a:r>
+                  <a:rPr lang="en-US" altLang="zh-CN" sz="1000" dirty="0">
+                    <a:latin typeface="Times New Roman" panose="02020603050405020304" pitchFamily="18" charset="0"/>
+                    <a:cs typeface="Times New Roman" panose="02020603050405020304" pitchFamily="18" charset="0"/>
+                  </a:rPr>
+                  <a:t>cause</a:t>
+                </a:r>
+                <a:endParaRPr lang="zh-CN" altLang="en-US" sz="1000" dirty="0">
+                  <a:latin typeface="Times New Roman" panose="02020603050405020304" pitchFamily="18" charset="0"/>
+                  <a:cs typeface="Times New Roman" panose="02020603050405020304" pitchFamily="18" charset="0"/>
+                </a:endParaRPr>
+              </a:p>
+            </p:txBody>
+          </p:sp>
+          <p:cxnSp>
+            <p:nvCxnSpPr>
+              <p:cNvPr id="25" name="直接箭头连接符 24">
+                <a:extLst>
+                  <a:ext uri="{FF2B5EF4-FFF2-40B4-BE49-F238E27FC236}">
+                    <a16:creationId xmlns:a16="http://schemas.microsoft.com/office/drawing/2014/main" id="{5E15C688-FDA8-45D0-9C6B-6C8934FAF94A}"/>
+                  </a:ext>
+                </a:extLst>
+              </p:cNvPr>
+              <p:cNvCxnSpPr>
+                <a:cxnSpLocks/>
+              </p:cNvCxnSpPr>
+              <p:nvPr/>
+            </p:nvCxnSpPr>
+            <p:spPr>
+              <a:xfrm>
+                <a:off x="5605124" y="3792962"/>
+                <a:ext cx="435268" cy="243262"/>
+              </a:xfrm>
+              <a:prstGeom prst="straightConnector1">
+                <a:avLst/>
+              </a:prstGeom>
+              <a:ln>
+                <a:tailEnd type="triangle"/>
+              </a:ln>
+            </p:spPr>
+            <p:style>
+              <a:lnRef idx="1">
+                <a:schemeClr val="dk1"/>
+              </a:lnRef>
+              <a:fillRef idx="0">
+                <a:schemeClr val="dk1"/>
+              </a:fillRef>
+              <a:effectRef idx="0">
+                <a:schemeClr val="dk1"/>
+              </a:effectRef>
+              <a:fontRef idx="minor">
+                <a:schemeClr val="tx1"/>
+              </a:fontRef>
+            </p:style>
+          </p:cxnSp>
+          <p:sp>
+            <p:nvSpPr>
+              <p:cNvPr id="26" name="矩形 25">
+                <a:extLst>
+                  <a:ext uri="{FF2B5EF4-FFF2-40B4-BE49-F238E27FC236}">
+                    <a16:creationId xmlns:a16="http://schemas.microsoft.com/office/drawing/2014/main" id="{63B23336-AB1D-4B97-91D1-425621AE568A}"/>
+                  </a:ext>
+                </a:extLst>
+              </p:cNvPr>
+              <p:cNvSpPr/>
+              <p:nvPr/>
+            </p:nvSpPr>
+            <p:spPr>
+              <a:xfrm>
+                <a:off x="5268918" y="3752098"/>
+                <a:ext cx="830677" cy="246221"/>
+              </a:xfrm>
+              <a:prstGeom prst="rect">
+                <a:avLst/>
+              </a:prstGeom>
+            </p:spPr>
+            <p:txBody>
+              <a:bodyPr wrap="none">
+                <a:spAutoFit/>
+              </a:bodyPr>
+              <a:lstStyle/>
+              <a:p>
+                <a:r>
+                  <a:rPr lang="en-US" altLang="zh-CN" sz="1000" dirty="0">
+                    <a:latin typeface="Times New Roman" panose="02020603050405020304" pitchFamily="18" charset="0"/>
+                    <a:cs typeface="Times New Roman" panose="02020603050405020304" pitchFamily="18" charset="0"/>
+                  </a:rPr>
+                  <a:t>interact with</a:t>
+                </a:r>
+                <a:endParaRPr lang="zh-CN" altLang="en-US" sz="1000" dirty="0"/>
+              </a:p>
+            </p:txBody>
+          </p:sp>
+          <p:cxnSp>
+            <p:nvCxnSpPr>
+              <p:cNvPr id="27" name="直接箭头连接符 26">
+                <a:extLst>
+                  <a:ext uri="{FF2B5EF4-FFF2-40B4-BE49-F238E27FC236}">
+                    <a16:creationId xmlns:a16="http://schemas.microsoft.com/office/drawing/2014/main" id="{FEFFA85C-185A-464C-B255-E4C87551C038}"/>
+                  </a:ext>
+                </a:extLst>
+              </p:cNvPr>
+              <p:cNvCxnSpPr>
+                <a:cxnSpLocks/>
+              </p:cNvCxnSpPr>
+              <p:nvPr/>
+            </p:nvCxnSpPr>
+            <p:spPr>
+              <a:xfrm>
+                <a:off x="4423634" y="3049946"/>
+                <a:ext cx="283764" cy="468907"/>
+              </a:xfrm>
+              <a:prstGeom prst="straightConnector1">
+                <a:avLst/>
+              </a:prstGeom>
+              <a:ln>
+                <a:solidFill>
+                  <a:srgbClr val="FF0000"/>
+                </a:solidFill>
+                <a:prstDash val="dash"/>
+                <a:tailEnd type="triangle"/>
+              </a:ln>
+            </p:spPr>
+            <p:style>
+              <a:lnRef idx="1">
+                <a:schemeClr val="dk1"/>
+              </a:lnRef>
+              <a:fillRef idx="0">
+                <a:schemeClr val="dk1"/>
+              </a:fillRef>
+              <a:effectRef idx="0">
+                <a:schemeClr val="dk1"/>
+              </a:effectRef>
+              <a:fontRef idx="minor">
+                <a:schemeClr val="tx1"/>
+              </a:fontRef>
+            </p:style>
+          </p:cxnSp>
+          <p:sp>
+            <p:nvSpPr>
+              <p:cNvPr id="28" name="矩形 27">
+                <a:extLst>
+                  <a:ext uri="{FF2B5EF4-FFF2-40B4-BE49-F238E27FC236}">
+                    <a16:creationId xmlns:a16="http://schemas.microsoft.com/office/drawing/2014/main" id="{F903959A-217E-4CDA-85D0-7DF5F4824C3D}"/>
+                  </a:ext>
+                </a:extLst>
+              </p:cNvPr>
+              <p:cNvSpPr/>
+              <p:nvPr/>
+            </p:nvSpPr>
+            <p:spPr>
+              <a:xfrm>
+                <a:off x="4473146" y="3125747"/>
+                <a:ext cx="479618" cy="246221"/>
+              </a:xfrm>
+              <a:prstGeom prst="rect">
+                <a:avLst/>
+              </a:prstGeom>
+            </p:spPr>
+            <p:txBody>
+              <a:bodyPr wrap="none">
+                <a:spAutoFit/>
+              </a:bodyPr>
+              <a:lstStyle/>
+              <a:p>
+                <a:r>
+                  <a:rPr lang="en-US" altLang="zh-CN" sz="1000" dirty="0">
+                    <a:latin typeface="Times New Roman" panose="02020603050405020304" pitchFamily="18" charset="0"/>
+                    <a:cs typeface="Times New Roman" panose="02020603050405020304" pitchFamily="18" charset="0"/>
+                  </a:rPr>
+                  <a:t>effect</a:t>
+                </a:r>
+                <a:endParaRPr lang="zh-CN" altLang="en-US" sz="1000" dirty="0">
+                  <a:latin typeface="Times New Roman" panose="02020603050405020304" pitchFamily="18" charset="0"/>
+                  <a:cs typeface="Times New Roman" panose="02020603050405020304" pitchFamily="18" charset="0"/>
+                </a:endParaRPr>
+              </a:p>
+            </p:txBody>
+          </p:sp>
+          <p:cxnSp>
+            <p:nvCxnSpPr>
+              <p:cNvPr id="29" name="直接箭头连接符 28">
+                <a:extLst>
+                  <a:ext uri="{FF2B5EF4-FFF2-40B4-BE49-F238E27FC236}">
+                    <a16:creationId xmlns:a16="http://schemas.microsoft.com/office/drawing/2014/main" id="{12950B17-9F3F-41EB-A86B-594321BB25CF}"/>
+                  </a:ext>
+                </a:extLst>
+              </p:cNvPr>
+              <p:cNvCxnSpPr>
+                <a:cxnSpLocks/>
+                <a:endCxn id="6" idx="0"/>
+              </p:cNvCxnSpPr>
+              <p:nvPr/>
+            </p:nvCxnSpPr>
+            <p:spPr>
+              <a:xfrm>
+                <a:off x="3992409" y="3051175"/>
+                <a:ext cx="0" cy="985049"/>
+              </a:xfrm>
+              <a:prstGeom prst="straightConnector1">
+                <a:avLst/>
+              </a:prstGeom>
+              <a:ln>
+                <a:tailEnd type="triangle"/>
+              </a:ln>
+            </p:spPr>
+            <p:style>
+              <a:lnRef idx="1">
+                <a:schemeClr val="dk1"/>
+              </a:lnRef>
+              <a:fillRef idx="0">
+                <a:schemeClr val="dk1"/>
+              </a:fillRef>
+              <a:effectRef idx="0">
+                <a:schemeClr val="dk1"/>
+              </a:effectRef>
+              <a:fontRef idx="minor">
+                <a:schemeClr val="tx1"/>
+              </a:fontRef>
+            </p:style>
+          </p:cxnSp>
+          <p:sp>
+            <p:nvSpPr>
+              <p:cNvPr id="30" name="矩形 29">
+                <a:extLst>
+                  <a:ext uri="{FF2B5EF4-FFF2-40B4-BE49-F238E27FC236}">
+                    <a16:creationId xmlns:a16="http://schemas.microsoft.com/office/drawing/2014/main" id="{BD813802-861B-48FE-882E-443E22C684AC}"/>
+                  </a:ext>
+                </a:extLst>
+              </p:cNvPr>
+              <p:cNvSpPr/>
+              <p:nvPr/>
+            </p:nvSpPr>
+            <p:spPr>
+              <a:xfrm>
+                <a:off x="3590594" y="3737967"/>
+                <a:ext cx="478016" cy="246221"/>
+              </a:xfrm>
+              <a:prstGeom prst="rect">
+                <a:avLst/>
+              </a:prstGeom>
+            </p:spPr>
+            <p:txBody>
+              <a:bodyPr wrap="none">
+                <a:spAutoFit/>
+              </a:bodyPr>
+              <a:lstStyle/>
+              <a:p>
+                <a:r>
+                  <a:rPr lang="en-US" altLang="zh-CN" sz="1000" dirty="0">
+                    <a:latin typeface="Times New Roman" panose="02020603050405020304" pitchFamily="18" charset="0"/>
+                    <a:cs typeface="Times New Roman" panose="02020603050405020304" pitchFamily="18" charset="0"/>
+                  </a:rPr>
+                  <a:t>target</a:t>
+                </a:r>
+                <a:endParaRPr lang="zh-CN" altLang="en-US" sz="1000" dirty="0">
+                  <a:latin typeface="Times New Roman" panose="02020603050405020304" pitchFamily="18" charset="0"/>
+                  <a:cs typeface="Times New Roman" panose="02020603050405020304" pitchFamily="18" charset="0"/>
+                </a:endParaRPr>
+              </a:p>
+            </p:txBody>
+          </p:sp>
+          <p:cxnSp>
+            <p:nvCxnSpPr>
+              <p:cNvPr id="31" name="直接箭头连接符 30">
+                <a:extLst>
+                  <a:ext uri="{FF2B5EF4-FFF2-40B4-BE49-F238E27FC236}">
+                    <a16:creationId xmlns:a16="http://schemas.microsoft.com/office/drawing/2014/main" id="{6AADE416-3446-43D6-8367-E3A413944D87}"/>
+                  </a:ext>
+                </a:extLst>
+              </p:cNvPr>
+              <p:cNvCxnSpPr>
+                <a:cxnSpLocks/>
+                <a:stCxn id="7" idx="2"/>
+                <a:endCxn id="5" idx="0"/>
+              </p:cNvCxnSpPr>
+              <p:nvPr/>
+            </p:nvCxnSpPr>
+            <p:spPr>
+              <a:xfrm flipH="1">
+                <a:off x="6443707" y="4323355"/>
+                <a:ext cx="8328" cy="469400"/>
+              </a:xfrm>
+              <a:prstGeom prst="straightConnector1">
+                <a:avLst/>
+              </a:prstGeom>
+              <a:ln>
+                <a:tailEnd type="triangle"/>
+              </a:ln>
+            </p:spPr>
+            <p:style>
+              <a:lnRef idx="1">
+                <a:schemeClr val="dk1"/>
+              </a:lnRef>
+              <a:fillRef idx="0">
+                <a:schemeClr val="dk1"/>
+              </a:fillRef>
+              <a:effectRef idx="0">
+                <a:schemeClr val="dk1"/>
+              </a:effectRef>
+              <a:fontRef idx="minor">
+                <a:schemeClr val="tx1"/>
+              </a:fontRef>
+            </p:style>
+          </p:cxnSp>
+          <p:sp>
+            <p:nvSpPr>
+              <p:cNvPr id="32" name="矩形 31">
+                <a:extLst>
+                  <a:ext uri="{FF2B5EF4-FFF2-40B4-BE49-F238E27FC236}">
+                    <a16:creationId xmlns:a16="http://schemas.microsoft.com/office/drawing/2014/main" id="{1EC59082-9F71-4E11-919C-3B0352A681A4}"/>
+                  </a:ext>
+                </a:extLst>
+              </p:cNvPr>
+              <p:cNvSpPr/>
+              <p:nvPr/>
+            </p:nvSpPr>
+            <p:spPr>
+              <a:xfrm>
+                <a:off x="6407806" y="4414811"/>
+                <a:ext cx="514885" cy="246221"/>
+              </a:xfrm>
+              <a:prstGeom prst="rect">
+                <a:avLst/>
+              </a:prstGeom>
+            </p:spPr>
+            <p:txBody>
+              <a:bodyPr wrap="none">
+                <a:spAutoFit/>
+              </a:bodyPr>
+              <a:lstStyle/>
+              <a:p>
+                <a:r>
+                  <a:rPr lang="en-US" altLang="zh-CN" sz="1000" dirty="0">
+                    <a:latin typeface="Times New Roman" panose="02020603050405020304" pitchFamily="18" charset="0"/>
+                    <a:cs typeface="Times New Roman" panose="02020603050405020304" pitchFamily="18" charset="0"/>
+                  </a:rPr>
+                  <a:t>host is</a:t>
+                </a:r>
+                <a:endParaRPr lang="zh-CN" altLang="en-US" sz="1000" dirty="0"/>
+              </a:p>
+            </p:txBody>
+          </p:sp>
+          <p:sp>
+            <p:nvSpPr>
+              <p:cNvPr id="2" name="椭圆 1">
+                <a:extLst>
+                  <a:ext uri="{FF2B5EF4-FFF2-40B4-BE49-F238E27FC236}">
+                    <a16:creationId xmlns:a16="http://schemas.microsoft.com/office/drawing/2014/main" id="{FEEA4D95-7BDA-4F96-96EA-688FBEA7913C}"/>
+                  </a:ext>
+                </a:extLst>
+              </p:cNvPr>
+              <p:cNvSpPr/>
+              <p:nvPr/>
+            </p:nvSpPr>
+            <p:spPr>
+              <a:xfrm>
+                <a:off x="3731439" y="4743582"/>
+                <a:ext cx="141163" cy="141163"/>
+              </a:xfrm>
+              <a:prstGeom prst="ellipse">
+                <a:avLst/>
+              </a:prstGeom>
+              <a:solidFill>
+                <a:srgbClr val="92D050"/>
+              </a:solidFill>
+            </p:spPr>
+            <p:style>
+              <a:lnRef idx="2">
+                <a:schemeClr val="accent1">
+                  <a:shade val="50000"/>
+                </a:schemeClr>
+              </a:lnRef>
+              <a:fillRef idx="1">
+                <a:schemeClr val="accent1"/>
+              </a:fillRef>
+              <a:effectRef idx="0">
+                <a:schemeClr val="accent1"/>
+              </a:effectRef>
+              <a:fontRef idx="minor">
+                <a:schemeClr val="lt1"/>
+              </a:fontRef>
+            </p:style>
+            <p:txBody>
+              <a:bodyPr rtlCol="0" anchor="ctr"/>
+              <a:lstStyle/>
+              <a:p>
+                <a:pPr algn="ctr"/>
+                <a:endParaRPr lang="zh-CN" altLang="en-US"/>
+              </a:p>
+            </p:txBody>
+          </p:sp>
+          <p:sp>
+            <p:nvSpPr>
+              <p:cNvPr id="3" name="等腰三角形 2">
+                <a:extLst>
+                  <a:ext uri="{FF2B5EF4-FFF2-40B4-BE49-F238E27FC236}">
+                    <a16:creationId xmlns:a16="http://schemas.microsoft.com/office/drawing/2014/main" id="{355DCD43-9690-4C42-8708-E6CF08AC7489}"/>
+                  </a:ext>
+                </a:extLst>
+              </p:cNvPr>
+              <p:cNvSpPr/>
+              <p:nvPr/>
+            </p:nvSpPr>
+            <p:spPr>
+              <a:xfrm>
+                <a:off x="3723303" y="4948090"/>
+                <a:ext cx="163749" cy="141163"/>
+              </a:xfrm>
+              <a:prstGeom prst="triangle">
+                <a:avLst/>
+              </a:prstGeom>
+            </p:spPr>
+            <p:style>
+              <a:lnRef idx="2">
+                <a:schemeClr val="accent1">
+                  <a:shade val="50000"/>
+                </a:schemeClr>
+              </a:lnRef>
+              <a:fillRef idx="1">
+                <a:schemeClr val="accent1"/>
+              </a:fillRef>
+              <a:effectRef idx="0">
+                <a:schemeClr val="accent1"/>
+              </a:effectRef>
+              <a:fontRef idx="minor">
+                <a:schemeClr val="lt1"/>
+              </a:fontRef>
+            </p:style>
+            <p:txBody>
+              <a:bodyPr rtlCol="0" anchor="ctr"/>
+              <a:lstStyle/>
+              <a:p>
+                <a:pPr algn="ctr"/>
+                <a:endParaRPr lang="zh-CN" altLang="en-US"/>
+              </a:p>
+            </p:txBody>
+          </p:sp>
+          <p:sp>
+            <p:nvSpPr>
+              <p:cNvPr id="33" name="矩形 32">
+                <a:extLst>
+                  <a:ext uri="{FF2B5EF4-FFF2-40B4-BE49-F238E27FC236}">
+                    <a16:creationId xmlns:a16="http://schemas.microsoft.com/office/drawing/2014/main" id="{BF970DE4-E464-4549-BE27-4CB41F1C350D}"/>
+                  </a:ext>
+                </a:extLst>
+              </p:cNvPr>
+              <p:cNvSpPr/>
+              <p:nvPr/>
+            </p:nvSpPr>
+            <p:spPr>
+              <a:xfrm>
+                <a:off x="3731439" y="5175261"/>
+                <a:ext cx="141163" cy="141163"/>
+              </a:xfrm>
+              <a:prstGeom prst="rect">
+                <a:avLst/>
+              </a:prstGeom>
+              <a:solidFill>
+                <a:srgbClr val="FFC000"/>
+              </a:solidFill>
+            </p:spPr>
+            <p:style>
+              <a:lnRef idx="2">
+                <a:schemeClr val="accent1">
+                  <a:shade val="50000"/>
+                </a:schemeClr>
+              </a:lnRef>
+              <a:fillRef idx="1">
+                <a:schemeClr val="accent1"/>
+              </a:fillRef>
+              <a:effectRef idx="0">
+                <a:schemeClr val="accent1"/>
+              </a:effectRef>
+              <a:fontRef idx="minor">
+                <a:schemeClr val="lt1"/>
+              </a:fontRef>
+            </p:style>
+            <p:txBody>
+              <a:bodyPr rtlCol="0" anchor="ctr"/>
+              <a:lstStyle/>
+              <a:p>
+                <a:pPr algn="ctr"/>
+                <a:endParaRPr lang="zh-CN" altLang="en-US"/>
+              </a:p>
+            </p:txBody>
+          </p:sp>
+          <p:sp>
+            <p:nvSpPr>
+              <p:cNvPr id="34" name="矩形 33">
+                <a:extLst>
+                  <a:ext uri="{FF2B5EF4-FFF2-40B4-BE49-F238E27FC236}">
+                    <a16:creationId xmlns:a16="http://schemas.microsoft.com/office/drawing/2014/main" id="{33F1E45B-C030-4923-8F57-E938ADE28754}"/>
+                  </a:ext>
+                </a:extLst>
+              </p:cNvPr>
+              <p:cNvSpPr/>
+              <p:nvPr/>
+            </p:nvSpPr>
+            <p:spPr>
+              <a:xfrm>
+                <a:off x="3994093" y="4691052"/>
+                <a:ext cx="649537" cy="246221"/>
+              </a:xfrm>
+              <a:prstGeom prst="rect">
+                <a:avLst/>
+              </a:prstGeom>
+            </p:spPr>
+            <p:txBody>
+              <a:bodyPr wrap="none">
+                <a:spAutoFit/>
+              </a:bodyPr>
+              <a:lstStyle/>
+              <a:p>
+                <a:r>
+                  <a:rPr lang="en-US" altLang="zh-CN" sz="1000" dirty="0" err="1">
+                    <a:latin typeface="Times New Roman" panose="02020603050405020304" pitchFamily="18" charset="0"/>
+                    <a:cs typeface="Times New Roman" panose="02020603050405020304" pitchFamily="18" charset="0"/>
+                  </a:rPr>
+                  <a:t>OpenKG</a:t>
+                </a:r>
+                <a:endParaRPr lang="zh-CN" altLang="en-US" sz="1000" dirty="0"/>
+              </a:p>
+            </p:txBody>
+          </p:sp>
+          <p:sp>
+            <p:nvSpPr>
+              <p:cNvPr id="35" name="矩形 34">
+                <a:extLst>
+                  <a:ext uri="{FF2B5EF4-FFF2-40B4-BE49-F238E27FC236}">
+                    <a16:creationId xmlns:a16="http://schemas.microsoft.com/office/drawing/2014/main" id="{1459B9F0-9F43-4B1B-9FF5-23B6DF46C876}"/>
+                  </a:ext>
+                </a:extLst>
+              </p:cNvPr>
+              <p:cNvSpPr/>
+              <p:nvPr/>
+            </p:nvSpPr>
+            <p:spPr>
+              <a:xfrm>
+                <a:off x="3994092" y="4895560"/>
+                <a:ext cx="699230" cy="246221"/>
+              </a:xfrm>
+              <a:prstGeom prst="rect">
+                <a:avLst/>
+              </a:prstGeom>
+            </p:spPr>
+            <p:txBody>
+              <a:bodyPr wrap="none">
+                <a:spAutoFit/>
+              </a:bodyPr>
+              <a:lstStyle/>
+              <a:p>
+                <a:r>
+                  <a:rPr lang="en-US" altLang="zh-CN" sz="1000" dirty="0">
+                    <a:latin typeface="Times New Roman" panose="02020603050405020304" pitchFamily="18" charset="0"/>
+                    <a:cs typeface="Times New Roman" panose="02020603050405020304" pitchFamily="18" charset="0"/>
+                  </a:rPr>
+                  <a:t>Literature</a:t>
+                </a:r>
+                <a:endParaRPr lang="zh-CN" altLang="en-US" sz="1000" dirty="0"/>
+              </a:p>
+            </p:txBody>
+          </p:sp>
+          <p:sp>
+            <p:nvSpPr>
+              <p:cNvPr id="36" name="矩形 35">
+                <a:extLst>
+                  <a:ext uri="{FF2B5EF4-FFF2-40B4-BE49-F238E27FC236}">
+                    <a16:creationId xmlns:a16="http://schemas.microsoft.com/office/drawing/2014/main" id="{55F73250-F9A3-4AA2-9175-917A62215637}"/>
+                  </a:ext>
+                </a:extLst>
+              </p:cNvPr>
+              <p:cNvSpPr/>
+              <p:nvPr/>
+            </p:nvSpPr>
+            <p:spPr>
+              <a:xfrm>
+                <a:off x="3964640" y="5122731"/>
+                <a:ext cx="1212191" cy="246221"/>
+              </a:xfrm>
+              <a:prstGeom prst="rect">
+                <a:avLst/>
+              </a:prstGeom>
+            </p:spPr>
+            <p:txBody>
+              <a:bodyPr wrap="none">
+                <a:spAutoFit/>
+              </a:bodyPr>
+              <a:lstStyle/>
+              <a:p>
+                <a:r>
+                  <a:rPr lang="en-US" altLang="zh-CN" sz="1000" dirty="0">
+                    <a:latin typeface="Times New Roman" panose="02020603050405020304" pitchFamily="18" charset="0"/>
+                    <a:cs typeface="Times New Roman" panose="02020603050405020304" pitchFamily="18" charset="0"/>
+                  </a:rPr>
+                  <a:t>HPO/NCBI records</a:t>
+                </a:r>
+                <a:endParaRPr lang="zh-CN" altLang="en-US" sz="1000" dirty="0">
+                  <a:latin typeface="Times New Roman" panose="02020603050405020304" pitchFamily="18" charset="0"/>
+                  <a:cs typeface="Times New Roman" panose="02020603050405020304" pitchFamily="18" charset="0"/>
+                </a:endParaRPr>
+              </a:p>
+            </p:txBody>
+          </p:sp>
+          <p:sp>
+            <p:nvSpPr>
+              <p:cNvPr id="37" name="椭圆 36">
+                <a:extLst>
+                  <a:ext uri="{FF2B5EF4-FFF2-40B4-BE49-F238E27FC236}">
+                    <a16:creationId xmlns:a16="http://schemas.microsoft.com/office/drawing/2014/main" id="{85A921D1-E390-430C-BF50-16105B29612D}"/>
+                  </a:ext>
+                </a:extLst>
+              </p:cNvPr>
+              <p:cNvSpPr/>
+              <p:nvPr/>
+            </p:nvSpPr>
+            <p:spPr>
+              <a:xfrm>
+                <a:off x="4323310" y="3173899"/>
+                <a:ext cx="141163" cy="141163"/>
+              </a:xfrm>
+              <a:prstGeom prst="ellipse">
+                <a:avLst/>
+              </a:prstGeom>
+              <a:solidFill>
+                <a:srgbClr val="92D050"/>
+              </a:solidFill>
+            </p:spPr>
+            <p:style>
+              <a:lnRef idx="2">
+                <a:schemeClr val="accent1">
+                  <a:shade val="50000"/>
+                </a:schemeClr>
+              </a:lnRef>
+              <a:fillRef idx="1">
+                <a:schemeClr val="accent1"/>
+              </a:fillRef>
+              <a:effectRef idx="0">
+                <a:schemeClr val="accent1"/>
+              </a:effectRef>
+              <a:fontRef idx="minor">
+                <a:schemeClr val="lt1"/>
+              </a:fontRef>
+            </p:style>
+            <p:txBody>
+              <a:bodyPr rtlCol="0" anchor="ctr"/>
+              <a:lstStyle/>
+              <a:p>
+                <a:pPr algn="ctr"/>
+                <a:endParaRPr lang="zh-CN" altLang="en-US"/>
+              </a:p>
+            </p:txBody>
+          </p:sp>
+          <p:sp>
+            <p:nvSpPr>
+              <p:cNvPr id="38" name="等腰三角形 37">
+                <a:extLst>
+                  <a:ext uri="{FF2B5EF4-FFF2-40B4-BE49-F238E27FC236}">
+                    <a16:creationId xmlns:a16="http://schemas.microsoft.com/office/drawing/2014/main" id="{D11839BE-3075-4ED7-AE77-8FA158F30146}"/>
+                  </a:ext>
+                </a:extLst>
+              </p:cNvPr>
+              <p:cNvSpPr/>
+              <p:nvPr/>
+            </p:nvSpPr>
+            <p:spPr>
+              <a:xfrm>
+                <a:off x="4405899" y="3291780"/>
+                <a:ext cx="163749" cy="141163"/>
+              </a:xfrm>
+              <a:prstGeom prst="triangle">
+                <a:avLst/>
+              </a:prstGeom>
+            </p:spPr>
+            <p:style>
+              <a:lnRef idx="2">
+                <a:schemeClr val="accent1">
+                  <a:shade val="50000"/>
+                </a:schemeClr>
+              </a:lnRef>
+              <a:fillRef idx="1">
+                <a:schemeClr val="accent1"/>
+              </a:fillRef>
+              <a:effectRef idx="0">
+                <a:schemeClr val="accent1"/>
+              </a:effectRef>
+              <a:fontRef idx="minor">
+                <a:schemeClr val="lt1"/>
+              </a:fontRef>
+            </p:style>
+            <p:txBody>
+              <a:bodyPr rtlCol="0" anchor="ctr"/>
+              <a:lstStyle/>
+              <a:p>
+                <a:pPr algn="ctr"/>
+                <a:endParaRPr lang="zh-CN" altLang="en-US"/>
+              </a:p>
+            </p:txBody>
+          </p:sp>
+          <p:sp>
+            <p:nvSpPr>
+              <p:cNvPr id="39" name="椭圆 38">
+                <a:extLst>
+                  <a:ext uri="{FF2B5EF4-FFF2-40B4-BE49-F238E27FC236}">
+                    <a16:creationId xmlns:a16="http://schemas.microsoft.com/office/drawing/2014/main" id="{CBAC74D8-E5C6-47F1-9D4C-DC8AB5F66C66}"/>
+                  </a:ext>
+                </a:extLst>
+              </p:cNvPr>
+              <p:cNvSpPr/>
+              <p:nvPr/>
+            </p:nvSpPr>
+            <p:spPr>
+              <a:xfrm>
+                <a:off x="4014179" y="3790495"/>
+                <a:ext cx="141163" cy="141163"/>
+              </a:xfrm>
+              <a:prstGeom prst="ellipse">
+                <a:avLst/>
+              </a:prstGeom>
+              <a:solidFill>
+                <a:srgbClr val="92D050"/>
+              </a:solidFill>
+            </p:spPr>
+            <p:style>
+              <a:lnRef idx="2">
+                <a:schemeClr val="accent1">
+                  <a:shade val="50000"/>
+                </a:schemeClr>
+              </a:lnRef>
+              <a:fillRef idx="1">
+                <a:schemeClr val="accent1"/>
+              </a:fillRef>
+              <a:effectRef idx="0">
+                <a:schemeClr val="accent1"/>
+              </a:effectRef>
+              <a:fontRef idx="minor">
+                <a:schemeClr val="lt1"/>
+              </a:fontRef>
+            </p:style>
+            <p:txBody>
+              <a:bodyPr rtlCol="0" anchor="ctr"/>
+              <a:lstStyle/>
+              <a:p>
+                <a:pPr algn="ctr"/>
+                <a:endParaRPr lang="zh-CN" altLang="en-US"/>
+              </a:p>
+            </p:txBody>
+          </p:sp>
+          <p:sp>
+            <p:nvSpPr>
+              <p:cNvPr id="40" name="等腰三角形 39">
+                <a:extLst>
+                  <a:ext uri="{FF2B5EF4-FFF2-40B4-BE49-F238E27FC236}">
+                    <a16:creationId xmlns:a16="http://schemas.microsoft.com/office/drawing/2014/main" id="{0072028D-AE40-49B4-9AE3-ED4C4FA1E701}"/>
+                  </a:ext>
+                </a:extLst>
+              </p:cNvPr>
+              <p:cNvSpPr/>
+              <p:nvPr/>
+            </p:nvSpPr>
+            <p:spPr>
+              <a:xfrm>
+                <a:off x="7005709" y="3975358"/>
+                <a:ext cx="163749" cy="141163"/>
+              </a:xfrm>
+              <a:prstGeom prst="triangle">
+                <a:avLst/>
+              </a:prstGeom>
+            </p:spPr>
+            <p:style>
+              <a:lnRef idx="2">
+                <a:schemeClr val="accent1">
+                  <a:shade val="50000"/>
+                </a:schemeClr>
+              </a:lnRef>
+              <a:fillRef idx="1">
+                <a:schemeClr val="accent1"/>
+              </a:fillRef>
+              <a:effectRef idx="0">
+                <a:schemeClr val="accent1"/>
+              </a:effectRef>
+              <a:fontRef idx="minor">
+                <a:schemeClr val="lt1"/>
+              </a:fontRef>
+            </p:style>
+            <p:txBody>
+              <a:bodyPr rtlCol="0" anchor="ctr"/>
+              <a:lstStyle/>
+              <a:p>
+                <a:pPr algn="ctr"/>
+                <a:endParaRPr lang="zh-CN" altLang="en-US"/>
+              </a:p>
+            </p:txBody>
+          </p:sp>
+          <p:sp>
+            <p:nvSpPr>
+              <p:cNvPr id="41" name="矩形 40">
+                <a:extLst>
+                  <a:ext uri="{FF2B5EF4-FFF2-40B4-BE49-F238E27FC236}">
+                    <a16:creationId xmlns:a16="http://schemas.microsoft.com/office/drawing/2014/main" id="{240DC06F-9659-446A-B99B-0F7C1DEA7207}"/>
+                  </a:ext>
+                </a:extLst>
+              </p:cNvPr>
+              <p:cNvSpPr/>
+              <p:nvPr/>
+            </p:nvSpPr>
+            <p:spPr>
+              <a:xfrm>
+                <a:off x="7220733" y="3956586"/>
+                <a:ext cx="141163" cy="141163"/>
+              </a:xfrm>
+              <a:prstGeom prst="rect">
+                <a:avLst/>
+              </a:prstGeom>
+              <a:solidFill>
+                <a:srgbClr val="FFC000"/>
+              </a:solidFill>
+            </p:spPr>
+            <p:style>
+              <a:lnRef idx="2">
+                <a:schemeClr val="accent1">
+                  <a:shade val="50000"/>
+                </a:schemeClr>
+              </a:lnRef>
+              <a:fillRef idx="1">
+                <a:schemeClr val="accent1"/>
+              </a:fillRef>
+              <a:effectRef idx="0">
+                <a:schemeClr val="accent1"/>
+              </a:effectRef>
+              <a:fontRef idx="minor">
+                <a:schemeClr val="lt1"/>
+              </a:fontRef>
+            </p:style>
+            <p:txBody>
+              <a:bodyPr rtlCol="0" anchor="ctr"/>
+              <a:lstStyle/>
+              <a:p>
+                <a:pPr algn="ctr"/>
+                <a:endParaRPr lang="zh-CN" altLang="en-US"/>
+              </a:p>
+            </p:txBody>
+          </p:sp>
+          <p:sp>
+            <p:nvSpPr>
+              <p:cNvPr id="42" name="矩形 41">
+                <a:extLst>
+                  <a:ext uri="{FF2B5EF4-FFF2-40B4-BE49-F238E27FC236}">
+                    <a16:creationId xmlns:a16="http://schemas.microsoft.com/office/drawing/2014/main" id="{0D7BE0A8-EF37-4C5D-A21E-5DD16402F96E}"/>
+                  </a:ext>
+                </a:extLst>
+              </p:cNvPr>
+              <p:cNvSpPr/>
+              <p:nvPr/>
+            </p:nvSpPr>
+            <p:spPr>
+              <a:xfrm>
+                <a:off x="8026544" y="3497170"/>
+                <a:ext cx="141163" cy="141163"/>
+              </a:xfrm>
+              <a:prstGeom prst="rect">
+                <a:avLst/>
+              </a:prstGeom>
+              <a:solidFill>
+                <a:srgbClr val="FFC000"/>
+              </a:solidFill>
+            </p:spPr>
+            <p:style>
+              <a:lnRef idx="2">
+                <a:schemeClr val="accent1">
+                  <a:shade val="50000"/>
+                </a:schemeClr>
+              </a:lnRef>
+              <a:fillRef idx="1">
+                <a:schemeClr val="accent1"/>
+              </a:fillRef>
+              <a:effectRef idx="0">
+                <a:schemeClr val="accent1"/>
+              </a:effectRef>
+              <a:fontRef idx="minor">
+                <a:schemeClr val="lt1"/>
+              </a:fontRef>
+            </p:style>
+            <p:txBody>
+              <a:bodyPr rtlCol="0" anchor="ctr"/>
+              <a:lstStyle/>
+              <a:p>
+                <a:pPr algn="ctr"/>
+                <a:endParaRPr lang="zh-CN" altLang="en-US"/>
+              </a:p>
+            </p:txBody>
+          </p:sp>
+          <p:sp>
+            <p:nvSpPr>
+              <p:cNvPr id="43" name="矩形 42">
+                <a:extLst>
+                  <a:ext uri="{FF2B5EF4-FFF2-40B4-BE49-F238E27FC236}">
+                    <a16:creationId xmlns:a16="http://schemas.microsoft.com/office/drawing/2014/main" id="{BDD3C6FF-9E70-4B56-AA69-008F359FBC6C}"/>
+                  </a:ext>
+                </a:extLst>
+              </p:cNvPr>
+              <p:cNvSpPr/>
+              <p:nvPr/>
+            </p:nvSpPr>
+            <p:spPr>
+              <a:xfrm>
+                <a:off x="7176789" y="2718868"/>
+                <a:ext cx="141163" cy="141163"/>
+              </a:xfrm>
+              <a:prstGeom prst="rect">
+                <a:avLst/>
+              </a:prstGeom>
+              <a:solidFill>
+                <a:srgbClr val="FFC000"/>
+              </a:solidFill>
+            </p:spPr>
+            <p:style>
+              <a:lnRef idx="2">
+                <a:schemeClr val="accent1">
+                  <a:shade val="50000"/>
+                </a:schemeClr>
+              </a:lnRef>
+              <a:fillRef idx="1">
+                <a:schemeClr val="accent1"/>
+              </a:fillRef>
+              <a:effectRef idx="0">
+                <a:schemeClr val="accent1"/>
+              </a:effectRef>
+              <a:fontRef idx="minor">
+                <a:schemeClr val="lt1"/>
+              </a:fontRef>
+            </p:style>
+            <p:txBody>
+              <a:bodyPr rtlCol="0" anchor="ctr"/>
+              <a:lstStyle/>
+              <a:p>
+                <a:pPr algn="ctr"/>
+                <a:endParaRPr lang="zh-CN" altLang="en-US"/>
+              </a:p>
+            </p:txBody>
+          </p:sp>
+          <p:sp>
+            <p:nvSpPr>
+              <p:cNvPr id="44" name="椭圆 43">
+                <a:extLst>
+                  <a:ext uri="{FF2B5EF4-FFF2-40B4-BE49-F238E27FC236}">
+                    <a16:creationId xmlns:a16="http://schemas.microsoft.com/office/drawing/2014/main" id="{B7DB0949-313C-42C4-9FFF-9742D71225D1}"/>
+                  </a:ext>
+                </a:extLst>
+              </p:cNvPr>
+              <p:cNvSpPr/>
+              <p:nvPr/>
+            </p:nvSpPr>
+            <p:spPr>
+              <a:xfrm>
+                <a:off x="5693806" y="3154247"/>
+                <a:ext cx="141163" cy="141163"/>
+              </a:xfrm>
+              <a:prstGeom prst="ellipse">
+                <a:avLst/>
+              </a:prstGeom>
+              <a:solidFill>
+                <a:srgbClr val="92D050"/>
+              </a:solidFill>
+            </p:spPr>
+            <p:style>
+              <a:lnRef idx="2">
+                <a:schemeClr val="accent1">
+                  <a:shade val="50000"/>
+                </a:schemeClr>
+              </a:lnRef>
+              <a:fillRef idx="1">
+                <a:schemeClr val="accent1"/>
+              </a:fillRef>
+              <a:effectRef idx="0">
+                <a:schemeClr val="accent1"/>
+              </a:effectRef>
+              <a:fontRef idx="minor">
+                <a:schemeClr val="lt1"/>
+              </a:fontRef>
+            </p:style>
+            <p:txBody>
+              <a:bodyPr rtlCol="0" anchor="ctr"/>
+              <a:lstStyle/>
+              <a:p>
+                <a:pPr algn="ctr"/>
+                <a:endParaRPr lang="zh-CN" altLang="en-US"/>
+              </a:p>
+            </p:txBody>
+          </p:sp>
+          <p:sp>
+            <p:nvSpPr>
+              <p:cNvPr id="45" name="矩形 44">
+                <a:extLst>
+                  <a:ext uri="{FF2B5EF4-FFF2-40B4-BE49-F238E27FC236}">
+                    <a16:creationId xmlns:a16="http://schemas.microsoft.com/office/drawing/2014/main" id="{16CB5905-D296-45A7-AD2A-329F04E18C8B}"/>
+                  </a:ext>
+                </a:extLst>
+              </p:cNvPr>
+              <p:cNvSpPr/>
+              <p:nvPr/>
+            </p:nvSpPr>
+            <p:spPr>
+              <a:xfrm>
+                <a:off x="5797046" y="2976916"/>
+                <a:ext cx="141163" cy="141163"/>
+              </a:xfrm>
+              <a:prstGeom prst="rect">
+                <a:avLst/>
+              </a:prstGeom>
+              <a:solidFill>
+                <a:srgbClr val="FFC000"/>
+              </a:solidFill>
+            </p:spPr>
+            <p:style>
+              <a:lnRef idx="2">
+                <a:schemeClr val="accent1">
+                  <a:shade val="50000"/>
+                </a:schemeClr>
+              </a:lnRef>
+              <a:fillRef idx="1">
+                <a:schemeClr val="accent1"/>
+              </a:fillRef>
+              <a:effectRef idx="0">
+                <a:schemeClr val="accent1"/>
+              </a:effectRef>
+              <a:fontRef idx="minor">
+                <a:schemeClr val="lt1"/>
+              </a:fontRef>
+            </p:style>
+            <p:txBody>
+              <a:bodyPr rtlCol="0" anchor="ctr"/>
+              <a:lstStyle/>
+              <a:p>
+                <a:pPr algn="ctr"/>
+                <a:endParaRPr lang="zh-CN" altLang="en-US"/>
+              </a:p>
+            </p:txBody>
+          </p:sp>
+          <p:sp>
+            <p:nvSpPr>
+              <p:cNvPr id="46" name="等腰三角形 45">
+                <a:extLst>
+                  <a:ext uri="{FF2B5EF4-FFF2-40B4-BE49-F238E27FC236}">
+                    <a16:creationId xmlns:a16="http://schemas.microsoft.com/office/drawing/2014/main" id="{078B7D1A-1CCF-4A58-9F91-FA29BE30B200}"/>
+                  </a:ext>
+                </a:extLst>
+              </p:cNvPr>
+              <p:cNvSpPr/>
+              <p:nvPr/>
+            </p:nvSpPr>
+            <p:spPr>
+              <a:xfrm>
+                <a:off x="5684256" y="3924397"/>
+                <a:ext cx="163749" cy="141163"/>
+              </a:xfrm>
+              <a:prstGeom prst="triangle">
+                <a:avLst/>
+              </a:prstGeom>
+            </p:spPr>
+            <p:style>
+              <a:lnRef idx="2">
+                <a:schemeClr val="accent1">
+                  <a:shade val="50000"/>
+                </a:schemeClr>
+              </a:lnRef>
+              <a:fillRef idx="1">
+                <a:schemeClr val="accent1"/>
+              </a:fillRef>
+              <a:effectRef idx="0">
+                <a:schemeClr val="accent1"/>
+              </a:effectRef>
+              <a:fontRef idx="minor">
+                <a:schemeClr val="lt1"/>
+              </a:fontRef>
+            </p:style>
+            <p:txBody>
+              <a:bodyPr rtlCol="0" anchor="ctr"/>
+              <a:lstStyle/>
+              <a:p>
+                <a:pPr algn="ctr"/>
+                <a:endParaRPr lang="zh-CN" altLang="en-US"/>
+              </a:p>
+            </p:txBody>
+          </p:sp>
+          <p:sp>
+            <p:nvSpPr>
+              <p:cNvPr id="47" name="椭圆 46">
+                <a:extLst>
+                  <a:ext uri="{FF2B5EF4-FFF2-40B4-BE49-F238E27FC236}">
+                    <a16:creationId xmlns:a16="http://schemas.microsoft.com/office/drawing/2014/main" id="{8D0AA79A-CCFC-49EC-BE35-BAD00817AD07}"/>
+                  </a:ext>
+                </a:extLst>
+              </p:cNvPr>
+              <p:cNvSpPr/>
+              <p:nvPr/>
+            </p:nvSpPr>
+            <p:spPr>
+              <a:xfrm>
+                <a:off x="4443684" y="3786264"/>
+                <a:ext cx="141163" cy="141163"/>
+              </a:xfrm>
+              <a:prstGeom prst="ellipse">
+                <a:avLst/>
+              </a:prstGeom>
+              <a:solidFill>
+                <a:srgbClr val="92D050"/>
+              </a:solidFill>
+            </p:spPr>
+            <p:style>
+              <a:lnRef idx="2">
+                <a:schemeClr val="accent1">
+                  <a:shade val="50000"/>
+                </a:schemeClr>
+              </a:lnRef>
+              <a:fillRef idx="1">
+                <a:schemeClr val="accent1"/>
+              </a:fillRef>
+              <a:effectRef idx="0">
+                <a:schemeClr val="accent1"/>
+              </a:effectRef>
+              <a:fontRef idx="minor">
+                <a:schemeClr val="lt1"/>
+              </a:fontRef>
+            </p:style>
+            <p:txBody>
+              <a:bodyPr rtlCol="0" anchor="ctr"/>
+              <a:lstStyle/>
+              <a:p>
+                <a:pPr algn="ctr"/>
+                <a:endParaRPr lang="zh-CN" altLang="en-US"/>
+              </a:p>
+            </p:txBody>
+          </p:sp>
+          <p:sp>
+            <p:nvSpPr>
+              <p:cNvPr id="49" name="椭圆 48">
+                <a:extLst>
+                  <a:ext uri="{FF2B5EF4-FFF2-40B4-BE49-F238E27FC236}">
+                    <a16:creationId xmlns:a16="http://schemas.microsoft.com/office/drawing/2014/main" id="{4C3B6109-37E4-491D-8439-AC577B293F3E}"/>
+                  </a:ext>
+                </a:extLst>
+              </p:cNvPr>
+              <p:cNvSpPr/>
+              <p:nvPr/>
+            </p:nvSpPr>
+            <p:spPr>
+              <a:xfrm>
+                <a:off x="4894547" y="4221819"/>
+                <a:ext cx="141163" cy="141163"/>
+              </a:xfrm>
+              <a:prstGeom prst="ellipse">
+                <a:avLst/>
+              </a:prstGeom>
+              <a:solidFill>
+                <a:srgbClr val="92D050"/>
+              </a:solidFill>
+            </p:spPr>
+            <p:style>
+              <a:lnRef idx="2">
+                <a:schemeClr val="accent1">
+                  <a:shade val="50000"/>
+                </a:schemeClr>
+              </a:lnRef>
+              <a:fillRef idx="1">
+                <a:schemeClr val="accent1"/>
+              </a:fillRef>
+              <a:effectRef idx="0">
+                <a:schemeClr val="accent1"/>
+              </a:effectRef>
+              <a:fontRef idx="minor">
+                <a:schemeClr val="lt1"/>
+              </a:fontRef>
+            </p:style>
+            <p:txBody>
+              <a:bodyPr rtlCol="0" anchor="ctr"/>
+              <a:lstStyle/>
+              <a:p>
+                <a:pPr algn="ctr"/>
+                <a:endParaRPr lang="zh-CN" altLang="en-US"/>
+              </a:p>
+            </p:txBody>
+          </p:sp>
+          <p:sp>
+            <p:nvSpPr>
+              <p:cNvPr id="50" name="矩形 49">
+                <a:extLst>
+                  <a:ext uri="{FF2B5EF4-FFF2-40B4-BE49-F238E27FC236}">
+                    <a16:creationId xmlns:a16="http://schemas.microsoft.com/office/drawing/2014/main" id="{6F616439-9372-4439-872B-8F2D73874B4C}"/>
+                  </a:ext>
+                </a:extLst>
+              </p:cNvPr>
+              <p:cNvSpPr/>
+              <p:nvPr/>
+            </p:nvSpPr>
+            <p:spPr>
+              <a:xfrm>
+                <a:off x="3675087" y="4691052"/>
+                <a:ext cx="1416835" cy="903285"/>
+              </a:xfrm>
+              <a:prstGeom prst="rect">
+                <a:avLst/>
+              </a:prstGeom>
+              <a:noFill/>
+              <a:ln>
+                <a:solidFill>
+                  <a:schemeClr val="tx1"/>
+                </a:solidFill>
+              </a:ln>
+            </p:spPr>
+            <p:style>
+              <a:lnRef idx="2">
+                <a:schemeClr val="accent1">
+                  <a:shade val="50000"/>
+                </a:schemeClr>
+              </a:lnRef>
+              <a:fillRef idx="1">
+                <a:schemeClr val="accent1"/>
+              </a:fillRef>
+              <a:effectRef idx="0">
+                <a:schemeClr val="accent1"/>
+              </a:effectRef>
+              <a:fontRef idx="minor">
+                <a:schemeClr val="lt1"/>
+              </a:fontRef>
+            </p:style>
+            <p:txBody>
+              <a:bodyPr rtlCol="0" anchor="ctr"/>
+              <a:lstStyle/>
+              <a:p>
+                <a:pPr algn="ctr"/>
+                <a:endParaRPr lang="zh-CN" altLang="en-US"/>
+              </a:p>
+            </p:txBody>
+          </p:sp>
+          <p:sp>
+            <p:nvSpPr>
+              <p:cNvPr id="52" name="矩形: 圆角 51">
+                <a:extLst>
+                  <a:ext uri="{FF2B5EF4-FFF2-40B4-BE49-F238E27FC236}">
+                    <a16:creationId xmlns:a16="http://schemas.microsoft.com/office/drawing/2014/main" id="{DD1F9C98-D8F9-40C9-8C5C-3CB07B53E07C}"/>
+                  </a:ext>
+                </a:extLst>
+              </p:cNvPr>
+              <p:cNvSpPr/>
+              <p:nvPr/>
+            </p:nvSpPr>
+            <p:spPr>
+              <a:xfrm>
+                <a:off x="2491396" y="3518853"/>
+                <a:ext cx="874643" cy="287131"/>
+              </a:xfrm>
+              <a:prstGeom prst="roundRect">
+                <a:avLst/>
+              </a:prstGeom>
+              <a:noFill/>
+              <a:ln>
+                <a:solidFill>
+                  <a:schemeClr val="tx1"/>
+                </a:solidFill>
+              </a:ln>
+            </p:spPr>
+            <p:style>
+              <a:lnRef idx="2">
+                <a:schemeClr val="accent1">
+                  <a:shade val="50000"/>
+                </a:schemeClr>
+              </a:lnRef>
+              <a:fillRef idx="1">
+                <a:schemeClr val="accent1"/>
+              </a:fillRef>
+              <a:effectRef idx="0">
+                <a:schemeClr val="accent1"/>
+              </a:effectRef>
+              <a:fontRef idx="minor">
+                <a:schemeClr val="lt1"/>
+              </a:fontRef>
+            </p:style>
+            <p:txBody>
+              <a:bodyPr rtlCol="0" anchor="ctr"/>
+              <a:lstStyle/>
+              <a:p>
+                <a:pPr algn="ctr"/>
+                <a:r>
+                  <a:rPr lang="en-US" altLang="zh-CN" sz="1100" dirty="0">
+                    <a:solidFill>
+                      <a:schemeClr val="tx1"/>
+                    </a:solidFill>
+                    <a:latin typeface="Times New Roman" panose="02020603050405020304" pitchFamily="18" charset="0"/>
+                    <a:cs typeface="Times New Roman" panose="02020603050405020304" pitchFamily="18" charset="0"/>
+                  </a:rPr>
+                  <a:t>Virus gene</a:t>
+                </a:r>
+                <a:endParaRPr lang="zh-CN" altLang="en-US" sz="1100" dirty="0"/>
+              </a:p>
+            </p:txBody>
+          </p:sp>
+          <p:sp>
+            <p:nvSpPr>
+              <p:cNvPr id="55" name="矩形 54">
+                <a:extLst>
+                  <a:ext uri="{FF2B5EF4-FFF2-40B4-BE49-F238E27FC236}">
+                    <a16:creationId xmlns:a16="http://schemas.microsoft.com/office/drawing/2014/main" id="{3A2E7A71-193D-4F2A-9FC6-AE11A9E838C1}"/>
+                  </a:ext>
+                </a:extLst>
+              </p:cNvPr>
+              <p:cNvSpPr/>
+              <p:nvPr/>
+            </p:nvSpPr>
+            <p:spPr>
+              <a:xfrm>
+                <a:off x="3413890" y="3433911"/>
+                <a:ext cx="570990" cy="246221"/>
+              </a:xfrm>
+              <a:prstGeom prst="rect">
+                <a:avLst/>
+              </a:prstGeom>
+            </p:spPr>
+            <p:txBody>
+              <a:bodyPr wrap="none">
+                <a:spAutoFit/>
+              </a:bodyPr>
+              <a:lstStyle/>
+              <a:p>
+                <a:r>
+                  <a:rPr lang="en-US" altLang="zh-CN" sz="1000" dirty="0">
+                    <a:latin typeface="Times New Roman" panose="02020603050405020304" pitchFamily="18" charset="0"/>
+                    <a:cs typeface="Times New Roman" panose="02020603050405020304" pitchFamily="18" charset="0"/>
+                  </a:rPr>
+                  <a:t>express</a:t>
+                </a:r>
+                <a:endParaRPr lang="zh-CN" altLang="en-US" sz="1000" dirty="0">
+                  <a:latin typeface="Times New Roman" panose="02020603050405020304" pitchFamily="18" charset="0"/>
+                  <a:cs typeface="Times New Roman" panose="02020603050405020304" pitchFamily="18" charset="0"/>
+                </a:endParaRPr>
+              </a:p>
+            </p:txBody>
+          </p:sp>
+          <p:cxnSp>
+            <p:nvCxnSpPr>
+              <p:cNvPr id="56" name="直接箭头连接符 55">
+                <a:extLst>
+                  <a:ext uri="{FF2B5EF4-FFF2-40B4-BE49-F238E27FC236}">
+                    <a16:creationId xmlns:a16="http://schemas.microsoft.com/office/drawing/2014/main" id="{4285D500-43B5-420B-9897-E0BC7D18217C}"/>
+                  </a:ext>
+                </a:extLst>
+              </p:cNvPr>
+              <p:cNvCxnSpPr>
+                <a:cxnSpLocks/>
+                <a:stCxn id="52" idx="2"/>
+                <a:endCxn id="6" idx="1"/>
+              </p:cNvCxnSpPr>
+              <p:nvPr/>
+            </p:nvCxnSpPr>
+            <p:spPr>
+              <a:xfrm>
+                <a:off x="2928718" y="3805984"/>
+                <a:ext cx="626369" cy="373806"/>
+              </a:xfrm>
+              <a:prstGeom prst="straightConnector1">
+                <a:avLst/>
+              </a:prstGeom>
+              <a:ln>
+                <a:tailEnd type="triangle"/>
+              </a:ln>
+            </p:spPr>
+            <p:style>
+              <a:lnRef idx="1">
+                <a:schemeClr val="dk1"/>
+              </a:lnRef>
+              <a:fillRef idx="0">
+                <a:schemeClr val="dk1"/>
+              </a:fillRef>
+              <a:effectRef idx="0">
+                <a:schemeClr val="dk1"/>
+              </a:effectRef>
+              <a:fontRef idx="minor">
+                <a:schemeClr val="tx1"/>
+              </a:fontRef>
+            </p:style>
+          </p:cxnSp>
+          <p:sp>
+            <p:nvSpPr>
+              <p:cNvPr id="59" name="矩形 58">
+                <a:extLst>
+                  <a:ext uri="{FF2B5EF4-FFF2-40B4-BE49-F238E27FC236}">
+                    <a16:creationId xmlns:a16="http://schemas.microsoft.com/office/drawing/2014/main" id="{AFBA4674-B484-434A-BC18-3246DE37351B}"/>
+                  </a:ext>
+                </a:extLst>
+              </p:cNvPr>
+              <p:cNvSpPr/>
+              <p:nvPr/>
+            </p:nvSpPr>
+            <p:spPr>
+              <a:xfrm>
+                <a:off x="2734183" y="3895272"/>
+                <a:ext cx="620683" cy="246221"/>
+              </a:xfrm>
+              <a:prstGeom prst="rect">
+                <a:avLst/>
+              </a:prstGeom>
+            </p:spPr>
+            <p:txBody>
+              <a:bodyPr wrap="none">
+                <a:spAutoFit/>
+              </a:bodyPr>
+              <a:lstStyle/>
+              <a:p>
+                <a:r>
+                  <a:rPr lang="en-US" altLang="zh-CN" sz="1000" dirty="0">
+                    <a:latin typeface="Times New Roman" panose="02020603050405020304" pitchFamily="18" charset="0"/>
+                    <a:cs typeface="Times New Roman" panose="02020603050405020304" pitchFamily="18" charset="0"/>
+                  </a:rPr>
+                  <a:t>translate</a:t>
+                </a:r>
+                <a:endParaRPr lang="zh-CN" altLang="en-US" sz="1000" dirty="0">
+                  <a:latin typeface="Times New Roman" panose="02020603050405020304" pitchFamily="18" charset="0"/>
+                  <a:cs typeface="Times New Roman" panose="02020603050405020304" pitchFamily="18" charset="0"/>
+                </a:endParaRPr>
+              </a:p>
+            </p:txBody>
+          </p:sp>
+          <p:sp>
+            <p:nvSpPr>
+              <p:cNvPr id="60" name="椭圆 59">
+                <a:extLst>
+                  <a:ext uri="{FF2B5EF4-FFF2-40B4-BE49-F238E27FC236}">
+                    <a16:creationId xmlns:a16="http://schemas.microsoft.com/office/drawing/2014/main" id="{612FD71E-6066-4A26-99C8-D7411969289B}"/>
+                  </a:ext>
+                </a:extLst>
+              </p:cNvPr>
+              <p:cNvSpPr/>
+              <p:nvPr/>
+            </p:nvSpPr>
+            <p:spPr>
+              <a:xfrm>
+                <a:off x="3573920" y="3371437"/>
+                <a:ext cx="141163" cy="141163"/>
+              </a:xfrm>
+              <a:prstGeom prst="ellipse">
+                <a:avLst/>
+              </a:prstGeom>
+              <a:solidFill>
+                <a:srgbClr val="92D050"/>
+              </a:solidFill>
+            </p:spPr>
+            <p:style>
+              <a:lnRef idx="2">
+                <a:schemeClr val="accent1">
+                  <a:shade val="50000"/>
+                </a:schemeClr>
+              </a:lnRef>
+              <a:fillRef idx="1">
+                <a:schemeClr val="accent1"/>
+              </a:fillRef>
+              <a:effectRef idx="0">
+                <a:schemeClr val="accent1"/>
+              </a:effectRef>
+              <a:fontRef idx="minor">
+                <a:schemeClr val="lt1"/>
+              </a:fontRef>
+            </p:style>
+            <p:txBody>
+              <a:bodyPr rtlCol="0" anchor="ctr"/>
+              <a:lstStyle/>
+              <a:p>
+                <a:pPr algn="ctr"/>
+                <a:endParaRPr lang="zh-CN" altLang="en-US"/>
+              </a:p>
+            </p:txBody>
+          </p:sp>
+          <p:sp>
+            <p:nvSpPr>
+              <p:cNvPr id="61" name="椭圆 60">
+                <a:extLst>
+                  <a:ext uri="{FF2B5EF4-FFF2-40B4-BE49-F238E27FC236}">
+                    <a16:creationId xmlns:a16="http://schemas.microsoft.com/office/drawing/2014/main" id="{B5ADD325-70CF-4700-8F05-D2F06288A139}"/>
+                  </a:ext>
+                </a:extLst>
+              </p:cNvPr>
+              <p:cNvSpPr/>
+              <p:nvPr/>
+            </p:nvSpPr>
+            <p:spPr>
+              <a:xfrm>
+                <a:off x="3221084" y="4086776"/>
+                <a:ext cx="141163" cy="141163"/>
+              </a:xfrm>
+              <a:prstGeom prst="ellipse">
+                <a:avLst/>
+              </a:prstGeom>
+              <a:solidFill>
+                <a:srgbClr val="92D050"/>
+              </a:solidFill>
+            </p:spPr>
+            <p:style>
+              <a:lnRef idx="2">
+                <a:schemeClr val="accent1">
+                  <a:shade val="50000"/>
+                </a:schemeClr>
+              </a:lnRef>
+              <a:fillRef idx="1">
+                <a:schemeClr val="accent1"/>
+              </a:fillRef>
+              <a:effectRef idx="0">
+                <a:schemeClr val="accent1"/>
+              </a:effectRef>
+              <a:fontRef idx="minor">
+                <a:schemeClr val="lt1"/>
+              </a:fontRef>
+            </p:style>
+            <p:txBody>
+              <a:bodyPr rtlCol="0" anchor="ctr"/>
+              <a:lstStyle/>
+              <a:p>
+                <a:pPr algn="ctr"/>
+                <a:endParaRPr lang="zh-CN" altLang="en-US"/>
+              </a:p>
+            </p:txBody>
+          </p:sp>
+          <p:cxnSp>
+            <p:nvCxnSpPr>
+              <p:cNvPr id="58" name="直接箭头连接符 57">
+                <a:extLst>
+                  <a:ext uri="{FF2B5EF4-FFF2-40B4-BE49-F238E27FC236}">
+                    <a16:creationId xmlns:a16="http://schemas.microsoft.com/office/drawing/2014/main" id="{9B750062-9959-4714-87BE-B07340F4C904}"/>
+                  </a:ext>
+                </a:extLst>
+              </p:cNvPr>
+              <p:cNvCxnSpPr>
+                <a:cxnSpLocks/>
+              </p:cNvCxnSpPr>
+              <p:nvPr/>
+            </p:nvCxnSpPr>
+            <p:spPr>
+              <a:xfrm flipH="1" flipV="1">
+                <a:off x="6983716" y="3049946"/>
+                <a:ext cx="534106" cy="986279"/>
+              </a:xfrm>
+              <a:prstGeom prst="straightConnector1">
+                <a:avLst/>
+              </a:prstGeom>
+              <a:ln>
+                <a:tailEnd type="triangle"/>
+              </a:ln>
+            </p:spPr>
+            <p:style>
+              <a:lnRef idx="1">
+                <a:schemeClr val="dk1"/>
+              </a:lnRef>
+              <a:fillRef idx="0">
+                <a:schemeClr val="dk1"/>
+              </a:fillRef>
+              <a:effectRef idx="0">
+                <a:schemeClr val="dk1"/>
+              </a:effectRef>
+              <a:fontRef idx="minor">
+                <a:schemeClr val="tx1"/>
+              </a:fontRef>
+            </p:style>
+          </p:cxnSp>
+          <p:sp>
+            <p:nvSpPr>
+              <p:cNvPr id="65" name="矩形 64">
+                <a:extLst>
+                  <a:ext uri="{FF2B5EF4-FFF2-40B4-BE49-F238E27FC236}">
+                    <a16:creationId xmlns:a16="http://schemas.microsoft.com/office/drawing/2014/main" id="{E40B6525-C68A-4C68-AB20-AFFB767C9D48}"/>
+                  </a:ext>
+                </a:extLst>
+              </p:cNvPr>
+              <p:cNvSpPr/>
+              <p:nvPr/>
+            </p:nvSpPr>
+            <p:spPr>
+              <a:xfrm>
+                <a:off x="7261073" y="3339907"/>
+                <a:ext cx="141163" cy="141163"/>
+              </a:xfrm>
+              <a:prstGeom prst="rect">
+                <a:avLst/>
+              </a:prstGeom>
+              <a:solidFill>
+                <a:srgbClr val="FFC000"/>
+              </a:solidFill>
+            </p:spPr>
+            <p:style>
+              <a:lnRef idx="2">
+                <a:schemeClr val="accent1">
+                  <a:shade val="50000"/>
+                </a:schemeClr>
+              </a:lnRef>
+              <a:fillRef idx="1">
+                <a:schemeClr val="accent1"/>
+              </a:fillRef>
+              <a:effectRef idx="0">
+                <a:schemeClr val="accent1"/>
+              </a:effectRef>
+              <a:fontRef idx="minor">
+                <a:schemeClr val="lt1"/>
+              </a:fontRef>
+            </p:style>
+            <p:txBody>
+              <a:bodyPr rtlCol="0" anchor="ctr"/>
+              <a:lstStyle/>
+              <a:p>
+                <a:pPr algn="ctr"/>
+                <a:endParaRPr lang="zh-CN" altLang="en-US"/>
+              </a:p>
+            </p:txBody>
+          </p:sp>
+          <p:cxnSp>
+            <p:nvCxnSpPr>
+              <p:cNvPr id="72" name="直接箭头连接符 71">
+                <a:extLst>
+                  <a:ext uri="{FF2B5EF4-FFF2-40B4-BE49-F238E27FC236}">
+                    <a16:creationId xmlns:a16="http://schemas.microsoft.com/office/drawing/2014/main" id="{5B9C7360-4504-41FE-99DA-1A7A736E1542}"/>
+                  </a:ext>
+                </a:extLst>
+              </p:cNvPr>
+              <p:cNvCxnSpPr>
+                <a:cxnSpLocks/>
+                <a:stCxn id="13" idx="3"/>
+                <a:endCxn id="7" idx="0"/>
+              </p:cNvCxnSpPr>
+              <p:nvPr/>
+            </p:nvCxnSpPr>
+            <p:spPr>
+              <a:xfrm>
+                <a:off x="4814254" y="2907610"/>
+                <a:ext cx="1637781" cy="1128614"/>
+              </a:xfrm>
+              <a:prstGeom prst="straightConnector1">
+                <a:avLst/>
+              </a:prstGeom>
+              <a:ln>
+                <a:tailEnd type="triangle"/>
+              </a:ln>
+            </p:spPr>
+            <p:style>
+              <a:lnRef idx="1">
+                <a:schemeClr val="dk1"/>
+              </a:lnRef>
+              <a:fillRef idx="0">
+                <a:schemeClr val="dk1"/>
+              </a:fillRef>
+              <a:effectRef idx="0">
+                <a:schemeClr val="dk1"/>
+              </a:effectRef>
+              <a:fontRef idx="minor">
+                <a:schemeClr val="tx1"/>
+              </a:fontRef>
+            </p:style>
+          </p:cxnSp>
+          <p:sp>
+            <p:nvSpPr>
+              <p:cNvPr id="84" name="矩形 83">
+                <a:extLst>
+                  <a:ext uri="{FF2B5EF4-FFF2-40B4-BE49-F238E27FC236}">
+                    <a16:creationId xmlns:a16="http://schemas.microsoft.com/office/drawing/2014/main" id="{54F52D41-5382-48F8-A865-AE275D22F95A}"/>
+                  </a:ext>
+                </a:extLst>
+              </p:cNvPr>
+              <p:cNvSpPr/>
+              <p:nvPr/>
+            </p:nvSpPr>
+            <p:spPr>
+              <a:xfrm>
+                <a:off x="7517822" y="3626234"/>
+                <a:ext cx="909223" cy="246221"/>
+              </a:xfrm>
+              <a:prstGeom prst="rect">
+                <a:avLst/>
+              </a:prstGeom>
+            </p:spPr>
+            <p:txBody>
+              <a:bodyPr wrap="none">
+                <a:spAutoFit/>
+              </a:bodyPr>
+              <a:lstStyle/>
+              <a:p>
+                <a:r>
+                  <a:rPr lang="en-US" altLang="zh-CN" sz="1000" dirty="0">
+                    <a:latin typeface="Times New Roman" panose="02020603050405020304" pitchFamily="18" charset="0"/>
+                    <a:cs typeface="Times New Roman" panose="02020603050405020304" pitchFamily="18" charset="0"/>
+                  </a:rPr>
+                  <a:t>associate with</a:t>
+                </a:r>
+                <a:endParaRPr lang="zh-CN" altLang="en-US" sz="1000" dirty="0"/>
+              </a:p>
+            </p:txBody>
+          </p:sp>
+          <p:sp>
+            <p:nvSpPr>
+              <p:cNvPr id="85" name="矩形 84">
+                <a:extLst>
+                  <a:ext uri="{FF2B5EF4-FFF2-40B4-BE49-F238E27FC236}">
+                    <a16:creationId xmlns:a16="http://schemas.microsoft.com/office/drawing/2014/main" id="{1DD0A1D0-23C6-458A-B962-C8C762103645}"/>
+                  </a:ext>
+                </a:extLst>
+              </p:cNvPr>
+              <p:cNvSpPr/>
+              <p:nvPr/>
+            </p:nvSpPr>
+            <p:spPr>
+              <a:xfrm>
+                <a:off x="5051588" y="3068841"/>
+                <a:ext cx="478016" cy="246221"/>
+              </a:xfrm>
+              <a:prstGeom prst="rect">
+                <a:avLst/>
+              </a:prstGeom>
+            </p:spPr>
+            <p:txBody>
+              <a:bodyPr wrap="none">
+                <a:spAutoFit/>
+              </a:bodyPr>
+              <a:lstStyle/>
+              <a:p>
+                <a:r>
+                  <a:rPr lang="en-US" altLang="zh-CN" sz="1000" dirty="0">
+                    <a:latin typeface="Times New Roman" panose="02020603050405020304" pitchFamily="18" charset="0"/>
+                    <a:cs typeface="Times New Roman" panose="02020603050405020304" pitchFamily="18" charset="0"/>
+                  </a:rPr>
+                  <a:t>target</a:t>
+                </a:r>
+                <a:endParaRPr lang="zh-CN" altLang="en-US" sz="1000" dirty="0">
+                  <a:latin typeface="Times New Roman" panose="02020603050405020304" pitchFamily="18" charset="0"/>
+                  <a:cs typeface="Times New Roman" panose="02020603050405020304" pitchFamily="18" charset="0"/>
+                </a:endParaRPr>
+              </a:p>
+            </p:txBody>
+          </p:sp>
+          <p:sp>
+            <p:nvSpPr>
+              <p:cNvPr id="86" name="平行四边形 85">
+                <a:extLst>
+                  <a:ext uri="{FF2B5EF4-FFF2-40B4-BE49-F238E27FC236}">
+                    <a16:creationId xmlns:a16="http://schemas.microsoft.com/office/drawing/2014/main" id="{F6C37111-1170-44C4-B59C-BF9E33732A56}"/>
+                  </a:ext>
+                </a:extLst>
+              </p:cNvPr>
+              <p:cNvSpPr/>
+              <p:nvPr/>
+            </p:nvSpPr>
+            <p:spPr>
+              <a:xfrm>
+                <a:off x="3719901" y="5421254"/>
+                <a:ext cx="160347" cy="120561"/>
+              </a:xfrm>
+              <a:prstGeom prst="parallelogram">
+                <a:avLst/>
+              </a:prstGeom>
+              <a:solidFill>
+                <a:srgbClr val="FF0000"/>
+              </a:solidFill>
+            </p:spPr>
+            <p:style>
+              <a:lnRef idx="2">
+                <a:schemeClr val="accent1">
+                  <a:shade val="50000"/>
+                </a:schemeClr>
+              </a:lnRef>
+              <a:fillRef idx="1">
+                <a:schemeClr val="accent1"/>
+              </a:fillRef>
+              <a:effectRef idx="0">
+                <a:schemeClr val="accent1"/>
+              </a:effectRef>
+              <a:fontRef idx="minor">
+                <a:schemeClr val="lt1"/>
+              </a:fontRef>
+            </p:style>
+            <p:txBody>
+              <a:bodyPr rtlCol="0" anchor="ctr"/>
+              <a:lstStyle/>
+              <a:p>
+                <a:pPr algn="ctr"/>
+                <a:endParaRPr lang="zh-CN" altLang="en-US"/>
+              </a:p>
+            </p:txBody>
+          </p:sp>
+          <p:sp>
+            <p:nvSpPr>
+              <p:cNvPr id="87" name="矩形 86">
+                <a:extLst>
+                  <a:ext uri="{FF2B5EF4-FFF2-40B4-BE49-F238E27FC236}">
+                    <a16:creationId xmlns:a16="http://schemas.microsoft.com/office/drawing/2014/main" id="{0B738331-4329-4487-8573-9ACE59F7D6CE}"/>
+                  </a:ext>
+                </a:extLst>
+              </p:cNvPr>
+              <p:cNvSpPr/>
+              <p:nvPr/>
+            </p:nvSpPr>
+            <p:spPr>
+              <a:xfrm>
+                <a:off x="4001880" y="5348122"/>
+                <a:ext cx="728084" cy="246221"/>
+              </a:xfrm>
+              <a:prstGeom prst="rect">
+                <a:avLst/>
+              </a:prstGeom>
+            </p:spPr>
+            <p:txBody>
+              <a:bodyPr wrap="none">
+                <a:spAutoFit/>
+              </a:bodyPr>
+              <a:lstStyle/>
+              <a:p>
+                <a:r>
+                  <a:rPr lang="en-US" altLang="zh-CN" sz="1000" dirty="0" err="1">
+                    <a:latin typeface="Times New Roman" panose="02020603050405020304" pitchFamily="18" charset="0"/>
+                    <a:cs typeface="Times New Roman" panose="02020603050405020304" pitchFamily="18" charset="0"/>
+                  </a:rPr>
+                  <a:t>DrugBank</a:t>
+                </a:r>
+                <a:endParaRPr lang="zh-CN" altLang="en-US" sz="1000" dirty="0">
+                  <a:latin typeface="Times New Roman" panose="02020603050405020304" pitchFamily="18" charset="0"/>
+                  <a:cs typeface="Times New Roman" panose="02020603050405020304" pitchFamily="18" charset="0"/>
+                </a:endParaRPr>
+              </a:p>
+            </p:txBody>
+          </p:sp>
+          <p:sp>
+            <p:nvSpPr>
+              <p:cNvPr id="88" name="平行四边形 87">
+                <a:extLst>
+                  <a:ext uri="{FF2B5EF4-FFF2-40B4-BE49-F238E27FC236}">
+                    <a16:creationId xmlns:a16="http://schemas.microsoft.com/office/drawing/2014/main" id="{0D8A0A8B-C173-4085-959F-890314CEC08C}"/>
+                  </a:ext>
+                </a:extLst>
+              </p:cNvPr>
+              <p:cNvSpPr/>
+              <p:nvPr/>
+            </p:nvSpPr>
+            <p:spPr>
+              <a:xfrm>
+                <a:off x="5185191" y="3000805"/>
+                <a:ext cx="160347" cy="120561"/>
+              </a:xfrm>
+              <a:prstGeom prst="parallelogram">
+                <a:avLst/>
+              </a:prstGeom>
+              <a:solidFill>
+                <a:srgbClr val="FF0000"/>
+              </a:solidFill>
+            </p:spPr>
+            <p:style>
+              <a:lnRef idx="2">
+                <a:schemeClr val="accent1">
+                  <a:shade val="50000"/>
+                </a:schemeClr>
+              </a:lnRef>
+              <a:fillRef idx="1">
+                <a:schemeClr val="accent1"/>
+              </a:fillRef>
+              <a:effectRef idx="0">
+                <a:schemeClr val="accent1"/>
+              </a:effectRef>
+              <a:fontRef idx="minor">
+                <a:schemeClr val="lt1"/>
+              </a:fontRef>
+            </p:style>
+            <p:txBody>
+              <a:bodyPr rtlCol="0" anchor="ctr"/>
+              <a:lstStyle/>
+              <a:p>
+                <a:pPr algn="ctr"/>
+                <a:endParaRPr lang="zh-CN" altLang="en-US"/>
+              </a:p>
+            </p:txBody>
+          </p:sp>
+          <p:cxnSp>
+            <p:nvCxnSpPr>
+              <p:cNvPr id="66" name="直接箭头连接符 65">
+                <a:extLst>
+                  <a:ext uri="{FF2B5EF4-FFF2-40B4-BE49-F238E27FC236}">
+                    <a16:creationId xmlns:a16="http://schemas.microsoft.com/office/drawing/2014/main" id="{EC58A58A-6490-4CF2-BBE4-C8C2F9844973}"/>
+                  </a:ext>
+                </a:extLst>
+              </p:cNvPr>
+              <p:cNvCxnSpPr>
+                <a:cxnSpLocks/>
+                <a:stCxn id="8" idx="3"/>
+              </p:cNvCxnSpPr>
+              <p:nvPr/>
+            </p:nvCxnSpPr>
+            <p:spPr>
+              <a:xfrm flipV="1">
+                <a:off x="5623317" y="3049946"/>
+                <a:ext cx="1919631" cy="609915"/>
+              </a:xfrm>
+              <a:prstGeom prst="straightConnector1">
+                <a:avLst/>
+              </a:prstGeom>
+              <a:ln>
+                <a:tailEnd type="triangle"/>
+              </a:ln>
+            </p:spPr>
+            <p:style>
+              <a:lnRef idx="1">
+                <a:schemeClr val="dk1"/>
+              </a:lnRef>
+              <a:fillRef idx="0">
+                <a:schemeClr val="dk1"/>
+              </a:fillRef>
+              <a:effectRef idx="0">
+                <a:schemeClr val="dk1"/>
+              </a:effectRef>
+              <a:fontRef idx="minor">
+                <a:schemeClr val="tx1"/>
+              </a:fontRef>
+            </p:style>
+          </p:cxnSp>
+          <p:sp>
+            <p:nvSpPr>
+              <p:cNvPr id="68" name="矩形 67">
+                <a:extLst>
+                  <a:ext uri="{FF2B5EF4-FFF2-40B4-BE49-F238E27FC236}">
+                    <a16:creationId xmlns:a16="http://schemas.microsoft.com/office/drawing/2014/main" id="{0EAFD02C-EFB4-4F37-A34D-F17C3AC571F4}"/>
+                  </a:ext>
+                </a:extLst>
+              </p:cNvPr>
+              <p:cNvSpPr/>
+              <p:nvPr/>
+            </p:nvSpPr>
+            <p:spPr>
+              <a:xfrm>
+                <a:off x="6177037" y="3382106"/>
+                <a:ext cx="471604" cy="246221"/>
+              </a:xfrm>
+              <a:prstGeom prst="rect">
+                <a:avLst/>
+              </a:prstGeom>
+            </p:spPr>
+            <p:txBody>
+              <a:bodyPr wrap="none">
+                <a:spAutoFit/>
+              </a:bodyPr>
+              <a:lstStyle/>
+              <a:p>
+                <a:r>
+                  <a:rPr lang="en-US" altLang="zh-CN" sz="1000" dirty="0">
+                    <a:latin typeface="Times New Roman" panose="02020603050405020304" pitchFamily="18" charset="0"/>
+                    <a:cs typeface="Times New Roman" panose="02020603050405020304" pitchFamily="18" charset="0"/>
+                  </a:rPr>
+                  <a:t>cause</a:t>
+                </a:r>
+                <a:endParaRPr lang="zh-CN" altLang="en-US" sz="1000" dirty="0">
+                  <a:latin typeface="Times New Roman" panose="02020603050405020304" pitchFamily="18" charset="0"/>
+                  <a:cs typeface="Times New Roman" panose="02020603050405020304" pitchFamily="18" charset="0"/>
+                </a:endParaRPr>
+              </a:p>
+            </p:txBody>
+          </p:sp>
+          <p:sp>
+            <p:nvSpPr>
+              <p:cNvPr id="69" name="椭圆 68">
+                <a:extLst>
+                  <a:ext uri="{FF2B5EF4-FFF2-40B4-BE49-F238E27FC236}">
+                    <a16:creationId xmlns:a16="http://schemas.microsoft.com/office/drawing/2014/main" id="{03445AD2-1114-4ED8-9B8E-A20C727CDD32}"/>
+                  </a:ext>
+                </a:extLst>
+              </p:cNvPr>
+              <p:cNvSpPr/>
+              <p:nvPr/>
+            </p:nvSpPr>
+            <p:spPr>
+              <a:xfrm>
+                <a:off x="6323004" y="3239938"/>
+                <a:ext cx="141163" cy="141163"/>
+              </a:xfrm>
+              <a:prstGeom prst="ellipse">
+                <a:avLst/>
+              </a:prstGeom>
+              <a:solidFill>
+                <a:srgbClr val="92D050"/>
+              </a:solidFill>
+            </p:spPr>
+            <p:style>
+              <a:lnRef idx="2">
+                <a:schemeClr val="accent1">
+                  <a:shade val="50000"/>
+                </a:schemeClr>
+              </a:lnRef>
+              <a:fillRef idx="1">
+                <a:schemeClr val="accent1"/>
+              </a:fillRef>
+              <a:effectRef idx="0">
+                <a:schemeClr val="accent1"/>
+              </a:effectRef>
+              <a:fontRef idx="minor">
+                <a:schemeClr val="lt1"/>
+              </a:fontRef>
+            </p:style>
+            <p:txBody>
+              <a:bodyPr rtlCol="0" anchor="ctr"/>
+              <a:lstStyle/>
+              <a:p>
+                <a:pPr algn="ctr"/>
+                <a:endParaRPr lang="zh-CN" altLang="en-US"/>
+              </a:p>
+            </p:txBody>
+          </p:sp>
+          <p:sp>
+            <p:nvSpPr>
+              <p:cNvPr id="70" name="矩形 69">
+                <a:extLst>
+                  <a:ext uri="{FF2B5EF4-FFF2-40B4-BE49-F238E27FC236}">
+                    <a16:creationId xmlns:a16="http://schemas.microsoft.com/office/drawing/2014/main" id="{73AB7404-772B-4B8F-A288-FBC2DFCC7594}"/>
+                  </a:ext>
+                </a:extLst>
+              </p:cNvPr>
+              <p:cNvSpPr/>
+              <p:nvPr/>
+            </p:nvSpPr>
+            <p:spPr>
+              <a:xfrm>
+                <a:off x="6502869" y="3167959"/>
+                <a:ext cx="141163" cy="141163"/>
+              </a:xfrm>
+              <a:prstGeom prst="rect">
+                <a:avLst/>
+              </a:prstGeom>
+              <a:solidFill>
+                <a:srgbClr val="FFC000"/>
+              </a:solidFill>
+            </p:spPr>
+            <p:style>
+              <a:lnRef idx="2">
+                <a:schemeClr val="accent1">
+                  <a:shade val="50000"/>
+                </a:schemeClr>
+              </a:lnRef>
+              <a:fillRef idx="1">
+                <a:schemeClr val="accent1"/>
+              </a:fillRef>
+              <a:effectRef idx="0">
+                <a:schemeClr val="accent1"/>
+              </a:effectRef>
+              <a:fontRef idx="minor">
+                <a:schemeClr val="lt1"/>
+              </a:fontRef>
+            </p:style>
+            <p:txBody>
+              <a:bodyPr rtlCol="0" anchor="ctr"/>
+              <a:lstStyle/>
+              <a:p>
+                <a:pPr algn="ctr"/>
+                <a:endParaRPr lang="zh-CN" altLang="en-US"/>
+              </a:p>
+            </p:txBody>
+          </p:sp>
+        </p:grpSp>
+        <p:sp>
+          <p:nvSpPr>
+            <p:cNvPr id="51" name="弧形 50">
+              <a:extLst>
+                <a:ext uri="{FF2B5EF4-FFF2-40B4-BE49-F238E27FC236}">
+                  <a16:creationId xmlns:a16="http://schemas.microsoft.com/office/drawing/2014/main" id="{9CDCD8A7-19BB-419F-94F4-039D017AF1A5}"/>
+                </a:ext>
+              </a:extLst>
+            </p:cNvPr>
+            <p:cNvSpPr/>
+            <p:nvPr/>
+          </p:nvSpPr>
           <p:spPr>
-            <a:xfrm flipH="1">
-              <a:off x="3366039" y="3659861"/>
-              <a:ext cx="1326591" cy="2558"/>
+            <a:xfrm rot="8284718">
+              <a:off x="5523517" y="4225876"/>
+              <a:ext cx="1174951" cy="287577"/>
             </a:xfrm>
-            <a:prstGeom prst="straightConnector1">
-              <a:avLst/>
+            <a:prstGeom prst="arc">
+              <a:avLst>
+                <a:gd name="adj1" fmla="val 13661796"/>
+                <a:gd name="adj2" fmla="val 5242819"/>
+              </a:avLst>
             </a:prstGeom>
             <a:ln>
-              <a:solidFill>
-                <a:schemeClr val="tx1"/>
-              </a:solidFill>
-              <a:tailEnd type="triangle"/>
+              <a:headEnd type="none" w="med" len="med"/>
+              <a:tailEnd type="triangle" w="med" len="med"/>
             </a:ln>
           </p:spPr>
           <p:style>
@@ -3392,13 +6673,21 @@
               <a:schemeClr val="tx1"/>
             </a:fontRef>
           </p:style>
-        </p:cxnSp>
+          <p:txBody>
+            <a:bodyPr rtlCol="0" anchor="ctr"/>
+            <a:lstStyle/>
+            <a:p>
+              <a:pPr algn="ctr"/>
+              <a:endParaRPr lang="zh-CN" altLang="en-US"/>
+            </a:p>
+          </p:txBody>
+        </p:sp>
         <p:sp>
           <p:nvSpPr>
-            <p:cNvPr id="5" name="矩形: 圆角 4">
+            <p:cNvPr id="73" name="矩形 72">
               <a:extLst>
                 <a:ext uri="{FF2B5EF4-FFF2-40B4-BE49-F238E27FC236}">
-                  <a16:creationId xmlns:a16="http://schemas.microsoft.com/office/drawing/2014/main" id="{A63B6C7F-C778-4131-AF96-6EC835DD2005}"/>
+                  <a16:creationId xmlns:a16="http://schemas.microsoft.com/office/drawing/2014/main" id="{A6EC51F4-7A4B-4DB2-B67E-69F4E97FE799}"/>
                 </a:ext>
               </a:extLst>
             </p:cNvPr>
@@ -3407,1191 +6696,7 @@
           </p:nvSpPr>
           <p:spPr>
             <a:xfrm>
-              <a:off x="6006385" y="4792755"/>
-              <a:ext cx="874643" cy="287131"/>
-            </a:xfrm>
-            <a:prstGeom prst="roundRect">
-              <a:avLst/>
-            </a:prstGeom>
-            <a:noFill/>
-            <a:ln>
-              <a:solidFill>
-                <a:schemeClr val="tx1"/>
-              </a:solidFill>
-            </a:ln>
-          </p:spPr>
-          <p:style>
-            <a:lnRef idx="2">
-              <a:schemeClr val="accent1">
-                <a:shade val="50000"/>
-              </a:schemeClr>
-            </a:lnRef>
-            <a:fillRef idx="1">
-              <a:schemeClr val="accent1"/>
-            </a:fillRef>
-            <a:effectRef idx="0">
-              <a:schemeClr val="accent1"/>
-            </a:effectRef>
-            <a:fontRef idx="minor">
-              <a:schemeClr val="lt1"/>
-            </a:fontRef>
-          </p:style>
-          <p:txBody>
-            <a:bodyPr rtlCol="0" anchor="ctr"/>
-            <a:lstStyle/>
-            <a:p>
-              <a:pPr algn="ctr"/>
-              <a:r>
-                <a:rPr lang="en-US" altLang="zh-CN" sz="1100" dirty="0">
-                  <a:solidFill>
-                    <a:schemeClr val="tx1"/>
-                  </a:solidFill>
-                  <a:latin typeface="Times New Roman" panose="02020603050405020304" pitchFamily="18" charset="0"/>
-                  <a:cs typeface="Times New Roman" panose="02020603050405020304" pitchFamily="18" charset="0"/>
-                </a:rPr>
-                <a:t>Host </a:t>
-              </a:r>
-            </a:p>
-            <a:p>
-              <a:pPr algn="ctr"/>
-              <a:r>
-                <a:rPr lang="en-US" altLang="zh-CN" sz="500" dirty="0">
-                  <a:solidFill>
-                    <a:schemeClr val="tx1"/>
-                  </a:solidFill>
-                  <a:latin typeface="Times New Roman" panose="02020603050405020304" pitchFamily="18" charset="0"/>
-                  <a:cs typeface="Times New Roman" panose="02020603050405020304" pitchFamily="18" charset="0"/>
-                </a:rPr>
-                <a:t>Human</a:t>
-              </a:r>
-              <a:endParaRPr lang="zh-CN" altLang="en-US" sz="500" dirty="0">
-                <a:solidFill>
-                  <a:schemeClr val="tx1"/>
-                </a:solidFill>
-                <a:latin typeface="Times New Roman" panose="02020603050405020304" pitchFamily="18" charset="0"/>
-                <a:cs typeface="Times New Roman" panose="02020603050405020304" pitchFamily="18" charset="0"/>
-              </a:endParaRPr>
-            </a:p>
-          </p:txBody>
-        </p:sp>
-        <p:sp>
-          <p:nvSpPr>
-            <p:cNvPr id="6" name="矩形: 圆角 5">
-              <a:extLst>
-                <a:ext uri="{FF2B5EF4-FFF2-40B4-BE49-F238E27FC236}">
-                  <a16:creationId xmlns:a16="http://schemas.microsoft.com/office/drawing/2014/main" id="{53240D7A-8279-4CBF-9F80-DCB4FC99650D}"/>
-                </a:ext>
-              </a:extLst>
-            </p:cNvPr>
-            <p:cNvSpPr/>
-            <p:nvPr/>
-          </p:nvSpPr>
-          <p:spPr>
-            <a:xfrm>
-              <a:off x="3555087" y="4036224"/>
-              <a:ext cx="874643" cy="287131"/>
-            </a:xfrm>
-            <a:prstGeom prst="roundRect">
-              <a:avLst/>
-            </a:prstGeom>
-            <a:noFill/>
-            <a:ln>
-              <a:solidFill>
-                <a:schemeClr val="tx1"/>
-              </a:solidFill>
-            </a:ln>
-          </p:spPr>
-          <p:style>
-            <a:lnRef idx="2">
-              <a:schemeClr val="accent1">
-                <a:shade val="50000"/>
-              </a:schemeClr>
-            </a:lnRef>
-            <a:fillRef idx="1">
-              <a:schemeClr val="accent1"/>
-            </a:fillRef>
-            <a:effectRef idx="0">
-              <a:schemeClr val="accent1"/>
-            </a:effectRef>
-            <a:fontRef idx="minor">
-              <a:schemeClr val="lt1"/>
-            </a:fontRef>
-          </p:style>
-          <p:txBody>
-            <a:bodyPr rtlCol="0" anchor="ctr"/>
-            <a:lstStyle/>
-            <a:p>
-              <a:pPr algn="ctr"/>
-              <a:r>
-                <a:rPr lang="en-US" altLang="zh-CN" sz="1100" dirty="0">
-                  <a:solidFill>
-                    <a:schemeClr val="tx1"/>
-                  </a:solidFill>
-                  <a:latin typeface="Times New Roman" panose="02020603050405020304" pitchFamily="18" charset="0"/>
-                  <a:cs typeface="Times New Roman" panose="02020603050405020304" pitchFamily="18" charset="0"/>
-                </a:rPr>
-                <a:t>Virus Protein</a:t>
-              </a:r>
-              <a:endParaRPr lang="zh-CN" altLang="en-US" sz="1100" dirty="0"/>
-            </a:p>
-          </p:txBody>
-        </p:sp>
-        <p:sp>
-          <p:nvSpPr>
-            <p:cNvPr id="7" name="矩形: 圆角 6">
-              <a:extLst>
-                <a:ext uri="{FF2B5EF4-FFF2-40B4-BE49-F238E27FC236}">
-                  <a16:creationId xmlns:a16="http://schemas.microsoft.com/office/drawing/2014/main" id="{48D16F5A-3C4B-4FDF-AB1C-948AD99DA15D}"/>
-                </a:ext>
-              </a:extLst>
-            </p:cNvPr>
-            <p:cNvSpPr/>
-            <p:nvPr/>
-          </p:nvSpPr>
-          <p:spPr>
-            <a:xfrm>
-              <a:off x="6014713" y="4036224"/>
-              <a:ext cx="874643" cy="287131"/>
-            </a:xfrm>
-            <a:prstGeom prst="roundRect">
-              <a:avLst/>
-            </a:prstGeom>
-            <a:noFill/>
-            <a:ln>
-              <a:solidFill>
-                <a:schemeClr val="tx1"/>
-              </a:solidFill>
-            </a:ln>
-          </p:spPr>
-          <p:style>
-            <a:lnRef idx="2">
-              <a:schemeClr val="accent1">
-                <a:shade val="50000"/>
-              </a:schemeClr>
-            </a:lnRef>
-            <a:fillRef idx="1">
-              <a:schemeClr val="accent1"/>
-            </a:fillRef>
-            <a:effectRef idx="0">
-              <a:schemeClr val="accent1"/>
-            </a:effectRef>
-            <a:fontRef idx="minor">
-              <a:schemeClr val="lt1"/>
-            </a:fontRef>
-          </p:style>
-          <p:txBody>
-            <a:bodyPr rtlCol="0" anchor="ctr"/>
-            <a:lstStyle/>
-            <a:p>
-              <a:pPr algn="ctr"/>
-              <a:r>
-                <a:rPr lang="en-US" altLang="zh-CN" sz="1100" dirty="0">
-                  <a:solidFill>
-                    <a:schemeClr val="tx1"/>
-                  </a:solidFill>
-                  <a:latin typeface="Times New Roman" panose="02020603050405020304" pitchFamily="18" charset="0"/>
-                  <a:cs typeface="Times New Roman" panose="02020603050405020304" pitchFamily="18" charset="0"/>
-                </a:rPr>
-                <a:t>Host Protein</a:t>
-              </a:r>
-              <a:endParaRPr lang="zh-CN" altLang="en-US" sz="1100" dirty="0">
-                <a:solidFill>
-                  <a:schemeClr val="tx1"/>
-                </a:solidFill>
-                <a:latin typeface="Times New Roman" panose="02020603050405020304" pitchFamily="18" charset="0"/>
-                <a:cs typeface="Times New Roman" panose="02020603050405020304" pitchFamily="18" charset="0"/>
-              </a:endParaRPr>
-            </a:p>
-          </p:txBody>
-        </p:sp>
-        <p:sp>
-          <p:nvSpPr>
-            <p:cNvPr id="8" name="矩形: 圆角 7">
-              <a:extLst>
-                <a:ext uri="{FF2B5EF4-FFF2-40B4-BE49-F238E27FC236}">
-                  <a16:creationId xmlns:a16="http://schemas.microsoft.com/office/drawing/2014/main" id="{3E5071F0-3EB9-4671-BA54-5185AE6E13A6}"/>
-                </a:ext>
-              </a:extLst>
-            </p:cNvPr>
-            <p:cNvSpPr/>
-            <p:nvPr/>
-          </p:nvSpPr>
-          <p:spPr>
-            <a:xfrm>
-              <a:off x="4692630" y="3516295"/>
-              <a:ext cx="930687" cy="287131"/>
-            </a:xfrm>
-            <a:prstGeom prst="roundRect">
-              <a:avLst/>
-            </a:prstGeom>
-            <a:noFill/>
-            <a:ln>
-              <a:solidFill>
-                <a:schemeClr val="tx1"/>
-              </a:solidFill>
-            </a:ln>
-          </p:spPr>
-          <p:style>
-            <a:lnRef idx="2">
-              <a:schemeClr val="accent1">
-                <a:shade val="50000"/>
-              </a:schemeClr>
-            </a:lnRef>
-            <a:fillRef idx="1">
-              <a:schemeClr val="accent1"/>
-            </a:fillRef>
-            <a:effectRef idx="0">
-              <a:schemeClr val="accent1"/>
-            </a:effectRef>
-            <a:fontRef idx="minor">
-              <a:schemeClr val="lt1"/>
-            </a:fontRef>
-          </p:style>
-          <p:txBody>
-            <a:bodyPr rtlCol="0" anchor="ctr"/>
-            <a:lstStyle/>
-            <a:p>
-              <a:pPr algn="ctr"/>
-              <a:r>
-                <a:rPr lang="en-US" altLang="zh-CN" sz="1100" dirty="0">
-                  <a:solidFill>
-                    <a:schemeClr val="tx1"/>
-                  </a:solidFill>
-                  <a:latin typeface="Times New Roman" panose="02020603050405020304" pitchFamily="18" charset="0"/>
-                  <a:cs typeface="Times New Roman" panose="02020603050405020304" pitchFamily="18" charset="0"/>
-                </a:rPr>
-                <a:t>Virus</a:t>
-              </a:r>
-            </a:p>
-            <a:p>
-              <a:pPr algn="ctr"/>
-              <a:r>
-                <a:rPr lang="en-US" altLang="zh-CN" sz="400" dirty="0">
-                  <a:solidFill>
-                    <a:schemeClr val="tx1"/>
-                  </a:solidFill>
-                  <a:latin typeface="Times New Roman" panose="02020603050405020304" pitchFamily="18" charset="0"/>
-                  <a:cs typeface="Times New Roman" panose="02020603050405020304" pitchFamily="18" charset="0"/>
-                </a:rPr>
-                <a:t>SARS-</a:t>
-              </a:r>
-              <a:r>
-                <a:rPr lang="en-US" altLang="zh-CN" sz="400" dirty="0" err="1">
-                  <a:solidFill>
-                    <a:schemeClr val="tx1"/>
-                  </a:solidFill>
-                  <a:latin typeface="Times New Roman" panose="02020603050405020304" pitchFamily="18" charset="0"/>
-                  <a:cs typeface="Times New Roman" panose="02020603050405020304" pitchFamily="18" charset="0"/>
-                </a:rPr>
-                <a:t>CoV</a:t>
-              </a:r>
-              <a:r>
-                <a:rPr lang="en-US" altLang="zh-CN" sz="400" dirty="0">
-                  <a:solidFill>
-                    <a:schemeClr val="tx1"/>
-                  </a:solidFill>
-                  <a:latin typeface="Times New Roman" panose="02020603050405020304" pitchFamily="18" charset="0"/>
-                  <a:cs typeface="Times New Roman" panose="02020603050405020304" pitchFamily="18" charset="0"/>
-                </a:rPr>
-                <a:t>, MERS-</a:t>
-              </a:r>
-              <a:r>
-                <a:rPr lang="en-US" altLang="zh-CN" sz="400" dirty="0" err="1">
-                  <a:solidFill>
-                    <a:schemeClr val="tx1"/>
-                  </a:solidFill>
-                  <a:latin typeface="Times New Roman" panose="02020603050405020304" pitchFamily="18" charset="0"/>
-                  <a:cs typeface="Times New Roman" panose="02020603050405020304" pitchFamily="18" charset="0"/>
-                </a:rPr>
-                <a:t>CoV</a:t>
-              </a:r>
-              <a:r>
-                <a:rPr lang="en-US" altLang="zh-CN" sz="400" dirty="0">
-                  <a:solidFill>
-                    <a:schemeClr val="tx1"/>
-                  </a:solidFill>
-                  <a:latin typeface="Times New Roman" panose="02020603050405020304" pitchFamily="18" charset="0"/>
-                  <a:cs typeface="Times New Roman" panose="02020603050405020304" pitchFamily="18" charset="0"/>
-                </a:rPr>
-                <a:t>, IBV, MHV, </a:t>
-              </a:r>
-              <a:r>
-                <a:rPr lang="en-US" altLang="zh-CN" sz="400" dirty="0" err="1">
-                  <a:solidFill>
-                    <a:schemeClr val="tx1"/>
-                  </a:solidFill>
-                  <a:latin typeface="Times New Roman" panose="02020603050405020304" pitchFamily="18" charset="0"/>
-                  <a:cs typeface="Times New Roman" panose="02020603050405020304" pitchFamily="18" charset="0"/>
-                </a:rPr>
-                <a:t>HCoV</a:t>
-              </a:r>
-              <a:r>
-                <a:rPr lang="en-US" altLang="zh-CN" sz="400" dirty="0">
-                  <a:solidFill>
-                    <a:schemeClr val="tx1"/>
-                  </a:solidFill>
-                  <a:latin typeface="Times New Roman" panose="02020603050405020304" pitchFamily="18" charset="0"/>
-                  <a:cs typeface="Times New Roman" panose="02020603050405020304" pitchFamily="18" charset="0"/>
-                </a:rPr>
-                <a:t>- 229E, HCoV-NL63</a:t>
-              </a:r>
-              <a:endParaRPr lang="zh-CN" altLang="en-US" sz="400" dirty="0">
-                <a:solidFill>
-                  <a:schemeClr val="tx1"/>
-                </a:solidFill>
-                <a:latin typeface="Times New Roman" panose="02020603050405020304" pitchFamily="18" charset="0"/>
-                <a:cs typeface="Times New Roman" panose="02020603050405020304" pitchFamily="18" charset="0"/>
-              </a:endParaRPr>
-            </a:p>
-          </p:txBody>
-        </p:sp>
-        <p:cxnSp>
-          <p:nvCxnSpPr>
-            <p:cNvPr id="9" name="直接箭头连接符 8">
-              <a:extLst>
-                <a:ext uri="{FF2B5EF4-FFF2-40B4-BE49-F238E27FC236}">
-                  <a16:creationId xmlns:a16="http://schemas.microsoft.com/office/drawing/2014/main" id="{CF2B91F4-1624-4A8C-BD39-70B76ECD9B9B}"/>
-                </a:ext>
-              </a:extLst>
-            </p:cNvPr>
-            <p:cNvCxnSpPr>
-              <a:cxnSpLocks/>
-            </p:cNvCxnSpPr>
-            <p:nvPr/>
-          </p:nvCxnSpPr>
-          <p:spPr>
-            <a:xfrm flipH="1">
-              <a:off x="4429731" y="3803426"/>
-              <a:ext cx="266380" cy="232798"/>
-            </a:xfrm>
-            <a:prstGeom prst="straightConnector1">
-              <a:avLst/>
-            </a:prstGeom>
-            <a:ln>
-              <a:solidFill>
-                <a:schemeClr val="tx1"/>
-              </a:solidFill>
-              <a:tailEnd type="triangle"/>
-            </a:ln>
-          </p:spPr>
-          <p:style>
-            <a:lnRef idx="1">
-              <a:schemeClr val="dk1"/>
-            </a:lnRef>
-            <a:fillRef idx="0">
-              <a:schemeClr val="dk1"/>
-            </a:fillRef>
-            <a:effectRef idx="0">
-              <a:schemeClr val="dk1"/>
-            </a:effectRef>
-            <a:fontRef idx="minor">
-              <a:schemeClr val="tx1"/>
-            </a:fontRef>
-          </p:style>
-        </p:cxnSp>
-        <p:cxnSp>
-          <p:nvCxnSpPr>
-            <p:cNvPr id="10" name="直接箭头连接符 9">
-              <a:extLst>
-                <a:ext uri="{FF2B5EF4-FFF2-40B4-BE49-F238E27FC236}">
-                  <a16:creationId xmlns:a16="http://schemas.microsoft.com/office/drawing/2014/main" id="{EA43B717-8C0C-4A88-B9D8-B45D73C7D47A}"/>
-                </a:ext>
-              </a:extLst>
-            </p:cNvPr>
-            <p:cNvCxnSpPr>
-              <a:cxnSpLocks/>
-              <a:endCxn id="7" idx="1"/>
-            </p:cNvCxnSpPr>
-            <p:nvPr/>
-          </p:nvCxnSpPr>
-          <p:spPr>
-            <a:xfrm>
-              <a:off x="4429730" y="4179789"/>
-              <a:ext cx="1584983" cy="1"/>
-            </a:xfrm>
-            <a:prstGeom prst="straightConnector1">
-              <a:avLst/>
-            </a:prstGeom>
-            <a:ln>
-              <a:solidFill>
-                <a:schemeClr val="tx1"/>
-              </a:solidFill>
-              <a:tailEnd type="triangle"/>
-            </a:ln>
-          </p:spPr>
-          <p:style>
-            <a:lnRef idx="1">
-              <a:schemeClr val="dk1"/>
-            </a:lnRef>
-            <a:fillRef idx="0">
-              <a:schemeClr val="dk1"/>
-            </a:fillRef>
-            <a:effectRef idx="0">
-              <a:schemeClr val="dk1"/>
-            </a:effectRef>
-            <a:fontRef idx="minor">
-              <a:schemeClr val="tx1"/>
-            </a:fontRef>
-          </p:style>
-        </p:cxnSp>
-        <p:sp>
-          <p:nvSpPr>
-            <p:cNvPr id="11" name="矩形 10">
-              <a:extLst>
-                <a:ext uri="{FF2B5EF4-FFF2-40B4-BE49-F238E27FC236}">
-                  <a16:creationId xmlns:a16="http://schemas.microsoft.com/office/drawing/2014/main" id="{AE4715F4-5CB2-4538-B2E3-A4170FE8FA44}"/>
-                </a:ext>
-              </a:extLst>
-            </p:cNvPr>
-            <p:cNvSpPr/>
-            <p:nvPr/>
-          </p:nvSpPr>
-          <p:spPr>
-            <a:xfrm>
-              <a:off x="4492079" y="3846273"/>
-              <a:ext cx="599844" cy="246221"/>
-            </a:xfrm>
-            <a:prstGeom prst="rect">
-              <a:avLst/>
-            </a:prstGeom>
-          </p:spPr>
-          <p:txBody>
-            <a:bodyPr wrap="none">
-              <a:spAutoFit/>
-            </a:bodyPr>
-            <a:lstStyle/>
-            <a:p>
-              <a:r>
-                <a:rPr lang="en-US" altLang="zh-CN" sz="1000" dirty="0">
-                  <a:latin typeface="Times New Roman" panose="02020603050405020304" pitchFamily="18" charset="0"/>
-                  <a:cs typeface="Times New Roman" panose="02020603050405020304" pitchFamily="18" charset="0"/>
-                </a:rPr>
-                <a:t>produce</a:t>
-              </a:r>
-              <a:endParaRPr lang="zh-CN" altLang="en-US" sz="1000" dirty="0"/>
-            </a:p>
-          </p:txBody>
-        </p:sp>
-        <p:sp>
-          <p:nvSpPr>
-            <p:cNvPr id="12" name="矩形 11">
-              <a:extLst>
-                <a:ext uri="{FF2B5EF4-FFF2-40B4-BE49-F238E27FC236}">
-                  <a16:creationId xmlns:a16="http://schemas.microsoft.com/office/drawing/2014/main" id="{3D79CAB7-8B2B-409B-B81F-A9529044084F}"/>
-                </a:ext>
-              </a:extLst>
-            </p:cNvPr>
-            <p:cNvSpPr/>
-            <p:nvPr/>
-          </p:nvSpPr>
-          <p:spPr>
-            <a:xfrm>
-              <a:off x="4980052" y="4164277"/>
-              <a:ext cx="412292" cy="246221"/>
-            </a:xfrm>
-            <a:prstGeom prst="rect">
-              <a:avLst/>
-            </a:prstGeom>
-          </p:spPr>
-          <p:txBody>
-            <a:bodyPr wrap="none">
-              <a:spAutoFit/>
-            </a:bodyPr>
-            <a:lstStyle/>
-            <a:p>
-              <a:r>
-                <a:rPr lang="en-US" altLang="zh-CN" sz="1000" dirty="0">
-                  <a:latin typeface="Times New Roman" panose="02020603050405020304" pitchFamily="18" charset="0"/>
-                  <a:cs typeface="Times New Roman" panose="02020603050405020304" pitchFamily="18" charset="0"/>
-                </a:rPr>
-                <a:t>bind</a:t>
-              </a:r>
-              <a:endParaRPr lang="zh-CN" altLang="en-US" sz="1000" dirty="0"/>
-            </a:p>
-          </p:txBody>
-        </p:sp>
-        <p:sp>
-          <p:nvSpPr>
-            <p:cNvPr id="13" name="矩形: 圆角 12">
-              <a:extLst>
-                <a:ext uri="{FF2B5EF4-FFF2-40B4-BE49-F238E27FC236}">
-                  <a16:creationId xmlns:a16="http://schemas.microsoft.com/office/drawing/2014/main" id="{542516D4-7F17-476C-BE21-D23415E03D1A}"/>
-                </a:ext>
-              </a:extLst>
-            </p:cNvPr>
-            <p:cNvSpPr/>
-            <p:nvPr/>
-          </p:nvSpPr>
-          <p:spPr>
-            <a:xfrm>
-              <a:off x="3939611" y="2764044"/>
-              <a:ext cx="874643" cy="287131"/>
-            </a:xfrm>
-            <a:prstGeom prst="roundRect">
-              <a:avLst/>
-            </a:prstGeom>
-            <a:noFill/>
-            <a:ln>
-              <a:solidFill>
-                <a:schemeClr val="tx1"/>
-              </a:solidFill>
-            </a:ln>
-          </p:spPr>
-          <p:style>
-            <a:lnRef idx="2">
-              <a:schemeClr val="accent1">
-                <a:shade val="50000"/>
-              </a:schemeClr>
-            </a:lnRef>
-            <a:fillRef idx="1">
-              <a:schemeClr val="accent1"/>
-            </a:fillRef>
-            <a:effectRef idx="0">
-              <a:schemeClr val="accent1"/>
-            </a:effectRef>
-            <a:fontRef idx="minor">
-              <a:schemeClr val="lt1"/>
-            </a:fontRef>
-          </p:style>
-          <p:txBody>
-            <a:bodyPr rtlCol="0" anchor="ctr"/>
-            <a:lstStyle/>
-            <a:p>
-              <a:pPr algn="ctr"/>
-              <a:r>
-                <a:rPr lang="en-US" altLang="zh-CN" sz="1100" dirty="0">
-                  <a:solidFill>
-                    <a:schemeClr val="tx1"/>
-                  </a:solidFill>
-                  <a:latin typeface="Times New Roman" panose="02020603050405020304" pitchFamily="18" charset="0"/>
-                  <a:cs typeface="Times New Roman" panose="02020603050405020304" pitchFamily="18" charset="0"/>
-                </a:rPr>
-                <a:t>Drug</a:t>
-              </a:r>
-              <a:endParaRPr lang="zh-CN" altLang="en-US" sz="1100" dirty="0"/>
-            </a:p>
-          </p:txBody>
-        </p:sp>
-        <p:sp>
-          <p:nvSpPr>
-            <p:cNvPr id="14" name="矩形: 圆角 13">
-              <a:extLst>
-                <a:ext uri="{FF2B5EF4-FFF2-40B4-BE49-F238E27FC236}">
-                  <a16:creationId xmlns:a16="http://schemas.microsoft.com/office/drawing/2014/main" id="{309B6005-4087-4C37-92E2-9B435A699803}"/>
-                </a:ext>
-              </a:extLst>
-            </p:cNvPr>
-            <p:cNvSpPr/>
-            <p:nvPr/>
-          </p:nvSpPr>
-          <p:spPr>
-            <a:xfrm>
-              <a:off x="7511725" y="4036224"/>
-              <a:ext cx="874643" cy="287131"/>
-            </a:xfrm>
-            <a:prstGeom prst="roundRect">
-              <a:avLst/>
-            </a:prstGeom>
-            <a:noFill/>
-            <a:ln>
-              <a:solidFill>
-                <a:schemeClr val="tx1"/>
-              </a:solidFill>
-            </a:ln>
-          </p:spPr>
-          <p:style>
-            <a:lnRef idx="2">
-              <a:schemeClr val="accent1">
-                <a:shade val="50000"/>
-              </a:schemeClr>
-            </a:lnRef>
-            <a:fillRef idx="1">
-              <a:schemeClr val="accent1"/>
-            </a:fillRef>
-            <a:effectRef idx="0">
-              <a:schemeClr val="accent1"/>
-            </a:effectRef>
-            <a:fontRef idx="minor">
-              <a:schemeClr val="lt1"/>
-            </a:fontRef>
-          </p:style>
-          <p:txBody>
-            <a:bodyPr rtlCol="0" anchor="ctr"/>
-            <a:lstStyle/>
-            <a:p>
-              <a:pPr algn="ctr"/>
-              <a:r>
-                <a:rPr lang="en-US" altLang="zh-CN" sz="1100" dirty="0">
-                  <a:solidFill>
-                    <a:schemeClr val="tx1"/>
-                  </a:solidFill>
-                  <a:latin typeface="Times New Roman" panose="02020603050405020304" pitchFamily="18" charset="0"/>
-                  <a:cs typeface="Times New Roman" panose="02020603050405020304" pitchFamily="18" charset="0"/>
-                </a:rPr>
-                <a:t>NCBI </a:t>
-              </a:r>
-            </a:p>
-            <a:p>
-              <a:pPr algn="ctr"/>
-              <a:r>
-                <a:rPr lang="en-US" altLang="zh-CN" sz="1100" dirty="0">
-                  <a:solidFill>
-                    <a:schemeClr val="tx1"/>
-                  </a:solidFill>
-                  <a:latin typeface="Times New Roman" panose="02020603050405020304" pitchFamily="18" charset="0"/>
-                  <a:cs typeface="Times New Roman" panose="02020603050405020304" pitchFamily="18" charset="0"/>
-                </a:rPr>
-                <a:t>gene ID</a:t>
-              </a:r>
-              <a:endParaRPr lang="zh-CN" altLang="en-US" sz="1100" dirty="0">
-                <a:solidFill>
-                  <a:schemeClr val="tx1"/>
-                </a:solidFill>
-                <a:latin typeface="Times New Roman" panose="02020603050405020304" pitchFamily="18" charset="0"/>
-                <a:cs typeface="Times New Roman" panose="02020603050405020304" pitchFamily="18" charset="0"/>
-              </a:endParaRPr>
-            </a:p>
-          </p:txBody>
-        </p:sp>
-        <p:sp>
-          <p:nvSpPr>
-            <p:cNvPr id="15" name="矩形: 圆角 14">
-              <a:extLst>
-                <a:ext uri="{FF2B5EF4-FFF2-40B4-BE49-F238E27FC236}">
-                  <a16:creationId xmlns:a16="http://schemas.microsoft.com/office/drawing/2014/main" id="{4FB6D4C2-71DF-4A5E-AD19-73D1D021FC93}"/>
-                </a:ext>
-              </a:extLst>
-            </p:cNvPr>
-            <p:cNvSpPr/>
-            <p:nvPr/>
-          </p:nvSpPr>
-          <p:spPr>
-            <a:xfrm>
-              <a:off x="7511725" y="2762815"/>
-              <a:ext cx="874643" cy="287131"/>
-            </a:xfrm>
-            <a:prstGeom prst="roundRect">
-              <a:avLst/>
-            </a:prstGeom>
-            <a:noFill/>
-            <a:ln>
-              <a:solidFill>
-                <a:schemeClr val="tx1"/>
-              </a:solidFill>
-            </a:ln>
-          </p:spPr>
-          <p:style>
-            <a:lnRef idx="2">
-              <a:schemeClr val="accent1">
-                <a:shade val="50000"/>
-              </a:schemeClr>
-            </a:lnRef>
-            <a:fillRef idx="1">
-              <a:schemeClr val="accent1"/>
-            </a:fillRef>
-            <a:effectRef idx="0">
-              <a:schemeClr val="accent1"/>
-            </a:effectRef>
-            <a:fontRef idx="minor">
-              <a:schemeClr val="lt1"/>
-            </a:fontRef>
-          </p:style>
-          <p:txBody>
-            <a:bodyPr rtlCol="0" anchor="ctr"/>
-            <a:lstStyle/>
-            <a:p>
-              <a:pPr algn="ctr"/>
-              <a:r>
-                <a:rPr lang="en-US" altLang="zh-CN" sz="1100" dirty="0">
-                  <a:solidFill>
-                    <a:schemeClr val="tx1"/>
-                  </a:solidFill>
-                  <a:latin typeface="Times New Roman" panose="02020603050405020304" pitchFamily="18" charset="0"/>
-                  <a:cs typeface="Times New Roman" panose="02020603050405020304" pitchFamily="18" charset="0"/>
-                </a:rPr>
-                <a:t>HPO ID</a:t>
-              </a:r>
-            </a:p>
-            <a:p>
-              <a:pPr algn="ctr"/>
-              <a:r>
-                <a:rPr lang="en-US" altLang="zh-CN" sz="1100" dirty="0">
-                  <a:solidFill>
-                    <a:schemeClr val="tx1"/>
-                  </a:solidFill>
-                  <a:latin typeface="Times New Roman" panose="02020603050405020304" pitchFamily="18" charset="0"/>
-                  <a:cs typeface="Times New Roman" panose="02020603050405020304" pitchFamily="18" charset="0"/>
-                </a:rPr>
-                <a:t>(Symptom)</a:t>
-              </a:r>
-              <a:endParaRPr lang="zh-CN" altLang="en-US" sz="1100" dirty="0">
-                <a:solidFill>
-                  <a:schemeClr val="tx1"/>
-                </a:solidFill>
-                <a:latin typeface="Times New Roman" panose="02020603050405020304" pitchFamily="18" charset="0"/>
-                <a:cs typeface="Times New Roman" panose="02020603050405020304" pitchFamily="18" charset="0"/>
-              </a:endParaRPr>
-            </a:p>
-          </p:txBody>
-        </p:sp>
-        <p:cxnSp>
-          <p:nvCxnSpPr>
-            <p:cNvPr id="16" name="直接箭头连接符 15">
-              <a:extLst>
-                <a:ext uri="{FF2B5EF4-FFF2-40B4-BE49-F238E27FC236}">
-                  <a16:creationId xmlns:a16="http://schemas.microsoft.com/office/drawing/2014/main" id="{17060873-8937-4056-AA63-D68BD442EEE6}"/>
-                </a:ext>
-              </a:extLst>
-            </p:cNvPr>
-            <p:cNvCxnSpPr>
-              <a:cxnSpLocks/>
-              <a:endCxn id="14" idx="1"/>
-            </p:cNvCxnSpPr>
-            <p:nvPr/>
-          </p:nvCxnSpPr>
-          <p:spPr>
-            <a:xfrm flipV="1">
-              <a:off x="6889357" y="4179790"/>
-              <a:ext cx="622368" cy="8684"/>
-            </a:xfrm>
-            <a:prstGeom prst="straightConnector1">
-              <a:avLst/>
-            </a:prstGeom>
-            <a:ln>
-              <a:headEnd type="triangle"/>
-              <a:tailEnd type="none"/>
-            </a:ln>
-          </p:spPr>
-          <p:style>
-            <a:lnRef idx="1">
-              <a:schemeClr val="dk1"/>
-            </a:lnRef>
-            <a:fillRef idx="0">
-              <a:schemeClr val="dk1"/>
-            </a:fillRef>
-            <a:effectRef idx="0">
-              <a:schemeClr val="dk1"/>
-            </a:effectRef>
-            <a:fontRef idx="minor">
-              <a:schemeClr val="tx1"/>
-            </a:fontRef>
-          </p:style>
-        </p:cxnSp>
-        <p:sp>
-          <p:nvSpPr>
-            <p:cNvPr id="17" name="矩形 16">
-              <a:extLst>
-                <a:ext uri="{FF2B5EF4-FFF2-40B4-BE49-F238E27FC236}">
-                  <a16:creationId xmlns:a16="http://schemas.microsoft.com/office/drawing/2014/main" id="{E37B7C62-8068-42C0-A68A-0BB4C686514E}"/>
-                </a:ext>
-              </a:extLst>
-            </p:cNvPr>
-            <p:cNvSpPr/>
-            <p:nvPr/>
-          </p:nvSpPr>
-          <p:spPr>
-            <a:xfrm>
-              <a:off x="6917977" y="4164276"/>
-              <a:ext cx="599844" cy="246221"/>
-            </a:xfrm>
-            <a:prstGeom prst="rect">
-              <a:avLst/>
-            </a:prstGeom>
-          </p:spPr>
-          <p:txBody>
-            <a:bodyPr wrap="none">
-              <a:spAutoFit/>
-            </a:bodyPr>
-            <a:lstStyle/>
-            <a:p>
-              <a:r>
-                <a:rPr lang="en-US" altLang="zh-CN" sz="1000" dirty="0">
-                  <a:latin typeface="Times New Roman" panose="02020603050405020304" pitchFamily="18" charset="0"/>
-                  <a:cs typeface="Times New Roman" panose="02020603050405020304" pitchFamily="18" charset="0"/>
-                </a:rPr>
-                <a:t>produce</a:t>
-              </a:r>
-              <a:endParaRPr lang="zh-CN" altLang="en-US" sz="1000" dirty="0"/>
-            </a:p>
-          </p:txBody>
-        </p:sp>
-        <p:cxnSp>
-          <p:nvCxnSpPr>
-            <p:cNvPr id="18" name="直接箭头连接符 17">
-              <a:extLst>
-                <a:ext uri="{FF2B5EF4-FFF2-40B4-BE49-F238E27FC236}">
-                  <a16:creationId xmlns:a16="http://schemas.microsoft.com/office/drawing/2014/main" id="{9B5DC0FD-FE2A-4BD3-AE37-20DB48DB12FF}"/>
-                </a:ext>
-              </a:extLst>
-            </p:cNvPr>
-            <p:cNvCxnSpPr>
-              <a:cxnSpLocks/>
-              <a:stCxn id="14" idx="0"/>
-              <a:endCxn id="15" idx="2"/>
-            </p:cNvCxnSpPr>
-            <p:nvPr/>
-          </p:nvCxnSpPr>
-          <p:spPr>
-            <a:xfrm flipV="1">
-              <a:off x="7949047" y="3049946"/>
-              <a:ext cx="0" cy="986278"/>
-            </a:xfrm>
-            <a:prstGeom prst="straightConnector1">
-              <a:avLst/>
-            </a:prstGeom>
-            <a:ln>
-              <a:tailEnd type="triangle"/>
-            </a:ln>
-          </p:spPr>
-          <p:style>
-            <a:lnRef idx="1">
-              <a:schemeClr val="dk1"/>
-            </a:lnRef>
-            <a:fillRef idx="0">
-              <a:schemeClr val="dk1"/>
-            </a:fillRef>
-            <a:effectRef idx="0">
-              <a:schemeClr val="dk1"/>
-            </a:effectRef>
-            <a:fontRef idx="minor">
-              <a:schemeClr val="tx1"/>
-            </a:fontRef>
-          </p:style>
-        </p:cxnSp>
-        <p:sp>
-          <p:nvSpPr>
-            <p:cNvPr id="19" name="矩形 18">
-              <a:extLst>
-                <a:ext uri="{FF2B5EF4-FFF2-40B4-BE49-F238E27FC236}">
-                  <a16:creationId xmlns:a16="http://schemas.microsoft.com/office/drawing/2014/main" id="{628DC0FA-896F-4847-998B-6AAF535A68BE}"/>
-                </a:ext>
-              </a:extLst>
-            </p:cNvPr>
-            <p:cNvSpPr/>
-            <p:nvPr/>
-          </p:nvSpPr>
-          <p:spPr>
-            <a:xfrm>
-              <a:off x="7086426" y="3444642"/>
-              <a:ext cx="909223" cy="246221"/>
-            </a:xfrm>
-            <a:prstGeom prst="rect">
-              <a:avLst/>
-            </a:prstGeom>
-          </p:spPr>
-          <p:txBody>
-            <a:bodyPr wrap="none">
-              <a:spAutoFit/>
-            </a:bodyPr>
-            <a:lstStyle/>
-            <a:p>
-              <a:r>
-                <a:rPr lang="en-US" altLang="zh-CN" sz="1000" dirty="0">
-                  <a:latin typeface="Times New Roman" panose="02020603050405020304" pitchFamily="18" charset="0"/>
-                  <a:cs typeface="Times New Roman" panose="02020603050405020304" pitchFamily="18" charset="0"/>
-                </a:rPr>
-                <a:t>associate with</a:t>
-              </a:r>
-              <a:endParaRPr lang="zh-CN" altLang="en-US" sz="1000" dirty="0"/>
-            </a:p>
-          </p:txBody>
-        </p:sp>
-        <p:cxnSp>
-          <p:nvCxnSpPr>
-            <p:cNvPr id="20" name="直接箭头连接符 19">
-              <a:extLst>
-                <a:ext uri="{FF2B5EF4-FFF2-40B4-BE49-F238E27FC236}">
-                  <a16:creationId xmlns:a16="http://schemas.microsoft.com/office/drawing/2014/main" id="{4A7196B2-4511-406A-A78F-94D24EF9EC94}"/>
-                </a:ext>
-              </a:extLst>
-            </p:cNvPr>
-            <p:cNvCxnSpPr>
-              <a:cxnSpLocks/>
-              <a:stCxn id="15" idx="1"/>
-              <a:endCxn id="21" idx="3"/>
-            </p:cNvCxnSpPr>
-            <p:nvPr/>
-          </p:nvCxnSpPr>
-          <p:spPr>
-            <a:xfrm flipH="1">
-              <a:off x="7012033" y="2906381"/>
-              <a:ext cx="499692" cy="1227"/>
-            </a:xfrm>
-            <a:prstGeom prst="straightConnector1">
-              <a:avLst/>
-            </a:prstGeom>
-            <a:ln>
-              <a:headEnd type="triangle" w="sm" len="sm"/>
-              <a:tailEnd type="none"/>
-            </a:ln>
-          </p:spPr>
-          <p:style>
-            <a:lnRef idx="1">
-              <a:schemeClr val="dk1"/>
-            </a:lnRef>
-            <a:fillRef idx="0">
-              <a:schemeClr val="dk1"/>
-            </a:fillRef>
-            <a:effectRef idx="0">
-              <a:schemeClr val="dk1"/>
-            </a:effectRef>
-            <a:fontRef idx="minor">
-              <a:schemeClr val="tx1"/>
-            </a:fontRef>
-          </p:style>
-        </p:cxnSp>
-        <p:sp>
-          <p:nvSpPr>
-            <p:cNvPr id="21" name="矩形: 圆角 20">
-              <a:extLst>
-                <a:ext uri="{FF2B5EF4-FFF2-40B4-BE49-F238E27FC236}">
-                  <a16:creationId xmlns:a16="http://schemas.microsoft.com/office/drawing/2014/main" id="{B62CA1ED-C4BD-4672-832C-5F3F2B7D2988}"/>
-                </a:ext>
-              </a:extLst>
-            </p:cNvPr>
-            <p:cNvSpPr/>
-            <p:nvPr/>
-          </p:nvSpPr>
-          <p:spPr>
-            <a:xfrm>
-              <a:off x="6137390" y="2764042"/>
-              <a:ext cx="874643" cy="287131"/>
-            </a:xfrm>
-            <a:prstGeom prst="roundRect">
-              <a:avLst/>
-            </a:prstGeom>
-            <a:noFill/>
-            <a:ln>
-              <a:solidFill>
-                <a:schemeClr val="tx1"/>
-              </a:solidFill>
-            </a:ln>
-          </p:spPr>
-          <p:style>
-            <a:lnRef idx="2">
-              <a:schemeClr val="accent1">
-                <a:shade val="50000"/>
-              </a:schemeClr>
-            </a:lnRef>
-            <a:fillRef idx="1">
-              <a:schemeClr val="accent1"/>
-            </a:fillRef>
-            <a:effectRef idx="0">
-              <a:schemeClr val="accent1"/>
-            </a:effectRef>
-            <a:fontRef idx="minor">
-              <a:schemeClr val="lt1"/>
-            </a:fontRef>
-          </p:style>
-          <p:txBody>
-            <a:bodyPr rtlCol="0" anchor="ctr"/>
-            <a:lstStyle/>
-            <a:p>
-              <a:pPr algn="ctr"/>
-              <a:r>
-                <a:rPr lang="en-US" altLang="zh-CN" sz="1100" dirty="0">
-                  <a:solidFill>
-                    <a:schemeClr val="tx1"/>
-                  </a:solidFill>
-                  <a:latin typeface="Times New Roman" panose="02020603050405020304" pitchFamily="18" charset="0"/>
-                  <a:cs typeface="Times New Roman" panose="02020603050405020304" pitchFamily="18" charset="0"/>
-                </a:rPr>
-                <a:t>Disease</a:t>
-              </a:r>
-              <a:endParaRPr lang="zh-CN" altLang="en-US" sz="1100" dirty="0">
-                <a:solidFill>
-                  <a:schemeClr val="tx1"/>
-                </a:solidFill>
-                <a:latin typeface="Times New Roman" panose="02020603050405020304" pitchFamily="18" charset="0"/>
-                <a:cs typeface="Times New Roman" panose="02020603050405020304" pitchFamily="18" charset="0"/>
-              </a:endParaRPr>
-            </a:p>
-          </p:txBody>
-        </p:sp>
-        <p:sp>
-          <p:nvSpPr>
-            <p:cNvPr id="22" name="矩形 21">
-              <a:extLst>
-                <a:ext uri="{FF2B5EF4-FFF2-40B4-BE49-F238E27FC236}">
-                  <a16:creationId xmlns:a16="http://schemas.microsoft.com/office/drawing/2014/main" id="{D0996119-1BC5-4119-A041-5BA3799A61AA}"/>
-                </a:ext>
-              </a:extLst>
-            </p:cNvPr>
-            <p:cNvSpPr/>
-            <p:nvPr/>
-          </p:nvSpPr>
-          <p:spPr>
-            <a:xfrm>
-              <a:off x="6995191" y="2862810"/>
-              <a:ext cx="530915" cy="246221"/>
-            </a:xfrm>
-            <a:prstGeom prst="rect">
-              <a:avLst/>
-            </a:prstGeom>
-          </p:spPr>
-          <p:txBody>
-            <a:bodyPr wrap="none">
-              <a:spAutoFit/>
-            </a:bodyPr>
-            <a:lstStyle/>
-            <a:p>
-              <a:r>
-                <a:rPr lang="en-US" altLang="zh-CN" sz="1000" dirty="0">
-                  <a:latin typeface="Times New Roman" panose="02020603050405020304" pitchFamily="18" charset="0"/>
-                  <a:cs typeface="Times New Roman" panose="02020603050405020304" pitchFamily="18" charset="0"/>
-                </a:rPr>
-                <a:t>lead to</a:t>
-              </a:r>
-              <a:endParaRPr lang="zh-CN" altLang="en-US" sz="1000" dirty="0">
-                <a:latin typeface="Times New Roman" panose="02020603050405020304" pitchFamily="18" charset="0"/>
-                <a:cs typeface="Times New Roman" panose="02020603050405020304" pitchFamily="18" charset="0"/>
-              </a:endParaRPr>
-            </a:p>
-          </p:txBody>
-        </p:sp>
-        <p:cxnSp>
-          <p:nvCxnSpPr>
-            <p:cNvPr id="23" name="直接箭头连接符 22">
-              <a:extLst>
-                <a:ext uri="{FF2B5EF4-FFF2-40B4-BE49-F238E27FC236}">
-                  <a16:creationId xmlns:a16="http://schemas.microsoft.com/office/drawing/2014/main" id="{23831057-F3F6-4580-9A4D-5A130E4481FA}"/>
-                </a:ext>
-              </a:extLst>
-            </p:cNvPr>
-            <p:cNvCxnSpPr>
-              <a:cxnSpLocks/>
-              <a:endCxn id="21" idx="1"/>
-            </p:cNvCxnSpPr>
-            <p:nvPr/>
-          </p:nvCxnSpPr>
-          <p:spPr>
-            <a:xfrm flipV="1">
-              <a:off x="5623317" y="2907608"/>
-              <a:ext cx="514073" cy="620651"/>
-            </a:xfrm>
-            <a:prstGeom prst="straightConnector1">
-              <a:avLst/>
-            </a:prstGeom>
-            <a:ln>
-              <a:solidFill>
-                <a:schemeClr val="tx1"/>
-              </a:solidFill>
-              <a:prstDash val="solid"/>
-              <a:tailEnd type="triangle"/>
-            </a:ln>
-          </p:spPr>
-          <p:style>
-            <a:lnRef idx="1">
-              <a:schemeClr val="dk1"/>
-            </a:lnRef>
-            <a:fillRef idx="0">
-              <a:schemeClr val="dk1"/>
-            </a:fillRef>
-            <a:effectRef idx="0">
-              <a:schemeClr val="dk1"/>
-            </a:effectRef>
-            <a:fontRef idx="minor">
-              <a:schemeClr val="tx1"/>
-            </a:fontRef>
-          </p:style>
-        </p:cxnSp>
-        <p:sp>
-          <p:nvSpPr>
-            <p:cNvPr id="24" name="矩形 23">
-              <a:extLst>
-                <a:ext uri="{FF2B5EF4-FFF2-40B4-BE49-F238E27FC236}">
-                  <a16:creationId xmlns:a16="http://schemas.microsoft.com/office/drawing/2014/main" id="{E567FC3F-18C7-43EF-8534-3F534A17F7EA}"/>
-                </a:ext>
-              </a:extLst>
-            </p:cNvPr>
-            <p:cNvSpPr/>
-            <p:nvPr/>
-          </p:nvSpPr>
-          <p:spPr>
-            <a:xfrm>
-              <a:off x="5789514" y="3118079"/>
-              <a:ext cx="471604" cy="246221"/>
-            </a:xfrm>
-            <a:prstGeom prst="rect">
-              <a:avLst/>
-            </a:prstGeom>
-          </p:spPr>
-          <p:txBody>
-            <a:bodyPr wrap="none">
-              <a:spAutoFit/>
-            </a:bodyPr>
-            <a:lstStyle/>
-            <a:p>
-              <a:r>
-                <a:rPr lang="en-US" altLang="zh-CN" sz="1000" dirty="0">
-                  <a:latin typeface="Times New Roman" panose="02020603050405020304" pitchFamily="18" charset="0"/>
-                  <a:cs typeface="Times New Roman" panose="02020603050405020304" pitchFamily="18" charset="0"/>
-                </a:rPr>
-                <a:t>cause</a:t>
-              </a:r>
-              <a:endParaRPr lang="zh-CN" altLang="en-US" sz="1000" dirty="0">
-                <a:latin typeface="Times New Roman" panose="02020603050405020304" pitchFamily="18" charset="0"/>
-                <a:cs typeface="Times New Roman" panose="02020603050405020304" pitchFamily="18" charset="0"/>
-              </a:endParaRPr>
-            </a:p>
-          </p:txBody>
-        </p:sp>
-        <p:cxnSp>
-          <p:nvCxnSpPr>
-            <p:cNvPr id="25" name="直接箭头连接符 24">
-              <a:extLst>
-                <a:ext uri="{FF2B5EF4-FFF2-40B4-BE49-F238E27FC236}">
-                  <a16:creationId xmlns:a16="http://schemas.microsoft.com/office/drawing/2014/main" id="{5E15C688-FDA8-45D0-9C6B-6C8934FAF94A}"/>
-                </a:ext>
-              </a:extLst>
-            </p:cNvPr>
-            <p:cNvCxnSpPr>
-              <a:cxnSpLocks/>
-            </p:cNvCxnSpPr>
-            <p:nvPr/>
-          </p:nvCxnSpPr>
-          <p:spPr>
-            <a:xfrm>
-              <a:off x="5605124" y="3792962"/>
-              <a:ext cx="435268" cy="243262"/>
-            </a:xfrm>
-            <a:prstGeom prst="straightConnector1">
-              <a:avLst/>
-            </a:prstGeom>
-            <a:ln>
-              <a:tailEnd type="triangle"/>
-            </a:ln>
-          </p:spPr>
-          <p:style>
-            <a:lnRef idx="1">
-              <a:schemeClr val="dk1"/>
-            </a:lnRef>
-            <a:fillRef idx="0">
-              <a:schemeClr val="dk1"/>
-            </a:fillRef>
-            <a:effectRef idx="0">
-              <a:schemeClr val="dk1"/>
-            </a:effectRef>
-            <a:fontRef idx="minor">
-              <a:schemeClr val="tx1"/>
-            </a:fontRef>
-          </p:style>
-        </p:cxnSp>
-        <p:sp>
-          <p:nvSpPr>
-            <p:cNvPr id="26" name="矩形 25">
-              <a:extLst>
-                <a:ext uri="{FF2B5EF4-FFF2-40B4-BE49-F238E27FC236}">
-                  <a16:creationId xmlns:a16="http://schemas.microsoft.com/office/drawing/2014/main" id="{63B23336-AB1D-4B97-91D1-425621AE568A}"/>
-                </a:ext>
-              </a:extLst>
-            </p:cNvPr>
-            <p:cNvSpPr/>
-            <p:nvPr/>
-          </p:nvSpPr>
-          <p:spPr>
-            <a:xfrm>
-              <a:off x="5268918" y="3752098"/>
+              <a:off x="5148274" y="4735622"/>
               <a:ext cx="830677" cy="246221"/>
             </a:xfrm>
             <a:prstGeom prst="rect">
@@ -4615,57 +6720,12 @@
             </a:p>
           </p:txBody>
         </p:sp>
-        <p:cxnSp>
-          <p:nvCxnSpPr>
-            <p:cNvPr id="27" name="直接箭头连接符 26">
+        <p:sp>
+          <p:nvSpPr>
+            <p:cNvPr id="74" name="等腰三角形 73">
               <a:extLst>
                 <a:ext uri="{FF2B5EF4-FFF2-40B4-BE49-F238E27FC236}">
-                  <a16:creationId xmlns:a16="http://schemas.microsoft.com/office/drawing/2014/main" id="{FEFFA85C-185A-464C-B255-E4C87551C038}"/>
-                </a:ext>
-              </a:extLst>
-            </p:cNvPr>
-            <p:cNvCxnSpPr>
-              <a:cxnSpLocks/>
-            </p:cNvCxnSpPr>
-            <p:nvPr/>
-          </p:nvCxnSpPr>
-          <p:spPr>
-            <a:xfrm>
-              <a:off x="4423634" y="3049946"/>
-              <a:ext cx="283764" cy="468907"/>
-            </a:xfrm>
-            <a:prstGeom prst="straightConnector1">
-              <a:avLst/>
-            </a:prstGeom>
-            <a:ln>
-              <a:solidFill>
-                <a:srgbClr val="FF0000"/>
-              </a:solidFill>
-              <a:prstDash val="dash"/>
-              <a:tailEnd type="triangle"/>
-            </a:ln>
-          </p:spPr>
-          <p:style>
-            <a:lnRef idx="1">
-              <a:schemeClr val="dk1"/>
-            </a:lnRef>
-            <a:fillRef idx="0">
-              <a:schemeClr val="dk1"/>
-            </a:fillRef>
-            <a:effectRef idx="0">
-              <a:schemeClr val="dk1"/>
-            </a:effectRef>
-            <a:fontRef idx="minor">
-              <a:schemeClr val="tx1"/>
-            </a:fontRef>
-          </p:style>
-        </p:cxnSp>
-        <p:sp>
-          <p:nvSpPr>
-            <p:cNvPr id="28" name="矩形 27">
-              <a:extLst>
-                <a:ext uri="{FF2B5EF4-FFF2-40B4-BE49-F238E27FC236}">
-                  <a16:creationId xmlns:a16="http://schemas.microsoft.com/office/drawing/2014/main" id="{F903959A-217E-4CDA-85D0-7DF5F4824C3D}"/>
+                  <a16:creationId xmlns:a16="http://schemas.microsoft.com/office/drawing/2014/main" id="{E5C5A6ED-6913-4327-A5F3-2372C623AF48}"/>
                 </a:ext>
               </a:extLst>
             </p:cNvPr>
@@ -4674,261 +6734,7 @@
           </p:nvSpPr>
           <p:spPr>
             <a:xfrm>
-              <a:off x="4473146" y="3125747"/>
-              <a:ext cx="479618" cy="246221"/>
-            </a:xfrm>
-            <a:prstGeom prst="rect">
-              <a:avLst/>
-            </a:prstGeom>
-          </p:spPr>
-          <p:txBody>
-            <a:bodyPr wrap="none">
-              <a:spAutoFit/>
-            </a:bodyPr>
-            <a:lstStyle/>
-            <a:p>
-              <a:r>
-                <a:rPr lang="en-US" altLang="zh-CN" sz="1000" dirty="0">
-                  <a:latin typeface="Times New Roman" panose="02020603050405020304" pitchFamily="18" charset="0"/>
-                  <a:cs typeface="Times New Roman" panose="02020603050405020304" pitchFamily="18" charset="0"/>
-                </a:rPr>
-                <a:t>effect</a:t>
-              </a:r>
-              <a:endParaRPr lang="zh-CN" altLang="en-US" sz="1000" dirty="0">
-                <a:latin typeface="Times New Roman" panose="02020603050405020304" pitchFamily="18" charset="0"/>
-                <a:cs typeface="Times New Roman" panose="02020603050405020304" pitchFamily="18" charset="0"/>
-              </a:endParaRPr>
-            </a:p>
-          </p:txBody>
-        </p:sp>
-        <p:cxnSp>
-          <p:nvCxnSpPr>
-            <p:cNvPr id="29" name="直接箭头连接符 28">
-              <a:extLst>
-                <a:ext uri="{FF2B5EF4-FFF2-40B4-BE49-F238E27FC236}">
-                  <a16:creationId xmlns:a16="http://schemas.microsoft.com/office/drawing/2014/main" id="{12950B17-9F3F-41EB-A86B-594321BB25CF}"/>
-                </a:ext>
-              </a:extLst>
-            </p:cNvPr>
-            <p:cNvCxnSpPr>
-              <a:cxnSpLocks/>
-              <a:endCxn id="6" idx="0"/>
-            </p:cNvCxnSpPr>
-            <p:nvPr/>
-          </p:nvCxnSpPr>
-          <p:spPr>
-            <a:xfrm>
-              <a:off x="3992409" y="3051175"/>
-              <a:ext cx="0" cy="985049"/>
-            </a:xfrm>
-            <a:prstGeom prst="straightConnector1">
-              <a:avLst/>
-            </a:prstGeom>
-            <a:ln>
-              <a:tailEnd type="triangle"/>
-            </a:ln>
-          </p:spPr>
-          <p:style>
-            <a:lnRef idx="1">
-              <a:schemeClr val="dk1"/>
-            </a:lnRef>
-            <a:fillRef idx="0">
-              <a:schemeClr val="dk1"/>
-            </a:fillRef>
-            <a:effectRef idx="0">
-              <a:schemeClr val="dk1"/>
-            </a:effectRef>
-            <a:fontRef idx="minor">
-              <a:schemeClr val="tx1"/>
-            </a:fontRef>
-          </p:style>
-        </p:cxnSp>
-        <p:sp>
-          <p:nvSpPr>
-            <p:cNvPr id="30" name="矩形 29">
-              <a:extLst>
-                <a:ext uri="{FF2B5EF4-FFF2-40B4-BE49-F238E27FC236}">
-                  <a16:creationId xmlns:a16="http://schemas.microsoft.com/office/drawing/2014/main" id="{BD813802-861B-48FE-882E-443E22C684AC}"/>
-                </a:ext>
-              </a:extLst>
-            </p:cNvPr>
-            <p:cNvSpPr/>
-            <p:nvPr/>
-          </p:nvSpPr>
-          <p:spPr>
-            <a:xfrm>
-              <a:off x="3590594" y="3737967"/>
-              <a:ext cx="478016" cy="246221"/>
-            </a:xfrm>
-            <a:prstGeom prst="rect">
-              <a:avLst/>
-            </a:prstGeom>
-          </p:spPr>
-          <p:txBody>
-            <a:bodyPr wrap="none">
-              <a:spAutoFit/>
-            </a:bodyPr>
-            <a:lstStyle/>
-            <a:p>
-              <a:r>
-                <a:rPr lang="en-US" altLang="zh-CN" sz="1000" dirty="0">
-                  <a:latin typeface="Times New Roman" panose="02020603050405020304" pitchFamily="18" charset="0"/>
-                  <a:cs typeface="Times New Roman" panose="02020603050405020304" pitchFamily="18" charset="0"/>
-                </a:rPr>
-                <a:t>target</a:t>
-              </a:r>
-              <a:endParaRPr lang="zh-CN" altLang="en-US" sz="1000" dirty="0">
-                <a:latin typeface="Times New Roman" panose="02020603050405020304" pitchFamily="18" charset="0"/>
-                <a:cs typeface="Times New Roman" panose="02020603050405020304" pitchFamily="18" charset="0"/>
-              </a:endParaRPr>
-            </a:p>
-          </p:txBody>
-        </p:sp>
-        <p:cxnSp>
-          <p:nvCxnSpPr>
-            <p:cNvPr id="31" name="直接箭头连接符 30">
-              <a:extLst>
-                <a:ext uri="{FF2B5EF4-FFF2-40B4-BE49-F238E27FC236}">
-                  <a16:creationId xmlns:a16="http://schemas.microsoft.com/office/drawing/2014/main" id="{6AADE416-3446-43D6-8367-E3A413944D87}"/>
-                </a:ext>
-              </a:extLst>
-            </p:cNvPr>
-            <p:cNvCxnSpPr>
-              <a:cxnSpLocks/>
-              <a:stCxn id="7" idx="2"/>
-              <a:endCxn id="5" idx="0"/>
-            </p:cNvCxnSpPr>
-            <p:nvPr/>
-          </p:nvCxnSpPr>
-          <p:spPr>
-            <a:xfrm flipH="1">
-              <a:off x="6443707" y="4323355"/>
-              <a:ext cx="8328" cy="469400"/>
-            </a:xfrm>
-            <a:prstGeom prst="straightConnector1">
-              <a:avLst/>
-            </a:prstGeom>
-            <a:ln>
-              <a:tailEnd type="triangle"/>
-            </a:ln>
-          </p:spPr>
-          <p:style>
-            <a:lnRef idx="1">
-              <a:schemeClr val="dk1"/>
-            </a:lnRef>
-            <a:fillRef idx="0">
-              <a:schemeClr val="dk1"/>
-            </a:fillRef>
-            <a:effectRef idx="0">
-              <a:schemeClr val="dk1"/>
-            </a:effectRef>
-            <a:fontRef idx="minor">
-              <a:schemeClr val="tx1"/>
-            </a:fontRef>
-          </p:style>
-        </p:cxnSp>
-        <p:sp>
-          <p:nvSpPr>
-            <p:cNvPr id="32" name="矩形 31">
-              <a:extLst>
-                <a:ext uri="{FF2B5EF4-FFF2-40B4-BE49-F238E27FC236}">
-                  <a16:creationId xmlns:a16="http://schemas.microsoft.com/office/drawing/2014/main" id="{1EC59082-9F71-4E11-919C-3B0352A681A4}"/>
-                </a:ext>
-              </a:extLst>
-            </p:cNvPr>
-            <p:cNvSpPr/>
-            <p:nvPr/>
-          </p:nvSpPr>
-          <p:spPr>
-            <a:xfrm>
-              <a:off x="6407806" y="4414811"/>
-              <a:ext cx="514885" cy="246221"/>
-            </a:xfrm>
-            <a:prstGeom prst="rect">
-              <a:avLst/>
-            </a:prstGeom>
-          </p:spPr>
-          <p:txBody>
-            <a:bodyPr wrap="none">
-              <a:spAutoFit/>
-            </a:bodyPr>
-            <a:lstStyle/>
-            <a:p>
-              <a:r>
-                <a:rPr lang="en-US" altLang="zh-CN" sz="1000" dirty="0">
-                  <a:latin typeface="Times New Roman" panose="02020603050405020304" pitchFamily="18" charset="0"/>
-                  <a:cs typeface="Times New Roman" panose="02020603050405020304" pitchFamily="18" charset="0"/>
-                </a:rPr>
-                <a:t>host is</a:t>
-              </a:r>
-              <a:endParaRPr lang="zh-CN" altLang="en-US" sz="1000" dirty="0"/>
-            </a:p>
-          </p:txBody>
-        </p:sp>
-        <p:sp>
-          <p:nvSpPr>
-            <p:cNvPr id="2" name="椭圆 1">
-              <a:extLst>
-                <a:ext uri="{FF2B5EF4-FFF2-40B4-BE49-F238E27FC236}">
-                  <a16:creationId xmlns:a16="http://schemas.microsoft.com/office/drawing/2014/main" id="{FEEA4D95-7BDA-4F96-96EA-688FBEA7913C}"/>
-                </a:ext>
-              </a:extLst>
-            </p:cNvPr>
-            <p:cNvSpPr/>
-            <p:nvPr/>
-          </p:nvSpPr>
-          <p:spPr>
-            <a:xfrm>
-              <a:off x="3731439" y="4743582"/>
-              <a:ext cx="141163" cy="141163"/>
-            </a:xfrm>
-            <a:prstGeom prst="ellipse">
-              <a:avLst/>
-            </a:prstGeom>
-            <a:solidFill>
-              <a:srgbClr val="92D050"/>
-            </a:solidFill>
-          </p:spPr>
-          <p:style>
-            <a:lnRef idx="2">
-              <a:schemeClr val="accent1">
-                <a:shade val="50000"/>
-              </a:schemeClr>
-            </a:lnRef>
-            <a:fillRef idx="1">
-              <a:schemeClr val="accent1"/>
-            </a:fillRef>
-            <a:effectRef idx="0">
-              <a:schemeClr val="accent1"/>
-            </a:effectRef>
-            <a:fontRef idx="minor">
-              <a:schemeClr val="lt1"/>
-            </a:fontRef>
-          </p:style>
-          <p:txBody>
-            <a:bodyPr rtlCol="0" anchor="ctr"/>
-            <a:lstStyle/>
-            <a:p>
-              <a:pPr algn="ctr"/>
-              <a:endParaRPr lang="zh-CN" altLang="en-US"/>
-            </a:p>
-          </p:txBody>
-        </p:sp>
-        <p:sp>
-          <p:nvSpPr>
-            <p:cNvPr id="3" name="等腰三角形 2">
-              <a:extLst>
-                <a:ext uri="{FF2B5EF4-FFF2-40B4-BE49-F238E27FC236}">
-                  <a16:creationId xmlns:a16="http://schemas.microsoft.com/office/drawing/2014/main" id="{355DCD43-9690-4C42-8708-E6CF08AC7489}"/>
-                </a:ext>
-              </a:extLst>
-            </p:cNvPr>
-            <p:cNvSpPr/>
-            <p:nvPr/>
-          </p:nvSpPr>
-          <p:spPr>
-            <a:xfrm>
-              <a:off x="3723303" y="4948090"/>
+              <a:off x="5403787" y="4606019"/>
               <a:ext cx="163749" cy="141163"/>
             </a:xfrm>
             <a:prstGeom prst="triangle">
@@ -4960,1657 +6766,7 @@
             </a:p>
           </p:txBody>
         </p:sp>
-        <p:sp>
-          <p:nvSpPr>
-            <p:cNvPr id="33" name="矩形 32">
-              <a:extLst>
-                <a:ext uri="{FF2B5EF4-FFF2-40B4-BE49-F238E27FC236}">
-                  <a16:creationId xmlns:a16="http://schemas.microsoft.com/office/drawing/2014/main" id="{BF970DE4-E464-4549-BE27-4CB41F1C350D}"/>
-                </a:ext>
-              </a:extLst>
-            </p:cNvPr>
-            <p:cNvSpPr/>
-            <p:nvPr/>
-          </p:nvSpPr>
-          <p:spPr>
-            <a:xfrm>
-              <a:off x="3731439" y="5175261"/>
-              <a:ext cx="141163" cy="141163"/>
-            </a:xfrm>
-            <a:prstGeom prst="rect">
-              <a:avLst/>
-            </a:prstGeom>
-            <a:solidFill>
-              <a:srgbClr val="FFC000"/>
-            </a:solidFill>
-          </p:spPr>
-          <p:style>
-            <a:lnRef idx="2">
-              <a:schemeClr val="accent1">
-                <a:shade val="50000"/>
-              </a:schemeClr>
-            </a:lnRef>
-            <a:fillRef idx="1">
-              <a:schemeClr val="accent1"/>
-            </a:fillRef>
-            <a:effectRef idx="0">
-              <a:schemeClr val="accent1"/>
-            </a:effectRef>
-            <a:fontRef idx="minor">
-              <a:schemeClr val="lt1"/>
-            </a:fontRef>
-          </p:style>
-          <p:txBody>
-            <a:bodyPr rtlCol="0" anchor="ctr"/>
-            <a:lstStyle/>
-            <a:p>
-              <a:pPr algn="ctr"/>
-              <a:endParaRPr lang="zh-CN" altLang="en-US"/>
-            </a:p>
-          </p:txBody>
-        </p:sp>
-        <p:sp>
-          <p:nvSpPr>
-            <p:cNvPr id="34" name="矩形 33">
-              <a:extLst>
-                <a:ext uri="{FF2B5EF4-FFF2-40B4-BE49-F238E27FC236}">
-                  <a16:creationId xmlns:a16="http://schemas.microsoft.com/office/drawing/2014/main" id="{33F1E45B-C030-4923-8F57-E938ADE28754}"/>
-                </a:ext>
-              </a:extLst>
-            </p:cNvPr>
-            <p:cNvSpPr/>
-            <p:nvPr/>
-          </p:nvSpPr>
-          <p:spPr>
-            <a:xfrm>
-              <a:off x="3994093" y="4691052"/>
-              <a:ext cx="649537" cy="246221"/>
-            </a:xfrm>
-            <a:prstGeom prst="rect">
-              <a:avLst/>
-            </a:prstGeom>
-          </p:spPr>
-          <p:txBody>
-            <a:bodyPr wrap="none">
-              <a:spAutoFit/>
-            </a:bodyPr>
-            <a:lstStyle/>
-            <a:p>
-              <a:r>
-                <a:rPr lang="en-US" altLang="zh-CN" sz="1000" dirty="0" err="1">
-                  <a:latin typeface="Times New Roman" panose="02020603050405020304" pitchFamily="18" charset="0"/>
-                  <a:cs typeface="Times New Roman" panose="02020603050405020304" pitchFamily="18" charset="0"/>
-                </a:rPr>
-                <a:t>OpenKG</a:t>
-              </a:r>
-              <a:endParaRPr lang="zh-CN" altLang="en-US" sz="1000" dirty="0"/>
-            </a:p>
-          </p:txBody>
-        </p:sp>
-        <p:sp>
-          <p:nvSpPr>
-            <p:cNvPr id="35" name="矩形 34">
-              <a:extLst>
-                <a:ext uri="{FF2B5EF4-FFF2-40B4-BE49-F238E27FC236}">
-                  <a16:creationId xmlns:a16="http://schemas.microsoft.com/office/drawing/2014/main" id="{1459B9F0-9F43-4B1B-9FF5-23B6DF46C876}"/>
-                </a:ext>
-              </a:extLst>
-            </p:cNvPr>
-            <p:cNvSpPr/>
-            <p:nvPr/>
-          </p:nvSpPr>
-          <p:spPr>
-            <a:xfrm>
-              <a:off x="3994092" y="4895560"/>
-              <a:ext cx="699230" cy="246221"/>
-            </a:xfrm>
-            <a:prstGeom prst="rect">
-              <a:avLst/>
-            </a:prstGeom>
-          </p:spPr>
-          <p:txBody>
-            <a:bodyPr wrap="none">
-              <a:spAutoFit/>
-            </a:bodyPr>
-            <a:lstStyle/>
-            <a:p>
-              <a:r>
-                <a:rPr lang="en-US" altLang="zh-CN" sz="1000" dirty="0">
-                  <a:latin typeface="Times New Roman" panose="02020603050405020304" pitchFamily="18" charset="0"/>
-                  <a:cs typeface="Times New Roman" panose="02020603050405020304" pitchFamily="18" charset="0"/>
-                </a:rPr>
-                <a:t>Literature</a:t>
-              </a:r>
-              <a:endParaRPr lang="zh-CN" altLang="en-US" sz="1000" dirty="0"/>
-            </a:p>
-          </p:txBody>
-        </p:sp>
-        <p:sp>
-          <p:nvSpPr>
-            <p:cNvPr id="36" name="矩形 35">
-              <a:extLst>
-                <a:ext uri="{FF2B5EF4-FFF2-40B4-BE49-F238E27FC236}">
-                  <a16:creationId xmlns:a16="http://schemas.microsoft.com/office/drawing/2014/main" id="{55F73250-F9A3-4AA2-9175-917A62215637}"/>
-                </a:ext>
-              </a:extLst>
-            </p:cNvPr>
-            <p:cNvSpPr/>
-            <p:nvPr/>
-          </p:nvSpPr>
-          <p:spPr>
-            <a:xfrm>
-              <a:off x="3964640" y="5122731"/>
-              <a:ext cx="1212191" cy="246221"/>
-            </a:xfrm>
-            <a:prstGeom prst="rect">
-              <a:avLst/>
-            </a:prstGeom>
-          </p:spPr>
-          <p:txBody>
-            <a:bodyPr wrap="none">
-              <a:spAutoFit/>
-            </a:bodyPr>
-            <a:lstStyle/>
-            <a:p>
-              <a:r>
-                <a:rPr lang="en-US" altLang="zh-CN" sz="1000" dirty="0">
-                  <a:latin typeface="Times New Roman" panose="02020603050405020304" pitchFamily="18" charset="0"/>
-                  <a:cs typeface="Times New Roman" panose="02020603050405020304" pitchFamily="18" charset="0"/>
-                </a:rPr>
-                <a:t>HPO/NCBI records</a:t>
-              </a:r>
-              <a:endParaRPr lang="zh-CN" altLang="en-US" sz="1000" dirty="0">
-                <a:latin typeface="Times New Roman" panose="02020603050405020304" pitchFamily="18" charset="0"/>
-                <a:cs typeface="Times New Roman" panose="02020603050405020304" pitchFamily="18" charset="0"/>
-              </a:endParaRPr>
-            </a:p>
-          </p:txBody>
-        </p:sp>
-        <p:sp>
-          <p:nvSpPr>
-            <p:cNvPr id="37" name="椭圆 36">
-              <a:extLst>
-                <a:ext uri="{FF2B5EF4-FFF2-40B4-BE49-F238E27FC236}">
-                  <a16:creationId xmlns:a16="http://schemas.microsoft.com/office/drawing/2014/main" id="{85A921D1-E390-430C-BF50-16105B29612D}"/>
-                </a:ext>
-              </a:extLst>
-            </p:cNvPr>
-            <p:cNvSpPr/>
-            <p:nvPr/>
-          </p:nvSpPr>
-          <p:spPr>
-            <a:xfrm>
-              <a:off x="4323310" y="3173899"/>
-              <a:ext cx="141163" cy="141163"/>
-            </a:xfrm>
-            <a:prstGeom prst="ellipse">
-              <a:avLst/>
-            </a:prstGeom>
-            <a:solidFill>
-              <a:srgbClr val="92D050"/>
-            </a:solidFill>
-          </p:spPr>
-          <p:style>
-            <a:lnRef idx="2">
-              <a:schemeClr val="accent1">
-                <a:shade val="50000"/>
-              </a:schemeClr>
-            </a:lnRef>
-            <a:fillRef idx="1">
-              <a:schemeClr val="accent1"/>
-            </a:fillRef>
-            <a:effectRef idx="0">
-              <a:schemeClr val="accent1"/>
-            </a:effectRef>
-            <a:fontRef idx="minor">
-              <a:schemeClr val="lt1"/>
-            </a:fontRef>
-          </p:style>
-          <p:txBody>
-            <a:bodyPr rtlCol="0" anchor="ctr"/>
-            <a:lstStyle/>
-            <a:p>
-              <a:pPr algn="ctr"/>
-              <a:endParaRPr lang="zh-CN" altLang="en-US"/>
-            </a:p>
-          </p:txBody>
-        </p:sp>
-        <p:sp>
-          <p:nvSpPr>
-            <p:cNvPr id="38" name="等腰三角形 37">
-              <a:extLst>
-                <a:ext uri="{FF2B5EF4-FFF2-40B4-BE49-F238E27FC236}">
-                  <a16:creationId xmlns:a16="http://schemas.microsoft.com/office/drawing/2014/main" id="{D11839BE-3075-4ED7-AE77-8FA158F30146}"/>
-                </a:ext>
-              </a:extLst>
-            </p:cNvPr>
-            <p:cNvSpPr/>
-            <p:nvPr/>
-          </p:nvSpPr>
-          <p:spPr>
-            <a:xfrm>
-              <a:off x="4405899" y="3291780"/>
-              <a:ext cx="163749" cy="141163"/>
-            </a:xfrm>
-            <a:prstGeom prst="triangle">
-              <a:avLst/>
-            </a:prstGeom>
-          </p:spPr>
-          <p:style>
-            <a:lnRef idx="2">
-              <a:schemeClr val="accent1">
-                <a:shade val="50000"/>
-              </a:schemeClr>
-            </a:lnRef>
-            <a:fillRef idx="1">
-              <a:schemeClr val="accent1"/>
-            </a:fillRef>
-            <a:effectRef idx="0">
-              <a:schemeClr val="accent1"/>
-            </a:effectRef>
-            <a:fontRef idx="minor">
-              <a:schemeClr val="lt1"/>
-            </a:fontRef>
-          </p:style>
-          <p:txBody>
-            <a:bodyPr rtlCol="0" anchor="ctr"/>
-            <a:lstStyle/>
-            <a:p>
-              <a:pPr algn="ctr"/>
-              <a:endParaRPr lang="zh-CN" altLang="en-US"/>
-            </a:p>
-          </p:txBody>
-        </p:sp>
-        <p:sp>
-          <p:nvSpPr>
-            <p:cNvPr id="39" name="椭圆 38">
-              <a:extLst>
-                <a:ext uri="{FF2B5EF4-FFF2-40B4-BE49-F238E27FC236}">
-                  <a16:creationId xmlns:a16="http://schemas.microsoft.com/office/drawing/2014/main" id="{CBAC74D8-E5C6-47F1-9D4C-DC8AB5F66C66}"/>
-                </a:ext>
-              </a:extLst>
-            </p:cNvPr>
-            <p:cNvSpPr/>
-            <p:nvPr/>
-          </p:nvSpPr>
-          <p:spPr>
-            <a:xfrm>
-              <a:off x="4014179" y="3790495"/>
-              <a:ext cx="141163" cy="141163"/>
-            </a:xfrm>
-            <a:prstGeom prst="ellipse">
-              <a:avLst/>
-            </a:prstGeom>
-            <a:solidFill>
-              <a:srgbClr val="92D050"/>
-            </a:solidFill>
-          </p:spPr>
-          <p:style>
-            <a:lnRef idx="2">
-              <a:schemeClr val="accent1">
-                <a:shade val="50000"/>
-              </a:schemeClr>
-            </a:lnRef>
-            <a:fillRef idx="1">
-              <a:schemeClr val="accent1"/>
-            </a:fillRef>
-            <a:effectRef idx="0">
-              <a:schemeClr val="accent1"/>
-            </a:effectRef>
-            <a:fontRef idx="minor">
-              <a:schemeClr val="lt1"/>
-            </a:fontRef>
-          </p:style>
-          <p:txBody>
-            <a:bodyPr rtlCol="0" anchor="ctr"/>
-            <a:lstStyle/>
-            <a:p>
-              <a:pPr algn="ctr"/>
-              <a:endParaRPr lang="zh-CN" altLang="en-US"/>
-            </a:p>
-          </p:txBody>
-        </p:sp>
-        <p:sp>
-          <p:nvSpPr>
-            <p:cNvPr id="40" name="等腰三角形 39">
-              <a:extLst>
-                <a:ext uri="{FF2B5EF4-FFF2-40B4-BE49-F238E27FC236}">
-                  <a16:creationId xmlns:a16="http://schemas.microsoft.com/office/drawing/2014/main" id="{0072028D-AE40-49B4-9AE3-ED4C4FA1E701}"/>
-                </a:ext>
-              </a:extLst>
-            </p:cNvPr>
-            <p:cNvSpPr/>
-            <p:nvPr/>
-          </p:nvSpPr>
-          <p:spPr>
-            <a:xfrm>
-              <a:off x="7005709" y="3975358"/>
-              <a:ext cx="163749" cy="141163"/>
-            </a:xfrm>
-            <a:prstGeom prst="triangle">
-              <a:avLst/>
-            </a:prstGeom>
-          </p:spPr>
-          <p:style>
-            <a:lnRef idx="2">
-              <a:schemeClr val="accent1">
-                <a:shade val="50000"/>
-              </a:schemeClr>
-            </a:lnRef>
-            <a:fillRef idx="1">
-              <a:schemeClr val="accent1"/>
-            </a:fillRef>
-            <a:effectRef idx="0">
-              <a:schemeClr val="accent1"/>
-            </a:effectRef>
-            <a:fontRef idx="minor">
-              <a:schemeClr val="lt1"/>
-            </a:fontRef>
-          </p:style>
-          <p:txBody>
-            <a:bodyPr rtlCol="0" anchor="ctr"/>
-            <a:lstStyle/>
-            <a:p>
-              <a:pPr algn="ctr"/>
-              <a:endParaRPr lang="zh-CN" altLang="en-US"/>
-            </a:p>
-          </p:txBody>
-        </p:sp>
-        <p:sp>
-          <p:nvSpPr>
-            <p:cNvPr id="41" name="矩形 40">
-              <a:extLst>
-                <a:ext uri="{FF2B5EF4-FFF2-40B4-BE49-F238E27FC236}">
-                  <a16:creationId xmlns:a16="http://schemas.microsoft.com/office/drawing/2014/main" id="{240DC06F-9659-446A-B99B-0F7C1DEA7207}"/>
-                </a:ext>
-              </a:extLst>
-            </p:cNvPr>
-            <p:cNvSpPr/>
-            <p:nvPr/>
-          </p:nvSpPr>
-          <p:spPr>
-            <a:xfrm>
-              <a:off x="7220733" y="3956586"/>
-              <a:ext cx="141163" cy="141163"/>
-            </a:xfrm>
-            <a:prstGeom prst="rect">
-              <a:avLst/>
-            </a:prstGeom>
-            <a:solidFill>
-              <a:srgbClr val="FFC000"/>
-            </a:solidFill>
-          </p:spPr>
-          <p:style>
-            <a:lnRef idx="2">
-              <a:schemeClr val="accent1">
-                <a:shade val="50000"/>
-              </a:schemeClr>
-            </a:lnRef>
-            <a:fillRef idx="1">
-              <a:schemeClr val="accent1"/>
-            </a:fillRef>
-            <a:effectRef idx="0">
-              <a:schemeClr val="accent1"/>
-            </a:effectRef>
-            <a:fontRef idx="minor">
-              <a:schemeClr val="lt1"/>
-            </a:fontRef>
-          </p:style>
-          <p:txBody>
-            <a:bodyPr rtlCol="0" anchor="ctr"/>
-            <a:lstStyle/>
-            <a:p>
-              <a:pPr algn="ctr"/>
-              <a:endParaRPr lang="zh-CN" altLang="en-US"/>
-            </a:p>
-          </p:txBody>
-        </p:sp>
-        <p:sp>
-          <p:nvSpPr>
-            <p:cNvPr id="42" name="矩形 41">
-              <a:extLst>
-                <a:ext uri="{FF2B5EF4-FFF2-40B4-BE49-F238E27FC236}">
-                  <a16:creationId xmlns:a16="http://schemas.microsoft.com/office/drawing/2014/main" id="{0D7BE0A8-EF37-4C5D-A21E-5DD16402F96E}"/>
-                </a:ext>
-              </a:extLst>
-            </p:cNvPr>
-            <p:cNvSpPr/>
-            <p:nvPr/>
-          </p:nvSpPr>
-          <p:spPr>
-            <a:xfrm>
-              <a:off x="8026544" y="3497170"/>
-              <a:ext cx="141163" cy="141163"/>
-            </a:xfrm>
-            <a:prstGeom prst="rect">
-              <a:avLst/>
-            </a:prstGeom>
-            <a:solidFill>
-              <a:srgbClr val="FFC000"/>
-            </a:solidFill>
-          </p:spPr>
-          <p:style>
-            <a:lnRef idx="2">
-              <a:schemeClr val="accent1">
-                <a:shade val="50000"/>
-              </a:schemeClr>
-            </a:lnRef>
-            <a:fillRef idx="1">
-              <a:schemeClr val="accent1"/>
-            </a:fillRef>
-            <a:effectRef idx="0">
-              <a:schemeClr val="accent1"/>
-            </a:effectRef>
-            <a:fontRef idx="minor">
-              <a:schemeClr val="lt1"/>
-            </a:fontRef>
-          </p:style>
-          <p:txBody>
-            <a:bodyPr rtlCol="0" anchor="ctr"/>
-            <a:lstStyle/>
-            <a:p>
-              <a:pPr algn="ctr"/>
-              <a:endParaRPr lang="zh-CN" altLang="en-US"/>
-            </a:p>
-          </p:txBody>
-        </p:sp>
-        <p:sp>
-          <p:nvSpPr>
-            <p:cNvPr id="43" name="矩形 42">
-              <a:extLst>
-                <a:ext uri="{FF2B5EF4-FFF2-40B4-BE49-F238E27FC236}">
-                  <a16:creationId xmlns:a16="http://schemas.microsoft.com/office/drawing/2014/main" id="{BDD3C6FF-9E70-4B56-AA69-008F359FBC6C}"/>
-                </a:ext>
-              </a:extLst>
-            </p:cNvPr>
-            <p:cNvSpPr/>
-            <p:nvPr/>
-          </p:nvSpPr>
-          <p:spPr>
-            <a:xfrm>
-              <a:off x="7176789" y="2718868"/>
-              <a:ext cx="141163" cy="141163"/>
-            </a:xfrm>
-            <a:prstGeom prst="rect">
-              <a:avLst/>
-            </a:prstGeom>
-            <a:solidFill>
-              <a:srgbClr val="FFC000"/>
-            </a:solidFill>
-          </p:spPr>
-          <p:style>
-            <a:lnRef idx="2">
-              <a:schemeClr val="accent1">
-                <a:shade val="50000"/>
-              </a:schemeClr>
-            </a:lnRef>
-            <a:fillRef idx="1">
-              <a:schemeClr val="accent1"/>
-            </a:fillRef>
-            <a:effectRef idx="0">
-              <a:schemeClr val="accent1"/>
-            </a:effectRef>
-            <a:fontRef idx="minor">
-              <a:schemeClr val="lt1"/>
-            </a:fontRef>
-          </p:style>
-          <p:txBody>
-            <a:bodyPr rtlCol="0" anchor="ctr"/>
-            <a:lstStyle/>
-            <a:p>
-              <a:pPr algn="ctr"/>
-              <a:endParaRPr lang="zh-CN" altLang="en-US"/>
-            </a:p>
-          </p:txBody>
-        </p:sp>
-        <p:sp>
-          <p:nvSpPr>
-            <p:cNvPr id="44" name="椭圆 43">
-              <a:extLst>
-                <a:ext uri="{FF2B5EF4-FFF2-40B4-BE49-F238E27FC236}">
-                  <a16:creationId xmlns:a16="http://schemas.microsoft.com/office/drawing/2014/main" id="{B7DB0949-313C-42C4-9FFF-9742D71225D1}"/>
-                </a:ext>
-              </a:extLst>
-            </p:cNvPr>
-            <p:cNvSpPr/>
-            <p:nvPr/>
-          </p:nvSpPr>
-          <p:spPr>
-            <a:xfrm>
-              <a:off x="5693806" y="3154247"/>
-              <a:ext cx="141163" cy="141163"/>
-            </a:xfrm>
-            <a:prstGeom prst="ellipse">
-              <a:avLst/>
-            </a:prstGeom>
-            <a:solidFill>
-              <a:srgbClr val="92D050"/>
-            </a:solidFill>
-          </p:spPr>
-          <p:style>
-            <a:lnRef idx="2">
-              <a:schemeClr val="accent1">
-                <a:shade val="50000"/>
-              </a:schemeClr>
-            </a:lnRef>
-            <a:fillRef idx="1">
-              <a:schemeClr val="accent1"/>
-            </a:fillRef>
-            <a:effectRef idx="0">
-              <a:schemeClr val="accent1"/>
-            </a:effectRef>
-            <a:fontRef idx="minor">
-              <a:schemeClr val="lt1"/>
-            </a:fontRef>
-          </p:style>
-          <p:txBody>
-            <a:bodyPr rtlCol="0" anchor="ctr"/>
-            <a:lstStyle/>
-            <a:p>
-              <a:pPr algn="ctr"/>
-              <a:endParaRPr lang="zh-CN" altLang="en-US"/>
-            </a:p>
-          </p:txBody>
-        </p:sp>
-        <p:sp>
-          <p:nvSpPr>
-            <p:cNvPr id="45" name="矩形 44">
-              <a:extLst>
-                <a:ext uri="{FF2B5EF4-FFF2-40B4-BE49-F238E27FC236}">
-                  <a16:creationId xmlns:a16="http://schemas.microsoft.com/office/drawing/2014/main" id="{16CB5905-D296-45A7-AD2A-329F04E18C8B}"/>
-                </a:ext>
-              </a:extLst>
-            </p:cNvPr>
-            <p:cNvSpPr/>
-            <p:nvPr/>
-          </p:nvSpPr>
-          <p:spPr>
-            <a:xfrm>
-              <a:off x="5797046" y="2976916"/>
-              <a:ext cx="141163" cy="141163"/>
-            </a:xfrm>
-            <a:prstGeom prst="rect">
-              <a:avLst/>
-            </a:prstGeom>
-            <a:solidFill>
-              <a:srgbClr val="FFC000"/>
-            </a:solidFill>
-          </p:spPr>
-          <p:style>
-            <a:lnRef idx="2">
-              <a:schemeClr val="accent1">
-                <a:shade val="50000"/>
-              </a:schemeClr>
-            </a:lnRef>
-            <a:fillRef idx="1">
-              <a:schemeClr val="accent1"/>
-            </a:fillRef>
-            <a:effectRef idx="0">
-              <a:schemeClr val="accent1"/>
-            </a:effectRef>
-            <a:fontRef idx="minor">
-              <a:schemeClr val="lt1"/>
-            </a:fontRef>
-          </p:style>
-          <p:txBody>
-            <a:bodyPr rtlCol="0" anchor="ctr"/>
-            <a:lstStyle/>
-            <a:p>
-              <a:pPr algn="ctr"/>
-              <a:endParaRPr lang="zh-CN" altLang="en-US"/>
-            </a:p>
-          </p:txBody>
-        </p:sp>
-        <p:sp>
-          <p:nvSpPr>
-            <p:cNvPr id="46" name="等腰三角形 45">
-              <a:extLst>
-                <a:ext uri="{FF2B5EF4-FFF2-40B4-BE49-F238E27FC236}">
-                  <a16:creationId xmlns:a16="http://schemas.microsoft.com/office/drawing/2014/main" id="{078B7D1A-1CCF-4A58-9F91-FA29BE30B200}"/>
-                </a:ext>
-              </a:extLst>
-            </p:cNvPr>
-            <p:cNvSpPr/>
-            <p:nvPr/>
-          </p:nvSpPr>
-          <p:spPr>
-            <a:xfrm>
-              <a:off x="5684256" y="3924397"/>
-              <a:ext cx="163749" cy="141163"/>
-            </a:xfrm>
-            <a:prstGeom prst="triangle">
-              <a:avLst/>
-            </a:prstGeom>
-          </p:spPr>
-          <p:style>
-            <a:lnRef idx="2">
-              <a:schemeClr val="accent1">
-                <a:shade val="50000"/>
-              </a:schemeClr>
-            </a:lnRef>
-            <a:fillRef idx="1">
-              <a:schemeClr val="accent1"/>
-            </a:fillRef>
-            <a:effectRef idx="0">
-              <a:schemeClr val="accent1"/>
-            </a:effectRef>
-            <a:fontRef idx="minor">
-              <a:schemeClr val="lt1"/>
-            </a:fontRef>
-          </p:style>
-          <p:txBody>
-            <a:bodyPr rtlCol="0" anchor="ctr"/>
-            <a:lstStyle/>
-            <a:p>
-              <a:pPr algn="ctr"/>
-              <a:endParaRPr lang="zh-CN" altLang="en-US"/>
-            </a:p>
-          </p:txBody>
-        </p:sp>
-        <p:sp>
-          <p:nvSpPr>
-            <p:cNvPr id="47" name="椭圆 46">
-              <a:extLst>
-                <a:ext uri="{FF2B5EF4-FFF2-40B4-BE49-F238E27FC236}">
-                  <a16:creationId xmlns:a16="http://schemas.microsoft.com/office/drawing/2014/main" id="{8D0AA79A-CCFC-49EC-BE35-BAD00817AD07}"/>
-                </a:ext>
-              </a:extLst>
-            </p:cNvPr>
-            <p:cNvSpPr/>
-            <p:nvPr/>
-          </p:nvSpPr>
-          <p:spPr>
-            <a:xfrm>
-              <a:off x="4443684" y="3786264"/>
-              <a:ext cx="141163" cy="141163"/>
-            </a:xfrm>
-            <a:prstGeom prst="ellipse">
-              <a:avLst/>
-            </a:prstGeom>
-            <a:solidFill>
-              <a:srgbClr val="92D050"/>
-            </a:solidFill>
-          </p:spPr>
-          <p:style>
-            <a:lnRef idx="2">
-              <a:schemeClr val="accent1">
-                <a:shade val="50000"/>
-              </a:schemeClr>
-            </a:lnRef>
-            <a:fillRef idx="1">
-              <a:schemeClr val="accent1"/>
-            </a:fillRef>
-            <a:effectRef idx="0">
-              <a:schemeClr val="accent1"/>
-            </a:effectRef>
-            <a:fontRef idx="minor">
-              <a:schemeClr val="lt1"/>
-            </a:fontRef>
-          </p:style>
-          <p:txBody>
-            <a:bodyPr rtlCol="0" anchor="ctr"/>
-            <a:lstStyle/>
-            <a:p>
-              <a:pPr algn="ctr"/>
-              <a:endParaRPr lang="zh-CN" altLang="en-US"/>
-            </a:p>
-          </p:txBody>
-        </p:sp>
-        <p:sp>
-          <p:nvSpPr>
-            <p:cNvPr id="49" name="椭圆 48">
-              <a:extLst>
-                <a:ext uri="{FF2B5EF4-FFF2-40B4-BE49-F238E27FC236}">
-                  <a16:creationId xmlns:a16="http://schemas.microsoft.com/office/drawing/2014/main" id="{4C3B6109-37E4-491D-8439-AC577B293F3E}"/>
-                </a:ext>
-              </a:extLst>
-            </p:cNvPr>
-            <p:cNvSpPr/>
-            <p:nvPr/>
-          </p:nvSpPr>
-          <p:spPr>
-            <a:xfrm>
-              <a:off x="4894547" y="4221819"/>
-              <a:ext cx="141163" cy="141163"/>
-            </a:xfrm>
-            <a:prstGeom prst="ellipse">
-              <a:avLst/>
-            </a:prstGeom>
-            <a:solidFill>
-              <a:srgbClr val="92D050"/>
-            </a:solidFill>
-          </p:spPr>
-          <p:style>
-            <a:lnRef idx="2">
-              <a:schemeClr val="accent1">
-                <a:shade val="50000"/>
-              </a:schemeClr>
-            </a:lnRef>
-            <a:fillRef idx="1">
-              <a:schemeClr val="accent1"/>
-            </a:fillRef>
-            <a:effectRef idx="0">
-              <a:schemeClr val="accent1"/>
-            </a:effectRef>
-            <a:fontRef idx="minor">
-              <a:schemeClr val="lt1"/>
-            </a:fontRef>
-          </p:style>
-          <p:txBody>
-            <a:bodyPr rtlCol="0" anchor="ctr"/>
-            <a:lstStyle/>
-            <a:p>
-              <a:pPr algn="ctr"/>
-              <a:endParaRPr lang="zh-CN" altLang="en-US"/>
-            </a:p>
-          </p:txBody>
-        </p:sp>
-        <p:sp>
-          <p:nvSpPr>
-            <p:cNvPr id="50" name="矩形 49">
-              <a:extLst>
-                <a:ext uri="{FF2B5EF4-FFF2-40B4-BE49-F238E27FC236}">
-                  <a16:creationId xmlns:a16="http://schemas.microsoft.com/office/drawing/2014/main" id="{6F616439-9372-4439-872B-8F2D73874B4C}"/>
-                </a:ext>
-              </a:extLst>
-            </p:cNvPr>
-            <p:cNvSpPr/>
-            <p:nvPr/>
-          </p:nvSpPr>
-          <p:spPr>
-            <a:xfrm>
-              <a:off x="3675087" y="4691052"/>
-              <a:ext cx="1416835" cy="903285"/>
-            </a:xfrm>
-            <a:prstGeom prst="rect">
-              <a:avLst/>
-            </a:prstGeom>
-            <a:noFill/>
-            <a:ln>
-              <a:solidFill>
-                <a:schemeClr val="tx1"/>
-              </a:solidFill>
-            </a:ln>
-          </p:spPr>
-          <p:style>
-            <a:lnRef idx="2">
-              <a:schemeClr val="accent1">
-                <a:shade val="50000"/>
-              </a:schemeClr>
-            </a:lnRef>
-            <a:fillRef idx="1">
-              <a:schemeClr val="accent1"/>
-            </a:fillRef>
-            <a:effectRef idx="0">
-              <a:schemeClr val="accent1"/>
-            </a:effectRef>
-            <a:fontRef idx="minor">
-              <a:schemeClr val="lt1"/>
-            </a:fontRef>
-          </p:style>
-          <p:txBody>
-            <a:bodyPr rtlCol="0" anchor="ctr"/>
-            <a:lstStyle/>
-            <a:p>
-              <a:pPr algn="ctr"/>
-              <a:endParaRPr lang="zh-CN" altLang="en-US"/>
-            </a:p>
-          </p:txBody>
-        </p:sp>
-        <p:sp>
-          <p:nvSpPr>
-            <p:cNvPr id="52" name="矩形: 圆角 51">
-              <a:extLst>
-                <a:ext uri="{FF2B5EF4-FFF2-40B4-BE49-F238E27FC236}">
-                  <a16:creationId xmlns:a16="http://schemas.microsoft.com/office/drawing/2014/main" id="{DD1F9C98-D8F9-40C9-8C5C-3CB07B53E07C}"/>
-                </a:ext>
-              </a:extLst>
-            </p:cNvPr>
-            <p:cNvSpPr/>
-            <p:nvPr/>
-          </p:nvSpPr>
-          <p:spPr>
-            <a:xfrm>
-              <a:off x="2491396" y="3518853"/>
-              <a:ext cx="874643" cy="287131"/>
-            </a:xfrm>
-            <a:prstGeom prst="roundRect">
-              <a:avLst/>
-            </a:prstGeom>
-            <a:noFill/>
-            <a:ln>
-              <a:solidFill>
-                <a:schemeClr val="tx1"/>
-              </a:solidFill>
-            </a:ln>
-          </p:spPr>
-          <p:style>
-            <a:lnRef idx="2">
-              <a:schemeClr val="accent1">
-                <a:shade val="50000"/>
-              </a:schemeClr>
-            </a:lnRef>
-            <a:fillRef idx="1">
-              <a:schemeClr val="accent1"/>
-            </a:fillRef>
-            <a:effectRef idx="0">
-              <a:schemeClr val="accent1"/>
-            </a:effectRef>
-            <a:fontRef idx="minor">
-              <a:schemeClr val="lt1"/>
-            </a:fontRef>
-          </p:style>
-          <p:txBody>
-            <a:bodyPr rtlCol="0" anchor="ctr"/>
-            <a:lstStyle/>
-            <a:p>
-              <a:pPr algn="ctr"/>
-              <a:r>
-                <a:rPr lang="en-US" altLang="zh-CN" sz="1100" dirty="0">
-                  <a:solidFill>
-                    <a:schemeClr val="tx1"/>
-                  </a:solidFill>
-                  <a:latin typeface="Times New Roman" panose="02020603050405020304" pitchFamily="18" charset="0"/>
-                  <a:cs typeface="Times New Roman" panose="02020603050405020304" pitchFamily="18" charset="0"/>
-                </a:rPr>
-                <a:t>Virus gene</a:t>
-              </a:r>
-              <a:endParaRPr lang="zh-CN" altLang="en-US" sz="1100" dirty="0"/>
-            </a:p>
-          </p:txBody>
-        </p:sp>
-        <p:sp>
-          <p:nvSpPr>
-            <p:cNvPr id="55" name="矩形 54">
-              <a:extLst>
-                <a:ext uri="{FF2B5EF4-FFF2-40B4-BE49-F238E27FC236}">
-                  <a16:creationId xmlns:a16="http://schemas.microsoft.com/office/drawing/2014/main" id="{3A2E7A71-193D-4F2A-9FC6-AE11A9E838C1}"/>
-                </a:ext>
-              </a:extLst>
-            </p:cNvPr>
-            <p:cNvSpPr/>
-            <p:nvPr/>
-          </p:nvSpPr>
-          <p:spPr>
-            <a:xfrm>
-              <a:off x="3413890" y="3433911"/>
-              <a:ext cx="570990" cy="246221"/>
-            </a:xfrm>
-            <a:prstGeom prst="rect">
-              <a:avLst/>
-            </a:prstGeom>
-          </p:spPr>
-          <p:txBody>
-            <a:bodyPr wrap="none">
-              <a:spAutoFit/>
-            </a:bodyPr>
-            <a:lstStyle/>
-            <a:p>
-              <a:r>
-                <a:rPr lang="en-US" altLang="zh-CN" sz="1000" dirty="0">
-                  <a:latin typeface="Times New Roman" panose="02020603050405020304" pitchFamily="18" charset="0"/>
-                  <a:cs typeface="Times New Roman" panose="02020603050405020304" pitchFamily="18" charset="0"/>
-                </a:rPr>
-                <a:t>express</a:t>
-              </a:r>
-              <a:endParaRPr lang="zh-CN" altLang="en-US" sz="1000" dirty="0">
-                <a:latin typeface="Times New Roman" panose="02020603050405020304" pitchFamily="18" charset="0"/>
-                <a:cs typeface="Times New Roman" panose="02020603050405020304" pitchFamily="18" charset="0"/>
-              </a:endParaRPr>
-            </a:p>
-          </p:txBody>
-        </p:sp>
-        <p:cxnSp>
-          <p:nvCxnSpPr>
-            <p:cNvPr id="56" name="直接箭头连接符 55">
-              <a:extLst>
-                <a:ext uri="{FF2B5EF4-FFF2-40B4-BE49-F238E27FC236}">
-                  <a16:creationId xmlns:a16="http://schemas.microsoft.com/office/drawing/2014/main" id="{4285D500-43B5-420B-9897-E0BC7D18217C}"/>
-                </a:ext>
-              </a:extLst>
-            </p:cNvPr>
-            <p:cNvCxnSpPr>
-              <a:cxnSpLocks/>
-              <a:stCxn id="52" idx="2"/>
-              <a:endCxn id="6" idx="1"/>
-            </p:cNvCxnSpPr>
-            <p:nvPr/>
-          </p:nvCxnSpPr>
-          <p:spPr>
-            <a:xfrm>
-              <a:off x="2928718" y="3805984"/>
-              <a:ext cx="626369" cy="373806"/>
-            </a:xfrm>
-            <a:prstGeom prst="straightConnector1">
-              <a:avLst/>
-            </a:prstGeom>
-            <a:ln>
-              <a:tailEnd type="triangle"/>
-            </a:ln>
-          </p:spPr>
-          <p:style>
-            <a:lnRef idx="1">
-              <a:schemeClr val="dk1"/>
-            </a:lnRef>
-            <a:fillRef idx="0">
-              <a:schemeClr val="dk1"/>
-            </a:fillRef>
-            <a:effectRef idx="0">
-              <a:schemeClr val="dk1"/>
-            </a:effectRef>
-            <a:fontRef idx="minor">
-              <a:schemeClr val="tx1"/>
-            </a:fontRef>
-          </p:style>
-        </p:cxnSp>
-        <p:sp>
-          <p:nvSpPr>
-            <p:cNvPr id="59" name="矩形 58">
-              <a:extLst>
-                <a:ext uri="{FF2B5EF4-FFF2-40B4-BE49-F238E27FC236}">
-                  <a16:creationId xmlns:a16="http://schemas.microsoft.com/office/drawing/2014/main" id="{AFBA4674-B484-434A-BC18-3246DE37351B}"/>
-                </a:ext>
-              </a:extLst>
-            </p:cNvPr>
-            <p:cNvSpPr/>
-            <p:nvPr/>
-          </p:nvSpPr>
-          <p:spPr>
-            <a:xfrm>
-              <a:off x="2734183" y="3895272"/>
-              <a:ext cx="620683" cy="246221"/>
-            </a:xfrm>
-            <a:prstGeom prst="rect">
-              <a:avLst/>
-            </a:prstGeom>
-          </p:spPr>
-          <p:txBody>
-            <a:bodyPr wrap="none">
-              <a:spAutoFit/>
-            </a:bodyPr>
-            <a:lstStyle/>
-            <a:p>
-              <a:r>
-                <a:rPr lang="en-US" altLang="zh-CN" sz="1000" dirty="0">
-                  <a:latin typeface="Times New Roman" panose="02020603050405020304" pitchFamily="18" charset="0"/>
-                  <a:cs typeface="Times New Roman" panose="02020603050405020304" pitchFamily="18" charset="0"/>
-                </a:rPr>
-                <a:t>translate</a:t>
-              </a:r>
-              <a:endParaRPr lang="zh-CN" altLang="en-US" sz="1000" dirty="0">
-                <a:latin typeface="Times New Roman" panose="02020603050405020304" pitchFamily="18" charset="0"/>
-                <a:cs typeface="Times New Roman" panose="02020603050405020304" pitchFamily="18" charset="0"/>
-              </a:endParaRPr>
-            </a:p>
-          </p:txBody>
-        </p:sp>
-        <p:sp>
-          <p:nvSpPr>
-            <p:cNvPr id="60" name="椭圆 59">
-              <a:extLst>
-                <a:ext uri="{FF2B5EF4-FFF2-40B4-BE49-F238E27FC236}">
-                  <a16:creationId xmlns:a16="http://schemas.microsoft.com/office/drawing/2014/main" id="{612FD71E-6066-4A26-99C8-D7411969289B}"/>
-                </a:ext>
-              </a:extLst>
-            </p:cNvPr>
-            <p:cNvSpPr/>
-            <p:nvPr/>
-          </p:nvSpPr>
-          <p:spPr>
-            <a:xfrm>
-              <a:off x="3573920" y="3371437"/>
-              <a:ext cx="141163" cy="141163"/>
-            </a:xfrm>
-            <a:prstGeom prst="ellipse">
-              <a:avLst/>
-            </a:prstGeom>
-            <a:solidFill>
-              <a:srgbClr val="92D050"/>
-            </a:solidFill>
-          </p:spPr>
-          <p:style>
-            <a:lnRef idx="2">
-              <a:schemeClr val="accent1">
-                <a:shade val="50000"/>
-              </a:schemeClr>
-            </a:lnRef>
-            <a:fillRef idx="1">
-              <a:schemeClr val="accent1"/>
-            </a:fillRef>
-            <a:effectRef idx="0">
-              <a:schemeClr val="accent1"/>
-            </a:effectRef>
-            <a:fontRef idx="minor">
-              <a:schemeClr val="lt1"/>
-            </a:fontRef>
-          </p:style>
-          <p:txBody>
-            <a:bodyPr rtlCol="0" anchor="ctr"/>
-            <a:lstStyle/>
-            <a:p>
-              <a:pPr algn="ctr"/>
-              <a:endParaRPr lang="zh-CN" altLang="en-US"/>
-            </a:p>
-          </p:txBody>
-        </p:sp>
-        <p:sp>
-          <p:nvSpPr>
-            <p:cNvPr id="61" name="椭圆 60">
-              <a:extLst>
-                <a:ext uri="{FF2B5EF4-FFF2-40B4-BE49-F238E27FC236}">
-                  <a16:creationId xmlns:a16="http://schemas.microsoft.com/office/drawing/2014/main" id="{B5ADD325-70CF-4700-8F05-D2F06288A139}"/>
-                </a:ext>
-              </a:extLst>
-            </p:cNvPr>
-            <p:cNvSpPr/>
-            <p:nvPr/>
-          </p:nvSpPr>
-          <p:spPr>
-            <a:xfrm>
-              <a:off x="3221084" y="4086776"/>
-              <a:ext cx="141163" cy="141163"/>
-            </a:xfrm>
-            <a:prstGeom prst="ellipse">
-              <a:avLst/>
-            </a:prstGeom>
-            <a:solidFill>
-              <a:srgbClr val="92D050"/>
-            </a:solidFill>
-          </p:spPr>
-          <p:style>
-            <a:lnRef idx="2">
-              <a:schemeClr val="accent1">
-                <a:shade val="50000"/>
-              </a:schemeClr>
-            </a:lnRef>
-            <a:fillRef idx="1">
-              <a:schemeClr val="accent1"/>
-            </a:fillRef>
-            <a:effectRef idx="0">
-              <a:schemeClr val="accent1"/>
-            </a:effectRef>
-            <a:fontRef idx="minor">
-              <a:schemeClr val="lt1"/>
-            </a:fontRef>
-          </p:style>
-          <p:txBody>
-            <a:bodyPr rtlCol="0" anchor="ctr"/>
-            <a:lstStyle/>
-            <a:p>
-              <a:pPr algn="ctr"/>
-              <a:endParaRPr lang="zh-CN" altLang="en-US"/>
-            </a:p>
-          </p:txBody>
-        </p:sp>
-        <p:cxnSp>
-          <p:nvCxnSpPr>
-            <p:cNvPr id="58" name="直接箭头连接符 57">
-              <a:extLst>
-                <a:ext uri="{FF2B5EF4-FFF2-40B4-BE49-F238E27FC236}">
-                  <a16:creationId xmlns:a16="http://schemas.microsoft.com/office/drawing/2014/main" id="{9B750062-9959-4714-87BE-B07340F4C904}"/>
-                </a:ext>
-              </a:extLst>
-            </p:cNvPr>
-            <p:cNvCxnSpPr>
-              <a:cxnSpLocks/>
-            </p:cNvCxnSpPr>
-            <p:nvPr/>
-          </p:nvCxnSpPr>
-          <p:spPr>
-            <a:xfrm flipH="1" flipV="1">
-              <a:off x="6983716" y="3049946"/>
-              <a:ext cx="534106" cy="986279"/>
-            </a:xfrm>
-            <a:prstGeom prst="straightConnector1">
-              <a:avLst/>
-            </a:prstGeom>
-            <a:ln>
-              <a:tailEnd type="triangle"/>
-            </a:ln>
-          </p:spPr>
-          <p:style>
-            <a:lnRef idx="1">
-              <a:schemeClr val="dk1"/>
-            </a:lnRef>
-            <a:fillRef idx="0">
-              <a:schemeClr val="dk1"/>
-            </a:fillRef>
-            <a:effectRef idx="0">
-              <a:schemeClr val="dk1"/>
-            </a:effectRef>
-            <a:fontRef idx="minor">
-              <a:schemeClr val="tx1"/>
-            </a:fontRef>
-          </p:style>
-        </p:cxnSp>
-        <p:sp>
-          <p:nvSpPr>
-            <p:cNvPr id="65" name="矩形 64">
-              <a:extLst>
-                <a:ext uri="{FF2B5EF4-FFF2-40B4-BE49-F238E27FC236}">
-                  <a16:creationId xmlns:a16="http://schemas.microsoft.com/office/drawing/2014/main" id="{E40B6525-C68A-4C68-AB20-AFFB767C9D48}"/>
-                </a:ext>
-              </a:extLst>
-            </p:cNvPr>
-            <p:cNvSpPr/>
-            <p:nvPr/>
-          </p:nvSpPr>
-          <p:spPr>
-            <a:xfrm>
-              <a:off x="7261073" y="3339907"/>
-              <a:ext cx="141163" cy="141163"/>
-            </a:xfrm>
-            <a:prstGeom prst="rect">
-              <a:avLst/>
-            </a:prstGeom>
-            <a:solidFill>
-              <a:srgbClr val="FFC000"/>
-            </a:solidFill>
-          </p:spPr>
-          <p:style>
-            <a:lnRef idx="2">
-              <a:schemeClr val="accent1">
-                <a:shade val="50000"/>
-              </a:schemeClr>
-            </a:lnRef>
-            <a:fillRef idx="1">
-              <a:schemeClr val="accent1"/>
-            </a:fillRef>
-            <a:effectRef idx="0">
-              <a:schemeClr val="accent1"/>
-            </a:effectRef>
-            <a:fontRef idx="minor">
-              <a:schemeClr val="lt1"/>
-            </a:fontRef>
-          </p:style>
-          <p:txBody>
-            <a:bodyPr rtlCol="0" anchor="ctr"/>
-            <a:lstStyle/>
-            <a:p>
-              <a:pPr algn="ctr"/>
-              <a:endParaRPr lang="zh-CN" altLang="en-US"/>
-            </a:p>
-          </p:txBody>
-        </p:sp>
-        <p:cxnSp>
-          <p:nvCxnSpPr>
-            <p:cNvPr id="72" name="直接箭头连接符 71">
-              <a:extLst>
-                <a:ext uri="{FF2B5EF4-FFF2-40B4-BE49-F238E27FC236}">
-                  <a16:creationId xmlns:a16="http://schemas.microsoft.com/office/drawing/2014/main" id="{5B9C7360-4504-41FE-99DA-1A7A736E1542}"/>
-                </a:ext>
-              </a:extLst>
-            </p:cNvPr>
-            <p:cNvCxnSpPr>
-              <a:cxnSpLocks/>
-              <a:stCxn id="13" idx="3"/>
-              <a:endCxn id="7" idx="0"/>
-            </p:cNvCxnSpPr>
-            <p:nvPr/>
-          </p:nvCxnSpPr>
-          <p:spPr>
-            <a:xfrm>
-              <a:off x="4814254" y="2907610"/>
-              <a:ext cx="1637781" cy="1128614"/>
-            </a:xfrm>
-            <a:prstGeom prst="straightConnector1">
-              <a:avLst/>
-            </a:prstGeom>
-            <a:ln>
-              <a:tailEnd type="triangle"/>
-            </a:ln>
-          </p:spPr>
-          <p:style>
-            <a:lnRef idx="1">
-              <a:schemeClr val="dk1"/>
-            </a:lnRef>
-            <a:fillRef idx="0">
-              <a:schemeClr val="dk1"/>
-            </a:fillRef>
-            <a:effectRef idx="0">
-              <a:schemeClr val="dk1"/>
-            </a:effectRef>
-            <a:fontRef idx="minor">
-              <a:schemeClr val="tx1"/>
-            </a:fontRef>
-          </p:style>
-        </p:cxnSp>
-        <p:sp>
-          <p:nvSpPr>
-            <p:cNvPr id="84" name="矩形 83">
-              <a:extLst>
-                <a:ext uri="{FF2B5EF4-FFF2-40B4-BE49-F238E27FC236}">
-                  <a16:creationId xmlns:a16="http://schemas.microsoft.com/office/drawing/2014/main" id="{54F52D41-5382-48F8-A865-AE275D22F95A}"/>
-                </a:ext>
-              </a:extLst>
-            </p:cNvPr>
-            <p:cNvSpPr/>
-            <p:nvPr/>
-          </p:nvSpPr>
-          <p:spPr>
-            <a:xfrm>
-              <a:off x="7517822" y="3626234"/>
-              <a:ext cx="909223" cy="246221"/>
-            </a:xfrm>
-            <a:prstGeom prst="rect">
-              <a:avLst/>
-            </a:prstGeom>
-          </p:spPr>
-          <p:txBody>
-            <a:bodyPr wrap="none">
-              <a:spAutoFit/>
-            </a:bodyPr>
-            <a:lstStyle/>
-            <a:p>
-              <a:r>
-                <a:rPr lang="en-US" altLang="zh-CN" sz="1000" dirty="0">
-                  <a:latin typeface="Times New Roman" panose="02020603050405020304" pitchFamily="18" charset="0"/>
-                  <a:cs typeface="Times New Roman" panose="02020603050405020304" pitchFamily="18" charset="0"/>
-                </a:rPr>
-                <a:t>associate with</a:t>
-              </a:r>
-              <a:endParaRPr lang="zh-CN" altLang="en-US" sz="1000" dirty="0"/>
-            </a:p>
-          </p:txBody>
-        </p:sp>
-        <p:sp>
-          <p:nvSpPr>
-            <p:cNvPr id="85" name="矩形 84">
-              <a:extLst>
-                <a:ext uri="{FF2B5EF4-FFF2-40B4-BE49-F238E27FC236}">
-                  <a16:creationId xmlns:a16="http://schemas.microsoft.com/office/drawing/2014/main" id="{1DD0A1D0-23C6-458A-B962-C8C762103645}"/>
-                </a:ext>
-              </a:extLst>
-            </p:cNvPr>
-            <p:cNvSpPr/>
-            <p:nvPr/>
-          </p:nvSpPr>
-          <p:spPr>
-            <a:xfrm>
-              <a:off x="5051588" y="3068841"/>
-              <a:ext cx="478016" cy="246221"/>
-            </a:xfrm>
-            <a:prstGeom prst="rect">
-              <a:avLst/>
-            </a:prstGeom>
-          </p:spPr>
-          <p:txBody>
-            <a:bodyPr wrap="none">
-              <a:spAutoFit/>
-            </a:bodyPr>
-            <a:lstStyle/>
-            <a:p>
-              <a:r>
-                <a:rPr lang="en-US" altLang="zh-CN" sz="1000" dirty="0">
-                  <a:latin typeface="Times New Roman" panose="02020603050405020304" pitchFamily="18" charset="0"/>
-                  <a:cs typeface="Times New Roman" panose="02020603050405020304" pitchFamily="18" charset="0"/>
-                </a:rPr>
-                <a:t>target</a:t>
-              </a:r>
-              <a:endParaRPr lang="zh-CN" altLang="en-US" sz="1000" dirty="0">
-                <a:latin typeface="Times New Roman" panose="02020603050405020304" pitchFamily="18" charset="0"/>
-                <a:cs typeface="Times New Roman" panose="02020603050405020304" pitchFamily="18" charset="0"/>
-              </a:endParaRPr>
-            </a:p>
-          </p:txBody>
-        </p:sp>
-        <p:sp>
-          <p:nvSpPr>
-            <p:cNvPr id="86" name="平行四边形 85">
-              <a:extLst>
-                <a:ext uri="{FF2B5EF4-FFF2-40B4-BE49-F238E27FC236}">
-                  <a16:creationId xmlns:a16="http://schemas.microsoft.com/office/drawing/2014/main" id="{F6C37111-1170-44C4-B59C-BF9E33732A56}"/>
-                </a:ext>
-              </a:extLst>
-            </p:cNvPr>
-            <p:cNvSpPr/>
-            <p:nvPr/>
-          </p:nvSpPr>
-          <p:spPr>
-            <a:xfrm>
-              <a:off x="3719901" y="5421254"/>
-              <a:ext cx="160347" cy="120561"/>
-            </a:xfrm>
-            <a:prstGeom prst="parallelogram">
-              <a:avLst/>
-            </a:prstGeom>
-            <a:solidFill>
-              <a:srgbClr val="FF0000"/>
-            </a:solidFill>
-          </p:spPr>
-          <p:style>
-            <a:lnRef idx="2">
-              <a:schemeClr val="accent1">
-                <a:shade val="50000"/>
-              </a:schemeClr>
-            </a:lnRef>
-            <a:fillRef idx="1">
-              <a:schemeClr val="accent1"/>
-            </a:fillRef>
-            <a:effectRef idx="0">
-              <a:schemeClr val="accent1"/>
-            </a:effectRef>
-            <a:fontRef idx="minor">
-              <a:schemeClr val="lt1"/>
-            </a:fontRef>
-          </p:style>
-          <p:txBody>
-            <a:bodyPr rtlCol="0" anchor="ctr"/>
-            <a:lstStyle/>
-            <a:p>
-              <a:pPr algn="ctr"/>
-              <a:endParaRPr lang="zh-CN" altLang="en-US"/>
-            </a:p>
-          </p:txBody>
-        </p:sp>
-        <p:sp>
-          <p:nvSpPr>
-            <p:cNvPr id="87" name="矩形 86">
-              <a:extLst>
-                <a:ext uri="{FF2B5EF4-FFF2-40B4-BE49-F238E27FC236}">
-                  <a16:creationId xmlns:a16="http://schemas.microsoft.com/office/drawing/2014/main" id="{0B738331-4329-4487-8573-9ACE59F7D6CE}"/>
-                </a:ext>
-              </a:extLst>
-            </p:cNvPr>
-            <p:cNvSpPr/>
-            <p:nvPr/>
-          </p:nvSpPr>
-          <p:spPr>
-            <a:xfrm>
-              <a:off x="4001880" y="5348122"/>
-              <a:ext cx="728084" cy="246221"/>
-            </a:xfrm>
-            <a:prstGeom prst="rect">
-              <a:avLst/>
-            </a:prstGeom>
-          </p:spPr>
-          <p:txBody>
-            <a:bodyPr wrap="none">
-              <a:spAutoFit/>
-            </a:bodyPr>
-            <a:lstStyle/>
-            <a:p>
-              <a:r>
-                <a:rPr lang="en-US" altLang="zh-CN" sz="1000" dirty="0" err="1">
-                  <a:latin typeface="Times New Roman" panose="02020603050405020304" pitchFamily="18" charset="0"/>
-                  <a:cs typeface="Times New Roman" panose="02020603050405020304" pitchFamily="18" charset="0"/>
-                </a:rPr>
-                <a:t>DrugBank</a:t>
-              </a:r>
-              <a:endParaRPr lang="zh-CN" altLang="en-US" sz="1000" dirty="0">
-                <a:latin typeface="Times New Roman" panose="02020603050405020304" pitchFamily="18" charset="0"/>
-                <a:cs typeface="Times New Roman" panose="02020603050405020304" pitchFamily="18" charset="0"/>
-              </a:endParaRPr>
-            </a:p>
-          </p:txBody>
-        </p:sp>
-        <p:sp>
-          <p:nvSpPr>
-            <p:cNvPr id="88" name="平行四边形 87">
-              <a:extLst>
-                <a:ext uri="{FF2B5EF4-FFF2-40B4-BE49-F238E27FC236}">
-                  <a16:creationId xmlns:a16="http://schemas.microsoft.com/office/drawing/2014/main" id="{0D8A0A8B-C173-4085-959F-890314CEC08C}"/>
-                </a:ext>
-              </a:extLst>
-            </p:cNvPr>
-            <p:cNvSpPr/>
-            <p:nvPr/>
-          </p:nvSpPr>
-          <p:spPr>
-            <a:xfrm>
-              <a:off x="5185191" y="3000805"/>
-              <a:ext cx="160347" cy="120561"/>
-            </a:xfrm>
-            <a:prstGeom prst="parallelogram">
-              <a:avLst/>
-            </a:prstGeom>
-            <a:solidFill>
-              <a:srgbClr val="FF0000"/>
-            </a:solidFill>
-          </p:spPr>
-          <p:style>
-            <a:lnRef idx="2">
-              <a:schemeClr val="accent1">
-                <a:shade val="50000"/>
-              </a:schemeClr>
-            </a:lnRef>
-            <a:fillRef idx="1">
-              <a:schemeClr val="accent1"/>
-            </a:fillRef>
-            <a:effectRef idx="0">
-              <a:schemeClr val="accent1"/>
-            </a:effectRef>
-            <a:fontRef idx="minor">
-              <a:schemeClr val="lt1"/>
-            </a:fontRef>
-          </p:style>
-          <p:txBody>
-            <a:bodyPr rtlCol="0" anchor="ctr"/>
-            <a:lstStyle/>
-            <a:p>
-              <a:pPr algn="ctr"/>
-              <a:endParaRPr lang="zh-CN" altLang="en-US"/>
-            </a:p>
-          </p:txBody>
-        </p:sp>
-        <p:cxnSp>
-          <p:nvCxnSpPr>
-            <p:cNvPr id="66" name="直接箭头连接符 65">
-              <a:extLst>
-                <a:ext uri="{FF2B5EF4-FFF2-40B4-BE49-F238E27FC236}">
-                  <a16:creationId xmlns:a16="http://schemas.microsoft.com/office/drawing/2014/main" id="{EC58A58A-6490-4CF2-BBE4-C8C2F9844973}"/>
-                </a:ext>
-              </a:extLst>
-            </p:cNvPr>
-            <p:cNvCxnSpPr>
-              <a:cxnSpLocks/>
-              <a:stCxn id="8" idx="3"/>
-            </p:cNvCxnSpPr>
-            <p:nvPr/>
-          </p:nvCxnSpPr>
-          <p:spPr>
-            <a:xfrm flipV="1">
-              <a:off x="5623317" y="3049946"/>
-              <a:ext cx="1919631" cy="609915"/>
-            </a:xfrm>
-            <a:prstGeom prst="straightConnector1">
-              <a:avLst/>
-            </a:prstGeom>
-            <a:ln>
-              <a:tailEnd type="triangle"/>
-            </a:ln>
-          </p:spPr>
-          <p:style>
-            <a:lnRef idx="1">
-              <a:schemeClr val="dk1"/>
-            </a:lnRef>
-            <a:fillRef idx="0">
-              <a:schemeClr val="dk1"/>
-            </a:fillRef>
-            <a:effectRef idx="0">
-              <a:schemeClr val="dk1"/>
-            </a:effectRef>
-            <a:fontRef idx="minor">
-              <a:schemeClr val="tx1"/>
-            </a:fontRef>
-          </p:style>
-        </p:cxnSp>
-        <p:sp>
-          <p:nvSpPr>
-            <p:cNvPr id="68" name="矩形 67">
-              <a:extLst>
-                <a:ext uri="{FF2B5EF4-FFF2-40B4-BE49-F238E27FC236}">
-                  <a16:creationId xmlns:a16="http://schemas.microsoft.com/office/drawing/2014/main" id="{0EAFD02C-EFB4-4F37-A34D-F17C3AC571F4}"/>
-                </a:ext>
-              </a:extLst>
-            </p:cNvPr>
-            <p:cNvSpPr/>
-            <p:nvPr/>
-          </p:nvSpPr>
-          <p:spPr>
-            <a:xfrm>
-              <a:off x="6177037" y="3382106"/>
-              <a:ext cx="471604" cy="246221"/>
-            </a:xfrm>
-            <a:prstGeom prst="rect">
-              <a:avLst/>
-            </a:prstGeom>
-          </p:spPr>
-          <p:txBody>
-            <a:bodyPr wrap="none">
-              <a:spAutoFit/>
-            </a:bodyPr>
-            <a:lstStyle/>
-            <a:p>
-              <a:r>
-                <a:rPr lang="en-US" altLang="zh-CN" sz="1000" dirty="0">
-                  <a:latin typeface="Times New Roman" panose="02020603050405020304" pitchFamily="18" charset="0"/>
-                  <a:cs typeface="Times New Roman" panose="02020603050405020304" pitchFamily="18" charset="0"/>
-                </a:rPr>
-                <a:t>cause</a:t>
-              </a:r>
-              <a:endParaRPr lang="zh-CN" altLang="en-US" sz="1000" dirty="0">
-                <a:latin typeface="Times New Roman" panose="02020603050405020304" pitchFamily="18" charset="0"/>
-                <a:cs typeface="Times New Roman" panose="02020603050405020304" pitchFamily="18" charset="0"/>
-              </a:endParaRPr>
-            </a:p>
-          </p:txBody>
-        </p:sp>
-        <p:sp>
-          <p:nvSpPr>
-            <p:cNvPr id="69" name="椭圆 68">
-              <a:extLst>
-                <a:ext uri="{FF2B5EF4-FFF2-40B4-BE49-F238E27FC236}">
-                  <a16:creationId xmlns:a16="http://schemas.microsoft.com/office/drawing/2014/main" id="{03445AD2-1114-4ED8-9B8E-A20C727CDD32}"/>
-                </a:ext>
-              </a:extLst>
-            </p:cNvPr>
-            <p:cNvSpPr/>
-            <p:nvPr/>
-          </p:nvSpPr>
-          <p:spPr>
-            <a:xfrm>
-              <a:off x="6323004" y="3239938"/>
-              <a:ext cx="141163" cy="141163"/>
-            </a:xfrm>
-            <a:prstGeom prst="ellipse">
-              <a:avLst/>
-            </a:prstGeom>
-            <a:solidFill>
-              <a:srgbClr val="92D050"/>
-            </a:solidFill>
-          </p:spPr>
-          <p:style>
-            <a:lnRef idx="2">
-              <a:schemeClr val="accent1">
-                <a:shade val="50000"/>
-              </a:schemeClr>
-            </a:lnRef>
-            <a:fillRef idx="1">
-              <a:schemeClr val="accent1"/>
-            </a:fillRef>
-            <a:effectRef idx="0">
-              <a:schemeClr val="accent1"/>
-            </a:effectRef>
-            <a:fontRef idx="minor">
-              <a:schemeClr val="lt1"/>
-            </a:fontRef>
-          </p:style>
-          <p:txBody>
-            <a:bodyPr rtlCol="0" anchor="ctr"/>
-            <a:lstStyle/>
-            <a:p>
-              <a:pPr algn="ctr"/>
-              <a:endParaRPr lang="zh-CN" altLang="en-US"/>
-            </a:p>
-          </p:txBody>
-        </p:sp>
-        <p:sp>
-          <p:nvSpPr>
-            <p:cNvPr id="70" name="矩形 69">
-              <a:extLst>
-                <a:ext uri="{FF2B5EF4-FFF2-40B4-BE49-F238E27FC236}">
-                  <a16:creationId xmlns:a16="http://schemas.microsoft.com/office/drawing/2014/main" id="{73AB7404-772B-4B8F-A288-FBC2DFCC7594}"/>
-                </a:ext>
-              </a:extLst>
-            </p:cNvPr>
-            <p:cNvSpPr/>
-            <p:nvPr/>
-          </p:nvSpPr>
-          <p:spPr>
-            <a:xfrm>
-              <a:off x="6502869" y="3167959"/>
-              <a:ext cx="141163" cy="141163"/>
-            </a:xfrm>
-            <a:prstGeom prst="rect">
-              <a:avLst/>
-            </a:prstGeom>
-            <a:solidFill>
-              <a:srgbClr val="FFC000"/>
-            </a:solidFill>
-          </p:spPr>
-          <p:style>
-            <a:lnRef idx="2">
-              <a:schemeClr val="accent1">
-                <a:shade val="50000"/>
-              </a:schemeClr>
-            </a:lnRef>
-            <a:fillRef idx="1">
-              <a:schemeClr val="accent1"/>
-            </a:fillRef>
-            <a:effectRef idx="0">
-              <a:schemeClr val="accent1"/>
-            </a:effectRef>
-            <a:fontRef idx="minor">
-              <a:schemeClr val="lt1"/>
-            </a:fontRef>
-          </p:style>
-          <p:txBody>
-            <a:bodyPr rtlCol="0" anchor="ctr"/>
-            <a:lstStyle/>
-            <a:p>
-              <a:pPr algn="ctr"/>
-              <a:endParaRPr lang="zh-CN" altLang="en-US"/>
-            </a:p>
-          </p:txBody>
-        </p:sp>
       </p:grpSp>
-      <p:sp>
-        <p:nvSpPr>
-          <p:cNvPr id="71" name="文本框 70">
-            <a:extLst>
-              <a:ext uri="{FF2B5EF4-FFF2-40B4-BE49-F238E27FC236}">
-                <a16:creationId xmlns:a16="http://schemas.microsoft.com/office/drawing/2014/main" id="{52CA73A2-1355-415B-8542-48E92A9A8338}"/>
-              </a:ext>
-            </a:extLst>
-          </p:cNvPr>
-          <p:cNvSpPr txBox="1"/>
-          <p:nvPr/>
-        </p:nvSpPr>
-        <p:spPr>
-          <a:xfrm>
-            <a:off x="451313" y="470936"/>
-            <a:ext cx="962123" cy="369332"/>
-          </a:xfrm>
-          <a:prstGeom prst="rect">
-            <a:avLst/>
-          </a:prstGeom>
-          <a:noFill/>
-        </p:spPr>
-        <p:txBody>
-          <a:bodyPr wrap="none" rtlCol="0">
-            <a:spAutoFit/>
-          </a:bodyPr>
-          <a:lstStyle/>
-          <a:p>
-            <a:r>
-              <a:rPr lang="en-US" altLang="zh-CN" dirty="0"/>
-              <a:t>Schema</a:t>
-            </a:r>
-            <a:endParaRPr lang="zh-CN" altLang="en-US" dirty="0"/>
-          </a:p>
-        </p:txBody>
-      </p:sp>
     </p:spTree>
     <p:extLst>
       <p:ext uri="{BB962C8B-B14F-4D97-AF65-F5344CB8AC3E}">

--- a/data/HPO/schema.pptx
+++ b/data/HPO/schema.pptx
@@ -260,7 +260,7 @@
           <a:p>
             <a:fld id="{0572D963-F112-4488-97DB-CD8B600123CD}" type="datetimeFigureOut">
               <a:rPr lang="zh-CN" altLang="en-US" smtClean="0"/>
-              <a:t>2020/6/3</a:t>
+              <a:t>2020/6/15</a:t>
             </a:fld>
             <a:endParaRPr lang="zh-CN" altLang="en-US"/>
           </a:p>
@@ -458,7 +458,7 @@
           <a:p>
             <a:fld id="{0572D963-F112-4488-97DB-CD8B600123CD}" type="datetimeFigureOut">
               <a:rPr lang="zh-CN" altLang="en-US" smtClean="0"/>
-              <a:t>2020/6/3</a:t>
+              <a:t>2020/6/15</a:t>
             </a:fld>
             <a:endParaRPr lang="zh-CN" altLang="en-US"/>
           </a:p>
@@ -666,7 +666,7 @@
           <a:p>
             <a:fld id="{0572D963-F112-4488-97DB-CD8B600123CD}" type="datetimeFigureOut">
               <a:rPr lang="zh-CN" altLang="en-US" smtClean="0"/>
-              <a:t>2020/6/3</a:t>
+              <a:t>2020/6/15</a:t>
             </a:fld>
             <a:endParaRPr lang="zh-CN" altLang="en-US"/>
           </a:p>
@@ -864,7 +864,7 @@
           <a:p>
             <a:fld id="{0572D963-F112-4488-97DB-CD8B600123CD}" type="datetimeFigureOut">
               <a:rPr lang="zh-CN" altLang="en-US" smtClean="0"/>
-              <a:t>2020/6/3</a:t>
+              <a:t>2020/6/15</a:t>
             </a:fld>
             <a:endParaRPr lang="zh-CN" altLang="en-US"/>
           </a:p>
@@ -1139,7 +1139,7 @@
           <a:p>
             <a:fld id="{0572D963-F112-4488-97DB-CD8B600123CD}" type="datetimeFigureOut">
               <a:rPr lang="zh-CN" altLang="en-US" smtClean="0"/>
-              <a:t>2020/6/3</a:t>
+              <a:t>2020/6/15</a:t>
             </a:fld>
             <a:endParaRPr lang="zh-CN" altLang="en-US"/>
           </a:p>
@@ -1404,7 +1404,7 @@
           <a:p>
             <a:fld id="{0572D963-F112-4488-97DB-CD8B600123CD}" type="datetimeFigureOut">
               <a:rPr lang="zh-CN" altLang="en-US" smtClean="0"/>
-              <a:t>2020/6/3</a:t>
+              <a:t>2020/6/15</a:t>
             </a:fld>
             <a:endParaRPr lang="zh-CN" altLang="en-US"/>
           </a:p>
@@ -1816,7 +1816,7 @@
           <a:p>
             <a:fld id="{0572D963-F112-4488-97DB-CD8B600123CD}" type="datetimeFigureOut">
               <a:rPr lang="zh-CN" altLang="en-US" smtClean="0"/>
-              <a:t>2020/6/3</a:t>
+              <a:t>2020/6/15</a:t>
             </a:fld>
             <a:endParaRPr lang="zh-CN" altLang="en-US"/>
           </a:p>
@@ -1957,7 +1957,7 @@
           <a:p>
             <a:fld id="{0572D963-F112-4488-97DB-CD8B600123CD}" type="datetimeFigureOut">
               <a:rPr lang="zh-CN" altLang="en-US" smtClean="0"/>
-              <a:t>2020/6/3</a:t>
+              <a:t>2020/6/15</a:t>
             </a:fld>
             <a:endParaRPr lang="zh-CN" altLang="en-US"/>
           </a:p>
@@ -2070,7 +2070,7 @@
           <a:p>
             <a:fld id="{0572D963-F112-4488-97DB-CD8B600123CD}" type="datetimeFigureOut">
               <a:rPr lang="zh-CN" altLang="en-US" smtClean="0"/>
-              <a:t>2020/6/3</a:t>
+              <a:t>2020/6/15</a:t>
             </a:fld>
             <a:endParaRPr lang="zh-CN" altLang="en-US"/>
           </a:p>
@@ -2381,7 +2381,7 @@
           <a:p>
             <a:fld id="{0572D963-F112-4488-97DB-CD8B600123CD}" type="datetimeFigureOut">
               <a:rPr lang="zh-CN" altLang="en-US" smtClean="0"/>
-              <a:t>2020/6/3</a:t>
+              <a:t>2020/6/15</a:t>
             </a:fld>
             <a:endParaRPr lang="zh-CN" altLang="en-US"/>
           </a:p>
@@ -2669,7 +2669,7 @@
           <a:p>
             <a:fld id="{0572D963-F112-4488-97DB-CD8B600123CD}" type="datetimeFigureOut">
               <a:rPr lang="zh-CN" altLang="en-US" smtClean="0"/>
-              <a:t>2020/6/3</a:t>
+              <a:t>2020/6/15</a:t>
             </a:fld>
             <a:endParaRPr lang="zh-CN" altLang="en-US"/>
           </a:p>
@@ -2910,7 +2910,7 @@
           <a:p>
             <a:fld id="{0572D963-F112-4488-97DB-CD8B600123CD}" type="datetimeFigureOut">
               <a:rPr lang="zh-CN" altLang="en-US" smtClean="0"/>
-              <a:t>2020/6/3</a:t>
+              <a:t>2020/6/15</a:t>
             </a:fld>
             <a:endParaRPr lang="zh-CN" altLang="en-US"/>
           </a:p>

--- a/data/HPO/schema.pptx
+++ b/data/HPO/schema.pptx
@@ -6,7 +6,8 @@
   </p:sldMasterIdLst>
   <p:sldIdLst>
     <p:sldId id="785" r:id="rId2"/>
-    <p:sldId id="786" r:id="rId3"/>
+    <p:sldId id="787" r:id="rId3"/>
+    <p:sldId id="786" r:id="rId4"/>
   </p:sldIdLst>
   <p:sldSz cx="12192000" cy="6858000"/>
   <p:notesSz cx="6858000" cy="9144000"/>
@@ -260,7 +261,7 @@
           <a:p>
             <a:fld id="{0572D963-F112-4488-97DB-CD8B600123CD}" type="datetimeFigureOut">
               <a:rPr lang="zh-CN" altLang="en-US" smtClean="0"/>
-              <a:t>2020/6/15</a:t>
+              <a:t>2020/6/16</a:t>
             </a:fld>
             <a:endParaRPr lang="zh-CN" altLang="en-US"/>
           </a:p>
@@ -458,7 +459,7 @@
           <a:p>
             <a:fld id="{0572D963-F112-4488-97DB-CD8B600123CD}" type="datetimeFigureOut">
               <a:rPr lang="zh-CN" altLang="en-US" smtClean="0"/>
-              <a:t>2020/6/15</a:t>
+              <a:t>2020/6/16</a:t>
             </a:fld>
             <a:endParaRPr lang="zh-CN" altLang="en-US"/>
           </a:p>
@@ -666,7 +667,7 @@
           <a:p>
             <a:fld id="{0572D963-F112-4488-97DB-CD8B600123CD}" type="datetimeFigureOut">
               <a:rPr lang="zh-CN" altLang="en-US" smtClean="0"/>
-              <a:t>2020/6/15</a:t>
+              <a:t>2020/6/16</a:t>
             </a:fld>
             <a:endParaRPr lang="zh-CN" altLang="en-US"/>
           </a:p>
@@ -864,7 +865,7 @@
           <a:p>
             <a:fld id="{0572D963-F112-4488-97DB-CD8B600123CD}" type="datetimeFigureOut">
               <a:rPr lang="zh-CN" altLang="en-US" smtClean="0"/>
-              <a:t>2020/6/15</a:t>
+              <a:t>2020/6/16</a:t>
             </a:fld>
             <a:endParaRPr lang="zh-CN" altLang="en-US"/>
           </a:p>
@@ -1139,7 +1140,7 @@
           <a:p>
             <a:fld id="{0572D963-F112-4488-97DB-CD8B600123CD}" type="datetimeFigureOut">
               <a:rPr lang="zh-CN" altLang="en-US" smtClean="0"/>
-              <a:t>2020/6/15</a:t>
+              <a:t>2020/6/16</a:t>
             </a:fld>
             <a:endParaRPr lang="zh-CN" altLang="en-US"/>
           </a:p>
@@ -1404,7 +1405,7 @@
           <a:p>
             <a:fld id="{0572D963-F112-4488-97DB-CD8B600123CD}" type="datetimeFigureOut">
               <a:rPr lang="zh-CN" altLang="en-US" smtClean="0"/>
-              <a:t>2020/6/15</a:t>
+              <a:t>2020/6/16</a:t>
             </a:fld>
             <a:endParaRPr lang="zh-CN" altLang="en-US"/>
           </a:p>
@@ -1816,7 +1817,7 @@
           <a:p>
             <a:fld id="{0572D963-F112-4488-97DB-CD8B600123CD}" type="datetimeFigureOut">
               <a:rPr lang="zh-CN" altLang="en-US" smtClean="0"/>
-              <a:t>2020/6/15</a:t>
+              <a:t>2020/6/16</a:t>
             </a:fld>
             <a:endParaRPr lang="zh-CN" altLang="en-US"/>
           </a:p>
@@ -1957,7 +1958,7 @@
           <a:p>
             <a:fld id="{0572D963-F112-4488-97DB-CD8B600123CD}" type="datetimeFigureOut">
               <a:rPr lang="zh-CN" altLang="en-US" smtClean="0"/>
-              <a:t>2020/6/15</a:t>
+              <a:t>2020/6/16</a:t>
             </a:fld>
             <a:endParaRPr lang="zh-CN" altLang="en-US"/>
           </a:p>
@@ -2070,7 +2071,7 @@
           <a:p>
             <a:fld id="{0572D963-F112-4488-97DB-CD8B600123CD}" type="datetimeFigureOut">
               <a:rPr lang="zh-CN" altLang="en-US" smtClean="0"/>
-              <a:t>2020/6/15</a:t>
+              <a:t>2020/6/16</a:t>
             </a:fld>
             <a:endParaRPr lang="zh-CN" altLang="en-US"/>
           </a:p>
@@ -2381,7 +2382,7 @@
           <a:p>
             <a:fld id="{0572D963-F112-4488-97DB-CD8B600123CD}" type="datetimeFigureOut">
               <a:rPr lang="zh-CN" altLang="en-US" smtClean="0"/>
-              <a:t>2020/6/15</a:t>
+              <a:t>2020/6/16</a:t>
             </a:fld>
             <a:endParaRPr lang="zh-CN" altLang="en-US"/>
           </a:p>
@@ -2669,7 +2670,7 @@
           <a:p>
             <a:fld id="{0572D963-F112-4488-97DB-CD8B600123CD}" type="datetimeFigureOut">
               <a:rPr lang="zh-CN" altLang="en-US" smtClean="0"/>
-              <a:t>2020/6/15</a:t>
+              <a:t>2020/6/16</a:t>
             </a:fld>
             <a:endParaRPr lang="zh-CN" altLang="en-US"/>
           </a:p>
@@ -2910,7 +2911,7 @@
           <a:p>
             <a:fld id="{0572D963-F112-4488-97DB-CD8B600123CD}" type="datetimeFigureOut">
               <a:rPr lang="zh-CN" altLang="en-US" smtClean="0"/>
-              <a:t>2020/6/15</a:t>
+              <a:t>2020/6/16</a:t>
             </a:fld>
             <a:endParaRPr lang="zh-CN" altLang="en-US"/>
           </a:p>
@@ -6799,6 +6800,5690 @@
       </p:grpSpPr>
       <p:sp>
         <p:nvSpPr>
+          <p:cNvPr id="71" name="文本框 70">
+            <a:extLst>
+              <a:ext uri="{FF2B5EF4-FFF2-40B4-BE49-F238E27FC236}">
+                <a16:creationId xmlns:a16="http://schemas.microsoft.com/office/drawing/2014/main" id="{52CA73A2-1355-415B-8542-48E92A9A8338}"/>
+              </a:ext>
+            </a:extLst>
+          </p:cNvPr>
+          <p:cNvSpPr txBox="1"/>
+          <p:nvPr/>
+        </p:nvSpPr>
+        <p:spPr>
+          <a:xfrm>
+            <a:off x="451313" y="470936"/>
+            <a:ext cx="1321196" cy="369332"/>
+          </a:xfrm>
+          <a:prstGeom prst="rect">
+            <a:avLst/>
+          </a:prstGeom>
+          <a:noFill/>
+        </p:spPr>
+        <p:txBody>
+          <a:bodyPr wrap="none" rtlCol="0">
+            <a:spAutoFit/>
+          </a:bodyPr>
+          <a:lstStyle/>
+          <a:p>
+            <a:pPr marL="0" marR="0" lvl="0" indent="0" algn="l" defTabSz="914400" rtl="0" eaLnBrk="1" fontAlgn="auto" latinLnBrk="0" hangingPunct="1">
+              <a:lnSpc>
+                <a:spcPct val="100000"/>
+              </a:lnSpc>
+              <a:spcBef>
+                <a:spcPts val="0"/>
+              </a:spcBef>
+              <a:spcAft>
+                <a:spcPts val="0"/>
+              </a:spcAft>
+              <a:buClrTx/>
+              <a:buSzTx/>
+              <a:buFontTx/>
+              <a:buNone/>
+              <a:tabLst/>
+              <a:defRPr/>
+            </a:pPr>
+            <a:r>
+              <a:rPr kumimoji="0" lang="en-US" altLang="zh-CN" sz="1800" b="0" i="0" u="none" strike="noStrike" kern="1200" cap="none" spc="0" normalizeH="0" baseline="0" noProof="0" dirty="0">
+                <a:ln>
+                  <a:noFill/>
+                </a:ln>
+                <a:solidFill>
+                  <a:prstClr val="black"/>
+                </a:solidFill>
+                <a:effectLst/>
+                <a:uLnTx/>
+                <a:uFillTx/>
+                <a:latin typeface="等线" panose="020F0502020204030204"/>
+                <a:ea typeface="等线" panose="02010600030101010101" pitchFamily="2" charset="-122"/>
+                <a:cs typeface="+mn-cs"/>
+              </a:rPr>
+              <a:t>Schema_V2</a:t>
+            </a:r>
+            <a:endParaRPr kumimoji="0" lang="zh-CN" altLang="en-US" sz="1800" b="0" i="0" u="none" strike="noStrike" kern="1200" cap="none" spc="0" normalizeH="0" baseline="0" noProof="0" dirty="0">
+              <a:ln>
+                <a:noFill/>
+              </a:ln>
+              <a:solidFill>
+                <a:prstClr val="black"/>
+              </a:solidFill>
+              <a:effectLst/>
+              <a:uLnTx/>
+              <a:uFillTx/>
+              <a:latin typeface="等线" panose="020F0502020204030204"/>
+              <a:ea typeface="等线" panose="02010600030101010101" pitchFamily="2" charset="-122"/>
+              <a:cs typeface="+mn-cs"/>
+            </a:endParaRPr>
+          </a:p>
+        </p:txBody>
+      </p:sp>
+      <p:grpSp>
+        <p:nvGrpSpPr>
+          <p:cNvPr id="54" name="组合 53">
+            <a:extLst>
+              <a:ext uri="{FF2B5EF4-FFF2-40B4-BE49-F238E27FC236}">
+                <a16:creationId xmlns:a16="http://schemas.microsoft.com/office/drawing/2014/main" id="{AF34CE35-1214-4ECA-85B4-6A13D8B88151}"/>
+              </a:ext>
+            </a:extLst>
+          </p:cNvPr>
+          <p:cNvGrpSpPr/>
+          <p:nvPr/>
+        </p:nvGrpSpPr>
+        <p:grpSpPr>
+          <a:xfrm>
+            <a:off x="2491396" y="2718868"/>
+            <a:ext cx="5935649" cy="2875475"/>
+            <a:chOff x="2491396" y="2718868"/>
+            <a:chExt cx="5935649" cy="2875475"/>
+          </a:xfrm>
+        </p:grpSpPr>
+        <p:grpSp>
+          <p:nvGrpSpPr>
+            <p:cNvPr id="4" name="组合 3">
+              <a:extLst>
+                <a:ext uri="{FF2B5EF4-FFF2-40B4-BE49-F238E27FC236}">
+                  <a16:creationId xmlns:a16="http://schemas.microsoft.com/office/drawing/2014/main" id="{313B7A89-30E0-41E1-A3FA-8D4E49F237DD}"/>
+                </a:ext>
+              </a:extLst>
+            </p:cNvPr>
+            <p:cNvGrpSpPr/>
+            <p:nvPr/>
+          </p:nvGrpSpPr>
+          <p:grpSpPr>
+            <a:xfrm>
+              <a:off x="2491396" y="2718868"/>
+              <a:ext cx="5935649" cy="2875475"/>
+              <a:chOff x="2491396" y="2718868"/>
+              <a:chExt cx="5935649" cy="2875475"/>
+            </a:xfrm>
+          </p:grpSpPr>
+          <p:cxnSp>
+            <p:nvCxnSpPr>
+              <p:cNvPr id="53" name="直接箭头连接符 52">
+                <a:extLst>
+                  <a:ext uri="{FF2B5EF4-FFF2-40B4-BE49-F238E27FC236}">
+                    <a16:creationId xmlns:a16="http://schemas.microsoft.com/office/drawing/2014/main" id="{AC59A36B-BCB1-419D-87B6-7144D6DFBFC0}"/>
+                  </a:ext>
+                </a:extLst>
+              </p:cNvPr>
+              <p:cNvCxnSpPr>
+                <a:cxnSpLocks/>
+                <a:stCxn id="8" idx="1"/>
+                <a:endCxn id="52" idx="3"/>
+              </p:cNvCxnSpPr>
+              <p:nvPr/>
+            </p:nvCxnSpPr>
+            <p:spPr>
+              <a:xfrm flipH="1">
+                <a:off x="3366039" y="3659861"/>
+                <a:ext cx="1326591" cy="2558"/>
+              </a:xfrm>
+              <a:prstGeom prst="straightConnector1">
+                <a:avLst/>
+              </a:prstGeom>
+              <a:ln>
+                <a:solidFill>
+                  <a:schemeClr val="tx1"/>
+                </a:solidFill>
+                <a:tailEnd type="triangle"/>
+              </a:ln>
+            </p:spPr>
+            <p:style>
+              <a:lnRef idx="1">
+                <a:schemeClr val="dk1"/>
+              </a:lnRef>
+              <a:fillRef idx="0">
+                <a:schemeClr val="dk1"/>
+              </a:fillRef>
+              <a:effectRef idx="0">
+                <a:schemeClr val="dk1"/>
+              </a:effectRef>
+              <a:fontRef idx="minor">
+                <a:schemeClr val="tx1"/>
+              </a:fontRef>
+            </p:style>
+          </p:cxnSp>
+          <p:sp>
+            <p:nvSpPr>
+              <p:cNvPr id="5" name="矩形: 圆角 4">
+                <a:extLst>
+                  <a:ext uri="{FF2B5EF4-FFF2-40B4-BE49-F238E27FC236}">
+                    <a16:creationId xmlns:a16="http://schemas.microsoft.com/office/drawing/2014/main" id="{A63B6C7F-C778-4131-AF96-6EC835DD2005}"/>
+                  </a:ext>
+                </a:extLst>
+              </p:cNvPr>
+              <p:cNvSpPr/>
+              <p:nvPr/>
+            </p:nvSpPr>
+            <p:spPr>
+              <a:xfrm>
+                <a:off x="6006385" y="4792755"/>
+                <a:ext cx="874643" cy="287131"/>
+              </a:xfrm>
+              <a:prstGeom prst="roundRect">
+                <a:avLst/>
+              </a:prstGeom>
+              <a:noFill/>
+              <a:ln>
+                <a:solidFill>
+                  <a:schemeClr val="tx1"/>
+                </a:solidFill>
+              </a:ln>
+            </p:spPr>
+            <p:style>
+              <a:lnRef idx="2">
+                <a:schemeClr val="accent1">
+                  <a:shade val="50000"/>
+                </a:schemeClr>
+              </a:lnRef>
+              <a:fillRef idx="1">
+                <a:schemeClr val="accent1"/>
+              </a:fillRef>
+              <a:effectRef idx="0">
+                <a:schemeClr val="accent1"/>
+              </a:effectRef>
+              <a:fontRef idx="minor">
+                <a:schemeClr val="lt1"/>
+              </a:fontRef>
+            </p:style>
+            <p:txBody>
+              <a:bodyPr rtlCol="0" anchor="ctr"/>
+              <a:lstStyle/>
+              <a:p>
+                <a:pPr marL="0" marR="0" lvl="0" indent="0" algn="ctr" defTabSz="914400" rtl="0" eaLnBrk="1" fontAlgn="auto" latinLnBrk="0" hangingPunct="1">
+                  <a:lnSpc>
+                    <a:spcPct val="100000"/>
+                  </a:lnSpc>
+                  <a:spcBef>
+                    <a:spcPts val="0"/>
+                  </a:spcBef>
+                  <a:spcAft>
+                    <a:spcPts val="0"/>
+                  </a:spcAft>
+                  <a:buClrTx/>
+                  <a:buSzTx/>
+                  <a:buFontTx/>
+                  <a:buNone/>
+                  <a:tabLst/>
+                  <a:defRPr/>
+                </a:pPr>
+                <a:r>
+                  <a:rPr kumimoji="0" lang="en-US" altLang="zh-CN" sz="1100" b="0" i="0" u="none" strike="noStrike" kern="1200" cap="none" spc="0" normalizeH="0" baseline="0" noProof="0" dirty="0">
+                    <a:ln>
+                      <a:noFill/>
+                    </a:ln>
+                    <a:solidFill>
+                      <a:prstClr val="black"/>
+                    </a:solidFill>
+                    <a:effectLst/>
+                    <a:uLnTx/>
+                    <a:uFillTx/>
+                    <a:latin typeface="Times New Roman" panose="02020603050405020304" pitchFamily="18" charset="0"/>
+                    <a:ea typeface="等线" panose="02010600030101010101" pitchFamily="2" charset="-122"/>
+                    <a:cs typeface="Times New Roman" panose="02020603050405020304" pitchFamily="18" charset="0"/>
+                  </a:rPr>
+                  <a:t>Host </a:t>
+                </a:r>
+              </a:p>
+              <a:p>
+                <a:pPr marL="0" marR="0" lvl="0" indent="0" algn="ctr" defTabSz="914400" rtl="0" eaLnBrk="1" fontAlgn="auto" latinLnBrk="0" hangingPunct="1">
+                  <a:lnSpc>
+                    <a:spcPct val="100000"/>
+                  </a:lnSpc>
+                  <a:spcBef>
+                    <a:spcPts val="0"/>
+                  </a:spcBef>
+                  <a:spcAft>
+                    <a:spcPts val="0"/>
+                  </a:spcAft>
+                  <a:buClrTx/>
+                  <a:buSzTx/>
+                  <a:buFontTx/>
+                  <a:buNone/>
+                  <a:tabLst/>
+                  <a:defRPr/>
+                </a:pPr>
+                <a:endParaRPr kumimoji="0" lang="zh-CN" altLang="en-US" sz="500" b="0" i="0" u="none" strike="noStrike" kern="1200" cap="none" spc="0" normalizeH="0" baseline="0" noProof="0" dirty="0">
+                  <a:ln>
+                    <a:noFill/>
+                  </a:ln>
+                  <a:solidFill>
+                    <a:prstClr val="black"/>
+                  </a:solidFill>
+                  <a:effectLst/>
+                  <a:uLnTx/>
+                  <a:uFillTx/>
+                  <a:latin typeface="Times New Roman" panose="02020603050405020304" pitchFamily="18" charset="0"/>
+                  <a:ea typeface="等线" panose="02010600030101010101" pitchFamily="2" charset="-122"/>
+                  <a:cs typeface="Times New Roman" panose="02020603050405020304" pitchFamily="18" charset="0"/>
+                </a:endParaRPr>
+              </a:p>
+            </p:txBody>
+          </p:sp>
+          <p:sp>
+            <p:nvSpPr>
+              <p:cNvPr id="6" name="矩形: 圆角 5">
+                <a:extLst>
+                  <a:ext uri="{FF2B5EF4-FFF2-40B4-BE49-F238E27FC236}">
+                    <a16:creationId xmlns:a16="http://schemas.microsoft.com/office/drawing/2014/main" id="{53240D7A-8279-4CBF-9F80-DCB4FC99650D}"/>
+                  </a:ext>
+                </a:extLst>
+              </p:cNvPr>
+              <p:cNvSpPr/>
+              <p:nvPr/>
+            </p:nvSpPr>
+            <p:spPr>
+              <a:xfrm>
+                <a:off x="3555087" y="4036224"/>
+                <a:ext cx="980654" cy="287131"/>
+              </a:xfrm>
+              <a:prstGeom prst="roundRect">
+                <a:avLst/>
+              </a:prstGeom>
+              <a:noFill/>
+              <a:ln>
+                <a:solidFill>
+                  <a:schemeClr val="tx1"/>
+                </a:solidFill>
+              </a:ln>
+            </p:spPr>
+            <p:style>
+              <a:lnRef idx="2">
+                <a:schemeClr val="accent1">
+                  <a:shade val="50000"/>
+                </a:schemeClr>
+              </a:lnRef>
+              <a:fillRef idx="1">
+                <a:schemeClr val="accent1"/>
+              </a:fillRef>
+              <a:effectRef idx="0">
+                <a:schemeClr val="accent1"/>
+              </a:effectRef>
+              <a:fontRef idx="minor">
+                <a:schemeClr val="lt1"/>
+              </a:fontRef>
+            </p:style>
+            <p:txBody>
+              <a:bodyPr rtlCol="0" anchor="ctr"/>
+              <a:lstStyle/>
+              <a:p>
+                <a:pPr marL="0" marR="0" lvl="0" indent="0" algn="ctr" defTabSz="914400" rtl="0" eaLnBrk="1" fontAlgn="auto" latinLnBrk="0" hangingPunct="1">
+                  <a:lnSpc>
+                    <a:spcPct val="100000"/>
+                  </a:lnSpc>
+                  <a:spcBef>
+                    <a:spcPts val="0"/>
+                  </a:spcBef>
+                  <a:spcAft>
+                    <a:spcPts val="0"/>
+                  </a:spcAft>
+                  <a:buClrTx/>
+                  <a:buSzTx/>
+                  <a:buFontTx/>
+                  <a:buNone/>
+                  <a:tabLst/>
+                  <a:defRPr/>
+                </a:pPr>
+                <a:r>
+                  <a:rPr kumimoji="0" lang="en-US" altLang="zh-CN" sz="1100" b="0" i="0" u="none" strike="noStrike" kern="1200" cap="none" spc="0" normalizeH="0" baseline="0" noProof="0" dirty="0">
+                    <a:ln>
+                      <a:noFill/>
+                    </a:ln>
+                    <a:solidFill>
+                      <a:prstClr val="black"/>
+                    </a:solidFill>
+                    <a:effectLst/>
+                    <a:uLnTx/>
+                    <a:uFillTx/>
+                    <a:latin typeface="Times New Roman" panose="02020603050405020304" pitchFamily="18" charset="0"/>
+                    <a:ea typeface="等线" panose="02010600030101010101" pitchFamily="2" charset="-122"/>
+                    <a:cs typeface="Times New Roman" panose="02020603050405020304" pitchFamily="18" charset="0"/>
+                  </a:rPr>
+                  <a:t>Virus Protein</a:t>
+                </a:r>
+                <a:endParaRPr kumimoji="0" lang="zh-CN" altLang="en-US" sz="1100" b="0" i="0" u="none" strike="noStrike" kern="1200" cap="none" spc="0" normalizeH="0" baseline="0" noProof="0" dirty="0">
+                  <a:ln>
+                    <a:noFill/>
+                  </a:ln>
+                  <a:solidFill>
+                    <a:prstClr val="white"/>
+                  </a:solidFill>
+                  <a:effectLst/>
+                  <a:uLnTx/>
+                  <a:uFillTx/>
+                  <a:latin typeface="等线" panose="020F0502020204030204"/>
+                  <a:ea typeface="等线" panose="02010600030101010101" pitchFamily="2" charset="-122"/>
+                  <a:cs typeface="+mn-cs"/>
+                </a:endParaRPr>
+              </a:p>
+            </p:txBody>
+          </p:sp>
+          <p:sp>
+            <p:nvSpPr>
+              <p:cNvPr id="7" name="矩形: 圆角 6">
+                <a:extLst>
+                  <a:ext uri="{FF2B5EF4-FFF2-40B4-BE49-F238E27FC236}">
+                    <a16:creationId xmlns:a16="http://schemas.microsoft.com/office/drawing/2014/main" id="{48D16F5A-3C4B-4FDF-AB1C-948AD99DA15D}"/>
+                  </a:ext>
+                </a:extLst>
+              </p:cNvPr>
+              <p:cNvSpPr/>
+              <p:nvPr/>
+            </p:nvSpPr>
+            <p:spPr>
+              <a:xfrm>
+                <a:off x="5976045" y="4036224"/>
+                <a:ext cx="913312" cy="287131"/>
+              </a:xfrm>
+              <a:prstGeom prst="roundRect">
+                <a:avLst/>
+              </a:prstGeom>
+              <a:noFill/>
+              <a:ln>
+                <a:solidFill>
+                  <a:schemeClr val="tx1"/>
+                </a:solidFill>
+              </a:ln>
+            </p:spPr>
+            <p:style>
+              <a:lnRef idx="2">
+                <a:schemeClr val="accent1">
+                  <a:shade val="50000"/>
+                </a:schemeClr>
+              </a:lnRef>
+              <a:fillRef idx="1">
+                <a:schemeClr val="accent1"/>
+              </a:fillRef>
+              <a:effectRef idx="0">
+                <a:schemeClr val="accent1"/>
+              </a:effectRef>
+              <a:fontRef idx="minor">
+                <a:schemeClr val="lt1"/>
+              </a:fontRef>
+            </p:style>
+            <p:txBody>
+              <a:bodyPr rtlCol="0" anchor="ctr"/>
+              <a:lstStyle/>
+              <a:p>
+                <a:pPr marL="0" marR="0" lvl="0" indent="0" algn="ctr" defTabSz="914400" rtl="0" eaLnBrk="1" fontAlgn="auto" latinLnBrk="0" hangingPunct="1">
+                  <a:lnSpc>
+                    <a:spcPct val="100000"/>
+                  </a:lnSpc>
+                  <a:spcBef>
+                    <a:spcPts val="0"/>
+                  </a:spcBef>
+                  <a:spcAft>
+                    <a:spcPts val="0"/>
+                  </a:spcAft>
+                  <a:buClrTx/>
+                  <a:buSzTx/>
+                  <a:buFontTx/>
+                  <a:buNone/>
+                  <a:tabLst/>
+                  <a:defRPr/>
+                </a:pPr>
+                <a:r>
+                  <a:rPr kumimoji="0" lang="en-US" altLang="zh-CN" sz="1100" b="0" i="0" u="none" strike="noStrike" kern="1200" cap="none" spc="0" normalizeH="0" baseline="0" noProof="0" dirty="0">
+                    <a:ln>
+                      <a:noFill/>
+                    </a:ln>
+                    <a:solidFill>
+                      <a:prstClr val="black"/>
+                    </a:solidFill>
+                    <a:effectLst/>
+                    <a:uLnTx/>
+                    <a:uFillTx/>
+                    <a:latin typeface="Times New Roman" panose="02020603050405020304" pitchFamily="18" charset="0"/>
+                    <a:ea typeface="等线" panose="02010600030101010101" pitchFamily="2" charset="-122"/>
+                    <a:cs typeface="Times New Roman" panose="02020603050405020304" pitchFamily="18" charset="0"/>
+                  </a:rPr>
+                  <a:t>Host Protein</a:t>
+                </a:r>
+                <a:endParaRPr kumimoji="0" lang="zh-CN" altLang="en-US" sz="1100" b="0" i="0" u="none" strike="noStrike" kern="1200" cap="none" spc="0" normalizeH="0" baseline="0" noProof="0" dirty="0">
+                  <a:ln>
+                    <a:noFill/>
+                  </a:ln>
+                  <a:solidFill>
+                    <a:prstClr val="black"/>
+                  </a:solidFill>
+                  <a:effectLst/>
+                  <a:uLnTx/>
+                  <a:uFillTx/>
+                  <a:latin typeface="Times New Roman" panose="02020603050405020304" pitchFamily="18" charset="0"/>
+                  <a:ea typeface="等线" panose="02010600030101010101" pitchFamily="2" charset="-122"/>
+                  <a:cs typeface="Times New Roman" panose="02020603050405020304" pitchFamily="18" charset="0"/>
+                </a:endParaRPr>
+              </a:p>
+            </p:txBody>
+          </p:sp>
+          <p:sp>
+            <p:nvSpPr>
+              <p:cNvPr id="8" name="矩形: 圆角 7">
+                <a:extLst>
+                  <a:ext uri="{FF2B5EF4-FFF2-40B4-BE49-F238E27FC236}">
+                    <a16:creationId xmlns:a16="http://schemas.microsoft.com/office/drawing/2014/main" id="{3E5071F0-3EB9-4671-BA54-5185AE6E13A6}"/>
+                  </a:ext>
+                </a:extLst>
+              </p:cNvPr>
+              <p:cNvSpPr/>
+              <p:nvPr/>
+            </p:nvSpPr>
+            <p:spPr>
+              <a:xfrm>
+                <a:off x="4692630" y="3516295"/>
+                <a:ext cx="930687" cy="287131"/>
+              </a:xfrm>
+              <a:prstGeom prst="roundRect">
+                <a:avLst/>
+              </a:prstGeom>
+              <a:noFill/>
+              <a:ln>
+                <a:solidFill>
+                  <a:schemeClr val="tx1"/>
+                </a:solidFill>
+              </a:ln>
+            </p:spPr>
+            <p:style>
+              <a:lnRef idx="2">
+                <a:schemeClr val="accent1">
+                  <a:shade val="50000"/>
+                </a:schemeClr>
+              </a:lnRef>
+              <a:fillRef idx="1">
+                <a:schemeClr val="accent1"/>
+              </a:fillRef>
+              <a:effectRef idx="0">
+                <a:schemeClr val="accent1"/>
+              </a:effectRef>
+              <a:fontRef idx="minor">
+                <a:schemeClr val="lt1"/>
+              </a:fontRef>
+            </p:style>
+            <p:txBody>
+              <a:bodyPr rtlCol="0" anchor="ctr"/>
+              <a:lstStyle/>
+              <a:p>
+                <a:pPr marL="0" marR="0" lvl="0" indent="0" algn="ctr" defTabSz="914400" rtl="0" eaLnBrk="1" fontAlgn="auto" latinLnBrk="0" hangingPunct="1">
+                  <a:lnSpc>
+                    <a:spcPct val="100000"/>
+                  </a:lnSpc>
+                  <a:spcBef>
+                    <a:spcPts val="0"/>
+                  </a:spcBef>
+                  <a:spcAft>
+                    <a:spcPts val="0"/>
+                  </a:spcAft>
+                  <a:buClrTx/>
+                  <a:buSzTx/>
+                  <a:buFontTx/>
+                  <a:buNone/>
+                  <a:tabLst/>
+                  <a:defRPr/>
+                </a:pPr>
+                <a:r>
+                  <a:rPr kumimoji="0" lang="en-US" altLang="zh-CN" sz="1100" b="0" i="0" u="none" strike="noStrike" kern="1200" cap="none" spc="0" normalizeH="0" baseline="0" noProof="0" dirty="0">
+                    <a:ln>
+                      <a:noFill/>
+                    </a:ln>
+                    <a:solidFill>
+                      <a:prstClr val="black"/>
+                    </a:solidFill>
+                    <a:effectLst/>
+                    <a:uLnTx/>
+                    <a:uFillTx/>
+                    <a:latin typeface="Times New Roman" panose="02020603050405020304" pitchFamily="18" charset="0"/>
+                    <a:ea typeface="等线" panose="02010600030101010101" pitchFamily="2" charset="-122"/>
+                    <a:cs typeface="Times New Roman" panose="02020603050405020304" pitchFamily="18" charset="0"/>
+                  </a:rPr>
+                  <a:t>Virus</a:t>
+                </a:r>
+              </a:p>
+            </p:txBody>
+          </p:sp>
+          <p:cxnSp>
+            <p:nvCxnSpPr>
+              <p:cNvPr id="9" name="直接箭头连接符 8">
+                <a:extLst>
+                  <a:ext uri="{FF2B5EF4-FFF2-40B4-BE49-F238E27FC236}">
+                    <a16:creationId xmlns:a16="http://schemas.microsoft.com/office/drawing/2014/main" id="{CF2B91F4-1624-4A8C-BD39-70B76ECD9B9B}"/>
+                  </a:ext>
+                </a:extLst>
+              </p:cNvPr>
+              <p:cNvCxnSpPr>
+                <a:cxnSpLocks/>
+              </p:cNvCxnSpPr>
+              <p:nvPr/>
+            </p:nvCxnSpPr>
+            <p:spPr>
+              <a:xfrm flipH="1">
+                <a:off x="4429731" y="3803426"/>
+                <a:ext cx="266380" cy="232798"/>
+              </a:xfrm>
+              <a:prstGeom prst="straightConnector1">
+                <a:avLst/>
+              </a:prstGeom>
+              <a:ln>
+                <a:solidFill>
+                  <a:schemeClr val="tx1"/>
+                </a:solidFill>
+                <a:tailEnd type="triangle"/>
+              </a:ln>
+            </p:spPr>
+            <p:style>
+              <a:lnRef idx="1">
+                <a:schemeClr val="dk1"/>
+              </a:lnRef>
+              <a:fillRef idx="0">
+                <a:schemeClr val="dk1"/>
+              </a:fillRef>
+              <a:effectRef idx="0">
+                <a:schemeClr val="dk1"/>
+              </a:effectRef>
+              <a:fontRef idx="minor">
+                <a:schemeClr val="tx1"/>
+              </a:fontRef>
+            </p:style>
+          </p:cxnSp>
+          <p:cxnSp>
+            <p:nvCxnSpPr>
+              <p:cNvPr id="10" name="直接箭头连接符 9">
+                <a:extLst>
+                  <a:ext uri="{FF2B5EF4-FFF2-40B4-BE49-F238E27FC236}">
+                    <a16:creationId xmlns:a16="http://schemas.microsoft.com/office/drawing/2014/main" id="{EA43B717-8C0C-4A88-B9D8-B45D73C7D47A}"/>
+                  </a:ext>
+                </a:extLst>
+              </p:cNvPr>
+              <p:cNvCxnSpPr>
+                <a:cxnSpLocks/>
+                <a:endCxn id="7" idx="1"/>
+              </p:cNvCxnSpPr>
+              <p:nvPr/>
+            </p:nvCxnSpPr>
+            <p:spPr>
+              <a:xfrm>
+                <a:off x="4429730" y="4179789"/>
+                <a:ext cx="1546315" cy="1"/>
+              </a:xfrm>
+              <a:prstGeom prst="straightConnector1">
+                <a:avLst/>
+              </a:prstGeom>
+              <a:ln>
+                <a:solidFill>
+                  <a:schemeClr val="tx1"/>
+                </a:solidFill>
+                <a:tailEnd type="triangle"/>
+              </a:ln>
+            </p:spPr>
+            <p:style>
+              <a:lnRef idx="1">
+                <a:schemeClr val="dk1"/>
+              </a:lnRef>
+              <a:fillRef idx="0">
+                <a:schemeClr val="dk1"/>
+              </a:fillRef>
+              <a:effectRef idx="0">
+                <a:schemeClr val="dk1"/>
+              </a:effectRef>
+              <a:fontRef idx="minor">
+                <a:schemeClr val="tx1"/>
+              </a:fontRef>
+            </p:style>
+          </p:cxnSp>
+          <p:sp>
+            <p:nvSpPr>
+              <p:cNvPr id="11" name="矩形 10">
+                <a:extLst>
+                  <a:ext uri="{FF2B5EF4-FFF2-40B4-BE49-F238E27FC236}">
+                    <a16:creationId xmlns:a16="http://schemas.microsoft.com/office/drawing/2014/main" id="{AE4715F4-5CB2-4538-B2E3-A4170FE8FA44}"/>
+                  </a:ext>
+                </a:extLst>
+              </p:cNvPr>
+              <p:cNvSpPr/>
+              <p:nvPr/>
+            </p:nvSpPr>
+            <p:spPr>
+              <a:xfrm>
+                <a:off x="4492079" y="3846273"/>
+                <a:ext cx="599844" cy="246221"/>
+              </a:xfrm>
+              <a:prstGeom prst="rect">
+                <a:avLst/>
+              </a:prstGeom>
+            </p:spPr>
+            <p:txBody>
+              <a:bodyPr wrap="none">
+                <a:spAutoFit/>
+              </a:bodyPr>
+              <a:lstStyle/>
+              <a:p>
+                <a:pPr marL="0" marR="0" lvl="0" indent="0" algn="l" defTabSz="914400" rtl="0" eaLnBrk="1" fontAlgn="auto" latinLnBrk="0" hangingPunct="1">
+                  <a:lnSpc>
+                    <a:spcPct val="100000"/>
+                  </a:lnSpc>
+                  <a:spcBef>
+                    <a:spcPts val="0"/>
+                  </a:spcBef>
+                  <a:spcAft>
+                    <a:spcPts val="0"/>
+                  </a:spcAft>
+                  <a:buClrTx/>
+                  <a:buSzTx/>
+                  <a:buFontTx/>
+                  <a:buNone/>
+                  <a:tabLst/>
+                  <a:defRPr/>
+                </a:pPr>
+                <a:r>
+                  <a:rPr kumimoji="0" lang="en-US" altLang="zh-CN" sz="1000" b="0" i="0" u="none" strike="noStrike" kern="1200" cap="none" spc="0" normalizeH="0" baseline="0" noProof="0" dirty="0">
+                    <a:ln>
+                      <a:noFill/>
+                    </a:ln>
+                    <a:solidFill>
+                      <a:prstClr val="black"/>
+                    </a:solidFill>
+                    <a:effectLst/>
+                    <a:uLnTx/>
+                    <a:uFillTx/>
+                    <a:latin typeface="Times New Roman" panose="02020603050405020304" pitchFamily="18" charset="0"/>
+                    <a:ea typeface="等线" panose="02010600030101010101" pitchFamily="2" charset="-122"/>
+                    <a:cs typeface="Times New Roman" panose="02020603050405020304" pitchFamily="18" charset="0"/>
+                  </a:rPr>
+                  <a:t>produce</a:t>
+                </a:r>
+                <a:endParaRPr kumimoji="0" lang="zh-CN" altLang="en-US" sz="1000" b="0" i="0" u="none" strike="noStrike" kern="1200" cap="none" spc="0" normalizeH="0" baseline="0" noProof="0" dirty="0">
+                  <a:ln>
+                    <a:noFill/>
+                  </a:ln>
+                  <a:solidFill>
+                    <a:prstClr val="black"/>
+                  </a:solidFill>
+                  <a:effectLst/>
+                  <a:uLnTx/>
+                  <a:uFillTx/>
+                  <a:latin typeface="等线" panose="020F0502020204030204"/>
+                  <a:ea typeface="等线" panose="02010600030101010101" pitchFamily="2" charset="-122"/>
+                  <a:cs typeface="+mn-cs"/>
+                </a:endParaRPr>
+              </a:p>
+            </p:txBody>
+          </p:sp>
+          <p:sp>
+            <p:nvSpPr>
+              <p:cNvPr id="12" name="矩形 11">
+                <a:extLst>
+                  <a:ext uri="{FF2B5EF4-FFF2-40B4-BE49-F238E27FC236}">
+                    <a16:creationId xmlns:a16="http://schemas.microsoft.com/office/drawing/2014/main" id="{3D79CAB7-8B2B-409B-B81F-A9529044084F}"/>
+                  </a:ext>
+                </a:extLst>
+              </p:cNvPr>
+              <p:cNvSpPr/>
+              <p:nvPr/>
+            </p:nvSpPr>
+            <p:spPr>
+              <a:xfrm>
+                <a:off x="4980052" y="4164277"/>
+                <a:ext cx="412292" cy="246221"/>
+              </a:xfrm>
+              <a:prstGeom prst="rect">
+                <a:avLst/>
+              </a:prstGeom>
+            </p:spPr>
+            <p:txBody>
+              <a:bodyPr wrap="none">
+                <a:spAutoFit/>
+              </a:bodyPr>
+              <a:lstStyle/>
+              <a:p>
+                <a:pPr marL="0" marR="0" lvl="0" indent="0" algn="l" defTabSz="914400" rtl="0" eaLnBrk="1" fontAlgn="auto" latinLnBrk="0" hangingPunct="1">
+                  <a:lnSpc>
+                    <a:spcPct val="100000"/>
+                  </a:lnSpc>
+                  <a:spcBef>
+                    <a:spcPts val="0"/>
+                  </a:spcBef>
+                  <a:spcAft>
+                    <a:spcPts val="0"/>
+                  </a:spcAft>
+                  <a:buClrTx/>
+                  <a:buSzTx/>
+                  <a:buFontTx/>
+                  <a:buNone/>
+                  <a:tabLst/>
+                  <a:defRPr/>
+                </a:pPr>
+                <a:r>
+                  <a:rPr kumimoji="0" lang="en-US" altLang="zh-CN" sz="1000" b="0" i="0" u="none" strike="noStrike" kern="1200" cap="none" spc="0" normalizeH="0" baseline="0" noProof="0" dirty="0">
+                    <a:ln>
+                      <a:noFill/>
+                    </a:ln>
+                    <a:solidFill>
+                      <a:prstClr val="black"/>
+                    </a:solidFill>
+                    <a:effectLst/>
+                    <a:uLnTx/>
+                    <a:uFillTx/>
+                    <a:latin typeface="Times New Roman" panose="02020603050405020304" pitchFamily="18" charset="0"/>
+                    <a:ea typeface="等线" panose="02010600030101010101" pitchFamily="2" charset="-122"/>
+                    <a:cs typeface="Times New Roman" panose="02020603050405020304" pitchFamily="18" charset="0"/>
+                  </a:rPr>
+                  <a:t>bind</a:t>
+                </a:r>
+                <a:endParaRPr kumimoji="0" lang="zh-CN" altLang="en-US" sz="1000" b="0" i="0" u="none" strike="noStrike" kern="1200" cap="none" spc="0" normalizeH="0" baseline="0" noProof="0" dirty="0">
+                  <a:ln>
+                    <a:noFill/>
+                  </a:ln>
+                  <a:solidFill>
+                    <a:prstClr val="black"/>
+                  </a:solidFill>
+                  <a:effectLst/>
+                  <a:uLnTx/>
+                  <a:uFillTx/>
+                  <a:latin typeface="等线" panose="020F0502020204030204"/>
+                  <a:ea typeface="等线" panose="02010600030101010101" pitchFamily="2" charset="-122"/>
+                  <a:cs typeface="+mn-cs"/>
+                </a:endParaRPr>
+              </a:p>
+            </p:txBody>
+          </p:sp>
+          <p:sp>
+            <p:nvSpPr>
+              <p:cNvPr id="13" name="矩形: 圆角 12">
+                <a:extLst>
+                  <a:ext uri="{FF2B5EF4-FFF2-40B4-BE49-F238E27FC236}">
+                    <a16:creationId xmlns:a16="http://schemas.microsoft.com/office/drawing/2014/main" id="{542516D4-7F17-476C-BE21-D23415E03D1A}"/>
+                  </a:ext>
+                </a:extLst>
+              </p:cNvPr>
+              <p:cNvSpPr/>
+              <p:nvPr/>
+            </p:nvSpPr>
+            <p:spPr>
+              <a:xfrm>
+                <a:off x="3939611" y="2764044"/>
+                <a:ext cx="874643" cy="287131"/>
+              </a:xfrm>
+              <a:prstGeom prst="roundRect">
+                <a:avLst/>
+              </a:prstGeom>
+              <a:noFill/>
+              <a:ln>
+                <a:solidFill>
+                  <a:schemeClr val="tx1"/>
+                </a:solidFill>
+              </a:ln>
+            </p:spPr>
+            <p:style>
+              <a:lnRef idx="2">
+                <a:schemeClr val="accent1">
+                  <a:shade val="50000"/>
+                </a:schemeClr>
+              </a:lnRef>
+              <a:fillRef idx="1">
+                <a:schemeClr val="accent1"/>
+              </a:fillRef>
+              <a:effectRef idx="0">
+                <a:schemeClr val="accent1"/>
+              </a:effectRef>
+              <a:fontRef idx="minor">
+                <a:schemeClr val="lt1"/>
+              </a:fontRef>
+            </p:style>
+            <p:txBody>
+              <a:bodyPr rtlCol="0" anchor="ctr"/>
+              <a:lstStyle/>
+              <a:p>
+                <a:pPr marL="0" marR="0" lvl="0" indent="0" algn="ctr" defTabSz="914400" rtl="0" eaLnBrk="1" fontAlgn="auto" latinLnBrk="0" hangingPunct="1">
+                  <a:lnSpc>
+                    <a:spcPct val="100000"/>
+                  </a:lnSpc>
+                  <a:spcBef>
+                    <a:spcPts val="0"/>
+                  </a:spcBef>
+                  <a:spcAft>
+                    <a:spcPts val="0"/>
+                  </a:spcAft>
+                  <a:buClrTx/>
+                  <a:buSzTx/>
+                  <a:buFontTx/>
+                  <a:buNone/>
+                  <a:tabLst/>
+                  <a:defRPr/>
+                </a:pPr>
+                <a:r>
+                  <a:rPr kumimoji="0" lang="en-US" altLang="zh-CN" sz="1100" b="0" i="0" u="none" strike="noStrike" kern="1200" cap="none" spc="0" normalizeH="0" baseline="0" noProof="0" dirty="0">
+                    <a:ln>
+                      <a:noFill/>
+                    </a:ln>
+                    <a:solidFill>
+                      <a:prstClr val="black"/>
+                    </a:solidFill>
+                    <a:effectLst/>
+                    <a:uLnTx/>
+                    <a:uFillTx/>
+                    <a:latin typeface="Times New Roman" panose="02020603050405020304" pitchFamily="18" charset="0"/>
+                    <a:ea typeface="等线" panose="02010600030101010101" pitchFamily="2" charset="-122"/>
+                    <a:cs typeface="Times New Roman" panose="02020603050405020304" pitchFamily="18" charset="0"/>
+                  </a:rPr>
+                  <a:t>Drug</a:t>
+                </a:r>
+                <a:endParaRPr kumimoji="0" lang="zh-CN" altLang="en-US" sz="1100" b="0" i="0" u="none" strike="noStrike" kern="1200" cap="none" spc="0" normalizeH="0" baseline="0" noProof="0" dirty="0">
+                  <a:ln>
+                    <a:noFill/>
+                  </a:ln>
+                  <a:solidFill>
+                    <a:prstClr val="white"/>
+                  </a:solidFill>
+                  <a:effectLst/>
+                  <a:uLnTx/>
+                  <a:uFillTx/>
+                  <a:latin typeface="等线" panose="020F0502020204030204"/>
+                  <a:ea typeface="等线" panose="02010600030101010101" pitchFamily="2" charset="-122"/>
+                  <a:cs typeface="+mn-cs"/>
+                </a:endParaRPr>
+              </a:p>
+            </p:txBody>
+          </p:sp>
+          <p:sp>
+            <p:nvSpPr>
+              <p:cNvPr id="14" name="矩形: 圆角 13">
+                <a:extLst>
+                  <a:ext uri="{FF2B5EF4-FFF2-40B4-BE49-F238E27FC236}">
+                    <a16:creationId xmlns:a16="http://schemas.microsoft.com/office/drawing/2014/main" id="{309B6005-4087-4C37-92E2-9B435A699803}"/>
+                  </a:ext>
+                </a:extLst>
+              </p:cNvPr>
+              <p:cNvSpPr/>
+              <p:nvPr/>
+            </p:nvSpPr>
+            <p:spPr>
+              <a:xfrm>
+                <a:off x="7511725" y="4036224"/>
+                <a:ext cx="874643" cy="287131"/>
+              </a:xfrm>
+              <a:prstGeom prst="roundRect">
+                <a:avLst/>
+              </a:prstGeom>
+              <a:noFill/>
+              <a:ln>
+                <a:solidFill>
+                  <a:schemeClr val="tx1"/>
+                </a:solidFill>
+              </a:ln>
+            </p:spPr>
+            <p:style>
+              <a:lnRef idx="2">
+                <a:schemeClr val="accent1">
+                  <a:shade val="50000"/>
+                </a:schemeClr>
+              </a:lnRef>
+              <a:fillRef idx="1">
+                <a:schemeClr val="accent1"/>
+              </a:fillRef>
+              <a:effectRef idx="0">
+                <a:schemeClr val="accent1"/>
+              </a:effectRef>
+              <a:fontRef idx="minor">
+                <a:schemeClr val="lt1"/>
+              </a:fontRef>
+            </p:style>
+            <p:txBody>
+              <a:bodyPr rtlCol="0" anchor="ctr"/>
+              <a:lstStyle/>
+              <a:p>
+                <a:pPr marL="0" marR="0" lvl="0" indent="0" algn="ctr" defTabSz="914400" rtl="0" eaLnBrk="1" fontAlgn="auto" latinLnBrk="0" hangingPunct="1">
+                  <a:lnSpc>
+                    <a:spcPct val="100000"/>
+                  </a:lnSpc>
+                  <a:spcBef>
+                    <a:spcPts val="0"/>
+                  </a:spcBef>
+                  <a:spcAft>
+                    <a:spcPts val="0"/>
+                  </a:spcAft>
+                  <a:buClrTx/>
+                  <a:buSzTx/>
+                  <a:buFontTx/>
+                  <a:buNone/>
+                  <a:tabLst/>
+                  <a:defRPr/>
+                </a:pPr>
+                <a:r>
+                  <a:rPr kumimoji="0" lang="en-US" altLang="zh-CN" sz="1100" b="0" i="0" u="none" strike="noStrike" kern="1200" cap="none" spc="0" normalizeH="0" baseline="0" noProof="0" dirty="0">
+                    <a:ln>
+                      <a:noFill/>
+                    </a:ln>
+                    <a:solidFill>
+                      <a:prstClr val="black"/>
+                    </a:solidFill>
+                    <a:effectLst/>
+                    <a:uLnTx/>
+                    <a:uFillTx/>
+                    <a:latin typeface="Times New Roman" panose="02020603050405020304" pitchFamily="18" charset="0"/>
+                    <a:ea typeface="等线" panose="02010600030101010101" pitchFamily="2" charset="-122"/>
+                    <a:cs typeface="Times New Roman" panose="02020603050405020304" pitchFamily="18" charset="0"/>
+                  </a:rPr>
+                  <a:t>Gene</a:t>
+                </a:r>
+                <a:endParaRPr kumimoji="0" lang="zh-CN" altLang="en-US" sz="1100" b="0" i="0" u="none" strike="noStrike" kern="1200" cap="none" spc="0" normalizeH="0" baseline="0" noProof="0" dirty="0">
+                  <a:ln>
+                    <a:noFill/>
+                  </a:ln>
+                  <a:solidFill>
+                    <a:prstClr val="black"/>
+                  </a:solidFill>
+                  <a:effectLst/>
+                  <a:uLnTx/>
+                  <a:uFillTx/>
+                  <a:latin typeface="Times New Roman" panose="02020603050405020304" pitchFamily="18" charset="0"/>
+                  <a:ea typeface="等线" panose="02010600030101010101" pitchFamily="2" charset="-122"/>
+                  <a:cs typeface="Times New Roman" panose="02020603050405020304" pitchFamily="18" charset="0"/>
+                </a:endParaRPr>
+              </a:p>
+            </p:txBody>
+          </p:sp>
+          <p:sp>
+            <p:nvSpPr>
+              <p:cNvPr id="15" name="矩形: 圆角 14">
+                <a:extLst>
+                  <a:ext uri="{FF2B5EF4-FFF2-40B4-BE49-F238E27FC236}">
+                    <a16:creationId xmlns:a16="http://schemas.microsoft.com/office/drawing/2014/main" id="{4FB6D4C2-71DF-4A5E-AD19-73D1D021FC93}"/>
+                  </a:ext>
+                </a:extLst>
+              </p:cNvPr>
+              <p:cNvSpPr/>
+              <p:nvPr/>
+            </p:nvSpPr>
+            <p:spPr>
+              <a:xfrm>
+                <a:off x="7511725" y="2762815"/>
+                <a:ext cx="874643" cy="287131"/>
+              </a:xfrm>
+              <a:prstGeom prst="roundRect">
+                <a:avLst/>
+              </a:prstGeom>
+              <a:noFill/>
+              <a:ln>
+                <a:solidFill>
+                  <a:schemeClr val="tx1"/>
+                </a:solidFill>
+              </a:ln>
+            </p:spPr>
+            <p:style>
+              <a:lnRef idx="2">
+                <a:schemeClr val="accent1">
+                  <a:shade val="50000"/>
+                </a:schemeClr>
+              </a:lnRef>
+              <a:fillRef idx="1">
+                <a:schemeClr val="accent1"/>
+              </a:fillRef>
+              <a:effectRef idx="0">
+                <a:schemeClr val="accent1"/>
+              </a:effectRef>
+              <a:fontRef idx="minor">
+                <a:schemeClr val="lt1"/>
+              </a:fontRef>
+            </p:style>
+            <p:txBody>
+              <a:bodyPr rtlCol="0" anchor="ctr"/>
+              <a:lstStyle/>
+              <a:p>
+                <a:pPr marL="0" marR="0" lvl="0" indent="0" algn="ctr" defTabSz="914400" rtl="0" eaLnBrk="1" fontAlgn="auto" latinLnBrk="0" hangingPunct="1">
+                  <a:lnSpc>
+                    <a:spcPct val="100000"/>
+                  </a:lnSpc>
+                  <a:spcBef>
+                    <a:spcPts val="0"/>
+                  </a:spcBef>
+                  <a:spcAft>
+                    <a:spcPts val="0"/>
+                  </a:spcAft>
+                  <a:buClrTx/>
+                  <a:buSzTx/>
+                  <a:buFontTx/>
+                  <a:buNone/>
+                  <a:tabLst/>
+                  <a:defRPr/>
+                </a:pPr>
+                <a:r>
+                  <a:rPr kumimoji="0" lang="en-US" altLang="zh-CN" sz="1100" b="0" i="0" u="none" strike="noStrike" kern="1200" cap="none" spc="0" normalizeH="0" baseline="0" noProof="0" dirty="0">
+                    <a:ln>
+                      <a:noFill/>
+                    </a:ln>
+                    <a:solidFill>
+                      <a:prstClr val="black"/>
+                    </a:solidFill>
+                    <a:effectLst/>
+                    <a:uLnTx/>
+                    <a:uFillTx/>
+                    <a:latin typeface="Times New Roman" panose="02020603050405020304" pitchFamily="18" charset="0"/>
+                    <a:ea typeface="等线" panose="02010600030101010101" pitchFamily="2" charset="-122"/>
+                    <a:cs typeface="Times New Roman" panose="02020603050405020304" pitchFamily="18" charset="0"/>
+                  </a:rPr>
+                  <a:t>Symptom</a:t>
+                </a:r>
+                <a:endParaRPr kumimoji="0" lang="zh-CN" altLang="en-US" sz="1100" b="0" i="0" u="none" strike="noStrike" kern="1200" cap="none" spc="0" normalizeH="0" baseline="0" noProof="0" dirty="0">
+                  <a:ln>
+                    <a:noFill/>
+                  </a:ln>
+                  <a:solidFill>
+                    <a:prstClr val="black"/>
+                  </a:solidFill>
+                  <a:effectLst/>
+                  <a:uLnTx/>
+                  <a:uFillTx/>
+                  <a:latin typeface="Times New Roman" panose="02020603050405020304" pitchFamily="18" charset="0"/>
+                  <a:ea typeface="等线" panose="02010600030101010101" pitchFamily="2" charset="-122"/>
+                  <a:cs typeface="Times New Roman" panose="02020603050405020304" pitchFamily="18" charset="0"/>
+                </a:endParaRPr>
+              </a:p>
+            </p:txBody>
+          </p:sp>
+          <p:cxnSp>
+            <p:nvCxnSpPr>
+              <p:cNvPr id="16" name="直接箭头连接符 15">
+                <a:extLst>
+                  <a:ext uri="{FF2B5EF4-FFF2-40B4-BE49-F238E27FC236}">
+                    <a16:creationId xmlns:a16="http://schemas.microsoft.com/office/drawing/2014/main" id="{17060873-8937-4056-AA63-D68BD442EEE6}"/>
+                  </a:ext>
+                </a:extLst>
+              </p:cNvPr>
+              <p:cNvCxnSpPr>
+                <a:cxnSpLocks/>
+                <a:endCxn id="14" idx="1"/>
+              </p:cNvCxnSpPr>
+              <p:nvPr/>
+            </p:nvCxnSpPr>
+            <p:spPr>
+              <a:xfrm flipV="1">
+                <a:off x="6889357" y="4179790"/>
+                <a:ext cx="622368" cy="8684"/>
+              </a:xfrm>
+              <a:prstGeom prst="straightConnector1">
+                <a:avLst/>
+              </a:prstGeom>
+              <a:ln>
+                <a:headEnd type="triangle"/>
+                <a:tailEnd type="none"/>
+              </a:ln>
+            </p:spPr>
+            <p:style>
+              <a:lnRef idx="1">
+                <a:schemeClr val="dk1"/>
+              </a:lnRef>
+              <a:fillRef idx="0">
+                <a:schemeClr val="dk1"/>
+              </a:fillRef>
+              <a:effectRef idx="0">
+                <a:schemeClr val="dk1"/>
+              </a:effectRef>
+              <a:fontRef idx="minor">
+                <a:schemeClr val="tx1"/>
+              </a:fontRef>
+            </p:style>
+          </p:cxnSp>
+          <p:sp>
+            <p:nvSpPr>
+              <p:cNvPr id="17" name="矩形 16">
+                <a:extLst>
+                  <a:ext uri="{FF2B5EF4-FFF2-40B4-BE49-F238E27FC236}">
+                    <a16:creationId xmlns:a16="http://schemas.microsoft.com/office/drawing/2014/main" id="{E37B7C62-8068-42C0-A68A-0BB4C686514E}"/>
+                  </a:ext>
+                </a:extLst>
+              </p:cNvPr>
+              <p:cNvSpPr/>
+              <p:nvPr/>
+            </p:nvSpPr>
+            <p:spPr>
+              <a:xfrm>
+                <a:off x="6917977" y="4164276"/>
+                <a:ext cx="599844" cy="246221"/>
+              </a:xfrm>
+              <a:prstGeom prst="rect">
+                <a:avLst/>
+              </a:prstGeom>
+            </p:spPr>
+            <p:txBody>
+              <a:bodyPr wrap="none">
+                <a:spAutoFit/>
+              </a:bodyPr>
+              <a:lstStyle/>
+              <a:p>
+                <a:pPr marL="0" marR="0" lvl="0" indent="0" algn="l" defTabSz="914400" rtl="0" eaLnBrk="1" fontAlgn="auto" latinLnBrk="0" hangingPunct="1">
+                  <a:lnSpc>
+                    <a:spcPct val="100000"/>
+                  </a:lnSpc>
+                  <a:spcBef>
+                    <a:spcPts val="0"/>
+                  </a:spcBef>
+                  <a:spcAft>
+                    <a:spcPts val="0"/>
+                  </a:spcAft>
+                  <a:buClrTx/>
+                  <a:buSzTx/>
+                  <a:buFontTx/>
+                  <a:buNone/>
+                  <a:tabLst/>
+                  <a:defRPr/>
+                </a:pPr>
+                <a:r>
+                  <a:rPr kumimoji="0" lang="en-US" altLang="zh-CN" sz="1000" b="0" i="0" u="none" strike="noStrike" kern="1200" cap="none" spc="0" normalizeH="0" baseline="0" noProof="0" dirty="0">
+                    <a:ln>
+                      <a:noFill/>
+                    </a:ln>
+                    <a:solidFill>
+                      <a:prstClr val="black"/>
+                    </a:solidFill>
+                    <a:effectLst/>
+                    <a:uLnTx/>
+                    <a:uFillTx/>
+                    <a:latin typeface="Times New Roman" panose="02020603050405020304" pitchFamily="18" charset="0"/>
+                    <a:ea typeface="等线" panose="02010600030101010101" pitchFamily="2" charset="-122"/>
+                    <a:cs typeface="Times New Roman" panose="02020603050405020304" pitchFamily="18" charset="0"/>
+                  </a:rPr>
+                  <a:t>produce</a:t>
+                </a:r>
+                <a:endParaRPr kumimoji="0" lang="zh-CN" altLang="en-US" sz="1000" b="0" i="0" u="none" strike="noStrike" kern="1200" cap="none" spc="0" normalizeH="0" baseline="0" noProof="0" dirty="0">
+                  <a:ln>
+                    <a:noFill/>
+                  </a:ln>
+                  <a:solidFill>
+                    <a:prstClr val="black"/>
+                  </a:solidFill>
+                  <a:effectLst/>
+                  <a:uLnTx/>
+                  <a:uFillTx/>
+                  <a:latin typeface="等线" panose="020F0502020204030204"/>
+                  <a:ea typeface="等线" panose="02010600030101010101" pitchFamily="2" charset="-122"/>
+                  <a:cs typeface="+mn-cs"/>
+                </a:endParaRPr>
+              </a:p>
+            </p:txBody>
+          </p:sp>
+          <p:cxnSp>
+            <p:nvCxnSpPr>
+              <p:cNvPr id="18" name="直接箭头连接符 17">
+                <a:extLst>
+                  <a:ext uri="{FF2B5EF4-FFF2-40B4-BE49-F238E27FC236}">
+                    <a16:creationId xmlns:a16="http://schemas.microsoft.com/office/drawing/2014/main" id="{9B5DC0FD-FE2A-4BD3-AE37-20DB48DB12FF}"/>
+                  </a:ext>
+                </a:extLst>
+              </p:cNvPr>
+              <p:cNvCxnSpPr>
+                <a:cxnSpLocks/>
+                <a:stCxn id="14" idx="0"/>
+                <a:endCxn id="15" idx="2"/>
+              </p:cNvCxnSpPr>
+              <p:nvPr/>
+            </p:nvCxnSpPr>
+            <p:spPr>
+              <a:xfrm flipV="1">
+                <a:off x="7949047" y="3049946"/>
+                <a:ext cx="0" cy="986278"/>
+              </a:xfrm>
+              <a:prstGeom prst="straightConnector1">
+                <a:avLst/>
+              </a:prstGeom>
+              <a:ln>
+                <a:tailEnd type="triangle"/>
+              </a:ln>
+            </p:spPr>
+            <p:style>
+              <a:lnRef idx="1">
+                <a:schemeClr val="dk1"/>
+              </a:lnRef>
+              <a:fillRef idx="0">
+                <a:schemeClr val="dk1"/>
+              </a:fillRef>
+              <a:effectRef idx="0">
+                <a:schemeClr val="dk1"/>
+              </a:effectRef>
+              <a:fontRef idx="minor">
+                <a:schemeClr val="tx1"/>
+              </a:fontRef>
+            </p:style>
+          </p:cxnSp>
+          <p:sp>
+            <p:nvSpPr>
+              <p:cNvPr id="19" name="矩形 18">
+                <a:extLst>
+                  <a:ext uri="{FF2B5EF4-FFF2-40B4-BE49-F238E27FC236}">
+                    <a16:creationId xmlns:a16="http://schemas.microsoft.com/office/drawing/2014/main" id="{628DC0FA-896F-4847-998B-6AAF535A68BE}"/>
+                  </a:ext>
+                </a:extLst>
+              </p:cNvPr>
+              <p:cNvSpPr/>
+              <p:nvPr/>
+            </p:nvSpPr>
+            <p:spPr>
+              <a:xfrm>
+                <a:off x="7086426" y="3444642"/>
+                <a:ext cx="909223" cy="246221"/>
+              </a:xfrm>
+              <a:prstGeom prst="rect">
+                <a:avLst/>
+              </a:prstGeom>
+            </p:spPr>
+            <p:txBody>
+              <a:bodyPr wrap="none">
+                <a:spAutoFit/>
+              </a:bodyPr>
+              <a:lstStyle/>
+              <a:p>
+                <a:pPr marL="0" marR="0" lvl="0" indent="0" algn="l" defTabSz="914400" rtl="0" eaLnBrk="1" fontAlgn="auto" latinLnBrk="0" hangingPunct="1">
+                  <a:lnSpc>
+                    <a:spcPct val="100000"/>
+                  </a:lnSpc>
+                  <a:spcBef>
+                    <a:spcPts val="0"/>
+                  </a:spcBef>
+                  <a:spcAft>
+                    <a:spcPts val="0"/>
+                  </a:spcAft>
+                  <a:buClrTx/>
+                  <a:buSzTx/>
+                  <a:buFontTx/>
+                  <a:buNone/>
+                  <a:tabLst/>
+                  <a:defRPr/>
+                </a:pPr>
+                <a:r>
+                  <a:rPr kumimoji="0" lang="en-US" altLang="zh-CN" sz="1000" b="0" i="0" u="none" strike="noStrike" kern="1200" cap="none" spc="0" normalizeH="0" baseline="0" noProof="0" dirty="0">
+                    <a:ln>
+                      <a:noFill/>
+                    </a:ln>
+                    <a:solidFill>
+                      <a:prstClr val="black"/>
+                    </a:solidFill>
+                    <a:effectLst/>
+                    <a:uLnTx/>
+                    <a:uFillTx/>
+                    <a:latin typeface="Times New Roman" panose="02020603050405020304" pitchFamily="18" charset="0"/>
+                    <a:ea typeface="等线" panose="02010600030101010101" pitchFamily="2" charset="-122"/>
+                    <a:cs typeface="Times New Roman" panose="02020603050405020304" pitchFamily="18" charset="0"/>
+                  </a:rPr>
+                  <a:t>associate with</a:t>
+                </a:r>
+                <a:endParaRPr kumimoji="0" lang="zh-CN" altLang="en-US" sz="1000" b="0" i="0" u="none" strike="noStrike" kern="1200" cap="none" spc="0" normalizeH="0" baseline="0" noProof="0" dirty="0">
+                  <a:ln>
+                    <a:noFill/>
+                  </a:ln>
+                  <a:solidFill>
+                    <a:prstClr val="black"/>
+                  </a:solidFill>
+                  <a:effectLst/>
+                  <a:uLnTx/>
+                  <a:uFillTx/>
+                  <a:latin typeface="等线" panose="020F0502020204030204"/>
+                  <a:ea typeface="等线" panose="02010600030101010101" pitchFamily="2" charset="-122"/>
+                  <a:cs typeface="+mn-cs"/>
+                </a:endParaRPr>
+              </a:p>
+            </p:txBody>
+          </p:sp>
+          <p:cxnSp>
+            <p:nvCxnSpPr>
+              <p:cNvPr id="20" name="直接箭头连接符 19">
+                <a:extLst>
+                  <a:ext uri="{FF2B5EF4-FFF2-40B4-BE49-F238E27FC236}">
+                    <a16:creationId xmlns:a16="http://schemas.microsoft.com/office/drawing/2014/main" id="{4A7196B2-4511-406A-A78F-94D24EF9EC94}"/>
+                  </a:ext>
+                </a:extLst>
+              </p:cNvPr>
+              <p:cNvCxnSpPr>
+                <a:cxnSpLocks/>
+                <a:stCxn id="15" idx="1"/>
+                <a:endCxn id="21" idx="3"/>
+              </p:cNvCxnSpPr>
+              <p:nvPr/>
+            </p:nvCxnSpPr>
+            <p:spPr>
+              <a:xfrm flipH="1">
+                <a:off x="7012033" y="2906381"/>
+                <a:ext cx="499692" cy="1227"/>
+              </a:xfrm>
+              <a:prstGeom prst="straightConnector1">
+                <a:avLst/>
+              </a:prstGeom>
+              <a:ln>
+                <a:headEnd type="triangle" w="sm" len="sm"/>
+                <a:tailEnd type="none"/>
+              </a:ln>
+            </p:spPr>
+            <p:style>
+              <a:lnRef idx="1">
+                <a:schemeClr val="dk1"/>
+              </a:lnRef>
+              <a:fillRef idx="0">
+                <a:schemeClr val="dk1"/>
+              </a:fillRef>
+              <a:effectRef idx="0">
+                <a:schemeClr val="dk1"/>
+              </a:effectRef>
+              <a:fontRef idx="minor">
+                <a:schemeClr val="tx1"/>
+              </a:fontRef>
+            </p:style>
+          </p:cxnSp>
+          <p:sp>
+            <p:nvSpPr>
+              <p:cNvPr id="21" name="矩形: 圆角 20">
+                <a:extLst>
+                  <a:ext uri="{FF2B5EF4-FFF2-40B4-BE49-F238E27FC236}">
+                    <a16:creationId xmlns:a16="http://schemas.microsoft.com/office/drawing/2014/main" id="{B62CA1ED-C4BD-4672-832C-5F3F2B7D2988}"/>
+                  </a:ext>
+                </a:extLst>
+              </p:cNvPr>
+              <p:cNvSpPr/>
+              <p:nvPr/>
+            </p:nvSpPr>
+            <p:spPr>
+              <a:xfrm>
+                <a:off x="6137390" y="2764042"/>
+                <a:ext cx="874643" cy="287131"/>
+              </a:xfrm>
+              <a:prstGeom prst="roundRect">
+                <a:avLst/>
+              </a:prstGeom>
+              <a:noFill/>
+              <a:ln>
+                <a:solidFill>
+                  <a:schemeClr val="tx1"/>
+                </a:solidFill>
+              </a:ln>
+            </p:spPr>
+            <p:style>
+              <a:lnRef idx="2">
+                <a:schemeClr val="accent1">
+                  <a:shade val="50000"/>
+                </a:schemeClr>
+              </a:lnRef>
+              <a:fillRef idx="1">
+                <a:schemeClr val="accent1"/>
+              </a:fillRef>
+              <a:effectRef idx="0">
+                <a:schemeClr val="accent1"/>
+              </a:effectRef>
+              <a:fontRef idx="minor">
+                <a:schemeClr val="lt1"/>
+              </a:fontRef>
+            </p:style>
+            <p:txBody>
+              <a:bodyPr rtlCol="0" anchor="ctr"/>
+              <a:lstStyle/>
+              <a:p>
+                <a:pPr marL="0" marR="0" lvl="0" indent="0" algn="ctr" defTabSz="914400" rtl="0" eaLnBrk="1" fontAlgn="auto" latinLnBrk="0" hangingPunct="1">
+                  <a:lnSpc>
+                    <a:spcPct val="100000"/>
+                  </a:lnSpc>
+                  <a:spcBef>
+                    <a:spcPts val="0"/>
+                  </a:spcBef>
+                  <a:spcAft>
+                    <a:spcPts val="0"/>
+                  </a:spcAft>
+                  <a:buClrTx/>
+                  <a:buSzTx/>
+                  <a:buFontTx/>
+                  <a:buNone/>
+                  <a:tabLst/>
+                  <a:defRPr/>
+                </a:pPr>
+                <a:r>
+                  <a:rPr kumimoji="0" lang="en-US" altLang="zh-CN" sz="1100" b="0" i="0" u="none" strike="noStrike" kern="1200" cap="none" spc="0" normalizeH="0" baseline="0" noProof="0" dirty="0">
+                    <a:ln>
+                      <a:noFill/>
+                    </a:ln>
+                    <a:solidFill>
+                      <a:prstClr val="black"/>
+                    </a:solidFill>
+                    <a:effectLst/>
+                    <a:uLnTx/>
+                    <a:uFillTx/>
+                    <a:latin typeface="Times New Roman" panose="02020603050405020304" pitchFamily="18" charset="0"/>
+                    <a:ea typeface="等线" panose="02010600030101010101" pitchFamily="2" charset="-122"/>
+                    <a:cs typeface="Times New Roman" panose="02020603050405020304" pitchFamily="18" charset="0"/>
+                  </a:rPr>
+                  <a:t>Disease</a:t>
+                </a:r>
+                <a:endParaRPr kumimoji="0" lang="zh-CN" altLang="en-US" sz="1100" b="0" i="0" u="none" strike="noStrike" kern="1200" cap="none" spc="0" normalizeH="0" baseline="0" noProof="0" dirty="0">
+                  <a:ln>
+                    <a:noFill/>
+                  </a:ln>
+                  <a:solidFill>
+                    <a:prstClr val="black"/>
+                  </a:solidFill>
+                  <a:effectLst/>
+                  <a:uLnTx/>
+                  <a:uFillTx/>
+                  <a:latin typeface="Times New Roman" panose="02020603050405020304" pitchFamily="18" charset="0"/>
+                  <a:ea typeface="等线" panose="02010600030101010101" pitchFamily="2" charset="-122"/>
+                  <a:cs typeface="Times New Roman" panose="02020603050405020304" pitchFamily="18" charset="0"/>
+                </a:endParaRPr>
+              </a:p>
+            </p:txBody>
+          </p:sp>
+          <p:sp>
+            <p:nvSpPr>
+              <p:cNvPr id="22" name="矩形 21">
+                <a:extLst>
+                  <a:ext uri="{FF2B5EF4-FFF2-40B4-BE49-F238E27FC236}">
+                    <a16:creationId xmlns:a16="http://schemas.microsoft.com/office/drawing/2014/main" id="{D0996119-1BC5-4119-A041-5BA3799A61AA}"/>
+                  </a:ext>
+                </a:extLst>
+              </p:cNvPr>
+              <p:cNvSpPr/>
+              <p:nvPr/>
+            </p:nvSpPr>
+            <p:spPr>
+              <a:xfrm>
+                <a:off x="6995191" y="2862810"/>
+                <a:ext cx="530915" cy="246221"/>
+              </a:xfrm>
+              <a:prstGeom prst="rect">
+                <a:avLst/>
+              </a:prstGeom>
+            </p:spPr>
+            <p:txBody>
+              <a:bodyPr wrap="none">
+                <a:spAutoFit/>
+              </a:bodyPr>
+              <a:lstStyle/>
+              <a:p>
+                <a:pPr marL="0" marR="0" lvl="0" indent="0" algn="l" defTabSz="914400" rtl="0" eaLnBrk="1" fontAlgn="auto" latinLnBrk="0" hangingPunct="1">
+                  <a:lnSpc>
+                    <a:spcPct val="100000"/>
+                  </a:lnSpc>
+                  <a:spcBef>
+                    <a:spcPts val="0"/>
+                  </a:spcBef>
+                  <a:spcAft>
+                    <a:spcPts val="0"/>
+                  </a:spcAft>
+                  <a:buClrTx/>
+                  <a:buSzTx/>
+                  <a:buFontTx/>
+                  <a:buNone/>
+                  <a:tabLst/>
+                  <a:defRPr/>
+                </a:pPr>
+                <a:r>
+                  <a:rPr kumimoji="0" lang="en-US" altLang="zh-CN" sz="1000" b="0" i="0" u="none" strike="noStrike" kern="1200" cap="none" spc="0" normalizeH="0" baseline="0" noProof="0" dirty="0">
+                    <a:ln>
+                      <a:noFill/>
+                    </a:ln>
+                    <a:solidFill>
+                      <a:prstClr val="black"/>
+                    </a:solidFill>
+                    <a:effectLst/>
+                    <a:uLnTx/>
+                    <a:uFillTx/>
+                    <a:latin typeface="Times New Roman" panose="02020603050405020304" pitchFamily="18" charset="0"/>
+                    <a:ea typeface="等线" panose="02010600030101010101" pitchFamily="2" charset="-122"/>
+                    <a:cs typeface="Times New Roman" panose="02020603050405020304" pitchFamily="18" charset="0"/>
+                  </a:rPr>
+                  <a:t>lead to</a:t>
+                </a:r>
+                <a:endParaRPr kumimoji="0" lang="zh-CN" altLang="en-US" sz="1000" b="0" i="0" u="none" strike="noStrike" kern="1200" cap="none" spc="0" normalizeH="0" baseline="0" noProof="0" dirty="0">
+                  <a:ln>
+                    <a:noFill/>
+                  </a:ln>
+                  <a:solidFill>
+                    <a:prstClr val="black"/>
+                  </a:solidFill>
+                  <a:effectLst/>
+                  <a:uLnTx/>
+                  <a:uFillTx/>
+                  <a:latin typeface="Times New Roman" panose="02020603050405020304" pitchFamily="18" charset="0"/>
+                  <a:ea typeface="等线" panose="02010600030101010101" pitchFamily="2" charset="-122"/>
+                  <a:cs typeface="Times New Roman" panose="02020603050405020304" pitchFamily="18" charset="0"/>
+                </a:endParaRPr>
+              </a:p>
+            </p:txBody>
+          </p:sp>
+          <p:cxnSp>
+            <p:nvCxnSpPr>
+              <p:cNvPr id="23" name="直接箭头连接符 22">
+                <a:extLst>
+                  <a:ext uri="{FF2B5EF4-FFF2-40B4-BE49-F238E27FC236}">
+                    <a16:creationId xmlns:a16="http://schemas.microsoft.com/office/drawing/2014/main" id="{23831057-F3F6-4580-9A4D-5A130E4481FA}"/>
+                  </a:ext>
+                </a:extLst>
+              </p:cNvPr>
+              <p:cNvCxnSpPr>
+                <a:cxnSpLocks/>
+                <a:endCxn id="21" idx="1"/>
+              </p:cNvCxnSpPr>
+              <p:nvPr/>
+            </p:nvCxnSpPr>
+            <p:spPr>
+              <a:xfrm flipV="1">
+                <a:off x="5623317" y="2907608"/>
+                <a:ext cx="514073" cy="620651"/>
+              </a:xfrm>
+              <a:prstGeom prst="straightConnector1">
+                <a:avLst/>
+              </a:prstGeom>
+              <a:ln>
+                <a:solidFill>
+                  <a:schemeClr val="tx1"/>
+                </a:solidFill>
+                <a:prstDash val="solid"/>
+                <a:tailEnd type="triangle"/>
+              </a:ln>
+            </p:spPr>
+            <p:style>
+              <a:lnRef idx="1">
+                <a:schemeClr val="dk1"/>
+              </a:lnRef>
+              <a:fillRef idx="0">
+                <a:schemeClr val="dk1"/>
+              </a:fillRef>
+              <a:effectRef idx="0">
+                <a:schemeClr val="dk1"/>
+              </a:effectRef>
+              <a:fontRef idx="minor">
+                <a:schemeClr val="tx1"/>
+              </a:fontRef>
+            </p:style>
+          </p:cxnSp>
+          <p:sp>
+            <p:nvSpPr>
+              <p:cNvPr id="24" name="矩形 23">
+                <a:extLst>
+                  <a:ext uri="{FF2B5EF4-FFF2-40B4-BE49-F238E27FC236}">
+                    <a16:creationId xmlns:a16="http://schemas.microsoft.com/office/drawing/2014/main" id="{E567FC3F-18C7-43EF-8534-3F534A17F7EA}"/>
+                  </a:ext>
+                </a:extLst>
+              </p:cNvPr>
+              <p:cNvSpPr/>
+              <p:nvPr/>
+            </p:nvSpPr>
+            <p:spPr>
+              <a:xfrm>
+                <a:off x="5789514" y="3118079"/>
+                <a:ext cx="471604" cy="246221"/>
+              </a:xfrm>
+              <a:prstGeom prst="rect">
+                <a:avLst/>
+              </a:prstGeom>
+            </p:spPr>
+            <p:txBody>
+              <a:bodyPr wrap="none">
+                <a:spAutoFit/>
+              </a:bodyPr>
+              <a:lstStyle/>
+              <a:p>
+                <a:pPr marL="0" marR="0" lvl="0" indent="0" algn="l" defTabSz="914400" rtl="0" eaLnBrk="1" fontAlgn="auto" latinLnBrk="0" hangingPunct="1">
+                  <a:lnSpc>
+                    <a:spcPct val="100000"/>
+                  </a:lnSpc>
+                  <a:spcBef>
+                    <a:spcPts val="0"/>
+                  </a:spcBef>
+                  <a:spcAft>
+                    <a:spcPts val="0"/>
+                  </a:spcAft>
+                  <a:buClrTx/>
+                  <a:buSzTx/>
+                  <a:buFontTx/>
+                  <a:buNone/>
+                  <a:tabLst/>
+                  <a:defRPr/>
+                </a:pPr>
+                <a:r>
+                  <a:rPr kumimoji="0" lang="en-US" altLang="zh-CN" sz="1000" b="0" i="0" u="none" strike="noStrike" kern="1200" cap="none" spc="0" normalizeH="0" baseline="0" noProof="0" dirty="0">
+                    <a:ln>
+                      <a:noFill/>
+                    </a:ln>
+                    <a:solidFill>
+                      <a:prstClr val="black"/>
+                    </a:solidFill>
+                    <a:effectLst/>
+                    <a:uLnTx/>
+                    <a:uFillTx/>
+                    <a:latin typeface="Times New Roman" panose="02020603050405020304" pitchFamily="18" charset="0"/>
+                    <a:ea typeface="等线" panose="02010600030101010101" pitchFamily="2" charset="-122"/>
+                    <a:cs typeface="Times New Roman" panose="02020603050405020304" pitchFamily="18" charset="0"/>
+                  </a:rPr>
+                  <a:t>cause</a:t>
+                </a:r>
+                <a:endParaRPr kumimoji="0" lang="zh-CN" altLang="en-US" sz="1000" b="0" i="0" u="none" strike="noStrike" kern="1200" cap="none" spc="0" normalizeH="0" baseline="0" noProof="0" dirty="0">
+                  <a:ln>
+                    <a:noFill/>
+                  </a:ln>
+                  <a:solidFill>
+                    <a:prstClr val="black"/>
+                  </a:solidFill>
+                  <a:effectLst/>
+                  <a:uLnTx/>
+                  <a:uFillTx/>
+                  <a:latin typeface="Times New Roman" panose="02020603050405020304" pitchFamily="18" charset="0"/>
+                  <a:ea typeface="等线" panose="02010600030101010101" pitchFamily="2" charset="-122"/>
+                  <a:cs typeface="Times New Roman" panose="02020603050405020304" pitchFamily="18" charset="0"/>
+                </a:endParaRPr>
+              </a:p>
+            </p:txBody>
+          </p:sp>
+          <p:cxnSp>
+            <p:nvCxnSpPr>
+              <p:cNvPr id="25" name="直接箭头连接符 24">
+                <a:extLst>
+                  <a:ext uri="{FF2B5EF4-FFF2-40B4-BE49-F238E27FC236}">
+                    <a16:creationId xmlns:a16="http://schemas.microsoft.com/office/drawing/2014/main" id="{5E15C688-FDA8-45D0-9C6B-6C8934FAF94A}"/>
+                  </a:ext>
+                </a:extLst>
+              </p:cNvPr>
+              <p:cNvCxnSpPr>
+                <a:cxnSpLocks/>
+              </p:cNvCxnSpPr>
+              <p:nvPr/>
+            </p:nvCxnSpPr>
+            <p:spPr>
+              <a:xfrm>
+                <a:off x="5605124" y="3792962"/>
+                <a:ext cx="435268" cy="243262"/>
+              </a:xfrm>
+              <a:prstGeom prst="straightConnector1">
+                <a:avLst/>
+              </a:prstGeom>
+              <a:ln>
+                <a:tailEnd type="triangle"/>
+              </a:ln>
+            </p:spPr>
+            <p:style>
+              <a:lnRef idx="1">
+                <a:schemeClr val="dk1"/>
+              </a:lnRef>
+              <a:fillRef idx="0">
+                <a:schemeClr val="dk1"/>
+              </a:fillRef>
+              <a:effectRef idx="0">
+                <a:schemeClr val="dk1"/>
+              </a:effectRef>
+              <a:fontRef idx="minor">
+                <a:schemeClr val="tx1"/>
+              </a:fontRef>
+            </p:style>
+          </p:cxnSp>
+          <p:sp>
+            <p:nvSpPr>
+              <p:cNvPr id="26" name="矩形 25">
+                <a:extLst>
+                  <a:ext uri="{FF2B5EF4-FFF2-40B4-BE49-F238E27FC236}">
+                    <a16:creationId xmlns:a16="http://schemas.microsoft.com/office/drawing/2014/main" id="{63B23336-AB1D-4B97-91D1-425621AE568A}"/>
+                  </a:ext>
+                </a:extLst>
+              </p:cNvPr>
+              <p:cNvSpPr/>
+              <p:nvPr/>
+            </p:nvSpPr>
+            <p:spPr>
+              <a:xfrm>
+                <a:off x="5268918" y="3752098"/>
+                <a:ext cx="830677" cy="246221"/>
+              </a:xfrm>
+              <a:prstGeom prst="rect">
+                <a:avLst/>
+              </a:prstGeom>
+            </p:spPr>
+            <p:txBody>
+              <a:bodyPr wrap="none">
+                <a:spAutoFit/>
+              </a:bodyPr>
+              <a:lstStyle/>
+              <a:p>
+                <a:pPr marL="0" marR="0" lvl="0" indent="0" algn="l" defTabSz="914400" rtl="0" eaLnBrk="1" fontAlgn="auto" latinLnBrk="0" hangingPunct="1">
+                  <a:lnSpc>
+                    <a:spcPct val="100000"/>
+                  </a:lnSpc>
+                  <a:spcBef>
+                    <a:spcPts val="0"/>
+                  </a:spcBef>
+                  <a:spcAft>
+                    <a:spcPts val="0"/>
+                  </a:spcAft>
+                  <a:buClrTx/>
+                  <a:buSzTx/>
+                  <a:buFontTx/>
+                  <a:buNone/>
+                  <a:tabLst/>
+                  <a:defRPr/>
+                </a:pPr>
+                <a:r>
+                  <a:rPr kumimoji="0" lang="en-US" altLang="zh-CN" sz="1000" b="0" i="0" u="none" strike="noStrike" kern="1200" cap="none" spc="0" normalizeH="0" baseline="0" noProof="0" dirty="0">
+                    <a:ln>
+                      <a:noFill/>
+                    </a:ln>
+                    <a:solidFill>
+                      <a:prstClr val="black"/>
+                    </a:solidFill>
+                    <a:effectLst/>
+                    <a:uLnTx/>
+                    <a:uFillTx/>
+                    <a:latin typeface="Times New Roman" panose="02020603050405020304" pitchFamily="18" charset="0"/>
+                    <a:ea typeface="等线" panose="02010600030101010101" pitchFamily="2" charset="-122"/>
+                    <a:cs typeface="Times New Roman" panose="02020603050405020304" pitchFamily="18" charset="0"/>
+                  </a:rPr>
+                  <a:t>interact with</a:t>
+                </a:r>
+                <a:endParaRPr kumimoji="0" lang="zh-CN" altLang="en-US" sz="1000" b="0" i="0" u="none" strike="noStrike" kern="1200" cap="none" spc="0" normalizeH="0" baseline="0" noProof="0" dirty="0">
+                  <a:ln>
+                    <a:noFill/>
+                  </a:ln>
+                  <a:solidFill>
+                    <a:prstClr val="black"/>
+                  </a:solidFill>
+                  <a:effectLst/>
+                  <a:uLnTx/>
+                  <a:uFillTx/>
+                  <a:latin typeface="等线" panose="020F0502020204030204"/>
+                  <a:ea typeface="等线" panose="02010600030101010101" pitchFamily="2" charset="-122"/>
+                  <a:cs typeface="+mn-cs"/>
+                </a:endParaRPr>
+              </a:p>
+            </p:txBody>
+          </p:sp>
+          <p:cxnSp>
+            <p:nvCxnSpPr>
+              <p:cNvPr id="27" name="直接箭头连接符 26">
+                <a:extLst>
+                  <a:ext uri="{FF2B5EF4-FFF2-40B4-BE49-F238E27FC236}">
+                    <a16:creationId xmlns:a16="http://schemas.microsoft.com/office/drawing/2014/main" id="{FEFFA85C-185A-464C-B255-E4C87551C038}"/>
+                  </a:ext>
+                </a:extLst>
+              </p:cNvPr>
+              <p:cNvCxnSpPr>
+                <a:cxnSpLocks/>
+              </p:cNvCxnSpPr>
+              <p:nvPr/>
+            </p:nvCxnSpPr>
+            <p:spPr>
+              <a:xfrm>
+                <a:off x="4423634" y="3049946"/>
+                <a:ext cx="283764" cy="468907"/>
+              </a:xfrm>
+              <a:prstGeom prst="straightConnector1">
+                <a:avLst/>
+              </a:prstGeom>
+              <a:ln>
+                <a:solidFill>
+                  <a:srgbClr val="FF0000"/>
+                </a:solidFill>
+                <a:prstDash val="dash"/>
+                <a:tailEnd type="triangle"/>
+              </a:ln>
+            </p:spPr>
+            <p:style>
+              <a:lnRef idx="1">
+                <a:schemeClr val="dk1"/>
+              </a:lnRef>
+              <a:fillRef idx="0">
+                <a:schemeClr val="dk1"/>
+              </a:fillRef>
+              <a:effectRef idx="0">
+                <a:schemeClr val="dk1"/>
+              </a:effectRef>
+              <a:fontRef idx="minor">
+                <a:schemeClr val="tx1"/>
+              </a:fontRef>
+            </p:style>
+          </p:cxnSp>
+          <p:sp>
+            <p:nvSpPr>
+              <p:cNvPr id="28" name="矩形 27">
+                <a:extLst>
+                  <a:ext uri="{FF2B5EF4-FFF2-40B4-BE49-F238E27FC236}">
+                    <a16:creationId xmlns:a16="http://schemas.microsoft.com/office/drawing/2014/main" id="{F903959A-217E-4CDA-85D0-7DF5F4824C3D}"/>
+                  </a:ext>
+                </a:extLst>
+              </p:cNvPr>
+              <p:cNvSpPr/>
+              <p:nvPr/>
+            </p:nvSpPr>
+            <p:spPr>
+              <a:xfrm>
+                <a:off x="4413958" y="3044280"/>
+                <a:ext cx="479618" cy="246221"/>
+              </a:xfrm>
+              <a:prstGeom prst="rect">
+                <a:avLst/>
+              </a:prstGeom>
+            </p:spPr>
+            <p:txBody>
+              <a:bodyPr wrap="none">
+                <a:spAutoFit/>
+              </a:bodyPr>
+              <a:lstStyle/>
+              <a:p>
+                <a:pPr marL="0" marR="0" lvl="0" indent="0" algn="l" defTabSz="914400" rtl="0" eaLnBrk="1" fontAlgn="auto" latinLnBrk="0" hangingPunct="1">
+                  <a:lnSpc>
+                    <a:spcPct val="100000"/>
+                  </a:lnSpc>
+                  <a:spcBef>
+                    <a:spcPts val="0"/>
+                  </a:spcBef>
+                  <a:spcAft>
+                    <a:spcPts val="0"/>
+                  </a:spcAft>
+                  <a:buClrTx/>
+                  <a:buSzTx/>
+                  <a:buFontTx/>
+                  <a:buNone/>
+                  <a:tabLst/>
+                  <a:defRPr/>
+                </a:pPr>
+                <a:r>
+                  <a:rPr kumimoji="0" lang="en-US" altLang="zh-CN" sz="1000" b="0" i="0" u="none" strike="noStrike" kern="1200" cap="none" spc="0" normalizeH="0" baseline="0" noProof="0" dirty="0">
+                    <a:ln>
+                      <a:noFill/>
+                    </a:ln>
+                    <a:solidFill>
+                      <a:prstClr val="black"/>
+                    </a:solidFill>
+                    <a:effectLst/>
+                    <a:uLnTx/>
+                    <a:uFillTx/>
+                    <a:latin typeface="Times New Roman" panose="02020603050405020304" pitchFamily="18" charset="0"/>
+                    <a:ea typeface="等线" panose="02010600030101010101" pitchFamily="2" charset="-122"/>
+                    <a:cs typeface="Times New Roman" panose="02020603050405020304" pitchFamily="18" charset="0"/>
+                  </a:rPr>
+                  <a:t>effect</a:t>
+                </a:r>
+                <a:endParaRPr kumimoji="0" lang="zh-CN" altLang="en-US" sz="1000" b="0" i="0" u="none" strike="noStrike" kern="1200" cap="none" spc="0" normalizeH="0" baseline="0" noProof="0" dirty="0">
+                  <a:ln>
+                    <a:noFill/>
+                  </a:ln>
+                  <a:solidFill>
+                    <a:prstClr val="black"/>
+                  </a:solidFill>
+                  <a:effectLst/>
+                  <a:uLnTx/>
+                  <a:uFillTx/>
+                  <a:latin typeface="Times New Roman" panose="02020603050405020304" pitchFamily="18" charset="0"/>
+                  <a:ea typeface="等线" panose="02010600030101010101" pitchFamily="2" charset="-122"/>
+                  <a:cs typeface="Times New Roman" panose="02020603050405020304" pitchFamily="18" charset="0"/>
+                </a:endParaRPr>
+              </a:p>
+            </p:txBody>
+          </p:sp>
+          <p:cxnSp>
+            <p:nvCxnSpPr>
+              <p:cNvPr id="29" name="直接箭头连接符 28">
+                <a:extLst>
+                  <a:ext uri="{FF2B5EF4-FFF2-40B4-BE49-F238E27FC236}">
+                    <a16:creationId xmlns:a16="http://schemas.microsoft.com/office/drawing/2014/main" id="{12950B17-9F3F-41EB-A86B-594321BB25CF}"/>
+                  </a:ext>
+                </a:extLst>
+              </p:cNvPr>
+              <p:cNvCxnSpPr>
+                <a:cxnSpLocks/>
+                <a:endCxn id="6" idx="0"/>
+              </p:cNvCxnSpPr>
+              <p:nvPr/>
+            </p:nvCxnSpPr>
+            <p:spPr>
+              <a:xfrm>
+                <a:off x="4040971" y="3049946"/>
+                <a:ext cx="4443" cy="986278"/>
+              </a:xfrm>
+              <a:prstGeom prst="straightConnector1">
+                <a:avLst/>
+              </a:prstGeom>
+              <a:ln>
+                <a:tailEnd type="triangle"/>
+              </a:ln>
+            </p:spPr>
+            <p:style>
+              <a:lnRef idx="1">
+                <a:schemeClr val="dk1"/>
+              </a:lnRef>
+              <a:fillRef idx="0">
+                <a:schemeClr val="dk1"/>
+              </a:fillRef>
+              <a:effectRef idx="0">
+                <a:schemeClr val="dk1"/>
+              </a:effectRef>
+              <a:fontRef idx="minor">
+                <a:schemeClr val="tx1"/>
+              </a:fontRef>
+            </p:style>
+          </p:cxnSp>
+          <p:sp>
+            <p:nvSpPr>
+              <p:cNvPr id="30" name="矩形 29">
+                <a:extLst>
+                  <a:ext uri="{FF2B5EF4-FFF2-40B4-BE49-F238E27FC236}">
+                    <a16:creationId xmlns:a16="http://schemas.microsoft.com/office/drawing/2014/main" id="{BD813802-861B-48FE-882E-443E22C684AC}"/>
+                  </a:ext>
+                </a:extLst>
+              </p:cNvPr>
+              <p:cNvSpPr/>
+              <p:nvPr/>
+            </p:nvSpPr>
+            <p:spPr>
+              <a:xfrm>
+                <a:off x="3590594" y="3737967"/>
+                <a:ext cx="478016" cy="246221"/>
+              </a:xfrm>
+              <a:prstGeom prst="rect">
+                <a:avLst/>
+              </a:prstGeom>
+            </p:spPr>
+            <p:txBody>
+              <a:bodyPr wrap="none">
+                <a:spAutoFit/>
+              </a:bodyPr>
+              <a:lstStyle/>
+              <a:p>
+                <a:pPr marL="0" marR="0" lvl="0" indent="0" algn="l" defTabSz="914400" rtl="0" eaLnBrk="1" fontAlgn="auto" latinLnBrk="0" hangingPunct="1">
+                  <a:lnSpc>
+                    <a:spcPct val="100000"/>
+                  </a:lnSpc>
+                  <a:spcBef>
+                    <a:spcPts val="0"/>
+                  </a:spcBef>
+                  <a:spcAft>
+                    <a:spcPts val="0"/>
+                  </a:spcAft>
+                  <a:buClrTx/>
+                  <a:buSzTx/>
+                  <a:buFontTx/>
+                  <a:buNone/>
+                  <a:tabLst/>
+                  <a:defRPr/>
+                </a:pPr>
+                <a:r>
+                  <a:rPr kumimoji="0" lang="en-US" altLang="zh-CN" sz="1000" b="0" i="0" u="none" strike="noStrike" kern="1200" cap="none" spc="0" normalizeH="0" baseline="0" noProof="0" dirty="0">
+                    <a:ln>
+                      <a:noFill/>
+                    </a:ln>
+                    <a:solidFill>
+                      <a:prstClr val="black"/>
+                    </a:solidFill>
+                    <a:effectLst/>
+                    <a:uLnTx/>
+                    <a:uFillTx/>
+                    <a:latin typeface="Times New Roman" panose="02020603050405020304" pitchFamily="18" charset="0"/>
+                    <a:ea typeface="等线" panose="02010600030101010101" pitchFamily="2" charset="-122"/>
+                    <a:cs typeface="Times New Roman" panose="02020603050405020304" pitchFamily="18" charset="0"/>
+                  </a:rPr>
+                  <a:t>target</a:t>
+                </a:r>
+                <a:endParaRPr kumimoji="0" lang="zh-CN" altLang="en-US" sz="1000" b="0" i="0" u="none" strike="noStrike" kern="1200" cap="none" spc="0" normalizeH="0" baseline="0" noProof="0" dirty="0">
+                  <a:ln>
+                    <a:noFill/>
+                  </a:ln>
+                  <a:solidFill>
+                    <a:prstClr val="black"/>
+                  </a:solidFill>
+                  <a:effectLst/>
+                  <a:uLnTx/>
+                  <a:uFillTx/>
+                  <a:latin typeface="Times New Roman" panose="02020603050405020304" pitchFamily="18" charset="0"/>
+                  <a:ea typeface="等线" panose="02010600030101010101" pitchFamily="2" charset="-122"/>
+                  <a:cs typeface="Times New Roman" panose="02020603050405020304" pitchFamily="18" charset="0"/>
+                </a:endParaRPr>
+              </a:p>
+            </p:txBody>
+          </p:sp>
+          <p:cxnSp>
+            <p:nvCxnSpPr>
+              <p:cNvPr id="31" name="直接箭头连接符 30">
+                <a:extLst>
+                  <a:ext uri="{FF2B5EF4-FFF2-40B4-BE49-F238E27FC236}">
+                    <a16:creationId xmlns:a16="http://schemas.microsoft.com/office/drawing/2014/main" id="{6AADE416-3446-43D6-8367-E3A413944D87}"/>
+                  </a:ext>
+                </a:extLst>
+              </p:cNvPr>
+              <p:cNvCxnSpPr>
+                <a:cxnSpLocks/>
+                <a:stCxn id="7" idx="2"/>
+                <a:endCxn id="5" idx="0"/>
+              </p:cNvCxnSpPr>
+              <p:nvPr/>
+            </p:nvCxnSpPr>
+            <p:spPr>
+              <a:xfrm>
+                <a:off x="6432701" y="4323355"/>
+                <a:ext cx="11006" cy="469400"/>
+              </a:xfrm>
+              <a:prstGeom prst="straightConnector1">
+                <a:avLst/>
+              </a:prstGeom>
+              <a:ln>
+                <a:tailEnd type="triangle"/>
+              </a:ln>
+            </p:spPr>
+            <p:style>
+              <a:lnRef idx="1">
+                <a:schemeClr val="dk1"/>
+              </a:lnRef>
+              <a:fillRef idx="0">
+                <a:schemeClr val="dk1"/>
+              </a:fillRef>
+              <a:effectRef idx="0">
+                <a:schemeClr val="dk1"/>
+              </a:effectRef>
+              <a:fontRef idx="minor">
+                <a:schemeClr val="tx1"/>
+              </a:fontRef>
+            </p:style>
+          </p:cxnSp>
+          <p:sp>
+            <p:nvSpPr>
+              <p:cNvPr id="32" name="矩形 31">
+                <a:extLst>
+                  <a:ext uri="{FF2B5EF4-FFF2-40B4-BE49-F238E27FC236}">
+                    <a16:creationId xmlns:a16="http://schemas.microsoft.com/office/drawing/2014/main" id="{1EC59082-9F71-4E11-919C-3B0352A681A4}"/>
+                  </a:ext>
+                </a:extLst>
+              </p:cNvPr>
+              <p:cNvSpPr/>
+              <p:nvPr/>
+            </p:nvSpPr>
+            <p:spPr>
+              <a:xfrm>
+                <a:off x="6407806" y="4414811"/>
+                <a:ext cx="514885" cy="246221"/>
+              </a:xfrm>
+              <a:prstGeom prst="rect">
+                <a:avLst/>
+              </a:prstGeom>
+            </p:spPr>
+            <p:txBody>
+              <a:bodyPr wrap="none">
+                <a:spAutoFit/>
+              </a:bodyPr>
+              <a:lstStyle/>
+              <a:p>
+                <a:pPr marL="0" marR="0" lvl="0" indent="0" algn="l" defTabSz="914400" rtl="0" eaLnBrk="1" fontAlgn="auto" latinLnBrk="0" hangingPunct="1">
+                  <a:lnSpc>
+                    <a:spcPct val="100000"/>
+                  </a:lnSpc>
+                  <a:spcBef>
+                    <a:spcPts val="0"/>
+                  </a:spcBef>
+                  <a:spcAft>
+                    <a:spcPts val="0"/>
+                  </a:spcAft>
+                  <a:buClrTx/>
+                  <a:buSzTx/>
+                  <a:buFontTx/>
+                  <a:buNone/>
+                  <a:tabLst/>
+                  <a:defRPr/>
+                </a:pPr>
+                <a:r>
+                  <a:rPr kumimoji="0" lang="en-US" altLang="zh-CN" sz="1000" b="0" i="0" u="none" strike="noStrike" kern="1200" cap="none" spc="0" normalizeH="0" baseline="0" noProof="0" dirty="0">
+                    <a:ln>
+                      <a:noFill/>
+                    </a:ln>
+                    <a:solidFill>
+                      <a:prstClr val="black"/>
+                    </a:solidFill>
+                    <a:effectLst/>
+                    <a:uLnTx/>
+                    <a:uFillTx/>
+                    <a:latin typeface="Times New Roman" panose="02020603050405020304" pitchFamily="18" charset="0"/>
+                    <a:ea typeface="等线" panose="02010600030101010101" pitchFamily="2" charset="-122"/>
+                    <a:cs typeface="Times New Roman" panose="02020603050405020304" pitchFamily="18" charset="0"/>
+                  </a:rPr>
+                  <a:t>host is</a:t>
+                </a:r>
+                <a:endParaRPr kumimoji="0" lang="zh-CN" altLang="en-US" sz="1000" b="0" i="0" u="none" strike="noStrike" kern="1200" cap="none" spc="0" normalizeH="0" baseline="0" noProof="0" dirty="0">
+                  <a:ln>
+                    <a:noFill/>
+                  </a:ln>
+                  <a:solidFill>
+                    <a:prstClr val="black"/>
+                  </a:solidFill>
+                  <a:effectLst/>
+                  <a:uLnTx/>
+                  <a:uFillTx/>
+                  <a:latin typeface="等线" panose="020F0502020204030204"/>
+                  <a:ea typeface="等线" panose="02010600030101010101" pitchFamily="2" charset="-122"/>
+                  <a:cs typeface="+mn-cs"/>
+                </a:endParaRPr>
+              </a:p>
+            </p:txBody>
+          </p:sp>
+          <p:sp>
+            <p:nvSpPr>
+              <p:cNvPr id="2" name="椭圆 1">
+                <a:extLst>
+                  <a:ext uri="{FF2B5EF4-FFF2-40B4-BE49-F238E27FC236}">
+                    <a16:creationId xmlns:a16="http://schemas.microsoft.com/office/drawing/2014/main" id="{FEEA4D95-7BDA-4F96-96EA-688FBEA7913C}"/>
+                  </a:ext>
+                </a:extLst>
+              </p:cNvPr>
+              <p:cNvSpPr/>
+              <p:nvPr/>
+            </p:nvSpPr>
+            <p:spPr>
+              <a:xfrm>
+                <a:off x="3731439" y="4743582"/>
+                <a:ext cx="141163" cy="141163"/>
+              </a:xfrm>
+              <a:prstGeom prst="ellipse">
+                <a:avLst/>
+              </a:prstGeom>
+              <a:solidFill>
+                <a:srgbClr val="92D050"/>
+              </a:solidFill>
+            </p:spPr>
+            <p:style>
+              <a:lnRef idx="2">
+                <a:schemeClr val="accent1">
+                  <a:shade val="50000"/>
+                </a:schemeClr>
+              </a:lnRef>
+              <a:fillRef idx="1">
+                <a:schemeClr val="accent1"/>
+              </a:fillRef>
+              <a:effectRef idx="0">
+                <a:schemeClr val="accent1"/>
+              </a:effectRef>
+              <a:fontRef idx="minor">
+                <a:schemeClr val="lt1"/>
+              </a:fontRef>
+            </p:style>
+            <p:txBody>
+              <a:bodyPr rtlCol="0" anchor="ctr"/>
+              <a:lstStyle/>
+              <a:p>
+                <a:pPr marL="0" marR="0" lvl="0" indent="0" algn="ctr" defTabSz="914400" rtl="0" eaLnBrk="1" fontAlgn="auto" latinLnBrk="0" hangingPunct="1">
+                  <a:lnSpc>
+                    <a:spcPct val="100000"/>
+                  </a:lnSpc>
+                  <a:spcBef>
+                    <a:spcPts val="0"/>
+                  </a:spcBef>
+                  <a:spcAft>
+                    <a:spcPts val="0"/>
+                  </a:spcAft>
+                  <a:buClrTx/>
+                  <a:buSzTx/>
+                  <a:buFontTx/>
+                  <a:buNone/>
+                  <a:tabLst/>
+                  <a:defRPr/>
+                </a:pPr>
+                <a:endParaRPr kumimoji="0" lang="zh-CN" altLang="en-US" sz="1800" b="0" i="0" u="none" strike="noStrike" kern="1200" cap="none" spc="0" normalizeH="0" baseline="0" noProof="0">
+                  <a:ln>
+                    <a:noFill/>
+                  </a:ln>
+                  <a:solidFill>
+                    <a:prstClr val="white"/>
+                  </a:solidFill>
+                  <a:effectLst/>
+                  <a:uLnTx/>
+                  <a:uFillTx/>
+                  <a:latin typeface="等线" panose="020F0502020204030204"/>
+                  <a:ea typeface="等线" panose="02010600030101010101" pitchFamily="2" charset="-122"/>
+                  <a:cs typeface="+mn-cs"/>
+                </a:endParaRPr>
+              </a:p>
+            </p:txBody>
+          </p:sp>
+          <p:sp>
+            <p:nvSpPr>
+              <p:cNvPr id="3" name="等腰三角形 2">
+                <a:extLst>
+                  <a:ext uri="{FF2B5EF4-FFF2-40B4-BE49-F238E27FC236}">
+                    <a16:creationId xmlns:a16="http://schemas.microsoft.com/office/drawing/2014/main" id="{355DCD43-9690-4C42-8708-E6CF08AC7489}"/>
+                  </a:ext>
+                </a:extLst>
+              </p:cNvPr>
+              <p:cNvSpPr/>
+              <p:nvPr/>
+            </p:nvSpPr>
+            <p:spPr>
+              <a:xfrm>
+                <a:off x="3723303" y="4948090"/>
+                <a:ext cx="163749" cy="141163"/>
+              </a:xfrm>
+              <a:prstGeom prst="triangle">
+                <a:avLst/>
+              </a:prstGeom>
+            </p:spPr>
+            <p:style>
+              <a:lnRef idx="2">
+                <a:schemeClr val="accent1">
+                  <a:shade val="50000"/>
+                </a:schemeClr>
+              </a:lnRef>
+              <a:fillRef idx="1">
+                <a:schemeClr val="accent1"/>
+              </a:fillRef>
+              <a:effectRef idx="0">
+                <a:schemeClr val="accent1"/>
+              </a:effectRef>
+              <a:fontRef idx="minor">
+                <a:schemeClr val="lt1"/>
+              </a:fontRef>
+            </p:style>
+            <p:txBody>
+              <a:bodyPr rtlCol="0" anchor="ctr"/>
+              <a:lstStyle/>
+              <a:p>
+                <a:pPr marL="0" marR="0" lvl="0" indent="0" algn="ctr" defTabSz="914400" rtl="0" eaLnBrk="1" fontAlgn="auto" latinLnBrk="0" hangingPunct="1">
+                  <a:lnSpc>
+                    <a:spcPct val="100000"/>
+                  </a:lnSpc>
+                  <a:spcBef>
+                    <a:spcPts val="0"/>
+                  </a:spcBef>
+                  <a:spcAft>
+                    <a:spcPts val="0"/>
+                  </a:spcAft>
+                  <a:buClrTx/>
+                  <a:buSzTx/>
+                  <a:buFontTx/>
+                  <a:buNone/>
+                  <a:tabLst/>
+                  <a:defRPr/>
+                </a:pPr>
+                <a:endParaRPr kumimoji="0" lang="zh-CN" altLang="en-US" sz="1800" b="0" i="0" u="none" strike="noStrike" kern="1200" cap="none" spc="0" normalizeH="0" baseline="0" noProof="0">
+                  <a:ln>
+                    <a:noFill/>
+                  </a:ln>
+                  <a:solidFill>
+                    <a:prstClr val="white"/>
+                  </a:solidFill>
+                  <a:effectLst/>
+                  <a:uLnTx/>
+                  <a:uFillTx/>
+                  <a:latin typeface="等线" panose="020F0502020204030204"/>
+                  <a:ea typeface="等线" panose="02010600030101010101" pitchFamily="2" charset="-122"/>
+                  <a:cs typeface="+mn-cs"/>
+                </a:endParaRPr>
+              </a:p>
+            </p:txBody>
+          </p:sp>
+          <p:sp>
+            <p:nvSpPr>
+              <p:cNvPr id="33" name="矩形 32">
+                <a:extLst>
+                  <a:ext uri="{FF2B5EF4-FFF2-40B4-BE49-F238E27FC236}">
+                    <a16:creationId xmlns:a16="http://schemas.microsoft.com/office/drawing/2014/main" id="{BF970DE4-E464-4549-BE27-4CB41F1C350D}"/>
+                  </a:ext>
+                </a:extLst>
+              </p:cNvPr>
+              <p:cNvSpPr/>
+              <p:nvPr/>
+            </p:nvSpPr>
+            <p:spPr>
+              <a:xfrm>
+                <a:off x="3731439" y="5175261"/>
+                <a:ext cx="141163" cy="141163"/>
+              </a:xfrm>
+              <a:prstGeom prst="rect">
+                <a:avLst/>
+              </a:prstGeom>
+              <a:solidFill>
+                <a:srgbClr val="FFC000"/>
+              </a:solidFill>
+            </p:spPr>
+            <p:style>
+              <a:lnRef idx="2">
+                <a:schemeClr val="accent1">
+                  <a:shade val="50000"/>
+                </a:schemeClr>
+              </a:lnRef>
+              <a:fillRef idx="1">
+                <a:schemeClr val="accent1"/>
+              </a:fillRef>
+              <a:effectRef idx="0">
+                <a:schemeClr val="accent1"/>
+              </a:effectRef>
+              <a:fontRef idx="minor">
+                <a:schemeClr val="lt1"/>
+              </a:fontRef>
+            </p:style>
+            <p:txBody>
+              <a:bodyPr rtlCol="0" anchor="ctr"/>
+              <a:lstStyle/>
+              <a:p>
+                <a:pPr marL="0" marR="0" lvl="0" indent="0" algn="ctr" defTabSz="914400" rtl="0" eaLnBrk="1" fontAlgn="auto" latinLnBrk="0" hangingPunct="1">
+                  <a:lnSpc>
+                    <a:spcPct val="100000"/>
+                  </a:lnSpc>
+                  <a:spcBef>
+                    <a:spcPts val="0"/>
+                  </a:spcBef>
+                  <a:spcAft>
+                    <a:spcPts val="0"/>
+                  </a:spcAft>
+                  <a:buClrTx/>
+                  <a:buSzTx/>
+                  <a:buFontTx/>
+                  <a:buNone/>
+                  <a:tabLst/>
+                  <a:defRPr/>
+                </a:pPr>
+                <a:endParaRPr kumimoji="0" lang="zh-CN" altLang="en-US" sz="1800" b="0" i="0" u="none" strike="noStrike" kern="1200" cap="none" spc="0" normalizeH="0" baseline="0" noProof="0">
+                  <a:ln>
+                    <a:noFill/>
+                  </a:ln>
+                  <a:solidFill>
+                    <a:prstClr val="white"/>
+                  </a:solidFill>
+                  <a:effectLst/>
+                  <a:uLnTx/>
+                  <a:uFillTx/>
+                  <a:latin typeface="等线" panose="020F0502020204030204"/>
+                  <a:ea typeface="等线" panose="02010600030101010101" pitchFamily="2" charset="-122"/>
+                  <a:cs typeface="+mn-cs"/>
+                </a:endParaRPr>
+              </a:p>
+            </p:txBody>
+          </p:sp>
+          <p:sp>
+            <p:nvSpPr>
+              <p:cNvPr id="34" name="矩形 33">
+                <a:extLst>
+                  <a:ext uri="{FF2B5EF4-FFF2-40B4-BE49-F238E27FC236}">
+                    <a16:creationId xmlns:a16="http://schemas.microsoft.com/office/drawing/2014/main" id="{33F1E45B-C030-4923-8F57-E938ADE28754}"/>
+                  </a:ext>
+                </a:extLst>
+              </p:cNvPr>
+              <p:cNvSpPr/>
+              <p:nvPr/>
+            </p:nvSpPr>
+            <p:spPr>
+              <a:xfrm>
+                <a:off x="3994093" y="4691052"/>
+                <a:ext cx="649537" cy="246221"/>
+              </a:xfrm>
+              <a:prstGeom prst="rect">
+                <a:avLst/>
+              </a:prstGeom>
+            </p:spPr>
+            <p:txBody>
+              <a:bodyPr wrap="none">
+                <a:spAutoFit/>
+              </a:bodyPr>
+              <a:lstStyle/>
+              <a:p>
+                <a:pPr marL="0" marR="0" lvl="0" indent="0" algn="l" defTabSz="914400" rtl="0" eaLnBrk="1" fontAlgn="auto" latinLnBrk="0" hangingPunct="1">
+                  <a:lnSpc>
+                    <a:spcPct val="100000"/>
+                  </a:lnSpc>
+                  <a:spcBef>
+                    <a:spcPts val="0"/>
+                  </a:spcBef>
+                  <a:spcAft>
+                    <a:spcPts val="0"/>
+                  </a:spcAft>
+                  <a:buClrTx/>
+                  <a:buSzTx/>
+                  <a:buFontTx/>
+                  <a:buNone/>
+                  <a:tabLst/>
+                  <a:defRPr/>
+                </a:pPr>
+                <a:r>
+                  <a:rPr kumimoji="0" lang="en-US" altLang="zh-CN" sz="1000" b="0" i="0" u="none" strike="noStrike" kern="1200" cap="none" spc="0" normalizeH="0" baseline="0" noProof="0" dirty="0" err="1">
+                    <a:ln>
+                      <a:noFill/>
+                    </a:ln>
+                    <a:solidFill>
+                      <a:prstClr val="black"/>
+                    </a:solidFill>
+                    <a:effectLst/>
+                    <a:uLnTx/>
+                    <a:uFillTx/>
+                    <a:latin typeface="Times New Roman" panose="02020603050405020304" pitchFamily="18" charset="0"/>
+                    <a:ea typeface="等线" panose="02010600030101010101" pitchFamily="2" charset="-122"/>
+                    <a:cs typeface="Times New Roman" panose="02020603050405020304" pitchFamily="18" charset="0"/>
+                  </a:rPr>
+                  <a:t>OpenKG</a:t>
+                </a:r>
+                <a:endParaRPr kumimoji="0" lang="zh-CN" altLang="en-US" sz="1000" b="0" i="0" u="none" strike="noStrike" kern="1200" cap="none" spc="0" normalizeH="0" baseline="0" noProof="0" dirty="0">
+                  <a:ln>
+                    <a:noFill/>
+                  </a:ln>
+                  <a:solidFill>
+                    <a:prstClr val="black"/>
+                  </a:solidFill>
+                  <a:effectLst/>
+                  <a:uLnTx/>
+                  <a:uFillTx/>
+                  <a:latin typeface="等线" panose="020F0502020204030204"/>
+                  <a:ea typeface="等线" panose="02010600030101010101" pitchFamily="2" charset="-122"/>
+                  <a:cs typeface="+mn-cs"/>
+                </a:endParaRPr>
+              </a:p>
+            </p:txBody>
+          </p:sp>
+          <p:sp>
+            <p:nvSpPr>
+              <p:cNvPr id="35" name="矩形 34">
+                <a:extLst>
+                  <a:ext uri="{FF2B5EF4-FFF2-40B4-BE49-F238E27FC236}">
+                    <a16:creationId xmlns:a16="http://schemas.microsoft.com/office/drawing/2014/main" id="{1459B9F0-9F43-4B1B-9FF5-23B6DF46C876}"/>
+                  </a:ext>
+                </a:extLst>
+              </p:cNvPr>
+              <p:cNvSpPr/>
+              <p:nvPr/>
+            </p:nvSpPr>
+            <p:spPr>
+              <a:xfrm>
+                <a:off x="3994092" y="4895560"/>
+                <a:ext cx="699230" cy="246221"/>
+              </a:xfrm>
+              <a:prstGeom prst="rect">
+                <a:avLst/>
+              </a:prstGeom>
+            </p:spPr>
+            <p:txBody>
+              <a:bodyPr wrap="none">
+                <a:spAutoFit/>
+              </a:bodyPr>
+              <a:lstStyle/>
+              <a:p>
+                <a:pPr marL="0" marR="0" lvl="0" indent="0" algn="l" defTabSz="914400" rtl="0" eaLnBrk="1" fontAlgn="auto" latinLnBrk="0" hangingPunct="1">
+                  <a:lnSpc>
+                    <a:spcPct val="100000"/>
+                  </a:lnSpc>
+                  <a:spcBef>
+                    <a:spcPts val="0"/>
+                  </a:spcBef>
+                  <a:spcAft>
+                    <a:spcPts val="0"/>
+                  </a:spcAft>
+                  <a:buClrTx/>
+                  <a:buSzTx/>
+                  <a:buFontTx/>
+                  <a:buNone/>
+                  <a:tabLst/>
+                  <a:defRPr/>
+                </a:pPr>
+                <a:r>
+                  <a:rPr kumimoji="0" lang="en-US" altLang="zh-CN" sz="1000" b="0" i="0" u="none" strike="noStrike" kern="1200" cap="none" spc="0" normalizeH="0" baseline="0" noProof="0" dirty="0">
+                    <a:ln>
+                      <a:noFill/>
+                    </a:ln>
+                    <a:solidFill>
+                      <a:prstClr val="black"/>
+                    </a:solidFill>
+                    <a:effectLst/>
+                    <a:uLnTx/>
+                    <a:uFillTx/>
+                    <a:latin typeface="Times New Roman" panose="02020603050405020304" pitchFamily="18" charset="0"/>
+                    <a:ea typeface="等线" panose="02010600030101010101" pitchFamily="2" charset="-122"/>
+                    <a:cs typeface="Times New Roman" panose="02020603050405020304" pitchFamily="18" charset="0"/>
+                  </a:rPr>
+                  <a:t>Literature</a:t>
+                </a:r>
+                <a:endParaRPr kumimoji="0" lang="zh-CN" altLang="en-US" sz="1000" b="0" i="0" u="none" strike="noStrike" kern="1200" cap="none" spc="0" normalizeH="0" baseline="0" noProof="0" dirty="0">
+                  <a:ln>
+                    <a:noFill/>
+                  </a:ln>
+                  <a:solidFill>
+                    <a:prstClr val="black"/>
+                  </a:solidFill>
+                  <a:effectLst/>
+                  <a:uLnTx/>
+                  <a:uFillTx/>
+                  <a:latin typeface="等线" panose="020F0502020204030204"/>
+                  <a:ea typeface="等线" panose="02010600030101010101" pitchFamily="2" charset="-122"/>
+                  <a:cs typeface="+mn-cs"/>
+                </a:endParaRPr>
+              </a:p>
+            </p:txBody>
+          </p:sp>
+          <p:sp>
+            <p:nvSpPr>
+              <p:cNvPr id="36" name="矩形 35">
+                <a:extLst>
+                  <a:ext uri="{FF2B5EF4-FFF2-40B4-BE49-F238E27FC236}">
+                    <a16:creationId xmlns:a16="http://schemas.microsoft.com/office/drawing/2014/main" id="{55F73250-F9A3-4AA2-9175-917A62215637}"/>
+                  </a:ext>
+                </a:extLst>
+              </p:cNvPr>
+              <p:cNvSpPr/>
+              <p:nvPr/>
+            </p:nvSpPr>
+            <p:spPr>
+              <a:xfrm>
+                <a:off x="3964640" y="5122731"/>
+                <a:ext cx="1212191" cy="246221"/>
+              </a:xfrm>
+              <a:prstGeom prst="rect">
+                <a:avLst/>
+              </a:prstGeom>
+            </p:spPr>
+            <p:txBody>
+              <a:bodyPr wrap="none">
+                <a:spAutoFit/>
+              </a:bodyPr>
+              <a:lstStyle/>
+              <a:p>
+                <a:pPr marL="0" marR="0" lvl="0" indent="0" algn="l" defTabSz="914400" rtl="0" eaLnBrk="1" fontAlgn="auto" latinLnBrk="0" hangingPunct="1">
+                  <a:lnSpc>
+                    <a:spcPct val="100000"/>
+                  </a:lnSpc>
+                  <a:spcBef>
+                    <a:spcPts val="0"/>
+                  </a:spcBef>
+                  <a:spcAft>
+                    <a:spcPts val="0"/>
+                  </a:spcAft>
+                  <a:buClrTx/>
+                  <a:buSzTx/>
+                  <a:buFontTx/>
+                  <a:buNone/>
+                  <a:tabLst/>
+                  <a:defRPr/>
+                </a:pPr>
+                <a:r>
+                  <a:rPr kumimoji="0" lang="en-US" altLang="zh-CN" sz="1000" b="0" i="0" u="none" strike="noStrike" kern="1200" cap="none" spc="0" normalizeH="0" baseline="0" noProof="0" dirty="0">
+                    <a:ln>
+                      <a:noFill/>
+                    </a:ln>
+                    <a:solidFill>
+                      <a:prstClr val="black"/>
+                    </a:solidFill>
+                    <a:effectLst/>
+                    <a:uLnTx/>
+                    <a:uFillTx/>
+                    <a:latin typeface="Times New Roman" panose="02020603050405020304" pitchFamily="18" charset="0"/>
+                    <a:ea typeface="等线" panose="02010600030101010101" pitchFamily="2" charset="-122"/>
+                    <a:cs typeface="Times New Roman" panose="02020603050405020304" pitchFamily="18" charset="0"/>
+                  </a:rPr>
+                  <a:t>HPO/NCBI records</a:t>
+                </a:r>
+                <a:endParaRPr kumimoji="0" lang="zh-CN" altLang="en-US" sz="1000" b="0" i="0" u="none" strike="noStrike" kern="1200" cap="none" spc="0" normalizeH="0" baseline="0" noProof="0" dirty="0">
+                  <a:ln>
+                    <a:noFill/>
+                  </a:ln>
+                  <a:solidFill>
+                    <a:prstClr val="black"/>
+                  </a:solidFill>
+                  <a:effectLst/>
+                  <a:uLnTx/>
+                  <a:uFillTx/>
+                  <a:latin typeface="Times New Roman" panose="02020603050405020304" pitchFamily="18" charset="0"/>
+                  <a:ea typeface="等线" panose="02010600030101010101" pitchFamily="2" charset="-122"/>
+                  <a:cs typeface="Times New Roman" panose="02020603050405020304" pitchFamily="18" charset="0"/>
+                </a:endParaRPr>
+              </a:p>
+            </p:txBody>
+          </p:sp>
+          <p:sp>
+            <p:nvSpPr>
+              <p:cNvPr id="37" name="椭圆 36">
+                <a:extLst>
+                  <a:ext uri="{FF2B5EF4-FFF2-40B4-BE49-F238E27FC236}">
+                    <a16:creationId xmlns:a16="http://schemas.microsoft.com/office/drawing/2014/main" id="{85A921D1-E390-430C-BF50-16105B29612D}"/>
+                  </a:ext>
+                </a:extLst>
+              </p:cNvPr>
+              <p:cNvSpPr/>
+              <p:nvPr/>
+            </p:nvSpPr>
+            <p:spPr>
+              <a:xfrm>
+                <a:off x="4323310" y="3173899"/>
+                <a:ext cx="141163" cy="141163"/>
+              </a:xfrm>
+              <a:prstGeom prst="ellipse">
+                <a:avLst/>
+              </a:prstGeom>
+              <a:solidFill>
+                <a:srgbClr val="92D050"/>
+              </a:solidFill>
+            </p:spPr>
+            <p:style>
+              <a:lnRef idx="2">
+                <a:schemeClr val="accent1">
+                  <a:shade val="50000"/>
+                </a:schemeClr>
+              </a:lnRef>
+              <a:fillRef idx="1">
+                <a:schemeClr val="accent1"/>
+              </a:fillRef>
+              <a:effectRef idx="0">
+                <a:schemeClr val="accent1"/>
+              </a:effectRef>
+              <a:fontRef idx="minor">
+                <a:schemeClr val="lt1"/>
+              </a:fontRef>
+            </p:style>
+            <p:txBody>
+              <a:bodyPr rtlCol="0" anchor="ctr"/>
+              <a:lstStyle/>
+              <a:p>
+                <a:pPr marL="0" marR="0" lvl="0" indent="0" algn="ctr" defTabSz="914400" rtl="0" eaLnBrk="1" fontAlgn="auto" latinLnBrk="0" hangingPunct="1">
+                  <a:lnSpc>
+                    <a:spcPct val="100000"/>
+                  </a:lnSpc>
+                  <a:spcBef>
+                    <a:spcPts val="0"/>
+                  </a:spcBef>
+                  <a:spcAft>
+                    <a:spcPts val="0"/>
+                  </a:spcAft>
+                  <a:buClrTx/>
+                  <a:buSzTx/>
+                  <a:buFontTx/>
+                  <a:buNone/>
+                  <a:tabLst/>
+                  <a:defRPr/>
+                </a:pPr>
+                <a:endParaRPr kumimoji="0" lang="zh-CN" altLang="en-US" sz="1800" b="0" i="0" u="none" strike="noStrike" kern="1200" cap="none" spc="0" normalizeH="0" baseline="0" noProof="0">
+                  <a:ln>
+                    <a:noFill/>
+                  </a:ln>
+                  <a:solidFill>
+                    <a:prstClr val="white"/>
+                  </a:solidFill>
+                  <a:effectLst/>
+                  <a:uLnTx/>
+                  <a:uFillTx/>
+                  <a:latin typeface="等线" panose="020F0502020204030204"/>
+                  <a:ea typeface="等线" panose="02010600030101010101" pitchFamily="2" charset="-122"/>
+                  <a:cs typeface="+mn-cs"/>
+                </a:endParaRPr>
+              </a:p>
+            </p:txBody>
+          </p:sp>
+          <p:sp>
+            <p:nvSpPr>
+              <p:cNvPr id="38" name="等腰三角形 37">
+                <a:extLst>
+                  <a:ext uri="{FF2B5EF4-FFF2-40B4-BE49-F238E27FC236}">
+                    <a16:creationId xmlns:a16="http://schemas.microsoft.com/office/drawing/2014/main" id="{D11839BE-3075-4ED7-AE77-8FA158F30146}"/>
+                  </a:ext>
+                </a:extLst>
+              </p:cNvPr>
+              <p:cNvSpPr/>
+              <p:nvPr/>
+            </p:nvSpPr>
+            <p:spPr>
+              <a:xfrm>
+                <a:off x="4405899" y="3291780"/>
+                <a:ext cx="163749" cy="141163"/>
+              </a:xfrm>
+              <a:prstGeom prst="triangle">
+                <a:avLst/>
+              </a:prstGeom>
+            </p:spPr>
+            <p:style>
+              <a:lnRef idx="2">
+                <a:schemeClr val="accent1">
+                  <a:shade val="50000"/>
+                </a:schemeClr>
+              </a:lnRef>
+              <a:fillRef idx="1">
+                <a:schemeClr val="accent1"/>
+              </a:fillRef>
+              <a:effectRef idx="0">
+                <a:schemeClr val="accent1"/>
+              </a:effectRef>
+              <a:fontRef idx="minor">
+                <a:schemeClr val="lt1"/>
+              </a:fontRef>
+            </p:style>
+            <p:txBody>
+              <a:bodyPr rtlCol="0" anchor="ctr"/>
+              <a:lstStyle/>
+              <a:p>
+                <a:pPr marL="0" marR="0" lvl="0" indent="0" algn="ctr" defTabSz="914400" rtl="0" eaLnBrk="1" fontAlgn="auto" latinLnBrk="0" hangingPunct="1">
+                  <a:lnSpc>
+                    <a:spcPct val="100000"/>
+                  </a:lnSpc>
+                  <a:spcBef>
+                    <a:spcPts val="0"/>
+                  </a:spcBef>
+                  <a:spcAft>
+                    <a:spcPts val="0"/>
+                  </a:spcAft>
+                  <a:buClrTx/>
+                  <a:buSzTx/>
+                  <a:buFontTx/>
+                  <a:buNone/>
+                  <a:tabLst/>
+                  <a:defRPr/>
+                </a:pPr>
+                <a:endParaRPr kumimoji="0" lang="zh-CN" altLang="en-US" sz="1800" b="0" i="0" u="none" strike="noStrike" kern="1200" cap="none" spc="0" normalizeH="0" baseline="0" noProof="0">
+                  <a:ln>
+                    <a:noFill/>
+                  </a:ln>
+                  <a:solidFill>
+                    <a:prstClr val="white"/>
+                  </a:solidFill>
+                  <a:effectLst/>
+                  <a:uLnTx/>
+                  <a:uFillTx/>
+                  <a:latin typeface="等线" panose="020F0502020204030204"/>
+                  <a:ea typeface="等线" panose="02010600030101010101" pitchFamily="2" charset="-122"/>
+                  <a:cs typeface="+mn-cs"/>
+                </a:endParaRPr>
+              </a:p>
+            </p:txBody>
+          </p:sp>
+          <p:sp>
+            <p:nvSpPr>
+              <p:cNvPr id="39" name="椭圆 38">
+                <a:extLst>
+                  <a:ext uri="{FF2B5EF4-FFF2-40B4-BE49-F238E27FC236}">
+                    <a16:creationId xmlns:a16="http://schemas.microsoft.com/office/drawing/2014/main" id="{CBAC74D8-E5C6-47F1-9D4C-DC8AB5F66C66}"/>
+                  </a:ext>
+                </a:extLst>
+              </p:cNvPr>
+              <p:cNvSpPr/>
+              <p:nvPr/>
+            </p:nvSpPr>
+            <p:spPr>
+              <a:xfrm>
+                <a:off x="4088741" y="3790495"/>
+                <a:ext cx="141163" cy="141163"/>
+              </a:xfrm>
+              <a:prstGeom prst="ellipse">
+                <a:avLst/>
+              </a:prstGeom>
+              <a:solidFill>
+                <a:srgbClr val="92D050"/>
+              </a:solidFill>
+            </p:spPr>
+            <p:style>
+              <a:lnRef idx="2">
+                <a:schemeClr val="accent1">
+                  <a:shade val="50000"/>
+                </a:schemeClr>
+              </a:lnRef>
+              <a:fillRef idx="1">
+                <a:schemeClr val="accent1"/>
+              </a:fillRef>
+              <a:effectRef idx="0">
+                <a:schemeClr val="accent1"/>
+              </a:effectRef>
+              <a:fontRef idx="minor">
+                <a:schemeClr val="lt1"/>
+              </a:fontRef>
+            </p:style>
+            <p:txBody>
+              <a:bodyPr rtlCol="0" anchor="ctr"/>
+              <a:lstStyle/>
+              <a:p>
+                <a:pPr marL="0" marR="0" lvl="0" indent="0" algn="ctr" defTabSz="914400" rtl="0" eaLnBrk="1" fontAlgn="auto" latinLnBrk="0" hangingPunct="1">
+                  <a:lnSpc>
+                    <a:spcPct val="100000"/>
+                  </a:lnSpc>
+                  <a:spcBef>
+                    <a:spcPts val="0"/>
+                  </a:spcBef>
+                  <a:spcAft>
+                    <a:spcPts val="0"/>
+                  </a:spcAft>
+                  <a:buClrTx/>
+                  <a:buSzTx/>
+                  <a:buFontTx/>
+                  <a:buNone/>
+                  <a:tabLst/>
+                  <a:defRPr/>
+                </a:pPr>
+                <a:endParaRPr kumimoji="0" lang="zh-CN" altLang="en-US" sz="1800" b="0" i="0" u="none" strike="noStrike" kern="1200" cap="none" spc="0" normalizeH="0" baseline="0" noProof="0">
+                  <a:ln>
+                    <a:noFill/>
+                  </a:ln>
+                  <a:solidFill>
+                    <a:prstClr val="white"/>
+                  </a:solidFill>
+                  <a:effectLst/>
+                  <a:uLnTx/>
+                  <a:uFillTx/>
+                  <a:latin typeface="等线" panose="020F0502020204030204"/>
+                  <a:ea typeface="等线" panose="02010600030101010101" pitchFamily="2" charset="-122"/>
+                  <a:cs typeface="+mn-cs"/>
+                </a:endParaRPr>
+              </a:p>
+            </p:txBody>
+          </p:sp>
+          <p:sp>
+            <p:nvSpPr>
+              <p:cNvPr id="40" name="等腰三角形 39">
+                <a:extLst>
+                  <a:ext uri="{FF2B5EF4-FFF2-40B4-BE49-F238E27FC236}">
+                    <a16:creationId xmlns:a16="http://schemas.microsoft.com/office/drawing/2014/main" id="{0072028D-AE40-49B4-9AE3-ED4C4FA1E701}"/>
+                  </a:ext>
+                </a:extLst>
+              </p:cNvPr>
+              <p:cNvSpPr/>
+              <p:nvPr/>
+            </p:nvSpPr>
+            <p:spPr>
+              <a:xfrm>
+                <a:off x="7005709" y="3975358"/>
+                <a:ext cx="163749" cy="141163"/>
+              </a:xfrm>
+              <a:prstGeom prst="triangle">
+                <a:avLst/>
+              </a:prstGeom>
+            </p:spPr>
+            <p:style>
+              <a:lnRef idx="2">
+                <a:schemeClr val="accent1">
+                  <a:shade val="50000"/>
+                </a:schemeClr>
+              </a:lnRef>
+              <a:fillRef idx="1">
+                <a:schemeClr val="accent1"/>
+              </a:fillRef>
+              <a:effectRef idx="0">
+                <a:schemeClr val="accent1"/>
+              </a:effectRef>
+              <a:fontRef idx="minor">
+                <a:schemeClr val="lt1"/>
+              </a:fontRef>
+            </p:style>
+            <p:txBody>
+              <a:bodyPr rtlCol="0" anchor="ctr"/>
+              <a:lstStyle/>
+              <a:p>
+                <a:pPr marL="0" marR="0" lvl="0" indent="0" algn="ctr" defTabSz="914400" rtl="0" eaLnBrk="1" fontAlgn="auto" latinLnBrk="0" hangingPunct="1">
+                  <a:lnSpc>
+                    <a:spcPct val="100000"/>
+                  </a:lnSpc>
+                  <a:spcBef>
+                    <a:spcPts val="0"/>
+                  </a:spcBef>
+                  <a:spcAft>
+                    <a:spcPts val="0"/>
+                  </a:spcAft>
+                  <a:buClrTx/>
+                  <a:buSzTx/>
+                  <a:buFontTx/>
+                  <a:buNone/>
+                  <a:tabLst/>
+                  <a:defRPr/>
+                </a:pPr>
+                <a:endParaRPr kumimoji="0" lang="zh-CN" altLang="en-US" sz="1800" b="0" i="0" u="none" strike="noStrike" kern="1200" cap="none" spc="0" normalizeH="0" baseline="0" noProof="0">
+                  <a:ln>
+                    <a:noFill/>
+                  </a:ln>
+                  <a:solidFill>
+                    <a:prstClr val="white"/>
+                  </a:solidFill>
+                  <a:effectLst/>
+                  <a:uLnTx/>
+                  <a:uFillTx/>
+                  <a:latin typeface="等线" panose="020F0502020204030204"/>
+                  <a:ea typeface="等线" panose="02010600030101010101" pitchFamily="2" charset="-122"/>
+                  <a:cs typeface="+mn-cs"/>
+                </a:endParaRPr>
+              </a:p>
+            </p:txBody>
+          </p:sp>
+          <p:sp>
+            <p:nvSpPr>
+              <p:cNvPr id="41" name="矩形 40">
+                <a:extLst>
+                  <a:ext uri="{FF2B5EF4-FFF2-40B4-BE49-F238E27FC236}">
+                    <a16:creationId xmlns:a16="http://schemas.microsoft.com/office/drawing/2014/main" id="{240DC06F-9659-446A-B99B-0F7C1DEA7207}"/>
+                  </a:ext>
+                </a:extLst>
+              </p:cNvPr>
+              <p:cNvSpPr/>
+              <p:nvPr/>
+            </p:nvSpPr>
+            <p:spPr>
+              <a:xfrm>
+                <a:off x="7220733" y="3956586"/>
+                <a:ext cx="141163" cy="141163"/>
+              </a:xfrm>
+              <a:prstGeom prst="rect">
+                <a:avLst/>
+              </a:prstGeom>
+              <a:solidFill>
+                <a:srgbClr val="FFC000"/>
+              </a:solidFill>
+            </p:spPr>
+            <p:style>
+              <a:lnRef idx="2">
+                <a:schemeClr val="accent1">
+                  <a:shade val="50000"/>
+                </a:schemeClr>
+              </a:lnRef>
+              <a:fillRef idx="1">
+                <a:schemeClr val="accent1"/>
+              </a:fillRef>
+              <a:effectRef idx="0">
+                <a:schemeClr val="accent1"/>
+              </a:effectRef>
+              <a:fontRef idx="minor">
+                <a:schemeClr val="lt1"/>
+              </a:fontRef>
+            </p:style>
+            <p:txBody>
+              <a:bodyPr rtlCol="0" anchor="ctr"/>
+              <a:lstStyle/>
+              <a:p>
+                <a:pPr marL="0" marR="0" lvl="0" indent="0" algn="ctr" defTabSz="914400" rtl="0" eaLnBrk="1" fontAlgn="auto" latinLnBrk="0" hangingPunct="1">
+                  <a:lnSpc>
+                    <a:spcPct val="100000"/>
+                  </a:lnSpc>
+                  <a:spcBef>
+                    <a:spcPts val="0"/>
+                  </a:spcBef>
+                  <a:spcAft>
+                    <a:spcPts val="0"/>
+                  </a:spcAft>
+                  <a:buClrTx/>
+                  <a:buSzTx/>
+                  <a:buFontTx/>
+                  <a:buNone/>
+                  <a:tabLst/>
+                  <a:defRPr/>
+                </a:pPr>
+                <a:endParaRPr kumimoji="0" lang="zh-CN" altLang="en-US" sz="1800" b="0" i="0" u="none" strike="noStrike" kern="1200" cap="none" spc="0" normalizeH="0" baseline="0" noProof="0">
+                  <a:ln>
+                    <a:noFill/>
+                  </a:ln>
+                  <a:solidFill>
+                    <a:prstClr val="white"/>
+                  </a:solidFill>
+                  <a:effectLst/>
+                  <a:uLnTx/>
+                  <a:uFillTx/>
+                  <a:latin typeface="等线" panose="020F0502020204030204"/>
+                  <a:ea typeface="等线" panose="02010600030101010101" pitchFamily="2" charset="-122"/>
+                  <a:cs typeface="+mn-cs"/>
+                </a:endParaRPr>
+              </a:p>
+            </p:txBody>
+          </p:sp>
+          <p:sp>
+            <p:nvSpPr>
+              <p:cNvPr id="42" name="矩形 41">
+                <a:extLst>
+                  <a:ext uri="{FF2B5EF4-FFF2-40B4-BE49-F238E27FC236}">
+                    <a16:creationId xmlns:a16="http://schemas.microsoft.com/office/drawing/2014/main" id="{0D7BE0A8-EF37-4C5D-A21E-5DD16402F96E}"/>
+                  </a:ext>
+                </a:extLst>
+              </p:cNvPr>
+              <p:cNvSpPr/>
+              <p:nvPr/>
+            </p:nvSpPr>
+            <p:spPr>
+              <a:xfrm>
+                <a:off x="8026544" y="3497170"/>
+                <a:ext cx="141163" cy="141163"/>
+              </a:xfrm>
+              <a:prstGeom prst="rect">
+                <a:avLst/>
+              </a:prstGeom>
+              <a:solidFill>
+                <a:srgbClr val="FFC000"/>
+              </a:solidFill>
+            </p:spPr>
+            <p:style>
+              <a:lnRef idx="2">
+                <a:schemeClr val="accent1">
+                  <a:shade val="50000"/>
+                </a:schemeClr>
+              </a:lnRef>
+              <a:fillRef idx="1">
+                <a:schemeClr val="accent1"/>
+              </a:fillRef>
+              <a:effectRef idx="0">
+                <a:schemeClr val="accent1"/>
+              </a:effectRef>
+              <a:fontRef idx="minor">
+                <a:schemeClr val="lt1"/>
+              </a:fontRef>
+            </p:style>
+            <p:txBody>
+              <a:bodyPr rtlCol="0" anchor="ctr"/>
+              <a:lstStyle/>
+              <a:p>
+                <a:pPr marL="0" marR="0" lvl="0" indent="0" algn="ctr" defTabSz="914400" rtl="0" eaLnBrk="1" fontAlgn="auto" latinLnBrk="0" hangingPunct="1">
+                  <a:lnSpc>
+                    <a:spcPct val="100000"/>
+                  </a:lnSpc>
+                  <a:spcBef>
+                    <a:spcPts val="0"/>
+                  </a:spcBef>
+                  <a:spcAft>
+                    <a:spcPts val="0"/>
+                  </a:spcAft>
+                  <a:buClrTx/>
+                  <a:buSzTx/>
+                  <a:buFontTx/>
+                  <a:buNone/>
+                  <a:tabLst/>
+                  <a:defRPr/>
+                </a:pPr>
+                <a:endParaRPr kumimoji="0" lang="zh-CN" altLang="en-US" sz="1800" b="0" i="0" u="none" strike="noStrike" kern="1200" cap="none" spc="0" normalizeH="0" baseline="0" noProof="0">
+                  <a:ln>
+                    <a:noFill/>
+                  </a:ln>
+                  <a:solidFill>
+                    <a:prstClr val="white"/>
+                  </a:solidFill>
+                  <a:effectLst/>
+                  <a:uLnTx/>
+                  <a:uFillTx/>
+                  <a:latin typeface="等线" panose="020F0502020204030204"/>
+                  <a:ea typeface="等线" panose="02010600030101010101" pitchFamily="2" charset="-122"/>
+                  <a:cs typeface="+mn-cs"/>
+                </a:endParaRPr>
+              </a:p>
+            </p:txBody>
+          </p:sp>
+          <p:sp>
+            <p:nvSpPr>
+              <p:cNvPr id="43" name="矩形 42">
+                <a:extLst>
+                  <a:ext uri="{FF2B5EF4-FFF2-40B4-BE49-F238E27FC236}">
+                    <a16:creationId xmlns:a16="http://schemas.microsoft.com/office/drawing/2014/main" id="{BDD3C6FF-9E70-4B56-AA69-008F359FBC6C}"/>
+                  </a:ext>
+                </a:extLst>
+              </p:cNvPr>
+              <p:cNvSpPr/>
+              <p:nvPr/>
+            </p:nvSpPr>
+            <p:spPr>
+              <a:xfrm>
+                <a:off x="7176789" y="2718868"/>
+                <a:ext cx="141163" cy="141163"/>
+              </a:xfrm>
+              <a:prstGeom prst="rect">
+                <a:avLst/>
+              </a:prstGeom>
+              <a:solidFill>
+                <a:srgbClr val="FFC000"/>
+              </a:solidFill>
+            </p:spPr>
+            <p:style>
+              <a:lnRef idx="2">
+                <a:schemeClr val="accent1">
+                  <a:shade val="50000"/>
+                </a:schemeClr>
+              </a:lnRef>
+              <a:fillRef idx="1">
+                <a:schemeClr val="accent1"/>
+              </a:fillRef>
+              <a:effectRef idx="0">
+                <a:schemeClr val="accent1"/>
+              </a:effectRef>
+              <a:fontRef idx="minor">
+                <a:schemeClr val="lt1"/>
+              </a:fontRef>
+            </p:style>
+            <p:txBody>
+              <a:bodyPr rtlCol="0" anchor="ctr"/>
+              <a:lstStyle/>
+              <a:p>
+                <a:pPr marL="0" marR="0" lvl="0" indent="0" algn="ctr" defTabSz="914400" rtl="0" eaLnBrk="1" fontAlgn="auto" latinLnBrk="0" hangingPunct="1">
+                  <a:lnSpc>
+                    <a:spcPct val="100000"/>
+                  </a:lnSpc>
+                  <a:spcBef>
+                    <a:spcPts val="0"/>
+                  </a:spcBef>
+                  <a:spcAft>
+                    <a:spcPts val="0"/>
+                  </a:spcAft>
+                  <a:buClrTx/>
+                  <a:buSzTx/>
+                  <a:buFontTx/>
+                  <a:buNone/>
+                  <a:tabLst/>
+                  <a:defRPr/>
+                </a:pPr>
+                <a:endParaRPr kumimoji="0" lang="zh-CN" altLang="en-US" sz="1800" b="0" i="0" u="none" strike="noStrike" kern="1200" cap="none" spc="0" normalizeH="0" baseline="0" noProof="0">
+                  <a:ln>
+                    <a:noFill/>
+                  </a:ln>
+                  <a:solidFill>
+                    <a:prstClr val="white"/>
+                  </a:solidFill>
+                  <a:effectLst/>
+                  <a:uLnTx/>
+                  <a:uFillTx/>
+                  <a:latin typeface="等线" panose="020F0502020204030204"/>
+                  <a:ea typeface="等线" panose="02010600030101010101" pitchFamily="2" charset="-122"/>
+                  <a:cs typeface="+mn-cs"/>
+                </a:endParaRPr>
+              </a:p>
+            </p:txBody>
+          </p:sp>
+          <p:sp>
+            <p:nvSpPr>
+              <p:cNvPr id="44" name="椭圆 43">
+                <a:extLst>
+                  <a:ext uri="{FF2B5EF4-FFF2-40B4-BE49-F238E27FC236}">
+                    <a16:creationId xmlns:a16="http://schemas.microsoft.com/office/drawing/2014/main" id="{B7DB0949-313C-42C4-9FFF-9742D71225D1}"/>
+                  </a:ext>
+                </a:extLst>
+              </p:cNvPr>
+              <p:cNvSpPr/>
+              <p:nvPr/>
+            </p:nvSpPr>
+            <p:spPr>
+              <a:xfrm>
+                <a:off x="5693806" y="3154247"/>
+                <a:ext cx="141163" cy="141163"/>
+              </a:xfrm>
+              <a:prstGeom prst="ellipse">
+                <a:avLst/>
+              </a:prstGeom>
+              <a:solidFill>
+                <a:srgbClr val="92D050"/>
+              </a:solidFill>
+            </p:spPr>
+            <p:style>
+              <a:lnRef idx="2">
+                <a:schemeClr val="accent1">
+                  <a:shade val="50000"/>
+                </a:schemeClr>
+              </a:lnRef>
+              <a:fillRef idx="1">
+                <a:schemeClr val="accent1"/>
+              </a:fillRef>
+              <a:effectRef idx="0">
+                <a:schemeClr val="accent1"/>
+              </a:effectRef>
+              <a:fontRef idx="minor">
+                <a:schemeClr val="lt1"/>
+              </a:fontRef>
+            </p:style>
+            <p:txBody>
+              <a:bodyPr rtlCol="0" anchor="ctr"/>
+              <a:lstStyle/>
+              <a:p>
+                <a:pPr marL="0" marR="0" lvl="0" indent="0" algn="ctr" defTabSz="914400" rtl="0" eaLnBrk="1" fontAlgn="auto" latinLnBrk="0" hangingPunct="1">
+                  <a:lnSpc>
+                    <a:spcPct val="100000"/>
+                  </a:lnSpc>
+                  <a:spcBef>
+                    <a:spcPts val="0"/>
+                  </a:spcBef>
+                  <a:spcAft>
+                    <a:spcPts val="0"/>
+                  </a:spcAft>
+                  <a:buClrTx/>
+                  <a:buSzTx/>
+                  <a:buFontTx/>
+                  <a:buNone/>
+                  <a:tabLst/>
+                  <a:defRPr/>
+                </a:pPr>
+                <a:endParaRPr kumimoji="0" lang="zh-CN" altLang="en-US" sz="1800" b="0" i="0" u="none" strike="noStrike" kern="1200" cap="none" spc="0" normalizeH="0" baseline="0" noProof="0">
+                  <a:ln>
+                    <a:noFill/>
+                  </a:ln>
+                  <a:solidFill>
+                    <a:prstClr val="white"/>
+                  </a:solidFill>
+                  <a:effectLst/>
+                  <a:uLnTx/>
+                  <a:uFillTx/>
+                  <a:latin typeface="等线" panose="020F0502020204030204"/>
+                  <a:ea typeface="等线" panose="02010600030101010101" pitchFamily="2" charset="-122"/>
+                  <a:cs typeface="+mn-cs"/>
+                </a:endParaRPr>
+              </a:p>
+            </p:txBody>
+          </p:sp>
+          <p:sp>
+            <p:nvSpPr>
+              <p:cNvPr id="45" name="矩形 44">
+                <a:extLst>
+                  <a:ext uri="{FF2B5EF4-FFF2-40B4-BE49-F238E27FC236}">
+                    <a16:creationId xmlns:a16="http://schemas.microsoft.com/office/drawing/2014/main" id="{16CB5905-D296-45A7-AD2A-329F04E18C8B}"/>
+                  </a:ext>
+                </a:extLst>
+              </p:cNvPr>
+              <p:cNvSpPr/>
+              <p:nvPr/>
+            </p:nvSpPr>
+            <p:spPr>
+              <a:xfrm>
+                <a:off x="5797046" y="2976916"/>
+                <a:ext cx="141163" cy="141163"/>
+              </a:xfrm>
+              <a:prstGeom prst="rect">
+                <a:avLst/>
+              </a:prstGeom>
+              <a:solidFill>
+                <a:srgbClr val="FFC000"/>
+              </a:solidFill>
+            </p:spPr>
+            <p:style>
+              <a:lnRef idx="2">
+                <a:schemeClr val="accent1">
+                  <a:shade val="50000"/>
+                </a:schemeClr>
+              </a:lnRef>
+              <a:fillRef idx="1">
+                <a:schemeClr val="accent1"/>
+              </a:fillRef>
+              <a:effectRef idx="0">
+                <a:schemeClr val="accent1"/>
+              </a:effectRef>
+              <a:fontRef idx="minor">
+                <a:schemeClr val="lt1"/>
+              </a:fontRef>
+            </p:style>
+            <p:txBody>
+              <a:bodyPr rtlCol="0" anchor="ctr"/>
+              <a:lstStyle/>
+              <a:p>
+                <a:pPr marL="0" marR="0" lvl="0" indent="0" algn="ctr" defTabSz="914400" rtl="0" eaLnBrk="1" fontAlgn="auto" latinLnBrk="0" hangingPunct="1">
+                  <a:lnSpc>
+                    <a:spcPct val="100000"/>
+                  </a:lnSpc>
+                  <a:spcBef>
+                    <a:spcPts val="0"/>
+                  </a:spcBef>
+                  <a:spcAft>
+                    <a:spcPts val="0"/>
+                  </a:spcAft>
+                  <a:buClrTx/>
+                  <a:buSzTx/>
+                  <a:buFontTx/>
+                  <a:buNone/>
+                  <a:tabLst/>
+                  <a:defRPr/>
+                </a:pPr>
+                <a:endParaRPr kumimoji="0" lang="zh-CN" altLang="en-US" sz="1800" b="0" i="0" u="none" strike="noStrike" kern="1200" cap="none" spc="0" normalizeH="0" baseline="0" noProof="0">
+                  <a:ln>
+                    <a:noFill/>
+                  </a:ln>
+                  <a:solidFill>
+                    <a:prstClr val="white"/>
+                  </a:solidFill>
+                  <a:effectLst/>
+                  <a:uLnTx/>
+                  <a:uFillTx/>
+                  <a:latin typeface="等线" panose="020F0502020204030204"/>
+                  <a:ea typeface="等线" panose="02010600030101010101" pitchFamily="2" charset="-122"/>
+                  <a:cs typeface="+mn-cs"/>
+                </a:endParaRPr>
+              </a:p>
+            </p:txBody>
+          </p:sp>
+          <p:sp>
+            <p:nvSpPr>
+              <p:cNvPr id="46" name="等腰三角形 45">
+                <a:extLst>
+                  <a:ext uri="{FF2B5EF4-FFF2-40B4-BE49-F238E27FC236}">
+                    <a16:creationId xmlns:a16="http://schemas.microsoft.com/office/drawing/2014/main" id="{078B7D1A-1CCF-4A58-9F91-FA29BE30B200}"/>
+                  </a:ext>
+                </a:extLst>
+              </p:cNvPr>
+              <p:cNvSpPr/>
+              <p:nvPr/>
+            </p:nvSpPr>
+            <p:spPr>
+              <a:xfrm>
+                <a:off x="5684256" y="3924397"/>
+                <a:ext cx="163749" cy="141163"/>
+              </a:xfrm>
+              <a:prstGeom prst="triangle">
+                <a:avLst/>
+              </a:prstGeom>
+            </p:spPr>
+            <p:style>
+              <a:lnRef idx="2">
+                <a:schemeClr val="accent1">
+                  <a:shade val="50000"/>
+                </a:schemeClr>
+              </a:lnRef>
+              <a:fillRef idx="1">
+                <a:schemeClr val="accent1"/>
+              </a:fillRef>
+              <a:effectRef idx="0">
+                <a:schemeClr val="accent1"/>
+              </a:effectRef>
+              <a:fontRef idx="minor">
+                <a:schemeClr val="lt1"/>
+              </a:fontRef>
+            </p:style>
+            <p:txBody>
+              <a:bodyPr rtlCol="0" anchor="ctr"/>
+              <a:lstStyle/>
+              <a:p>
+                <a:pPr marL="0" marR="0" lvl="0" indent="0" algn="ctr" defTabSz="914400" rtl="0" eaLnBrk="1" fontAlgn="auto" latinLnBrk="0" hangingPunct="1">
+                  <a:lnSpc>
+                    <a:spcPct val="100000"/>
+                  </a:lnSpc>
+                  <a:spcBef>
+                    <a:spcPts val="0"/>
+                  </a:spcBef>
+                  <a:spcAft>
+                    <a:spcPts val="0"/>
+                  </a:spcAft>
+                  <a:buClrTx/>
+                  <a:buSzTx/>
+                  <a:buFontTx/>
+                  <a:buNone/>
+                  <a:tabLst/>
+                  <a:defRPr/>
+                </a:pPr>
+                <a:endParaRPr kumimoji="0" lang="zh-CN" altLang="en-US" sz="1800" b="0" i="0" u="none" strike="noStrike" kern="1200" cap="none" spc="0" normalizeH="0" baseline="0" noProof="0">
+                  <a:ln>
+                    <a:noFill/>
+                  </a:ln>
+                  <a:solidFill>
+                    <a:prstClr val="white"/>
+                  </a:solidFill>
+                  <a:effectLst/>
+                  <a:uLnTx/>
+                  <a:uFillTx/>
+                  <a:latin typeface="等线" panose="020F0502020204030204"/>
+                  <a:ea typeface="等线" panose="02010600030101010101" pitchFamily="2" charset="-122"/>
+                  <a:cs typeface="+mn-cs"/>
+                </a:endParaRPr>
+              </a:p>
+            </p:txBody>
+          </p:sp>
+          <p:sp>
+            <p:nvSpPr>
+              <p:cNvPr id="47" name="椭圆 46">
+                <a:extLst>
+                  <a:ext uri="{FF2B5EF4-FFF2-40B4-BE49-F238E27FC236}">
+                    <a16:creationId xmlns:a16="http://schemas.microsoft.com/office/drawing/2014/main" id="{8D0AA79A-CCFC-49EC-BE35-BAD00817AD07}"/>
+                  </a:ext>
+                </a:extLst>
+              </p:cNvPr>
+              <p:cNvSpPr/>
+              <p:nvPr/>
+            </p:nvSpPr>
+            <p:spPr>
+              <a:xfrm>
+                <a:off x="4443684" y="3786264"/>
+                <a:ext cx="141163" cy="141163"/>
+              </a:xfrm>
+              <a:prstGeom prst="ellipse">
+                <a:avLst/>
+              </a:prstGeom>
+              <a:solidFill>
+                <a:srgbClr val="92D050"/>
+              </a:solidFill>
+            </p:spPr>
+            <p:style>
+              <a:lnRef idx="2">
+                <a:schemeClr val="accent1">
+                  <a:shade val="50000"/>
+                </a:schemeClr>
+              </a:lnRef>
+              <a:fillRef idx="1">
+                <a:schemeClr val="accent1"/>
+              </a:fillRef>
+              <a:effectRef idx="0">
+                <a:schemeClr val="accent1"/>
+              </a:effectRef>
+              <a:fontRef idx="minor">
+                <a:schemeClr val="lt1"/>
+              </a:fontRef>
+            </p:style>
+            <p:txBody>
+              <a:bodyPr rtlCol="0" anchor="ctr"/>
+              <a:lstStyle/>
+              <a:p>
+                <a:pPr marL="0" marR="0" lvl="0" indent="0" algn="ctr" defTabSz="914400" rtl="0" eaLnBrk="1" fontAlgn="auto" latinLnBrk="0" hangingPunct="1">
+                  <a:lnSpc>
+                    <a:spcPct val="100000"/>
+                  </a:lnSpc>
+                  <a:spcBef>
+                    <a:spcPts val="0"/>
+                  </a:spcBef>
+                  <a:spcAft>
+                    <a:spcPts val="0"/>
+                  </a:spcAft>
+                  <a:buClrTx/>
+                  <a:buSzTx/>
+                  <a:buFontTx/>
+                  <a:buNone/>
+                  <a:tabLst/>
+                  <a:defRPr/>
+                </a:pPr>
+                <a:endParaRPr kumimoji="0" lang="zh-CN" altLang="en-US" sz="1800" b="0" i="0" u="none" strike="noStrike" kern="1200" cap="none" spc="0" normalizeH="0" baseline="0" noProof="0">
+                  <a:ln>
+                    <a:noFill/>
+                  </a:ln>
+                  <a:solidFill>
+                    <a:prstClr val="white"/>
+                  </a:solidFill>
+                  <a:effectLst/>
+                  <a:uLnTx/>
+                  <a:uFillTx/>
+                  <a:latin typeface="等线" panose="020F0502020204030204"/>
+                  <a:ea typeface="等线" panose="02010600030101010101" pitchFamily="2" charset="-122"/>
+                  <a:cs typeface="+mn-cs"/>
+                </a:endParaRPr>
+              </a:p>
+            </p:txBody>
+          </p:sp>
+          <p:sp>
+            <p:nvSpPr>
+              <p:cNvPr id="49" name="椭圆 48">
+                <a:extLst>
+                  <a:ext uri="{FF2B5EF4-FFF2-40B4-BE49-F238E27FC236}">
+                    <a16:creationId xmlns:a16="http://schemas.microsoft.com/office/drawing/2014/main" id="{4C3B6109-37E4-491D-8439-AC577B293F3E}"/>
+                  </a:ext>
+                </a:extLst>
+              </p:cNvPr>
+              <p:cNvSpPr/>
+              <p:nvPr/>
+            </p:nvSpPr>
+            <p:spPr>
+              <a:xfrm>
+                <a:off x="4894547" y="4221819"/>
+                <a:ext cx="141163" cy="141163"/>
+              </a:xfrm>
+              <a:prstGeom prst="ellipse">
+                <a:avLst/>
+              </a:prstGeom>
+              <a:solidFill>
+                <a:srgbClr val="92D050"/>
+              </a:solidFill>
+            </p:spPr>
+            <p:style>
+              <a:lnRef idx="2">
+                <a:schemeClr val="accent1">
+                  <a:shade val="50000"/>
+                </a:schemeClr>
+              </a:lnRef>
+              <a:fillRef idx="1">
+                <a:schemeClr val="accent1"/>
+              </a:fillRef>
+              <a:effectRef idx="0">
+                <a:schemeClr val="accent1"/>
+              </a:effectRef>
+              <a:fontRef idx="minor">
+                <a:schemeClr val="lt1"/>
+              </a:fontRef>
+            </p:style>
+            <p:txBody>
+              <a:bodyPr rtlCol="0" anchor="ctr"/>
+              <a:lstStyle/>
+              <a:p>
+                <a:pPr marL="0" marR="0" lvl="0" indent="0" algn="ctr" defTabSz="914400" rtl="0" eaLnBrk="1" fontAlgn="auto" latinLnBrk="0" hangingPunct="1">
+                  <a:lnSpc>
+                    <a:spcPct val="100000"/>
+                  </a:lnSpc>
+                  <a:spcBef>
+                    <a:spcPts val="0"/>
+                  </a:spcBef>
+                  <a:spcAft>
+                    <a:spcPts val="0"/>
+                  </a:spcAft>
+                  <a:buClrTx/>
+                  <a:buSzTx/>
+                  <a:buFontTx/>
+                  <a:buNone/>
+                  <a:tabLst/>
+                  <a:defRPr/>
+                </a:pPr>
+                <a:endParaRPr kumimoji="0" lang="zh-CN" altLang="en-US" sz="1800" b="0" i="0" u="none" strike="noStrike" kern="1200" cap="none" spc="0" normalizeH="0" baseline="0" noProof="0">
+                  <a:ln>
+                    <a:noFill/>
+                  </a:ln>
+                  <a:solidFill>
+                    <a:prstClr val="white"/>
+                  </a:solidFill>
+                  <a:effectLst/>
+                  <a:uLnTx/>
+                  <a:uFillTx/>
+                  <a:latin typeface="等线" panose="020F0502020204030204"/>
+                  <a:ea typeface="等线" panose="02010600030101010101" pitchFamily="2" charset="-122"/>
+                  <a:cs typeface="+mn-cs"/>
+                </a:endParaRPr>
+              </a:p>
+            </p:txBody>
+          </p:sp>
+          <p:sp>
+            <p:nvSpPr>
+              <p:cNvPr id="50" name="矩形 49">
+                <a:extLst>
+                  <a:ext uri="{FF2B5EF4-FFF2-40B4-BE49-F238E27FC236}">
+                    <a16:creationId xmlns:a16="http://schemas.microsoft.com/office/drawing/2014/main" id="{6F616439-9372-4439-872B-8F2D73874B4C}"/>
+                  </a:ext>
+                </a:extLst>
+              </p:cNvPr>
+              <p:cNvSpPr/>
+              <p:nvPr/>
+            </p:nvSpPr>
+            <p:spPr>
+              <a:xfrm>
+                <a:off x="3675087" y="4691052"/>
+                <a:ext cx="1416835" cy="903285"/>
+              </a:xfrm>
+              <a:prstGeom prst="rect">
+                <a:avLst/>
+              </a:prstGeom>
+              <a:noFill/>
+              <a:ln>
+                <a:solidFill>
+                  <a:schemeClr val="tx1"/>
+                </a:solidFill>
+              </a:ln>
+            </p:spPr>
+            <p:style>
+              <a:lnRef idx="2">
+                <a:schemeClr val="accent1">
+                  <a:shade val="50000"/>
+                </a:schemeClr>
+              </a:lnRef>
+              <a:fillRef idx="1">
+                <a:schemeClr val="accent1"/>
+              </a:fillRef>
+              <a:effectRef idx="0">
+                <a:schemeClr val="accent1"/>
+              </a:effectRef>
+              <a:fontRef idx="minor">
+                <a:schemeClr val="lt1"/>
+              </a:fontRef>
+            </p:style>
+            <p:txBody>
+              <a:bodyPr rtlCol="0" anchor="ctr"/>
+              <a:lstStyle/>
+              <a:p>
+                <a:pPr marL="0" marR="0" lvl="0" indent="0" algn="ctr" defTabSz="914400" rtl="0" eaLnBrk="1" fontAlgn="auto" latinLnBrk="0" hangingPunct="1">
+                  <a:lnSpc>
+                    <a:spcPct val="100000"/>
+                  </a:lnSpc>
+                  <a:spcBef>
+                    <a:spcPts val="0"/>
+                  </a:spcBef>
+                  <a:spcAft>
+                    <a:spcPts val="0"/>
+                  </a:spcAft>
+                  <a:buClrTx/>
+                  <a:buSzTx/>
+                  <a:buFontTx/>
+                  <a:buNone/>
+                  <a:tabLst/>
+                  <a:defRPr/>
+                </a:pPr>
+                <a:endParaRPr kumimoji="0" lang="zh-CN" altLang="en-US" sz="1800" b="0" i="0" u="none" strike="noStrike" kern="1200" cap="none" spc="0" normalizeH="0" baseline="0" noProof="0">
+                  <a:ln>
+                    <a:noFill/>
+                  </a:ln>
+                  <a:solidFill>
+                    <a:prstClr val="white"/>
+                  </a:solidFill>
+                  <a:effectLst/>
+                  <a:uLnTx/>
+                  <a:uFillTx/>
+                  <a:latin typeface="等线" panose="020F0502020204030204"/>
+                  <a:ea typeface="等线" panose="02010600030101010101" pitchFamily="2" charset="-122"/>
+                  <a:cs typeface="+mn-cs"/>
+                </a:endParaRPr>
+              </a:p>
+            </p:txBody>
+          </p:sp>
+          <p:sp>
+            <p:nvSpPr>
+              <p:cNvPr id="52" name="矩形: 圆角 51">
+                <a:extLst>
+                  <a:ext uri="{FF2B5EF4-FFF2-40B4-BE49-F238E27FC236}">
+                    <a16:creationId xmlns:a16="http://schemas.microsoft.com/office/drawing/2014/main" id="{DD1F9C98-D8F9-40C9-8C5C-3CB07B53E07C}"/>
+                  </a:ext>
+                </a:extLst>
+              </p:cNvPr>
+              <p:cNvSpPr/>
+              <p:nvPr/>
+            </p:nvSpPr>
+            <p:spPr>
+              <a:xfrm>
+                <a:off x="2491396" y="3518853"/>
+                <a:ext cx="874643" cy="287131"/>
+              </a:xfrm>
+              <a:prstGeom prst="roundRect">
+                <a:avLst/>
+              </a:prstGeom>
+              <a:noFill/>
+              <a:ln>
+                <a:solidFill>
+                  <a:schemeClr val="tx1"/>
+                </a:solidFill>
+              </a:ln>
+            </p:spPr>
+            <p:style>
+              <a:lnRef idx="2">
+                <a:schemeClr val="accent1">
+                  <a:shade val="50000"/>
+                </a:schemeClr>
+              </a:lnRef>
+              <a:fillRef idx="1">
+                <a:schemeClr val="accent1"/>
+              </a:fillRef>
+              <a:effectRef idx="0">
+                <a:schemeClr val="accent1"/>
+              </a:effectRef>
+              <a:fontRef idx="minor">
+                <a:schemeClr val="lt1"/>
+              </a:fontRef>
+            </p:style>
+            <p:txBody>
+              <a:bodyPr rtlCol="0" anchor="ctr"/>
+              <a:lstStyle/>
+              <a:p>
+                <a:pPr marL="0" marR="0" lvl="0" indent="0" algn="ctr" defTabSz="914400" rtl="0" eaLnBrk="1" fontAlgn="auto" latinLnBrk="0" hangingPunct="1">
+                  <a:lnSpc>
+                    <a:spcPct val="100000"/>
+                  </a:lnSpc>
+                  <a:spcBef>
+                    <a:spcPts val="0"/>
+                  </a:spcBef>
+                  <a:spcAft>
+                    <a:spcPts val="0"/>
+                  </a:spcAft>
+                  <a:buClrTx/>
+                  <a:buSzTx/>
+                  <a:buFontTx/>
+                  <a:buNone/>
+                  <a:tabLst/>
+                  <a:defRPr/>
+                </a:pPr>
+                <a:r>
+                  <a:rPr kumimoji="0" lang="en-US" altLang="zh-CN" sz="1100" b="0" i="0" u="none" strike="noStrike" kern="1200" cap="none" spc="0" normalizeH="0" baseline="0" noProof="0" dirty="0">
+                    <a:ln>
+                      <a:noFill/>
+                    </a:ln>
+                    <a:solidFill>
+                      <a:prstClr val="black"/>
+                    </a:solidFill>
+                    <a:effectLst/>
+                    <a:uLnTx/>
+                    <a:uFillTx/>
+                    <a:latin typeface="Times New Roman" panose="02020603050405020304" pitchFamily="18" charset="0"/>
+                    <a:ea typeface="等线" panose="02010600030101010101" pitchFamily="2" charset="-122"/>
+                    <a:cs typeface="Times New Roman" panose="02020603050405020304" pitchFamily="18" charset="0"/>
+                  </a:rPr>
+                  <a:t>Virus gene</a:t>
+                </a:r>
+                <a:endParaRPr kumimoji="0" lang="zh-CN" altLang="en-US" sz="1100" b="0" i="0" u="none" strike="noStrike" kern="1200" cap="none" spc="0" normalizeH="0" baseline="0" noProof="0" dirty="0">
+                  <a:ln>
+                    <a:noFill/>
+                  </a:ln>
+                  <a:solidFill>
+                    <a:prstClr val="white"/>
+                  </a:solidFill>
+                  <a:effectLst/>
+                  <a:uLnTx/>
+                  <a:uFillTx/>
+                  <a:latin typeface="等线" panose="020F0502020204030204"/>
+                  <a:ea typeface="等线" panose="02010600030101010101" pitchFamily="2" charset="-122"/>
+                  <a:cs typeface="+mn-cs"/>
+                </a:endParaRPr>
+              </a:p>
+            </p:txBody>
+          </p:sp>
+          <p:sp>
+            <p:nvSpPr>
+              <p:cNvPr id="55" name="矩形 54">
+                <a:extLst>
+                  <a:ext uri="{FF2B5EF4-FFF2-40B4-BE49-F238E27FC236}">
+                    <a16:creationId xmlns:a16="http://schemas.microsoft.com/office/drawing/2014/main" id="{3A2E7A71-193D-4F2A-9FC6-AE11A9E838C1}"/>
+                  </a:ext>
+                </a:extLst>
+              </p:cNvPr>
+              <p:cNvSpPr/>
+              <p:nvPr/>
+            </p:nvSpPr>
+            <p:spPr>
+              <a:xfrm>
+                <a:off x="3413890" y="3433911"/>
+                <a:ext cx="570990" cy="246221"/>
+              </a:xfrm>
+              <a:prstGeom prst="rect">
+                <a:avLst/>
+              </a:prstGeom>
+            </p:spPr>
+            <p:txBody>
+              <a:bodyPr wrap="none">
+                <a:spAutoFit/>
+              </a:bodyPr>
+              <a:lstStyle/>
+              <a:p>
+                <a:pPr marL="0" marR="0" lvl="0" indent="0" algn="l" defTabSz="914400" rtl="0" eaLnBrk="1" fontAlgn="auto" latinLnBrk="0" hangingPunct="1">
+                  <a:lnSpc>
+                    <a:spcPct val="100000"/>
+                  </a:lnSpc>
+                  <a:spcBef>
+                    <a:spcPts val="0"/>
+                  </a:spcBef>
+                  <a:spcAft>
+                    <a:spcPts val="0"/>
+                  </a:spcAft>
+                  <a:buClrTx/>
+                  <a:buSzTx/>
+                  <a:buFontTx/>
+                  <a:buNone/>
+                  <a:tabLst/>
+                  <a:defRPr/>
+                </a:pPr>
+                <a:r>
+                  <a:rPr kumimoji="0" lang="en-US" altLang="zh-CN" sz="1000" b="0" i="0" u="none" strike="noStrike" kern="1200" cap="none" spc="0" normalizeH="0" baseline="0" noProof="0" dirty="0">
+                    <a:ln>
+                      <a:noFill/>
+                    </a:ln>
+                    <a:solidFill>
+                      <a:prstClr val="black"/>
+                    </a:solidFill>
+                    <a:effectLst/>
+                    <a:uLnTx/>
+                    <a:uFillTx/>
+                    <a:latin typeface="Times New Roman" panose="02020603050405020304" pitchFamily="18" charset="0"/>
+                    <a:ea typeface="等线" panose="02010600030101010101" pitchFamily="2" charset="-122"/>
+                    <a:cs typeface="Times New Roman" panose="02020603050405020304" pitchFamily="18" charset="0"/>
+                  </a:rPr>
+                  <a:t>express</a:t>
+                </a:r>
+                <a:endParaRPr kumimoji="0" lang="zh-CN" altLang="en-US" sz="1000" b="0" i="0" u="none" strike="noStrike" kern="1200" cap="none" spc="0" normalizeH="0" baseline="0" noProof="0" dirty="0">
+                  <a:ln>
+                    <a:noFill/>
+                  </a:ln>
+                  <a:solidFill>
+                    <a:prstClr val="black"/>
+                  </a:solidFill>
+                  <a:effectLst/>
+                  <a:uLnTx/>
+                  <a:uFillTx/>
+                  <a:latin typeface="Times New Roman" panose="02020603050405020304" pitchFamily="18" charset="0"/>
+                  <a:ea typeface="等线" panose="02010600030101010101" pitchFamily="2" charset="-122"/>
+                  <a:cs typeface="Times New Roman" panose="02020603050405020304" pitchFamily="18" charset="0"/>
+                </a:endParaRPr>
+              </a:p>
+            </p:txBody>
+          </p:sp>
+          <p:cxnSp>
+            <p:nvCxnSpPr>
+              <p:cNvPr id="56" name="直接箭头连接符 55">
+                <a:extLst>
+                  <a:ext uri="{FF2B5EF4-FFF2-40B4-BE49-F238E27FC236}">
+                    <a16:creationId xmlns:a16="http://schemas.microsoft.com/office/drawing/2014/main" id="{4285D500-43B5-420B-9897-E0BC7D18217C}"/>
+                  </a:ext>
+                </a:extLst>
+              </p:cNvPr>
+              <p:cNvCxnSpPr>
+                <a:cxnSpLocks/>
+                <a:stCxn id="52" idx="2"/>
+                <a:endCxn id="6" idx="1"/>
+              </p:cNvCxnSpPr>
+              <p:nvPr/>
+            </p:nvCxnSpPr>
+            <p:spPr>
+              <a:xfrm>
+                <a:off x="2928718" y="3805984"/>
+                <a:ext cx="626369" cy="373806"/>
+              </a:xfrm>
+              <a:prstGeom prst="straightConnector1">
+                <a:avLst/>
+              </a:prstGeom>
+              <a:ln>
+                <a:tailEnd type="triangle"/>
+              </a:ln>
+            </p:spPr>
+            <p:style>
+              <a:lnRef idx="1">
+                <a:schemeClr val="dk1"/>
+              </a:lnRef>
+              <a:fillRef idx="0">
+                <a:schemeClr val="dk1"/>
+              </a:fillRef>
+              <a:effectRef idx="0">
+                <a:schemeClr val="dk1"/>
+              </a:effectRef>
+              <a:fontRef idx="minor">
+                <a:schemeClr val="tx1"/>
+              </a:fontRef>
+            </p:style>
+          </p:cxnSp>
+          <p:sp>
+            <p:nvSpPr>
+              <p:cNvPr id="59" name="矩形 58">
+                <a:extLst>
+                  <a:ext uri="{FF2B5EF4-FFF2-40B4-BE49-F238E27FC236}">
+                    <a16:creationId xmlns:a16="http://schemas.microsoft.com/office/drawing/2014/main" id="{AFBA4674-B484-434A-BC18-3246DE37351B}"/>
+                  </a:ext>
+                </a:extLst>
+              </p:cNvPr>
+              <p:cNvSpPr/>
+              <p:nvPr/>
+            </p:nvSpPr>
+            <p:spPr>
+              <a:xfrm>
+                <a:off x="2734183" y="3895272"/>
+                <a:ext cx="620683" cy="246221"/>
+              </a:xfrm>
+              <a:prstGeom prst="rect">
+                <a:avLst/>
+              </a:prstGeom>
+            </p:spPr>
+            <p:txBody>
+              <a:bodyPr wrap="none">
+                <a:spAutoFit/>
+              </a:bodyPr>
+              <a:lstStyle/>
+              <a:p>
+                <a:pPr marL="0" marR="0" lvl="0" indent="0" algn="l" defTabSz="914400" rtl="0" eaLnBrk="1" fontAlgn="auto" latinLnBrk="0" hangingPunct="1">
+                  <a:lnSpc>
+                    <a:spcPct val="100000"/>
+                  </a:lnSpc>
+                  <a:spcBef>
+                    <a:spcPts val="0"/>
+                  </a:spcBef>
+                  <a:spcAft>
+                    <a:spcPts val="0"/>
+                  </a:spcAft>
+                  <a:buClrTx/>
+                  <a:buSzTx/>
+                  <a:buFontTx/>
+                  <a:buNone/>
+                  <a:tabLst/>
+                  <a:defRPr/>
+                </a:pPr>
+                <a:r>
+                  <a:rPr kumimoji="0" lang="en-US" altLang="zh-CN" sz="1000" b="0" i="0" u="none" strike="noStrike" kern="1200" cap="none" spc="0" normalizeH="0" baseline="0" noProof="0" dirty="0">
+                    <a:ln>
+                      <a:noFill/>
+                    </a:ln>
+                    <a:solidFill>
+                      <a:prstClr val="black"/>
+                    </a:solidFill>
+                    <a:effectLst/>
+                    <a:uLnTx/>
+                    <a:uFillTx/>
+                    <a:latin typeface="Times New Roman" panose="02020603050405020304" pitchFamily="18" charset="0"/>
+                    <a:ea typeface="等线" panose="02010600030101010101" pitchFamily="2" charset="-122"/>
+                    <a:cs typeface="Times New Roman" panose="02020603050405020304" pitchFamily="18" charset="0"/>
+                  </a:rPr>
+                  <a:t>translate</a:t>
+                </a:r>
+                <a:endParaRPr kumimoji="0" lang="zh-CN" altLang="en-US" sz="1000" b="0" i="0" u="none" strike="noStrike" kern="1200" cap="none" spc="0" normalizeH="0" baseline="0" noProof="0" dirty="0">
+                  <a:ln>
+                    <a:noFill/>
+                  </a:ln>
+                  <a:solidFill>
+                    <a:prstClr val="black"/>
+                  </a:solidFill>
+                  <a:effectLst/>
+                  <a:uLnTx/>
+                  <a:uFillTx/>
+                  <a:latin typeface="Times New Roman" panose="02020603050405020304" pitchFamily="18" charset="0"/>
+                  <a:ea typeface="等线" panose="02010600030101010101" pitchFamily="2" charset="-122"/>
+                  <a:cs typeface="Times New Roman" panose="02020603050405020304" pitchFamily="18" charset="0"/>
+                </a:endParaRPr>
+              </a:p>
+            </p:txBody>
+          </p:sp>
+          <p:sp>
+            <p:nvSpPr>
+              <p:cNvPr id="60" name="椭圆 59">
+                <a:extLst>
+                  <a:ext uri="{FF2B5EF4-FFF2-40B4-BE49-F238E27FC236}">
+                    <a16:creationId xmlns:a16="http://schemas.microsoft.com/office/drawing/2014/main" id="{612FD71E-6066-4A26-99C8-D7411969289B}"/>
+                  </a:ext>
+                </a:extLst>
+              </p:cNvPr>
+              <p:cNvSpPr/>
+              <p:nvPr/>
+            </p:nvSpPr>
+            <p:spPr>
+              <a:xfrm>
+                <a:off x="3573920" y="3371437"/>
+                <a:ext cx="141163" cy="141163"/>
+              </a:xfrm>
+              <a:prstGeom prst="ellipse">
+                <a:avLst/>
+              </a:prstGeom>
+              <a:solidFill>
+                <a:srgbClr val="92D050"/>
+              </a:solidFill>
+            </p:spPr>
+            <p:style>
+              <a:lnRef idx="2">
+                <a:schemeClr val="accent1">
+                  <a:shade val="50000"/>
+                </a:schemeClr>
+              </a:lnRef>
+              <a:fillRef idx="1">
+                <a:schemeClr val="accent1"/>
+              </a:fillRef>
+              <a:effectRef idx="0">
+                <a:schemeClr val="accent1"/>
+              </a:effectRef>
+              <a:fontRef idx="minor">
+                <a:schemeClr val="lt1"/>
+              </a:fontRef>
+            </p:style>
+            <p:txBody>
+              <a:bodyPr rtlCol="0" anchor="ctr"/>
+              <a:lstStyle/>
+              <a:p>
+                <a:pPr marL="0" marR="0" lvl="0" indent="0" algn="ctr" defTabSz="914400" rtl="0" eaLnBrk="1" fontAlgn="auto" latinLnBrk="0" hangingPunct="1">
+                  <a:lnSpc>
+                    <a:spcPct val="100000"/>
+                  </a:lnSpc>
+                  <a:spcBef>
+                    <a:spcPts val="0"/>
+                  </a:spcBef>
+                  <a:spcAft>
+                    <a:spcPts val="0"/>
+                  </a:spcAft>
+                  <a:buClrTx/>
+                  <a:buSzTx/>
+                  <a:buFontTx/>
+                  <a:buNone/>
+                  <a:tabLst/>
+                  <a:defRPr/>
+                </a:pPr>
+                <a:endParaRPr kumimoji="0" lang="zh-CN" altLang="en-US" sz="1800" b="0" i="0" u="none" strike="noStrike" kern="1200" cap="none" spc="0" normalizeH="0" baseline="0" noProof="0">
+                  <a:ln>
+                    <a:noFill/>
+                  </a:ln>
+                  <a:solidFill>
+                    <a:prstClr val="white"/>
+                  </a:solidFill>
+                  <a:effectLst/>
+                  <a:uLnTx/>
+                  <a:uFillTx/>
+                  <a:latin typeface="等线" panose="020F0502020204030204"/>
+                  <a:ea typeface="等线" panose="02010600030101010101" pitchFamily="2" charset="-122"/>
+                  <a:cs typeface="+mn-cs"/>
+                </a:endParaRPr>
+              </a:p>
+            </p:txBody>
+          </p:sp>
+          <p:sp>
+            <p:nvSpPr>
+              <p:cNvPr id="61" name="椭圆 60">
+                <a:extLst>
+                  <a:ext uri="{FF2B5EF4-FFF2-40B4-BE49-F238E27FC236}">
+                    <a16:creationId xmlns:a16="http://schemas.microsoft.com/office/drawing/2014/main" id="{B5ADD325-70CF-4700-8F05-D2F06288A139}"/>
+                  </a:ext>
+                </a:extLst>
+              </p:cNvPr>
+              <p:cNvSpPr/>
+              <p:nvPr/>
+            </p:nvSpPr>
+            <p:spPr>
+              <a:xfrm>
+                <a:off x="3221084" y="4086776"/>
+                <a:ext cx="141163" cy="141163"/>
+              </a:xfrm>
+              <a:prstGeom prst="ellipse">
+                <a:avLst/>
+              </a:prstGeom>
+              <a:solidFill>
+                <a:srgbClr val="92D050"/>
+              </a:solidFill>
+            </p:spPr>
+            <p:style>
+              <a:lnRef idx="2">
+                <a:schemeClr val="accent1">
+                  <a:shade val="50000"/>
+                </a:schemeClr>
+              </a:lnRef>
+              <a:fillRef idx="1">
+                <a:schemeClr val="accent1"/>
+              </a:fillRef>
+              <a:effectRef idx="0">
+                <a:schemeClr val="accent1"/>
+              </a:effectRef>
+              <a:fontRef idx="minor">
+                <a:schemeClr val="lt1"/>
+              </a:fontRef>
+            </p:style>
+            <p:txBody>
+              <a:bodyPr rtlCol="0" anchor="ctr"/>
+              <a:lstStyle/>
+              <a:p>
+                <a:pPr marL="0" marR="0" lvl="0" indent="0" algn="ctr" defTabSz="914400" rtl="0" eaLnBrk="1" fontAlgn="auto" latinLnBrk="0" hangingPunct="1">
+                  <a:lnSpc>
+                    <a:spcPct val="100000"/>
+                  </a:lnSpc>
+                  <a:spcBef>
+                    <a:spcPts val="0"/>
+                  </a:spcBef>
+                  <a:spcAft>
+                    <a:spcPts val="0"/>
+                  </a:spcAft>
+                  <a:buClrTx/>
+                  <a:buSzTx/>
+                  <a:buFontTx/>
+                  <a:buNone/>
+                  <a:tabLst/>
+                  <a:defRPr/>
+                </a:pPr>
+                <a:endParaRPr kumimoji="0" lang="zh-CN" altLang="en-US" sz="1800" b="0" i="0" u="none" strike="noStrike" kern="1200" cap="none" spc="0" normalizeH="0" baseline="0" noProof="0">
+                  <a:ln>
+                    <a:noFill/>
+                  </a:ln>
+                  <a:solidFill>
+                    <a:prstClr val="white"/>
+                  </a:solidFill>
+                  <a:effectLst/>
+                  <a:uLnTx/>
+                  <a:uFillTx/>
+                  <a:latin typeface="等线" panose="020F0502020204030204"/>
+                  <a:ea typeface="等线" panose="02010600030101010101" pitchFamily="2" charset="-122"/>
+                  <a:cs typeface="+mn-cs"/>
+                </a:endParaRPr>
+              </a:p>
+            </p:txBody>
+          </p:sp>
+          <p:cxnSp>
+            <p:nvCxnSpPr>
+              <p:cNvPr id="58" name="直接箭头连接符 57">
+                <a:extLst>
+                  <a:ext uri="{FF2B5EF4-FFF2-40B4-BE49-F238E27FC236}">
+                    <a16:creationId xmlns:a16="http://schemas.microsoft.com/office/drawing/2014/main" id="{9B750062-9959-4714-87BE-B07340F4C904}"/>
+                  </a:ext>
+                </a:extLst>
+              </p:cNvPr>
+              <p:cNvCxnSpPr>
+                <a:cxnSpLocks/>
+              </p:cNvCxnSpPr>
+              <p:nvPr/>
+            </p:nvCxnSpPr>
+            <p:spPr>
+              <a:xfrm flipH="1" flipV="1">
+                <a:off x="6983716" y="3049946"/>
+                <a:ext cx="534106" cy="986279"/>
+              </a:xfrm>
+              <a:prstGeom prst="straightConnector1">
+                <a:avLst/>
+              </a:prstGeom>
+              <a:ln>
+                <a:tailEnd type="triangle"/>
+              </a:ln>
+            </p:spPr>
+            <p:style>
+              <a:lnRef idx="1">
+                <a:schemeClr val="dk1"/>
+              </a:lnRef>
+              <a:fillRef idx="0">
+                <a:schemeClr val="dk1"/>
+              </a:fillRef>
+              <a:effectRef idx="0">
+                <a:schemeClr val="dk1"/>
+              </a:effectRef>
+              <a:fontRef idx="minor">
+                <a:schemeClr val="tx1"/>
+              </a:fontRef>
+            </p:style>
+          </p:cxnSp>
+          <p:sp>
+            <p:nvSpPr>
+              <p:cNvPr id="65" name="矩形 64">
+                <a:extLst>
+                  <a:ext uri="{FF2B5EF4-FFF2-40B4-BE49-F238E27FC236}">
+                    <a16:creationId xmlns:a16="http://schemas.microsoft.com/office/drawing/2014/main" id="{E40B6525-C68A-4C68-AB20-AFFB767C9D48}"/>
+                  </a:ext>
+                </a:extLst>
+              </p:cNvPr>
+              <p:cNvSpPr/>
+              <p:nvPr/>
+            </p:nvSpPr>
+            <p:spPr>
+              <a:xfrm>
+                <a:off x="7261073" y="3339907"/>
+                <a:ext cx="141163" cy="141163"/>
+              </a:xfrm>
+              <a:prstGeom prst="rect">
+                <a:avLst/>
+              </a:prstGeom>
+              <a:solidFill>
+                <a:srgbClr val="FFC000"/>
+              </a:solidFill>
+            </p:spPr>
+            <p:style>
+              <a:lnRef idx="2">
+                <a:schemeClr val="accent1">
+                  <a:shade val="50000"/>
+                </a:schemeClr>
+              </a:lnRef>
+              <a:fillRef idx="1">
+                <a:schemeClr val="accent1"/>
+              </a:fillRef>
+              <a:effectRef idx="0">
+                <a:schemeClr val="accent1"/>
+              </a:effectRef>
+              <a:fontRef idx="minor">
+                <a:schemeClr val="lt1"/>
+              </a:fontRef>
+            </p:style>
+            <p:txBody>
+              <a:bodyPr rtlCol="0" anchor="ctr"/>
+              <a:lstStyle/>
+              <a:p>
+                <a:pPr marL="0" marR="0" lvl="0" indent="0" algn="ctr" defTabSz="914400" rtl="0" eaLnBrk="1" fontAlgn="auto" latinLnBrk="0" hangingPunct="1">
+                  <a:lnSpc>
+                    <a:spcPct val="100000"/>
+                  </a:lnSpc>
+                  <a:spcBef>
+                    <a:spcPts val="0"/>
+                  </a:spcBef>
+                  <a:spcAft>
+                    <a:spcPts val="0"/>
+                  </a:spcAft>
+                  <a:buClrTx/>
+                  <a:buSzTx/>
+                  <a:buFontTx/>
+                  <a:buNone/>
+                  <a:tabLst/>
+                  <a:defRPr/>
+                </a:pPr>
+                <a:endParaRPr kumimoji="0" lang="zh-CN" altLang="en-US" sz="1800" b="0" i="0" u="none" strike="noStrike" kern="1200" cap="none" spc="0" normalizeH="0" baseline="0" noProof="0">
+                  <a:ln>
+                    <a:noFill/>
+                  </a:ln>
+                  <a:solidFill>
+                    <a:prstClr val="white"/>
+                  </a:solidFill>
+                  <a:effectLst/>
+                  <a:uLnTx/>
+                  <a:uFillTx/>
+                  <a:latin typeface="等线" panose="020F0502020204030204"/>
+                  <a:ea typeface="等线" panose="02010600030101010101" pitchFamily="2" charset="-122"/>
+                  <a:cs typeface="+mn-cs"/>
+                </a:endParaRPr>
+              </a:p>
+            </p:txBody>
+          </p:sp>
+          <p:cxnSp>
+            <p:nvCxnSpPr>
+              <p:cNvPr id="72" name="直接箭头连接符 71">
+                <a:extLst>
+                  <a:ext uri="{FF2B5EF4-FFF2-40B4-BE49-F238E27FC236}">
+                    <a16:creationId xmlns:a16="http://schemas.microsoft.com/office/drawing/2014/main" id="{5B9C7360-4504-41FE-99DA-1A7A736E1542}"/>
+                  </a:ext>
+                </a:extLst>
+              </p:cNvPr>
+              <p:cNvCxnSpPr>
+                <a:cxnSpLocks/>
+                <a:stCxn id="13" idx="3"/>
+                <a:endCxn id="7" idx="0"/>
+              </p:cNvCxnSpPr>
+              <p:nvPr/>
+            </p:nvCxnSpPr>
+            <p:spPr>
+              <a:xfrm>
+                <a:off x="4814254" y="2907610"/>
+                <a:ext cx="1618447" cy="1128614"/>
+              </a:xfrm>
+              <a:prstGeom prst="straightConnector1">
+                <a:avLst/>
+              </a:prstGeom>
+              <a:ln>
+                <a:tailEnd type="triangle"/>
+              </a:ln>
+            </p:spPr>
+            <p:style>
+              <a:lnRef idx="1">
+                <a:schemeClr val="dk1"/>
+              </a:lnRef>
+              <a:fillRef idx="0">
+                <a:schemeClr val="dk1"/>
+              </a:fillRef>
+              <a:effectRef idx="0">
+                <a:schemeClr val="dk1"/>
+              </a:effectRef>
+              <a:fontRef idx="minor">
+                <a:schemeClr val="tx1"/>
+              </a:fontRef>
+            </p:style>
+          </p:cxnSp>
+          <p:sp>
+            <p:nvSpPr>
+              <p:cNvPr id="84" name="矩形 83">
+                <a:extLst>
+                  <a:ext uri="{FF2B5EF4-FFF2-40B4-BE49-F238E27FC236}">
+                    <a16:creationId xmlns:a16="http://schemas.microsoft.com/office/drawing/2014/main" id="{54F52D41-5382-48F8-A865-AE275D22F95A}"/>
+                  </a:ext>
+                </a:extLst>
+              </p:cNvPr>
+              <p:cNvSpPr/>
+              <p:nvPr/>
+            </p:nvSpPr>
+            <p:spPr>
+              <a:xfrm>
+                <a:off x="7517822" y="3626234"/>
+                <a:ext cx="909223" cy="246221"/>
+              </a:xfrm>
+              <a:prstGeom prst="rect">
+                <a:avLst/>
+              </a:prstGeom>
+            </p:spPr>
+            <p:txBody>
+              <a:bodyPr wrap="none">
+                <a:spAutoFit/>
+              </a:bodyPr>
+              <a:lstStyle/>
+              <a:p>
+                <a:pPr marL="0" marR="0" lvl="0" indent="0" algn="l" defTabSz="914400" rtl="0" eaLnBrk="1" fontAlgn="auto" latinLnBrk="0" hangingPunct="1">
+                  <a:lnSpc>
+                    <a:spcPct val="100000"/>
+                  </a:lnSpc>
+                  <a:spcBef>
+                    <a:spcPts val="0"/>
+                  </a:spcBef>
+                  <a:spcAft>
+                    <a:spcPts val="0"/>
+                  </a:spcAft>
+                  <a:buClrTx/>
+                  <a:buSzTx/>
+                  <a:buFontTx/>
+                  <a:buNone/>
+                  <a:tabLst/>
+                  <a:defRPr/>
+                </a:pPr>
+                <a:r>
+                  <a:rPr kumimoji="0" lang="en-US" altLang="zh-CN" sz="1000" b="0" i="0" u="none" strike="noStrike" kern="1200" cap="none" spc="0" normalizeH="0" baseline="0" noProof="0" dirty="0">
+                    <a:ln>
+                      <a:noFill/>
+                    </a:ln>
+                    <a:solidFill>
+                      <a:prstClr val="black"/>
+                    </a:solidFill>
+                    <a:effectLst/>
+                    <a:uLnTx/>
+                    <a:uFillTx/>
+                    <a:latin typeface="Times New Roman" panose="02020603050405020304" pitchFamily="18" charset="0"/>
+                    <a:ea typeface="等线" panose="02010600030101010101" pitchFamily="2" charset="-122"/>
+                    <a:cs typeface="Times New Roman" panose="02020603050405020304" pitchFamily="18" charset="0"/>
+                  </a:rPr>
+                  <a:t>associate with</a:t>
+                </a:r>
+                <a:endParaRPr kumimoji="0" lang="zh-CN" altLang="en-US" sz="1000" b="0" i="0" u="none" strike="noStrike" kern="1200" cap="none" spc="0" normalizeH="0" baseline="0" noProof="0" dirty="0">
+                  <a:ln>
+                    <a:noFill/>
+                  </a:ln>
+                  <a:solidFill>
+                    <a:prstClr val="black"/>
+                  </a:solidFill>
+                  <a:effectLst/>
+                  <a:uLnTx/>
+                  <a:uFillTx/>
+                  <a:latin typeface="等线" panose="020F0502020204030204"/>
+                  <a:ea typeface="等线" panose="02010600030101010101" pitchFamily="2" charset="-122"/>
+                  <a:cs typeface="+mn-cs"/>
+                </a:endParaRPr>
+              </a:p>
+            </p:txBody>
+          </p:sp>
+          <p:sp>
+            <p:nvSpPr>
+              <p:cNvPr id="85" name="矩形 84">
+                <a:extLst>
+                  <a:ext uri="{FF2B5EF4-FFF2-40B4-BE49-F238E27FC236}">
+                    <a16:creationId xmlns:a16="http://schemas.microsoft.com/office/drawing/2014/main" id="{1DD0A1D0-23C6-458A-B962-C8C762103645}"/>
+                  </a:ext>
+                </a:extLst>
+              </p:cNvPr>
+              <p:cNvSpPr/>
+              <p:nvPr/>
+            </p:nvSpPr>
+            <p:spPr>
+              <a:xfrm>
+                <a:off x="4790396" y="2929097"/>
+                <a:ext cx="478016" cy="246221"/>
+              </a:xfrm>
+              <a:prstGeom prst="rect">
+                <a:avLst/>
+              </a:prstGeom>
+            </p:spPr>
+            <p:txBody>
+              <a:bodyPr wrap="none">
+                <a:spAutoFit/>
+              </a:bodyPr>
+              <a:lstStyle/>
+              <a:p>
+                <a:pPr marL="0" marR="0" lvl="0" indent="0" algn="l" defTabSz="914400" rtl="0" eaLnBrk="1" fontAlgn="auto" latinLnBrk="0" hangingPunct="1">
+                  <a:lnSpc>
+                    <a:spcPct val="100000"/>
+                  </a:lnSpc>
+                  <a:spcBef>
+                    <a:spcPts val="0"/>
+                  </a:spcBef>
+                  <a:spcAft>
+                    <a:spcPts val="0"/>
+                  </a:spcAft>
+                  <a:buClrTx/>
+                  <a:buSzTx/>
+                  <a:buFontTx/>
+                  <a:buNone/>
+                  <a:tabLst/>
+                  <a:defRPr/>
+                </a:pPr>
+                <a:r>
+                  <a:rPr kumimoji="0" lang="en-US" altLang="zh-CN" sz="1000" b="0" i="0" u="none" strike="noStrike" kern="1200" cap="none" spc="0" normalizeH="0" baseline="0" noProof="0" dirty="0">
+                    <a:ln>
+                      <a:noFill/>
+                    </a:ln>
+                    <a:solidFill>
+                      <a:prstClr val="black"/>
+                    </a:solidFill>
+                    <a:effectLst/>
+                    <a:uLnTx/>
+                    <a:uFillTx/>
+                    <a:latin typeface="Times New Roman" panose="02020603050405020304" pitchFamily="18" charset="0"/>
+                    <a:ea typeface="等线" panose="02010600030101010101" pitchFamily="2" charset="-122"/>
+                    <a:cs typeface="Times New Roman" panose="02020603050405020304" pitchFamily="18" charset="0"/>
+                  </a:rPr>
+                  <a:t>target</a:t>
+                </a:r>
+                <a:endParaRPr kumimoji="0" lang="zh-CN" altLang="en-US" sz="1000" b="0" i="0" u="none" strike="noStrike" kern="1200" cap="none" spc="0" normalizeH="0" baseline="0" noProof="0" dirty="0">
+                  <a:ln>
+                    <a:noFill/>
+                  </a:ln>
+                  <a:solidFill>
+                    <a:prstClr val="black"/>
+                  </a:solidFill>
+                  <a:effectLst/>
+                  <a:uLnTx/>
+                  <a:uFillTx/>
+                  <a:latin typeface="Times New Roman" panose="02020603050405020304" pitchFamily="18" charset="0"/>
+                  <a:ea typeface="等线" panose="02010600030101010101" pitchFamily="2" charset="-122"/>
+                  <a:cs typeface="Times New Roman" panose="02020603050405020304" pitchFamily="18" charset="0"/>
+                </a:endParaRPr>
+              </a:p>
+            </p:txBody>
+          </p:sp>
+          <p:sp>
+            <p:nvSpPr>
+              <p:cNvPr id="86" name="平行四边形 85">
+                <a:extLst>
+                  <a:ext uri="{FF2B5EF4-FFF2-40B4-BE49-F238E27FC236}">
+                    <a16:creationId xmlns:a16="http://schemas.microsoft.com/office/drawing/2014/main" id="{F6C37111-1170-44C4-B59C-BF9E33732A56}"/>
+                  </a:ext>
+                </a:extLst>
+              </p:cNvPr>
+              <p:cNvSpPr/>
+              <p:nvPr/>
+            </p:nvSpPr>
+            <p:spPr>
+              <a:xfrm>
+                <a:off x="3719901" y="5421254"/>
+                <a:ext cx="160347" cy="120561"/>
+              </a:xfrm>
+              <a:prstGeom prst="parallelogram">
+                <a:avLst/>
+              </a:prstGeom>
+              <a:solidFill>
+                <a:srgbClr val="FF0000"/>
+              </a:solidFill>
+            </p:spPr>
+            <p:style>
+              <a:lnRef idx="2">
+                <a:schemeClr val="accent1">
+                  <a:shade val="50000"/>
+                </a:schemeClr>
+              </a:lnRef>
+              <a:fillRef idx="1">
+                <a:schemeClr val="accent1"/>
+              </a:fillRef>
+              <a:effectRef idx="0">
+                <a:schemeClr val="accent1"/>
+              </a:effectRef>
+              <a:fontRef idx="minor">
+                <a:schemeClr val="lt1"/>
+              </a:fontRef>
+            </p:style>
+            <p:txBody>
+              <a:bodyPr rtlCol="0" anchor="ctr"/>
+              <a:lstStyle/>
+              <a:p>
+                <a:pPr marL="0" marR="0" lvl="0" indent="0" algn="ctr" defTabSz="914400" rtl="0" eaLnBrk="1" fontAlgn="auto" latinLnBrk="0" hangingPunct="1">
+                  <a:lnSpc>
+                    <a:spcPct val="100000"/>
+                  </a:lnSpc>
+                  <a:spcBef>
+                    <a:spcPts val="0"/>
+                  </a:spcBef>
+                  <a:spcAft>
+                    <a:spcPts val="0"/>
+                  </a:spcAft>
+                  <a:buClrTx/>
+                  <a:buSzTx/>
+                  <a:buFontTx/>
+                  <a:buNone/>
+                  <a:tabLst/>
+                  <a:defRPr/>
+                </a:pPr>
+                <a:endParaRPr kumimoji="0" lang="zh-CN" altLang="en-US" sz="1800" b="0" i="0" u="none" strike="noStrike" kern="1200" cap="none" spc="0" normalizeH="0" baseline="0" noProof="0">
+                  <a:ln>
+                    <a:noFill/>
+                  </a:ln>
+                  <a:solidFill>
+                    <a:prstClr val="white"/>
+                  </a:solidFill>
+                  <a:effectLst/>
+                  <a:uLnTx/>
+                  <a:uFillTx/>
+                  <a:latin typeface="等线" panose="020F0502020204030204"/>
+                  <a:ea typeface="等线" panose="02010600030101010101" pitchFamily="2" charset="-122"/>
+                  <a:cs typeface="+mn-cs"/>
+                </a:endParaRPr>
+              </a:p>
+            </p:txBody>
+          </p:sp>
+          <p:sp>
+            <p:nvSpPr>
+              <p:cNvPr id="87" name="矩形 86">
+                <a:extLst>
+                  <a:ext uri="{FF2B5EF4-FFF2-40B4-BE49-F238E27FC236}">
+                    <a16:creationId xmlns:a16="http://schemas.microsoft.com/office/drawing/2014/main" id="{0B738331-4329-4487-8573-9ACE59F7D6CE}"/>
+                  </a:ext>
+                </a:extLst>
+              </p:cNvPr>
+              <p:cNvSpPr/>
+              <p:nvPr/>
+            </p:nvSpPr>
+            <p:spPr>
+              <a:xfrm>
+                <a:off x="4001880" y="5348122"/>
+                <a:ext cx="728084" cy="246221"/>
+              </a:xfrm>
+              <a:prstGeom prst="rect">
+                <a:avLst/>
+              </a:prstGeom>
+            </p:spPr>
+            <p:txBody>
+              <a:bodyPr wrap="none">
+                <a:spAutoFit/>
+              </a:bodyPr>
+              <a:lstStyle/>
+              <a:p>
+                <a:pPr marL="0" marR="0" lvl="0" indent="0" algn="l" defTabSz="914400" rtl="0" eaLnBrk="1" fontAlgn="auto" latinLnBrk="0" hangingPunct="1">
+                  <a:lnSpc>
+                    <a:spcPct val="100000"/>
+                  </a:lnSpc>
+                  <a:spcBef>
+                    <a:spcPts val="0"/>
+                  </a:spcBef>
+                  <a:spcAft>
+                    <a:spcPts val="0"/>
+                  </a:spcAft>
+                  <a:buClrTx/>
+                  <a:buSzTx/>
+                  <a:buFontTx/>
+                  <a:buNone/>
+                  <a:tabLst/>
+                  <a:defRPr/>
+                </a:pPr>
+                <a:r>
+                  <a:rPr kumimoji="0" lang="en-US" altLang="zh-CN" sz="1000" b="0" i="0" u="none" strike="noStrike" kern="1200" cap="none" spc="0" normalizeH="0" baseline="0" noProof="0" dirty="0" err="1">
+                    <a:ln>
+                      <a:noFill/>
+                    </a:ln>
+                    <a:solidFill>
+                      <a:prstClr val="black"/>
+                    </a:solidFill>
+                    <a:effectLst/>
+                    <a:uLnTx/>
+                    <a:uFillTx/>
+                    <a:latin typeface="Times New Roman" panose="02020603050405020304" pitchFamily="18" charset="0"/>
+                    <a:ea typeface="等线" panose="02010600030101010101" pitchFamily="2" charset="-122"/>
+                    <a:cs typeface="Times New Roman" panose="02020603050405020304" pitchFamily="18" charset="0"/>
+                  </a:rPr>
+                  <a:t>DrugBank</a:t>
+                </a:r>
+                <a:endParaRPr kumimoji="0" lang="zh-CN" altLang="en-US" sz="1000" b="0" i="0" u="none" strike="noStrike" kern="1200" cap="none" spc="0" normalizeH="0" baseline="0" noProof="0" dirty="0">
+                  <a:ln>
+                    <a:noFill/>
+                  </a:ln>
+                  <a:solidFill>
+                    <a:prstClr val="black"/>
+                  </a:solidFill>
+                  <a:effectLst/>
+                  <a:uLnTx/>
+                  <a:uFillTx/>
+                  <a:latin typeface="Times New Roman" panose="02020603050405020304" pitchFamily="18" charset="0"/>
+                  <a:ea typeface="等线" panose="02010600030101010101" pitchFamily="2" charset="-122"/>
+                  <a:cs typeface="Times New Roman" panose="02020603050405020304" pitchFamily="18" charset="0"/>
+                </a:endParaRPr>
+              </a:p>
+            </p:txBody>
+          </p:sp>
+          <p:sp>
+            <p:nvSpPr>
+              <p:cNvPr id="88" name="平行四边形 87">
+                <a:extLst>
+                  <a:ext uri="{FF2B5EF4-FFF2-40B4-BE49-F238E27FC236}">
+                    <a16:creationId xmlns:a16="http://schemas.microsoft.com/office/drawing/2014/main" id="{0D8A0A8B-C173-4085-959F-890314CEC08C}"/>
+                  </a:ext>
+                </a:extLst>
+              </p:cNvPr>
+              <p:cNvSpPr/>
+              <p:nvPr/>
+            </p:nvSpPr>
+            <p:spPr>
+              <a:xfrm>
+                <a:off x="4923999" y="2861061"/>
+                <a:ext cx="160347" cy="120561"/>
+              </a:xfrm>
+              <a:prstGeom prst="parallelogram">
+                <a:avLst/>
+              </a:prstGeom>
+              <a:solidFill>
+                <a:srgbClr val="FF0000"/>
+              </a:solidFill>
+            </p:spPr>
+            <p:style>
+              <a:lnRef idx="2">
+                <a:schemeClr val="accent1">
+                  <a:shade val="50000"/>
+                </a:schemeClr>
+              </a:lnRef>
+              <a:fillRef idx="1">
+                <a:schemeClr val="accent1"/>
+              </a:fillRef>
+              <a:effectRef idx="0">
+                <a:schemeClr val="accent1"/>
+              </a:effectRef>
+              <a:fontRef idx="minor">
+                <a:schemeClr val="lt1"/>
+              </a:fontRef>
+            </p:style>
+            <p:txBody>
+              <a:bodyPr rtlCol="0" anchor="ctr"/>
+              <a:lstStyle/>
+              <a:p>
+                <a:pPr marL="0" marR="0" lvl="0" indent="0" algn="ctr" defTabSz="914400" rtl="0" eaLnBrk="1" fontAlgn="auto" latinLnBrk="0" hangingPunct="1">
+                  <a:lnSpc>
+                    <a:spcPct val="100000"/>
+                  </a:lnSpc>
+                  <a:spcBef>
+                    <a:spcPts val="0"/>
+                  </a:spcBef>
+                  <a:spcAft>
+                    <a:spcPts val="0"/>
+                  </a:spcAft>
+                  <a:buClrTx/>
+                  <a:buSzTx/>
+                  <a:buFontTx/>
+                  <a:buNone/>
+                  <a:tabLst/>
+                  <a:defRPr/>
+                </a:pPr>
+                <a:endParaRPr kumimoji="0" lang="zh-CN" altLang="en-US" sz="1800" b="0" i="0" u="none" strike="noStrike" kern="1200" cap="none" spc="0" normalizeH="0" baseline="0" noProof="0">
+                  <a:ln>
+                    <a:noFill/>
+                  </a:ln>
+                  <a:solidFill>
+                    <a:prstClr val="white"/>
+                  </a:solidFill>
+                  <a:effectLst/>
+                  <a:uLnTx/>
+                  <a:uFillTx/>
+                  <a:latin typeface="等线" panose="020F0502020204030204"/>
+                  <a:ea typeface="等线" panose="02010600030101010101" pitchFamily="2" charset="-122"/>
+                  <a:cs typeface="+mn-cs"/>
+                </a:endParaRPr>
+              </a:p>
+            </p:txBody>
+          </p:sp>
+          <p:cxnSp>
+            <p:nvCxnSpPr>
+              <p:cNvPr id="66" name="直接箭头连接符 65">
+                <a:extLst>
+                  <a:ext uri="{FF2B5EF4-FFF2-40B4-BE49-F238E27FC236}">
+                    <a16:creationId xmlns:a16="http://schemas.microsoft.com/office/drawing/2014/main" id="{EC58A58A-6490-4CF2-BBE4-C8C2F9844973}"/>
+                  </a:ext>
+                </a:extLst>
+              </p:cNvPr>
+              <p:cNvCxnSpPr>
+                <a:cxnSpLocks/>
+                <a:stCxn id="8" idx="3"/>
+              </p:cNvCxnSpPr>
+              <p:nvPr/>
+            </p:nvCxnSpPr>
+            <p:spPr>
+              <a:xfrm flipV="1">
+                <a:off x="5623317" y="3049946"/>
+                <a:ext cx="1919631" cy="609915"/>
+              </a:xfrm>
+              <a:prstGeom prst="straightConnector1">
+                <a:avLst/>
+              </a:prstGeom>
+              <a:ln>
+                <a:tailEnd type="triangle"/>
+              </a:ln>
+            </p:spPr>
+            <p:style>
+              <a:lnRef idx="1">
+                <a:schemeClr val="dk1"/>
+              </a:lnRef>
+              <a:fillRef idx="0">
+                <a:schemeClr val="dk1"/>
+              </a:fillRef>
+              <a:effectRef idx="0">
+                <a:schemeClr val="dk1"/>
+              </a:effectRef>
+              <a:fontRef idx="minor">
+                <a:schemeClr val="tx1"/>
+              </a:fontRef>
+            </p:style>
+          </p:cxnSp>
+          <p:sp>
+            <p:nvSpPr>
+              <p:cNvPr id="68" name="矩形 67">
+                <a:extLst>
+                  <a:ext uri="{FF2B5EF4-FFF2-40B4-BE49-F238E27FC236}">
+                    <a16:creationId xmlns:a16="http://schemas.microsoft.com/office/drawing/2014/main" id="{0EAFD02C-EFB4-4F37-A34D-F17C3AC571F4}"/>
+                  </a:ext>
+                </a:extLst>
+              </p:cNvPr>
+              <p:cNvSpPr/>
+              <p:nvPr/>
+            </p:nvSpPr>
+            <p:spPr>
+              <a:xfrm>
+                <a:off x="6177037" y="3382106"/>
+                <a:ext cx="471604" cy="246221"/>
+              </a:xfrm>
+              <a:prstGeom prst="rect">
+                <a:avLst/>
+              </a:prstGeom>
+            </p:spPr>
+            <p:txBody>
+              <a:bodyPr wrap="none">
+                <a:spAutoFit/>
+              </a:bodyPr>
+              <a:lstStyle/>
+              <a:p>
+                <a:pPr marL="0" marR="0" lvl="0" indent="0" algn="l" defTabSz="914400" rtl="0" eaLnBrk="1" fontAlgn="auto" latinLnBrk="0" hangingPunct="1">
+                  <a:lnSpc>
+                    <a:spcPct val="100000"/>
+                  </a:lnSpc>
+                  <a:spcBef>
+                    <a:spcPts val="0"/>
+                  </a:spcBef>
+                  <a:spcAft>
+                    <a:spcPts val="0"/>
+                  </a:spcAft>
+                  <a:buClrTx/>
+                  <a:buSzTx/>
+                  <a:buFontTx/>
+                  <a:buNone/>
+                  <a:tabLst/>
+                  <a:defRPr/>
+                </a:pPr>
+                <a:r>
+                  <a:rPr kumimoji="0" lang="en-US" altLang="zh-CN" sz="1000" b="0" i="0" u="none" strike="noStrike" kern="1200" cap="none" spc="0" normalizeH="0" baseline="0" noProof="0" dirty="0">
+                    <a:ln>
+                      <a:noFill/>
+                    </a:ln>
+                    <a:solidFill>
+                      <a:prstClr val="black"/>
+                    </a:solidFill>
+                    <a:effectLst/>
+                    <a:uLnTx/>
+                    <a:uFillTx/>
+                    <a:latin typeface="Times New Roman" panose="02020603050405020304" pitchFamily="18" charset="0"/>
+                    <a:ea typeface="等线" panose="02010600030101010101" pitchFamily="2" charset="-122"/>
+                    <a:cs typeface="Times New Roman" panose="02020603050405020304" pitchFamily="18" charset="0"/>
+                  </a:rPr>
+                  <a:t>cause</a:t>
+                </a:r>
+                <a:endParaRPr kumimoji="0" lang="zh-CN" altLang="en-US" sz="1000" b="0" i="0" u="none" strike="noStrike" kern="1200" cap="none" spc="0" normalizeH="0" baseline="0" noProof="0" dirty="0">
+                  <a:ln>
+                    <a:noFill/>
+                  </a:ln>
+                  <a:solidFill>
+                    <a:prstClr val="black"/>
+                  </a:solidFill>
+                  <a:effectLst/>
+                  <a:uLnTx/>
+                  <a:uFillTx/>
+                  <a:latin typeface="Times New Roman" panose="02020603050405020304" pitchFamily="18" charset="0"/>
+                  <a:ea typeface="等线" panose="02010600030101010101" pitchFamily="2" charset="-122"/>
+                  <a:cs typeface="Times New Roman" panose="02020603050405020304" pitchFamily="18" charset="0"/>
+                </a:endParaRPr>
+              </a:p>
+            </p:txBody>
+          </p:sp>
+          <p:sp>
+            <p:nvSpPr>
+              <p:cNvPr id="69" name="椭圆 68">
+                <a:extLst>
+                  <a:ext uri="{FF2B5EF4-FFF2-40B4-BE49-F238E27FC236}">
+                    <a16:creationId xmlns:a16="http://schemas.microsoft.com/office/drawing/2014/main" id="{03445AD2-1114-4ED8-9B8E-A20C727CDD32}"/>
+                  </a:ext>
+                </a:extLst>
+              </p:cNvPr>
+              <p:cNvSpPr/>
+              <p:nvPr/>
+            </p:nvSpPr>
+            <p:spPr>
+              <a:xfrm>
+                <a:off x="6323004" y="3239938"/>
+                <a:ext cx="141163" cy="141163"/>
+              </a:xfrm>
+              <a:prstGeom prst="ellipse">
+                <a:avLst/>
+              </a:prstGeom>
+              <a:solidFill>
+                <a:srgbClr val="92D050"/>
+              </a:solidFill>
+            </p:spPr>
+            <p:style>
+              <a:lnRef idx="2">
+                <a:schemeClr val="accent1">
+                  <a:shade val="50000"/>
+                </a:schemeClr>
+              </a:lnRef>
+              <a:fillRef idx="1">
+                <a:schemeClr val="accent1"/>
+              </a:fillRef>
+              <a:effectRef idx="0">
+                <a:schemeClr val="accent1"/>
+              </a:effectRef>
+              <a:fontRef idx="minor">
+                <a:schemeClr val="lt1"/>
+              </a:fontRef>
+            </p:style>
+            <p:txBody>
+              <a:bodyPr rtlCol="0" anchor="ctr"/>
+              <a:lstStyle/>
+              <a:p>
+                <a:pPr marL="0" marR="0" lvl="0" indent="0" algn="ctr" defTabSz="914400" rtl="0" eaLnBrk="1" fontAlgn="auto" latinLnBrk="0" hangingPunct="1">
+                  <a:lnSpc>
+                    <a:spcPct val="100000"/>
+                  </a:lnSpc>
+                  <a:spcBef>
+                    <a:spcPts val="0"/>
+                  </a:spcBef>
+                  <a:spcAft>
+                    <a:spcPts val="0"/>
+                  </a:spcAft>
+                  <a:buClrTx/>
+                  <a:buSzTx/>
+                  <a:buFontTx/>
+                  <a:buNone/>
+                  <a:tabLst/>
+                  <a:defRPr/>
+                </a:pPr>
+                <a:endParaRPr kumimoji="0" lang="zh-CN" altLang="en-US" sz="1800" b="0" i="0" u="none" strike="noStrike" kern="1200" cap="none" spc="0" normalizeH="0" baseline="0" noProof="0">
+                  <a:ln>
+                    <a:noFill/>
+                  </a:ln>
+                  <a:solidFill>
+                    <a:prstClr val="white"/>
+                  </a:solidFill>
+                  <a:effectLst/>
+                  <a:uLnTx/>
+                  <a:uFillTx/>
+                  <a:latin typeface="等线" panose="020F0502020204030204"/>
+                  <a:ea typeface="等线" panose="02010600030101010101" pitchFamily="2" charset="-122"/>
+                  <a:cs typeface="+mn-cs"/>
+                </a:endParaRPr>
+              </a:p>
+            </p:txBody>
+          </p:sp>
+          <p:sp>
+            <p:nvSpPr>
+              <p:cNvPr id="70" name="矩形 69">
+                <a:extLst>
+                  <a:ext uri="{FF2B5EF4-FFF2-40B4-BE49-F238E27FC236}">
+                    <a16:creationId xmlns:a16="http://schemas.microsoft.com/office/drawing/2014/main" id="{73AB7404-772B-4B8F-A288-FBC2DFCC7594}"/>
+                  </a:ext>
+                </a:extLst>
+              </p:cNvPr>
+              <p:cNvSpPr/>
+              <p:nvPr/>
+            </p:nvSpPr>
+            <p:spPr>
+              <a:xfrm>
+                <a:off x="6502869" y="3167959"/>
+                <a:ext cx="141163" cy="141163"/>
+              </a:xfrm>
+              <a:prstGeom prst="rect">
+                <a:avLst/>
+              </a:prstGeom>
+              <a:solidFill>
+                <a:srgbClr val="FFC000"/>
+              </a:solidFill>
+            </p:spPr>
+            <p:style>
+              <a:lnRef idx="2">
+                <a:schemeClr val="accent1">
+                  <a:shade val="50000"/>
+                </a:schemeClr>
+              </a:lnRef>
+              <a:fillRef idx="1">
+                <a:schemeClr val="accent1"/>
+              </a:fillRef>
+              <a:effectRef idx="0">
+                <a:schemeClr val="accent1"/>
+              </a:effectRef>
+              <a:fontRef idx="minor">
+                <a:schemeClr val="lt1"/>
+              </a:fontRef>
+            </p:style>
+            <p:txBody>
+              <a:bodyPr rtlCol="0" anchor="ctr"/>
+              <a:lstStyle/>
+              <a:p>
+                <a:pPr marL="0" marR="0" lvl="0" indent="0" algn="ctr" defTabSz="914400" rtl="0" eaLnBrk="1" fontAlgn="auto" latinLnBrk="0" hangingPunct="1">
+                  <a:lnSpc>
+                    <a:spcPct val="100000"/>
+                  </a:lnSpc>
+                  <a:spcBef>
+                    <a:spcPts val="0"/>
+                  </a:spcBef>
+                  <a:spcAft>
+                    <a:spcPts val="0"/>
+                  </a:spcAft>
+                  <a:buClrTx/>
+                  <a:buSzTx/>
+                  <a:buFontTx/>
+                  <a:buNone/>
+                  <a:tabLst/>
+                  <a:defRPr/>
+                </a:pPr>
+                <a:endParaRPr kumimoji="0" lang="zh-CN" altLang="en-US" sz="1800" b="0" i="0" u="none" strike="noStrike" kern="1200" cap="none" spc="0" normalizeH="0" baseline="0" noProof="0">
+                  <a:ln>
+                    <a:noFill/>
+                  </a:ln>
+                  <a:solidFill>
+                    <a:prstClr val="white"/>
+                  </a:solidFill>
+                  <a:effectLst/>
+                  <a:uLnTx/>
+                  <a:uFillTx/>
+                  <a:latin typeface="等线" panose="020F0502020204030204"/>
+                  <a:ea typeface="等线" panose="02010600030101010101" pitchFamily="2" charset="-122"/>
+                  <a:cs typeface="+mn-cs"/>
+                </a:endParaRPr>
+              </a:p>
+            </p:txBody>
+          </p:sp>
+        </p:grpSp>
+        <p:sp>
+          <p:nvSpPr>
+            <p:cNvPr id="51" name="弧形 50">
+              <a:extLst>
+                <a:ext uri="{FF2B5EF4-FFF2-40B4-BE49-F238E27FC236}">
+                  <a16:creationId xmlns:a16="http://schemas.microsoft.com/office/drawing/2014/main" id="{9CDCD8A7-19BB-419F-94F4-039D017AF1A5}"/>
+                </a:ext>
+              </a:extLst>
+            </p:cNvPr>
+            <p:cNvSpPr/>
+            <p:nvPr/>
+          </p:nvSpPr>
+          <p:spPr>
+            <a:xfrm rot="7308123">
+              <a:off x="5813563" y="4237857"/>
+              <a:ext cx="570196" cy="287577"/>
+            </a:xfrm>
+            <a:prstGeom prst="arc">
+              <a:avLst>
+                <a:gd name="adj1" fmla="val 13513729"/>
+                <a:gd name="adj2" fmla="val 5242819"/>
+              </a:avLst>
+            </a:prstGeom>
+            <a:ln>
+              <a:headEnd type="none" w="med" len="med"/>
+              <a:tailEnd type="triangle" w="med" len="med"/>
+            </a:ln>
+          </p:spPr>
+          <p:style>
+            <a:lnRef idx="1">
+              <a:schemeClr val="dk1"/>
+            </a:lnRef>
+            <a:fillRef idx="0">
+              <a:schemeClr val="dk1"/>
+            </a:fillRef>
+            <a:effectRef idx="0">
+              <a:schemeClr val="dk1"/>
+            </a:effectRef>
+            <a:fontRef idx="minor">
+              <a:schemeClr val="tx1"/>
+            </a:fontRef>
+          </p:style>
+          <p:txBody>
+            <a:bodyPr rtlCol="0" anchor="ctr"/>
+            <a:lstStyle/>
+            <a:p>
+              <a:pPr marL="0" marR="0" lvl="0" indent="0" algn="ctr" defTabSz="914400" rtl="0" eaLnBrk="1" fontAlgn="auto" latinLnBrk="0" hangingPunct="1">
+                <a:lnSpc>
+                  <a:spcPct val="100000"/>
+                </a:lnSpc>
+                <a:spcBef>
+                  <a:spcPts val="0"/>
+                </a:spcBef>
+                <a:spcAft>
+                  <a:spcPts val="0"/>
+                </a:spcAft>
+                <a:buClrTx/>
+                <a:buSzTx/>
+                <a:buFontTx/>
+                <a:buNone/>
+                <a:tabLst/>
+                <a:defRPr/>
+              </a:pPr>
+              <a:endParaRPr kumimoji="0" lang="zh-CN" altLang="en-US" sz="1800" b="0" i="0" u="none" strike="noStrike" kern="1200" cap="none" spc="0" normalizeH="0" baseline="0" noProof="0">
+                <a:ln>
+                  <a:noFill/>
+                </a:ln>
+                <a:solidFill>
+                  <a:prstClr val="black"/>
+                </a:solidFill>
+                <a:effectLst/>
+                <a:uLnTx/>
+                <a:uFillTx/>
+                <a:latin typeface="等线" panose="020F0502020204030204"/>
+                <a:ea typeface="等线" panose="02010600030101010101" pitchFamily="2" charset="-122"/>
+                <a:cs typeface="+mn-cs"/>
+              </a:endParaRPr>
+            </a:p>
+          </p:txBody>
+        </p:sp>
+        <p:sp>
+          <p:nvSpPr>
+            <p:cNvPr id="73" name="矩形 72">
+              <a:extLst>
+                <a:ext uri="{FF2B5EF4-FFF2-40B4-BE49-F238E27FC236}">
+                  <a16:creationId xmlns:a16="http://schemas.microsoft.com/office/drawing/2014/main" id="{A6EC51F4-7A4B-4DB2-B67E-69F4E97FE799}"/>
+                </a:ext>
+              </a:extLst>
+            </p:cNvPr>
+            <p:cNvSpPr/>
+            <p:nvPr/>
+          </p:nvSpPr>
+          <p:spPr>
+            <a:xfrm>
+              <a:off x="5306713" y="4581550"/>
+              <a:ext cx="830677" cy="246221"/>
+            </a:xfrm>
+            <a:prstGeom prst="rect">
+              <a:avLst/>
+            </a:prstGeom>
+          </p:spPr>
+          <p:txBody>
+            <a:bodyPr wrap="none">
+              <a:spAutoFit/>
+            </a:bodyPr>
+            <a:lstStyle/>
+            <a:p>
+              <a:pPr marL="0" marR="0" lvl="0" indent="0" algn="l" defTabSz="914400" rtl="0" eaLnBrk="1" fontAlgn="auto" latinLnBrk="0" hangingPunct="1">
+                <a:lnSpc>
+                  <a:spcPct val="100000"/>
+                </a:lnSpc>
+                <a:spcBef>
+                  <a:spcPts val="0"/>
+                </a:spcBef>
+                <a:spcAft>
+                  <a:spcPts val="0"/>
+                </a:spcAft>
+                <a:buClrTx/>
+                <a:buSzTx/>
+                <a:buFontTx/>
+                <a:buNone/>
+                <a:tabLst/>
+                <a:defRPr/>
+              </a:pPr>
+              <a:r>
+                <a:rPr kumimoji="0" lang="en-US" altLang="zh-CN" sz="1000" b="0" i="0" u="none" strike="noStrike" kern="1200" cap="none" spc="0" normalizeH="0" baseline="0" noProof="0" dirty="0">
+                  <a:ln>
+                    <a:noFill/>
+                  </a:ln>
+                  <a:solidFill>
+                    <a:prstClr val="black"/>
+                  </a:solidFill>
+                  <a:effectLst/>
+                  <a:uLnTx/>
+                  <a:uFillTx/>
+                  <a:latin typeface="Times New Roman" panose="02020603050405020304" pitchFamily="18" charset="0"/>
+                  <a:ea typeface="等线" panose="02010600030101010101" pitchFamily="2" charset="-122"/>
+                  <a:cs typeface="Times New Roman" panose="02020603050405020304" pitchFamily="18" charset="0"/>
+                </a:rPr>
+                <a:t>interact with</a:t>
+              </a:r>
+              <a:endParaRPr kumimoji="0" lang="zh-CN" altLang="en-US" sz="1000" b="0" i="0" u="none" strike="noStrike" kern="1200" cap="none" spc="0" normalizeH="0" baseline="0" noProof="0" dirty="0">
+                <a:ln>
+                  <a:noFill/>
+                </a:ln>
+                <a:solidFill>
+                  <a:prstClr val="black"/>
+                </a:solidFill>
+                <a:effectLst/>
+                <a:uLnTx/>
+                <a:uFillTx/>
+                <a:latin typeface="等线" panose="020F0502020204030204"/>
+                <a:ea typeface="等线" panose="02010600030101010101" pitchFamily="2" charset="-122"/>
+                <a:cs typeface="+mn-cs"/>
+              </a:endParaRPr>
+            </a:p>
+          </p:txBody>
+        </p:sp>
+        <p:sp>
+          <p:nvSpPr>
+            <p:cNvPr id="74" name="等腰三角形 73">
+              <a:extLst>
+                <a:ext uri="{FF2B5EF4-FFF2-40B4-BE49-F238E27FC236}">
+                  <a16:creationId xmlns:a16="http://schemas.microsoft.com/office/drawing/2014/main" id="{E5C5A6ED-6913-4327-A5F3-2372C623AF48}"/>
+                </a:ext>
+              </a:extLst>
+            </p:cNvPr>
+            <p:cNvSpPr/>
+            <p:nvPr/>
+          </p:nvSpPr>
+          <p:spPr>
+            <a:xfrm>
+              <a:off x="5685602" y="4440387"/>
+              <a:ext cx="163749" cy="141163"/>
+            </a:xfrm>
+            <a:prstGeom prst="triangle">
+              <a:avLst/>
+            </a:prstGeom>
+          </p:spPr>
+          <p:style>
+            <a:lnRef idx="2">
+              <a:schemeClr val="accent1">
+                <a:shade val="50000"/>
+              </a:schemeClr>
+            </a:lnRef>
+            <a:fillRef idx="1">
+              <a:schemeClr val="accent1"/>
+            </a:fillRef>
+            <a:effectRef idx="0">
+              <a:schemeClr val="accent1"/>
+            </a:effectRef>
+            <a:fontRef idx="minor">
+              <a:schemeClr val="lt1"/>
+            </a:fontRef>
+          </p:style>
+          <p:txBody>
+            <a:bodyPr rtlCol="0" anchor="ctr"/>
+            <a:lstStyle/>
+            <a:p>
+              <a:pPr marL="0" marR="0" lvl="0" indent="0" algn="ctr" defTabSz="914400" rtl="0" eaLnBrk="1" fontAlgn="auto" latinLnBrk="0" hangingPunct="1">
+                <a:lnSpc>
+                  <a:spcPct val="100000"/>
+                </a:lnSpc>
+                <a:spcBef>
+                  <a:spcPts val="0"/>
+                </a:spcBef>
+                <a:spcAft>
+                  <a:spcPts val="0"/>
+                </a:spcAft>
+                <a:buClrTx/>
+                <a:buSzTx/>
+                <a:buFontTx/>
+                <a:buNone/>
+                <a:tabLst/>
+                <a:defRPr/>
+              </a:pPr>
+              <a:endParaRPr kumimoji="0" lang="zh-CN" altLang="en-US" sz="1800" b="0" i="0" u="none" strike="noStrike" kern="1200" cap="none" spc="0" normalizeH="0" baseline="0" noProof="0">
+                <a:ln>
+                  <a:noFill/>
+                </a:ln>
+                <a:solidFill>
+                  <a:prstClr val="white"/>
+                </a:solidFill>
+                <a:effectLst/>
+                <a:uLnTx/>
+                <a:uFillTx/>
+                <a:latin typeface="等线" panose="020F0502020204030204"/>
+                <a:ea typeface="等线" panose="02010600030101010101" pitchFamily="2" charset="-122"/>
+                <a:cs typeface="+mn-cs"/>
+              </a:endParaRPr>
+            </a:p>
+          </p:txBody>
+        </p:sp>
+      </p:grpSp>
+      <p:sp>
+        <p:nvSpPr>
+          <p:cNvPr id="80" name="弧形 79">
+            <a:extLst>
+              <a:ext uri="{FF2B5EF4-FFF2-40B4-BE49-F238E27FC236}">
+                <a16:creationId xmlns:a16="http://schemas.microsoft.com/office/drawing/2014/main" id="{D9089CAF-9CDE-40D8-9538-9B8A00A0683C}"/>
+              </a:ext>
+            </a:extLst>
+          </p:cNvPr>
+          <p:cNvSpPr/>
+          <p:nvPr/>
+        </p:nvSpPr>
+        <p:spPr>
+          <a:xfrm rot="16200000">
+            <a:off x="4899544" y="3368811"/>
+            <a:ext cx="372962" cy="287577"/>
+          </a:xfrm>
+          <a:prstGeom prst="arc">
+            <a:avLst>
+              <a:gd name="adj1" fmla="val 16175316"/>
+              <a:gd name="adj2" fmla="val 5242819"/>
+            </a:avLst>
+          </a:prstGeom>
+          <a:ln>
+            <a:headEnd type="none" w="med" len="med"/>
+            <a:tailEnd type="triangle" w="med" len="med"/>
+          </a:ln>
+        </p:spPr>
+        <p:style>
+          <a:lnRef idx="1">
+            <a:schemeClr val="dk1"/>
+          </a:lnRef>
+          <a:fillRef idx="0">
+            <a:schemeClr val="dk1"/>
+          </a:fillRef>
+          <a:effectRef idx="0">
+            <a:schemeClr val="dk1"/>
+          </a:effectRef>
+          <a:fontRef idx="minor">
+            <a:schemeClr val="tx1"/>
+          </a:fontRef>
+        </p:style>
+        <p:txBody>
+          <a:bodyPr rtlCol="0" anchor="ctr"/>
+          <a:lstStyle/>
+          <a:p>
+            <a:pPr marL="0" marR="0" lvl="0" indent="0" algn="ctr" defTabSz="914400" rtl="0" eaLnBrk="1" fontAlgn="auto" latinLnBrk="0" hangingPunct="1">
+              <a:lnSpc>
+                <a:spcPct val="100000"/>
+              </a:lnSpc>
+              <a:spcBef>
+                <a:spcPts val="0"/>
+              </a:spcBef>
+              <a:spcAft>
+                <a:spcPts val="0"/>
+              </a:spcAft>
+              <a:buClrTx/>
+              <a:buSzTx/>
+              <a:buFontTx/>
+              <a:buNone/>
+              <a:tabLst/>
+              <a:defRPr/>
+            </a:pPr>
+            <a:endParaRPr kumimoji="0" lang="zh-CN" altLang="en-US" sz="1800" b="0" i="0" u="none" strike="noStrike" kern="1200" cap="none" spc="0" normalizeH="0" baseline="0" noProof="0">
+              <a:ln>
+                <a:noFill/>
+              </a:ln>
+              <a:solidFill>
+                <a:prstClr val="black"/>
+              </a:solidFill>
+              <a:effectLst/>
+              <a:uLnTx/>
+              <a:uFillTx/>
+              <a:latin typeface="等线" panose="020F0502020204030204"/>
+              <a:ea typeface="等线" panose="02010600030101010101" pitchFamily="2" charset="-122"/>
+              <a:cs typeface="+mn-cs"/>
+            </a:endParaRPr>
+          </a:p>
+        </p:txBody>
+      </p:sp>
+      <p:sp>
+        <p:nvSpPr>
+          <p:cNvPr id="81" name="椭圆 80">
+            <a:extLst>
+              <a:ext uri="{FF2B5EF4-FFF2-40B4-BE49-F238E27FC236}">
+                <a16:creationId xmlns:a16="http://schemas.microsoft.com/office/drawing/2014/main" id="{3B4BB419-220B-40D6-8072-681E60D2DBD2}"/>
+              </a:ext>
+            </a:extLst>
+          </p:cNvPr>
+          <p:cNvSpPr/>
+          <p:nvPr/>
+        </p:nvSpPr>
+        <p:spPr>
+          <a:xfrm>
+            <a:off x="4806705" y="3263949"/>
+            <a:ext cx="141163" cy="141163"/>
+          </a:xfrm>
+          <a:prstGeom prst="ellipse">
+            <a:avLst/>
+          </a:prstGeom>
+          <a:solidFill>
+            <a:srgbClr val="92D050"/>
+          </a:solidFill>
+        </p:spPr>
+        <p:style>
+          <a:lnRef idx="2">
+            <a:schemeClr val="accent1">
+              <a:shade val="50000"/>
+            </a:schemeClr>
+          </a:lnRef>
+          <a:fillRef idx="1">
+            <a:schemeClr val="accent1"/>
+          </a:fillRef>
+          <a:effectRef idx="0">
+            <a:schemeClr val="accent1"/>
+          </a:effectRef>
+          <a:fontRef idx="minor">
+            <a:schemeClr val="lt1"/>
+          </a:fontRef>
+        </p:style>
+        <p:txBody>
+          <a:bodyPr rtlCol="0" anchor="ctr"/>
+          <a:lstStyle/>
+          <a:p>
+            <a:pPr marL="0" marR="0" lvl="0" indent="0" algn="ctr" defTabSz="914400" rtl="0" eaLnBrk="1" fontAlgn="auto" latinLnBrk="0" hangingPunct="1">
+              <a:lnSpc>
+                <a:spcPct val="100000"/>
+              </a:lnSpc>
+              <a:spcBef>
+                <a:spcPts val="0"/>
+              </a:spcBef>
+              <a:spcAft>
+                <a:spcPts val="0"/>
+              </a:spcAft>
+              <a:buClrTx/>
+              <a:buSzTx/>
+              <a:buFontTx/>
+              <a:buNone/>
+              <a:tabLst/>
+              <a:defRPr/>
+            </a:pPr>
+            <a:endParaRPr kumimoji="0" lang="zh-CN" altLang="en-US" sz="1800" b="0" i="0" u="none" strike="noStrike" kern="1200" cap="none" spc="0" normalizeH="0" baseline="0" noProof="0">
+              <a:ln>
+                <a:noFill/>
+              </a:ln>
+              <a:solidFill>
+                <a:prstClr val="white"/>
+              </a:solidFill>
+              <a:effectLst/>
+              <a:uLnTx/>
+              <a:uFillTx/>
+              <a:latin typeface="等线" panose="020F0502020204030204"/>
+              <a:ea typeface="等线" panose="02010600030101010101" pitchFamily="2" charset="-122"/>
+              <a:cs typeface="+mn-cs"/>
+            </a:endParaRPr>
+          </a:p>
+        </p:txBody>
+      </p:sp>
+      <p:sp>
+        <p:nvSpPr>
+          <p:cNvPr id="82" name="矩形 81">
+            <a:extLst>
+              <a:ext uri="{FF2B5EF4-FFF2-40B4-BE49-F238E27FC236}">
+                <a16:creationId xmlns:a16="http://schemas.microsoft.com/office/drawing/2014/main" id="{14107BDE-125F-49E3-A881-C6307431DF5B}"/>
+              </a:ext>
+            </a:extLst>
+          </p:cNvPr>
+          <p:cNvSpPr/>
+          <p:nvPr/>
+        </p:nvSpPr>
+        <p:spPr>
+          <a:xfrm>
+            <a:off x="4876951" y="3144496"/>
+            <a:ext cx="534121" cy="246221"/>
+          </a:xfrm>
+          <a:prstGeom prst="rect">
+            <a:avLst/>
+          </a:prstGeom>
+        </p:spPr>
+        <p:txBody>
+          <a:bodyPr wrap="none">
+            <a:spAutoFit/>
+          </a:bodyPr>
+          <a:lstStyle/>
+          <a:p>
+            <a:pPr marL="0" marR="0" lvl="0" indent="0" algn="l" defTabSz="914400" rtl="0" eaLnBrk="1" fontAlgn="auto" latinLnBrk="0" hangingPunct="1">
+              <a:lnSpc>
+                <a:spcPct val="100000"/>
+              </a:lnSpc>
+              <a:spcBef>
+                <a:spcPts val="0"/>
+              </a:spcBef>
+              <a:spcAft>
+                <a:spcPts val="0"/>
+              </a:spcAft>
+              <a:buClrTx/>
+              <a:buSzTx/>
+              <a:buFontTx/>
+              <a:buNone/>
+              <a:tabLst/>
+              <a:defRPr/>
+            </a:pPr>
+            <a:r>
+              <a:rPr kumimoji="0" lang="en-US" altLang="zh-CN" sz="1000" b="0" i="0" u="none" strike="noStrike" kern="1200" cap="none" spc="0" normalizeH="0" baseline="0" noProof="0" dirty="0">
+                <a:ln>
+                  <a:noFill/>
+                </a:ln>
+                <a:solidFill>
+                  <a:prstClr val="black"/>
+                </a:solidFill>
+                <a:effectLst/>
+                <a:uLnTx/>
+                <a:uFillTx/>
+                <a:latin typeface="Times New Roman" panose="02020603050405020304" pitchFamily="18" charset="0"/>
+                <a:ea typeface="等线" panose="02010600030101010101" pitchFamily="2" charset="-122"/>
+                <a:cs typeface="Times New Roman" panose="02020603050405020304" pitchFamily="18" charset="0"/>
+              </a:rPr>
+              <a:t>mutate</a:t>
+            </a:r>
+            <a:endParaRPr kumimoji="0" lang="zh-CN" altLang="en-US" sz="1000" b="0" i="0" u="none" strike="noStrike" kern="1200" cap="none" spc="0" normalizeH="0" baseline="0" noProof="0" dirty="0">
+              <a:ln>
+                <a:noFill/>
+              </a:ln>
+              <a:solidFill>
+                <a:prstClr val="black"/>
+              </a:solidFill>
+              <a:effectLst/>
+              <a:uLnTx/>
+              <a:uFillTx/>
+              <a:latin typeface="Times New Roman" panose="02020603050405020304" pitchFamily="18" charset="0"/>
+              <a:ea typeface="等线" panose="02010600030101010101" pitchFamily="2" charset="-122"/>
+              <a:cs typeface="Times New Roman" panose="02020603050405020304" pitchFamily="18" charset="0"/>
+            </a:endParaRPr>
+          </a:p>
+        </p:txBody>
+      </p:sp>
+      <p:cxnSp>
+        <p:nvCxnSpPr>
+          <p:cNvPr id="83" name="直接箭头连接符 82">
+            <a:extLst>
+              <a:ext uri="{FF2B5EF4-FFF2-40B4-BE49-F238E27FC236}">
+                <a16:creationId xmlns:a16="http://schemas.microsoft.com/office/drawing/2014/main" id="{EBDDFB02-E79B-46AF-B802-1F15E3E236A6}"/>
+              </a:ext>
+            </a:extLst>
+          </p:cNvPr>
+          <p:cNvCxnSpPr>
+            <a:cxnSpLocks/>
+            <a:stCxn id="8" idx="1"/>
+          </p:cNvCxnSpPr>
+          <p:nvPr/>
+        </p:nvCxnSpPr>
+        <p:spPr>
+          <a:xfrm flipH="1" flipV="1">
+            <a:off x="3362248" y="3015811"/>
+            <a:ext cx="1330382" cy="644050"/>
+          </a:xfrm>
+          <a:prstGeom prst="straightConnector1">
+            <a:avLst/>
+          </a:prstGeom>
+          <a:ln>
+            <a:tailEnd type="triangle"/>
+          </a:ln>
+        </p:spPr>
+        <p:style>
+          <a:lnRef idx="1">
+            <a:schemeClr val="dk1"/>
+          </a:lnRef>
+          <a:fillRef idx="0">
+            <a:schemeClr val="dk1"/>
+          </a:fillRef>
+          <a:effectRef idx="0">
+            <a:schemeClr val="dk1"/>
+          </a:effectRef>
+          <a:fontRef idx="minor">
+            <a:schemeClr val="tx1"/>
+          </a:fontRef>
+        </p:style>
+      </p:cxnSp>
+      <p:sp>
+        <p:nvSpPr>
+          <p:cNvPr id="89" name="矩形: 圆角 88">
+            <a:extLst>
+              <a:ext uri="{FF2B5EF4-FFF2-40B4-BE49-F238E27FC236}">
+                <a16:creationId xmlns:a16="http://schemas.microsoft.com/office/drawing/2014/main" id="{70971062-7C8C-4BFF-AF69-CDD7EF67C611}"/>
+              </a:ext>
+            </a:extLst>
+          </p:cNvPr>
+          <p:cNvSpPr/>
+          <p:nvPr/>
+        </p:nvSpPr>
+        <p:spPr>
+          <a:xfrm>
+            <a:off x="2491395" y="2759243"/>
+            <a:ext cx="874643" cy="287131"/>
+          </a:xfrm>
+          <a:prstGeom prst="roundRect">
+            <a:avLst/>
+          </a:prstGeom>
+          <a:noFill/>
+          <a:ln>
+            <a:solidFill>
+              <a:schemeClr val="tx1"/>
+            </a:solidFill>
+          </a:ln>
+        </p:spPr>
+        <p:style>
+          <a:lnRef idx="2">
+            <a:schemeClr val="accent1">
+              <a:shade val="50000"/>
+            </a:schemeClr>
+          </a:lnRef>
+          <a:fillRef idx="1">
+            <a:schemeClr val="accent1"/>
+          </a:fillRef>
+          <a:effectRef idx="0">
+            <a:schemeClr val="accent1"/>
+          </a:effectRef>
+          <a:fontRef idx="minor">
+            <a:schemeClr val="lt1"/>
+          </a:fontRef>
+        </p:style>
+        <p:txBody>
+          <a:bodyPr rtlCol="0" anchor="ctr"/>
+          <a:lstStyle/>
+          <a:p>
+            <a:pPr marL="0" marR="0" lvl="0" indent="0" algn="ctr" defTabSz="914400" rtl="0" eaLnBrk="1" fontAlgn="auto" latinLnBrk="0" hangingPunct="1">
+              <a:lnSpc>
+                <a:spcPct val="100000"/>
+              </a:lnSpc>
+              <a:spcBef>
+                <a:spcPts val="0"/>
+              </a:spcBef>
+              <a:spcAft>
+                <a:spcPts val="0"/>
+              </a:spcAft>
+              <a:buClrTx/>
+              <a:buSzTx/>
+              <a:buFontTx/>
+              <a:buNone/>
+              <a:tabLst/>
+              <a:defRPr/>
+            </a:pPr>
+            <a:r>
+              <a:rPr kumimoji="0" lang="en-US" altLang="zh-CN" sz="1100" b="0" i="0" u="none" strike="noStrike" kern="1200" cap="none" spc="0" normalizeH="0" baseline="0" noProof="0" dirty="0">
+                <a:ln>
+                  <a:noFill/>
+                </a:ln>
+                <a:solidFill>
+                  <a:prstClr val="black"/>
+                </a:solidFill>
+                <a:effectLst/>
+                <a:uLnTx/>
+                <a:uFillTx/>
+                <a:latin typeface="Times New Roman" panose="02020603050405020304" pitchFamily="18" charset="0"/>
+                <a:ea typeface="等线" panose="02010600030101010101" pitchFamily="2" charset="-122"/>
+                <a:cs typeface="Times New Roman" panose="02020603050405020304" pitchFamily="18" charset="0"/>
+              </a:rPr>
+              <a:t>Location</a:t>
+            </a:r>
+            <a:endParaRPr kumimoji="0" lang="zh-CN" altLang="en-US" sz="1100" b="0" i="0" u="none" strike="noStrike" kern="1200" cap="none" spc="0" normalizeH="0" baseline="0" noProof="0" dirty="0">
+              <a:ln>
+                <a:noFill/>
+              </a:ln>
+              <a:solidFill>
+                <a:prstClr val="white"/>
+              </a:solidFill>
+              <a:effectLst/>
+              <a:uLnTx/>
+              <a:uFillTx/>
+              <a:latin typeface="等线" panose="020F0502020204030204"/>
+              <a:ea typeface="等线" panose="02010600030101010101" pitchFamily="2" charset="-122"/>
+              <a:cs typeface="+mn-cs"/>
+            </a:endParaRPr>
+          </a:p>
+        </p:txBody>
+      </p:sp>
+      <p:sp>
+        <p:nvSpPr>
+          <p:cNvPr id="90" name="椭圆 89">
+            <a:extLst>
+              <a:ext uri="{FF2B5EF4-FFF2-40B4-BE49-F238E27FC236}">
+                <a16:creationId xmlns:a16="http://schemas.microsoft.com/office/drawing/2014/main" id="{33F2C670-445C-462A-B871-F16F7E03A67E}"/>
+              </a:ext>
+            </a:extLst>
+          </p:cNvPr>
+          <p:cNvSpPr/>
+          <p:nvPr/>
+        </p:nvSpPr>
+        <p:spPr>
+          <a:xfrm>
+            <a:off x="3533298" y="2935177"/>
+            <a:ext cx="141163" cy="141163"/>
+          </a:xfrm>
+          <a:prstGeom prst="ellipse">
+            <a:avLst/>
+          </a:prstGeom>
+          <a:solidFill>
+            <a:srgbClr val="92D050"/>
+          </a:solidFill>
+        </p:spPr>
+        <p:style>
+          <a:lnRef idx="2">
+            <a:schemeClr val="accent1">
+              <a:shade val="50000"/>
+            </a:schemeClr>
+          </a:lnRef>
+          <a:fillRef idx="1">
+            <a:schemeClr val="accent1"/>
+          </a:fillRef>
+          <a:effectRef idx="0">
+            <a:schemeClr val="accent1"/>
+          </a:effectRef>
+          <a:fontRef idx="minor">
+            <a:schemeClr val="lt1"/>
+          </a:fontRef>
+        </p:style>
+        <p:txBody>
+          <a:bodyPr rtlCol="0" anchor="ctr"/>
+          <a:lstStyle/>
+          <a:p>
+            <a:pPr marL="0" marR="0" lvl="0" indent="0" algn="ctr" defTabSz="914400" rtl="0" eaLnBrk="1" fontAlgn="auto" latinLnBrk="0" hangingPunct="1">
+              <a:lnSpc>
+                <a:spcPct val="100000"/>
+              </a:lnSpc>
+              <a:spcBef>
+                <a:spcPts val="0"/>
+              </a:spcBef>
+              <a:spcAft>
+                <a:spcPts val="0"/>
+              </a:spcAft>
+              <a:buClrTx/>
+              <a:buSzTx/>
+              <a:buFontTx/>
+              <a:buNone/>
+              <a:tabLst/>
+              <a:defRPr/>
+            </a:pPr>
+            <a:endParaRPr kumimoji="0" lang="zh-CN" altLang="en-US" sz="1800" b="0" i="0" u="none" strike="noStrike" kern="1200" cap="none" spc="0" normalizeH="0" baseline="0" noProof="0">
+              <a:ln>
+                <a:noFill/>
+              </a:ln>
+              <a:solidFill>
+                <a:prstClr val="white"/>
+              </a:solidFill>
+              <a:effectLst/>
+              <a:uLnTx/>
+              <a:uFillTx/>
+              <a:latin typeface="等线" panose="020F0502020204030204"/>
+              <a:ea typeface="等线" panose="02010600030101010101" pitchFamily="2" charset="-122"/>
+              <a:cs typeface="+mn-cs"/>
+            </a:endParaRPr>
+          </a:p>
+        </p:txBody>
+      </p:sp>
+      <p:sp>
+        <p:nvSpPr>
+          <p:cNvPr id="79" name="矩形 78">
+            <a:extLst>
+              <a:ext uri="{FF2B5EF4-FFF2-40B4-BE49-F238E27FC236}">
+                <a16:creationId xmlns:a16="http://schemas.microsoft.com/office/drawing/2014/main" id="{8FE4989B-B57E-4359-84CE-A43C827FD3B7}"/>
+              </a:ext>
+            </a:extLst>
+          </p:cNvPr>
+          <p:cNvSpPr/>
+          <p:nvPr/>
+        </p:nvSpPr>
+        <p:spPr>
+          <a:xfrm>
+            <a:off x="2908809" y="3060359"/>
+            <a:ext cx="880369" cy="246221"/>
+          </a:xfrm>
+          <a:prstGeom prst="rect">
+            <a:avLst/>
+          </a:prstGeom>
+        </p:spPr>
+        <p:txBody>
+          <a:bodyPr wrap="none">
+            <a:spAutoFit/>
+          </a:bodyPr>
+          <a:lstStyle/>
+          <a:p>
+            <a:r>
+              <a:rPr lang="en-US" altLang="zh-CN" sz="1000" dirty="0">
+                <a:solidFill>
+                  <a:prstClr val="black"/>
+                </a:solidFill>
+                <a:latin typeface="Times New Roman" panose="02020603050405020304" pitchFamily="18" charset="0"/>
+                <a:cs typeface="Times New Roman" panose="02020603050405020304" pitchFamily="18" charset="0"/>
+              </a:rPr>
+              <a:t>from location</a:t>
+            </a:r>
+            <a:endParaRPr lang="zh-CN" altLang="en-US" dirty="0"/>
+          </a:p>
+        </p:txBody>
+      </p:sp>
+    </p:spTree>
+    <p:extLst>
+      <p:ext uri="{BB962C8B-B14F-4D97-AF65-F5344CB8AC3E}">
+        <p14:creationId xmlns:p14="http://schemas.microsoft.com/office/powerpoint/2010/main" val="1805130646"/>
+      </p:ext>
+    </p:extLst>
+  </p:cSld>
+  <p:clrMapOvr>
+    <a:masterClrMapping/>
+  </p:clrMapOvr>
+</p:sld>
+</file>
+
+<file path=ppt/slides/slide3.xml><?xml version="1.0" encoding="utf-8"?>
+<p:sld xmlns:a="http://schemas.openxmlformats.org/drawingml/2006/main" xmlns:r="http://schemas.openxmlformats.org/officeDocument/2006/relationships" xmlns:p="http://schemas.openxmlformats.org/presentationml/2006/main">
+  <p:cSld>
+    <p:spTree>
+      <p:nvGrpSpPr>
+        <p:cNvPr id="1" name=""/>
+        <p:cNvGrpSpPr/>
+        <p:nvPr/>
+      </p:nvGrpSpPr>
+      <p:grpSpPr>
+        <a:xfrm>
+          <a:off x="0" y="0"/>
+          <a:ext cx="0" cy="0"/>
+          <a:chOff x="0" y="0"/>
+          <a:chExt cx="0" cy="0"/>
+        </a:xfrm>
+      </p:grpSpPr>
+      <p:sp>
+        <p:nvSpPr>
           <p:cNvPr id="5" name="矩形: 圆角 4">
             <a:extLst>
               <a:ext uri="{FF2B5EF4-FFF2-40B4-BE49-F238E27FC236}">

--- a/data/HPO/schema.pptx
+++ b/data/HPO/schema.pptx
@@ -261,7 +261,7 @@
           <a:p>
             <a:fld id="{0572D963-F112-4488-97DB-CD8B600123CD}" type="datetimeFigureOut">
               <a:rPr lang="zh-CN" altLang="en-US" smtClean="0"/>
-              <a:t>2020/6/16</a:t>
+              <a:t>2020/7/6</a:t>
             </a:fld>
             <a:endParaRPr lang="zh-CN" altLang="en-US"/>
           </a:p>
@@ -459,7 +459,7 @@
           <a:p>
             <a:fld id="{0572D963-F112-4488-97DB-CD8B600123CD}" type="datetimeFigureOut">
               <a:rPr lang="zh-CN" altLang="en-US" smtClean="0"/>
-              <a:t>2020/6/16</a:t>
+              <a:t>2020/7/6</a:t>
             </a:fld>
             <a:endParaRPr lang="zh-CN" altLang="en-US"/>
           </a:p>
@@ -667,7 +667,7 @@
           <a:p>
             <a:fld id="{0572D963-F112-4488-97DB-CD8B600123CD}" type="datetimeFigureOut">
               <a:rPr lang="zh-CN" altLang="en-US" smtClean="0"/>
-              <a:t>2020/6/16</a:t>
+              <a:t>2020/7/6</a:t>
             </a:fld>
             <a:endParaRPr lang="zh-CN" altLang="en-US"/>
           </a:p>
@@ -865,7 +865,7 @@
           <a:p>
             <a:fld id="{0572D963-F112-4488-97DB-CD8B600123CD}" type="datetimeFigureOut">
               <a:rPr lang="zh-CN" altLang="en-US" smtClean="0"/>
-              <a:t>2020/6/16</a:t>
+              <a:t>2020/7/6</a:t>
             </a:fld>
             <a:endParaRPr lang="zh-CN" altLang="en-US"/>
           </a:p>
@@ -1140,7 +1140,7 @@
           <a:p>
             <a:fld id="{0572D963-F112-4488-97DB-CD8B600123CD}" type="datetimeFigureOut">
               <a:rPr lang="zh-CN" altLang="en-US" smtClean="0"/>
-              <a:t>2020/6/16</a:t>
+              <a:t>2020/7/6</a:t>
             </a:fld>
             <a:endParaRPr lang="zh-CN" altLang="en-US"/>
           </a:p>
@@ -1405,7 +1405,7 @@
           <a:p>
             <a:fld id="{0572D963-F112-4488-97DB-CD8B600123CD}" type="datetimeFigureOut">
               <a:rPr lang="zh-CN" altLang="en-US" smtClean="0"/>
-              <a:t>2020/6/16</a:t>
+              <a:t>2020/7/6</a:t>
             </a:fld>
             <a:endParaRPr lang="zh-CN" altLang="en-US"/>
           </a:p>
@@ -1817,7 +1817,7 @@
           <a:p>
             <a:fld id="{0572D963-F112-4488-97DB-CD8B600123CD}" type="datetimeFigureOut">
               <a:rPr lang="zh-CN" altLang="en-US" smtClean="0"/>
-              <a:t>2020/6/16</a:t>
+              <a:t>2020/7/6</a:t>
             </a:fld>
             <a:endParaRPr lang="zh-CN" altLang="en-US"/>
           </a:p>
@@ -1958,7 +1958,7 @@
           <a:p>
             <a:fld id="{0572D963-F112-4488-97DB-CD8B600123CD}" type="datetimeFigureOut">
               <a:rPr lang="zh-CN" altLang="en-US" smtClean="0"/>
-              <a:t>2020/6/16</a:t>
+              <a:t>2020/7/6</a:t>
             </a:fld>
             <a:endParaRPr lang="zh-CN" altLang="en-US"/>
           </a:p>
@@ -2071,7 +2071,7 @@
           <a:p>
             <a:fld id="{0572D963-F112-4488-97DB-CD8B600123CD}" type="datetimeFigureOut">
               <a:rPr lang="zh-CN" altLang="en-US" smtClean="0"/>
-              <a:t>2020/6/16</a:t>
+              <a:t>2020/7/6</a:t>
             </a:fld>
             <a:endParaRPr lang="zh-CN" altLang="en-US"/>
           </a:p>
@@ -2382,7 +2382,7 @@
           <a:p>
             <a:fld id="{0572D963-F112-4488-97DB-CD8B600123CD}" type="datetimeFigureOut">
               <a:rPr lang="zh-CN" altLang="en-US" smtClean="0"/>
-              <a:t>2020/6/16</a:t>
+              <a:t>2020/7/6</a:t>
             </a:fld>
             <a:endParaRPr lang="zh-CN" altLang="en-US"/>
           </a:p>
@@ -2670,7 +2670,7 @@
           <a:p>
             <a:fld id="{0572D963-F112-4488-97DB-CD8B600123CD}" type="datetimeFigureOut">
               <a:rPr lang="zh-CN" altLang="en-US" smtClean="0"/>
-              <a:t>2020/6/16</a:t>
+              <a:t>2020/7/6</a:t>
             </a:fld>
             <a:endParaRPr lang="zh-CN" altLang="en-US"/>
           </a:p>
@@ -2911,7 +2911,7 @@
           <a:p>
             <a:fld id="{0572D963-F112-4488-97DB-CD8B600123CD}" type="datetimeFigureOut">
               <a:rPr lang="zh-CN" altLang="en-US" smtClean="0"/>
-              <a:t>2020/6/16</a:t>
+              <a:t>2020/7/6</a:t>
             </a:fld>
             <a:endParaRPr lang="zh-CN" altLang="en-US"/>
           </a:p>
@@ -12484,10 +12484,10 @@
       </p:grpSpPr>
       <p:sp>
         <p:nvSpPr>
-          <p:cNvPr id="5" name="矩形: 圆角 4">
+          <p:cNvPr id="57" name="弧形 56">
             <a:extLst>
               <a:ext uri="{FF2B5EF4-FFF2-40B4-BE49-F238E27FC236}">
-                <a16:creationId xmlns:a16="http://schemas.microsoft.com/office/drawing/2014/main" id="{A63B6C7F-C778-4131-AF96-6EC835DD2005}"/>
+                <a16:creationId xmlns:a16="http://schemas.microsoft.com/office/drawing/2014/main" id="{F654C649-438F-4501-AE40-963E83F62A64}"/>
               </a:ext>
             </a:extLst>
           </p:cNvPr>
@@ -12495,70 +12495,69 @@
           <p:nvPr/>
         </p:nvSpPr>
         <p:spPr>
-          <a:xfrm>
-            <a:off x="5824463" y="4289390"/>
-            <a:ext cx="874643" cy="287131"/>
+          <a:xfrm rot="14347179">
+            <a:off x="4736523" y="2948653"/>
+            <a:ext cx="372962" cy="287577"/>
           </a:xfrm>
-          <a:prstGeom prst="roundRect">
-            <a:avLst/>
+          <a:prstGeom prst="arc">
+            <a:avLst>
+              <a:gd name="adj1" fmla="val 16175316"/>
+              <a:gd name="adj2" fmla="val 5242819"/>
+            </a:avLst>
           </a:prstGeom>
-          <a:noFill/>
           <a:ln>
-            <a:solidFill>
-              <a:schemeClr val="tx1"/>
-            </a:solidFill>
+            <a:headEnd type="none" w="med" len="med"/>
+            <a:tailEnd type="triangle" w="med" len="med"/>
           </a:ln>
         </p:spPr>
         <p:style>
-          <a:lnRef idx="2">
-            <a:schemeClr val="accent1">
-              <a:shade val="50000"/>
-            </a:schemeClr>
+          <a:lnRef idx="1">
+            <a:schemeClr val="dk1"/>
           </a:lnRef>
-          <a:fillRef idx="1">
-            <a:schemeClr val="accent1"/>
+          <a:fillRef idx="0">
+            <a:schemeClr val="dk1"/>
           </a:fillRef>
           <a:effectRef idx="0">
-            <a:schemeClr val="accent1"/>
+            <a:schemeClr val="dk1"/>
           </a:effectRef>
           <a:fontRef idx="minor">
-            <a:schemeClr val="lt1"/>
+            <a:schemeClr val="tx1"/>
           </a:fontRef>
         </p:style>
         <p:txBody>
           <a:bodyPr rtlCol="0" anchor="ctr"/>
           <a:lstStyle/>
           <a:p>
-            <a:pPr algn="ctr"/>
-            <a:r>
-              <a:rPr lang="en-US" altLang="zh-CN" sz="1100" dirty="0">
-                <a:solidFill>
-                  <a:schemeClr val="tx1"/>
-                </a:solidFill>
-                <a:latin typeface="Times New Roman" panose="02020603050405020304" pitchFamily="18" charset="0"/>
-                <a:cs typeface="Times New Roman" panose="02020603050405020304" pitchFamily="18" charset="0"/>
-              </a:rPr>
-              <a:t>Host </a:t>
-            </a:r>
-          </a:p>
-          <a:p>
-            <a:pPr algn="ctr"/>
-            <a:r>
-              <a:rPr lang="en-US" altLang="zh-CN" sz="500" dirty="0">
-                <a:solidFill>
-                  <a:schemeClr val="tx1"/>
-                </a:solidFill>
-                <a:latin typeface="Times New Roman" panose="02020603050405020304" pitchFamily="18" charset="0"/>
-                <a:cs typeface="Times New Roman" panose="02020603050405020304" pitchFamily="18" charset="0"/>
-              </a:rPr>
-              <a:t>Human</a:t>
-            </a:r>
-            <a:endParaRPr lang="zh-CN" altLang="en-US" sz="500" dirty="0">
+            <a:pPr marL="0" marR="0" lvl="0" indent="0" algn="ctr" defTabSz="914400" rtl="0" eaLnBrk="1" fontAlgn="auto" latinLnBrk="0" hangingPunct="1">
+              <a:lnSpc>
+                <a:spcPct val="100000"/>
+              </a:lnSpc>
+              <a:spcBef>
+                <a:spcPts val="0"/>
+              </a:spcBef>
+              <a:spcAft>
+                <a:spcPts val="0"/>
+              </a:spcAft>
+              <a:buClrTx/>
+              <a:buSzTx/>
+              <a:buFontTx/>
+              <a:buNone/>
+              <a:tabLst/>
+              <a:defRPr/>
+            </a:pPr>
+            <a:endParaRPr kumimoji="0" lang="zh-CN" altLang="en-US" sz="1800" b="0" i="0" u="none" strike="noStrike" kern="1200" cap="none" spc="0" normalizeH="0" baseline="0" noProof="0">
+              <a:ln>
+                <a:noFill/>
+              </a:ln>
               <a:solidFill>
-                <a:schemeClr val="tx1"/>
+                <a:prstClr val="black"/>
               </a:solidFill>
-              <a:latin typeface="Times New Roman" panose="02020603050405020304" pitchFamily="18" charset="0"/>
-              <a:cs typeface="Times New Roman" panose="02020603050405020304" pitchFamily="18" charset="0"/>
+              <a:effectLst/>
+              <a:uLnTx/>
+              <a:uFillTx/>
+              <a:latin typeface="等线" panose="020F0502020204030204"/>
+              <a:ea typeface="等线" panose="02010600030101010101" pitchFamily="2" charset="-122"/>
+              <a:cs typeface="+mn-cs"/>
             </a:endParaRPr>
           </a:p>
         </p:txBody>
@@ -12684,147 +12683,6 @@
               <a:t>Host Protein</a:t>
             </a:r>
             <a:endParaRPr lang="zh-CN" altLang="en-US" sz="1100" dirty="0">
-              <a:solidFill>
-                <a:schemeClr val="tx1"/>
-              </a:solidFill>
-              <a:latin typeface="Times New Roman" panose="02020603050405020304" pitchFamily="18" charset="0"/>
-              <a:cs typeface="Times New Roman" panose="02020603050405020304" pitchFamily="18" charset="0"/>
-            </a:endParaRPr>
-          </a:p>
-        </p:txBody>
-      </p:sp>
-      <p:sp>
-        <p:nvSpPr>
-          <p:cNvPr id="8" name="矩形: 圆角 7">
-            <a:extLst>
-              <a:ext uri="{FF2B5EF4-FFF2-40B4-BE49-F238E27FC236}">
-                <a16:creationId xmlns:a16="http://schemas.microsoft.com/office/drawing/2014/main" id="{3E5071F0-3EB9-4671-BA54-5185AE6E13A6}"/>
-              </a:ext>
-            </a:extLst>
-          </p:cNvPr>
-          <p:cNvSpPr/>
-          <p:nvPr/>
-        </p:nvSpPr>
-        <p:spPr>
-          <a:xfrm>
-            <a:off x="4510708" y="3012930"/>
-            <a:ext cx="930687" cy="287131"/>
-          </a:xfrm>
-          <a:prstGeom prst="roundRect">
-            <a:avLst/>
-          </a:prstGeom>
-          <a:noFill/>
-          <a:ln>
-            <a:solidFill>
-              <a:schemeClr val="tx1"/>
-            </a:solidFill>
-          </a:ln>
-        </p:spPr>
-        <p:style>
-          <a:lnRef idx="2">
-            <a:schemeClr val="accent1">
-              <a:shade val="50000"/>
-            </a:schemeClr>
-          </a:lnRef>
-          <a:fillRef idx="1">
-            <a:schemeClr val="accent1"/>
-          </a:fillRef>
-          <a:effectRef idx="0">
-            <a:schemeClr val="accent1"/>
-          </a:effectRef>
-          <a:fontRef idx="minor">
-            <a:schemeClr val="lt1"/>
-          </a:fontRef>
-        </p:style>
-        <p:txBody>
-          <a:bodyPr rtlCol="0" anchor="ctr"/>
-          <a:lstStyle/>
-          <a:p>
-            <a:pPr algn="ctr"/>
-            <a:r>
-              <a:rPr lang="en-US" altLang="zh-CN" sz="1100" dirty="0">
-                <a:solidFill>
-                  <a:schemeClr val="tx1"/>
-                </a:solidFill>
-                <a:latin typeface="Times New Roman" panose="02020603050405020304" pitchFamily="18" charset="0"/>
-                <a:cs typeface="Times New Roman" panose="02020603050405020304" pitchFamily="18" charset="0"/>
-              </a:rPr>
-              <a:t>Virus</a:t>
-            </a:r>
-          </a:p>
-          <a:p>
-            <a:pPr algn="ctr"/>
-            <a:r>
-              <a:rPr lang="en-US" altLang="zh-CN" sz="400" dirty="0">
-                <a:solidFill>
-                  <a:schemeClr val="tx1"/>
-                </a:solidFill>
-                <a:latin typeface="Times New Roman" panose="02020603050405020304" pitchFamily="18" charset="0"/>
-                <a:cs typeface="Times New Roman" panose="02020603050405020304" pitchFamily="18" charset="0"/>
-              </a:rPr>
-              <a:t>SARS-</a:t>
-            </a:r>
-            <a:r>
-              <a:rPr lang="en-US" altLang="zh-CN" sz="400" dirty="0" err="1">
-                <a:solidFill>
-                  <a:schemeClr val="tx1"/>
-                </a:solidFill>
-                <a:latin typeface="Times New Roman" panose="02020603050405020304" pitchFamily="18" charset="0"/>
-                <a:cs typeface="Times New Roman" panose="02020603050405020304" pitchFamily="18" charset="0"/>
-              </a:rPr>
-              <a:t>CoV</a:t>
-            </a:r>
-            <a:r>
-              <a:rPr lang="en-US" altLang="zh-CN" sz="400" dirty="0">
-                <a:solidFill>
-                  <a:schemeClr val="tx1"/>
-                </a:solidFill>
-                <a:latin typeface="Times New Roman" panose="02020603050405020304" pitchFamily="18" charset="0"/>
-                <a:cs typeface="Times New Roman" panose="02020603050405020304" pitchFamily="18" charset="0"/>
-              </a:rPr>
-              <a:t>, MERS-</a:t>
-            </a:r>
-            <a:r>
-              <a:rPr lang="en-US" altLang="zh-CN" sz="400" dirty="0" err="1">
-                <a:solidFill>
-                  <a:schemeClr val="tx1"/>
-                </a:solidFill>
-                <a:latin typeface="Times New Roman" panose="02020603050405020304" pitchFamily="18" charset="0"/>
-                <a:cs typeface="Times New Roman" panose="02020603050405020304" pitchFamily="18" charset="0"/>
-              </a:rPr>
-              <a:t>CoV</a:t>
-            </a:r>
-            <a:r>
-              <a:rPr lang="en-US" altLang="zh-CN" sz="400" dirty="0">
-                <a:solidFill>
-                  <a:schemeClr val="tx1"/>
-                </a:solidFill>
-                <a:latin typeface="Times New Roman" panose="02020603050405020304" pitchFamily="18" charset="0"/>
-                <a:cs typeface="Times New Roman" panose="02020603050405020304" pitchFamily="18" charset="0"/>
-              </a:rPr>
-              <a:t>, IBV, MHV, </a:t>
-            </a:r>
-            <a:r>
-              <a:rPr lang="en-US" altLang="zh-CN" sz="400" dirty="0" err="1">
-                <a:solidFill>
-                  <a:schemeClr val="tx1"/>
-                </a:solidFill>
-                <a:latin typeface="Times New Roman" panose="02020603050405020304" pitchFamily="18" charset="0"/>
-                <a:cs typeface="Times New Roman" panose="02020603050405020304" pitchFamily="18" charset="0"/>
-              </a:rPr>
-              <a:t>HCoV</a:t>
-            </a:r>
-            <a:r>
-              <a:rPr lang="en-US" altLang="zh-CN" sz="400" dirty="0">
-                <a:solidFill>
-                  <a:schemeClr val="tx1"/>
-                </a:solidFill>
-                <a:latin typeface="Times New Roman" panose="02020603050405020304" pitchFamily="18" charset="0"/>
-                <a:cs typeface="Times New Roman" panose="02020603050405020304" pitchFamily="18" charset="0"/>
-              </a:rPr>
-              <a:t>- 229E, HCoV-NL63</a:t>
-            </a:r>
-            <a:endParaRPr lang="zh-CN" altLang="en-US" sz="400" dirty="0">
               <a:solidFill>
                 <a:schemeClr val="tx1"/>
               </a:solidFill>
@@ -13117,20 +12975,7 @@
                 <a:latin typeface="Times New Roman" panose="02020603050405020304" pitchFamily="18" charset="0"/>
                 <a:cs typeface="Times New Roman" panose="02020603050405020304" pitchFamily="18" charset="0"/>
               </a:rPr>
-              <a:t>HPO ID</a:t>
-            </a:r>
-          </a:p>
-          <a:p>
-            <a:pPr algn="ctr"/>
-            <a:r>
-              <a:rPr lang="en-US" altLang="zh-CN" sz="1100" dirty="0">
-                <a:solidFill>
-                  <a:schemeClr val="tx1"/>
-                </a:solidFill>
-                <a:latin typeface="Times New Roman" panose="02020603050405020304" pitchFamily="18" charset="0"/>
-                <a:cs typeface="Times New Roman" panose="02020603050405020304" pitchFamily="18" charset="0"/>
-              </a:rPr>
-              <a:t>(Symptom)</a:t>
+              <a:t>Symptom</a:t>
             </a:r>
             <a:endParaRPr lang="zh-CN" altLang="en-US" sz="1100" dirty="0">
               <a:solidFill>
@@ -13708,87 +13553,6 @@
               <a:latin typeface="Times New Roman" panose="02020603050405020304" pitchFamily="18" charset="0"/>
               <a:cs typeface="Times New Roman" panose="02020603050405020304" pitchFamily="18" charset="0"/>
             </a:endParaRPr>
-          </a:p>
-        </p:txBody>
-      </p:sp>
-      <p:cxnSp>
-        <p:nvCxnSpPr>
-          <p:cNvPr id="31" name="直接箭头连接符 30">
-            <a:extLst>
-              <a:ext uri="{FF2B5EF4-FFF2-40B4-BE49-F238E27FC236}">
-                <a16:creationId xmlns:a16="http://schemas.microsoft.com/office/drawing/2014/main" id="{6AADE416-3446-43D6-8367-E3A413944D87}"/>
-              </a:ext>
-            </a:extLst>
-          </p:cNvPr>
-          <p:cNvCxnSpPr>
-            <a:cxnSpLocks/>
-            <a:stCxn id="7" idx="2"/>
-            <a:endCxn id="5" idx="0"/>
-          </p:cNvCxnSpPr>
-          <p:nvPr/>
-        </p:nvCxnSpPr>
-        <p:spPr>
-          <a:xfrm flipH="1">
-            <a:off x="6261785" y="3819990"/>
-            <a:ext cx="8328" cy="469400"/>
-          </a:xfrm>
-          <a:prstGeom prst="straightConnector1">
-            <a:avLst/>
-          </a:prstGeom>
-          <a:ln>
-            <a:tailEnd type="triangle"/>
-          </a:ln>
-        </p:spPr>
-        <p:style>
-          <a:lnRef idx="1">
-            <a:schemeClr val="dk1"/>
-          </a:lnRef>
-          <a:fillRef idx="0">
-            <a:schemeClr val="dk1"/>
-          </a:fillRef>
-          <a:effectRef idx="0">
-            <a:schemeClr val="dk1"/>
-          </a:effectRef>
-          <a:fontRef idx="minor">
-            <a:schemeClr val="tx1"/>
-          </a:fontRef>
-        </p:style>
-      </p:cxnSp>
-      <p:sp>
-        <p:nvSpPr>
-          <p:cNvPr id="32" name="矩形 31">
-            <a:extLst>
-              <a:ext uri="{FF2B5EF4-FFF2-40B4-BE49-F238E27FC236}">
-                <a16:creationId xmlns:a16="http://schemas.microsoft.com/office/drawing/2014/main" id="{1EC59082-9F71-4E11-919C-3B0352A681A4}"/>
-              </a:ext>
-            </a:extLst>
-          </p:cNvPr>
-          <p:cNvSpPr/>
-          <p:nvPr/>
-        </p:nvSpPr>
-        <p:spPr>
-          <a:xfrm>
-            <a:off x="6225884" y="3911446"/>
-            <a:ext cx="514885" cy="246221"/>
-          </a:xfrm>
-          <a:prstGeom prst="rect">
-            <a:avLst/>
-          </a:prstGeom>
-        </p:spPr>
-        <p:txBody>
-          <a:bodyPr wrap="none">
-            <a:spAutoFit/>
-          </a:bodyPr>
-          <a:lstStyle/>
-          <a:p>
-            <a:r>
-              <a:rPr lang="en-US" altLang="zh-CN" sz="1000" dirty="0">
-                <a:latin typeface="Times New Roman" panose="02020603050405020304" pitchFamily="18" charset="0"/>
-                <a:cs typeface="Times New Roman" panose="02020603050405020304" pitchFamily="18" charset="0"/>
-              </a:rPr>
-              <a:t>host is</a:t>
-            </a:r>
-            <a:endParaRPr lang="zh-CN" altLang="en-US" sz="1000" dirty="0"/>
           </a:p>
         </p:txBody>
       </p:sp>
@@ -14769,7 +14533,7 @@
         </p:nvSpPr>
         <p:spPr>
           <a:xfrm>
-            <a:off x="3702979" y="4208420"/>
+            <a:off x="2526205" y="4145936"/>
             <a:ext cx="141163" cy="141163"/>
           </a:xfrm>
           <a:prstGeom prst="ellipse">
@@ -14818,7 +14582,7 @@
         </p:nvSpPr>
         <p:spPr>
           <a:xfrm>
-            <a:off x="3694843" y="4412928"/>
+            <a:off x="2518069" y="4350444"/>
             <a:ext cx="163749" cy="141163"/>
           </a:xfrm>
           <a:prstGeom prst="triangle">
@@ -14864,7 +14628,7 @@
         </p:nvSpPr>
         <p:spPr>
           <a:xfrm>
-            <a:off x="3702979" y="4640099"/>
+            <a:off x="2526205" y="4577615"/>
             <a:ext cx="141163" cy="141163"/>
           </a:xfrm>
           <a:prstGeom prst="rect">
@@ -14913,7 +14677,7 @@
         </p:nvSpPr>
         <p:spPr>
           <a:xfrm>
-            <a:off x="3965633" y="4155890"/>
+            <a:off x="2788859" y="4093406"/>
             <a:ext cx="649537" cy="246221"/>
           </a:xfrm>
           <a:prstGeom prst="rect">
@@ -14951,7 +14715,7 @@
         </p:nvSpPr>
         <p:spPr>
           <a:xfrm>
-            <a:off x="3965632" y="4360398"/>
+            <a:off x="2788858" y="4297914"/>
             <a:ext cx="854721" cy="246221"/>
           </a:xfrm>
           <a:prstGeom prst="rect">
@@ -14989,7 +14753,7 @@
         </p:nvSpPr>
         <p:spPr>
           <a:xfrm>
-            <a:off x="3936180" y="4587569"/>
+            <a:off x="2759406" y="4525085"/>
             <a:ext cx="1212191" cy="246221"/>
           </a:xfrm>
           <a:prstGeom prst="rect">
@@ -15030,7 +14794,7 @@
         </p:nvSpPr>
         <p:spPr>
           <a:xfrm>
-            <a:off x="3646627" y="4155890"/>
+            <a:off x="2469853" y="4093406"/>
             <a:ext cx="1416835" cy="903285"/>
           </a:xfrm>
           <a:prstGeom prst="rect">
@@ -15082,7 +14846,7 @@
         </p:nvSpPr>
         <p:spPr>
           <a:xfrm>
-            <a:off x="3691441" y="4886092"/>
+            <a:off x="2514667" y="4823608"/>
             <a:ext cx="160347" cy="120561"/>
           </a:xfrm>
           <a:prstGeom prst="parallelogram">
@@ -15131,7 +14895,7 @@
         </p:nvSpPr>
         <p:spPr>
           <a:xfrm>
-            <a:off x="3973420" y="4812960"/>
+            <a:off x="2796646" y="4750476"/>
             <a:ext cx="728084" cy="246221"/>
           </a:xfrm>
           <a:prstGeom prst="rect">
@@ -15154,6 +14918,915 @@
             <a:endParaRPr lang="zh-CN" altLang="en-US" sz="1000" dirty="0">
               <a:latin typeface="Times New Roman" panose="02020603050405020304" pitchFamily="18" charset="0"/>
               <a:cs typeface="Times New Roman" panose="02020603050405020304" pitchFamily="18" charset="0"/>
+            </a:endParaRPr>
+          </a:p>
+        </p:txBody>
+      </p:sp>
+      <p:sp>
+        <p:nvSpPr>
+          <p:cNvPr id="59" name="椭圆 58">
+            <a:extLst>
+              <a:ext uri="{FF2B5EF4-FFF2-40B4-BE49-F238E27FC236}">
+                <a16:creationId xmlns:a16="http://schemas.microsoft.com/office/drawing/2014/main" id="{17649733-1112-48E5-A84F-9E9BBC8E92FB}"/>
+              </a:ext>
+            </a:extLst>
+          </p:cNvPr>
+          <p:cNvSpPr/>
+          <p:nvPr/>
+        </p:nvSpPr>
+        <p:spPr>
+          <a:xfrm>
+            <a:off x="4643684" y="2843791"/>
+            <a:ext cx="141163" cy="141163"/>
+          </a:xfrm>
+          <a:prstGeom prst="ellipse">
+            <a:avLst/>
+          </a:prstGeom>
+          <a:solidFill>
+            <a:srgbClr val="92D050"/>
+          </a:solidFill>
+        </p:spPr>
+        <p:style>
+          <a:lnRef idx="2">
+            <a:schemeClr val="accent1">
+              <a:shade val="50000"/>
+            </a:schemeClr>
+          </a:lnRef>
+          <a:fillRef idx="1">
+            <a:schemeClr val="accent1"/>
+          </a:fillRef>
+          <a:effectRef idx="0">
+            <a:schemeClr val="accent1"/>
+          </a:effectRef>
+          <a:fontRef idx="minor">
+            <a:schemeClr val="lt1"/>
+          </a:fontRef>
+        </p:style>
+        <p:txBody>
+          <a:bodyPr rtlCol="0" anchor="ctr"/>
+          <a:lstStyle/>
+          <a:p>
+            <a:pPr marL="0" marR="0" lvl="0" indent="0" algn="ctr" defTabSz="914400" rtl="0" eaLnBrk="1" fontAlgn="auto" latinLnBrk="0" hangingPunct="1">
+              <a:lnSpc>
+                <a:spcPct val="100000"/>
+              </a:lnSpc>
+              <a:spcBef>
+                <a:spcPts val="0"/>
+              </a:spcBef>
+              <a:spcAft>
+                <a:spcPts val="0"/>
+              </a:spcAft>
+              <a:buClrTx/>
+              <a:buSzTx/>
+              <a:buFontTx/>
+              <a:buNone/>
+              <a:tabLst/>
+              <a:defRPr/>
+            </a:pPr>
+            <a:endParaRPr kumimoji="0" lang="zh-CN" altLang="en-US" sz="1800" b="0" i="0" u="none" strike="noStrike" kern="1200" cap="none" spc="0" normalizeH="0" baseline="0" noProof="0">
+              <a:ln>
+                <a:noFill/>
+              </a:ln>
+              <a:solidFill>
+                <a:prstClr val="white"/>
+              </a:solidFill>
+              <a:effectLst/>
+              <a:uLnTx/>
+              <a:uFillTx/>
+              <a:latin typeface="等线" panose="020F0502020204030204"/>
+              <a:ea typeface="等线" panose="02010600030101010101" pitchFamily="2" charset="-122"/>
+              <a:cs typeface="+mn-cs"/>
+            </a:endParaRPr>
+          </a:p>
+        </p:txBody>
+      </p:sp>
+      <p:sp>
+        <p:nvSpPr>
+          <p:cNvPr id="60" name="矩形 59">
+            <a:extLst>
+              <a:ext uri="{FF2B5EF4-FFF2-40B4-BE49-F238E27FC236}">
+                <a16:creationId xmlns:a16="http://schemas.microsoft.com/office/drawing/2014/main" id="{42160A76-3A8A-49B7-B2D0-7746115061F7}"/>
+              </a:ext>
+            </a:extLst>
+          </p:cNvPr>
+          <p:cNvSpPr/>
+          <p:nvPr/>
+        </p:nvSpPr>
+        <p:spPr>
+          <a:xfrm>
+            <a:off x="4713930" y="2724338"/>
+            <a:ext cx="534121" cy="246221"/>
+          </a:xfrm>
+          <a:prstGeom prst="rect">
+            <a:avLst/>
+          </a:prstGeom>
+        </p:spPr>
+        <p:txBody>
+          <a:bodyPr wrap="none">
+            <a:spAutoFit/>
+          </a:bodyPr>
+          <a:lstStyle/>
+          <a:p>
+            <a:pPr marL="0" marR="0" lvl="0" indent="0" algn="l" defTabSz="914400" rtl="0" eaLnBrk="1" fontAlgn="auto" latinLnBrk="0" hangingPunct="1">
+              <a:lnSpc>
+                <a:spcPct val="100000"/>
+              </a:lnSpc>
+              <a:spcBef>
+                <a:spcPts val="0"/>
+              </a:spcBef>
+              <a:spcAft>
+                <a:spcPts val="0"/>
+              </a:spcAft>
+              <a:buClrTx/>
+              <a:buSzTx/>
+              <a:buFontTx/>
+              <a:buNone/>
+              <a:tabLst/>
+              <a:defRPr/>
+            </a:pPr>
+            <a:r>
+              <a:rPr kumimoji="0" lang="en-US" altLang="zh-CN" sz="1000" b="0" i="0" u="none" strike="noStrike" kern="1200" cap="none" spc="0" normalizeH="0" baseline="0" noProof="0" dirty="0">
+                <a:ln>
+                  <a:noFill/>
+                </a:ln>
+                <a:solidFill>
+                  <a:prstClr val="black"/>
+                </a:solidFill>
+                <a:effectLst/>
+                <a:uLnTx/>
+                <a:uFillTx/>
+                <a:latin typeface="Times New Roman" panose="02020603050405020304" pitchFamily="18" charset="0"/>
+                <a:ea typeface="等线" panose="02010600030101010101" pitchFamily="2" charset="-122"/>
+                <a:cs typeface="Times New Roman" panose="02020603050405020304" pitchFamily="18" charset="0"/>
+              </a:rPr>
+              <a:t>mutate</a:t>
+            </a:r>
+            <a:endParaRPr kumimoji="0" lang="zh-CN" altLang="en-US" sz="1000" b="0" i="0" u="none" strike="noStrike" kern="1200" cap="none" spc="0" normalizeH="0" baseline="0" noProof="0" dirty="0">
+              <a:ln>
+                <a:noFill/>
+              </a:ln>
+              <a:solidFill>
+                <a:prstClr val="black"/>
+              </a:solidFill>
+              <a:effectLst/>
+              <a:uLnTx/>
+              <a:uFillTx/>
+              <a:latin typeface="Times New Roman" panose="02020603050405020304" pitchFamily="18" charset="0"/>
+              <a:ea typeface="等线" panose="02010600030101010101" pitchFamily="2" charset="-122"/>
+              <a:cs typeface="Times New Roman" panose="02020603050405020304" pitchFamily="18" charset="0"/>
+            </a:endParaRPr>
+          </a:p>
+        </p:txBody>
+      </p:sp>
+      <p:sp>
+        <p:nvSpPr>
+          <p:cNvPr id="8" name="矩形: 圆角 7">
+            <a:extLst>
+              <a:ext uri="{FF2B5EF4-FFF2-40B4-BE49-F238E27FC236}">
+                <a16:creationId xmlns:a16="http://schemas.microsoft.com/office/drawing/2014/main" id="{3E5071F0-3EB9-4671-BA54-5185AE6E13A6}"/>
+              </a:ext>
+            </a:extLst>
+          </p:cNvPr>
+          <p:cNvSpPr/>
+          <p:nvPr/>
+        </p:nvSpPr>
+        <p:spPr>
+          <a:xfrm>
+            <a:off x="4510708" y="3012930"/>
+            <a:ext cx="930687" cy="287131"/>
+          </a:xfrm>
+          <a:prstGeom prst="roundRect">
+            <a:avLst/>
+          </a:prstGeom>
+          <a:solidFill>
+            <a:schemeClr val="bg1"/>
+          </a:solidFill>
+          <a:ln>
+            <a:solidFill>
+              <a:schemeClr val="tx1"/>
+            </a:solidFill>
+          </a:ln>
+        </p:spPr>
+        <p:style>
+          <a:lnRef idx="2">
+            <a:schemeClr val="accent1">
+              <a:shade val="50000"/>
+            </a:schemeClr>
+          </a:lnRef>
+          <a:fillRef idx="1">
+            <a:schemeClr val="accent1"/>
+          </a:fillRef>
+          <a:effectRef idx="0">
+            <a:schemeClr val="accent1"/>
+          </a:effectRef>
+          <a:fontRef idx="minor">
+            <a:schemeClr val="lt1"/>
+          </a:fontRef>
+        </p:style>
+        <p:txBody>
+          <a:bodyPr rtlCol="0" anchor="ctr"/>
+          <a:lstStyle/>
+          <a:p>
+            <a:pPr algn="ctr"/>
+            <a:r>
+              <a:rPr lang="en-US" altLang="zh-CN" sz="1100" dirty="0">
+                <a:solidFill>
+                  <a:schemeClr val="tx1"/>
+                </a:solidFill>
+                <a:latin typeface="Times New Roman" panose="02020603050405020304" pitchFamily="18" charset="0"/>
+                <a:cs typeface="Times New Roman" panose="02020603050405020304" pitchFamily="18" charset="0"/>
+              </a:rPr>
+              <a:t>Virus</a:t>
+            </a:r>
+          </a:p>
+        </p:txBody>
+      </p:sp>
+      <p:sp>
+        <p:nvSpPr>
+          <p:cNvPr id="76" name="弧形 75">
+            <a:extLst>
+              <a:ext uri="{FF2B5EF4-FFF2-40B4-BE49-F238E27FC236}">
+                <a16:creationId xmlns:a16="http://schemas.microsoft.com/office/drawing/2014/main" id="{32A514BA-C696-4E86-9F2F-F83E3F18AF25}"/>
+              </a:ext>
+            </a:extLst>
+          </p:cNvPr>
+          <p:cNvSpPr/>
+          <p:nvPr/>
+        </p:nvSpPr>
+        <p:spPr>
+          <a:xfrm rot="7308123">
+            <a:off x="5677448" y="3749713"/>
+            <a:ext cx="570196" cy="287577"/>
+          </a:xfrm>
+          <a:prstGeom prst="arc">
+            <a:avLst>
+              <a:gd name="adj1" fmla="val 13513729"/>
+              <a:gd name="adj2" fmla="val 5242819"/>
+            </a:avLst>
+          </a:prstGeom>
+          <a:ln>
+            <a:headEnd type="none" w="med" len="med"/>
+            <a:tailEnd type="triangle" w="med" len="med"/>
+          </a:ln>
+        </p:spPr>
+        <p:style>
+          <a:lnRef idx="1">
+            <a:schemeClr val="dk1"/>
+          </a:lnRef>
+          <a:fillRef idx="0">
+            <a:schemeClr val="dk1"/>
+          </a:fillRef>
+          <a:effectRef idx="0">
+            <a:schemeClr val="dk1"/>
+          </a:effectRef>
+          <a:fontRef idx="minor">
+            <a:schemeClr val="tx1"/>
+          </a:fontRef>
+        </p:style>
+        <p:txBody>
+          <a:bodyPr rtlCol="0" anchor="ctr"/>
+          <a:lstStyle/>
+          <a:p>
+            <a:pPr marL="0" marR="0" lvl="0" indent="0" algn="ctr" defTabSz="914400" rtl="0" eaLnBrk="1" fontAlgn="auto" latinLnBrk="0" hangingPunct="1">
+              <a:lnSpc>
+                <a:spcPct val="100000"/>
+              </a:lnSpc>
+              <a:spcBef>
+                <a:spcPts val="0"/>
+              </a:spcBef>
+              <a:spcAft>
+                <a:spcPts val="0"/>
+              </a:spcAft>
+              <a:buClrTx/>
+              <a:buSzTx/>
+              <a:buFontTx/>
+              <a:buNone/>
+              <a:tabLst/>
+              <a:defRPr/>
+            </a:pPr>
+            <a:endParaRPr kumimoji="0" lang="zh-CN" altLang="en-US" sz="1800" b="0" i="0" u="none" strike="noStrike" kern="1200" cap="none" spc="0" normalizeH="0" baseline="0" noProof="0">
+              <a:ln>
+                <a:noFill/>
+              </a:ln>
+              <a:solidFill>
+                <a:prstClr val="black"/>
+              </a:solidFill>
+              <a:effectLst/>
+              <a:uLnTx/>
+              <a:uFillTx/>
+              <a:latin typeface="等线" panose="020F0502020204030204"/>
+              <a:ea typeface="等线" panose="02010600030101010101" pitchFamily="2" charset="-122"/>
+              <a:cs typeface="+mn-cs"/>
+            </a:endParaRPr>
+          </a:p>
+        </p:txBody>
+      </p:sp>
+      <p:sp>
+        <p:nvSpPr>
+          <p:cNvPr id="77" name="矩形 76">
+            <a:extLst>
+              <a:ext uri="{FF2B5EF4-FFF2-40B4-BE49-F238E27FC236}">
+                <a16:creationId xmlns:a16="http://schemas.microsoft.com/office/drawing/2014/main" id="{F6D58383-995B-43D3-B1A7-75EF63F62067}"/>
+              </a:ext>
+            </a:extLst>
+          </p:cNvPr>
+          <p:cNvSpPr/>
+          <p:nvPr/>
+        </p:nvSpPr>
+        <p:spPr>
+          <a:xfrm>
+            <a:off x="5170598" y="4093406"/>
+            <a:ext cx="830677" cy="246221"/>
+          </a:xfrm>
+          <a:prstGeom prst="rect">
+            <a:avLst/>
+          </a:prstGeom>
+        </p:spPr>
+        <p:txBody>
+          <a:bodyPr wrap="none">
+            <a:spAutoFit/>
+          </a:bodyPr>
+          <a:lstStyle/>
+          <a:p>
+            <a:pPr marL="0" marR="0" lvl="0" indent="0" algn="l" defTabSz="914400" rtl="0" eaLnBrk="1" fontAlgn="auto" latinLnBrk="0" hangingPunct="1">
+              <a:lnSpc>
+                <a:spcPct val="100000"/>
+              </a:lnSpc>
+              <a:spcBef>
+                <a:spcPts val="0"/>
+              </a:spcBef>
+              <a:spcAft>
+                <a:spcPts val="0"/>
+              </a:spcAft>
+              <a:buClrTx/>
+              <a:buSzTx/>
+              <a:buFontTx/>
+              <a:buNone/>
+              <a:tabLst/>
+              <a:defRPr/>
+            </a:pPr>
+            <a:r>
+              <a:rPr kumimoji="0" lang="en-US" altLang="zh-CN" sz="1000" b="0" i="0" u="none" strike="noStrike" kern="1200" cap="none" spc="0" normalizeH="0" baseline="0" noProof="0" dirty="0">
+                <a:ln>
+                  <a:noFill/>
+                </a:ln>
+                <a:solidFill>
+                  <a:prstClr val="black"/>
+                </a:solidFill>
+                <a:effectLst/>
+                <a:uLnTx/>
+                <a:uFillTx/>
+                <a:latin typeface="Times New Roman" panose="02020603050405020304" pitchFamily="18" charset="0"/>
+                <a:ea typeface="等线" panose="02010600030101010101" pitchFamily="2" charset="-122"/>
+                <a:cs typeface="Times New Roman" panose="02020603050405020304" pitchFamily="18" charset="0"/>
+              </a:rPr>
+              <a:t>interact with</a:t>
+            </a:r>
+            <a:endParaRPr kumimoji="0" lang="zh-CN" altLang="en-US" sz="1000" b="0" i="0" u="none" strike="noStrike" kern="1200" cap="none" spc="0" normalizeH="0" baseline="0" noProof="0" dirty="0">
+              <a:ln>
+                <a:noFill/>
+              </a:ln>
+              <a:solidFill>
+                <a:prstClr val="black"/>
+              </a:solidFill>
+              <a:effectLst/>
+              <a:uLnTx/>
+              <a:uFillTx/>
+              <a:latin typeface="等线" panose="020F0502020204030204"/>
+              <a:ea typeface="等线" panose="02010600030101010101" pitchFamily="2" charset="-122"/>
+              <a:cs typeface="+mn-cs"/>
+            </a:endParaRPr>
+          </a:p>
+        </p:txBody>
+      </p:sp>
+      <p:sp>
+        <p:nvSpPr>
+          <p:cNvPr id="78" name="等腰三角形 77">
+            <a:extLst>
+              <a:ext uri="{FF2B5EF4-FFF2-40B4-BE49-F238E27FC236}">
+                <a16:creationId xmlns:a16="http://schemas.microsoft.com/office/drawing/2014/main" id="{C2290B20-33C3-404F-BA9C-F3424A87B8AC}"/>
+              </a:ext>
+            </a:extLst>
+          </p:cNvPr>
+          <p:cNvSpPr/>
+          <p:nvPr/>
+        </p:nvSpPr>
+        <p:spPr>
+          <a:xfrm>
+            <a:off x="5549487" y="3952243"/>
+            <a:ext cx="163749" cy="141163"/>
+          </a:xfrm>
+          <a:prstGeom prst="triangle">
+            <a:avLst/>
+          </a:prstGeom>
+        </p:spPr>
+        <p:style>
+          <a:lnRef idx="2">
+            <a:schemeClr val="accent1">
+              <a:shade val="50000"/>
+            </a:schemeClr>
+          </a:lnRef>
+          <a:fillRef idx="1">
+            <a:schemeClr val="accent1"/>
+          </a:fillRef>
+          <a:effectRef idx="0">
+            <a:schemeClr val="accent1"/>
+          </a:effectRef>
+          <a:fontRef idx="minor">
+            <a:schemeClr val="lt1"/>
+          </a:fontRef>
+        </p:style>
+        <p:txBody>
+          <a:bodyPr rtlCol="0" anchor="ctr"/>
+          <a:lstStyle/>
+          <a:p>
+            <a:pPr marL="0" marR="0" lvl="0" indent="0" algn="ctr" defTabSz="914400" rtl="0" eaLnBrk="1" fontAlgn="auto" latinLnBrk="0" hangingPunct="1">
+              <a:lnSpc>
+                <a:spcPct val="100000"/>
+              </a:lnSpc>
+              <a:spcBef>
+                <a:spcPts val="0"/>
+              </a:spcBef>
+              <a:spcAft>
+                <a:spcPts val="0"/>
+              </a:spcAft>
+              <a:buClrTx/>
+              <a:buSzTx/>
+              <a:buFontTx/>
+              <a:buNone/>
+              <a:tabLst/>
+              <a:defRPr/>
+            </a:pPr>
+            <a:endParaRPr kumimoji="0" lang="zh-CN" altLang="en-US" sz="1800" b="0" i="0" u="none" strike="noStrike" kern="1200" cap="none" spc="0" normalizeH="0" baseline="0" noProof="0">
+              <a:ln>
+                <a:noFill/>
+              </a:ln>
+              <a:solidFill>
+                <a:prstClr val="white"/>
+              </a:solidFill>
+              <a:effectLst/>
+              <a:uLnTx/>
+              <a:uFillTx/>
+              <a:latin typeface="等线" panose="020F0502020204030204"/>
+              <a:ea typeface="等线" panose="02010600030101010101" pitchFamily="2" charset="-122"/>
+              <a:cs typeface="+mn-cs"/>
+            </a:endParaRPr>
+          </a:p>
+        </p:txBody>
+      </p:sp>
+      <p:cxnSp>
+        <p:nvCxnSpPr>
+          <p:cNvPr id="79" name="直接箭头连接符 78">
+            <a:extLst>
+              <a:ext uri="{FF2B5EF4-FFF2-40B4-BE49-F238E27FC236}">
+                <a16:creationId xmlns:a16="http://schemas.microsoft.com/office/drawing/2014/main" id="{8621F47B-16EB-4509-8EBA-9E18D2281FB8}"/>
+              </a:ext>
+            </a:extLst>
+          </p:cNvPr>
+          <p:cNvCxnSpPr>
+            <a:cxnSpLocks/>
+          </p:cNvCxnSpPr>
+          <p:nvPr/>
+        </p:nvCxnSpPr>
+        <p:spPr>
+          <a:xfrm flipH="1" flipV="1">
+            <a:off x="3178789" y="2526927"/>
+            <a:ext cx="1330382" cy="644050"/>
+          </a:xfrm>
+          <a:prstGeom prst="straightConnector1">
+            <a:avLst/>
+          </a:prstGeom>
+          <a:ln>
+            <a:tailEnd type="triangle"/>
+          </a:ln>
+        </p:spPr>
+        <p:style>
+          <a:lnRef idx="1">
+            <a:schemeClr val="dk1"/>
+          </a:lnRef>
+          <a:fillRef idx="0">
+            <a:schemeClr val="dk1"/>
+          </a:fillRef>
+          <a:effectRef idx="0">
+            <a:schemeClr val="dk1"/>
+          </a:effectRef>
+          <a:fontRef idx="minor">
+            <a:schemeClr val="tx1"/>
+          </a:fontRef>
+        </p:style>
+      </p:cxnSp>
+      <p:sp>
+        <p:nvSpPr>
+          <p:cNvPr id="80" name="矩形: 圆角 79">
+            <a:extLst>
+              <a:ext uri="{FF2B5EF4-FFF2-40B4-BE49-F238E27FC236}">
+                <a16:creationId xmlns:a16="http://schemas.microsoft.com/office/drawing/2014/main" id="{E47B1F01-38BD-4A16-8834-5CB1BB8D955E}"/>
+              </a:ext>
+            </a:extLst>
+          </p:cNvPr>
+          <p:cNvSpPr/>
+          <p:nvPr/>
+        </p:nvSpPr>
+        <p:spPr>
+          <a:xfrm>
+            <a:off x="2307936" y="2270359"/>
+            <a:ext cx="874643" cy="287131"/>
+          </a:xfrm>
+          <a:prstGeom prst="roundRect">
+            <a:avLst/>
+          </a:prstGeom>
+          <a:noFill/>
+          <a:ln>
+            <a:solidFill>
+              <a:schemeClr val="tx1"/>
+            </a:solidFill>
+          </a:ln>
+        </p:spPr>
+        <p:style>
+          <a:lnRef idx="2">
+            <a:schemeClr val="accent1">
+              <a:shade val="50000"/>
+            </a:schemeClr>
+          </a:lnRef>
+          <a:fillRef idx="1">
+            <a:schemeClr val="accent1"/>
+          </a:fillRef>
+          <a:effectRef idx="0">
+            <a:schemeClr val="accent1"/>
+          </a:effectRef>
+          <a:fontRef idx="minor">
+            <a:schemeClr val="lt1"/>
+          </a:fontRef>
+        </p:style>
+        <p:txBody>
+          <a:bodyPr rtlCol="0" anchor="ctr"/>
+          <a:lstStyle/>
+          <a:p>
+            <a:pPr marL="0" marR="0" lvl="0" indent="0" algn="ctr" defTabSz="914400" rtl="0" eaLnBrk="1" fontAlgn="auto" latinLnBrk="0" hangingPunct="1">
+              <a:lnSpc>
+                <a:spcPct val="100000"/>
+              </a:lnSpc>
+              <a:spcBef>
+                <a:spcPts val="0"/>
+              </a:spcBef>
+              <a:spcAft>
+                <a:spcPts val="0"/>
+              </a:spcAft>
+              <a:buClrTx/>
+              <a:buSzTx/>
+              <a:buFontTx/>
+              <a:buNone/>
+              <a:tabLst/>
+              <a:defRPr/>
+            </a:pPr>
+            <a:r>
+              <a:rPr kumimoji="0" lang="en-US" altLang="zh-CN" sz="1100" b="0" i="0" u="none" strike="noStrike" kern="1200" cap="none" spc="0" normalizeH="0" baseline="0" noProof="0" dirty="0">
+                <a:ln>
+                  <a:noFill/>
+                </a:ln>
+                <a:solidFill>
+                  <a:prstClr val="black"/>
+                </a:solidFill>
+                <a:effectLst/>
+                <a:uLnTx/>
+                <a:uFillTx/>
+                <a:latin typeface="Times New Roman" panose="02020603050405020304" pitchFamily="18" charset="0"/>
+                <a:ea typeface="等线" panose="02010600030101010101" pitchFamily="2" charset="-122"/>
+                <a:cs typeface="Times New Roman" panose="02020603050405020304" pitchFamily="18" charset="0"/>
+              </a:rPr>
+              <a:t>Location</a:t>
+            </a:r>
+            <a:endParaRPr kumimoji="0" lang="zh-CN" altLang="en-US" sz="1100" b="0" i="0" u="none" strike="noStrike" kern="1200" cap="none" spc="0" normalizeH="0" baseline="0" noProof="0" dirty="0">
+              <a:ln>
+                <a:noFill/>
+              </a:ln>
+              <a:solidFill>
+                <a:prstClr val="white"/>
+              </a:solidFill>
+              <a:effectLst/>
+              <a:uLnTx/>
+              <a:uFillTx/>
+              <a:latin typeface="等线" panose="020F0502020204030204"/>
+              <a:ea typeface="等线" panose="02010600030101010101" pitchFamily="2" charset="-122"/>
+              <a:cs typeface="+mn-cs"/>
+            </a:endParaRPr>
+          </a:p>
+        </p:txBody>
+      </p:sp>
+      <p:sp>
+        <p:nvSpPr>
+          <p:cNvPr id="81" name="椭圆 80">
+            <a:extLst>
+              <a:ext uri="{FF2B5EF4-FFF2-40B4-BE49-F238E27FC236}">
+                <a16:creationId xmlns:a16="http://schemas.microsoft.com/office/drawing/2014/main" id="{2E8CBC30-D4AB-476B-9060-9DA67C8E0D19}"/>
+              </a:ext>
+            </a:extLst>
+          </p:cNvPr>
+          <p:cNvSpPr/>
+          <p:nvPr/>
+        </p:nvSpPr>
+        <p:spPr>
+          <a:xfrm>
+            <a:off x="3349839" y="2446293"/>
+            <a:ext cx="141163" cy="141163"/>
+          </a:xfrm>
+          <a:prstGeom prst="ellipse">
+            <a:avLst/>
+          </a:prstGeom>
+          <a:solidFill>
+            <a:srgbClr val="92D050"/>
+          </a:solidFill>
+        </p:spPr>
+        <p:style>
+          <a:lnRef idx="2">
+            <a:schemeClr val="accent1">
+              <a:shade val="50000"/>
+            </a:schemeClr>
+          </a:lnRef>
+          <a:fillRef idx="1">
+            <a:schemeClr val="accent1"/>
+          </a:fillRef>
+          <a:effectRef idx="0">
+            <a:schemeClr val="accent1"/>
+          </a:effectRef>
+          <a:fontRef idx="minor">
+            <a:schemeClr val="lt1"/>
+          </a:fontRef>
+        </p:style>
+        <p:txBody>
+          <a:bodyPr rtlCol="0" anchor="ctr"/>
+          <a:lstStyle/>
+          <a:p>
+            <a:pPr marL="0" marR="0" lvl="0" indent="0" algn="ctr" defTabSz="914400" rtl="0" eaLnBrk="1" fontAlgn="auto" latinLnBrk="0" hangingPunct="1">
+              <a:lnSpc>
+                <a:spcPct val="100000"/>
+              </a:lnSpc>
+              <a:spcBef>
+                <a:spcPts val="0"/>
+              </a:spcBef>
+              <a:spcAft>
+                <a:spcPts val="0"/>
+              </a:spcAft>
+              <a:buClrTx/>
+              <a:buSzTx/>
+              <a:buFontTx/>
+              <a:buNone/>
+              <a:tabLst/>
+              <a:defRPr/>
+            </a:pPr>
+            <a:endParaRPr kumimoji="0" lang="zh-CN" altLang="en-US" sz="1800" b="0" i="0" u="none" strike="noStrike" kern="1200" cap="none" spc="0" normalizeH="0" baseline="0" noProof="0">
+              <a:ln>
+                <a:noFill/>
+              </a:ln>
+              <a:solidFill>
+                <a:prstClr val="white"/>
+              </a:solidFill>
+              <a:effectLst/>
+              <a:uLnTx/>
+              <a:uFillTx/>
+              <a:latin typeface="等线" panose="020F0502020204030204"/>
+              <a:ea typeface="等线" panose="02010600030101010101" pitchFamily="2" charset="-122"/>
+              <a:cs typeface="+mn-cs"/>
+            </a:endParaRPr>
+          </a:p>
+        </p:txBody>
+      </p:sp>
+      <p:sp>
+        <p:nvSpPr>
+          <p:cNvPr id="82" name="矩形 81">
+            <a:extLst>
+              <a:ext uri="{FF2B5EF4-FFF2-40B4-BE49-F238E27FC236}">
+                <a16:creationId xmlns:a16="http://schemas.microsoft.com/office/drawing/2014/main" id="{CDF65CF2-988C-4254-9EB6-34FB3F44FDE2}"/>
+              </a:ext>
+            </a:extLst>
+          </p:cNvPr>
+          <p:cNvSpPr/>
+          <p:nvPr/>
+        </p:nvSpPr>
+        <p:spPr>
+          <a:xfrm>
+            <a:off x="2725350" y="2571475"/>
+            <a:ext cx="880369" cy="246221"/>
+          </a:xfrm>
+          <a:prstGeom prst="rect">
+            <a:avLst/>
+          </a:prstGeom>
+        </p:spPr>
+        <p:txBody>
+          <a:bodyPr wrap="none">
+            <a:spAutoFit/>
+          </a:bodyPr>
+          <a:lstStyle/>
+          <a:p>
+            <a:r>
+              <a:rPr lang="en-US" altLang="zh-CN" sz="1000" dirty="0">
+                <a:solidFill>
+                  <a:prstClr val="black"/>
+                </a:solidFill>
+                <a:latin typeface="Times New Roman" panose="02020603050405020304" pitchFamily="18" charset="0"/>
+                <a:cs typeface="Times New Roman" panose="02020603050405020304" pitchFamily="18" charset="0"/>
+              </a:rPr>
+              <a:t>from location</a:t>
+            </a:r>
+            <a:endParaRPr lang="zh-CN" altLang="en-US" dirty="0"/>
+          </a:p>
+        </p:txBody>
+      </p:sp>
+      <p:sp>
+        <p:nvSpPr>
+          <p:cNvPr id="83" name="弧形 82">
+            <a:extLst>
+              <a:ext uri="{FF2B5EF4-FFF2-40B4-BE49-F238E27FC236}">
+                <a16:creationId xmlns:a16="http://schemas.microsoft.com/office/drawing/2014/main" id="{A44486B2-9056-4EC3-9723-C6BA0DB61ED6}"/>
+              </a:ext>
+            </a:extLst>
+          </p:cNvPr>
+          <p:cNvSpPr/>
+          <p:nvPr/>
+        </p:nvSpPr>
+        <p:spPr>
+          <a:xfrm rot="7308123">
+            <a:off x="2121554" y="2464318"/>
+            <a:ext cx="570196" cy="287577"/>
+          </a:xfrm>
+          <a:prstGeom prst="arc">
+            <a:avLst>
+              <a:gd name="adj1" fmla="val 13513729"/>
+              <a:gd name="adj2" fmla="val 5242819"/>
+            </a:avLst>
+          </a:prstGeom>
+          <a:ln>
+            <a:headEnd type="none" w="med" len="med"/>
+            <a:tailEnd type="triangle" w="med" len="med"/>
+          </a:ln>
+        </p:spPr>
+        <p:style>
+          <a:lnRef idx="1">
+            <a:schemeClr val="dk1"/>
+          </a:lnRef>
+          <a:fillRef idx="0">
+            <a:schemeClr val="dk1"/>
+          </a:fillRef>
+          <a:effectRef idx="0">
+            <a:schemeClr val="dk1"/>
+          </a:effectRef>
+          <a:fontRef idx="minor">
+            <a:schemeClr val="tx1"/>
+          </a:fontRef>
+        </p:style>
+        <p:txBody>
+          <a:bodyPr rtlCol="0" anchor="ctr"/>
+          <a:lstStyle/>
+          <a:p>
+            <a:pPr marL="0" marR="0" lvl="0" indent="0" algn="ctr" defTabSz="914400" rtl="0" eaLnBrk="1" fontAlgn="auto" latinLnBrk="0" hangingPunct="1">
+              <a:lnSpc>
+                <a:spcPct val="100000"/>
+              </a:lnSpc>
+              <a:spcBef>
+                <a:spcPts val="0"/>
+              </a:spcBef>
+              <a:spcAft>
+                <a:spcPts val="0"/>
+              </a:spcAft>
+              <a:buClrTx/>
+              <a:buSzTx/>
+              <a:buFontTx/>
+              <a:buNone/>
+              <a:tabLst/>
+              <a:defRPr/>
+            </a:pPr>
+            <a:endParaRPr kumimoji="0" lang="zh-CN" altLang="en-US" sz="1800" b="0" i="0" u="none" strike="noStrike" kern="1200" cap="none" spc="0" normalizeH="0" baseline="0" noProof="0">
+              <a:ln>
+                <a:noFill/>
+              </a:ln>
+              <a:solidFill>
+                <a:prstClr val="black"/>
+              </a:solidFill>
+              <a:effectLst/>
+              <a:uLnTx/>
+              <a:uFillTx/>
+              <a:latin typeface="等线" panose="020F0502020204030204"/>
+              <a:ea typeface="等线" panose="02010600030101010101" pitchFamily="2" charset="-122"/>
+              <a:cs typeface="+mn-cs"/>
+            </a:endParaRPr>
+          </a:p>
+        </p:txBody>
+      </p:sp>
+      <p:sp>
+        <p:nvSpPr>
+          <p:cNvPr id="86" name="矩形 85">
+            <a:extLst>
+              <a:ext uri="{FF2B5EF4-FFF2-40B4-BE49-F238E27FC236}">
+                <a16:creationId xmlns:a16="http://schemas.microsoft.com/office/drawing/2014/main" id="{CEB6630B-B969-4AFB-8B59-8358286A413E}"/>
+              </a:ext>
+            </a:extLst>
+          </p:cNvPr>
+          <p:cNvSpPr/>
+          <p:nvPr/>
+        </p:nvSpPr>
+        <p:spPr>
+          <a:xfrm>
+            <a:off x="2129486" y="2817696"/>
+            <a:ext cx="880369" cy="246221"/>
+          </a:xfrm>
+          <a:prstGeom prst="rect">
+            <a:avLst/>
+          </a:prstGeom>
+        </p:spPr>
+        <p:txBody>
+          <a:bodyPr wrap="none">
+            <a:spAutoFit/>
+          </a:bodyPr>
+          <a:lstStyle/>
+          <a:p>
+            <a:r>
+              <a:rPr lang="en-US" altLang="zh-CN" sz="1000" dirty="0">
+                <a:solidFill>
+                  <a:prstClr val="black"/>
+                </a:solidFill>
+                <a:latin typeface="Times New Roman" panose="02020603050405020304" pitchFamily="18" charset="0"/>
+                <a:cs typeface="Times New Roman" panose="02020603050405020304" pitchFamily="18" charset="0"/>
+              </a:rPr>
+              <a:t>from location</a:t>
+            </a:r>
+            <a:endParaRPr lang="zh-CN" altLang="en-US" dirty="0"/>
+          </a:p>
+        </p:txBody>
+      </p:sp>
+      <p:sp>
+        <p:nvSpPr>
+          <p:cNvPr id="87" name="椭圆 86">
+            <a:extLst>
+              <a:ext uri="{FF2B5EF4-FFF2-40B4-BE49-F238E27FC236}">
+                <a16:creationId xmlns:a16="http://schemas.microsoft.com/office/drawing/2014/main" id="{F8750394-D838-4810-AFC1-91B59F36CF6E}"/>
+              </a:ext>
+            </a:extLst>
+          </p:cNvPr>
+          <p:cNvSpPr/>
+          <p:nvPr/>
+        </p:nvSpPr>
+        <p:spPr>
+          <a:xfrm>
+            <a:off x="2505873" y="2717433"/>
+            <a:ext cx="141163" cy="141163"/>
+          </a:xfrm>
+          <a:prstGeom prst="ellipse">
+            <a:avLst/>
+          </a:prstGeom>
+          <a:solidFill>
+            <a:srgbClr val="92D050"/>
+          </a:solidFill>
+        </p:spPr>
+        <p:style>
+          <a:lnRef idx="2">
+            <a:schemeClr val="accent1">
+              <a:shade val="50000"/>
+            </a:schemeClr>
+          </a:lnRef>
+          <a:fillRef idx="1">
+            <a:schemeClr val="accent1"/>
+          </a:fillRef>
+          <a:effectRef idx="0">
+            <a:schemeClr val="accent1"/>
+          </a:effectRef>
+          <a:fontRef idx="minor">
+            <a:schemeClr val="lt1"/>
+          </a:fontRef>
+        </p:style>
+        <p:txBody>
+          <a:bodyPr rtlCol="0" anchor="ctr"/>
+          <a:lstStyle/>
+          <a:p>
+            <a:pPr marL="0" marR="0" lvl="0" indent="0" algn="ctr" defTabSz="914400" rtl="0" eaLnBrk="1" fontAlgn="auto" latinLnBrk="0" hangingPunct="1">
+              <a:lnSpc>
+                <a:spcPct val="100000"/>
+              </a:lnSpc>
+              <a:spcBef>
+                <a:spcPts val="0"/>
+              </a:spcBef>
+              <a:spcAft>
+                <a:spcPts val="0"/>
+              </a:spcAft>
+              <a:buClrTx/>
+              <a:buSzTx/>
+              <a:buFontTx/>
+              <a:buNone/>
+              <a:tabLst/>
+              <a:defRPr/>
+            </a:pPr>
+            <a:endParaRPr kumimoji="0" lang="zh-CN" altLang="en-US" sz="1800" b="0" i="0" u="none" strike="noStrike" kern="1200" cap="none" spc="0" normalizeH="0" baseline="0" noProof="0">
+              <a:ln>
+                <a:noFill/>
+              </a:ln>
+              <a:solidFill>
+                <a:prstClr val="white"/>
+              </a:solidFill>
+              <a:effectLst/>
+              <a:uLnTx/>
+              <a:uFillTx/>
+              <a:latin typeface="等线" panose="020F0502020204030204"/>
+              <a:ea typeface="等线" panose="02010600030101010101" pitchFamily="2" charset="-122"/>
+              <a:cs typeface="+mn-cs"/>
             </a:endParaRPr>
           </a:p>
         </p:txBody>

--- a/data/HPO/schema.pptx
+++ b/data/HPO/schema.pptx
@@ -261,7 +261,7 @@
           <a:p>
             <a:fld id="{0572D963-F112-4488-97DB-CD8B600123CD}" type="datetimeFigureOut">
               <a:rPr lang="zh-CN" altLang="en-US" smtClean="0"/>
-              <a:t>2020/7/6</a:t>
+              <a:t>2020/7/20</a:t>
             </a:fld>
             <a:endParaRPr lang="zh-CN" altLang="en-US"/>
           </a:p>
@@ -459,7 +459,7 @@
           <a:p>
             <a:fld id="{0572D963-F112-4488-97DB-CD8B600123CD}" type="datetimeFigureOut">
               <a:rPr lang="zh-CN" altLang="en-US" smtClean="0"/>
-              <a:t>2020/7/6</a:t>
+              <a:t>2020/7/20</a:t>
             </a:fld>
             <a:endParaRPr lang="zh-CN" altLang="en-US"/>
           </a:p>
@@ -667,7 +667,7 @@
           <a:p>
             <a:fld id="{0572D963-F112-4488-97DB-CD8B600123CD}" type="datetimeFigureOut">
               <a:rPr lang="zh-CN" altLang="en-US" smtClean="0"/>
-              <a:t>2020/7/6</a:t>
+              <a:t>2020/7/20</a:t>
             </a:fld>
             <a:endParaRPr lang="zh-CN" altLang="en-US"/>
           </a:p>
@@ -865,7 +865,7 @@
           <a:p>
             <a:fld id="{0572D963-F112-4488-97DB-CD8B600123CD}" type="datetimeFigureOut">
               <a:rPr lang="zh-CN" altLang="en-US" smtClean="0"/>
-              <a:t>2020/7/6</a:t>
+              <a:t>2020/7/20</a:t>
             </a:fld>
             <a:endParaRPr lang="zh-CN" altLang="en-US"/>
           </a:p>
@@ -1140,7 +1140,7 @@
           <a:p>
             <a:fld id="{0572D963-F112-4488-97DB-CD8B600123CD}" type="datetimeFigureOut">
               <a:rPr lang="zh-CN" altLang="en-US" smtClean="0"/>
-              <a:t>2020/7/6</a:t>
+              <a:t>2020/7/20</a:t>
             </a:fld>
             <a:endParaRPr lang="zh-CN" altLang="en-US"/>
           </a:p>
@@ -1405,7 +1405,7 @@
           <a:p>
             <a:fld id="{0572D963-F112-4488-97DB-CD8B600123CD}" type="datetimeFigureOut">
               <a:rPr lang="zh-CN" altLang="en-US" smtClean="0"/>
-              <a:t>2020/7/6</a:t>
+              <a:t>2020/7/20</a:t>
             </a:fld>
             <a:endParaRPr lang="zh-CN" altLang="en-US"/>
           </a:p>
@@ -1817,7 +1817,7 @@
           <a:p>
             <a:fld id="{0572D963-F112-4488-97DB-CD8B600123CD}" type="datetimeFigureOut">
               <a:rPr lang="zh-CN" altLang="en-US" smtClean="0"/>
-              <a:t>2020/7/6</a:t>
+              <a:t>2020/7/20</a:t>
             </a:fld>
             <a:endParaRPr lang="zh-CN" altLang="en-US"/>
           </a:p>
@@ -1958,7 +1958,7 @@
           <a:p>
             <a:fld id="{0572D963-F112-4488-97DB-CD8B600123CD}" type="datetimeFigureOut">
               <a:rPr lang="zh-CN" altLang="en-US" smtClean="0"/>
-              <a:t>2020/7/6</a:t>
+              <a:t>2020/7/20</a:t>
             </a:fld>
             <a:endParaRPr lang="zh-CN" altLang="en-US"/>
           </a:p>
@@ -2071,7 +2071,7 @@
           <a:p>
             <a:fld id="{0572D963-F112-4488-97DB-CD8B600123CD}" type="datetimeFigureOut">
               <a:rPr lang="zh-CN" altLang="en-US" smtClean="0"/>
-              <a:t>2020/7/6</a:t>
+              <a:t>2020/7/20</a:t>
             </a:fld>
             <a:endParaRPr lang="zh-CN" altLang="en-US"/>
           </a:p>
@@ -2382,7 +2382,7 @@
           <a:p>
             <a:fld id="{0572D963-F112-4488-97DB-CD8B600123CD}" type="datetimeFigureOut">
               <a:rPr lang="zh-CN" altLang="en-US" smtClean="0"/>
-              <a:t>2020/7/6</a:t>
+              <a:t>2020/7/20</a:t>
             </a:fld>
             <a:endParaRPr lang="zh-CN" altLang="en-US"/>
           </a:p>
@@ -2670,7 +2670,7 @@
           <a:p>
             <a:fld id="{0572D963-F112-4488-97DB-CD8B600123CD}" type="datetimeFigureOut">
               <a:rPr lang="zh-CN" altLang="en-US" smtClean="0"/>
-              <a:t>2020/7/6</a:t>
+              <a:t>2020/7/20</a:t>
             </a:fld>
             <a:endParaRPr lang="zh-CN" altLang="en-US"/>
           </a:p>
@@ -2911,7 +2911,7 @@
           <a:p>
             <a:fld id="{0572D963-F112-4488-97DB-CD8B600123CD}" type="datetimeFigureOut">
               <a:rPr lang="zh-CN" altLang="en-US" smtClean="0"/>
-              <a:t>2020/7/6</a:t>
+              <a:t>2020/7/20</a:t>
             </a:fld>
             <a:endParaRPr lang="zh-CN" altLang="en-US"/>
           </a:p>
@@ -15831,6 +15831,102 @@
           </a:p>
         </p:txBody>
       </p:sp>
+      <p:cxnSp>
+        <p:nvCxnSpPr>
+          <p:cNvPr id="89" name="直接箭头连接符 88">
+            <a:extLst>
+              <a:ext uri="{FF2B5EF4-FFF2-40B4-BE49-F238E27FC236}">
+                <a16:creationId xmlns:a16="http://schemas.microsoft.com/office/drawing/2014/main" id="{388A3A5C-8D83-42BD-A007-564C5D9A4A9A}"/>
+              </a:ext>
+            </a:extLst>
+          </p:cNvPr>
+          <p:cNvCxnSpPr>
+            <a:cxnSpLocks/>
+            <a:stCxn id="13" idx="3"/>
+            <a:endCxn id="21" idx="1"/>
+          </p:cNvCxnSpPr>
+          <p:nvPr/>
+        </p:nvCxnSpPr>
+        <p:spPr>
+          <a:xfrm flipV="1">
+            <a:off x="4632332" y="2404243"/>
+            <a:ext cx="1323136" cy="2"/>
+          </a:xfrm>
+          <a:prstGeom prst="straightConnector1">
+            <a:avLst/>
+          </a:prstGeom>
+          <a:ln>
+            <a:solidFill>
+              <a:schemeClr val="tx1"/>
+            </a:solidFill>
+            <a:prstDash val="solid"/>
+            <a:tailEnd type="triangle"/>
+          </a:ln>
+        </p:spPr>
+        <p:style>
+          <a:lnRef idx="1">
+            <a:schemeClr val="dk1"/>
+          </a:lnRef>
+          <a:fillRef idx="0">
+            <a:schemeClr val="dk1"/>
+          </a:fillRef>
+          <a:effectRef idx="0">
+            <a:schemeClr val="dk1"/>
+          </a:effectRef>
+          <a:fontRef idx="minor">
+            <a:schemeClr val="tx1"/>
+          </a:fontRef>
+        </p:style>
+      </p:cxnSp>
+      <p:sp>
+        <p:nvSpPr>
+          <p:cNvPr id="5" name="平行四边形 4">
+            <a:extLst>
+              <a:ext uri="{FF2B5EF4-FFF2-40B4-BE49-F238E27FC236}">
+                <a16:creationId xmlns:a16="http://schemas.microsoft.com/office/drawing/2014/main" id="{C2D46BCA-D758-4D83-9471-60FAF2ED417A}"/>
+              </a:ext>
+            </a:extLst>
+          </p:cNvPr>
+          <p:cNvSpPr/>
+          <p:nvPr/>
+        </p:nvSpPr>
+        <p:spPr>
+          <a:xfrm>
+            <a:off x="5248051" y="2232704"/>
+            <a:ext cx="160347" cy="120561"/>
+          </a:xfrm>
+          <a:prstGeom prst="parallelogram">
+            <a:avLst/>
+          </a:prstGeom>
+          <a:solidFill>
+            <a:srgbClr val="FF0000"/>
+          </a:solidFill>
+        </p:spPr>
+        <p:style>
+          <a:lnRef idx="2">
+            <a:schemeClr val="accent1">
+              <a:shade val="50000"/>
+            </a:schemeClr>
+          </a:lnRef>
+          <a:fillRef idx="1">
+            <a:schemeClr val="accent1"/>
+          </a:fillRef>
+          <a:effectRef idx="0">
+            <a:schemeClr val="accent1"/>
+          </a:effectRef>
+          <a:fontRef idx="minor">
+            <a:schemeClr val="lt1"/>
+          </a:fontRef>
+        </p:style>
+        <p:txBody>
+          <a:bodyPr rtlCol="0" anchor="ctr"/>
+          <a:lstStyle/>
+          <a:p>
+            <a:pPr algn="ctr"/>
+            <a:endParaRPr lang="zh-CN" altLang="en-US"/>
+          </a:p>
+        </p:txBody>
+      </p:sp>
     </p:spTree>
     <p:extLst>
       <p:ext uri="{BB962C8B-B14F-4D97-AF65-F5344CB8AC3E}">

--- a/data/HPO/schema.pptx
+++ b/data/HPO/schema.pptx
@@ -261,7 +261,7 @@
           <a:p>
             <a:fld id="{0572D963-F112-4488-97DB-CD8B600123CD}" type="datetimeFigureOut">
               <a:rPr lang="zh-CN" altLang="en-US" smtClean="0"/>
-              <a:t>2020/7/20</a:t>
+              <a:t>2020/7/21</a:t>
             </a:fld>
             <a:endParaRPr lang="zh-CN" altLang="en-US"/>
           </a:p>
@@ -459,7 +459,7 @@
           <a:p>
             <a:fld id="{0572D963-F112-4488-97DB-CD8B600123CD}" type="datetimeFigureOut">
               <a:rPr lang="zh-CN" altLang="en-US" smtClean="0"/>
-              <a:t>2020/7/20</a:t>
+              <a:t>2020/7/21</a:t>
             </a:fld>
             <a:endParaRPr lang="zh-CN" altLang="en-US"/>
           </a:p>
@@ -667,7 +667,7 @@
           <a:p>
             <a:fld id="{0572D963-F112-4488-97DB-CD8B600123CD}" type="datetimeFigureOut">
               <a:rPr lang="zh-CN" altLang="en-US" smtClean="0"/>
-              <a:t>2020/7/20</a:t>
+              <a:t>2020/7/21</a:t>
             </a:fld>
             <a:endParaRPr lang="zh-CN" altLang="en-US"/>
           </a:p>
@@ -865,7 +865,7 @@
           <a:p>
             <a:fld id="{0572D963-F112-4488-97DB-CD8B600123CD}" type="datetimeFigureOut">
               <a:rPr lang="zh-CN" altLang="en-US" smtClean="0"/>
-              <a:t>2020/7/20</a:t>
+              <a:t>2020/7/21</a:t>
             </a:fld>
             <a:endParaRPr lang="zh-CN" altLang="en-US"/>
           </a:p>
@@ -1140,7 +1140,7 @@
           <a:p>
             <a:fld id="{0572D963-F112-4488-97DB-CD8B600123CD}" type="datetimeFigureOut">
               <a:rPr lang="zh-CN" altLang="en-US" smtClean="0"/>
-              <a:t>2020/7/20</a:t>
+              <a:t>2020/7/21</a:t>
             </a:fld>
             <a:endParaRPr lang="zh-CN" altLang="en-US"/>
           </a:p>
@@ -1405,7 +1405,7 @@
           <a:p>
             <a:fld id="{0572D963-F112-4488-97DB-CD8B600123CD}" type="datetimeFigureOut">
               <a:rPr lang="zh-CN" altLang="en-US" smtClean="0"/>
-              <a:t>2020/7/20</a:t>
+              <a:t>2020/7/21</a:t>
             </a:fld>
             <a:endParaRPr lang="zh-CN" altLang="en-US"/>
           </a:p>
@@ -1817,7 +1817,7 @@
           <a:p>
             <a:fld id="{0572D963-F112-4488-97DB-CD8B600123CD}" type="datetimeFigureOut">
               <a:rPr lang="zh-CN" altLang="en-US" smtClean="0"/>
-              <a:t>2020/7/20</a:t>
+              <a:t>2020/7/21</a:t>
             </a:fld>
             <a:endParaRPr lang="zh-CN" altLang="en-US"/>
           </a:p>
@@ -1958,7 +1958,7 @@
           <a:p>
             <a:fld id="{0572D963-F112-4488-97DB-CD8B600123CD}" type="datetimeFigureOut">
               <a:rPr lang="zh-CN" altLang="en-US" smtClean="0"/>
-              <a:t>2020/7/20</a:t>
+              <a:t>2020/7/21</a:t>
             </a:fld>
             <a:endParaRPr lang="zh-CN" altLang="en-US"/>
           </a:p>
@@ -2071,7 +2071,7 @@
           <a:p>
             <a:fld id="{0572D963-F112-4488-97DB-CD8B600123CD}" type="datetimeFigureOut">
               <a:rPr lang="zh-CN" altLang="en-US" smtClean="0"/>
-              <a:t>2020/7/20</a:t>
+              <a:t>2020/7/21</a:t>
             </a:fld>
             <a:endParaRPr lang="zh-CN" altLang="en-US"/>
           </a:p>
@@ -2382,7 +2382,7 @@
           <a:p>
             <a:fld id="{0572D963-F112-4488-97DB-CD8B600123CD}" type="datetimeFigureOut">
               <a:rPr lang="zh-CN" altLang="en-US" smtClean="0"/>
-              <a:t>2020/7/20</a:t>
+              <a:t>2020/7/21</a:t>
             </a:fld>
             <a:endParaRPr lang="zh-CN" altLang="en-US"/>
           </a:p>
@@ -2670,7 +2670,7 @@
           <a:p>
             <a:fld id="{0572D963-F112-4488-97DB-CD8B600123CD}" type="datetimeFigureOut">
               <a:rPr lang="zh-CN" altLang="en-US" smtClean="0"/>
-              <a:t>2020/7/20</a:t>
+              <a:t>2020/7/21</a:t>
             </a:fld>
             <a:endParaRPr lang="zh-CN" altLang="en-US"/>
           </a:p>
@@ -2911,7 +2911,7 @@
           <a:p>
             <a:fld id="{0572D963-F112-4488-97DB-CD8B600123CD}" type="datetimeFigureOut">
               <a:rPr lang="zh-CN" altLang="en-US" smtClean="0"/>
-              <a:t>2020/7/20</a:t>
+              <a:t>2020/7/21</a:t>
             </a:fld>
             <a:endParaRPr lang="zh-CN" altLang="en-US"/>
           </a:p>
@@ -15927,6 +15927,196 @@
           </a:p>
         </p:txBody>
       </p:sp>
+      <p:sp>
+        <p:nvSpPr>
+          <p:cNvPr id="2" name="弧形 1">
+            <a:extLst>
+              <a:ext uri="{FF2B5EF4-FFF2-40B4-BE49-F238E27FC236}">
+                <a16:creationId xmlns:a16="http://schemas.microsoft.com/office/drawing/2014/main" id="{EB179C00-0038-485F-B753-F2FFBF874B65}"/>
+              </a:ext>
+            </a:extLst>
+          </p:cNvPr>
+          <p:cNvSpPr/>
+          <p:nvPr/>
+        </p:nvSpPr>
+        <p:spPr>
+          <a:xfrm>
+            <a:off x="4272781" y="1840573"/>
+            <a:ext cx="3524168" cy="1289992"/>
+          </a:xfrm>
+          <a:prstGeom prst="arc">
+            <a:avLst>
+              <a:gd name="adj1" fmla="val 11280338"/>
+              <a:gd name="adj2" fmla="val 21114341"/>
+            </a:avLst>
+          </a:prstGeom>
+          <a:ln>
+            <a:headEnd type="none" w="med" len="med"/>
+            <a:tailEnd type="triangle" w="med" len="med"/>
+          </a:ln>
+        </p:spPr>
+        <p:style>
+          <a:lnRef idx="1">
+            <a:schemeClr val="dk1"/>
+          </a:lnRef>
+          <a:fillRef idx="0">
+            <a:schemeClr val="dk1"/>
+          </a:fillRef>
+          <a:effectRef idx="0">
+            <a:schemeClr val="dk1"/>
+          </a:effectRef>
+          <a:fontRef idx="minor">
+            <a:schemeClr val="tx1"/>
+          </a:fontRef>
+        </p:style>
+        <p:txBody>
+          <a:bodyPr rtlCol="0" anchor="ctr"/>
+          <a:lstStyle/>
+          <a:p>
+            <a:pPr algn="ctr"/>
+            <a:endParaRPr lang="zh-CN" altLang="en-US"/>
+          </a:p>
+        </p:txBody>
+      </p:sp>
+      <p:sp>
+        <p:nvSpPr>
+          <p:cNvPr id="3" name="矩形 2">
+            <a:extLst>
+              <a:ext uri="{FF2B5EF4-FFF2-40B4-BE49-F238E27FC236}">
+                <a16:creationId xmlns:a16="http://schemas.microsoft.com/office/drawing/2014/main" id="{F454EC75-438E-4CB9-A954-B3DAE3CE5ADF}"/>
+              </a:ext>
+            </a:extLst>
+          </p:cNvPr>
+          <p:cNvSpPr/>
+          <p:nvPr/>
+        </p:nvSpPr>
+        <p:spPr>
+          <a:xfrm>
+            <a:off x="5845420" y="1780282"/>
+            <a:ext cx="478016" cy="246221"/>
+          </a:xfrm>
+          <a:prstGeom prst="rect">
+            <a:avLst/>
+          </a:prstGeom>
+        </p:spPr>
+        <p:txBody>
+          <a:bodyPr wrap="none">
+            <a:spAutoFit/>
+          </a:bodyPr>
+          <a:lstStyle/>
+          <a:p>
+            <a:r>
+              <a:rPr lang="en-US" altLang="zh-CN" sz="1000" dirty="0">
+                <a:latin typeface="Times New Roman" panose="02020603050405020304" pitchFamily="18" charset="0"/>
+                <a:cs typeface="Times New Roman" panose="02020603050405020304" pitchFamily="18" charset="0"/>
+              </a:rPr>
+              <a:t>target</a:t>
+            </a:r>
+            <a:endParaRPr lang="zh-CN" altLang="en-US" sz="1000" dirty="0">
+              <a:latin typeface="Times New Roman" panose="02020603050405020304" pitchFamily="18" charset="0"/>
+              <a:cs typeface="Times New Roman" panose="02020603050405020304" pitchFamily="18" charset="0"/>
+            </a:endParaRPr>
+          </a:p>
+        </p:txBody>
+      </p:sp>
+      <p:sp>
+        <p:nvSpPr>
+          <p:cNvPr id="14" name="矩形 13">
+            <a:extLst>
+              <a:ext uri="{FF2B5EF4-FFF2-40B4-BE49-F238E27FC236}">
+                <a16:creationId xmlns:a16="http://schemas.microsoft.com/office/drawing/2014/main" id="{41B29D49-22C7-404D-A01D-541D255CBAA8}"/>
+              </a:ext>
+            </a:extLst>
+          </p:cNvPr>
+          <p:cNvSpPr/>
+          <p:nvPr/>
+        </p:nvSpPr>
+        <p:spPr>
+          <a:xfrm>
+            <a:off x="5864451" y="1665552"/>
+            <a:ext cx="141163" cy="141163"/>
+          </a:xfrm>
+          <a:prstGeom prst="rect">
+            <a:avLst/>
+          </a:prstGeom>
+          <a:solidFill>
+            <a:srgbClr val="FFC000"/>
+          </a:solidFill>
+        </p:spPr>
+        <p:style>
+          <a:lnRef idx="2">
+            <a:schemeClr val="accent1">
+              <a:shade val="50000"/>
+            </a:schemeClr>
+          </a:lnRef>
+          <a:fillRef idx="1">
+            <a:schemeClr val="accent1"/>
+          </a:fillRef>
+          <a:effectRef idx="0">
+            <a:schemeClr val="accent1"/>
+          </a:effectRef>
+          <a:fontRef idx="minor">
+            <a:schemeClr val="lt1"/>
+          </a:fontRef>
+        </p:style>
+        <p:txBody>
+          <a:bodyPr rtlCol="0" anchor="ctr"/>
+          <a:lstStyle/>
+          <a:p>
+            <a:pPr algn="ctr"/>
+            <a:endParaRPr lang="zh-CN" altLang="en-US"/>
+          </a:p>
+        </p:txBody>
+      </p:sp>
+      <p:sp>
+        <p:nvSpPr>
+          <p:cNvPr id="16" name="平行四边形 15">
+            <a:extLst>
+              <a:ext uri="{FF2B5EF4-FFF2-40B4-BE49-F238E27FC236}">
+                <a16:creationId xmlns:a16="http://schemas.microsoft.com/office/drawing/2014/main" id="{87D48C70-3452-47E4-9A51-D094DD2B2E82}"/>
+              </a:ext>
+            </a:extLst>
+          </p:cNvPr>
+          <p:cNvSpPr/>
+          <p:nvPr/>
+        </p:nvSpPr>
+        <p:spPr>
+          <a:xfrm>
+            <a:off x="6079196" y="1683497"/>
+            <a:ext cx="160347" cy="120561"/>
+          </a:xfrm>
+          <a:prstGeom prst="parallelogram">
+            <a:avLst/>
+          </a:prstGeom>
+          <a:solidFill>
+            <a:srgbClr val="FF0000"/>
+          </a:solidFill>
+        </p:spPr>
+        <p:style>
+          <a:lnRef idx="2">
+            <a:schemeClr val="accent1">
+              <a:shade val="50000"/>
+            </a:schemeClr>
+          </a:lnRef>
+          <a:fillRef idx="1">
+            <a:schemeClr val="accent1"/>
+          </a:fillRef>
+          <a:effectRef idx="0">
+            <a:schemeClr val="accent1"/>
+          </a:effectRef>
+          <a:fontRef idx="minor">
+            <a:schemeClr val="lt1"/>
+          </a:fontRef>
+        </p:style>
+        <p:txBody>
+          <a:bodyPr rtlCol="0" anchor="ctr"/>
+          <a:lstStyle/>
+          <a:p>
+            <a:pPr algn="ctr"/>
+            <a:endParaRPr lang="zh-CN" altLang="en-US"/>
+          </a:p>
+        </p:txBody>
+      </p:sp>
     </p:spTree>
     <p:extLst>
       <p:ext uri="{BB962C8B-B14F-4D97-AF65-F5344CB8AC3E}">

--- a/data/HPO/schema.pptx
+++ b/data/HPO/schema.pptx
@@ -8,6 +8,7 @@
     <p:sldId id="785" r:id="rId2"/>
     <p:sldId id="787" r:id="rId3"/>
     <p:sldId id="786" r:id="rId4"/>
+    <p:sldId id="789" r:id="rId5"/>
   </p:sldIdLst>
   <p:sldSz cx="12192000" cy="6858000"/>
   <p:notesSz cx="6858000" cy="9144000"/>
@@ -261,7 +262,7 @@
           <a:p>
             <a:fld id="{0572D963-F112-4488-97DB-CD8B600123CD}" type="datetimeFigureOut">
               <a:rPr lang="zh-CN" altLang="en-US" smtClean="0"/>
-              <a:t>2020/7/21</a:t>
+              <a:t>2020/12/20</a:t>
             </a:fld>
             <a:endParaRPr lang="zh-CN" altLang="en-US"/>
           </a:p>
@@ -459,7 +460,7 @@
           <a:p>
             <a:fld id="{0572D963-F112-4488-97DB-CD8B600123CD}" type="datetimeFigureOut">
               <a:rPr lang="zh-CN" altLang="en-US" smtClean="0"/>
-              <a:t>2020/7/21</a:t>
+              <a:t>2020/12/20</a:t>
             </a:fld>
             <a:endParaRPr lang="zh-CN" altLang="en-US"/>
           </a:p>
@@ -667,7 +668,7 @@
           <a:p>
             <a:fld id="{0572D963-F112-4488-97DB-CD8B600123CD}" type="datetimeFigureOut">
               <a:rPr lang="zh-CN" altLang="en-US" smtClean="0"/>
-              <a:t>2020/7/21</a:t>
+              <a:t>2020/12/20</a:t>
             </a:fld>
             <a:endParaRPr lang="zh-CN" altLang="en-US"/>
           </a:p>
@@ -865,7 +866,7 @@
           <a:p>
             <a:fld id="{0572D963-F112-4488-97DB-CD8B600123CD}" type="datetimeFigureOut">
               <a:rPr lang="zh-CN" altLang="en-US" smtClean="0"/>
-              <a:t>2020/7/21</a:t>
+              <a:t>2020/12/20</a:t>
             </a:fld>
             <a:endParaRPr lang="zh-CN" altLang="en-US"/>
           </a:p>
@@ -1140,7 +1141,7 @@
           <a:p>
             <a:fld id="{0572D963-F112-4488-97DB-CD8B600123CD}" type="datetimeFigureOut">
               <a:rPr lang="zh-CN" altLang="en-US" smtClean="0"/>
-              <a:t>2020/7/21</a:t>
+              <a:t>2020/12/20</a:t>
             </a:fld>
             <a:endParaRPr lang="zh-CN" altLang="en-US"/>
           </a:p>
@@ -1405,7 +1406,7 @@
           <a:p>
             <a:fld id="{0572D963-F112-4488-97DB-CD8B600123CD}" type="datetimeFigureOut">
               <a:rPr lang="zh-CN" altLang="en-US" smtClean="0"/>
-              <a:t>2020/7/21</a:t>
+              <a:t>2020/12/20</a:t>
             </a:fld>
             <a:endParaRPr lang="zh-CN" altLang="en-US"/>
           </a:p>
@@ -1817,7 +1818,7 @@
           <a:p>
             <a:fld id="{0572D963-F112-4488-97DB-CD8B600123CD}" type="datetimeFigureOut">
               <a:rPr lang="zh-CN" altLang="en-US" smtClean="0"/>
-              <a:t>2020/7/21</a:t>
+              <a:t>2020/12/20</a:t>
             </a:fld>
             <a:endParaRPr lang="zh-CN" altLang="en-US"/>
           </a:p>
@@ -1958,7 +1959,7 @@
           <a:p>
             <a:fld id="{0572D963-F112-4488-97DB-CD8B600123CD}" type="datetimeFigureOut">
               <a:rPr lang="zh-CN" altLang="en-US" smtClean="0"/>
-              <a:t>2020/7/21</a:t>
+              <a:t>2020/12/20</a:t>
             </a:fld>
             <a:endParaRPr lang="zh-CN" altLang="en-US"/>
           </a:p>
@@ -2071,7 +2072,7 @@
           <a:p>
             <a:fld id="{0572D963-F112-4488-97DB-CD8B600123CD}" type="datetimeFigureOut">
               <a:rPr lang="zh-CN" altLang="en-US" smtClean="0"/>
-              <a:t>2020/7/21</a:t>
+              <a:t>2020/12/20</a:t>
             </a:fld>
             <a:endParaRPr lang="zh-CN" altLang="en-US"/>
           </a:p>
@@ -2382,7 +2383,7 @@
           <a:p>
             <a:fld id="{0572D963-F112-4488-97DB-CD8B600123CD}" type="datetimeFigureOut">
               <a:rPr lang="zh-CN" altLang="en-US" smtClean="0"/>
-              <a:t>2020/7/21</a:t>
+              <a:t>2020/12/20</a:t>
             </a:fld>
             <a:endParaRPr lang="zh-CN" altLang="en-US"/>
           </a:p>
@@ -2670,7 +2671,7 @@
           <a:p>
             <a:fld id="{0572D963-F112-4488-97DB-CD8B600123CD}" type="datetimeFigureOut">
               <a:rPr lang="zh-CN" altLang="en-US" smtClean="0"/>
-              <a:t>2020/7/21</a:t>
+              <a:t>2020/12/20</a:t>
             </a:fld>
             <a:endParaRPr lang="zh-CN" altLang="en-US"/>
           </a:p>
@@ -2911,7 +2912,7 @@
           <a:p>
             <a:fld id="{0572D963-F112-4488-97DB-CD8B600123CD}" type="datetimeFigureOut">
               <a:rPr lang="zh-CN" altLang="en-US" smtClean="0"/>
-              <a:t>2020/7/21</a:t>
+              <a:t>2020/12/20</a:t>
             </a:fld>
             <a:endParaRPr lang="zh-CN" altLang="en-US"/>
           </a:p>
@@ -16130,6 +16131,5381 @@
 </p:sld>
 </file>
 
+<file path=ppt/slides/slide4.xml><?xml version="1.0" encoding="utf-8"?>
+<p:sld xmlns:a="http://schemas.openxmlformats.org/drawingml/2006/main" xmlns:r="http://schemas.openxmlformats.org/officeDocument/2006/relationships" xmlns:p="http://schemas.openxmlformats.org/presentationml/2006/main">
+  <p:cSld>
+    <p:spTree>
+      <p:nvGrpSpPr>
+        <p:cNvPr id="1" name=""/>
+        <p:cNvGrpSpPr/>
+        <p:nvPr/>
+      </p:nvGrpSpPr>
+      <p:grpSpPr>
+        <a:xfrm>
+          <a:off x="0" y="0"/>
+          <a:ext cx="0" cy="0"/>
+          <a:chOff x="0" y="0"/>
+          <a:chExt cx="0" cy="0"/>
+        </a:xfrm>
+      </p:grpSpPr>
+      <p:sp>
+        <p:nvSpPr>
+          <p:cNvPr id="71" name="文本框 70">
+            <a:extLst>
+              <a:ext uri="{FF2B5EF4-FFF2-40B4-BE49-F238E27FC236}">
+                <a16:creationId xmlns:a16="http://schemas.microsoft.com/office/drawing/2014/main" id="{52CA73A2-1355-415B-8542-48E92A9A8338}"/>
+              </a:ext>
+            </a:extLst>
+          </p:cNvPr>
+          <p:cNvSpPr txBox="1"/>
+          <p:nvPr/>
+        </p:nvSpPr>
+        <p:spPr>
+          <a:xfrm>
+            <a:off x="451313" y="470936"/>
+            <a:ext cx="962123" cy="369332"/>
+          </a:xfrm>
+          <a:prstGeom prst="rect">
+            <a:avLst/>
+          </a:prstGeom>
+          <a:noFill/>
+        </p:spPr>
+        <p:txBody>
+          <a:bodyPr wrap="none" rtlCol="0">
+            <a:spAutoFit/>
+          </a:bodyPr>
+          <a:lstStyle/>
+          <a:p>
+            <a:pPr marL="0" marR="0" lvl="0" indent="0" algn="l" defTabSz="914400" rtl="0" eaLnBrk="1" fontAlgn="auto" latinLnBrk="0" hangingPunct="1">
+              <a:lnSpc>
+                <a:spcPct val="100000"/>
+              </a:lnSpc>
+              <a:spcBef>
+                <a:spcPts val="0"/>
+              </a:spcBef>
+              <a:spcAft>
+                <a:spcPts val="0"/>
+              </a:spcAft>
+              <a:buClrTx/>
+              <a:buSzTx/>
+              <a:buFontTx/>
+              <a:buNone/>
+              <a:tabLst/>
+              <a:defRPr/>
+            </a:pPr>
+            <a:r>
+              <a:rPr kumimoji="0" lang="en-US" altLang="zh-CN" sz="1800" b="0" i="0" u="none" strike="noStrike" kern="1200" cap="none" spc="0" normalizeH="0" baseline="0" noProof="0" dirty="0">
+                <a:ln>
+                  <a:noFill/>
+                </a:ln>
+                <a:solidFill>
+                  <a:prstClr val="black"/>
+                </a:solidFill>
+                <a:effectLst/>
+                <a:uLnTx/>
+                <a:uFillTx/>
+                <a:latin typeface="等线" panose="020F0502020204030204"/>
+                <a:ea typeface="等线" panose="02010600030101010101" pitchFamily="2" charset="-122"/>
+                <a:cs typeface="+mn-cs"/>
+              </a:rPr>
+              <a:t>Schema</a:t>
+            </a:r>
+            <a:endParaRPr kumimoji="0" lang="zh-CN" altLang="en-US" sz="1800" b="0" i="0" u="none" strike="noStrike" kern="1200" cap="none" spc="0" normalizeH="0" baseline="0" noProof="0" dirty="0">
+              <a:ln>
+                <a:noFill/>
+              </a:ln>
+              <a:solidFill>
+                <a:prstClr val="black"/>
+              </a:solidFill>
+              <a:effectLst/>
+              <a:uLnTx/>
+              <a:uFillTx/>
+              <a:latin typeface="等线" panose="020F0502020204030204"/>
+              <a:ea typeface="等线" panose="02010600030101010101" pitchFamily="2" charset="-122"/>
+              <a:cs typeface="+mn-cs"/>
+            </a:endParaRPr>
+          </a:p>
+        </p:txBody>
+      </p:sp>
+      <p:pic>
+        <p:nvPicPr>
+          <p:cNvPr id="99" name="图片 98" descr="图片包含 蛋糕, 装饰, 水果, 彩色&#10;&#10;描述已自动生成">
+            <a:extLst>
+              <a:ext uri="{FF2B5EF4-FFF2-40B4-BE49-F238E27FC236}">
+                <a16:creationId xmlns:a16="http://schemas.microsoft.com/office/drawing/2014/main" id="{65254F20-5258-4D66-B07A-4EC1D3F61051}"/>
+              </a:ext>
+            </a:extLst>
+          </p:cNvPr>
+          <p:cNvPicPr>
+            <a:picLocks noChangeAspect="1"/>
+          </p:cNvPicPr>
+          <p:nvPr/>
+        </p:nvPicPr>
+        <p:blipFill>
+          <a:blip r:embed="rId2">
+            <a:extLst>
+              <a:ext uri="{28A0092B-C50C-407E-A947-70E740481C1C}">
+                <a14:useLocalDpi xmlns:a14="http://schemas.microsoft.com/office/drawing/2010/main" val="0"/>
+              </a:ext>
+              <a:ext uri="{837473B0-CC2E-450A-ABE3-18F120FF3D39}">
+                <a1611:picAttrSrcUrl xmlns:a1611="http://schemas.microsoft.com/office/drawing/2016/11/main" r:id="rId3"/>
+              </a:ext>
+            </a:extLst>
+          </a:blip>
+          <a:stretch>
+            <a:fillRect/>
+          </a:stretch>
+        </p:blipFill>
+        <p:spPr>
+          <a:xfrm>
+            <a:off x="3359759" y="3215974"/>
+            <a:ext cx="442246" cy="420134"/>
+          </a:xfrm>
+          <a:prstGeom prst="rect">
+            <a:avLst/>
+          </a:prstGeom>
+        </p:spPr>
+      </p:pic>
+      <p:cxnSp>
+        <p:nvCxnSpPr>
+          <p:cNvPr id="53" name="直接箭头连接符 52">
+            <a:extLst>
+              <a:ext uri="{FF2B5EF4-FFF2-40B4-BE49-F238E27FC236}">
+                <a16:creationId xmlns:a16="http://schemas.microsoft.com/office/drawing/2014/main" id="{AC59A36B-BCB1-419D-87B6-7144D6DFBFC0}"/>
+              </a:ext>
+            </a:extLst>
+          </p:cNvPr>
+          <p:cNvCxnSpPr>
+            <a:cxnSpLocks/>
+          </p:cNvCxnSpPr>
+          <p:nvPr/>
+        </p:nvCxnSpPr>
+        <p:spPr>
+          <a:xfrm flipH="1">
+            <a:off x="1941462" y="3480227"/>
+            <a:ext cx="1326591" cy="2558"/>
+          </a:xfrm>
+          <a:prstGeom prst="straightConnector1">
+            <a:avLst/>
+          </a:prstGeom>
+          <a:ln w="1270">
+            <a:solidFill>
+              <a:schemeClr val="tx1"/>
+            </a:solidFill>
+            <a:headEnd w="sm" len="sm"/>
+            <a:tailEnd type="triangle" w="sm" len="sm"/>
+          </a:ln>
+        </p:spPr>
+        <p:style>
+          <a:lnRef idx="1">
+            <a:schemeClr val="dk1"/>
+          </a:lnRef>
+          <a:fillRef idx="0">
+            <a:schemeClr val="dk1"/>
+          </a:fillRef>
+          <a:effectRef idx="0">
+            <a:schemeClr val="dk1"/>
+          </a:effectRef>
+          <a:fontRef idx="minor">
+            <a:schemeClr val="tx1"/>
+          </a:fontRef>
+        </p:style>
+      </p:cxnSp>
+      <p:sp>
+        <p:nvSpPr>
+          <p:cNvPr id="6" name="矩形: 圆角 5">
+            <a:extLst>
+              <a:ext uri="{FF2B5EF4-FFF2-40B4-BE49-F238E27FC236}">
+                <a16:creationId xmlns:a16="http://schemas.microsoft.com/office/drawing/2014/main" id="{53240D7A-8279-4CBF-9F80-DCB4FC99650D}"/>
+              </a:ext>
+            </a:extLst>
+          </p:cNvPr>
+          <p:cNvSpPr/>
+          <p:nvPr/>
+        </p:nvSpPr>
+        <p:spPr>
+          <a:xfrm>
+            <a:off x="2055084" y="4277086"/>
+            <a:ext cx="1009319" cy="287131"/>
+          </a:xfrm>
+          <a:prstGeom prst="roundRect">
+            <a:avLst/>
+          </a:prstGeom>
+          <a:noFill/>
+          <a:ln>
+            <a:noFill/>
+          </a:ln>
+        </p:spPr>
+        <p:style>
+          <a:lnRef idx="2">
+            <a:schemeClr val="accent1">
+              <a:shade val="50000"/>
+            </a:schemeClr>
+          </a:lnRef>
+          <a:fillRef idx="1">
+            <a:schemeClr val="accent1"/>
+          </a:fillRef>
+          <a:effectRef idx="0">
+            <a:schemeClr val="accent1"/>
+          </a:effectRef>
+          <a:fontRef idx="minor">
+            <a:schemeClr val="lt1"/>
+          </a:fontRef>
+        </p:style>
+        <p:txBody>
+          <a:bodyPr rtlCol="0" anchor="ctr"/>
+          <a:lstStyle/>
+          <a:p>
+            <a:pPr marL="0" marR="0" lvl="0" indent="0" algn="ctr" defTabSz="914400" rtl="0" eaLnBrk="1" fontAlgn="auto" latinLnBrk="0" hangingPunct="1">
+              <a:lnSpc>
+                <a:spcPct val="100000"/>
+              </a:lnSpc>
+              <a:spcBef>
+                <a:spcPts val="0"/>
+              </a:spcBef>
+              <a:spcAft>
+                <a:spcPts val="0"/>
+              </a:spcAft>
+              <a:buClrTx/>
+              <a:buSzTx/>
+              <a:buFontTx/>
+              <a:buNone/>
+              <a:tabLst/>
+              <a:defRPr/>
+            </a:pPr>
+            <a:r>
+              <a:rPr kumimoji="0" lang="en-US" altLang="zh-CN" sz="1100" b="0" i="0" u="none" strike="noStrike" kern="1200" cap="none" spc="0" normalizeH="0" baseline="0" noProof="0" dirty="0">
+                <a:ln>
+                  <a:noFill/>
+                </a:ln>
+                <a:solidFill>
+                  <a:prstClr val="black"/>
+                </a:solidFill>
+                <a:effectLst/>
+                <a:uLnTx/>
+                <a:uFillTx/>
+                <a:latin typeface="Times New Roman" panose="02020603050405020304" pitchFamily="18" charset="0"/>
+                <a:ea typeface="等线" panose="02010600030101010101" pitchFamily="2" charset="-122"/>
+                <a:cs typeface="Times New Roman" panose="02020603050405020304" pitchFamily="18" charset="0"/>
+              </a:rPr>
+              <a:t>Virus Protein</a:t>
+            </a:r>
+            <a:endParaRPr kumimoji="0" lang="zh-CN" altLang="en-US" sz="1100" b="0" i="0" u="none" strike="noStrike" kern="1200" cap="none" spc="0" normalizeH="0" baseline="0" noProof="0" dirty="0">
+              <a:ln>
+                <a:noFill/>
+              </a:ln>
+              <a:solidFill>
+                <a:prstClr val="white"/>
+              </a:solidFill>
+              <a:effectLst/>
+              <a:uLnTx/>
+              <a:uFillTx/>
+              <a:latin typeface="等线" panose="020F0502020204030204"/>
+              <a:ea typeface="等线" panose="02010600030101010101" pitchFamily="2" charset="-122"/>
+              <a:cs typeface="+mn-cs"/>
+            </a:endParaRPr>
+          </a:p>
+        </p:txBody>
+      </p:sp>
+      <p:sp>
+        <p:nvSpPr>
+          <p:cNvPr id="8" name="矩形: 圆角 7">
+            <a:extLst>
+              <a:ext uri="{FF2B5EF4-FFF2-40B4-BE49-F238E27FC236}">
+                <a16:creationId xmlns:a16="http://schemas.microsoft.com/office/drawing/2014/main" id="{3E5071F0-3EB9-4671-BA54-5185AE6E13A6}"/>
+              </a:ext>
+            </a:extLst>
+          </p:cNvPr>
+          <p:cNvSpPr/>
+          <p:nvPr/>
+        </p:nvSpPr>
+        <p:spPr>
+          <a:xfrm>
+            <a:off x="3137784" y="3545365"/>
+            <a:ext cx="930687" cy="287131"/>
+          </a:xfrm>
+          <a:prstGeom prst="roundRect">
+            <a:avLst/>
+          </a:prstGeom>
+          <a:noFill/>
+          <a:ln>
+            <a:noFill/>
+          </a:ln>
+        </p:spPr>
+        <p:style>
+          <a:lnRef idx="2">
+            <a:schemeClr val="accent1">
+              <a:shade val="50000"/>
+            </a:schemeClr>
+          </a:lnRef>
+          <a:fillRef idx="1">
+            <a:schemeClr val="accent1"/>
+          </a:fillRef>
+          <a:effectRef idx="0">
+            <a:schemeClr val="accent1"/>
+          </a:effectRef>
+          <a:fontRef idx="minor">
+            <a:schemeClr val="lt1"/>
+          </a:fontRef>
+        </p:style>
+        <p:txBody>
+          <a:bodyPr rtlCol="0" anchor="ctr"/>
+          <a:lstStyle/>
+          <a:p>
+            <a:pPr marL="0" marR="0" lvl="0" indent="0" algn="ctr" defTabSz="914400" rtl="0" eaLnBrk="1" fontAlgn="auto" latinLnBrk="0" hangingPunct="1">
+              <a:lnSpc>
+                <a:spcPct val="100000"/>
+              </a:lnSpc>
+              <a:spcBef>
+                <a:spcPts val="0"/>
+              </a:spcBef>
+              <a:spcAft>
+                <a:spcPts val="0"/>
+              </a:spcAft>
+              <a:buClrTx/>
+              <a:buSzTx/>
+              <a:buFontTx/>
+              <a:buNone/>
+              <a:tabLst/>
+              <a:defRPr/>
+            </a:pPr>
+            <a:r>
+              <a:rPr kumimoji="0" lang="en-US" altLang="zh-CN" sz="1100" b="0" i="0" u="none" strike="noStrike" kern="1200" cap="none" spc="0" normalizeH="0" baseline="0" noProof="0" dirty="0">
+                <a:ln>
+                  <a:noFill/>
+                </a:ln>
+                <a:solidFill>
+                  <a:prstClr val="black"/>
+                </a:solidFill>
+                <a:effectLst/>
+                <a:uLnTx/>
+                <a:uFillTx/>
+                <a:latin typeface="Times New Roman" panose="02020603050405020304" pitchFamily="18" charset="0"/>
+                <a:ea typeface="等线" panose="02010600030101010101" pitchFamily="2" charset="-122"/>
+                <a:cs typeface="Times New Roman" panose="02020603050405020304" pitchFamily="18" charset="0"/>
+              </a:rPr>
+              <a:t>Covid-19</a:t>
+            </a:r>
+          </a:p>
+        </p:txBody>
+      </p:sp>
+      <p:cxnSp>
+        <p:nvCxnSpPr>
+          <p:cNvPr id="9" name="直接箭头连接符 8">
+            <a:extLst>
+              <a:ext uri="{FF2B5EF4-FFF2-40B4-BE49-F238E27FC236}">
+                <a16:creationId xmlns:a16="http://schemas.microsoft.com/office/drawing/2014/main" id="{CF2B91F4-1624-4A8C-BD39-70B76ECD9B9B}"/>
+              </a:ext>
+            </a:extLst>
+          </p:cNvPr>
+          <p:cNvCxnSpPr>
+            <a:cxnSpLocks/>
+            <a:endCxn id="108" idx="3"/>
+          </p:cNvCxnSpPr>
+          <p:nvPr/>
+        </p:nvCxnSpPr>
+        <p:spPr>
+          <a:xfrm flipH="1">
+            <a:off x="2861118" y="3776835"/>
+            <a:ext cx="535994" cy="410841"/>
+          </a:xfrm>
+          <a:prstGeom prst="straightConnector1">
+            <a:avLst/>
+          </a:prstGeom>
+          <a:ln w="1270">
+            <a:solidFill>
+              <a:schemeClr val="tx1"/>
+            </a:solidFill>
+            <a:headEnd w="sm" len="sm"/>
+            <a:tailEnd type="triangle" w="sm" len="sm"/>
+          </a:ln>
+        </p:spPr>
+        <p:style>
+          <a:lnRef idx="1">
+            <a:schemeClr val="dk1"/>
+          </a:lnRef>
+          <a:fillRef idx="0">
+            <a:schemeClr val="dk1"/>
+          </a:fillRef>
+          <a:effectRef idx="0">
+            <a:schemeClr val="dk1"/>
+          </a:effectRef>
+          <a:fontRef idx="minor">
+            <a:schemeClr val="tx1"/>
+          </a:fontRef>
+        </p:style>
+      </p:cxnSp>
+      <p:cxnSp>
+        <p:nvCxnSpPr>
+          <p:cNvPr id="10" name="直接箭头连接符 9">
+            <a:extLst>
+              <a:ext uri="{FF2B5EF4-FFF2-40B4-BE49-F238E27FC236}">
+                <a16:creationId xmlns:a16="http://schemas.microsoft.com/office/drawing/2014/main" id="{EA43B717-8C0C-4A88-B9D8-B45D73C7D47A}"/>
+              </a:ext>
+            </a:extLst>
+          </p:cNvPr>
+          <p:cNvCxnSpPr>
+            <a:cxnSpLocks/>
+            <a:endCxn id="7" idx="1"/>
+          </p:cNvCxnSpPr>
+          <p:nvPr/>
+        </p:nvCxnSpPr>
+        <p:spPr>
+          <a:xfrm flipV="1">
+            <a:off x="2962604" y="4263074"/>
+            <a:ext cx="1709941" cy="28092"/>
+          </a:xfrm>
+          <a:prstGeom prst="straightConnector1">
+            <a:avLst/>
+          </a:prstGeom>
+          <a:ln w="1270">
+            <a:solidFill>
+              <a:schemeClr val="tx1"/>
+            </a:solidFill>
+            <a:headEnd w="sm" len="sm"/>
+            <a:tailEnd type="triangle" w="sm" len="sm"/>
+          </a:ln>
+        </p:spPr>
+        <p:style>
+          <a:lnRef idx="1">
+            <a:schemeClr val="dk1"/>
+          </a:lnRef>
+          <a:fillRef idx="0">
+            <a:schemeClr val="dk1"/>
+          </a:fillRef>
+          <a:effectRef idx="0">
+            <a:schemeClr val="dk1"/>
+          </a:effectRef>
+          <a:fontRef idx="minor">
+            <a:schemeClr val="tx1"/>
+          </a:fontRef>
+        </p:style>
+      </p:cxnSp>
+      <p:sp>
+        <p:nvSpPr>
+          <p:cNvPr id="11" name="矩形 10">
+            <a:extLst>
+              <a:ext uri="{FF2B5EF4-FFF2-40B4-BE49-F238E27FC236}">
+                <a16:creationId xmlns:a16="http://schemas.microsoft.com/office/drawing/2014/main" id="{AE4715F4-5CB2-4538-B2E3-A4170FE8FA44}"/>
+              </a:ext>
+            </a:extLst>
+          </p:cNvPr>
+          <p:cNvSpPr/>
+          <p:nvPr/>
+        </p:nvSpPr>
+        <p:spPr>
+          <a:xfrm rot="19334300">
+            <a:off x="2927180" y="3865230"/>
+            <a:ext cx="599844" cy="246221"/>
+          </a:xfrm>
+          <a:prstGeom prst="rect">
+            <a:avLst/>
+          </a:prstGeom>
+        </p:spPr>
+        <p:txBody>
+          <a:bodyPr wrap="none">
+            <a:spAutoFit/>
+          </a:bodyPr>
+          <a:lstStyle/>
+          <a:p>
+            <a:pPr marL="0" marR="0" lvl="0" indent="0" algn="l" defTabSz="914400" rtl="0" eaLnBrk="1" fontAlgn="auto" latinLnBrk="0" hangingPunct="1">
+              <a:lnSpc>
+                <a:spcPct val="100000"/>
+              </a:lnSpc>
+              <a:spcBef>
+                <a:spcPts val="0"/>
+              </a:spcBef>
+              <a:spcAft>
+                <a:spcPts val="0"/>
+              </a:spcAft>
+              <a:buClrTx/>
+              <a:buSzTx/>
+              <a:buFontTx/>
+              <a:buNone/>
+              <a:tabLst/>
+              <a:defRPr/>
+            </a:pPr>
+            <a:r>
+              <a:rPr kumimoji="0" lang="en-US" altLang="zh-CN" sz="1000" b="0" i="0" u="none" strike="noStrike" kern="1200" cap="none" spc="0" normalizeH="0" baseline="0" noProof="0" dirty="0">
+                <a:ln>
+                  <a:noFill/>
+                </a:ln>
+                <a:solidFill>
+                  <a:prstClr val="black"/>
+                </a:solidFill>
+                <a:effectLst/>
+                <a:uLnTx/>
+                <a:uFillTx/>
+                <a:latin typeface="Times New Roman" panose="02020603050405020304" pitchFamily="18" charset="0"/>
+                <a:ea typeface="等线" panose="02010600030101010101" pitchFamily="2" charset="-122"/>
+                <a:cs typeface="Times New Roman" panose="02020603050405020304" pitchFamily="18" charset="0"/>
+              </a:rPr>
+              <a:t>produce</a:t>
+            </a:r>
+            <a:endParaRPr kumimoji="0" lang="zh-CN" altLang="en-US" sz="1000" b="0" i="0" u="none" strike="noStrike" kern="1200" cap="none" spc="0" normalizeH="0" baseline="0" noProof="0" dirty="0">
+              <a:ln>
+                <a:noFill/>
+              </a:ln>
+              <a:solidFill>
+                <a:prstClr val="black"/>
+              </a:solidFill>
+              <a:effectLst/>
+              <a:uLnTx/>
+              <a:uFillTx/>
+              <a:latin typeface="等线" panose="020F0502020204030204"/>
+              <a:ea typeface="等线" panose="02010600030101010101" pitchFamily="2" charset="-122"/>
+              <a:cs typeface="+mn-cs"/>
+            </a:endParaRPr>
+          </a:p>
+        </p:txBody>
+      </p:sp>
+      <p:sp>
+        <p:nvSpPr>
+          <p:cNvPr id="12" name="矩形 11">
+            <a:extLst>
+              <a:ext uri="{FF2B5EF4-FFF2-40B4-BE49-F238E27FC236}">
+                <a16:creationId xmlns:a16="http://schemas.microsoft.com/office/drawing/2014/main" id="{3D79CAB7-8B2B-409B-B81F-A9529044084F}"/>
+              </a:ext>
+            </a:extLst>
+          </p:cNvPr>
+          <p:cNvSpPr/>
+          <p:nvPr/>
+        </p:nvSpPr>
+        <p:spPr>
+          <a:xfrm>
+            <a:off x="3546806" y="4229799"/>
+            <a:ext cx="412292" cy="246221"/>
+          </a:xfrm>
+          <a:prstGeom prst="rect">
+            <a:avLst/>
+          </a:prstGeom>
+        </p:spPr>
+        <p:txBody>
+          <a:bodyPr wrap="none">
+            <a:spAutoFit/>
+          </a:bodyPr>
+          <a:lstStyle/>
+          <a:p>
+            <a:pPr marL="0" marR="0" lvl="0" indent="0" algn="l" defTabSz="914400" rtl="0" eaLnBrk="1" fontAlgn="auto" latinLnBrk="0" hangingPunct="1">
+              <a:lnSpc>
+                <a:spcPct val="100000"/>
+              </a:lnSpc>
+              <a:spcBef>
+                <a:spcPts val="0"/>
+              </a:spcBef>
+              <a:spcAft>
+                <a:spcPts val="0"/>
+              </a:spcAft>
+              <a:buClrTx/>
+              <a:buSzTx/>
+              <a:buFontTx/>
+              <a:buNone/>
+              <a:tabLst/>
+              <a:defRPr/>
+            </a:pPr>
+            <a:r>
+              <a:rPr kumimoji="0" lang="en-US" altLang="zh-CN" sz="1000" b="0" i="0" u="none" strike="noStrike" kern="1200" cap="none" spc="0" normalizeH="0" baseline="0" noProof="0" dirty="0">
+                <a:ln>
+                  <a:noFill/>
+                </a:ln>
+                <a:solidFill>
+                  <a:prstClr val="black"/>
+                </a:solidFill>
+                <a:effectLst/>
+                <a:uLnTx/>
+                <a:uFillTx/>
+                <a:latin typeface="Times New Roman" panose="02020603050405020304" pitchFamily="18" charset="0"/>
+                <a:ea typeface="等线" panose="02010600030101010101" pitchFamily="2" charset="-122"/>
+                <a:cs typeface="Times New Roman" panose="02020603050405020304" pitchFamily="18" charset="0"/>
+              </a:rPr>
+              <a:t>bind</a:t>
+            </a:r>
+            <a:endParaRPr kumimoji="0" lang="zh-CN" altLang="en-US" sz="1000" b="0" i="0" u="none" strike="noStrike" kern="1200" cap="none" spc="0" normalizeH="0" baseline="0" noProof="0" dirty="0">
+              <a:ln>
+                <a:noFill/>
+              </a:ln>
+              <a:solidFill>
+                <a:prstClr val="black"/>
+              </a:solidFill>
+              <a:effectLst/>
+              <a:uLnTx/>
+              <a:uFillTx/>
+              <a:latin typeface="等线" panose="020F0502020204030204"/>
+              <a:ea typeface="等线" panose="02010600030101010101" pitchFamily="2" charset="-122"/>
+              <a:cs typeface="+mn-cs"/>
+            </a:endParaRPr>
+          </a:p>
+        </p:txBody>
+      </p:sp>
+      <p:sp>
+        <p:nvSpPr>
+          <p:cNvPr id="13" name="矩形: 圆角 12">
+            <a:extLst>
+              <a:ext uri="{FF2B5EF4-FFF2-40B4-BE49-F238E27FC236}">
+                <a16:creationId xmlns:a16="http://schemas.microsoft.com/office/drawing/2014/main" id="{542516D4-7F17-476C-BE21-D23415E03D1A}"/>
+              </a:ext>
+            </a:extLst>
+          </p:cNvPr>
+          <p:cNvSpPr/>
+          <p:nvPr/>
+        </p:nvSpPr>
+        <p:spPr>
+          <a:xfrm>
+            <a:off x="2139432" y="2544224"/>
+            <a:ext cx="874643" cy="287131"/>
+          </a:xfrm>
+          <a:prstGeom prst="roundRect">
+            <a:avLst/>
+          </a:prstGeom>
+          <a:noFill/>
+          <a:ln>
+            <a:noFill/>
+          </a:ln>
+        </p:spPr>
+        <p:style>
+          <a:lnRef idx="2">
+            <a:schemeClr val="accent1">
+              <a:shade val="50000"/>
+            </a:schemeClr>
+          </a:lnRef>
+          <a:fillRef idx="1">
+            <a:schemeClr val="accent1"/>
+          </a:fillRef>
+          <a:effectRef idx="0">
+            <a:schemeClr val="accent1"/>
+          </a:effectRef>
+          <a:fontRef idx="minor">
+            <a:schemeClr val="lt1"/>
+          </a:fontRef>
+        </p:style>
+        <p:txBody>
+          <a:bodyPr rtlCol="0" anchor="ctr"/>
+          <a:lstStyle/>
+          <a:p>
+            <a:pPr marL="0" marR="0" lvl="0" indent="0" algn="ctr" defTabSz="914400" rtl="0" eaLnBrk="1" fontAlgn="auto" latinLnBrk="0" hangingPunct="1">
+              <a:lnSpc>
+                <a:spcPct val="100000"/>
+              </a:lnSpc>
+              <a:spcBef>
+                <a:spcPts val="0"/>
+              </a:spcBef>
+              <a:spcAft>
+                <a:spcPts val="0"/>
+              </a:spcAft>
+              <a:buClrTx/>
+              <a:buSzTx/>
+              <a:buFontTx/>
+              <a:buNone/>
+              <a:tabLst/>
+              <a:defRPr/>
+            </a:pPr>
+            <a:r>
+              <a:rPr kumimoji="0" lang="en-US" altLang="zh-CN" sz="1100" b="0" i="0" u="none" strike="noStrike" kern="1200" cap="none" spc="0" normalizeH="0" baseline="0" noProof="0" dirty="0">
+                <a:ln>
+                  <a:noFill/>
+                </a:ln>
+                <a:solidFill>
+                  <a:prstClr val="black"/>
+                </a:solidFill>
+                <a:effectLst/>
+                <a:uLnTx/>
+                <a:uFillTx/>
+                <a:latin typeface="Times New Roman" panose="02020603050405020304" pitchFamily="18" charset="0"/>
+                <a:ea typeface="等线" panose="02010600030101010101" pitchFamily="2" charset="-122"/>
+                <a:cs typeface="Times New Roman" panose="02020603050405020304" pitchFamily="18" charset="0"/>
+              </a:rPr>
+              <a:t>Drug</a:t>
+            </a:r>
+            <a:endParaRPr kumimoji="0" lang="zh-CN" altLang="en-US" sz="1100" b="0" i="0" u="none" strike="noStrike" kern="1200" cap="none" spc="0" normalizeH="0" baseline="0" noProof="0" dirty="0">
+              <a:ln>
+                <a:noFill/>
+              </a:ln>
+              <a:solidFill>
+                <a:prstClr val="white"/>
+              </a:solidFill>
+              <a:effectLst/>
+              <a:uLnTx/>
+              <a:uFillTx/>
+              <a:latin typeface="等线" panose="020F0502020204030204"/>
+              <a:ea typeface="等线" panose="02010600030101010101" pitchFamily="2" charset="-122"/>
+              <a:cs typeface="+mn-cs"/>
+            </a:endParaRPr>
+          </a:p>
+        </p:txBody>
+      </p:sp>
+      <p:sp>
+        <p:nvSpPr>
+          <p:cNvPr id="14" name="矩形: 圆角 13">
+            <a:extLst>
+              <a:ext uri="{FF2B5EF4-FFF2-40B4-BE49-F238E27FC236}">
+                <a16:creationId xmlns:a16="http://schemas.microsoft.com/office/drawing/2014/main" id="{309B6005-4087-4C37-92E2-9B435A699803}"/>
+              </a:ext>
+            </a:extLst>
+          </p:cNvPr>
+          <p:cNvSpPr/>
+          <p:nvPr/>
+        </p:nvSpPr>
+        <p:spPr>
+          <a:xfrm>
+            <a:off x="5917078" y="3459536"/>
+            <a:ext cx="874643" cy="287131"/>
+          </a:xfrm>
+          <a:prstGeom prst="roundRect">
+            <a:avLst/>
+          </a:prstGeom>
+          <a:noFill/>
+          <a:ln>
+            <a:noFill/>
+          </a:ln>
+        </p:spPr>
+        <p:style>
+          <a:lnRef idx="2">
+            <a:schemeClr val="accent1">
+              <a:shade val="50000"/>
+            </a:schemeClr>
+          </a:lnRef>
+          <a:fillRef idx="1">
+            <a:schemeClr val="accent1"/>
+          </a:fillRef>
+          <a:effectRef idx="0">
+            <a:schemeClr val="accent1"/>
+          </a:effectRef>
+          <a:fontRef idx="minor">
+            <a:schemeClr val="lt1"/>
+          </a:fontRef>
+        </p:style>
+        <p:txBody>
+          <a:bodyPr rtlCol="0" anchor="ctr"/>
+          <a:lstStyle/>
+          <a:p>
+            <a:pPr marL="0" marR="0" lvl="0" indent="0" algn="ctr" defTabSz="914400" rtl="0" eaLnBrk="1" fontAlgn="auto" latinLnBrk="0" hangingPunct="1">
+              <a:lnSpc>
+                <a:spcPct val="100000"/>
+              </a:lnSpc>
+              <a:spcBef>
+                <a:spcPts val="0"/>
+              </a:spcBef>
+              <a:spcAft>
+                <a:spcPts val="0"/>
+              </a:spcAft>
+              <a:buClrTx/>
+              <a:buSzTx/>
+              <a:buFontTx/>
+              <a:buNone/>
+              <a:tabLst/>
+              <a:defRPr/>
+            </a:pPr>
+            <a:r>
+              <a:rPr kumimoji="0" lang="en-US" altLang="zh-CN" sz="1100" b="0" i="0" u="none" strike="noStrike" kern="1200" cap="none" spc="0" normalizeH="0" baseline="0" noProof="0" dirty="0">
+                <a:ln>
+                  <a:noFill/>
+                </a:ln>
+                <a:solidFill>
+                  <a:prstClr val="black"/>
+                </a:solidFill>
+                <a:effectLst/>
+                <a:uLnTx/>
+                <a:uFillTx/>
+                <a:latin typeface="Times New Roman" panose="02020603050405020304" pitchFamily="18" charset="0"/>
+                <a:ea typeface="等线" panose="02010600030101010101" pitchFamily="2" charset="-122"/>
+                <a:cs typeface="Times New Roman" panose="02020603050405020304" pitchFamily="18" charset="0"/>
+              </a:rPr>
+              <a:t>Host Gene</a:t>
+            </a:r>
+            <a:endParaRPr kumimoji="0" lang="zh-CN" altLang="en-US" sz="1100" b="0" i="0" u="none" strike="noStrike" kern="1200" cap="none" spc="0" normalizeH="0" baseline="0" noProof="0" dirty="0">
+              <a:ln>
+                <a:noFill/>
+              </a:ln>
+              <a:solidFill>
+                <a:prstClr val="black"/>
+              </a:solidFill>
+              <a:effectLst/>
+              <a:uLnTx/>
+              <a:uFillTx/>
+              <a:latin typeface="Times New Roman" panose="02020603050405020304" pitchFamily="18" charset="0"/>
+              <a:ea typeface="等线" panose="02010600030101010101" pitchFamily="2" charset="-122"/>
+              <a:cs typeface="Times New Roman" panose="02020603050405020304" pitchFamily="18" charset="0"/>
+            </a:endParaRPr>
+          </a:p>
+        </p:txBody>
+      </p:sp>
+      <p:sp>
+        <p:nvSpPr>
+          <p:cNvPr id="15" name="矩形: 圆角 14">
+            <a:extLst>
+              <a:ext uri="{FF2B5EF4-FFF2-40B4-BE49-F238E27FC236}">
+                <a16:creationId xmlns:a16="http://schemas.microsoft.com/office/drawing/2014/main" id="{4FB6D4C2-71DF-4A5E-AD19-73D1D021FC93}"/>
+              </a:ext>
+            </a:extLst>
+          </p:cNvPr>
+          <p:cNvSpPr/>
+          <p:nvPr/>
+        </p:nvSpPr>
+        <p:spPr>
+          <a:xfrm>
+            <a:off x="4582916" y="3235010"/>
+            <a:ext cx="874643" cy="287131"/>
+          </a:xfrm>
+          <a:prstGeom prst="roundRect">
+            <a:avLst/>
+          </a:prstGeom>
+          <a:noFill/>
+          <a:ln>
+            <a:noFill/>
+          </a:ln>
+        </p:spPr>
+        <p:style>
+          <a:lnRef idx="2">
+            <a:schemeClr val="accent1">
+              <a:shade val="50000"/>
+            </a:schemeClr>
+          </a:lnRef>
+          <a:fillRef idx="1">
+            <a:schemeClr val="accent1"/>
+          </a:fillRef>
+          <a:effectRef idx="0">
+            <a:schemeClr val="accent1"/>
+          </a:effectRef>
+          <a:fontRef idx="minor">
+            <a:schemeClr val="lt1"/>
+          </a:fontRef>
+        </p:style>
+        <p:txBody>
+          <a:bodyPr rtlCol="0" anchor="ctr"/>
+          <a:lstStyle/>
+          <a:p>
+            <a:pPr marL="0" marR="0" lvl="0" indent="0" algn="ctr" defTabSz="914400" rtl="0" eaLnBrk="1" fontAlgn="auto" latinLnBrk="0" hangingPunct="1">
+              <a:lnSpc>
+                <a:spcPct val="100000"/>
+              </a:lnSpc>
+              <a:spcBef>
+                <a:spcPts val="0"/>
+              </a:spcBef>
+              <a:spcAft>
+                <a:spcPts val="0"/>
+              </a:spcAft>
+              <a:buClrTx/>
+              <a:buSzTx/>
+              <a:buFontTx/>
+              <a:buNone/>
+              <a:tabLst/>
+              <a:defRPr/>
+            </a:pPr>
+            <a:r>
+              <a:rPr kumimoji="0" lang="en-US" altLang="zh-CN" sz="1100" b="0" i="0" u="none" strike="noStrike" kern="1200" cap="none" spc="0" normalizeH="0" baseline="0" noProof="0" dirty="0">
+                <a:ln>
+                  <a:noFill/>
+                </a:ln>
+                <a:solidFill>
+                  <a:prstClr val="black"/>
+                </a:solidFill>
+                <a:effectLst/>
+                <a:uLnTx/>
+                <a:uFillTx/>
+                <a:latin typeface="Times New Roman" panose="02020603050405020304" pitchFamily="18" charset="0"/>
+                <a:ea typeface="等线" panose="02010600030101010101" pitchFamily="2" charset="-122"/>
+                <a:cs typeface="Times New Roman" panose="02020603050405020304" pitchFamily="18" charset="0"/>
+              </a:rPr>
+              <a:t>Symptom</a:t>
+            </a:r>
+            <a:endParaRPr kumimoji="0" lang="zh-CN" altLang="en-US" sz="1100" b="0" i="0" u="none" strike="noStrike" kern="1200" cap="none" spc="0" normalizeH="0" baseline="0" noProof="0" dirty="0">
+              <a:ln>
+                <a:noFill/>
+              </a:ln>
+              <a:solidFill>
+                <a:prstClr val="black"/>
+              </a:solidFill>
+              <a:effectLst/>
+              <a:uLnTx/>
+              <a:uFillTx/>
+              <a:latin typeface="Times New Roman" panose="02020603050405020304" pitchFamily="18" charset="0"/>
+              <a:ea typeface="等线" panose="02010600030101010101" pitchFamily="2" charset="-122"/>
+              <a:cs typeface="Times New Roman" panose="02020603050405020304" pitchFamily="18" charset="0"/>
+            </a:endParaRPr>
+          </a:p>
+        </p:txBody>
+      </p:sp>
+      <p:cxnSp>
+        <p:nvCxnSpPr>
+          <p:cNvPr id="16" name="直接箭头连接符 15">
+            <a:extLst>
+              <a:ext uri="{FF2B5EF4-FFF2-40B4-BE49-F238E27FC236}">
+                <a16:creationId xmlns:a16="http://schemas.microsoft.com/office/drawing/2014/main" id="{17060873-8937-4056-AA63-D68BD442EEE6}"/>
+              </a:ext>
+            </a:extLst>
+          </p:cNvPr>
+          <p:cNvCxnSpPr>
+            <a:cxnSpLocks/>
+            <a:stCxn id="102" idx="3"/>
+            <a:endCxn id="90" idx="3"/>
+          </p:cNvCxnSpPr>
+          <p:nvPr/>
+        </p:nvCxnSpPr>
+        <p:spPr>
+          <a:xfrm>
+            <a:off x="4707208" y="2410974"/>
+            <a:ext cx="1611290" cy="846511"/>
+          </a:xfrm>
+          <a:prstGeom prst="straightConnector1">
+            <a:avLst/>
+          </a:prstGeom>
+          <a:ln w="1270">
+            <a:headEnd type="triangle" w="sm" len="sm"/>
+            <a:tailEnd type="none" w="sm" len="sm"/>
+          </a:ln>
+        </p:spPr>
+        <p:style>
+          <a:lnRef idx="1">
+            <a:schemeClr val="dk1"/>
+          </a:lnRef>
+          <a:fillRef idx="0">
+            <a:schemeClr val="dk1"/>
+          </a:fillRef>
+          <a:effectRef idx="0">
+            <a:schemeClr val="dk1"/>
+          </a:effectRef>
+          <a:fontRef idx="minor">
+            <a:schemeClr val="tx1"/>
+          </a:fontRef>
+        </p:style>
+      </p:cxnSp>
+      <p:sp>
+        <p:nvSpPr>
+          <p:cNvPr id="17" name="矩形 16">
+            <a:extLst>
+              <a:ext uri="{FF2B5EF4-FFF2-40B4-BE49-F238E27FC236}">
+                <a16:creationId xmlns:a16="http://schemas.microsoft.com/office/drawing/2014/main" id="{E37B7C62-8068-42C0-A68A-0BB4C686514E}"/>
+              </a:ext>
+            </a:extLst>
+          </p:cNvPr>
+          <p:cNvSpPr/>
+          <p:nvPr/>
+        </p:nvSpPr>
+        <p:spPr>
+          <a:xfrm rot="19423094">
+            <a:off x="5524120" y="3693616"/>
+            <a:ext cx="599844" cy="246221"/>
+          </a:xfrm>
+          <a:prstGeom prst="rect">
+            <a:avLst/>
+          </a:prstGeom>
+        </p:spPr>
+        <p:txBody>
+          <a:bodyPr wrap="none">
+            <a:spAutoFit/>
+          </a:bodyPr>
+          <a:lstStyle/>
+          <a:p>
+            <a:pPr marL="0" marR="0" lvl="0" indent="0" algn="l" defTabSz="914400" rtl="0" eaLnBrk="1" fontAlgn="auto" latinLnBrk="0" hangingPunct="1">
+              <a:lnSpc>
+                <a:spcPct val="100000"/>
+              </a:lnSpc>
+              <a:spcBef>
+                <a:spcPts val="0"/>
+              </a:spcBef>
+              <a:spcAft>
+                <a:spcPts val="0"/>
+              </a:spcAft>
+              <a:buClrTx/>
+              <a:buSzTx/>
+              <a:buFontTx/>
+              <a:buNone/>
+              <a:tabLst/>
+              <a:defRPr/>
+            </a:pPr>
+            <a:r>
+              <a:rPr kumimoji="0" lang="en-US" altLang="zh-CN" sz="1000" b="0" i="0" u="none" strike="noStrike" kern="1200" cap="none" spc="0" normalizeH="0" baseline="0" noProof="0" dirty="0">
+                <a:ln>
+                  <a:noFill/>
+                </a:ln>
+                <a:solidFill>
+                  <a:prstClr val="black"/>
+                </a:solidFill>
+                <a:effectLst/>
+                <a:uLnTx/>
+                <a:uFillTx/>
+                <a:latin typeface="Times New Roman" panose="02020603050405020304" pitchFamily="18" charset="0"/>
+                <a:ea typeface="等线" panose="02010600030101010101" pitchFamily="2" charset="-122"/>
+                <a:cs typeface="Times New Roman" panose="02020603050405020304" pitchFamily="18" charset="0"/>
+              </a:rPr>
+              <a:t>produce</a:t>
+            </a:r>
+            <a:endParaRPr kumimoji="0" lang="zh-CN" altLang="en-US" sz="1000" b="0" i="0" u="none" strike="noStrike" kern="1200" cap="none" spc="0" normalizeH="0" baseline="0" noProof="0" dirty="0">
+              <a:ln>
+                <a:noFill/>
+              </a:ln>
+              <a:solidFill>
+                <a:prstClr val="black"/>
+              </a:solidFill>
+              <a:effectLst/>
+              <a:uLnTx/>
+              <a:uFillTx/>
+              <a:latin typeface="等线" panose="020F0502020204030204"/>
+              <a:ea typeface="等线" panose="02010600030101010101" pitchFamily="2" charset="-122"/>
+              <a:cs typeface="+mn-cs"/>
+            </a:endParaRPr>
+          </a:p>
+        </p:txBody>
+      </p:sp>
+      <p:cxnSp>
+        <p:nvCxnSpPr>
+          <p:cNvPr id="18" name="直接箭头连接符 17">
+            <a:extLst>
+              <a:ext uri="{FF2B5EF4-FFF2-40B4-BE49-F238E27FC236}">
+                <a16:creationId xmlns:a16="http://schemas.microsoft.com/office/drawing/2014/main" id="{9B5DC0FD-FE2A-4BD3-AE37-20DB48DB12FF}"/>
+              </a:ext>
+            </a:extLst>
+          </p:cNvPr>
+          <p:cNvCxnSpPr>
+            <a:cxnSpLocks/>
+            <a:stCxn id="90" idx="0"/>
+          </p:cNvCxnSpPr>
+          <p:nvPr/>
+        </p:nvCxnSpPr>
+        <p:spPr>
+          <a:xfrm flipH="1">
+            <a:off x="5310942" y="3374216"/>
+            <a:ext cx="705518" cy="6634"/>
+          </a:xfrm>
+          <a:prstGeom prst="straightConnector1">
+            <a:avLst/>
+          </a:prstGeom>
+          <a:ln w="1270">
+            <a:headEnd w="sm" len="sm"/>
+            <a:tailEnd type="triangle" w="sm" len="sm"/>
+          </a:ln>
+        </p:spPr>
+        <p:style>
+          <a:lnRef idx="1">
+            <a:schemeClr val="dk1"/>
+          </a:lnRef>
+          <a:fillRef idx="0">
+            <a:schemeClr val="dk1"/>
+          </a:fillRef>
+          <a:effectRef idx="0">
+            <a:schemeClr val="dk1"/>
+          </a:effectRef>
+          <a:fontRef idx="minor">
+            <a:schemeClr val="tx1"/>
+          </a:fontRef>
+        </p:style>
+      </p:cxnSp>
+      <p:sp>
+        <p:nvSpPr>
+          <p:cNvPr id="19" name="矩形 18">
+            <a:extLst>
+              <a:ext uri="{FF2B5EF4-FFF2-40B4-BE49-F238E27FC236}">
+                <a16:creationId xmlns:a16="http://schemas.microsoft.com/office/drawing/2014/main" id="{628DC0FA-896F-4847-998B-6AAF535A68BE}"/>
+              </a:ext>
+            </a:extLst>
+          </p:cNvPr>
+          <p:cNvSpPr/>
+          <p:nvPr/>
+        </p:nvSpPr>
+        <p:spPr>
+          <a:xfrm rot="1667992">
+            <a:off x="5139109" y="2829445"/>
+            <a:ext cx="909223" cy="246221"/>
+          </a:xfrm>
+          <a:prstGeom prst="rect">
+            <a:avLst/>
+          </a:prstGeom>
+        </p:spPr>
+        <p:txBody>
+          <a:bodyPr wrap="square">
+            <a:spAutoFit/>
+          </a:bodyPr>
+          <a:lstStyle/>
+          <a:p>
+            <a:pPr marL="0" marR="0" lvl="0" indent="0" algn="l" defTabSz="914400" rtl="0" eaLnBrk="1" fontAlgn="auto" latinLnBrk="0" hangingPunct="1">
+              <a:lnSpc>
+                <a:spcPct val="100000"/>
+              </a:lnSpc>
+              <a:spcBef>
+                <a:spcPts val="0"/>
+              </a:spcBef>
+              <a:spcAft>
+                <a:spcPts val="0"/>
+              </a:spcAft>
+              <a:buClrTx/>
+              <a:buSzTx/>
+              <a:buFontTx/>
+              <a:buNone/>
+              <a:tabLst/>
+              <a:defRPr/>
+            </a:pPr>
+            <a:r>
+              <a:rPr kumimoji="0" lang="en-US" altLang="zh-CN" sz="1000" b="0" i="0" u="none" strike="noStrike" kern="1200" cap="none" spc="0" normalizeH="0" baseline="0" noProof="0" dirty="0">
+                <a:ln>
+                  <a:noFill/>
+                </a:ln>
+                <a:solidFill>
+                  <a:prstClr val="black"/>
+                </a:solidFill>
+                <a:effectLst/>
+                <a:uLnTx/>
+                <a:uFillTx/>
+                <a:latin typeface="Times New Roman" panose="02020603050405020304" pitchFamily="18" charset="0"/>
+                <a:ea typeface="等线" panose="02010600030101010101" pitchFamily="2" charset="-122"/>
+                <a:cs typeface="Times New Roman" panose="02020603050405020304" pitchFamily="18" charset="0"/>
+              </a:rPr>
+              <a:t>associate with</a:t>
+            </a:r>
+            <a:endParaRPr kumimoji="0" lang="zh-CN" altLang="en-US" sz="1000" b="0" i="0" u="none" strike="noStrike" kern="1200" cap="none" spc="0" normalizeH="0" baseline="0" noProof="0" dirty="0">
+              <a:ln>
+                <a:noFill/>
+              </a:ln>
+              <a:solidFill>
+                <a:prstClr val="black"/>
+              </a:solidFill>
+              <a:effectLst/>
+              <a:uLnTx/>
+              <a:uFillTx/>
+              <a:latin typeface="等线" panose="020F0502020204030204"/>
+              <a:ea typeface="等线" panose="02010600030101010101" pitchFamily="2" charset="-122"/>
+              <a:cs typeface="+mn-cs"/>
+            </a:endParaRPr>
+          </a:p>
+        </p:txBody>
+      </p:sp>
+      <p:sp>
+        <p:nvSpPr>
+          <p:cNvPr id="21" name="矩形: 圆角 20">
+            <a:extLst>
+              <a:ext uri="{FF2B5EF4-FFF2-40B4-BE49-F238E27FC236}">
+                <a16:creationId xmlns:a16="http://schemas.microsoft.com/office/drawing/2014/main" id="{B62CA1ED-C4BD-4672-832C-5F3F2B7D2988}"/>
+              </a:ext>
+            </a:extLst>
+          </p:cNvPr>
+          <p:cNvSpPr/>
+          <p:nvPr/>
+        </p:nvSpPr>
+        <p:spPr>
+          <a:xfrm>
+            <a:off x="4109912" y="2476958"/>
+            <a:ext cx="874643" cy="287131"/>
+          </a:xfrm>
+          <a:prstGeom prst="roundRect">
+            <a:avLst/>
+          </a:prstGeom>
+          <a:noFill/>
+          <a:ln>
+            <a:noFill/>
+          </a:ln>
+        </p:spPr>
+        <p:style>
+          <a:lnRef idx="2">
+            <a:schemeClr val="accent1">
+              <a:shade val="50000"/>
+            </a:schemeClr>
+          </a:lnRef>
+          <a:fillRef idx="1">
+            <a:schemeClr val="accent1"/>
+          </a:fillRef>
+          <a:effectRef idx="0">
+            <a:schemeClr val="accent1"/>
+          </a:effectRef>
+          <a:fontRef idx="minor">
+            <a:schemeClr val="lt1"/>
+          </a:fontRef>
+        </p:style>
+        <p:txBody>
+          <a:bodyPr rtlCol="0" anchor="ctr"/>
+          <a:lstStyle/>
+          <a:p>
+            <a:pPr marL="0" marR="0" lvl="0" indent="0" algn="ctr" defTabSz="914400" rtl="0" eaLnBrk="1" fontAlgn="auto" latinLnBrk="0" hangingPunct="1">
+              <a:lnSpc>
+                <a:spcPct val="100000"/>
+              </a:lnSpc>
+              <a:spcBef>
+                <a:spcPts val="0"/>
+              </a:spcBef>
+              <a:spcAft>
+                <a:spcPts val="0"/>
+              </a:spcAft>
+              <a:buClrTx/>
+              <a:buSzTx/>
+              <a:buFontTx/>
+              <a:buNone/>
+              <a:tabLst/>
+              <a:defRPr/>
+            </a:pPr>
+            <a:r>
+              <a:rPr kumimoji="0" lang="en-US" altLang="zh-CN" sz="1100" b="0" i="0" u="none" strike="noStrike" kern="1200" cap="none" spc="0" normalizeH="0" baseline="0" noProof="0" dirty="0">
+                <a:ln>
+                  <a:noFill/>
+                </a:ln>
+                <a:solidFill>
+                  <a:prstClr val="black"/>
+                </a:solidFill>
+                <a:effectLst/>
+                <a:uLnTx/>
+                <a:uFillTx/>
+                <a:latin typeface="Times New Roman" panose="02020603050405020304" pitchFamily="18" charset="0"/>
+                <a:ea typeface="等线" panose="02010600030101010101" pitchFamily="2" charset="-122"/>
+                <a:cs typeface="Times New Roman" panose="02020603050405020304" pitchFamily="18" charset="0"/>
+              </a:rPr>
+              <a:t>Disease</a:t>
+            </a:r>
+            <a:endParaRPr kumimoji="0" lang="zh-CN" altLang="en-US" sz="1100" b="0" i="0" u="none" strike="noStrike" kern="1200" cap="none" spc="0" normalizeH="0" baseline="0" noProof="0" dirty="0">
+              <a:ln>
+                <a:noFill/>
+              </a:ln>
+              <a:solidFill>
+                <a:prstClr val="black"/>
+              </a:solidFill>
+              <a:effectLst/>
+              <a:uLnTx/>
+              <a:uFillTx/>
+              <a:latin typeface="Times New Roman" panose="02020603050405020304" pitchFamily="18" charset="0"/>
+              <a:ea typeface="等线" panose="02010600030101010101" pitchFamily="2" charset="-122"/>
+              <a:cs typeface="Times New Roman" panose="02020603050405020304" pitchFamily="18" charset="0"/>
+            </a:endParaRPr>
+          </a:p>
+        </p:txBody>
+      </p:sp>
+      <p:cxnSp>
+        <p:nvCxnSpPr>
+          <p:cNvPr id="23" name="直接箭头连接符 22">
+            <a:extLst>
+              <a:ext uri="{FF2B5EF4-FFF2-40B4-BE49-F238E27FC236}">
+                <a16:creationId xmlns:a16="http://schemas.microsoft.com/office/drawing/2014/main" id="{23831057-F3F6-4580-9A4D-5A130E4481FA}"/>
+              </a:ext>
+            </a:extLst>
+          </p:cNvPr>
+          <p:cNvCxnSpPr>
+            <a:cxnSpLocks/>
+            <a:stCxn id="99" idx="3"/>
+          </p:cNvCxnSpPr>
+          <p:nvPr/>
+        </p:nvCxnSpPr>
+        <p:spPr>
+          <a:xfrm flipV="1">
+            <a:off x="3802005" y="2749031"/>
+            <a:ext cx="648109" cy="677010"/>
+          </a:xfrm>
+          <a:prstGeom prst="straightConnector1">
+            <a:avLst/>
+          </a:prstGeom>
+          <a:ln w="1270">
+            <a:solidFill>
+              <a:schemeClr val="tx1"/>
+            </a:solidFill>
+            <a:prstDash val="solid"/>
+            <a:headEnd w="sm" len="sm"/>
+            <a:tailEnd type="triangle" w="sm" len="sm"/>
+          </a:ln>
+        </p:spPr>
+        <p:style>
+          <a:lnRef idx="1">
+            <a:schemeClr val="dk1"/>
+          </a:lnRef>
+          <a:fillRef idx="0">
+            <a:schemeClr val="dk1"/>
+          </a:fillRef>
+          <a:effectRef idx="0">
+            <a:schemeClr val="dk1"/>
+          </a:effectRef>
+          <a:fontRef idx="minor">
+            <a:schemeClr val="tx1"/>
+          </a:fontRef>
+        </p:style>
+      </p:cxnSp>
+      <p:sp>
+        <p:nvSpPr>
+          <p:cNvPr id="24" name="矩形 23">
+            <a:extLst>
+              <a:ext uri="{FF2B5EF4-FFF2-40B4-BE49-F238E27FC236}">
+                <a16:creationId xmlns:a16="http://schemas.microsoft.com/office/drawing/2014/main" id="{E567FC3F-18C7-43EF-8534-3F534A17F7EA}"/>
+              </a:ext>
+            </a:extLst>
+          </p:cNvPr>
+          <p:cNvSpPr/>
+          <p:nvPr/>
+        </p:nvSpPr>
+        <p:spPr>
+          <a:xfrm rot="18900000">
+            <a:off x="3967863" y="2954519"/>
+            <a:ext cx="471604" cy="246221"/>
+          </a:xfrm>
+          <a:prstGeom prst="rect">
+            <a:avLst/>
+          </a:prstGeom>
+        </p:spPr>
+        <p:txBody>
+          <a:bodyPr wrap="none">
+            <a:spAutoFit/>
+          </a:bodyPr>
+          <a:lstStyle/>
+          <a:p>
+            <a:pPr marL="0" marR="0" lvl="0" indent="0" algn="l" defTabSz="914400" rtl="0" eaLnBrk="1" fontAlgn="auto" latinLnBrk="0" hangingPunct="1">
+              <a:lnSpc>
+                <a:spcPct val="100000"/>
+              </a:lnSpc>
+              <a:spcBef>
+                <a:spcPts val="0"/>
+              </a:spcBef>
+              <a:spcAft>
+                <a:spcPts val="0"/>
+              </a:spcAft>
+              <a:buClrTx/>
+              <a:buSzTx/>
+              <a:buFontTx/>
+              <a:buNone/>
+              <a:tabLst/>
+              <a:defRPr/>
+            </a:pPr>
+            <a:r>
+              <a:rPr kumimoji="0" lang="en-US" altLang="zh-CN" sz="1000" b="0" i="0" u="none" strike="noStrike" kern="1200" cap="none" spc="0" normalizeH="0" baseline="0" noProof="0" dirty="0">
+                <a:ln>
+                  <a:noFill/>
+                </a:ln>
+                <a:solidFill>
+                  <a:prstClr val="black"/>
+                </a:solidFill>
+                <a:effectLst/>
+                <a:uLnTx/>
+                <a:uFillTx/>
+                <a:latin typeface="Times New Roman" panose="02020603050405020304" pitchFamily="18" charset="0"/>
+                <a:ea typeface="等线" panose="02010600030101010101" pitchFamily="2" charset="-122"/>
+                <a:cs typeface="Times New Roman" panose="02020603050405020304" pitchFamily="18" charset="0"/>
+              </a:rPr>
+              <a:t>cause</a:t>
+            </a:r>
+            <a:endParaRPr kumimoji="0" lang="zh-CN" altLang="en-US" sz="1000" b="0" i="0" u="none" strike="noStrike" kern="1200" cap="none" spc="0" normalizeH="0" baseline="0" noProof="0" dirty="0">
+              <a:ln>
+                <a:noFill/>
+              </a:ln>
+              <a:solidFill>
+                <a:prstClr val="black"/>
+              </a:solidFill>
+              <a:effectLst/>
+              <a:uLnTx/>
+              <a:uFillTx/>
+              <a:latin typeface="Times New Roman" panose="02020603050405020304" pitchFamily="18" charset="0"/>
+              <a:ea typeface="等线" panose="02010600030101010101" pitchFamily="2" charset="-122"/>
+              <a:cs typeface="Times New Roman" panose="02020603050405020304" pitchFamily="18" charset="0"/>
+            </a:endParaRPr>
+          </a:p>
+        </p:txBody>
+      </p:sp>
+      <p:cxnSp>
+        <p:nvCxnSpPr>
+          <p:cNvPr id="25" name="直接箭头连接符 24">
+            <a:extLst>
+              <a:ext uri="{FF2B5EF4-FFF2-40B4-BE49-F238E27FC236}">
+                <a16:creationId xmlns:a16="http://schemas.microsoft.com/office/drawing/2014/main" id="{5E15C688-FDA8-45D0-9C6B-6C8934FAF94A}"/>
+              </a:ext>
+            </a:extLst>
+          </p:cNvPr>
+          <p:cNvCxnSpPr>
+            <a:cxnSpLocks/>
+            <a:endCxn id="78" idx="1"/>
+          </p:cNvCxnSpPr>
+          <p:nvPr/>
+        </p:nvCxnSpPr>
+        <p:spPr>
+          <a:xfrm>
+            <a:off x="3927023" y="3688930"/>
+            <a:ext cx="1005320" cy="277980"/>
+          </a:xfrm>
+          <a:prstGeom prst="straightConnector1">
+            <a:avLst/>
+          </a:prstGeom>
+          <a:ln w="1270">
+            <a:headEnd w="sm" len="sm"/>
+            <a:tailEnd type="triangle" w="sm" len="sm"/>
+          </a:ln>
+        </p:spPr>
+        <p:style>
+          <a:lnRef idx="1">
+            <a:schemeClr val="dk1"/>
+          </a:lnRef>
+          <a:fillRef idx="0">
+            <a:schemeClr val="dk1"/>
+          </a:fillRef>
+          <a:effectRef idx="0">
+            <a:schemeClr val="dk1"/>
+          </a:effectRef>
+          <a:fontRef idx="minor">
+            <a:schemeClr val="tx1"/>
+          </a:fontRef>
+        </p:style>
+      </p:cxnSp>
+      <p:sp>
+        <p:nvSpPr>
+          <p:cNvPr id="26" name="矩形 25">
+            <a:extLst>
+              <a:ext uri="{FF2B5EF4-FFF2-40B4-BE49-F238E27FC236}">
+                <a16:creationId xmlns:a16="http://schemas.microsoft.com/office/drawing/2014/main" id="{63B23336-AB1D-4B97-91D1-425621AE568A}"/>
+              </a:ext>
+            </a:extLst>
+          </p:cNvPr>
+          <p:cNvSpPr/>
+          <p:nvPr/>
+        </p:nvSpPr>
+        <p:spPr>
+          <a:xfrm rot="790424">
+            <a:off x="3953704" y="3776349"/>
+            <a:ext cx="830677" cy="246221"/>
+          </a:xfrm>
+          <a:prstGeom prst="rect">
+            <a:avLst/>
+          </a:prstGeom>
+        </p:spPr>
+        <p:txBody>
+          <a:bodyPr wrap="none">
+            <a:spAutoFit/>
+          </a:bodyPr>
+          <a:lstStyle/>
+          <a:p>
+            <a:pPr marL="0" marR="0" lvl="0" indent="0" algn="l" defTabSz="914400" rtl="0" eaLnBrk="1" fontAlgn="auto" latinLnBrk="0" hangingPunct="1">
+              <a:lnSpc>
+                <a:spcPct val="100000"/>
+              </a:lnSpc>
+              <a:spcBef>
+                <a:spcPts val="0"/>
+              </a:spcBef>
+              <a:spcAft>
+                <a:spcPts val="0"/>
+              </a:spcAft>
+              <a:buClrTx/>
+              <a:buSzTx/>
+              <a:buFontTx/>
+              <a:buNone/>
+              <a:tabLst/>
+              <a:defRPr/>
+            </a:pPr>
+            <a:r>
+              <a:rPr kumimoji="0" lang="en-US" altLang="zh-CN" sz="1000" b="0" i="0" u="none" strike="noStrike" kern="1200" cap="none" spc="0" normalizeH="0" baseline="0" noProof="0" dirty="0">
+                <a:ln>
+                  <a:noFill/>
+                </a:ln>
+                <a:solidFill>
+                  <a:prstClr val="black"/>
+                </a:solidFill>
+                <a:effectLst/>
+                <a:uLnTx/>
+                <a:uFillTx/>
+                <a:latin typeface="Times New Roman" panose="02020603050405020304" pitchFamily="18" charset="0"/>
+                <a:ea typeface="等线" panose="02010600030101010101" pitchFamily="2" charset="-122"/>
+                <a:cs typeface="Times New Roman" panose="02020603050405020304" pitchFamily="18" charset="0"/>
+              </a:rPr>
+              <a:t>interact with</a:t>
+            </a:r>
+            <a:endParaRPr kumimoji="0" lang="zh-CN" altLang="en-US" sz="1000" b="0" i="0" u="none" strike="noStrike" kern="1200" cap="none" spc="0" normalizeH="0" baseline="0" noProof="0" dirty="0">
+              <a:ln>
+                <a:noFill/>
+              </a:ln>
+              <a:solidFill>
+                <a:prstClr val="black"/>
+              </a:solidFill>
+              <a:effectLst/>
+              <a:uLnTx/>
+              <a:uFillTx/>
+              <a:latin typeface="等线" panose="020F0502020204030204"/>
+              <a:ea typeface="等线" panose="02010600030101010101" pitchFamily="2" charset="-122"/>
+              <a:cs typeface="+mn-cs"/>
+            </a:endParaRPr>
+          </a:p>
+        </p:txBody>
+      </p:sp>
+      <p:cxnSp>
+        <p:nvCxnSpPr>
+          <p:cNvPr id="29" name="直接箭头连接符 28">
+            <a:extLst>
+              <a:ext uri="{FF2B5EF4-FFF2-40B4-BE49-F238E27FC236}">
+                <a16:creationId xmlns:a16="http://schemas.microsoft.com/office/drawing/2014/main" id="{12950B17-9F3F-41EB-A86B-594321BB25CF}"/>
+              </a:ext>
+            </a:extLst>
+          </p:cNvPr>
+          <p:cNvCxnSpPr>
+            <a:cxnSpLocks/>
+            <a:stCxn id="13" idx="2"/>
+            <a:endCxn id="108" idx="0"/>
+          </p:cNvCxnSpPr>
+          <p:nvPr/>
+        </p:nvCxnSpPr>
+        <p:spPr>
+          <a:xfrm flipH="1">
+            <a:off x="2574460" y="2831355"/>
+            <a:ext cx="2294" cy="1194276"/>
+          </a:xfrm>
+          <a:prstGeom prst="straightConnector1">
+            <a:avLst/>
+          </a:prstGeom>
+          <a:ln w="1270">
+            <a:headEnd w="sm" len="sm"/>
+            <a:tailEnd type="triangle" w="sm" len="sm"/>
+          </a:ln>
+        </p:spPr>
+        <p:style>
+          <a:lnRef idx="1">
+            <a:schemeClr val="dk1"/>
+          </a:lnRef>
+          <a:fillRef idx="0">
+            <a:schemeClr val="dk1"/>
+          </a:fillRef>
+          <a:effectRef idx="0">
+            <a:schemeClr val="dk1"/>
+          </a:effectRef>
+          <a:fontRef idx="minor">
+            <a:schemeClr val="tx1"/>
+          </a:fontRef>
+        </p:style>
+      </p:cxnSp>
+      <p:sp>
+        <p:nvSpPr>
+          <p:cNvPr id="30" name="矩形 29">
+            <a:extLst>
+              <a:ext uri="{FF2B5EF4-FFF2-40B4-BE49-F238E27FC236}">
+                <a16:creationId xmlns:a16="http://schemas.microsoft.com/office/drawing/2014/main" id="{BD813802-861B-48FE-882E-443E22C684AC}"/>
+              </a:ext>
+            </a:extLst>
+          </p:cNvPr>
+          <p:cNvSpPr/>
+          <p:nvPr/>
+        </p:nvSpPr>
+        <p:spPr>
+          <a:xfrm rot="5400000">
+            <a:off x="2432392" y="3181990"/>
+            <a:ext cx="478016" cy="246221"/>
+          </a:xfrm>
+          <a:prstGeom prst="rect">
+            <a:avLst/>
+          </a:prstGeom>
+        </p:spPr>
+        <p:txBody>
+          <a:bodyPr wrap="none">
+            <a:spAutoFit/>
+          </a:bodyPr>
+          <a:lstStyle/>
+          <a:p>
+            <a:pPr marL="0" marR="0" lvl="0" indent="0" algn="l" defTabSz="914400" rtl="0" eaLnBrk="1" fontAlgn="auto" latinLnBrk="0" hangingPunct="1">
+              <a:lnSpc>
+                <a:spcPct val="100000"/>
+              </a:lnSpc>
+              <a:spcBef>
+                <a:spcPts val="0"/>
+              </a:spcBef>
+              <a:spcAft>
+                <a:spcPts val="0"/>
+              </a:spcAft>
+              <a:buClrTx/>
+              <a:buSzTx/>
+              <a:buFontTx/>
+              <a:buNone/>
+              <a:tabLst/>
+              <a:defRPr/>
+            </a:pPr>
+            <a:r>
+              <a:rPr kumimoji="0" lang="en-US" altLang="zh-CN" sz="1000" b="0" i="0" u="none" strike="noStrike" kern="1200" cap="none" spc="0" normalizeH="0" baseline="0" noProof="0" dirty="0">
+                <a:ln>
+                  <a:noFill/>
+                </a:ln>
+                <a:solidFill>
+                  <a:prstClr val="black"/>
+                </a:solidFill>
+                <a:effectLst/>
+                <a:uLnTx/>
+                <a:uFillTx/>
+                <a:latin typeface="Times New Roman" panose="02020603050405020304" pitchFamily="18" charset="0"/>
+                <a:ea typeface="等线" panose="02010600030101010101" pitchFamily="2" charset="-122"/>
+                <a:cs typeface="Times New Roman" panose="02020603050405020304" pitchFamily="18" charset="0"/>
+              </a:rPr>
+              <a:t>target</a:t>
+            </a:r>
+            <a:endParaRPr kumimoji="0" lang="zh-CN" altLang="en-US" sz="1000" b="0" i="0" u="none" strike="noStrike" kern="1200" cap="none" spc="0" normalizeH="0" baseline="0" noProof="0" dirty="0">
+              <a:ln>
+                <a:noFill/>
+              </a:ln>
+              <a:solidFill>
+                <a:prstClr val="black"/>
+              </a:solidFill>
+              <a:effectLst/>
+              <a:uLnTx/>
+              <a:uFillTx/>
+              <a:latin typeface="Times New Roman" panose="02020603050405020304" pitchFamily="18" charset="0"/>
+              <a:ea typeface="等线" panose="02010600030101010101" pitchFamily="2" charset="-122"/>
+              <a:cs typeface="Times New Roman" panose="02020603050405020304" pitchFamily="18" charset="0"/>
+            </a:endParaRPr>
+          </a:p>
+        </p:txBody>
+      </p:sp>
+      <p:cxnSp>
+        <p:nvCxnSpPr>
+          <p:cNvPr id="31" name="直接箭头连接符 30">
+            <a:extLst>
+              <a:ext uri="{FF2B5EF4-FFF2-40B4-BE49-F238E27FC236}">
+                <a16:creationId xmlns:a16="http://schemas.microsoft.com/office/drawing/2014/main" id="{6AADE416-3446-43D6-8367-E3A413944D87}"/>
+              </a:ext>
+            </a:extLst>
+          </p:cNvPr>
+          <p:cNvCxnSpPr>
+            <a:cxnSpLocks/>
+            <a:endCxn id="81" idx="1"/>
+          </p:cNvCxnSpPr>
+          <p:nvPr/>
+        </p:nvCxnSpPr>
+        <p:spPr>
+          <a:xfrm>
+            <a:off x="5509418" y="4282714"/>
+            <a:ext cx="782622" cy="0"/>
+          </a:xfrm>
+          <a:prstGeom prst="straightConnector1">
+            <a:avLst/>
+          </a:prstGeom>
+          <a:ln w="1270">
+            <a:headEnd w="sm" len="sm"/>
+            <a:tailEnd type="triangle" w="sm" len="sm"/>
+          </a:ln>
+        </p:spPr>
+        <p:style>
+          <a:lnRef idx="1">
+            <a:schemeClr val="dk1"/>
+          </a:lnRef>
+          <a:fillRef idx="0">
+            <a:schemeClr val="dk1"/>
+          </a:fillRef>
+          <a:effectRef idx="0">
+            <a:schemeClr val="dk1"/>
+          </a:effectRef>
+          <a:fontRef idx="minor">
+            <a:schemeClr val="tx1"/>
+          </a:fontRef>
+        </p:style>
+      </p:cxnSp>
+      <p:sp>
+        <p:nvSpPr>
+          <p:cNvPr id="32" name="矩形 31">
+            <a:extLst>
+              <a:ext uri="{FF2B5EF4-FFF2-40B4-BE49-F238E27FC236}">
+                <a16:creationId xmlns:a16="http://schemas.microsoft.com/office/drawing/2014/main" id="{1EC59082-9F71-4E11-919C-3B0352A681A4}"/>
+              </a:ext>
+            </a:extLst>
+          </p:cNvPr>
+          <p:cNvSpPr/>
+          <p:nvPr/>
+        </p:nvSpPr>
+        <p:spPr>
+          <a:xfrm>
+            <a:off x="5620562" y="4232712"/>
+            <a:ext cx="514885" cy="246221"/>
+          </a:xfrm>
+          <a:prstGeom prst="rect">
+            <a:avLst/>
+          </a:prstGeom>
+        </p:spPr>
+        <p:txBody>
+          <a:bodyPr wrap="none">
+            <a:spAutoFit/>
+          </a:bodyPr>
+          <a:lstStyle/>
+          <a:p>
+            <a:pPr marL="0" marR="0" lvl="0" indent="0" algn="l" defTabSz="914400" rtl="0" eaLnBrk="1" fontAlgn="auto" latinLnBrk="0" hangingPunct="1">
+              <a:lnSpc>
+                <a:spcPct val="100000"/>
+              </a:lnSpc>
+              <a:spcBef>
+                <a:spcPts val="0"/>
+              </a:spcBef>
+              <a:spcAft>
+                <a:spcPts val="0"/>
+              </a:spcAft>
+              <a:buClrTx/>
+              <a:buSzTx/>
+              <a:buFontTx/>
+              <a:buNone/>
+              <a:tabLst/>
+              <a:defRPr/>
+            </a:pPr>
+            <a:r>
+              <a:rPr kumimoji="0" lang="en-US" altLang="zh-CN" sz="1000" b="0" i="0" u="none" strike="noStrike" kern="1200" cap="none" spc="0" normalizeH="0" baseline="0" noProof="0" dirty="0">
+                <a:ln>
+                  <a:noFill/>
+                </a:ln>
+                <a:solidFill>
+                  <a:prstClr val="black"/>
+                </a:solidFill>
+                <a:effectLst/>
+                <a:uLnTx/>
+                <a:uFillTx/>
+                <a:latin typeface="Times New Roman" panose="02020603050405020304" pitchFamily="18" charset="0"/>
+                <a:ea typeface="等线" panose="02010600030101010101" pitchFamily="2" charset="-122"/>
+                <a:cs typeface="Times New Roman" panose="02020603050405020304" pitchFamily="18" charset="0"/>
+              </a:rPr>
+              <a:t>host is</a:t>
+            </a:r>
+            <a:endParaRPr kumimoji="0" lang="zh-CN" altLang="en-US" sz="1000" b="0" i="0" u="none" strike="noStrike" kern="1200" cap="none" spc="0" normalizeH="0" baseline="0" noProof="0" dirty="0">
+              <a:ln>
+                <a:noFill/>
+              </a:ln>
+              <a:solidFill>
+                <a:prstClr val="black"/>
+              </a:solidFill>
+              <a:effectLst/>
+              <a:uLnTx/>
+              <a:uFillTx/>
+              <a:latin typeface="等线" panose="020F0502020204030204"/>
+              <a:ea typeface="等线" panose="02010600030101010101" pitchFamily="2" charset="-122"/>
+              <a:cs typeface="+mn-cs"/>
+            </a:endParaRPr>
+          </a:p>
+        </p:txBody>
+      </p:sp>
+      <p:sp>
+        <p:nvSpPr>
+          <p:cNvPr id="52" name="矩形: 圆角 51">
+            <a:extLst>
+              <a:ext uri="{FF2B5EF4-FFF2-40B4-BE49-F238E27FC236}">
+                <a16:creationId xmlns:a16="http://schemas.microsoft.com/office/drawing/2014/main" id="{DD1F9C98-D8F9-40C9-8C5C-3CB07B53E07C}"/>
+              </a:ext>
+            </a:extLst>
+          </p:cNvPr>
+          <p:cNvSpPr/>
+          <p:nvPr/>
+        </p:nvSpPr>
+        <p:spPr>
+          <a:xfrm>
+            <a:off x="1192396" y="3492262"/>
+            <a:ext cx="874643" cy="287131"/>
+          </a:xfrm>
+          <a:prstGeom prst="roundRect">
+            <a:avLst/>
+          </a:prstGeom>
+          <a:noFill/>
+          <a:ln>
+            <a:noFill/>
+          </a:ln>
+        </p:spPr>
+        <p:style>
+          <a:lnRef idx="2">
+            <a:schemeClr val="accent1">
+              <a:shade val="50000"/>
+            </a:schemeClr>
+          </a:lnRef>
+          <a:fillRef idx="1">
+            <a:schemeClr val="accent1"/>
+          </a:fillRef>
+          <a:effectRef idx="0">
+            <a:schemeClr val="accent1"/>
+          </a:effectRef>
+          <a:fontRef idx="minor">
+            <a:schemeClr val="lt1"/>
+          </a:fontRef>
+        </p:style>
+        <p:txBody>
+          <a:bodyPr rtlCol="0" anchor="ctr"/>
+          <a:lstStyle/>
+          <a:p>
+            <a:pPr marL="0" marR="0" lvl="0" indent="0" algn="ctr" defTabSz="914400" rtl="0" eaLnBrk="1" fontAlgn="auto" latinLnBrk="0" hangingPunct="1">
+              <a:lnSpc>
+                <a:spcPct val="100000"/>
+              </a:lnSpc>
+              <a:spcBef>
+                <a:spcPts val="0"/>
+              </a:spcBef>
+              <a:spcAft>
+                <a:spcPts val="0"/>
+              </a:spcAft>
+              <a:buClrTx/>
+              <a:buSzTx/>
+              <a:buFontTx/>
+              <a:buNone/>
+              <a:tabLst/>
+              <a:defRPr/>
+            </a:pPr>
+            <a:r>
+              <a:rPr kumimoji="0" lang="en-US" altLang="zh-CN" sz="1100" b="0" i="0" u="none" strike="noStrike" kern="1200" cap="none" spc="0" normalizeH="0" baseline="0" noProof="0" dirty="0">
+                <a:ln>
+                  <a:noFill/>
+                </a:ln>
+                <a:solidFill>
+                  <a:prstClr val="black"/>
+                </a:solidFill>
+                <a:effectLst/>
+                <a:uLnTx/>
+                <a:uFillTx/>
+                <a:latin typeface="Times New Roman" panose="02020603050405020304" pitchFamily="18" charset="0"/>
+                <a:ea typeface="等线" panose="02010600030101010101" pitchFamily="2" charset="-122"/>
+                <a:cs typeface="Times New Roman" panose="02020603050405020304" pitchFamily="18" charset="0"/>
+              </a:rPr>
+              <a:t>Virus Gene</a:t>
+            </a:r>
+            <a:endParaRPr kumimoji="0" lang="zh-CN" altLang="en-US" sz="1100" b="0" i="0" u="none" strike="noStrike" kern="1200" cap="none" spc="0" normalizeH="0" baseline="0" noProof="0" dirty="0">
+              <a:ln>
+                <a:noFill/>
+              </a:ln>
+              <a:solidFill>
+                <a:prstClr val="white"/>
+              </a:solidFill>
+              <a:effectLst/>
+              <a:uLnTx/>
+              <a:uFillTx/>
+              <a:latin typeface="等线" panose="020F0502020204030204"/>
+              <a:ea typeface="等线" panose="02010600030101010101" pitchFamily="2" charset="-122"/>
+              <a:cs typeface="+mn-cs"/>
+            </a:endParaRPr>
+          </a:p>
+        </p:txBody>
+      </p:sp>
+      <p:sp>
+        <p:nvSpPr>
+          <p:cNvPr id="55" name="矩形 54">
+            <a:extLst>
+              <a:ext uri="{FF2B5EF4-FFF2-40B4-BE49-F238E27FC236}">
+                <a16:creationId xmlns:a16="http://schemas.microsoft.com/office/drawing/2014/main" id="{3A2E7A71-193D-4F2A-9FC6-AE11A9E838C1}"/>
+              </a:ext>
+            </a:extLst>
+          </p:cNvPr>
+          <p:cNvSpPr/>
+          <p:nvPr/>
+        </p:nvSpPr>
+        <p:spPr>
+          <a:xfrm>
+            <a:off x="2600870" y="3404455"/>
+            <a:ext cx="570990" cy="246221"/>
+          </a:xfrm>
+          <a:prstGeom prst="rect">
+            <a:avLst/>
+          </a:prstGeom>
+        </p:spPr>
+        <p:txBody>
+          <a:bodyPr wrap="none">
+            <a:spAutoFit/>
+          </a:bodyPr>
+          <a:lstStyle/>
+          <a:p>
+            <a:pPr marL="0" marR="0" lvl="0" indent="0" algn="l" defTabSz="914400" rtl="0" eaLnBrk="1" fontAlgn="auto" latinLnBrk="0" hangingPunct="1">
+              <a:lnSpc>
+                <a:spcPct val="100000"/>
+              </a:lnSpc>
+              <a:spcBef>
+                <a:spcPts val="0"/>
+              </a:spcBef>
+              <a:spcAft>
+                <a:spcPts val="0"/>
+              </a:spcAft>
+              <a:buClrTx/>
+              <a:buSzTx/>
+              <a:buFontTx/>
+              <a:buNone/>
+              <a:tabLst/>
+              <a:defRPr/>
+            </a:pPr>
+            <a:r>
+              <a:rPr kumimoji="0" lang="en-US" altLang="zh-CN" sz="1000" b="0" i="0" u="none" strike="noStrike" kern="1200" cap="none" spc="0" normalizeH="0" baseline="0" noProof="0" dirty="0">
+                <a:ln>
+                  <a:noFill/>
+                </a:ln>
+                <a:solidFill>
+                  <a:prstClr val="black"/>
+                </a:solidFill>
+                <a:effectLst/>
+                <a:uLnTx/>
+                <a:uFillTx/>
+                <a:latin typeface="Times New Roman" panose="02020603050405020304" pitchFamily="18" charset="0"/>
+                <a:ea typeface="等线" panose="02010600030101010101" pitchFamily="2" charset="-122"/>
+                <a:cs typeface="Times New Roman" panose="02020603050405020304" pitchFamily="18" charset="0"/>
+              </a:rPr>
+              <a:t>express</a:t>
+            </a:r>
+            <a:endParaRPr kumimoji="0" lang="zh-CN" altLang="en-US" sz="1000" b="0" i="0" u="none" strike="noStrike" kern="1200" cap="none" spc="0" normalizeH="0" baseline="0" noProof="0" dirty="0">
+              <a:ln>
+                <a:noFill/>
+              </a:ln>
+              <a:solidFill>
+                <a:prstClr val="black"/>
+              </a:solidFill>
+              <a:effectLst/>
+              <a:uLnTx/>
+              <a:uFillTx/>
+              <a:latin typeface="Times New Roman" panose="02020603050405020304" pitchFamily="18" charset="0"/>
+              <a:ea typeface="等线" panose="02010600030101010101" pitchFamily="2" charset="-122"/>
+              <a:cs typeface="Times New Roman" panose="02020603050405020304" pitchFamily="18" charset="0"/>
+            </a:endParaRPr>
+          </a:p>
+        </p:txBody>
+      </p:sp>
+      <p:cxnSp>
+        <p:nvCxnSpPr>
+          <p:cNvPr id="56" name="直接箭头连接符 55">
+            <a:extLst>
+              <a:ext uri="{FF2B5EF4-FFF2-40B4-BE49-F238E27FC236}">
+                <a16:creationId xmlns:a16="http://schemas.microsoft.com/office/drawing/2014/main" id="{4285D500-43B5-420B-9897-E0BC7D18217C}"/>
+              </a:ext>
+            </a:extLst>
+          </p:cNvPr>
+          <p:cNvCxnSpPr>
+            <a:cxnSpLocks/>
+            <a:stCxn id="52" idx="2"/>
+          </p:cNvCxnSpPr>
+          <p:nvPr/>
+        </p:nvCxnSpPr>
+        <p:spPr>
+          <a:xfrm>
+            <a:off x="1629718" y="3779393"/>
+            <a:ext cx="549781" cy="417037"/>
+          </a:xfrm>
+          <a:prstGeom prst="straightConnector1">
+            <a:avLst/>
+          </a:prstGeom>
+          <a:ln w="1270">
+            <a:headEnd w="sm" len="sm"/>
+            <a:tailEnd type="triangle" w="sm" len="sm"/>
+          </a:ln>
+        </p:spPr>
+        <p:style>
+          <a:lnRef idx="1">
+            <a:schemeClr val="dk1"/>
+          </a:lnRef>
+          <a:fillRef idx="0">
+            <a:schemeClr val="dk1"/>
+          </a:fillRef>
+          <a:effectRef idx="0">
+            <a:schemeClr val="dk1"/>
+          </a:effectRef>
+          <a:fontRef idx="minor">
+            <a:schemeClr val="tx1"/>
+          </a:fontRef>
+        </p:style>
+      </p:cxnSp>
+      <p:sp>
+        <p:nvSpPr>
+          <p:cNvPr id="59" name="矩形 58">
+            <a:extLst>
+              <a:ext uri="{FF2B5EF4-FFF2-40B4-BE49-F238E27FC236}">
+                <a16:creationId xmlns:a16="http://schemas.microsoft.com/office/drawing/2014/main" id="{AFBA4674-B484-434A-BC18-3246DE37351B}"/>
+              </a:ext>
+            </a:extLst>
+          </p:cNvPr>
+          <p:cNvSpPr/>
+          <p:nvPr/>
+        </p:nvSpPr>
+        <p:spPr>
+          <a:xfrm rot="2190370">
+            <a:off x="1521284" y="3896309"/>
+            <a:ext cx="620683" cy="246221"/>
+          </a:xfrm>
+          <a:prstGeom prst="rect">
+            <a:avLst/>
+          </a:prstGeom>
+        </p:spPr>
+        <p:txBody>
+          <a:bodyPr wrap="none">
+            <a:spAutoFit/>
+          </a:bodyPr>
+          <a:lstStyle/>
+          <a:p>
+            <a:pPr marL="0" marR="0" lvl="0" indent="0" algn="l" defTabSz="914400" rtl="0" eaLnBrk="1" fontAlgn="auto" latinLnBrk="0" hangingPunct="1">
+              <a:lnSpc>
+                <a:spcPct val="100000"/>
+              </a:lnSpc>
+              <a:spcBef>
+                <a:spcPts val="0"/>
+              </a:spcBef>
+              <a:spcAft>
+                <a:spcPts val="0"/>
+              </a:spcAft>
+              <a:buClrTx/>
+              <a:buSzTx/>
+              <a:buFontTx/>
+              <a:buNone/>
+              <a:tabLst/>
+              <a:defRPr/>
+            </a:pPr>
+            <a:r>
+              <a:rPr kumimoji="0" lang="en-US" altLang="zh-CN" sz="1000" b="0" i="0" u="none" strike="noStrike" kern="1200" cap="none" spc="0" normalizeH="0" baseline="0" noProof="0" dirty="0">
+                <a:ln>
+                  <a:noFill/>
+                </a:ln>
+                <a:solidFill>
+                  <a:prstClr val="black"/>
+                </a:solidFill>
+                <a:effectLst/>
+                <a:uLnTx/>
+                <a:uFillTx/>
+                <a:latin typeface="Times New Roman" panose="02020603050405020304" pitchFamily="18" charset="0"/>
+                <a:ea typeface="等线" panose="02010600030101010101" pitchFamily="2" charset="-122"/>
+                <a:cs typeface="Times New Roman" panose="02020603050405020304" pitchFamily="18" charset="0"/>
+              </a:rPr>
+              <a:t>translate</a:t>
+            </a:r>
+            <a:endParaRPr kumimoji="0" lang="zh-CN" altLang="en-US" sz="1000" b="0" i="0" u="none" strike="noStrike" kern="1200" cap="none" spc="0" normalizeH="0" baseline="0" noProof="0" dirty="0">
+              <a:ln>
+                <a:noFill/>
+              </a:ln>
+              <a:solidFill>
+                <a:prstClr val="black"/>
+              </a:solidFill>
+              <a:effectLst/>
+              <a:uLnTx/>
+              <a:uFillTx/>
+              <a:latin typeface="Times New Roman" panose="02020603050405020304" pitchFamily="18" charset="0"/>
+              <a:ea typeface="等线" panose="02010600030101010101" pitchFamily="2" charset="-122"/>
+              <a:cs typeface="Times New Roman" panose="02020603050405020304" pitchFamily="18" charset="0"/>
+            </a:endParaRPr>
+          </a:p>
+        </p:txBody>
+      </p:sp>
+      <p:cxnSp>
+        <p:nvCxnSpPr>
+          <p:cNvPr id="58" name="直接箭头连接符 57">
+            <a:extLst>
+              <a:ext uri="{FF2B5EF4-FFF2-40B4-BE49-F238E27FC236}">
+                <a16:creationId xmlns:a16="http://schemas.microsoft.com/office/drawing/2014/main" id="{9B750062-9959-4714-87BE-B07340F4C904}"/>
+              </a:ext>
+            </a:extLst>
+          </p:cNvPr>
+          <p:cNvCxnSpPr>
+            <a:cxnSpLocks/>
+            <a:endCxn id="78" idx="3"/>
+          </p:cNvCxnSpPr>
+          <p:nvPr/>
+        </p:nvCxnSpPr>
+        <p:spPr>
+          <a:xfrm flipH="1">
+            <a:off x="5517970" y="3620437"/>
+            <a:ext cx="494685" cy="346473"/>
+          </a:xfrm>
+          <a:prstGeom prst="straightConnector1">
+            <a:avLst/>
+          </a:prstGeom>
+          <a:ln w="1270">
+            <a:headEnd w="sm" len="sm"/>
+            <a:tailEnd type="triangle" w="sm" len="sm"/>
+          </a:ln>
+        </p:spPr>
+        <p:style>
+          <a:lnRef idx="1">
+            <a:schemeClr val="dk1"/>
+          </a:lnRef>
+          <a:fillRef idx="0">
+            <a:schemeClr val="dk1"/>
+          </a:fillRef>
+          <a:effectRef idx="0">
+            <a:schemeClr val="dk1"/>
+          </a:effectRef>
+          <a:fontRef idx="minor">
+            <a:schemeClr val="tx1"/>
+          </a:fontRef>
+        </p:style>
+      </p:cxnSp>
+      <p:cxnSp>
+        <p:nvCxnSpPr>
+          <p:cNvPr id="72" name="直接箭头连接符 71">
+            <a:extLst>
+              <a:ext uri="{FF2B5EF4-FFF2-40B4-BE49-F238E27FC236}">
+                <a16:creationId xmlns:a16="http://schemas.microsoft.com/office/drawing/2014/main" id="{5B9C7360-4504-41FE-99DA-1A7A736E1542}"/>
+              </a:ext>
+            </a:extLst>
+          </p:cNvPr>
+          <p:cNvCxnSpPr>
+            <a:cxnSpLocks/>
+            <a:stCxn id="57" idx="3"/>
+          </p:cNvCxnSpPr>
+          <p:nvPr/>
+        </p:nvCxnSpPr>
+        <p:spPr>
+          <a:xfrm>
+            <a:off x="2786953" y="2456321"/>
+            <a:ext cx="2220336" cy="1317465"/>
+          </a:xfrm>
+          <a:prstGeom prst="straightConnector1">
+            <a:avLst/>
+          </a:prstGeom>
+          <a:ln w="1270">
+            <a:headEnd w="sm" len="sm"/>
+            <a:tailEnd type="triangle" w="sm" len="sm"/>
+          </a:ln>
+        </p:spPr>
+        <p:style>
+          <a:lnRef idx="1">
+            <a:schemeClr val="dk1"/>
+          </a:lnRef>
+          <a:fillRef idx="0">
+            <a:schemeClr val="dk1"/>
+          </a:fillRef>
+          <a:effectRef idx="0">
+            <a:schemeClr val="dk1"/>
+          </a:effectRef>
+          <a:fontRef idx="minor">
+            <a:schemeClr val="tx1"/>
+          </a:fontRef>
+        </p:style>
+      </p:cxnSp>
+      <p:sp>
+        <p:nvSpPr>
+          <p:cNvPr id="85" name="矩形 84">
+            <a:extLst>
+              <a:ext uri="{FF2B5EF4-FFF2-40B4-BE49-F238E27FC236}">
+                <a16:creationId xmlns:a16="http://schemas.microsoft.com/office/drawing/2014/main" id="{1DD0A1D0-23C6-458A-B962-C8C762103645}"/>
+              </a:ext>
+            </a:extLst>
+          </p:cNvPr>
+          <p:cNvSpPr/>
+          <p:nvPr/>
+        </p:nvSpPr>
+        <p:spPr>
+          <a:xfrm rot="1800000">
+            <a:off x="3154390" y="2751083"/>
+            <a:ext cx="478016" cy="246221"/>
+          </a:xfrm>
+          <a:prstGeom prst="rect">
+            <a:avLst/>
+          </a:prstGeom>
+        </p:spPr>
+        <p:txBody>
+          <a:bodyPr wrap="none">
+            <a:spAutoFit/>
+          </a:bodyPr>
+          <a:lstStyle/>
+          <a:p>
+            <a:pPr marL="0" marR="0" lvl="0" indent="0" algn="l" defTabSz="914400" rtl="0" eaLnBrk="1" fontAlgn="auto" latinLnBrk="0" hangingPunct="1">
+              <a:lnSpc>
+                <a:spcPct val="100000"/>
+              </a:lnSpc>
+              <a:spcBef>
+                <a:spcPts val="0"/>
+              </a:spcBef>
+              <a:spcAft>
+                <a:spcPts val="0"/>
+              </a:spcAft>
+              <a:buClrTx/>
+              <a:buSzTx/>
+              <a:buFontTx/>
+              <a:buNone/>
+              <a:tabLst/>
+              <a:defRPr/>
+            </a:pPr>
+            <a:r>
+              <a:rPr kumimoji="0" lang="en-US" altLang="zh-CN" sz="1000" b="0" i="0" u="none" strike="noStrike" kern="1200" cap="none" spc="0" normalizeH="0" baseline="0" noProof="0" dirty="0">
+                <a:ln>
+                  <a:noFill/>
+                </a:ln>
+                <a:solidFill>
+                  <a:prstClr val="black"/>
+                </a:solidFill>
+                <a:effectLst/>
+                <a:uLnTx/>
+                <a:uFillTx/>
+                <a:latin typeface="Times New Roman" panose="02020603050405020304" pitchFamily="18" charset="0"/>
+                <a:ea typeface="等线" panose="02010600030101010101" pitchFamily="2" charset="-122"/>
+                <a:cs typeface="Times New Roman" panose="02020603050405020304" pitchFamily="18" charset="0"/>
+              </a:rPr>
+              <a:t>target</a:t>
+            </a:r>
+            <a:endParaRPr kumimoji="0" lang="zh-CN" altLang="en-US" sz="1000" b="0" i="0" u="none" strike="noStrike" kern="1200" cap="none" spc="0" normalizeH="0" baseline="0" noProof="0" dirty="0">
+              <a:ln>
+                <a:noFill/>
+              </a:ln>
+              <a:solidFill>
+                <a:prstClr val="black"/>
+              </a:solidFill>
+              <a:effectLst/>
+              <a:uLnTx/>
+              <a:uFillTx/>
+              <a:latin typeface="Times New Roman" panose="02020603050405020304" pitchFamily="18" charset="0"/>
+              <a:ea typeface="等线" panose="02010600030101010101" pitchFamily="2" charset="-122"/>
+              <a:cs typeface="Times New Roman" panose="02020603050405020304" pitchFamily="18" charset="0"/>
+            </a:endParaRPr>
+          </a:p>
+        </p:txBody>
+      </p:sp>
+      <p:cxnSp>
+        <p:nvCxnSpPr>
+          <p:cNvPr id="66" name="直接箭头连接符 65">
+            <a:extLst>
+              <a:ext uri="{FF2B5EF4-FFF2-40B4-BE49-F238E27FC236}">
+                <a16:creationId xmlns:a16="http://schemas.microsoft.com/office/drawing/2014/main" id="{EC58A58A-6490-4CF2-BBE4-C8C2F9844973}"/>
+              </a:ext>
+            </a:extLst>
+          </p:cNvPr>
+          <p:cNvCxnSpPr>
+            <a:cxnSpLocks/>
+            <a:stCxn id="99" idx="3"/>
+          </p:cNvCxnSpPr>
+          <p:nvPr/>
+        </p:nvCxnSpPr>
+        <p:spPr>
+          <a:xfrm flipV="1">
+            <a:off x="3802005" y="3416662"/>
+            <a:ext cx="928125" cy="9379"/>
+          </a:xfrm>
+          <a:prstGeom prst="straightConnector1">
+            <a:avLst/>
+          </a:prstGeom>
+          <a:ln w="1270">
+            <a:headEnd w="sm" len="sm"/>
+            <a:tailEnd type="triangle" w="sm" len="sm"/>
+          </a:ln>
+        </p:spPr>
+        <p:style>
+          <a:lnRef idx="1">
+            <a:schemeClr val="dk1"/>
+          </a:lnRef>
+          <a:fillRef idx="0">
+            <a:schemeClr val="dk1"/>
+          </a:fillRef>
+          <a:effectRef idx="0">
+            <a:schemeClr val="dk1"/>
+          </a:effectRef>
+          <a:fontRef idx="minor">
+            <a:schemeClr val="tx1"/>
+          </a:fontRef>
+        </p:style>
+      </p:cxnSp>
+      <p:sp>
+        <p:nvSpPr>
+          <p:cNvPr id="68" name="矩形 67">
+            <a:extLst>
+              <a:ext uri="{FF2B5EF4-FFF2-40B4-BE49-F238E27FC236}">
+                <a16:creationId xmlns:a16="http://schemas.microsoft.com/office/drawing/2014/main" id="{0EAFD02C-EFB4-4F37-A34D-F17C3AC571F4}"/>
+              </a:ext>
+            </a:extLst>
+          </p:cNvPr>
+          <p:cNvSpPr/>
+          <p:nvPr/>
+        </p:nvSpPr>
+        <p:spPr>
+          <a:xfrm>
+            <a:off x="3944774" y="3355150"/>
+            <a:ext cx="471604" cy="246221"/>
+          </a:xfrm>
+          <a:prstGeom prst="rect">
+            <a:avLst/>
+          </a:prstGeom>
+        </p:spPr>
+        <p:txBody>
+          <a:bodyPr wrap="none">
+            <a:spAutoFit/>
+          </a:bodyPr>
+          <a:lstStyle/>
+          <a:p>
+            <a:pPr marL="0" marR="0" lvl="0" indent="0" algn="l" defTabSz="914400" rtl="0" eaLnBrk="1" fontAlgn="auto" latinLnBrk="0" hangingPunct="1">
+              <a:lnSpc>
+                <a:spcPct val="100000"/>
+              </a:lnSpc>
+              <a:spcBef>
+                <a:spcPts val="0"/>
+              </a:spcBef>
+              <a:spcAft>
+                <a:spcPts val="0"/>
+              </a:spcAft>
+              <a:buClrTx/>
+              <a:buSzTx/>
+              <a:buFontTx/>
+              <a:buNone/>
+              <a:tabLst/>
+              <a:defRPr/>
+            </a:pPr>
+            <a:r>
+              <a:rPr kumimoji="0" lang="en-US" altLang="zh-CN" sz="1000" b="0" i="0" u="none" strike="noStrike" kern="1200" cap="none" spc="0" normalizeH="0" baseline="0" noProof="0" dirty="0">
+                <a:ln>
+                  <a:noFill/>
+                </a:ln>
+                <a:solidFill>
+                  <a:prstClr val="black"/>
+                </a:solidFill>
+                <a:effectLst/>
+                <a:uLnTx/>
+                <a:uFillTx/>
+                <a:latin typeface="Times New Roman" panose="02020603050405020304" pitchFamily="18" charset="0"/>
+                <a:ea typeface="等线" panose="02010600030101010101" pitchFamily="2" charset="-122"/>
+                <a:cs typeface="Times New Roman" panose="02020603050405020304" pitchFamily="18" charset="0"/>
+              </a:rPr>
+              <a:t>cause</a:t>
+            </a:r>
+            <a:endParaRPr kumimoji="0" lang="zh-CN" altLang="en-US" sz="1000" b="0" i="0" u="none" strike="noStrike" kern="1200" cap="none" spc="0" normalizeH="0" baseline="0" noProof="0" dirty="0">
+              <a:ln>
+                <a:noFill/>
+              </a:ln>
+              <a:solidFill>
+                <a:prstClr val="black"/>
+              </a:solidFill>
+              <a:effectLst/>
+              <a:uLnTx/>
+              <a:uFillTx/>
+              <a:latin typeface="Times New Roman" panose="02020603050405020304" pitchFamily="18" charset="0"/>
+              <a:ea typeface="等线" panose="02010600030101010101" pitchFamily="2" charset="-122"/>
+              <a:cs typeface="Times New Roman" panose="02020603050405020304" pitchFamily="18" charset="0"/>
+            </a:endParaRPr>
+          </a:p>
+        </p:txBody>
+      </p:sp>
+      <p:sp>
+        <p:nvSpPr>
+          <p:cNvPr id="73" name="矩形 72">
+            <a:extLst>
+              <a:ext uri="{FF2B5EF4-FFF2-40B4-BE49-F238E27FC236}">
+                <a16:creationId xmlns:a16="http://schemas.microsoft.com/office/drawing/2014/main" id="{A6EC51F4-7A4B-4DB2-B67E-69F4E97FE799}"/>
+              </a:ext>
+            </a:extLst>
+          </p:cNvPr>
+          <p:cNvSpPr/>
+          <p:nvPr/>
+        </p:nvSpPr>
+        <p:spPr>
+          <a:xfrm>
+            <a:off x="4655610" y="4611233"/>
+            <a:ext cx="830677" cy="246221"/>
+          </a:xfrm>
+          <a:prstGeom prst="rect">
+            <a:avLst/>
+          </a:prstGeom>
+        </p:spPr>
+        <p:txBody>
+          <a:bodyPr wrap="none">
+            <a:spAutoFit/>
+          </a:bodyPr>
+          <a:lstStyle/>
+          <a:p>
+            <a:pPr marL="0" marR="0" lvl="0" indent="0" algn="l" defTabSz="914400" rtl="0" eaLnBrk="1" fontAlgn="auto" latinLnBrk="0" hangingPunct="1">
+              <a:lnSpc>
+                <a:spcPct val="100000"/>
+              </a:lnSpc>
+              <a:spcBef>
+                <a:spcPts val="0"/>
+              </a:spcBef>
+              <a:spcAft>
+                <a:spcPts val="0"/>
+              </a:spcAft>
+              <a:buClrTx/>
+              <a:buSzTx/>
+              <a:buFontTx/>
+              <a:buNone/>
+              <a:tabLst/>
+              <a:defRPr/>
+            </a:pPr>
+            <a:r>
+              <a:rPr kumimoji="0" lang="en-US" altLang="zh-CN" sz="1000" b="0" i="0" u="none" strike="noStrike" kern="1200" cap="none" spc="0" normalizeH="0" baseline="0" noProof="0" dirty="0">
+                <a:ln>
+                  <a:noFill/>
+                </a:ln>
+                <a:solidFill>
+                  <a:prstClr val="black"/>
+                </a:solidFill>
+                <a:effectLst/>
+                <a:uLnTx/>
+                <a:uFillTx/>
+                <a:latin typeface="Times New Roman" panose="02020603050405020304" pitchFamily="18" charset="0"/>
+                <a:ea typeface="等线" panose="02010600030101010101" pitchFamily="2" charset="-122"/>
+                <a:cs typeface="Times New Roman" panose="02020603050405020304" pitchFamily="18" charset="0"/>
+              </a:rPr>
+              <a:t>interact with</a:t>
+            </a:r>
+            <a:endParaRPr kumimoji="0" lang="zh-CN" altLang="en-US" sz="1000" b="0" i="0" u="none" strike="noStrike" kern="1200" cap="none" spc="0" normalizeH="0" baseline="0" noProof="0" dirty="0">
+              <a:ln>
+                <a:noFill/>
+              </a:ln>
+              <a:solidFill>
+                <a:prstClr val="black"/>
+              </a:solidFill>
+              <a:effectLst/>
+              <a:uLnTx/>
+              <a:uFillTx/>
+              <a:latin typeface="等线" panose="020F0502020204030204"/>
+              <a:ea typeface="等线" panose="02010600030101010101" pitchFamily="2" charset="-122"/>
+              <a:cs typeface="+mn-cs"/>
+            </a:endParaRPr>
+          </a:p>
+        </p:txBody>
+      </p:sp>
+      <p:pic>
+        <p:nvPicPr>
+          <p:cNvPr id="57" name="图形 56" descr="药品">
+            <a:extLst>
+              <a:ext uri="{FF2B5EF4-FFF2-40B4-BE49-F238E27FC236}">
+                <a16:creationId xmlns:a16="http://schemas.microsoft.com/office/drawing/2014/main" id="{9E0DA67B-A7C3-4047-9509-72946BC11568}"/>
+              </a:ext>
+            </a:extLst>
+          </p:cNvPr>
+          <p:cNvPicPr>
+            <a:picLocks noChangeAspect="1"/>
+          </p:cNvPicPr>
+          <p:nvPr/>
+        </p:nvPicPr>
+        <p:blipFill>
+          <a:blip r:embed="rId4">
+            <a:extLst>
+              <a:ext uri="{28A0092B-C50C-407E-A947-70E740481C1C}">
+                <a14:useLocalDpi xmlns:a14="http://schemas.microsoft.com/office/drawing/2010/main" val="0"/>
+              </a:ext>
+              <a:ext uri="{96DAC541-7B7A-43D3-8B79-37D633B846F1}">
+                <asvg:svgBlip xmlns:asvg="http://schemas.microsoft.com/office/drawing/2016/SVG/main" r:embed="rId5"/>
+              </a:ext>
+            </a:extLst>
+          </a:blip>
+          <a:stretch>
+            <a:fillRect/>
+          </a:stretch>
+        </p:blipFill>
+        <p:spPr>
+          <a:xfrm>
+            <a:off x="2372126" y="2248907"/>
+            <a:ext cx="414827" cy="414827"/>
+          </a:xfrm>
+          <a:prstGeom prst="rect">
+            <a:avLst/>
+          </a:prstGeom>
+        </p:spPr>
+      </p:pic>
+      <p:pic>
+        <p:nvPicPr>
+          <p:cNvPr id="78" name="Picture 1">
+            <a:extLst>
+              <a:ext uri="{FF2B5EF4-FFF2-40B4-BE49-F238E27FC236}">
+                <a16:creationId xmlns:a16="http://schemas.microsoft.com/office/drawing/2014/main" id="{3E0BA6F3-34AE-4D31-94B0-A89AF0643318}"/>
+              </a:ext>
+            </a:extLst>
+          </p:cNvPr>
+          <p:cNvPicPr>
+            <a:picLocks noChangeAspect="1"/>
+          </p:cNvPicPr>
+          <p:nvPr/>
+        </p:nvPicPr>
+        <p:blipFill rotWithShape="1">
+          <a:blip r:embed="rId6"/>
+          <a:srcRect l="71318" t="12181" r="16024" b="77358"/>
+          <a:stretch/>
+        </p:blipFill>
+        <p:spPr>
+          <a:xfrm>
+            <a:off x="4932343" y="3788827"/>
+            <a:ext cx="585627" cy="356165"/>
+          </a:xfrm>
+          <a:prstGeom prst="rect">
+            <a:avLst/>
+          </a:prstGeom>
+          <a:ln>
+            <a:noFill/>
+            <a:prstDash val="solid"/>
+          </a:ln>
+        </p:spPr>
+      </p:pic>
+      <p:sp>
+        <p:nvSpPr>
+          <p:cNvPr id="7" name="矩形: 圆角 6">
+            <a:extLst>
+              <a:ext uri="{FF2B5EF4-FFF2-40B4-BE49-F238E27FC236}">
+                <a16:creationId xmlns:a16="http://schemas.microsoft.com/office/drawing/2014/main" id="{48D16F5A-3C4B-4FDF-AB1C-948AD99DA15D}"/>
+              </a:ext>
+            </a:extLst>
+          </p:cNvPr>
+          <p:cNvSpPr/>
+          <p:nvPr/>
+        </p:nvSpPr>
+        <p:spPr>
+          <a:xfrm>
+            <a:off x="4672545" y="4119508"/>
+            <a:ext cx="931503" cy="287131"/>
+          </a:xfrm>
+          <a:prstGeom prst="roundRect">
+            <a:avLst/>
+          </a:prstGeom>
+          <a:noFill/>
+          <a:ln>
+            <a:noFill/>
+          </a:ln>
+        </p:spPr>
+        <p:style>
+          <a:lnRef idx="2">
+            <a:schemeClr val="accent1">
+              <a:shade val="50000"/>
+            </a:schemeClr>
+          </a:lnRef>
+          <a:fillRef idx="1">
+            <a:schemeClr val="accent1"/>
+          </a:fillRef>
+          <a:effectRef idx="0">
+            <a:schemeClr val="accent1"/>
+          </a:effectRef>
+          <a:fontRef idx="minor">
+            <a:schemeClr val="lt1"/>
+          </a:fontRef>
+        </p:style>
+        <p:txBody>
+          <a:bodyPr rtlCol="0" anchor="ctr"/>
+          <a:lstStyle/>
+          <a:p>
+            <a:pPr marL="0" marR="0" lvl="0" indent="0" algn="ctr" defTabSz="914400" rtl="0" eaLnBrk="1" fontAlgn="auto" latinLnBrk="0" hangingPunct="1">
+              <a:lnSpc>
+                <a:spcPct val="100000"/>
+              </a:lnSpc>
+              <a:spcBef>
+                <a:spcPts val="0"/>
+              </a:spcBef>
+              <a:spcAft>
+                <a:spcPts val="0"/>
+              </a:spcAft>
+              <a:buClrTx/>
+              <a:buSzTx/>
+              <a:buFontTx/>
+              <a:buNone/>
+              <a:tabLst/>
+              <a:defRPr/>
+            </a:pPr>
+            <a:r>
+              <a:rPr kumimoji="0" lang="en-US" altLang="zh-CN" sz="1100" b="0" i="0" u="none" strike="noStrike" kern="1200" cap="none" spc="0" normalizeH="0" baseline="0" noProof="0" dirty="0">
+                <a:ln>
+                  <a:noFill/>
+                </a:ln>
+                <a:solidFill>
+                  <a:prstClr val="black"/>
+                </a:solidFill>
+                <a:effectLst/>
+                <a:uLnTx/>
+                <a:uFillTx/>
+                <a:latin typeface="Times New Roman" panose="02020603050405020304" pitchFamily="18" charset="0"/>
+                <a:ea typeface="等线" panose="02010600030101010101" pitchFamily="2" charset="-122"/>
+                <a:cs typeface="Times New Roman" panose="02020603050405020304" pitchFamily="18" charset="0"/>
+              </a:rPr>
+              <a:t>Host Protein</a:t>
+            </a:r>
+            <a:endParaRPr kumimoji="0" lang="zh-CN" altLang="en-US" sz="1100" b="0" i="0" u="none" strike="noStrike" kern="1200" cap="none" spc="0" normalizeH="0" baseline="0" noProof="0" dirty="0">
+              <a:ln>
+                <a:noFill/>
+              </a:ln>
+              <a:solidFill>
+                <a:prstClr val="black"/>
+              </a:solidFill>
+              <a:effectLst/>
+              <a:uLnTx/>
+              <a:uFillTx/>
+              <a:latin typeface="Times New Roman" panose="02020603050405020304" pitchFamily="18" charset="0"/>
+              <a:ea typeface="等线" panose="02010600030101010101" pitchFamily="2" charset="-122"/>
+              <a:cs typeface="Times New Roman" panose="02020603050405020304" pitchFamily="18" charset="0"/>
+            </a:endParaRPr>
+          </a:p>
+        </p:txBody>
+      </p:sp>
+      <p:pic>
+        <p:nvPicPr>
+          <p:cNvPr id="81" name="Picture 1">
+            <a:extLst>
+              <a:ext uri="{FF2B5EF4-FFF2-40B4-BE49-F238E27FC236}">
+                <a16:creationId xmlns:a16="http://schemas.microsoft.com/office/drawing/2014/main" id="{1B2F4B94-90CF-4059-A3F2-3D4608D86182}"/>
+              </a:ext>
+            </a:extLst>
+          </p:cNvPr>
+          <p:cNvPicPr>
+            <a:picLocks noChangeAspect="1"/>
+          </p:cNvPicPr>
+          <p:nvPr/>
+        </p:nvPicPr>
+        <p:blipFill rotWithShape="1">
+          <a:blip r:embed="rId6"/>
+          <a:srcRect l="76063" t="83874" r="19273"/>
+          <a:stretch/>
+        </p:blipFill>
+        <p:spPr>
+          <a:xfrm>
+            <a:off x="6292040" y="4082308"/>
+            <a:ext cx="157504" cy="400812"/>
+          </a:xfrm>
+          <a:prstGeom prst="rect">
+            <a:avLst/>
+          </a:prstGeom>
+          <a:ln>
+            <a:noFill/>
+            <a:prstDash val="solid"/>
+          </a:ln>
+        </p:spPr>
+      </p:pic>
+      <p:pic>
+        <p:nvPicPr>
+          <p:cNvPr id="90" name="图片 89" descr="图片包含 游戏机, 画&#10;&#10;描述已自动生成">
+            <a:extLst>
+              <a:ext uri="{FF2B5EF4-FFF2-40B4-BE49-F238E27FC236}">
+                <a16:creationId xmlns:a16="http://schemas.microsoft.com/office/drawing/2014/main" id="{BAC1AD39-5AC9-42BD-8787-4D8BDB92F955}"/>
+              </a:ext>
+            </a:extLst>
+          </p:cNvPr>
+          <p:cNvPicPr>
+            <a:picLocks noChangeAspect="1"/>
+          </p:cNvPicPr>
+          <p:nvPr/>
+        </p:nvPicPr>
+        <p:blipFill rotWithShape="1">
+          <a:blip r:embed="rId7">
+            <a:extLst>
+              <a:ext uri="{28A0092B-C50C-407E-A947-70E740481C1C}">
+                <a14:useLocalDpi xmlns:a14="http://schemas.microsoft.com/office/drawing/2010/main" val="0"/>
+              </a:ext>
+              <a:ext uri="{837473B0-CC2E-450A-ABE3-18F120FF3D39}">
+                <a1611:picAttrSrcUrl xmlns:a1611="http://schemas.microsoft.com/office/drawing/2016/11/main" r:id="rId8"/>
+              </a:ext>
+            </a:extLst>
+          </a:blip>
+          <a:srcRect l="9941" t="4720" r="56881" b="13906"/>
+          <a:stretch/>
+        </p:blipFill>
+        <p:spPr>
+          <a:xfrm rot="16200000">
+            <a:off x="6201767" y="3072178"/>
+            <a:ext cx="233462" cy="604076"/>
+          </a:xfrm>
+          <a:prstGeom prst="rect">
+            <a:avLst/>
+          </a:prstGeom>
+        </p:spPr>
+      </p:pic>
+      <p:pic>
+        <p:nvPicPr>
+          <p:cNvPr id="102" name="图片 101" descr="图片包含 游戏机&#10;&#10;描述已自动生成">
+            <a:extLst>
+              <a:ext uri="{FF2B5EF4-FFF2-40B4-BE49-F238E27FC236}">
+                <a16:creationId xmlns:a16="http://schemas.microsoft.com/office/drawing/2014/main" id="{5753397B-0592-4443-9167-9557470712A2}"/>
+              </a:ext>
+            </a:extLst>
+          </p:cNvPr>
+          <p:cNvPicPr>
+            <a:picLocks noChangeAspect="1"/>
+          </p:cNvPicPr>
+          <p:nvPr/>
+        </p:nvPicPr>
+        <p:blipFill rotWithShape="1">
+          <a:blip r:embed="rId9">
+            <a:extLst>
+              <a:ext uri="{28A0092B-C50C-407E-A947-70E740481C1C}">
+                <a14:useLocalDpi xmlns:a14="http://schemas.microsoft.com/office/drawing/2010/main" val="0"/>
+              </a:ext>
+              <a:ext uri="{837473B0-CC2E-450A-ABE3-18F120FF3D39}">
+                <a1611:picAttrSrcUrl xmlns:a1611="http://schemas.microsoft.com/office/drawing/2016/11/main" r:id="rId10"/>
+              </a:ext>
+            </a:extLst>
+          </a:blip>
+          <a:srcRect l="38016" t="8891" r="43828" b="57899"/>
+          <a:stretch/>
+        </p:blipFill>
+        <p:spPr>
+          <a:xfrm>
+            <a:off x="4379622" y="2254246"/>
+            <a:ext cx="327586" cy="313455"/>
+          </a:xfrm>
+          <a:prstGeom prst="rect">
+            <a:avLst/>
+          </a:prstGeom>
+        </p:spPr>
+      </p:pic>
+      <p:pic>
+        <p:nvPicPr>
+          <p:cNvPr id="108" name="Picture 1">
+            <a:extLst>
+              <a:ext uri="{FF2B5EF4-FFF2-40B4-BE49-F238E27FC236}">
+                <a16:creationId xmlns:a16="http://schemas.microsoft.com/office/drawing/2014/main" id="{7645EAC2-5FCD-4A3C-9DB2-1B170E6CD673}"/>
+              </a:ext>
+            </a:extLst>
+          </p:cNvPr>
+          <p:cNvPicPr>
+            <a:picLocks noChangeAspect="1"/>
+          </p:cNvPicPr>
+          <p:nvPr/>
+        </p:nvPicPr>
+        <p:blipFill rotWithShape="1">
+          <a:blip r:embed="rId6"/>
+          <a:srcRect l="3145" t="12244" r="84462" b="78237"/>
+          <a:stretch/>
+        </p:blipFill>
+        <p:spPr>
+          <a:xfrm>
+            <a:off x="2287801" y="4025631"/>
+            <a:ext cx="573317" cy="324090"/>
+          </a:xfrm>
+          <a:prstGeom prst="rect">
+            <a:avLst/>
+          </a:prstGeom>
+          <a:ln>
+            <a:noFill/>
+            <a:prstDash val="solid"/>
+          </a:ln>
+        </p:spPr>
+      </p:pic>
+      <p:pic>
+        <p:nvPicPr>
+          <p:cNvPr id="1026" name="Picture 2" descr="DNA vs. RNA — Differences &amp; Similarities - Expii">
+            <a:extLst>
+              <a:ext uri="{FF2B5EF4-FFF2-40B4-BE49-F238E27FC236}">
+                <a16:creationId xmlns:a16="http://schemas.microsoft.com/office/drawing/2014/main" id="{36B66AC1-F666-43AD-BBE5-26E7DF722A53}"/>
+              </a:ext>
+            </a:extLst>
+          </p:cNvPr>
+          <p:cNvPicPr>
+            <a:picLocks noChangeAspect="1" noChangeArrowheads="1"/>
+          </p:cNvPicPr>
+          <p:nvPr/>
+        </p:nvPicPr>
+        <p:blipFill rotWithShape="1">
+          <a:blip r:embed="rId11">
+            <a:extLst>
+              <a:ext uri="{28A0092B-C50C-407E-A947-70E740481C1C}">
+                <a14:useLocalDpi xmlns:a14="http://schemas.microsoft.com/office/drawing/2010/main" val="0"/>
+              </a:ext>
+            </a:extLst>
+          </a:blip>
+          <a:srcRect l="28858" t="7352" r="57613" b="4331"/>
+          <a:stretch/>
+        </p:blipFill>
+        <p:spPr bwMode="auto">
+          <a:xfrm rot="5400000">
+            <a:off x="1555819" y="3212556"/>
+            <a:ext cx="162783" cy="537967"/>
+          </a:xfrm>
+          <a:prstGeom prst="rect">
+            <a:avLst/>
+          </a:prstGeom>
+          <a:noFill/>
+          <a:extLst>
+            <a:ext uri="{909E8E84-426E-40DD-AFC4-6F175D3DCCD1}">
+              <a14:hiddenFill xmlns:a14="http://schemas.microsoft.com/office/drawing/2010/main">
+                <a:solidFill>
+                  <a:srgbClr val="FFFFFF"/>
+                </a:solidFill>
+              </a14:hiddenFill>
+            </a:ext>
+          </a:extLst>
+        </p:spPr>
+      </p:pic>
+      <p:sp>
+        <p:nvSpPr>
+          <p:cNvPr id="119" name="弧形 118">
+            <a:extLst>
+              <a:ext uri="{FF2B5EF4-FFF2-40B4-BE49-F238E27FC236}">
+                <a16:creationId xmlns:a16="http://schemas.microsoft.com/office/drawing/2014/main" id="{9CD025BA-B0A1-4A61-98F7-CD4F74A24AA9}"/>
+              </a:ext>
+            </a:extLst>
+          </p:cNvPr>
+          <p:cNvSpPr/>
+          <p:nvPr/>
+        </p:nvSpPr>
+        <p:spPr>
+          <a:xfrm rot="5632088">
+            <a:off x="2251411" y="4374529"/>
+            <a:ext cx="544490" cy="287577"/>
+          </a:xfrm>
+          <a:prstGeom prst="arc">
+            <a:avLst>
+              <a:gd name="adj1" fmla="val 16432306"/>
+              <a:gd name="adj2" fmla="val 5242819"/>
+            </a:avLst>
+          </a:prstGeom>
+          <a:ln w="1270">
+            <a:headEnd type="none" w="sm" len="sm"/>
+            <a:tailEnd type="triangle" w="sm" len="sm"/>
+          </a:ln>
+        </p:spPr>
+        <p:style>
+          <a:lnRef idx="1">
+            <a:schemeClr val="dk1"/>
+          </a:lnRef>
+          <a:fillRef idx="0">
+            <a:schemeClr val="dk1"/>
+          </a:fillRef>
+          <a:effectRef idx="0">
+            <a:schemeClr val="dk1"/>
+          </a:effectRef>
+          <a:fontRef idx="minor">
+            <a:schemeClr val="tx1"/>
+          </a:fontRef>
+        </p:style>
+        <p:txBody>
+          <a:bodyPr rtlCol="0" anchor="ctr"/>
+          <a:lstStyle/>
+          <a:p>
+            <a:pPr marL="0" marR="0" lvl="0" indent="0" algn="ctr" defTabSz="914400" rtl="0" eaLnBrk="1" fontAlgn="auto" latinLnBrk="0" hangingPunct="1">
+              <a:lnSpc>
+                <a:spcPct val="100000"/>
+              </a:lnSpc>
+              <a:spcBef>
+                <a:spcPts val="0"/>
+              </a:spcBef>
+              <a:spcAft>
+                <a:spcPts val="0"/>
+              </a:spcAft>
+              <a:buClrTx/>
+              <a:buSzTx/>
+              <a:buFontTx/>
+              <a:buNone/>
+              <a:tabLst/>
+              <a:defRPr/>
+            </a:pPr>
+            <a:endParaRPr kumimoji="0" lang="zh-CN" altLang="en-US" sz="1800" b="0" i="0" u="none" strike="noStrike" kern="1200" cap="none" spc="0" normalizeH="0" baseline="0" noProof="0">
+              <a:ln>
+                <a:noFill/>
+              </a:ln>
+              <a:solidFill>
+                <a:prstClr val="black"/>
+              </a:solidFill>
+              <a:effectLst/>
+              <a:uLnTx/>
+              <a:uFillTx/>
+              <a:latin typeface="等线" panose="020F0502020204030204"/>
+              <a:ea typeface="等线" panose="02010600030101010101" pitchFamily="2" charset="-122"/>
+              <a:cs typeface="+mn-cs"/>
+            </a:endParaRPr>
+          </a:p>
+        </p:txBody>
+      </p:sp>
+      <p:sp>
+        <p:nvSpPr>
+          <p:cNvPr id="120" name="矩形 119">
+            <a:extLst>
+              <a:ext uri="{FF2B5EF4-FFF2-40B4-BE49-F238E27FC236}">
+                <a16:creationId xmlns:a16="http://schemas.microsoft.com/office/drawing/2014/main" id="{F44D62B1-E429-4796-8183-A432274F34E3}"/>
+              </a:ext>
+            </a:extLst>
+          </p:cNvPr>
+          <p:cNvSpPr/>
+          <p:nvPr/>
+        </p:nvSpPr>
+        <p:spPr>
+          <a:xfrm>
+            <a:off x="2159120" y="4734344"/>
+            <a:ext cx="830677" cy="246221"/>
+          </a:xfrm>
+          <a:prstGeom prst="rect">
+            <a:avLst/>
+          </a:prstGeom>
+        </p:spPr>
+        <p:txBody>
+          <a:bodyPr wrap="none">
+            <a:spAutoFit/>
+          </a:bodyPr>
+          <a:lstStyle/>
+          <a:p>
+            <a:pPr marL="0" marR="0" lvl="0" indent="0" algn="l" defTabSz="914400" rtl="0" eaLnBrk="1" fontAlgn="auto" latinLnBrk="0" hangingPunct="1">
+              <a:lnSpc>
+                <a:spcPct val="100000"/>
+              </a:lnSpc>
+              <a:spcBef>
+                <a:spcPts val="0"/>
+              </a:spcBef>
+              <a:spcAft>
+                <a:spcPts val="0"/>
+              </a:spcAft>
+              <a:buClrTx/>
+              <a:buSzTx/>
+              <a:buFontTx/>
+              <a:buNone/>
+              <a:tabLst/>
+              <a:defRPr/>
+            </a:pPr>
+            <a:r>
+              <a:rPr kumimoji="0" lang="en-US" altLang="zh-CN" sz="1000" b="0" i="0" u="none" strike="noStrike" kern="1200" cap="none" spc="0" normalizeH="0" baseline="0" noProof="0" dirty="0">
+                <a:ln>
+                  <a:noFill/>
+                </a:ln>
+                <a:solidFill>
+                  <a:prstClr val="black"/>
+                </a:solidFill>
+                <a:effectLst/>
+                <a:uLnTx/>
+                <a:uFillTx/>
+                <a:latin typeface="Times New Roman" panose="02020603050405020304" pitchFamily="18" charset="0"/>
+                <a:ea typeface="等线" panose="02010600030101010101" pitchFamily="2" charset="-122"/>
+                <a:cs typeface="Times New Roman" panose="02020603050405020304" pitchFamily="18" charset="0"/>
+              </a:rPr>
+              <a:t>interact with</a:t>
+            </a:r>
+            <a:endParaRPr kumimoji="0" lang="zh-CN" altLang="en-US" sz="1000" b="0" i="0" u="none" strike="noStrike" kern="1200" cap="none" spc="0" normalizeH="0" baseline="0" noProof="0" dirty="0">
+              <a:ln>
+                <a:noFill/>
+              </a:ln>
+              <a:solidFill>
+                <a:prstClr val="black"/>
+              </a:solidFill>
+              <a:effectLst/>
+              <a:uLnTx/>
+              <a:uFillTx/>
+              <a:latin typeface="等线" panose="020F0502020204030204"/>
+              <a:ea typeface="等线" panose="02010600030101010101" pitchFamily="2" charset="-122"/>
+              <a:cs typeface="+mn-cs"/>
+            </a:endParaRPr>
+          </a:p>
+        </p:txBody>
+      </p:sp>
+      <p:sp>
+        <p:nvSpPr>
+          <p:cNvPr id="121" name="弧形 120">
+            <a:extLst>
+              <a:ext uri="{FF2B5EF4-FFF2-40B4-BE49-F238E27FC236}">
+                <a16:creationId xmlns:a16="http://schemas.microsoft.com/office/drawing/2014/main" id="{9538183F-ECAF-41F8-A12D-67AD4B0008C1}"/>
+              </a:ext>
+            </a:extLst>
+          </p:cNvPr>
+          <p:cNvSpPr/>
+          <p:nvPr/>
+        </p:nvSpPr>
+        <p:spPr>
+          <a:xfrm rot="5632088">
+            <a:off x="4837684" y="4237859"/>
+            <a:ext cx="544490" cy="287577"/>
+          </a:xfrm>
+          <a:prstGeom prst="arc">
+            <a:avLst>
+              <a:gd name="adj1" fmla="val 16432306"/>
+              <a:gd name="adj2" fmla="val 5242819"/>
+            </a:avLst>
+          </a:prstGeom>
+          <a:ln w="1270">
+            <a:headEnd type="none" w="sm" len="sm"/>
+            <a:tailEnd type="triangle" w="sm" len="sm"/>
+          </a:ln>
+        </p:spPr>
+        <p:style>
+          <a:lnRef idx="1">
+            <a:schemeClr val="dk1"/>
+          </a:lnRef>
+          <a:fillRef idx="0">
+            <a:schemeClr val="dk1"/>
+          </a:fillRef>
+          <a:effectRef idx="0">
+            <a:schemeClr val="dk1"/>
+          </a:effectRef>
+          <a:fontRef idx="minor">
+            <a:schemeClr val="tx1"/>
+          </a:fontRef>
+        </p:style>
+        <p:txBody>
+          <a:bodyPr rtlCol="0" anchor="ctr"/>
+          <a:lstStyle/>
+          <a:p>
+            <a:pPr marL="0" marR="0" lvl="0" indent="0" algn="ctr" defTabSz="914400" rtl="0" eaLnBrk="1" fontAlgn="auto" latinLnBrk="0" hangingPunct="1">
+              <a:lnSpc>
+                <a:spcPct val="100000"/>
+              </a:lnSpc>
+              <a:spcBef>
+                <a:spcPts val="0"/>
+              </a:spcBef>
+              <a:spcAft>
+                <a:spcPts val="0"/>
+              </a:spcAft>
+              <a:buClrTx/>
+              <a:buSzTx/>
+              <a:buFontTx/>
+              <a:buNone/>
+              <a:tabLst/>
+              <a:defRPr/>
+            </a:pPr>
+            <a:endParaRPr kumimoji="0" lang="zh-CN" altLang="en-US" sz="1800" b="0" i="0" u="none" strike="noStrike" kern="1200" cap="none" spc="0" normalizeH="0" baseline="0" noProof="0">
+              <a:ln>
+                <a:noFill/>
+              </a:ln>
+              <a:solidFill>
+                <a:prstClr val="black"/>
+              </a:solidFill>
+              <a:effectLst/>
+              <a:uLnTx/>
+              <a:uFillTx/>
+              <a:latin typeface="等线" panose="020F0502020204030204"/>
+              <a:ea typeface="等线" panose="02010600030101010101" pitchFamily="2" charset="-122"/>
+              <a:cs typeface="+mn-cs"/>
+            </a:endParaRPr>
+          </a:p>
+        </p:txBody>
+      </p:sp>
+      <p:pic>
+        <p:nvPicPr>
+          <p:cNvPr id="122" name="图片 121" descr="图片包含 游戏机&#10;&#10;描述已自动生成">
+            <a:extLst>
+              <a:ext uri="{FF2B5EF4-FFF2-40B4-BE49-F238E27FC236}">
+                <a16:creationId xmlns:a16="http://schemas.microsoft.com/office/drawing/2014/main" id="{1D2F7241-DA81-4D4F-8862-BCB9E77C706E}"/>
+              </a:ext>
+            </a:extLst>
+          </p:cNvPr>
+          <p:cNvPicPr>
+            <a:picLocks noChangeAspect="1"/>
+          </p:cNvPicPr>
+          <p:nvPr/>
+        </p:nvPicPr>
+        <p:blipFill rotWithShape="1">
+          <a:blip r:embed="rId12">
+            <a:extLst>
+              <a:ext uri="{28A0092B-C50C-407E-A947-70E740481C1C}">
+                <a14:useLocalDpi xmlns:a14="http://schemas.microsoft.com/office/drawing/2010/main" val="0"/>
+              </a:ext>
+              <a:ext uri="{837473B0-CC2E-450A-ABE3-18F120FF3D39}">
+                <a1611:picAttrSrcUrl xmlns:a1611="http://schemas.microsoft.com/office/drawing/2016/11/main" r:id="rId13"/>
+              </a:ext>
+            </a:extLst>
+          </a:blip>
+          <a:srcRect l="7050" t="21558" r="77167" b="44584"/>
+          <a:stretch/>
+        </p:blipFill>
+        <p:spPr>
+          <a:xfrm>
+            <a:off x="4875985" y="2941771"/>
+            <a:ext cx="331412" cy="371464"/>
+          </a:xfrm>
+          <a:prstGeom prst="rect">
+            <a:avLst/>
+          </a:prstGeom>
+        </p:spPr>
+      </p:pic>
+      <p:cxnSp>
+        <p:nvCxnSpPr>
+          <p:cNvPr id="146" name="直接箭头连接符 145">
+            <a:extLst>
+              <a:ext uri="{FF2B5EF4-FFF2-40B4-BE49-F238E27FC236}">
+                <a16:creationId xmlns:a16="http://schemas.microsoft.com/office/drawing/2014/main" id="{CD2FD77E-B283-4D95-A02F-E8094023526E}"/>
+              </a:ext>
+            </a:extLst>
+          </p:cNvPr>
+          <p:cNvCxnSpPr>
+            <a:cxnSpLocks/>
+            <a:stCxn id="57" idx="3"/>
+          </p:cNvCxnSpPr>
+          <p:nvPr/>
+        </p:nvCxnSpPr>
+        <p:spPr>
+          <a:xfrm>
+            <a:off x="2786953" y="2456321"/>
+            <a:ext cx="1536326" cy="0"/>
+          </a:xfrm>
+          <a:prstGeom prst="straightConnector1">
+            <a:avLst/>
+          </a:prstGeom>
+          <a:ln w="1270">
+            <a:headEnd w="sm" len="sm"/>
+            <a:tailEnd type="triangle" w="sm" len="sm"/>
+          </a:ln>
+        </p:spPr>
+        <p:style>
+          <a:lnRef idx="1">
+            <a:schemeClr val="dk1"/>
+          </a:lnRef>
+          <a:fillRef idx="0">
+            <a:schemeClr val="dk1"/>
+          </a:fillRef>
+          <a:effectRef idx="0">
+            <a:schemeClr val="dk1"/>
+          </a:effectRef>
+          <a:fontRef idx="minor">
+            <a:schemeClr val="tx1"/>
+          </a:fontRef>
+        </p:style>
+      </p:cxnSp>
+      <p:sp>
+        <p:nvSpPr>
+          <p:cNvPr id="131" name="矩形 130">
+            <a:extLst>
+              <a:ext uri="{FF2B5EF4-FFF2-40B4-BE49-F238E27FC236}">
+                <a16:creationId xmlns:a16="http://schemas.microsoft.com/office/drawing/2014/main" id="{2E682883-4AEE-47FB-B574-D9E102989BA0}"/>
+              </a:ext>
+            </a:extLst>
+          </p:cNvPr>
+          <p:cNvSpPr/>
+          <p:nvPr/>
+        </p:nvSpPr>
+        <p:spPr>
+          <a:xfrm>
+            <a:off x="3584567" y="2386431"/>
+            <a:ext cx="413896" cy="246221"/>
+          </a:xfrm>
+          <a:prstGeom prst="rect">
+            <a:avLst/>
+          </a:prstGeom>
+        </p:spPr>
+        <p:txBody>
+          <a:bodyPr wrap="none">
+            <a:spAutoFit/>
+          </a:bodyPr>
+          <a:lstStyle/>
+          <a:p>
+            <a:pPr marL="0" marR="0" lvl="0" indent="0" algn="l" defTabSz="914400" rtl="0" eaLnBrk="1" fontAlgn="auto" latinLnBrk="0" hangingPunct="1">
+              <a:lnSpc>
+                <a:spcPct val="100000"/>
+              </a:lnSpc>
+              <a:spcBef>
+                <a:spcPts val="0"/>
+              </a:spcBef>
+              <a:spcAft>
+                <a:spcPts val="0"/>
+              </a:spcAft>
+              <a:buClrTx/>
+              <a:buSzTx/>
+              <a:buFontTx/>
+              <a:buNone/>
+              <a:tabLst/>
+              <a:defRPr/>
+            </a:pPr>
+            <a:r>
+              <a:rPr kumimoji="0" lang="en-US" altLang="zh-CN" sz="1000" b="0" i="0" u="none" strike="noStrike" kern="1200" cap="none" spc="0" normalizeH="0" baseline="0" noProof="0" dirty="0">
+                <a:ln>
+                  <a:noFill/>
+                </a:ln>
+                <a:solidFill>
+                  <a:prstClr val="black"/>
+                </a:solidFill>
+                <a:effectLst/>
+                <a:uLnTx/>
+                <a:uFillTx/>
+                <a:latin typeface="Times New Roman" panose="02020603050405020304" pitchFamily="18" charset="0"/>
+                <a:ea typeface="等线" panose="02010600030101010101" pitchFamily="2" charset="-122"/>
+                <a:cs typeface="Times New Roman" panose="02020603050405020304" pitchFamily="18" charset="0"/>
+              </a:rPr>
+              <a:t>treat</a:t>
+            </a:r>
+            <a:endParaRPr kumimoji="0" lang="zh-CN" altLang="en-US" sz="1000" b="0" i="0" u="none" strike="noStrike" kern="1200" cap="none" spc="0" normalizeH="0" baseline="0" noProof="0" dirty="0">
+              <a:ln>
+                <a:noFill/>
+              </a:ln>
+              <a:solidFill>
+                <a:prstClr val="black"/>
+              </a:solidFill>
+              <a:effectLst/>
+              <a:uLnTx/>
+              <a:uFillTx/>
+              <a:latin typeface="等线" panose="020F0502020204030204"/>
+              <a:ea typeface="等线" panose="02010600030101010101" pitchFamily="2" charset="-122"/>
+              <a:cs typeface="+mn-cs"/>
+            </a:endParaRPr>
+          </a:p>
+        </p:txBody>
+      </p:sp>
+      <p:cxnSp>
+        <p:nvCxnSpPr>
+          <p:cNvPr id="167" name="直接箭头连接符 166">
+            <a:extLst>
+              <a:ext uri="{FF2B5EF4-FFF2-40B4-BE49-F238E27FC236}">
+                <a16:creationId xmlns:a16="http://schemas.microsoft.com/office/drawing/2014/main" id="{EDAF562C-D55F-4A7E-996D-9456F84C49AC}"/>
+              </a:ext>
+            </a:extLst>
+          </p:cNvPr>
+          <p:cNvCxnSpPr>
+            <a:cxnSpLocks/>
+            <a:stCxn id="57" idx="3"/>
+            <a:endCxn id="122" idx="1"/>
+          </p:cNvCxnSpPr>
+          <p:nvPr/>
+        </p:nvCxnSpPr>
+        <p:spPr>
+          <a:xfrm>
+            <a:off x="2786953" y="2456321"/>
+            <a:ext cx="2089032" cy="671182"/>
+          </a:xfrm>
+          <a:prstGeom prst="straightConnector1">
+            <a:avLst/>
+          </a:prstGeom>
+          <a:ln w="1270">
+            <a:headEnd w="sm" len="sm"/>
+            <a:tailEnd type="triangle" w="sm" len="sm"/>
+          </a:ln>
+        </p:spPr>
+        <p:style>
+          <a:lnRef idx="1">
+            <a:schemeClr val="dk1"/>
+          </a:lnRef>
+          <a:fillRef idx="0">
+            <a:schemeClr val="dk1"/>
+          </a:fillRef>
+          <a:effectRef idx="0">
+            <a:schemeClr val="dk1"/>
+          </a:effectRef>
+          <a:fontRef idx="minor">
+            <a:schemeClr val="tx1"/>
+          </a:fontRef>
+        </p:style>
+      </p:cxnSp>
+      <p:sp>
+        <p:nvSpPr>
+          <p:cNvPr id="171" name="矩形 170">
+            <a:extLst>
+              <a:ext uri="{FF2B5EF4-FFF2-40B4-BE49-F238E27FC236}">
+                <a16:creationId xmlns:a16="http://schemas.microsoft.com/office/drawing/2014/main" id="{4F62777E-ACC2-4F1A-9418-3528A5A4E260}"/>
+              </a:ext>
+            </a:extLst>
+          </p:cNvPr>
+          <p:cNvSpPr/>
+          <p:nvPr/>
+        </p:nvSpPr>
+        <p:spPr>
+          <a:xfrm rot="900000">
+            <a:off x="3638881" y="2721910"/>
+            <a:ext cx="413896" cy="246221"/>
+          </a:xfrm>
+          <a:prstGeom prst="rect">
+            <a:avLst/>
+          </a:prstGeom>
+        </p:spPr>
+        <p:txBody>
+          <a:bodyPr wrap="none">
+            <a:spAutoFit/>
+          </a:bodyPr>
+          <a:lstStyle/>
+          <a:p>
+            <a:pPr marL="0" marR="0" lvl="0" indent="0" algn="l" defTabSz="914400" rtl="0" eaLnBrk="1" fontAlgn="auto" latinLnBrk="0" hangingPunct="1">
+              <a:lnSpc>
+                <a:spcPct val="100000"/>
+              </a:lnSpc>
+              <a:spcBef>
+                <a:spcPts val="0"/>
+              </a:spcBef>
+              <a:spcAft>
+                <a:spcPts val="0"/>
+              </a:spcAft>
+              <a:buClrTx/>
+              <a:buSzTx/>
+              <a:buFontTx/>
+              <a:buNone/>
+              <a:tabLst/>
+              <a:defRPr/>
+            </a:pPr>
+            <a:r>
+              <a:rPr kumimoji="0" lang="en-US" altLang="zh-CN" sz="1000" b="0" i="0" u="none" strike="noStrike" kern="1200" cap="none" spc="0" normalizeH="0" baseline="0" noProof="0" dirty="0">
+                <a:ln>
+                  <a:noFill/>
+                </a:ln>
+                <a:solidFill>
+                  <a:prstClr val="black"/>
+                </a:solidFill>
+                <a:effectLst/>
+                <a:uLnTx/>
+                <a:uFillTx/>
+                <a:latin typeface="Times New Roman" panose="02020603050405020304" pitchFamily="18" charset="0"/>
+                <a:ea typeface="等线" panose="02010600030101010101" pitchFamily="2" charset="-122"/>
+                <a:cs typeface="Times New Roman" panose="02020603050405020304" pitchFamily="18" charset="0"/>
+              </a:rPr>
+              <a:t>treat</a:t>
+            </a:r>
+            <a:endParaRPr kumimoji="0" lang="zh-CN" altLang="en-US" sz="1000" b="0" i="0" u="none" strike="noStrike" kern="1200" cap="none" spc="0" normalizeH="0" baseline="0" noProof="0" dirty="0">
+              <a:ln>
+                <a:noFill/>
+              </a:ln>
+              <a:solidFill>
+                <a:prstClr val="black"/>
+              </a:solidFill>
+              <a:effectLst/>
+              <a:uLnTx/>
+              <a:uFillTx/>
+              <a:latin typeface="等线" panose="020F0502020204030204"/>
+              <a:ea typeface="等线" panose="02010600030101010101" pitchFamily="2" charset="-122"/>
+              <a:cs typeface="+mn-cs"/>
+            </a:endParaRPr>
+          </a:p>
+        </p:txBody>
+      </p:sp>
+      <p:sp>
+        <p:nvSpPr>
+          <p:cNvPr id="5" name="矩形: 圆角 4">
+            <a:extLst>
+              <a:ext uri="{FF2B5EF4-FFF2-40B4-BE49-F238E27FC236}">
+                <a16:creationId xmlns:a16="http://schemas.microsoft.com/office/drawing/2014/main" id="{A63B6C7F-C778-4131-AF96-6EC835DD2005}"/>
+              </a:ext>
+            </a:extLst>
+          </p:cNvPr>
+          <p:cNvSpPr/>
+          <p:nvPr/>
+        </p:nvSpPr>
+        <p:spPr>
+          <a:xfrm>
+            <a:off x="5911246" y="4403723"/>
+            <a:ext cx="874643" cy="287131"/>
+          </a:xfrm>
+          <a:prstGeom prst="roundRect">
+            <a:avLst/>
+          </a:prstGeom>
+          <a:noFill/>
+          <a:ln>
+            <a:noFill/>
+          </a:ln>
+        </p:spPr>
+        <p:style>
+          <a:lnRef idx="2">
+            <a:schemeClr val="accent1">
+              <a:shade val="50000"/>
+            </a:schemeClr>
+          </a:lnRef>
+          <a:fillRef idx="1">
+            <a:schemeClr val="accent1"/>
+          </a:fillRef>
+          <a:effectRef idx="0">
+            <a:schemeClr val="accent1"/>
+          </a:effectRef>
+          <a:fontRef idx="minor">
+            <a:schemeClr val="lt1"/>
+          </a:fontRef>
+        </p:style>
+        <p:txBody>
+          <a:bodyPr rtlCol="0" anchor="ctr"/>
+          <a:lstStyle/>
+          <a:p>
+            <a:pPr marL="0" marR="0" lvl="0" indent="0" algn="ctr" defTabSz="914400" rtl="0" eaLnBrk="1" fontAlgn="auto" latinLnBrk="0" hangingPunct="1">
+              <a:lnSpc>
+                <a:spcPct val="100000"/>
+              </a:lnSpc>
+              <a:spcBef>
+                <a:spcPts val="0"/>
+              </a:spcBef>
+              <a:spcAft>
+                <a:spcPts val="0"/>
+              </a:spcAft>
+              <a:buClrTx/>
+              <a:buSzTx/>
+              <a:buFontTx/>
+              <a:buNone/>
+              <a:tabLst/>
+              <a:defRPr/>
+            </a:pPr>
+            <a:r>
+              <a:rPr kumimoji="0" lang="en-US" altLang="zh-CN" sz="1100" b="0" i="0" u="none" strike="noStrike" kern="1200" cap="none" spc="0" normalizeH="0" baseline="0" noProof="0" dirty="0">
+                <a:ln>
+                  <a:noFill/>
+                </a:ln>
+                <a:solidFill>
+                  <a:prstClr val="black"/>
+                </a:solidFill>
+                <a:effectLst/>
+                <a:uLnTx/>
+                <a:uFillTx/>
+                <a:latin typeface="Times New Roman" panose="02020603050405020304" pitchFamily="18" charset="0"/>
+                <a:ea typeface="等线" panose="02010600030101010101" pitchFamily="2" charset="-122"/>
+                <a:cs typeface="Times New Roman" panose="02020603050405020304" pitchFamily="18" charset="0"/>
+              </a:rPr>
+              <a:t>Host </a:t>
+            </a:r>
+          </a:p>
+          <a:p>
+            <a:pPr marL="0" marR="0" lvl="0" indent="0" algn="ctr" defTabSz="914400" rtl="0" eaLnBrk="1" fontAlgn="auto" latinLnBrk="0" hangingPunct="1">
+              <a:lnSpc>
+                <a:spcPct val="100000"/>
+              </a:lnSpc>
+              <a:spcBef>
+                <a:spcPts val="0"/>
+              </a:spcBef>
+              <a:spcAft>
+                <a:spcPts val="0"/>
+              </a:spcAft>
+              <a:buClrTx/>
+              <a:buSzTx/>
+              <a:buFontTx/>
+              <a:buNone/>
+              <a:tabLst/>
+              <a:defRPr/>
+            </a:pPr>
+            <a:endParaRPr kumimoji="0" lang="zh-CN" altLang="en-US" sz="500" b="0" i="0" u="none" strike="noStrike" kern="1200" cap="none" spc="0" normalizeH="0" baseline="0" noProof="0" dirty="0">
+              <a:ln>
+                <a:noFill/>
+              </a:ln>
+              <a:solidFill>
+                <a:prstClr val="black"/>
+              </a:solidFill>
+              <a:effectLst/>
+              <a:uLnTx/>
+              <a:uFillTx/>
+              <a:latin typeface="Times New Roman" panose="02020603050405020304" pitchFamily="18" charset="0"/>
+              <a:ea typeface="等线" panose="02010600030101010101" pitchFamily="2" charset="-122"/>
+              <a:cs typeface="Times New Roman" panose="02020603050405020304" pitchFamily="18" charset="0"/>
+            </a:endParaRPr>
+          </a:p>
+        </p:txBody>
+      </p:sp>
+      <p:cxnSp>
+        <p:nvCxnSpPr>
+          <p:cNvPr id="214" name="直接箭头连接符 213">
+            <a:extLst>
+              <a:ext uri="{FF2B5EF4-FFF2-40B4-BE49-F238E27FC236}">
+                <a16:creationId xmlns:a16="http://schemas.microsoft.com/office/drawing/2014/main" id="{90B90830-17CE-4B80-A4BA-82C65D3AAADF}"/>
+              </a:ext>
+            </a:extLst>
+          </p:cNvPr>
+          <p:cNvCxnSpPr>
+            <a:cxnSpLocks/>
+            <a:endCxn id="122" idx="0"/>
+          </p:cNvCxnSpPr>
+          <p:nvPr/>
+        </p:nvCxnSpPr>
+        <p:spPr>
+          <a:xfrm>
+            <a:off x="4741859" y="2706420"/>
+            <a:ext cx="299832" cy="235351"/>
+          </a:xfrm>
+          <a:prstGeom prst="straightConnector1">
+            <a:avLst/>
+          </a:prstGeom>
+          <a:ln w="1270">
+            <a:headEnd w="sm" len="sm"/>
+            <a:tailEnd type="triangle" w="sm" len="sm"/>
+          </a:ln>
+        </p:spPr>
+        <p:style>
+          <a:lnRef idx="1">
+            <a:schemeClr val="dk1"/>
+          </a:lnRef>
+          <a:fillRef idx="0">
+            <a:schemeClr val="dk1"/>
+          </a:fillRef>
+          <a:effectRef idx="0">
+            <a:schemeClr val="dk1"/>
+          </a:effectRef>
+          <a:fontRef idx="minor">
+            <a:schemeClr val="tx1"/>
+          </a:fontRef>
+        </p:style>
+      </p:cxnSp>
+      <p:sp>
+        <p:nvSpPr>
+          <p:cNvPr id="22" name="矩形 21">
+            <a:extLst>
+              <a:ext uri="{FF2B5EF4-FFF2-40B4-BE49-F238E27FC236}">
+                <a16:creationId xmlns:a16="http://schemas.microsoft.com/office/drawing/2014/main" id="{D0996119-1BC5-4119-A041-5BA3799A61AA}"/>
+              </a:ext>
+            </a:extLst>
+          </p:cNvPr>
+          <p:cNvSpPr/>
+          <p:nvPr/>
+        </p:nvSpPr>
+        <p:spPr>
+          <a:xfrm rot="2184944">
+            <a:off x="4559265" y="2728213"/>
+            <a:ext cx="530915" cy="246221"/>
+          </a:xfrm>
+          <a:prstGeom prst="rect">
+            <a:avLst/>
+          </a:prstGeom>
+        </p:spPr>
+        <p:txBody>
+          <a:bodyPr wrap="none">
+            <a:spAutoFit/>
+          </a:bodyPr>
+          <a:lstStyle/>
+          <a:p>
+            <a:pPr marL="0" marR="0" lvl="0" indent="0" algn="l" defTabSz="914400" rtl="0" eaLnBrk="1" fontAlgn="auto" latinLnBrk="0" hangingPunct="1">
+              <a:lnSpc>
+                <a:spcPct val="100000"/>
+              </a:lnSpc>
+              <a:spcBef>
+                <a:spcPts val="0"/>
+              </a:spcBef>
+              <a:spcAft>
+                <a:spcPts val="0"/>
+              </a:spcAft>
+              <a:buClrTx/>
+              <a:buSzTx/>
+              <a:buFontTx/>
+              <a:buNone/>
+              <a:tabLst/>
+              <a:defRPr/>
+            </a:pPr>
+            <a:r>
+              <a:rPr kumimoji="0" lang="en-US" altLang="zh-CN" sz="1000" b="0" i="0" u="none" strike="noStrike" kern="1200" cap="none" spc="0" normalizeH="0" baseline="0" noProof="0" dirty="0">
+                <a:ln>
+                  <a:noFill/>
+                </a:ln>
+                <a:solidFill>
+                  <a:prstClr val="black"/>
+                </a:solidFill>
+                <a:effectLst/>
+                <a:uLnTx/>
+                <a:uFillTx/>
+                <a:latin typeface="Times New Roman" panose="02020603050405020304" pitchFamily="18" charset="0"/>
+                <a:ea typeface="等线" panose="02010600030101010101" pitchFamily="2" charset="-122"/>
+                <a:cs typeface="Times New Roman" panose="02020603050405020304" pitchFamily="18" charset="0"/>
+              </a:rPr>
+              <a:t>lead to</a:t>
+            </a:r>
+            <a:endParaRPr kumimoji="0" lang="zh-CN" altLang="en-US" sz="1000" b="0" i="0" u="none" strike="noStrike" kern="1200" cap="none" spc="0" normalizeH="0" baseline="0" noProof="0" dirty="0">
+              <a:ln>
+                <a:noFill/>
+              </a:ln>
+              <a:solidFill>
+                <a:prstClr val="black"/>
+              </a:solidFill>
+              <a:effectLst/>
+              <a:uLnTx/>
+              <a:uFillTx/>
+              <a:latin typeface="Times New Roman" panose="02020603050405020304" pitchFamily="18" charset="0"/>
+              <a:ea typeface="等线" panose="02010600030101010101" pitchFamily="2" charset="-122"/>
+              <a:cs typeface="Times New Roman" panose="02020603050405020304" pitchFamily="18" charset="0"/>
+            </a:endParaRPr>
+          </a:p>
+        </p:txBody>
+      </p:sp>
+      <p:sp>
+        <p:nvSpPr>
+          <p:cNvPr id="84" name="矩形 83">
+            <a:extLst>
+              <a:ext uri="{FF2B5EF4-FFF2-40B4-BE49-F238E27FC236}">
+                <a16:creationId xmlns:a16="http://schemas.microsoft.com/office/drawing/2014/main" id="{54F52D41-5382-48F8-A865-AE275D22F95A}"/>
+              </a:ext>
+            </a:extLst>
+          </p:cNvPr>
+          <p:cNvSpPr/>
+          <p:nvPr/>
+        </p:nvSpPr>
+        <p:spPr>
+          <a:xfrm>
+            <a:off x="5234619" y="3338012"/>
+            <a:ext cx="909223" cy="246221"/>
+          </a:xfrm>
+          <a:prstGeom prst="rect">
+            <a:avLst/>
+          </a:prstGeom>
+        </p:spPr>
+        <p:txBody>
+          <a:bodyPr wrap="none">
+            <a:spAutoFit/>
+          </a:bodyPr>
+          <a:lstStyle/>
+          <a:p>
+            <a:pPr marL="0" marR="0" lvl="0" indent="0" algn="l" defTabSz="914400" rtl="0" eaLnBrk="1" fontAlgn="auto" latinLnBrk="0" hangingPunct="1">
+              <a:lnSpc>
+                <a:spcPct val="100000"/>
+              </a:lnSpc>
+              <a:spcBef>
+                <a:spcPts val="0"/>
+              </a:spcBef>
+              <a:spcAft>
+                <a:spcPts val="0"/>
+              </a:spcAft>
+              <a:buClrTx/>
+              <a:buSzTx/>
+              <a:buFontTx/>
+              <a:buNone/>
+              <a:tabLst/>
+              <a:defRPr/>
+            </a:pPr>
+            <a:r>
+              <a:rPr kumimoji="0" lang="en-US" altLang="zh-CN" sz="1000" b="0" i="0" u="none" strike="noStrike" kern="1200" cap="none" spc="0" normalizeH="0" baseline="0" noProof="0" dirty="0">
+                <a:ln>
+                  <a:noFill/>
+                </a:ln>
+                <a:solidFill>
+                  <a:prstClr val="black"/>
+                </a:solidFill>
+                <a:effectLst/>
+                <a:uLnTx/>
+                <a:uFillTx/>
+                <a:latin typeface="Times New Roman" panose="02020603050405020304" pitchFamily="18" charset="0"/>
+                <a:ea typeface="等线" panose="02010600030101010101" pitchFamily="2" charset="-122"/>
+                <a:cs typeface="Times New Roman" panose="02020603050405020304" pitchFamily="18" charset="0"/>
+              </a:rPr>
+              <a:t>associate with</a:t>
+            </a:r>
+            <a:endParaRPr kumimoji="0" lang="zh-CN" altLang="en-US" sz="1000" b="0" i="0" u="none" strike="noStrike" kern="1200" cap="none" spc="0" normalizeH="0" baseline="0" noProof="0" dirty="0">
+              <a:ln>
+                <a:noFill/>
+              </a:ln>
+              <a:solidFill>
+                <a:prstClr val="black"/>
+              </a:solidFill>
+              <a:effectLst/>
+              <a:uLnTx/>
+              <a:uFillTx/>
+              <a:latin typeface="等线" panose="020F0502020204030204"/>
+              <a:ea typeface="等线" panose="02010600030101010101" pitchFamily="2" charset="-122"/>
+              <a:cs typeface="+mn-cs"/>
+            </a:endParaRPr>
+          </a:p>
+        </p:txBody>
+      </p:sp>
+      <p:cxnSp>
+        <p:nvCxnSpPr>
+          <p:cNvPr id="219" name="直接箭头连接符 218">
+            <a:extLst>
+              <a:ext uri="{FF2B5EF4-FFF2-40B4-BE49-F238E27FC236}">
+                <a16:creationId xmlns:a16="http://schemas.microsoft.com/office/drawing/2014/main" id="{EAA189CB-A5BD-4F79-B458-8268A8DD4004}"/>
+              </a:ext>
+            </a:extLst>
+          </p:cNvPr>
+          <p:cNvCxnSpPr>
+            <a:cxnSpLocks/>
+            <a:endCxn id="81" idx="0"/>
+          </p:cNvCxnSpPr>
+          <p:nvPr/>
+        </p:nvCxnSpPr>
+        <p:spPr>
+          <a:xfrm>
+            <a:off x="6361925" y="3704118"/>
+            <a:ext cx="8867" cy="378190"/>
+          </a:xfrm>
+          <a:prstGeom prst="straightConnector1">
+            <a:avLst/>
+          </a:prstGeom>
+          <a:ln w="1270">
+            <a:headEnd w="sm" len="sm"/>
+            <a:tailEnd type="triangle" w="sm" len="sm"/>
+          </a:ln>
+        </p:spPr>
+        <p:style>
+          <a:lnRef idx="1">
+            <a:schemeClr val="dk1"/>
+          </a:lnRef>
+          <a:fillRef idx="0">
+            <a:schemeClr val="dk1"/>
+          </a:fillRef>
+          <a:effectRef idx="0">
+            <a:schemeClr val="dk1"/>
+          </a:effectRef>
+          <a:fontRef idx="minor">
+            <a:schemeClr val="tx1"/>
+          </a:fontRef>
+        </p:style>
+      </p:cxnSp>
+      <p:sp>
+        <p:nvSpPr>
+          <p:cNvPr id="223" name="矩形 222">
+            <a:extLst>
+              <a:ext uri="{FF2B5EF4-FFF2-40B4-BE49-F238E27FC236}">
+                <a16:creationId xmlns:a16="http://schemas.microsoft.com/office/drawing/2014/main" id="{67BCFB36-AC6B-42F2-A56B-FD13883C4543}"/>
+              </a:ext>
+            </a:extLst>
+          </p:cNvPr>
+          <p:cNvSpPr/>
+          <p:nvPr/>
+        </p:nvSpPr>
+        <p:spPr>
+          <a:xfrm rot="5400000">
+            <a:off x="6213154" y="3781219"/>
+            <a:ext cx="514885" cy="246221"/>
+          </a:xfrm>
+          <a:prstGeom prst="rect">
+            <a:avLst/>
+          </a:prstGeom>
+        </p:spPr>
+        <p:txBody>
+          <a:bodyPr wrap="none">
+            <a:spAutoFit/>
+          </a:bodyPr>
+          <a:lstStyle/>
+          <a:p>
+            <a:pPr marL="0" marR="0" lvl="0" indent="0" algn="l" defTabSz="914400" rtl="0" eaLnBrk="1" fontAlgn="auto" latinLnBrk="0" hangingPunct="1">
+              <a:lnSpc>
+                <a:spcPct val="100000"/>
+              </a:lnSpc>
+              <a:spcBef>
+                <a:spcPts val="0"/>
+              </a:spcBef>
+              <a:spcAft>
+                <a:spcPts val="0"/>
+              </a:spcAft>
+              <a:buClrTx/>
+              <a:buSzTx/>
+              <a:buFontTx/>
+              <a:buNone/>
+              <a:tabLst/>
+              <a:defRPr/>
+            </a:pPr>
+            <a:r>
+              <a:rPr kumimoji="0" lang="en-US" altLang="zh-CN" sz="1000" b="0" i="0" u="none" strike="noStrike" kern="1200" cap="none" spc="0" normalizeH="0" baseline="0" noProof="0" dirty="0">
+                <a:ln>
+                  <a:noFill/>
+                </a:ln>
+                <a:solidFill>
+                  <a:prstClr val="black"/>
+                </a:solidFill>
+                <a:effectLst/>
+                <a:uLnTx/>
+                <a:uFillTx/>
+                <a:latin typeface="Times New Roman" panose="02020603050405020304" pitchFamily="18" charset="0"/>
+                <a:ea typeface="等线" panose="02010600030101010101" pitchFamily="2" charset="-122"/>
+                <a:cs typeface="Times New Roman" panose="02020603050405020304" pitchFamily="18" charset="0"/>
+              </a:rPr>
+              <a:t>host is</a:t>
+            </a:r>
+            <a:endParaRPr kumimoji="0" lang="zh-CN" altLang="en-US" sz="1000" b="0" i="0" u="none" strike="noStrike" kern="1200" cap="none" spc="0" normalizeH="0" baseline="0" noProof="0" dirty="0">
+              <a:ln>
+                <a:noFill/>
+              </a:ln>
+              <a:solidFill>
+                <a:prstClr val="black"/>
+              </a:solidFill>
+              <a:effectLst/>
+              <a:uLnTx/>
+              <a:uFillTx/>
+              <a:latin typeface="等线" panose="020F0502020204030204"/>
+              <a:ea typeface="等线" panose="02010600030101010101" pitchFamily="2" charset="-122"/>
+              <a:cs typeface="+mn-cs"/>
+            </a:endParaRPr>
+          </a:p>
+        </p:txBody>
+      </p:sp>
+      <p:sp>
+        <p:nvSpPr>
+          <p:cNvPr id="60" name="弧形 59">
+            <a:extLst>
+              <a:ext uri="{FF2B5EF4-FFF2-40B4-BE49-F238E27FC236}">
+                <a16:creationId xmlns:a16="http://schemas.microsoft.com/office/drawing/2014/main" id="{1F6BC7A9-E50C-4438-961D-C66A78630B74}"/>
+              </a:ext>
+            </a:extLst>
+          </p:cNvPr>
+          <p:cNvSpPr/>
+          <p:nvPr/>
+        </p:nvSpPr>
+        <p:spPr>
+          <a:xfrm rot="13074738">
+            <a:off x="3200090" y="3154179"/>
+            <a:ext cx="544490" cy="287577"/>
+          </a:xfrm>
+          <a:prstGeom prst="arc">
+            <a:avLst>
+              <a:gd name="adj1" fmla="val 16432306"/>
+              <a:gd name="adj2" fmla="val 5242819"/>
+            </a:avLst>
+          </a:prstGeom>
+          <a:ln w="1270">
+            <a:headEnd type="none" w="sm" len="sm"/>
+            <a:tailEnd type="triangle" w="sm" len="sm"/>
+          </a:ln>
+        </p:spPr>
+        <p:style>
+          <a:lnRef idx="1">
+            <a:schemeClr val="dk1"/>
+          </a:lnRef>
+          <a:fillRef idx="0">
+            <a:schemeClr val="dk1"/>
+          </a:fillRef>
+          <a:effectRef idx="0">
+            <a:schemeClr val="dk1"/>
+          </a:effectRef>
+          <a:fontRef idx="minor">
+            <a:schemeClr val="tx1"/>
+          </a:fontRef>
+        </p:style>
+        <p:txBody>
+          <a:bodyPr rtlCol="0" anchor="ctr"/>
+          <a:lstStyle/>
+          <a:p>
+            <a:pPr marL="0" marR="0" lvl="0" indent="0" algn="ctr" defTabSz="914400" rtl="0" eaLnBrk="1" fontAlgn="auto" latinLnBrk="0" hangingPunct="1">
+              <a:lnSpc>
+                <a:spcPct val="100000"/>
+              </a:lnSpc>
+              <a:spcBef>
+                <a:spcPts val="0"/>
+              </a:spcBef>
+              <a:spcAft>
+                <a:spcPts val="0"/>
+              </a:spcAft>
+              <a:buClrTx/>
+              <a:buSzTx/>
+              <a:buFontTx/>
+              <a:buNone/>
+              <a:tabLst/>
+              <a:defRPr/>
+            </a:pPr>
+            <a:endParaRPr kumimoji="0" lang="zh-CN" altLang="en-US" sz="1800" b="0" i="0" u="none" strike="noStrike" kern="1200" cap="none" spc="0" normalizeH="0" baseline="0" noProof="0">
+              <a:ln>
+                <a:noFill/>
+              </a:ln>
+              <a:solidFill>
+                <a:prstClr val="black"/>
+              </a:solidFill>
+              <a:effectLst/>
+              <a:uLnTx/>
+              <a:uFillTx/>
+              <a:latin typeface="等线" panose="020F0502020204030204"/>
+              <a:ea typeface="等线" panose="02010600030101010101" pitchFamily="2" charset="-122"/>
+              <a:cs typeface="+mn-cs"/>
+            </a:endParaRPr>
+          </a:p>
+        </p:txBody>
+      </p:sp>
+      <p:sp>
+        <p:nvSpPr>
+          <p:cNvPr id="2" name="矩形 1">
+            <a:extLst>
+              <a:ext uri="{FF2B5EF4-FFF2-40B4-BE49-F238E27FC236}">
+                <a16:creationId xmlns:a16="http://schemas.microsoft.com/office/drawing/2014/main" id="{42E1BC2B-5539-472C-99EB-8F53B1186918}"/>
+              </a:ext>
+            </a:extLst>
+          </p:cNvPr>
+          <p:cNvSpPr/>
+          <p:nvPr/>
+        </p:nvSpPr>
+        <p:spPr>
+          <a:xfrm rot="17723806">
+            <a:off x="2857710" y="2873042"/>
+            <a:ext cx="534121" cy="400110"/>
+          </a:xfrm>
+          <a:prstGeom prst="rect">
+            <a:avLst/>
+          </a:prstGeom>
+        </p:spPr>
+        <p:txBody>
+          <a:bodyPr wrap="none">
+            <a:spAutoFit/>
+          </a:bodyPr>
+          <a:lstStyle/>
+          <a:p>
+            <a:pPr marL="0" marR="0" lvl="0" indent="0" algn="l" defTabSz="914400" rtl="0" eaLnBrk="1" fontAlgn="auto" latinLnBrk="0" hangingPunct="1">
+              <a:lnSpc>
+                <a:spcPct val="100000"/>
+              </a:lnSpc>
+              <a:spcBef>
+                <a:spcPts val="0"/>
+              </a:spcBef>
+              <a:spcAft>
+                <a:spcPts val="0"/>
+              </a:spcAft>
+              <a:buClrTx/>
+              <a:buSzTx/>
+              <a:buFontTx/>
+              <a:buNone/>
+              <a:tabLst/>
+              <a:defRPr/>
+            </a:pPr>
+            <a:r>
+              <a:rPr kumimoji="0" lang="en-US" altLang="zh-CN" sz="1000" b="0" i="0" u="none" strike="noStrike" kern="1200" cap="none" spc="0" normalizeH="0" baseline="0" noProof="0" dirty="0">
+                <a:ln>
+                  <a:noFill/>
+                </a:ln>
+                <a:solidFill>
+                  <a:prstClr val="black"/>
+                </a:solidFill>
+                <a:effectLst/>
+                <a:uLnTx/>
+                <a:uFillTx/>
+                <a:latin typeface="Times New Roman" panose="02020603050405020304" pitchFamily="18" charset="0"/>
+                <a:ea typeface="等线" panose="02010600030101010101" pitchFamily="2" charset="-122"/>
+                <a:cs typeface="Times New Roman" panose="02020603050405020304" pitchFamily="18" charset="0"/>
+              </a:rPr>
+              <a:t>mutate</a:t>
+            </a:r>
+          </a:p>
+          <a:p>
+            <a:pPr marL="0" marR="0" lvl="0" indent="0" algn="ctr" defTabSz="914400" rtl="0" eaLnBrk="1" fontAlgn="auto" latinLnBrk="0" hangingPunct="1">
+              <a:lnSpc>
+                <a:spcPct val="100000"/>
+              </a:lnSpc>
+              <a:spcBef>
+                <a:spcPts val="0"/>
+              </a:spcBef>
+              <a:spcAft>
+                <a:spcPts val="0"/>
+              </a:spcAft>
+              <a:buClrTx/>
+              <a:buSzTx/>
+              <a:buFontTx/>
+              <a:buNone/>
+              <a:tabLst/>
+              <a:defRPr/>
+            </a:pPr>
+            <a:r>
+              <a:rPr kumimoji="0" lang="en-US" altLang="zh-CN" sz="1000" b="0" i="0" u="none" strike="noStrike" kern="1200" cap="none" spc="0" normalizeH="0" baseline="0" noProof="0" dirty="0">
+                <a:ln>
+                  <a:noFill/>
+                </a:ln>
+                <a:solidFill>
+                  <a:prstClr val="black"/>
+                </a:solidFill>
+                <a:effectLst/>
+                <a:uLnTx/>
+                <a:uFillTx/>
+                <a:latin typeface="Times New Roman" panose="02020603050405020304" pitchFamily="18" charset="0"/>
+                <a:ea typeface="等线" panose="02010600030101010101" pitchFamily="2" charset="-122"/>
+                <a:cs typeface="Times New Roman" panose="02020603050405020304" pitchFamily="18" charset="0"/>
+              </a:rPr>
+              <a:t>from</a:t>
+            </a:r>
+            <a:endParaRPr kumimoji="0" lang="zh-CN" altLang="en-US" sz="1000" b="0" i="0" u="none" strike="noStrike" kern="1200" cap="none" spc="0" normalizeH="0" baseline="0" noProof="0" dirty="0">
+              <a:ln>
+                <a:noFill/>
+              </a:ln>
+              <a:solidFill>
+                <a:prstClr val="black"/>
+              </a:solidFill>
+              <a:effectLst/>
+              <a:uLnTx/>
+              <a:uFillTx/>
+              <a:latin typeface="等线" panose="020F0502020204030204"/>
+              <a:ea typeface="等线" panose="02010600030101010101" pitchFamily="2" charset="-122"/>
+              <a:cs typeface="+mn-cs"/>
+            </a:endParaRPr>
+          </a:p>
+        </p:txBody>
+      </p:sp>
+      <p:graphicFrame>
+        <p:nvGraphicFramePr>
+          <p:cNvPr id="27" name="表格 26">
+            <a:extLst>
+              <a:ext uri="{FF2B5EF4-FFF2-40B4-BE49-F238E27FC236}">
+                <a16:creationId xmlns:a16="http://schemas.microsoft.com/office/drawing/2014/main" id="{27213DC0-6383-4386-8E47-1FB889E7C2B0}"/>
+              </a:ext>
+            </a:extLst>
+          </p:cNvPr>
+          <p:cNvGraphicFramePr>
+            <a:graphicFrameLocks noGrp="1"/>
+          </p:cNvGraphicFramePr>
+          <p:nvPr>
+            <p:extLst>
+              <p:ext uri="{D42A27DB-BD31-4B8C-83A1-F6EECF244321}">
+                <p14:modId xmlns:p14="http://schemas.microsoft.com/office/powerpoint/2010/main" val="198498378"/>
+              </p:ext>
+            </p:extLst>
+          </p:nvPr>
+        </p:nvGraphicFramePr>
+        <p:xfrm>
+          <a:off x="7344526" y="2072231"/>
+          <a:ext cx="2997200" cy="3200400"/>
+        </p:xfrm>
+        <a:graphic>
+          <a:graphicData uri="http://schemas.openxmlformats.org/drawingml/2006/table">
+            <a:tbl>
+              <a:tblPr>
+                <a:tableStyleId>{5940675A-B579-460E-94D1-54222C63F5DA}</a:tableStyleId>
+              </a:tblPr>
+              <a:tblGrid>
+                <a:gridCol w="1676400">
+                  <a:extLst>
+                    <a:ext uri="{9D8B030D-6E8A-4147-A177-3AD203B41FA5}">
+                      <a16:colId xmlns:a16="http://schemas.microsoft.com/office/drawing/2014/main" val="1263478588"/>
+                    </a:ext>
+                  </a:extLst>
+                </a:gridCol>
+                <a:gridCol w="660400">
+                  <a:extLst>
+                    <a:ext uri="{9D8B030D-6E8A-4147-A177-3AD203B41FA5}">
+                      <a16:colId xmlns:a16="http://schemas.microsoft.com/office/drawing/2014/main" val="1499156560"/>
+                    </a:ext>
+                  </a:extLst>
+                </a:gridCol>
+                <a:gridCol w="660400">
+                  <a:extLst>
+                    <a:ext uri="{9D8B030D-6E8A-4147-A177-3AD203B41FA5}">
+                      <a16:colId xmlns:a16="http://schemas.microsoft.com/office/drawing/2014/main" val="3389607679"/>
+                    </a:ext>
+                  </a:extLst>
+                </a:gridCol>
+              </a:tblGrid>
+              <a:tr h="177800">
+                <a:tc>
+                  <a:txBody>
+                    <a:bodyPr/>
+                    <a:lstStyle/>
+                    <a:p>
+                      <a:pPr algn="ctr" fontAlgn="ctr"/>
+                      <a:r>
+                        <a:rPr lang="en-US" sz="1100" b="1" u="none" strike="noStrike" dirty="0">
+                          <a:effectLst/>
+                        </a:rPr>
+                        <a:t>Edges</a:t>
+                      </a:r>
+                      <a:endParaRPr lang="en-US" sz="1100" b="1" i="0" u="none" strike="noStrike" dirty="0">
+                        <a:solidFill>
+                          <a:srgbClr val="000000"/>
+                        </a:solidFill>
+                        <a:effectLst/>
+                        <a:latin typeface="等线" panose="02010600030101010101" pitchFamily="2" charset="-122"/>
+                        <a:ea typeface="等线" panose="02010600030101010101" pitchFamily="2" charset="-122"/>
+                      </a:endParaRPr>
+                    </a:p>
+                  </a:txBody>
+                  <a:tcPr marL="6350" marR="6350" marT="6350" marB="0" anchor="ctr"/>
+                </a:tc>
+                <a:tc>
+                  <a:txBody>
+                    <a:bodyPr/>
+                    <a:lstStyle/>
+                    <a:p>
+                      <a:pPr algn="ctr" fontAlgn="ctr"/>
+                      <a:r>
+                        <a:rPr lang="en-US" sz="1100" b="1" u="none" strike="noStrike" dirty="0">
+                          <a:effectLst/>
+                        </a:rPr>
+                        <a:t>Dataset1</a:t>
+                      </a:r>
+                      <a:endParaRPr lang="en-US" sz="1100" b="1" i="0" u="none" strike="noStrike" dirty="0">
+                        <a:solidFill>
+                          <a:srgbClr val="000000"/>
+                        </a:solidFill>
+                        <a:effectLst/>
+                        <a:latin typeface="等线" panose="02010600030101010101" pitchFamily="2" charset="-122"/>
+                        <a:ea typeface="等线" panose="02010600030101010101" pitchFamily="2" charset="-122"/>
+                      </a:endParaRPr>
+                    </a:p>
+                  </a:txBody>
+                  <a:tcPr marL="6350" marR="6350" marT="6350" marB="0" anchor="ctr"/>
+                </a:tc>
+                <a:tc>
+                  <a:txBody>
+                    <a:bodyPr/>
+                    <a:lstStyle/>
+                    <a:p>
+                      <a:pPr algn="ctr" fontAlgn="ctr"/>
+                      <a:r>
+                        <a:rPr lang="en-US" sz="1100" b="1" u="none" strike="noStrike" dirty="0">
+                          <a:effectLst/>
+                        </a:rPr>
+                        <a:t>Dataset2</a:t>
+                      </a:r>
+                      <a:endParaRPr lang="en-US" sz="1100" b="1" i="0" u="none" strike="noStrike" dirty="0">
+                        <a:solidFill>
+                          <a:srgbClr val="000000"/>
+                        </a:solidFill>
+                        <a:effectLst/>
+                        <a:latin typeface="等线" panose="02010600030101010101" pitchFamily="2" charset="-122"/>
+                        <a:ea typeface="等线" panose="02010600030101010101" pitchFamily="2" charset="-122"/>
+                      </a:endParaRPr>
+                    </a:p>
+                  </a:txBody>
+                  <a:tcPr marL="6350" marR="6350" marT="6350" marB="0" anchor="ctr"/>
+                </a:tc>
+                <a:extLst>
+                  <a:ext uri="{0D108BD9-81ED-4DB2-BD59-A6C34878D82A}">
+                    <a16:rowId xmlns:a16="http://schemas.microsoft.com/office/drawing/2014/main" val="632797871"/>
+                  </a:ext>
+                </a:extLst>
+              </a:tr>
+              <a:tr h="177800">
+                <a:tc>
+                  <a:txBody>
+                    <a:bodyPr/>
+                    <a:lstStyle/>
+                    <a:p>
+                      <a:pPr algn="ctr" fontAlgn="ctr"/>
+                      <a:r>
+                        <a:rPr lang="en-US" sz="1100" u="none" strike="noStrike">
+                          <a:effectLst/>
+                        </a:rPr>
+                        <a:t>drug_virus</a:t>
+                      </a:r>
+                      <a:endParaRPr lang="en-US" sz="1100" b="0" i="0" u="none" strike="noStrike">
+                        <a:solidFill>
+                          <a:srgbClr val="000000"/>
+                        </a:solidFill>
+                        <a:effectLst/>
+                        <a:latin typeface="等线" panose="02010600030101010101" pitchFamily="2" charset="-122"/>
+                        <a:ea typeface="等线" panose="02010600030101010101" pitchFamily="2" charset="-122"/>
+                      </a:endParaRPr>
+                    </a:p>
+                  </a:txBody>
+                  <a:tcPr marL="6350" marR="6350" marT="6350" marB="0" anchor="ctr"/>
+                </a:tc>
+                <a:tc>
+                  <a:txBody>
+                    <a:bodyPr/>
+                    <a:lstStyle/>
+                    <a:p>
+                      <a:pPr algn="ctr" fontAlgn="ctr"/>
+                      <a:r>
+                        <a:rPr lang="en-US" sz="1100" u="none" strike="noStrike">
+                          <a:effectLst/>
+                        </a:rPr>
+                        <a:t>OpenKG</a:t>
+                      </a:r>
+                      <a:endParaRPr lang="en-US" sz="1100" b="0" i="0" u="none" strike="noStrike">
+                        <a:solidFill>
+                          <a:srgbClr val="000000"/>
+                        </a:solidFill>
+                        <a:effectLst/>
+                        <a:latin typeface="等线" panose="02010600030101010101" pitchFamily="2" charset="-122"/>
+                        <a:ea typeface="等线" panose="02010600030101010101" pitchFamily="2" charset="-122"/>
+                      </a:endParaRPr>
+                    </a:p>
+                  </a:txBody>
+                  <a:tcPr marL="6350" marR="6350" marT="6350" marB="0" anchor="ctr"/>
+                </a:tc>
+                <a:tc>
+                  <a:txBody>
+                    <a:bodyPr/>
+                    <a:lstStyle/>
+                    <a:p>
+                      <a:pPr algn="ctr" fontAlgn="ctr"/>
+                      <a:r>
+                        <a:rPr lang="en-US" sz="1100" u="none" strike="noStrike">
+                          <a:effectLst/>
+                        </a:rPr>
+                        <a:t>Literature</a:t>
+                      </a:r>
+                      <a:endParaRPr lang="en-US" sz="1100" b="0" i="0" u="none" strike="noStrike">
+                        <a:solidFill>
+                          <a:srgbClr val="000000"/>
+                        </a:solidFill>
+                        <a:effectLst/>
+                        <a:latin typeface="等线" panose="02010600030101010101" pitchFamily="2" charset="-122"/>
+                        <a:ea typeface="等线" panose="02010600030101010101" pitchFamily="2" charset="-122"/>
+                      </a:endParaRPr>
+                    </a:p>
+                  </a:txBody>
+                  <a:tcPr marL="6350" marR="6350" marT="6350" marB="0" anchor="ctr"/>
+                </a:tc>
+                <a:extLst>
+                  <a:ext uri="{0D108BD9-81ED-4DB2-BD59-A6C34878D82A}">
+                    <a16:rowId xmlns:a16="http://schemas.microsoft.com/office/drawing/2014/main" val="1123286302"/>
+                  </a:ext>
+                </a:extLst>
+              </a:tr>
+              <a:tr h="177800">
+                <a:tc>
+                  <a:txBody>
+                    <a:bodyPr/>
+                    <a:lstStyle/>
+                    <a:p>
+                      <a:pPr algn="ctr" fontAlgn="ctr"/>
+                      <a:r>
+                        <a:rPr lang="en-US" sz="1100" u="none" strike="noStrike">
+                          <a:effectLst/>
+                        </a:rPr>
+                        <a:t>drug_virusprotein</a:t>
+                      </a:r>
+                      <a:endParaRPr lang="en-US" sz="1100" b="0" i="0" u="none" strike="noStrike">
+                        <a:solidFill>
+                          <a:srgbClr val="000000"/>
+                        </a:solidFill>
+                        <a:effectLst/>
+                        <a:latin typeface="等线" panose="02010600030101010101" pitchFamily="2" charset="-122"/>
+                        <a:ea typeface="等线" panose="02010600030101010101" pitchFamily="2" charset="-122"/>
+                      </a:endParaRPr>
+                    </a:p>
+                  </a:txBody>
+                  <a:tcPr marL="6350" marR="6350" marT="6350" marB="0" anchor="ctr"/>
+                </a:tc>
+                <a:tc>
+                  <a:txBody>
+                    <a:bodyPr/>
+                    <a:lstStyle/>
+                    <a:p>
+                      <a:pPr algn="ctr" fontAlgn="ctr"/>
+                      <a:r>
+                        <a:rPr lang="en-US" sz="1100" u="none" strike="noStrike">
+                          <a:effectLst/>
+                        </a:rPr>
+                        <a:t>OpenKG</a:t>
+                      </a:r>
+                      <a:endParaRPr lang="en-US" sz="1100" b="0" i="0" u="none" strike="noStrike">
+                        <a:solidFill>
+                          <a:srgbClr val="000000"/>
+                        </a:solidFill>
+                        <a:effectLst/>
+                        <a:latin typeface="等线" panose="02010600030101010101" pitchFamily="2" charset="-122"/>
+                        <a:ea typeface="等线" panose="02010600030101010101" pitchFamily="2" charset="-122"/>
+                      </a:endParaRPr>
+                    </a:p>
+                  </a:txBody>
+                  <a:tcPr marL="6350" marR="6350" marT="6350" marB="0" anchor="ctr"/>
+                </a:tc>
+                <a:tc>
+                  <a:txBody>
+                    <a:bodyPr/>
+                    <a:lstStyle/>
+                    <a:p>
+                      <a:pPr algn="ctr" fontAlgn="ctr"/>
+                      <a:r>
+                        <a:rPr lang="zh-CN" altLang="en-US" sz="1100" u="none" strike="noStrike">
+                          <a:effectLst/>
+                        </a:rPr>
+                        <a:t>　</a:t>
+                      </a:r>
+                      <a:endParaRPr lang="zh-CN" altLang="en-US" sz="1100" b="0" i="0" u="none" strike="noStrike">
+                        <a:solidFill>
+                          <a:srgbClr val="000000"/>
+                        </a:solidFill>
+                        <a:effectLst/>
+                        <a:latin typeface="等线" panose="02010600030101010101" pitchFamily="2" charset="-122"/>
+                        <a:ea typeface="等线" panose="02010600030101010101" pitchFamily="2" charset="-122"/>
+                      </a:endParaRPr>
+                    </a:p>
+                  </a:txBody>
+                  <a:tcPr marL="6350" marR="6350" marT="6350" marB="0" anchor="ctr"/>
+                </a:tc>
+                <a:extLst>
+                  <a:ext uri="{0D108BD9-81ED-4DB2-BD59-A6C34878D82A}">
+                    <a16:rowId xmlns:a16="http://schemas.microsoft.com/office/drawing/2014/main" val="3236997274"/>
+                  </a:ext>
+                </a:extLst>
+              </a:tr>
+              <a:tr h="177800">
+                <a:tc>
+                  <a:txBody>
+                    <a:bodyPr/>
+                    <a:lstStyle/>
+                    <a:p>
+                      <a:pPr algn="ctr" fontAlgn="ctr"/>
+                      <a:r>
+                        <a:rPr lang="en-US" sz="1100" u="none" strike="noStrike">
+                          <a:effectLst/>
+                        </a:rPr>
+                        <a:t>drug_disease</a:t>
+                      </a:r>
+                      <a:endParaRPr lang="en-US" sz="1100" b="0" i="0" u="none" strike="noStrike">
+                        <a:solidFill>
+                          <a:srgbClr val="000000"/>
+                        </a:solidFill>
+                        <a:effectLst/>
+                        <a:latin typeface="等线" panose="02010600030101010101" pitchFamily="2" charset="-122"/>
+                        <a:ea typeface="等线" panose="02010600030101010101" pitchFamily="2" charset="-122"/>
+                      </a:endParaRPr>
+                    </a:p>
+                  </a:txBody>
+                  <a:tcPr marL="6350" marR="6350" marT="6350" marB="0" anchor="ctr"/>
+                </a:tc>
+                <a:tc>
+                  <a:txBody>
+                    <a:bodyPr/>
+                    <a:lstStyle/>
+                    <a:p>
+                      <a:pPr algn="ctr" fontAlgn="ctr"/>
+                      <a:r>
+                        <a:rPr lang="en-US" sz="1100" u="none" strike="noStrike">
+                          <a:effectLst/>
+                        </a:rPr>
+                        <a:t>HPO</a:t>
+                      </a:r>
+                      <a:endParaRPr lang="en-US" sz="1100" b="0" i="0" u="none" strike="noStrike">
+                        <a:solidFill>
+                          <a:srgbClr val="000000"/>
+                        </a:solidFill>
+                        <a:effectLst/>
+                        <a:latin typeface="等线" panose="02010600030101010101" pitchFamily="2" charset="-122"/>
+                        <a:ea typeface="等线" panose="02010600030101010101" pitchFamily="2" charset="-122"/>
+                      </a:endParaRPr>
+                    </a:p>
+                  </a:txBody>
+                  <a:tcPr marL="6350" marR="6350" marT="6350" marB="0" anchor="ctr"/>
+                </a:tc>
+                <a:tc>
+                  <a:txBody>
+                    <a:bodyPr/>
+                    <a:lstStyle/>
+                    <a:p>
+                      <a:pPr algn="ctr" fontAlgn="ctr"/>
+                      <a:r>
+                        <a:rPr lang="en-US" sz="1100" u="none" strike="noStrike">
+                          <a:effectLst/>
+                        </a:rPr>
+                        <a:t>Drugbank</a:t>
+                      </a:r>
+                      <a:endParaRPr lang="en-US" sz="1100" b="0" i="0" u="none" strike="noStrike">
+                        <a:solidFill>
+                          <a:srgbClr val="000000"/>
+                        </a:solidFill>
+                        <a:effectLst/>
+                        <a:latin typeface="等线" panose="02010600030101010101" pitchFamily="2" charset="-122"/>
+                        <a:ea typeface="等线" panose="02010600030101010101" pitchFamily="2" charset="-122"/>
+                      </a:endParaRPr>
+                    </a:p>
+                  </a:txBody>
+                  <a:tcPr marL="6350" marR="6350" marT="6350" marB="0" anchor="ctr"/>
+                </a:tc>
+                <a:extLst>
+                  <a:ext uri="{0D108BD9-81ED-4DB2-BD59-A6C34878D82A}">
+                    <a16:rowId xmlns:a16="http://schemas.microsoft.com/office/drawing/2014/main" val="2571769517"/>
+                  </a:ext>
+                </a:extLst>
+              </a:tr>
+              <a:tr h="177800">
+                <a:tc>
+                  <a:txBody>
+                    <a:bodyPr/>
+                    <a:lstStyle/>
+                    <a:p>
+                      <a:pPr algn="ctr" fontAlgn="ctr"/>
+                      <a:r>
+                        <a:rPr lang="en-US" sz="1100" u="none" strike="noStrike">
+                          <a:effectLst/>
+                        </a:rPr>
+                        <a:t>drug-symptom</a:t>
+                      </a:r>
+                      <a:endParaRPr lang="en-US" sz="1100" b="0" i="0" u="none" strike="noStrike">
+                        <a:solidFill>
+                          <a:srgbClr val="000000"/>
+                        </a:solidFill>
+                        <a:effectLst/>
+                        <a:latin typeface="等线" panose="02010600030101010101" pitchFamily="2" charset="-122"/>
+                        <a:ea typeface="等线" panose="02010600030101010101" pitchFamily="2" charset="-122"/>
+                      </a:endParaRPr>
+                    </a:p>
+                  </a:txBody>
+                  <a:tcPr marL="6350" marR="6350" marT="6350" marB="0" anchor="ctr"/>
+                </a:tc>
+                <a:tc>
+                  <a:txBody>
+                    <a:bodyPr/>
+                    <a:lstStyle/>
+                    <a:p>
+                      <a:pPr algn="ctr" fontAlgn="ctr"/>
+                      <a:r>
+                        <a:rPr lang="en-US" sz="1100" u="none" strike="noStrike">
+                          <a:effectLst/>
+                        </a:rPr>
+                        <a:t>HPO</a:t>
+                      </a:r>
+                      <a:endParaRPr lang="en-US" sz="1100" b="0" i="0" u="none" strike="noStrike">
+                        <a:solidFill>
+                          <a:srgbClr val="000000"/>
+                        </a:solidFill>
+                        <a:effectLst/>
+                        <a:latin typeface="等线" panose="02010600030101010101" pitchFamily="2" charset="-122"/>
+                        <a:ea typeface="等线" panose="02010600030101010101" pitchFamily="2" charset="-122"/>
+                      </a:endParaRPr>
+                    </a:p>
+                  </a:txBody>
+                  <a:tcPr marL="6350" marR="6350" marT="6350" marB="0" anchor="ctr"/>
+                </a:tc>
+                <a:tc>
+                  <a:txBody>
+                    <a:bodyPr/>
+                    <a:lstStyle/>
+                    <a:p>
+                      <a:pPr algn="ctr" fontAlgn="ctr"/>
+                      <a:r>
+                        <a:rPr lang="en-US" sz="1100" u="none" strike="noStrike">
+                          <a:effectLst/>
+                        </a:rPr>
+                        <a:t>DrugBank </a:t>
+                      </a:r>
+                      <a:endParaRPr lang="en-US" sz="1100" b="0" i="0" u="none" strike="noStrike">
+                        <a:solidFill>
+                          <a:srgbClr val="000000"/>
+                        </a:solidFill>
+                        <a:effectLst/>
+                        <a:latin typeface="等线" panose="02010600030101010101" pitchFamily="2" charset="-122"/>
+                        <a:ea typeface="等线" panose="02010600030101010101" pitchFamily="2" charset="-122"/>
+                      </a:endParaRPr>
+                    </a:p>
+                  </a:txBody>
+                  <a:tcPr marL="6350" marR="6350" marT="6350" marB="0" anchor="ctr"/>
+                </a:tc>
+                <a:extLst>
+                  <a:ext uri="{0D108BD9-81ED-4DB2-BD59-A6C34878D82A}">
+                    <a16:rowId xmlns:a16="http://schemas.microsoft.com/office/drawing/2014/main" val="4134233228"/>
+                  </a:ext>
+                </a:extLst>
+              </a:tr>
+              <a:tr h="177800">
+                <a:tc>
+                  <a:txBody>
+                    <a:bodyPr/>
+                    <a:lstStyle/>
+                    <a:p>
+                      <a:pPr algn="ctr" fontAlgn="ctr"/>
+                      <a:r>
+                        <a:rPr lang="en-US" sz="1100" u="none" strike="noStrike">
+                          <a:effectLst/>
+                        </a:rPr>
+                        <a:t>disease-symptom</a:t>
+                      </a:r>
+                      <a:endParaRPr lang="en-US" sz="1100" b="0" i="0" u="none" strike="noStrike">
+                        <a:solidFill>
+                          <a:srgbClr val="000000"/>
+                        </a:solidFill>
+                        <a:effectLst/>
+                        <a:latin typeface="等线" panose="02010600030101010101" pitchFamily="2" charset="-122"/>
+                        <a:ea typeface="等线" panose="02010600030101010101" pitchFamily="2" charset="-122"/>
+                      </a:endParaRPr>
+                    </a:p>
+                  </a:txBody>
+                  <a:tcPr marL="6350" marR="6350" marT="6350" marB="0" anchor="ctr"/>
+                </a:tc>
+                <a:tc>
+                  <a:txBody>
+                    <a:bodyPr/>
+                    <a:lstStyle/>
+                    <a:p>
+                      <a:pPr algn="ctr" fontAlgn="ctr"/>
+                      <a:r>
+                        <a:rPr lang="en-US" sz="1100" u="none" strike="noStrike">
+                          <a:effectLst/>
+                        </a:rPr>
+                        <a:t>HPO</a:t>
+                      </a:r>
+                      <a:endParaRPr lang="en-US" sz="1100" b="0" i="0" u="none" strike="noStrike">
+                        <a:solidFill>
+                          <a:srgbClr val="000000"/>
+                        </a:solidFill>
+                        <a:effectLst/>
+                        <a:latin typeface="等线" panose="02010600030101010101" pitchFamily="2" charset="-122"/>
+                        <a:ea typeface="等线" panose="02010600030101010101" pitchFamily="2" charset="-122"/>
+                      </a:endParaRPr>
+                    </a:p>
+                  </a:txBody>
+                  <a:tcPr marL="6350" marR="6350" marT="6350" marB="0" anchor="ctr"/>
+                </a:tc>
+                <a:tc>
+                  <a:txBody>
+                    <a:bodyPr/>
+                    <a:lstStyle/>
+                    <a:p>
+                      <a:pPr algn="ctr" fontAlgn="ctr"/>
+                      <a:r>
+                        <a:rPr lang="zh-CN" altLang="en-US" sz="1100" u="none" strike="noStrike">
+                          <a:effectLst/>
+                        </a:rPr>
+                        <a:t>　</a:t>
+                      </a:r>
+                      <a:endParaRPr lang="zh-CN" altLang="en-US" sz="1100" b="0" i="0" u="none" strike="noStrike">
+                        <a:solidFill>
+                          <a:srgbClr val="000000"/>
+                        </a:solidFill>
+                        <a:effectLst/>
+                        <a:latin typeface="等线" panose="02010600030101010101" pitchFamily="2" charset="-122"/>
+                        <a:ea typeface="等线" panose="02010600030101010101" pitchFamily="2" charset="-122"/>
+                      </a:endParaRPr>
+                    </a:p>
+                  </a:txBody>
+                  <a:tcPr marL="6350" marR="6350" marT="6350" marB="0" anchor="ctr"/>
+                </a:tc>
+                <a:extLst>
+                  <a:ext uri="{0D108BD9-81ED-4DB2-BD59-A6C34878D82A}">
+                    <a16:rowId xmlns:a16="http://schemas.microsoft.com/office/drawing/2014/main" val="3420844432"/>
+                  </a:ext>
+                </a:extLst>
+              </a:tr>
+              <a:tr h="177800">
+                <a:tc>
+                  <a:txBody>
+                    <a:bodyPr/>
+                    <a:lstStyle/>
+                    <a:p>
+                      <a:pPr algn="ctr" fontAlgn="ctr"/>
+                      <a:r>
+                        <a:rPr lang="en-US" sz="1100" u="none" strike="noStrike">
+                          <a:effectLst/>
+                        </a:rPr>
+                        <a:t>hostgene_hostprotein</a:t>
+                      </a:r>
+                      <a:endParaRPr lang="en-US" sz="1100" b="0" i="0" u="none" strike="noStrike">
+                        <a:solidFill>
+                          <a:srgbClr val="000000"/>
+                        </a:solidFill>
+                        <a:effectLst/>
+                        <a:latin typeface="等线" panose="02010600030101010101" pitchFamily="2" charset="-122"/>
+                        <a:ea typeface="等线" panose="02010600030101010101" pitchFamily="2" charset="-122"/>
+                      </a:endParaRPr>
+                    </a:p>
+                  </a:txBody>
+                  <a:tcPr marL="6350" marR="6350" marT="6350" marB="0" anchor="ctr"/>
+                </a:tc>
+                <a:tc>
+                  <a:txBody>
+                    <a:bodyPr/>
+                    <a:lstStyle/>
+                    <a:p>
+                      <a:pPr algn="ctr" fontAlgn="ctr"/>
+                      <a:r>
+                        <a:rPr lang="en-US" sz="1100" u="none" strike="noStrike">
+                          <a:effectLst/>
+                        </a:rPr>
+                        <a:t>NCBI</a:t>
+                      </a:r>
+                      <a:endParaRPr lang="en-US" sz="1100" b="0" i="0" u="none" strike="noStrike">
+                        <a:solidFill>
+                          <a:srgbClr val="000000"/>
+                        </a:solidFill>
+                        <a:effectLst/>
+                        <a:latin typeface="等线" panose="02010600030101010101" pitchFamily="2" charset="-122"/>
+                        <a:ea typeface="等线" panose="02010600030101010101" pitchFamily="2" charset="-122"/>
+                      </a:endParaRPr>
+                    </a:p>
+                  </a:txBody>
+                  <a:tcPr marL="6350" marR="6350" marT="6350" marB="0" anchor="ctr"/>
+                </a:tc>
+                <a:tc>
+                  <a:txBody>
+                    <a:bodyPr/>
+                    <a:lstStyle/>
+                    <a:p>
+                      <a:pPr algn="ctr" fontAlgn="ctr"/>
+                      <a:r>
+                        <a:rPr lang="en-US" sz="1100" u="none" strike="noStrike">
+                          <a:effectLst/>
+                        </a:rPr>
+                        <a:t>Literature</a:t>
+                      </a:r>
+                      <a:endParaRPr lang="en-US" sz="1100" b="0" i="0" u="none" strike="noStrike">
+                        <a:solidFill>
+                          <a:srgbClr val="000000"/>
+                        </a:solidFill>
+                        <a:effectLst/>
+                        <a:latin typeface="等线" panose="02010600030101010101" pitchFamily="2" charset="-122"/>
+                        <a:ea typeface="等线" panose="02010600030101010101" pitchFamily="2" charset="-122"/>
+                      </a:endParaRPr>
+                    </a:p>
+                  </a:txBody>
+                  <a:tcPr marL="6350" marR="6350" marT="6350" marB="0" anchor="ctr"/>
+                </a:tc>
+                <a:extLst>
+                  <a:ext uri="{0D108BD9-81ED-4DB2-BD59-A6C34878D82A}">
+                    <a16:rowId xmlns:a16="http://schemas.microsoft.com/office/drawing/2014/main" val="2714120779"/>
+                  </a:ext>
+                </a:extLst>
+              </a:tr>
+              <a:tr h="177800">
+                <a:tc>
+                  <a:txBody>
+                    <a:bodyPr/>
+                    <a:lstStyle/>
+                    <a:p>
+                      <a:pPr algn="ctr" fontAlgn="ctr"/>
+                      <a:r>
+                        <a:rPr lang="en-US" sz="1100" u="none" strike="noStrike">
+                          <a:effectLst/>
+                        </a:rPr>
+                        <a:t>hostgene_disease</a:t>
+                      </a:r>
+                      <a:endParaRPr lang="en-US" sz="1100" b="0" i="0" u="none" strike="noStrike">
+                        <a:solidFill>
+                          <a:srgbClr val="000000"/>
+                        </a:solidFill>
+                        <a:effectLst/>
+                        <a:latin typeface="等线" panose="02010600030101010101" pitchFamily="2" charset="-122"/>
+                        <a:ea typeface="等线" panose="02010600030101010101" pitchFamily="2" charset="-122"/>
+                      </a:endParaRPr>
+                    </a:p>
+                  </a:txBody>
+                  <a:tcPr marL="6350" marR="6350" marT="6350" marB="0" anchor="ctr"/>
+                </a:tc>
+                <a:tc>
+                  <a:txBody>
+                    <a:bodyPr/>
+                    <a:lstStyle/>
+                    <a:p>
+                      <a:pPr algn="ctr" fontAlgn="ctr"/>
+                      <a:r>
+                        <a:rPr lang="en-US" sz="1100" u="none" strike="noStrike">
+                          <a:effectLst/>
+                        </a:rPr>
+                        <a:t>Disgenet</a:t>
+                      </a:r>
+                      <a:endParaRPr lang="en-US" sz="1100" b="0" i="0" u="none" strike="noStrike">
+                        <a:solidFill>
+                          <a:srgbClr val="000000"/>
+                        </a:solidFill>
+                        <a:effectLst/>
+                        <a:latin typeface="等线" panose="02010600030101010101" pitchFamily="2" charset="-122"/>
+                        <a:ea typeface="等线" panose="02010600030101010101" pitchFamily="2" charset="-122"/>
+                      </a:endParaRPr>
+                    </a:p>
+                  </a:txBody>
+                  <a:tcPr marL="6350" marR="6350" marT="6350" marB="0" anchor="ctr"/>
+                </a:tc>
+                <a:tc>
+                  <a:txBody>
+                    <a:bodyPr/>
+                    <a:lstStyle/>
+                    <a:p>
+                      <a:pPr algn="ctr" fontAlgn="ctr"/>
+                      <a:r>
+                        <a:rPr lang="zh-CN" altLang="en-US" sz="1100" u="none" strike="noStrike">
+                          <a:effectLst/>
+                        </a:rPr>
+                        <a:t>　</a:t>
+                      </a:r>
+                      <a:endParaRPr lang="zh-CN" altLang="en-US" sz="1100" b="0" i="0" u="none" strike="noStrike">
+                        <a:solidFill>
+                          <a:srgbClr val="000000"/>
+                        </a:solidFill>
+                        <a:effectLst/>
+                        <a:latin typeface="等线" panose="02010600030101010101" pitchFamily="2" charset="-122"/>
+                        <a:ea typeface="等线" panose="02010600030101010101" pitchFamily="2" charset="-122"/>
+                      </a:endParaRPr>
+                    </a:p>
+                  </a:txBody>
+                  <a:tcPr marL="6350" marR="6350" marT="6350" marB="0" anchor="ctr"/>
+                </a:tc>
+                <a:extLst>
+                  <a:ext uri="{0D108BD9-81ED-4DB2-BD59-A6C34878D82A}">
+                    <a16:rowId xmlns:a16="http://schemas.microsoft.com/office/drawing/2014/main" val="3667881434"/>
+                  </a:ext>
+                </a:extLst>
+              </a:tr>
+              <a:tr h="177800">
+                <a:tc>
+                  <a:txBody>
+                    <a:bodyPr/>
+                    <a:lstStyle/>
+                    <a:p>
+                      <a:pPr algn="ctr" fontAlgn="ctr"/>
+                      <a:r>
+                        <a:rPr lang="en-US" sz="1100" u="none" strike="noStrike">
+                          <a:effectLst/>
+                        </a:rPr>
+                        <a:t>hostgene_symptom</a:t>
+                      </a:r>
+                      <a:endParaRPr lang="en-US" sz="1100" b="0" i="0" u="none" strike="noStrike">
+                        <a:solidFill>
+                          <a:srgbClr val="000000"/>
+                        </a:solidFill>
+                        <a:effectLst/>
+                        <a:latin typeface="等线" panose="02010600030101010101" pitchFamily="2" charset="-122"/>
+                        <a:ea typeface="等线" panose="02010600030101010101" pitchFamily="2" charset="-122"/>
+                      </a:endParaRPr>
+                    </a:p>
+                  </a:txBody>
+                  <a:tcPr marL="6350" marR="6350" marT="6350" marB="0" anchor="ctr"/>
+                </a:tc>
+                <a:tc>
+                  <a:txBody>
+                    <a:bodyPr/>
+                    <a:lstStyle/>
+                    <a:p>
+                      <a:pPr algn="ctr" fontAlgn="ctr"/>
+                      <a:r>
+                        <a:rPr lang="en-US" sz="1100" u="none" strike="noStrike">
+                          <a:effectLst/>
+                        </a:rPr>
+                        <a:t>HPO</a:t>
+                      </a:r>
+                      <a:endParaRPr lang="en-US" sz="1100" b="0" i="0" u="none" strike="noStrike">
+                        <a:solidFill>
+                          <a:srgbClr val="000000"/>
+                        </a:solidFill>
+                        <a:effectLst/>
+                        <a:latin typeface="等线" panose="02010600030101010101" pitchFamily="2" charset="-122"/>
+                        <a:ea typeface="等线" panose="02010600030101010101" pitchFamily="2" charset="-122"/>
+                      </a:endParaRPr>
+                    </a:p>
+                  </a:txBody>
+                  <a:tcPr marL="6350" marR="6350" marT="6350" marB="0" anchor="ctr"/>
+                </a:tc>
+                <a:tc>
+                  <a:txBody>
+                    <a:bodyPr/>
+                    <a:lstStyle/>
+                    <a:p>
+                      <a:pPr algn="ctr" fontAlgn="ctr"/>
+                      <a:r>
+                        <a:rPr lang="zh-CN" altLang="en-US" sz="1100" u="none" strike="noStrike">
+                          <a:effectLst/>
+                        </a:rPr>
+                        <a:t>　</a:t>
+                      </a:r>
+                      <a:endParaRPr lang="zh-CN" altLang="en-US" sz="1100" b="0" i="0" u="none" strike="noStrike">
+                        <a:solidFill>
+                          <a:srgbClr val="000000"/>
+                        </a:solidFill>
+                        <a:effectLst/>
+                        <a:latin typeface="等线" panose="02010600030101010101" pitchFamily="2" charset="-122"/>
+                        <a:ea typeface="等线" panose="02010600030101010101" pitchFamily="2" charset="-122"/>
+                      </a:endParaRPr>
+                    </a:p>
+                  </a:txBody>
+                  <a:tcPr marL="6350" marR="6350" marT="6350" marB="0" anchor="ctr"/>
+                </a:tc>
+                <a:extLst>
+                  <a:ext uri="{0D108BD9-81ED-4DB2-BD59-A6C34878D82A}">
+                    <a16:rowId xmlns:a16="http://schemas.microsoft.com/office/drawing/2014/main" val="1317486829"/>
+                  </a:ext>
+                </a:extLst>
+              </a:tr>
+              <a:tr h="177800">
+                <a:tc>
+                  <a:txBody>
+                    <a:bodyPr/>
+                    <a:lstStyle/>
+                    <a:p>
+                      <a:pPr algn="ctr" fontAlgn="ctr"/>
+                      <a:r>
+                        <a:rPr lang="en-US" sz="1100" u="none" strike="noStrike">
+                          <a:effectLst/>
+                        </a:rPr>
+                        <a:t>hostprotein-hostprotein</a:t>
+                      </a:r>
+                      <a:endParaRPr lang="en-US" sz="1100" b="0" i="0" u="none" strike="noStrike">
+                        <a:solidFill>
+                          <a:srgbClr val="000000"/>
+                        </a:solidFill>
+                        <a:effectLst/>
+                        <a:latin typeface="等线" panose="02010600030101010101" pitchFamily="2" charset="-122"/>
+                        <a:ea typeface="等线" panose="02010600030101010101" pitchFamily="2" charset="-122"/>
+                      </a:endParaRPr>
+                    </a:p>
+                  </a:txBody>
+                  <a:tcPr marL="6350" marR="6350" marT="6350" marB="0" anchor="ctr"/>
+                </a:tc>
+                <a:tc>
+                  <a:txBody>
+                    <a:bodyPr/>
+                    <a:lstStyle/>
+                    <a:p>
+                      <a:pPr algn="ctr" fontAlgn="ctr"/>
+                      <a:r>
+                        <a:rPr lang="en-US" sz="1100" u="none" strike="noStrike">
+                          <a:effectLst/>
+                        </a:rPr>
+                        <a:t>Uniprot </a:t>
+                      </a:r>
+                      <a:endParaRPr lang="en-US" sz="1100" b="0" i="0" u="none" strike="noStrike">
+                        <a:solidFill>
+                          <a:srgbClr val="000000"/>
+                        </a:solidFill>
+                        <a:effectLst/>
+                        <a:latin typeface="等线" panose="02010600030101010101" pitchFamily="2" charset="-122"/>
+                        <a:ea typeface="等线" panose="02010600030101010101" pitchFamily="2" charset="-122"/>
+                      </a:endParaRPr>
+                    </a:p>
+                  </a:txBody>
+                  <a:tcPr marL="6350" marR="6350" marT="6350" marB="0" anchor="ctr"/>
+                </a:tc>
+                <a:tc>
+                  <a:txBody>
+                    <a:bodyPr/>
+                    <a:lstStyle/>
+                    <a:p>
+                      <a:pPr algn="ctr" fontAlgn="ctr"/>
+                      <a:r>
+                        <a:rPr lang="en-US" sz="1100" u="none" strike="noStrike">
+                          <a:effectLst/>
+                        </a:rPr>
+                        <a:t>Biogrid</a:t>
+                      </a:r>
+                      <a:endParaRPr lang="en-US" sz="1100" b="0" i="0" u="none" strike="noStrike">
+                        <a:solidFill>
+                          <a:srgbClr val="000000"/>
+                        </a:solidFill>
+                        <a:effectLst/>
+                        <a:latin typeface="等线" panose="02010600030101010101" pitchFamily="2" charset="-122"/>
+                        <a:ea typeface="等线" panose="02010600030101010101" pitchFamily="2" charset="-122"/>
+                      </a:endParaRPr>
+                    </a:p>
+                  </a:txBody>
+                  <a:tcPr marL="6350" marR="6350" marT="6350" marB="0" anchor="ctr"/>
+                </a:tc>
+                <a:extLst>
+                  <a:ext uri="{0D108BD9-81ED-4DB2-BD59-A6C34878D82A}">
+                    <a16:rowId xmlns:a16="http://schemas.microsoft.com/office/drawing/2014/main" val="2136095854"/>
+                  </a:ext>
+                </a:extLst>
+              </a:tr>
+              <a:tr h="177800">
+                <a:tc>
+                  <a:txBody>
+                    <a:bodyPr/>
+                    <a:lstStyle/>
+                    <a:p>
+                      <a:pPr algn="ctr" fontAlgn="ctr"/>
+                      <a:r>
+                        <a:rPr lang="en-US" sz="1100" u="none" strike="noStrike">
+                          <a:effectLst/>
+                        </a:rPr>
+                        <a:t>virusprotein-virusprotein</a:t>
+                      </a:r>
+                      <a:endParaRPr lang="en-US" sz="1100" b="0" i="0" u="none" strike="noStrike">
+                        <a:solidFill>
+                          <a:srgbClr val="000000"/>
+                        </a:solidFill>
+                        <a:effectLst/>
+                        <a:latin typeface="等线" panose="02010600030101010101" pitchFamily="2" charset="-122"/>
+                        <a:ea typeface="等线" panose="02010600030101010101" pitchFamily="2" charset="-122"/>
+                      </a:endParaRPr>
+                    </a:p>
+                  </a:txBody>
+                  <a:tcPr marL="6350" marR="6350" marT="6350" marB="0" anchor="ctr"/>
+                </a:tc>
+                <a:tc>
+                  <a:txBody>
+                    <a:bodyPr/>
+                    <a:lstStyle/>
+                    <a:p>
+                      <a:pPr algn="ctr" fontAlgn="ctr"/>
+                      <a:r>
+                        <a:rPr lang="en-US" sz="1100" u="none" strike="noStrike">
+                          <a:effectLst/>
+                        </a:rPr>
+                        <a:t>Biogrid</a:t>
+                      </a:r>
+                      <a:endParaRPr lang="en-US" sz="1100" b="0" i="0" u="none" strike="noStrike">
+                        <a:solidFill>
+                          <a:srgbClr val="000000"/>
+                        </a:solidFill>
+                        <a:effectLst/>
+                        <a:latin typeface="等线" panose="02010600030101010101" pitchFamily="2" charset="-122"/>
+                        <a:ea typeface="等线" panose="02010600030101010101" pitchFamily="2" charset="-122"/>
+                      </a:endParaRPr>
+                    </a:p>
+                  </a:txBody>
+                  <a:tcPr marL="6350" marR="6350" marT="6350" marB="0" anchor="ctr"/>
+                </a:tc>
+                <a:tc>
+                  <a:txBody>
+                    <a:bodyPr/>
+                    <a:lstStyle/>
+                    <a:p>
+                      <a:pPr algn="ctr" fontAlgn="ctr"/>
+                      <a:r>
+                        <a:rPr lang="zh-CN" altLang="en-US" sz="1100" u="none" strike="noStrike">
+                          <a:effectLst/>
+                        </a:rPr>
+                        <a:t>　</a:t>
+                      </a:r>
+                      <a:endParaRPr lang="zh-CN" altLang="en-US" sz="1100" b="0" i="0" u="none" strike="noStrike">
+                        <a:solidFill>
+                          <a:srgbClr val="000000"/>
+                        </a:solidFill>
+                        <a:effectLst/>
+                        <a:latin typeface="等线" panose="02010600030101010101" pitchFamily="2" charset="-122"/>
+                        <a:ea typeface="等线" panose="02010600030101010101" pitchFamily="2" charset="-122"/>
+                      </a:endParaRPr>
+                    </a:p>
+                  </a:txBody>
+                  <a:tcPr marL="6350" marR="6350" marT="6350" marB="0" anchor="ctr"/>
+                </a:tc>
+                <a:extLst>
+                  <a:ext uri="{0D108BD9-81ED-4DB2-BD59-A6C34878D82A}">
+                    <a16:rowId xmlns:a16="http://schemas.microsoft.com/office/drawing/2014/main" val="633820843"/>
+                  </a:ext>
+                </a:extLst>
+              </a:tr>
+              <a:tr h="177800">
+                <a:tc>
+                  <a:txBody>
+                    <a:bodyPr/>
+                    <a:lstStyle/>
+                    <a:p>
+                      <a:pPr algn="ctr" fontAlgn="ctr"/>
+                      <a:r>
+                        <a:rPr lang="en-US" sz="1100" u="none" strike="noStrike">
+                          <a:effectLst/>
+                        </a:rPr>
+                        <a:t>virusprotein_hostprotein</a:t>
+                      </a:r>
+                      <a:endParaRPr lang="en-US" sz="1100" b="0" i="0" u="none" strike="noStrike">
+                        <a:solidFill>
+                          <a:srgbClr val="000000"/>
+                        </a:solidFill>
+                        <a:effectLst/>
+                        <a:latin typeface="等线" panose="02010600030101010101" pitchFamily="2" charset="-122"/>
+                        <a:ea typeface="等线" panose="02010600030101010101" pitchFamily="2" charset="-122"/>
+                      </a:endParaRPr>
+                    </a:p>
+                  </a:txBody>
+                  <a:tcPr marL="6350" marR="6350" marT="6350" marB="0" anchor="ctr"/>
+                </a:tc>
+                <a:tc>
+                  <a:txBody>
+                    <a:bodyPr/>
+                    <a:lstStyle/>
+                    <a:p>
+                      <a:pPr algn="ctr" fontAlgn="ctr"/>
+                      <a:r>
+                        <a:rPr lang="en-US" sz="1100" u="none" strike="noStrike">
+                          <a:effectLst/>
+                        </a:rPr>
+                        <a:t>OpenKG</a:t>
+                      </a:r>
+                      <a:endParaRPr lang="en-US" sz="1100" b="0" i="0" u="none" strike="noStrike">
+                        <a:solidFill>
+                          <a:srgbClr val="000000"/>
+                        </a:solidFill>
+                        <a:effectLst/>
+                        <a:latin typeface="等线" panose="02010600030101010101" pitchFamily="2" charset="-122"/>
+                        <a:ea typeface="等线" panose="02010600030101010101" pitchFamily="2" charset="-122"/>
+                      </a:endParaRPr>
+                    </a:p>
+                  </a:txBody>
+                  <a:tcPr marL="6350" marR="6350" marT="6350" marB="0" anchor="ctr"/>
+                </a:tc>
+                <a:tc>
+                  <a:txBody>
+                    <a:bodyPr/>
+                    <a:lstStyle/>
+                    <a:p>
+                      <a:pPr algn="ctr" fontAlgn="ctr"/>
+                      <a:r>
+                        <a:rPr lang="zh-CN" altLang="en-US" sz="1100" u="none" strike="noStrike">
+                          <a:effectLst/>
+                        </a:rPr>
+                        <a:t>　</a:t>
+                      </a:r>
+                      <a:endParaRPr lang="zh-CN" altLang="en-US" sz="1100" b="0" i="0" u="none" strike="noStrike">
+                        <a:solidFill>
+                          <a:srgbClr val="000000"/>
+                        </a:solidFill>
+                        <a:effectLst/>
+                        <a:latin typeface="等线" panose="02010600030101010101" pitchFamily="2" charset="-122"/>
+                        <a:ea typeface="等线" panose="02010600030101010101" pitchFamily="2" charset="-122"/>
+                      </a:endParaRPr>
+                    </a:p>
+                  </a:txBody>
+                  <a:tcPr marL="6350" marR="6350" marT="6350" marB="0" anchor="ctr"/>
+                </a:tc>
+                <a:extLst>
+                  <a:ext uri="{0D108BD9-81ED-4DB2-BD59-A6C34878D82A}">
+                    <a16:rowId xmlns:a16="http://schemas.microsoft.com/office/drawing/2014/main" val="295334415"/>
+                  </a:ext>
+                </a:extLst>
+              </a:tr>
+              <a:tr h="177800">
+                <a:tc>
+                  <a:txBody>
+                    <a:bodyPr/>
+                    <a:lstStyle/>
+                    <a:p>
+                      <a:pPr algn="ctr" fontAlgn="ctr"/>
+                      <a:r>
+                        <a:rPr lang="en-US" sz="1100" u="none" strike="noStrike">
+                          <a:effectLst/>
+                        </a:rPr>
+                        <a:t>virus_disease</a:t>
+                      </a:r>
+                      <a:endParaRPr lang="en-US" sz="1100" b="0" i="0" u="none" strike="noStrike">
+                        <a:solidFill>
+                          <a:srgbClr val="000000"/>
+                        </a:solidFill>
+                        <a:effectLst/>
+                        <a:latin typeface="等线" panose="02010600030101010101" pitchFamily="2" charset="-122"/>
+                        <a:ea typeface="等线" panose="02010600030101010101" pitchFamily="2" charset="-122"/>
+                      </a:endParaRPr>
+                    </a:p>
+                  </a:txBody>
+                  <a:tcPr marL="6350" marR="6350" marT="6350" marB="0" anchor="ctr"/>
+                </a:tc>
+                <a:tc>
+                  <a:txBody>
+                    <a:bodyPr/>
+                    <a:lstStyle/>
+                    <a:p>
+                      <a:pPr algn="ctr" fontAlgn="ctr"/>
+                      <a:r>
+                        <a:rPr lang="en-US" sz="1100" u="none" strike="noStrike">
+                          <a:effectLst/>
+                        </a:rPr>
+                        <a:t>OpenKG</a:t>
+                      </a:r>
+                      <a:endParaRPr lang="en-US" sz="1100" b="0" i="0" u="none" strike="noStrike">
+                        <a:solidFill>
+                          <a:srgbClr val="000000"/>
+                        </a:solidFill>
+                        <a:effectLst/>
+                        <a:latin typeface="等线" panose="02010600030101010101" pitchFamily="2" charset="-122"/>
+                        <a:ea typeface="等线" panose="02010600030101010101" pitchFamily="2" charset="-122"/>
+                      </a:endParaRPr>
+                    </a:p>
+                  </a:txBody>
+                  <a:tcPr marL="6350" marR="6350" marT="6350" marB="0" anchor="ctr"/>
+                </a:tc>
+                <a:tc>
+                  <a:txBody>
+                    <a:bodyPr/>
+                    <a:lstStyle/>
+                    <a:p>
+                      <a:pPr algn="ctr" fontAlgn="ctr"/>
+                      <a:r>
+                        <a:rPr lang="en-US" sz="1100" u="none" strike="noStrike">
+                          <a:effectLst/>
+                        </a:rPr>
+                        <a:t>HPO</a:t>
+                      </a:r>
+                      <a:endParaRPr lang="en-US" sz="1100" b="0" i="0" u="none" strike="noStrike">
+                        <a:solidFill>
+                          <a:srgbClr val="000000"/>
+                        </a:solidFill>
+                        <a:effectLst/>
+                        <a:latin typeface="等线" panose="02010600030101010101" pitchFamily="2" charset="-122"/>
+                        <a:ea typeface="等线" panose="02010600030101010101" pitchFamily="2" charset="-122"/>
+                      </a:endParaRPr>
+                    </a:p>
+                  </a:txBody>
+                  <a:tcPr marL="6350" marR="6350" marT="6350" marB="0" anchor="ctr"/>
+                </a:tc>
+                <a:extLst>
+                  <a:ext uri="{0D108BD9-81ED-4DB2-BD59-A6C34878D82A}">
+                    <a16:rowId xmlns:a16="http://schemas.microsoft.com/office/drawing/2014/main" val="1770599693"/>
+                  </a:ext>
+                </a:extLst>
+              </a:tr>
+              <a:tr h="177800">
+                <a:tc>
+                  <a:txBody>
+                    <a:bodyPr/>
+                    <a:lstStyle/>
+                    <a:p>
+                      <a:pPr algn="ctr" fontAlgn="ctr"/>
+                      <a:r>
+                        <a:rPr lang="en-US" sz="1100" u="none" strike="noStrike">
+                          <a:effectLst/>
+                        </a:rPr>
+                        <a:t>virus_symptom</a:t>
+                      </a:r>
+                      <a:endParaRPr lang="en-US" sz="1100" b="0" i="0" u="none" strike="noStrike">
+                        <a:solidFill>
+                          <a:srgbClr val="000000"/>
+                        </a:solidFill>
+                        <a:effectLst/>
+                        <a:latin typeface="等线" panose="02010600030101010101" pitchFamily="2" charset="-122"/>
+                        <a:ea typeface="等线" panose="02010600030101010101" pitchFamily="2" charset="-122"/>
+                      </a:endParaRPr>
+                    </a:p>
+                  </a:txBody>
+                  <a:tcPr marL="6350" marR="6350" marT="6350" marB="0" anchor="ctr"/>
+                </a:tc>
+                <a:tc>
+                  <a:txBody>
+                    <a:bodyPr/>
+                    <a:lstStyle/>
+                    <a:p>
+                      <a:pPr algn="ctr" fontAlgn="ctr"/>
+                      <a:r>
+                        <a:rPr lang="en-US" sz="1100" u="none" strike="noStrike">
+                          <a:effectLst/>
+                        </a:rPr>
+                        <a:t>OpenKG</a:t>
+                      </a:r>
+                      <a:endParaRPr lang="en-US" sz="1100" b="0" i="0" u="none" strike="noStrike">
+                        <a:solidFill>
+                          <a:srgbClr val="000000"/>
+                        </a:solidFill>
+                        <a:effectLst/>
+                        <a:latin typeface="等线" panose="02010600030101010101" pitchFamily="2" charset="-122"/>
+                        <a:ea typeface="等线" panose="02010600030101010101" pitchFamily="2" charset="-122"/>
+                      </a:endParaRPr>
+                    </a:p>
+                  </a:txBody>
+                  <a:tcPr marL="6350" marR="6350" marT="6350" marB="0" anchor="ctr"/>
+                </a:tc>
+                <a:tc>
+                  <a:txBody>
+                    <a:bodyPr/>
+                    <a:lstStyle/>
+                    <a:p>
+                      <a:pPr algn="ctr" fontAlgn="ctr"/>
+                      <a:r>
+                        <a:rPr lang="en-US" sz="1100" u="none" strike="noStrike">
+                          <a:effectLst/>
+                        </a:rPr>
+                        <a:t>HPO</a:t>
+                      </a:r>
+                      <a:endParaRPr lang="en-US" sz="1100" b="0" i="0" u="none" strike="noStrike">
+                        <a:solidFill>
+                          <a:srgbClr val="000000"/>
+                        </a:solidFill>
+                        <a:effectLst/>
+                        <a:latin typeface="等线" panose="02010600030101010101" pitchFamily="2" charset="-122"/>
+                        <a:ea typeface="等线" panose="02010600030101010101" pitchFamily="2" charset="-122"/>
+                      </a:endParaRPr>
+                    </a:p>
+                  </a:txBody>
+                  <a:tcPr marL="6350" marR="6350" marT="6350" marB="0" anchor="ctr"/>
+                </a:tc>
+                <a:extLst>
+                  <a:ext uri="{0D108BD9-81ED-4DB2-BD59-A6C34878D82A}">
+                    <a16:rowId xmlns:a16="http://schemas.microsoft.com/office/drawing/2014/main" val="36052965"/>
+                  </a:ext>
+                </a:extLst>
+              </a:tr>
+              <a:tr h="177800">
+                <a:tc>
+                  <a:txBody>
+                    <a:bodyPr/>
+                    <a:lstStyle/>
+                    <a:p>
+                      <a:pPr algn="ctr" fontAlgn="ctr"/>
+                      <a:r>
+                        <a:rPr lang="en-US" sz="1100" u="none" strike="noStrike">
+                          <a:effectLst/>
+                        </a:rPr>
+                        <a:t>virus_hostprotein</a:t>
+                      </a:r>
+                      <a:endParaRPr lang="en-US" sz="1100" b="0" i="0" u="none" strike="noStrike">
+                        <a:solidFill>
+                          <a:srgbClr val="000000"/>
+                        </a:solidFill>
+                        <a:effectLst/>
+                        <a:latin typeface="等线" panose="02010600030101010101" pitchFamily="2" charset="-122"/>
+                        <a:ea typeface="等线" panose="02010600030101010101" pitchFamily="2" charset="-122"/>
+                      </a:endParaRPr>
+                    </a:p>
+                  </a:txBody>
+                  <a:tcPr marL="6350" marR="6350" marT="6350" marB="0" anchor="ctr"/>
+                </a:tc>
+                <a:tc>
+                  <a:txBody>
+                    <a:bodyPr/>
+                    <a:lstStyle/>
+                    <a:p>
+                      <a:pPr algn="ctr" fontAlgn="ctr"/>
+                      <a:r>
+                        <a:rPr lang="en-US" sz="1100" u="none" strike="noStrike">
+                          <a:effectLst/>
+                        </a:rPr>
+                        <a:t>Literature</a:t>
+                      </a:r>
+                      <a:endParaRPr lang="en-US" sz="1100" b="0" i="0" u="none" strike="noStrike">
+                        <a:solidFill>
+                          <a:srgbClr val="000000"/>
+                        </a:solidFill>
+                        <a:effectLst/>
+                        <a:latin typeface="等线" panose="02010600030101010101" pitchFamily="2" charset="-122"/>
+                        <a:ea typeface="等线" panose="02010600030101010101" pitchFamily="2" charset="-122"/>
+                      </a:endParaRPr>
+                    </a:p>
+                  </a:txBody>
+                  <a:tcPr marL="6350" marR="6350" marT="6350" marB="0" anchor="ctr"/>
+                </a:tc>
+                <a:tc>
+                  <a:txBody>
+                    <a:bodyPr/>
+                    <a:lstStyle/>
+                    <a:p>
+                      <a:pPr algn="ctr" fontAlgn="ctr"/>
+                      <a:r>
+                        <a:rPr lang="zh-CN" altLang="en-US" sz="1100" u="none" strike="noStrike">
+                          <a:effectLst/>
+                        </a:rPr>
+                        <a:t>　</a:t>
+                      </a:r>
+                      <a:endParaRPr lang="zh-CN" altLang="en-US" sz="1100" b="0" i="0" u="none" strike="noStrike">
+                        <a:solidFill>
+                          <a:srgbClr val="000000"/>
+                        </a:solidFill>
+                        <a:effectLst/>
+                        <a:latin typeface="等线" panose="02010600030101010101" pitchFamily="2" charset="-122"/>
+                        <a:ea typeface="等线" panose="02010600030101010101" pitchFamily="2" charset="-122"/>
+                      </a:endParaRPr>
+                    </a:p>
+                  </a:txBody>
+                  <a:tcPr marL="6350" marR="6350" marT="6350" marB="0" anchor="ctr"/>
+                </a:tc>
+                <a:extLst>
+                  <a:ext uri="{0D108BD9-81ED-4DB2-BD59-A6C34878D82A}">
+                    <a16:rowId xmlns:a16="http://schemas.microsoft.com/office/drawing/2014/main" val="3259836602"/>
+                  </a:ext>
+                </a:extLst>
+              </a:tr>
+              <a:tr h="177800">
+                <a:tc>
+                  <a:txBody>
+                    <a:bodyPr/>
+                    <a:lstStyle/>
+                    <a:p>
+                      <a:pPr algn="ctr" fontAlgn="ctr"/>
+                      <a:r>
+                        <a:rPr lang="en-US" sz="1100" u="none" strike="noStrike">
+                          <a:effectLst/>
+                        </a:rPr>
+                        <a:t>virus_virusprotein</a:t>
+                      </a:r>
+                      <a:endParaRPr lang="en-US" sz="1100" b="0" i="0" u="none" strike="noStrike">
+                        <a:solidFill>
+                          <a:srgbClr val="000000"/>
+                        </a:solidFill>
+                        <a:effectLst/>
+                        <a:latin typeface="等线" panose="02010600030101010101" pitchFamily="2" charset="-122"/>
+                        <a:ea typeface="等线" panose="02010600030101010101" pitchFamily="2" charset="-122"/>
+                      </a:endParaRPr>
+                    </a:p>
+                  </a:txBody>
+                  <a:tcPr marL="6350" marR="6350" marT="6350" marB="0" anchor="ctr"/>
+                </a:tc>
+                <a:tc>
+                  <a:txBody>
+                    <a:bodyPr/>
+                    <a:lstStyle/>
+                    <a:p>
+                      <a:pPr algn="ctr" fontAlgn="ctr"/>
+                      <a:r>
+                        <a:rPr lang="en-US" sz="1100" u="none" strike="noStrike">
+                          <a:effectLst/>
+                        </a:rPr>
+                        <a:t>OpenKG</a:t>
+                      </a:r>
+                      <a:endParaRPr lang="en-US" sz="1100" b="0" i="0" u="none" strike="noStrike">
+                        <a:solidFill>
+                          <a:srgbClr val="000000"/>
+                        </a:solidFill>
+                        <a:effectLst/>
+                        <a:latin typeface="等线" panose="02010600030101010101" pitchFamily="2" charset="-122"/>
+                        <a:ea typeface="等线" panose="02010600030101010101" pitchFamily="2" charset="-122"/>
+                      </a:endParaRPr>
+                    </a:p>
+                  </a:txBody>
+                  <a:tcPr marL="6350" marR="6350" marT="6350" marB="0" anchor="ctr"/>
+                </a:tc>
+                <a:tc>
+                  <a:txBody>
+                    <a:bodyPr/>
+                    <a:lstStyle/>
+                    <a:p>
+                      <a:pPr algn="ctr" fontAlgn="ctr"/>
+                      <a:r>
+                        <a:rPr lang="zh-CN" altLang="en-US" sz="1100" u="none" strike="noStrike">
+                          <a:effectLst/>
+                        </a:rPr>
+                        <a:t>　</a:t>
+                      </a:r>
+                      <a:endParaRPr lang="zh-CN" altLang="en-US" sz="1100" b="0" i="0" u="none" strike="noStrike">
+                        <a:solidFill>
+                          <a:srgbClr val="000000"/>
+                        </a:solidFill>
+                        <a:effectLst/>
+                        <a:latin typeface="等线" panose="02010600030101010101" pitchFamily="2" charset="-122"/>
+                        <a:ea typeface="等线" panose="02010600030101010101" pitchFamily="2" charset="-122"/>
+                      </a:endParaRPr>
+                    </a:p>
+                  </a:txBody>
+                  <a:tcPr marL="6350" marR="6350" marT="6350" marB="0" anchor="ctr"/>
+                </a:tc>
+                <a:extLst>
+                  <a:ext uri="{0D108BD9-81ED-4DB2-BD59-A6C34878D82A}">
+                    <a16:rowId xmlns:a16="http://schemas.microsoft.com/office/drawing/2014/main" val="1221702509"/>
+                  </a:ext>
+                </a:extLst>
+              </a:tr>
+              <a:tr h="177800">
+                <a:tc>
+                  <a:txBody>
+                    <a:bodyPr/>
+                    <a:lstStyle/>
+                    <a:p>
+                      <a:pPr algn="ctr" fontAlgn="ctr"/>
+                      <a:r>
+                        <a:rPr lang="en-US" sz="1100" u="none" strike="noStrike">
+                          <a:effectLst/>
+                        </a:rPr>
+                        <a:t>virus_virusgene</a:t>
+                      </a:r>
+                      <a:endParaRPr lang="en-US" sz="1100" b="0" i="0" u="none" strike="noStrike">
+                        <a:solidFill>
+                          <a:srgbClr val="000000"/>
+                        </a:solidFill>
+                        <a:effectLst/>
+                        <a:latin typeface="等线" panose="02010600030101010101" pitchFamily="2" charset="-122"/>
+                        <a:ea typeface="等线" panose="02010600030101010101" pitchFamily="2" charset="-122"/>
+                      </a:endParaRPr>
+                    </a:p>
+                  </a:txBody>
+                  <a:tcPr marL="6350" marR="6350" marT="6350" marB="0" anchor="ctr"/>
+                </a:tc>
+                <a:tc>
+                  <a:txBody>
+                    <a:bodyPr/>
+                    <a:lstStyle/>
+                    <a:p>
+                      <a:pPr algn="ctr" fontAlgn="ctr"/>
+                      <a:r>
+                        <a:rPr lang="en-US" sz="1100" u="none" strike="noStrike">
+                          <a:effectLst/>
+                        </a:rPr>
+                        <a:t>OpenKG</a:t>
+                      </a:r>
+                      <a:endParaRPr lang="en-US" sz="1100" b="0" i="0" u="none" strike="noStrike">
+                        <a:solidFill>
+                          <a:srgbClr val="000000"/>
+                        </a:solidFill>
+                        <a:effectLst/>
+                        <a:latin typeface="等线" panose="02010600030101010101" pitchFamily="2" charset="-122"/>
+                        <a:ea typeface="等线" panose="02010600030101010101" pitchFamily="2" charset="-122"/>
+                      </a:endParaRPr>
+                    </a:p>
+                  </a:txBody>
+                  <a:tcPr marL="6350" marR="6350" marT="6350" marB="0" anchor="ctr"/>
+                </a:tc>
+                <a:tc>
+                  <a:txBody>
+                    <a:bodyPr/>
+                    <a:lstStyle/>
+                    <a:p>
+                      <a:pPr algn="ctr" fontAlgn="ctr"/>
+                      <a:r>
+                        <a:rPr lang="zh-CN" altLang="en-US" sz="1100" u="none" strike="noStrike">
+                          <a:effectLst/>
+                        </a:rPr>
+                        <a:t>　</a:t>
+                      </a:r>
+                      <a:endParaRPr lang="zh-CN" altLang="en-US" sz="1100" b="0" i="0" u="none" strike="noStrike">
+                        <a:solidFill>
+                          <a:srgbClr val="000000"/>
+                        </a:solidFill>
+                        <a:effectLst/>
+                        <a:latin typeface="等线" panose="02010600030101010101" pitchFamily="2" charset="-122"/>
+                        <a:ea typeface="等线" panose="02010600030101010101" pitchFamily="2" charset="-122"/>
+                      </a:endParaRPr>
+                    </a:p>
+                  </a:txBody>
+                  <a:tcPr marL="6350" marR="6350" marT="6350" marB="0" anchor="ctr"/>
+                </a:tc>
+                <a:extLst>
+                  <a:ext uri="{0D108BD9-81ED-4DB2-BD59-A6C34878D82A}">
+                    <a16:rowId xmlns:a16="http://schemas.microsoft.com/office/drawing/2014/main" val="3055906503"/>
+                  </a:ext>
+                </a:extLst>
+              </a:tr>
+              <a:tr h="177800">
+                <a:tc>
+                  <a:txBody>
+                    <a:bodyPr/>
+                    <a:lstStyle/>
+                    <a:p>
+                      <a:pPr algn="ctr" fontAlgn="ctr"/>
+                      <a:r>
+                        <a:rPr lang="en-US" sz="1100" u="none" strike="noStrike">
+                          <a:effectLst/>
+                        </a:rPr>
+                        <a:t>virusgene_virusprotein</a:t>
+                      </a:r>
+                      <a:endParaRPr lang="en-US" sz="1100" b="0" i="0" u="none" strike="noStrike">
+                        <a:solidFill>
+                          <a:srgbClr val="000000"/>
+                        </a:solidFill>
+                        <a:effectLst/>
+                        <a:latin typeface="等线" panose="02010600030101010101" pitchFamily="2" charset="-122"/>
+                        <a:ea typeface="等线" panose="02010600030101010101" pitchFamily="2" charset="-122"/>
+                      </a:endParaRPr>
+                    </a:p>
+                  </a:txBody>
+                  <a:tcPr marL="6350" marR="6350" marT="6350" marB="0" anchor="ctr"/>
+                </a:tc>
+                <a:tc>
+                  <a:txBody>
+                    <a:bodyPr/>
+                    <a:lstStyle/>
+                    <a:p>
+                      <a:pPr algn="ctr" fontAlgn="ctr"/>
+                      <a:r>
+                        <a:rPr lang="en-US" sz="1100" u="none" strike="noStrike">
+                          <a:effectLst/>
+                        </a:rPr>
+                        <a:t>OpenKG</a:t>
+                      </a:r>
+                      <a:endParaRPr lang="en-US" sz="1100" b="0" i="0" u="none" strike="noStrike">
+                        <a:solidFill>
+                          <a:srgbClr val="000000"/>
+                        </a:solidFill>
+                        <a:effectLst/>
+                        <a:latin typeface="等线" panose="02010600030101010101" pitchFamily="2" charset="-122"/>
+                        <a:ea typeface="等线" panose="02010600030101010101" pitchFamily="2" charset="-122"/>
+                      </a:endParaRPr>
+                    </a:p>
+                  </a:txBody>
+                  <a:tcPr marL="6350" marR="6350" marT="6350" marB="0" anchor="ctr"/>
+                </a:tc>
+                <a:tc>
+                  <a:txBody>
+                    <a:bodyPr/>
+                    <a:lstStyle/>
+                    <a:p>
+                      <a:pPr algn="ctr" fontAlgn="ctr"/>
+                      <a:r>
+                        <a:rPr lang="zh-CN" altLang="en-US" sz="1100" u="none" strike="noStrike" dirty="0">
+                          <a:effectLst/>
+                        </a:rPr>
+                        <a:t>　</a:t>
+                      </a:r>
+                      <a:endParaRPr lang="zh-CN" altLang="en-US" sz="1100" b="0" i="0" u="none" strike="noStrike" dirty="0">
+                        <a:solidFill>
+                          <a:srgbClr val="000000"/>
+                        </a:solidFill>
+                        <a:effectLst/>
+                        <a:latin typeface="等线" panose="02010600030101010101" pitchFamily="2" charset="-122"/>
+                        <a:ea typeface="等线" panose="02010600030101010101" pitchFamily="2" charset="-122"/>
+                      </a:endParaRPr>
+                    </a:p>
+                  </a:txBody>
+                  <a:tcPr marL="6350" marR="6350" marT="6350" marB="0" anchor="ctr"/>
+                </a:tc>
+                <a:extLst>
+                  <a:ext uri="{0D108BD9-81ED-4DB2-BD59-A6C34878D82A}">
+                    <a16:rowId xmlns:a16="http://schemas.microsoft.com/office/drawing/2014/main" val="2992733239"/>
+                  </a:ext>
+                </a:extLst>
+              </a:tr>
+            </a:tbl>
+          </a:graphicData>
+        </a:graphic>
+      </p:graphicFrame>
+    </p:spTree>
+    <p:extLst>
+      <p:ext uri="{BB962C8B-B14F-4D97-AF65-F5344CB8AC3E}">
+        <p14:creationId xmlns:p14="http://schemas.microsoft.com/office/powerpoint/2010/main" val="13489335"/>
+      </p:ext>
+    </p:extLst>
+  </p:cSld>
+  <p:clrMapOvr>
+    <a:masterClrMapping/>
+  </p:clrMapOvr>
+</p:sld>
+</file>
+
 <file path=ppt/theme/theme1.xml><?xml version="1.0" encoding="utf-8"?>
 <a:theme xmlns:a="http://schemas.openxmlformats.org/drawingml/2006/main" name="Office 主题​​">
   <a:themeElements>

--- a/data/HPO/schema.pptx
+++ b/data/HPO/schema.pptx
@@ -262,7 +262,7 @@
           <a:p>
             <a:fld id="{0572D963-F112-4488-97DB-CD8B600123CD}" type="datetimeFigureOut">
               <a:rPr lang="zh-CN" altLang="en-US" smtClean="0"/>
-              <a:t>2020/12/20</a:t>
+              <a:t>2020/12/25</a:t>
             </a:fld>
             <a:endParaRPr lang="zh-CN" altLang="en-US"/>
           </a:p>
@@ -460,7 +460,7 @@
           <a:p>
             <a:fld id="{0572D963-F112-4488-97DB-CD8B600123CD}" type="datetimeFigureOut">
               <a:rPr lang="zh-CN" altLang="en-US" smtClean="0"/>
-              <a:t>2020/12/20</a:t>
+              <a:t>2020/12/25</a:t>
             </a:fld>
             <a:endParaRPr lang="zh-CN" altLang="en-US"/>
           </a:p>
@@ -668,7 +668,7 @@
           <a:p>
             <a:fld id="{0572D963-F112-4488-97DB-CD8B600123CD}" type="datetimeFigureOut">
               <a:rPr lang="zh-CN" altLang="en-US" smtClean="0"/>
-              <a:t>2020/12/20</a:t>
+              <a:t>2020/12/25</a:t>
             </a:fld>
             <a:endParaRPr lang="zh-CN" altLang="en-US"/>
           </a:p>
@@ -866,7 +866,7 @@
           <a:p>
             <a:fld id="{0572D963-F112-4488-97DB-CD8B600123CD}" type="datetimeFigureOut">
               <a:rPr lang="zh-CN" altLang="en-US" smtClean="0"/>
-              <a:t>2020/12/20</a:t>
+              <a:t>2020/12/25</a:t>
             </a:fld>
             <a:endParaRPr lang="zh-CN" altLang="en-US"/>
           </a:p>
@@ -1141,7 +1141,7 @@
           <a:p>
             <a:fld id="{0572D963-F112-4488-97DB-CD8B600123CD}" type="datetimeFigureOut">
               <a:rPr lang="zh-CN" altLang="en-US" smtClean="0"/>
-              <a:t>2020/12/20</a:t>
+              <a:t>2020/12/25</a:t>
             </a:fld>
             <a:endParaRPr lang="zh-CN" altLang="en-US"/>
           </a:p>
@@ -1406,7 +1406,7 @@
           <a:p>
             <a:fld id="{0572D963-F112-4488-97DB-CD8B600123CD}" type="datetimeFigureOut">
               <a:rPr lang="zh-CN" altLang="en-US" smtClean="0"/>
-              <a:t>2020/12/20</a:t>
+              <a:t>2020/12/25</a:t>
             </a:fld>
             <a:endParaRPr lang="zh-CN" altLang="en-US"/>
           </a:p>
@@ -1818,7 +1818,7 @@
           <a:p>
             <a:fld id="{0572D963-F112-4488-97DB-CD8B600123CD}" type="datetimeFigureOut">
               <a:rPr lang="zh-CN" altLang="en-US" smtClean="0"/>
-              <a:t>2020/12/20</a:t>
+              <a:t>2020/12/25</a:t>
             </a:fld>
             <a:endParaRPr lang="zh-CN" altLang="en-US"/>
           </a:p>
@@ -1959,7 +1959,7 @@
           <a:p>
             <a:fld id="{0572D963-F112-4488-97DB-CD8B600123CD}" type="datetimeFigureOut">
               <a:rPr lang="zh-CN" altLang="en-US" smtClean="0"/>
-              <a:t>2020/12/20</a:t>
+              <a:t>2020/12/25</a:t>
             </a:fld>
             <a:endParaRPr lang="zh-CN" altLang="en-US"/>
           </a:p>
@@ -2072,7 +2072,7 @@
           <a:p>
             <a:fld id="{0572D963-F112-4488-97DB-CD8B600123CD}" type="datetimeFigureOut">
               <a:rPr lang="zh-CN" altLang="en-US" smtClean="0"/>
-              <a:t>2020/12/20</a:t>
+              <a:t>2020/12/25</a:t>
             </a:fld>
             <a:endParaRPr lang="zh-CN" altLang="en-US"/>
           </a:p>
@@ -2383,7 +2383,7 @@
           <a:p>
             <a:fld id="{0572D963-F112-4488-97DB-CD8B600123CD}" type="datetimeFigureOut">
               <a:rPr lang="zh-CN" altLang="en-US" smtClean="0"/>
-              <a:t>2020/12/20</a:t>
+              <a:t>2020/12/25</a:t>
             </a:fld>
             <a:endParaRPr lang="zh-CN" altLang="en-US"/>
           </a:p>
@@ -2671,7 +2671,7 @@
           <a:p>
             <a:fld id="{0572D963-F112-4488-97DB-CD8B600123CD}" type="datetimeFigureOut">
               <a:rPr lang="zh-CN" altLang="en-US" smtClean="0"/>
-              <a:t>2020/12/20</a:t>
+              <a:t>2020/12/25</a:t>
             </a:fld>
             <a:endParaRPr lang="zh-CN" altLang="en-US"/>
           </a:p>
@@ -2912,7 +2912,7 @@
           <a:p>
             <a:fld id="{0572D963-F112-4488-97DB-CD8B600123CD}" type="datetimeFigureOut">
               <a:rPr lang="zh-CN" altLang="en-US" smtClean="0"/>
-              <a:t>2020/12/20</a:t>
+              <a:t>2020/12/25</a:t>
             </a:fld>
             <a:endParaRPr lang="zh-CN" altLang="en-US"/>
           </a:p>
@@ -20029,14 +20029,14 @@
           <p:nvPr>
             <p:extLst>
               <p:ext uri="{D42A27DB-BD31-4B8C-83A1-F6EECF244321}">
-                <p14:modId xmlns:p14="http://schemas.microsoft.com/office/powerpoint/2010/main" val="198498378"/>
+                <p14:modId xmlns:p14="http://schemas.microsoft.com/office/powerpoint/2010/main" val="2640751536"/>
               </p:ext>
             </p:extLst>
           </p:nvPr>
         </p:nvGraphicFramePr>
         <p:xfrm>
-          <a:off x="7344526" y="2072231"/>
-          <a:ext cx="2997200" cy="3200400"/>
+          <a:off x="7352638" y="2087929"/>
+          <a:ext cx="2941230" cy="3200400"/>
         </p:xfrm>
         <a:graphic>
           <a:graphicData uri="http://schemas.openxmlformats.org/drawingml/2006/table">
@@ -20045,24 +20045,17 @@
                 <a:tableStyleId>{5940675A-B579-460E-94D1-54222C63F5DA}</a:tableStyleId>
               </a:tblPr>
               <a:tblGrid>
-                <a:gridCol w="1676400">
+                <a:gridCol w="1692547">
                   <a:extLst>
                     <a:ext uri="{9D8B030D-6E8A-4147-A177-3AD203B41FA5}">
                       <a16:colId xmlns:a16="http://schemas.microsoft.com/office/drawing/2014/main" val="1263478588"/>
                     </a:ext>
                   </a:extLst>
                 </a:gridCol>
-                <a:gridCol w="660400">
+                <a:gridCol w="1248683">
                   <a:extLst>
                     <a:ext uri="{9D8B030D-6E8A-4147-A177-3AD203B41FA5}">
                       <a16:colId xmlns:a16="http://schemas.microsoft.com/office/drawing/2014/main" val="1499156560"/>
-                    </a:ext>
-                  </a:extLst>
-                </a:gridCol>
-                <a:gridCol w="660400">
-                  <a:extLst>
-                    <a:ext uri="{9D8B030D-6E8A-4147-A177-3AD203B41FA5}">
-                      <a16:colId xmlns:a16="http://schemas.microsoft.com/office/drawing/2014/main" val="3389607679"/>
                     </a:ext>
                   </a:extLst>
                 </a:gridCol>
@@ -20102,31 +20095,7 @@
                         <a:rPr lang="en-US" sz="1100" b="1" u="none" strike="noStrike" dirty="0">
                           <a:effectLst/>
                         </a:rPr>
-                        <a:t>Dataset1</a:t>
-                      </a:r>
-                      <a:endParaRPr lang="en-US" sz="1100" b="1" i="0" u="none" strike="noStrike" dirty="0">
-                        <a:solidFill>
-                          <a:srgbClr val="000000"/>
-                        </a:solidFill>
-                        <a:effectLst/>
-                        <a:latin typeface="等线" panose="02010600030101010101" pitchFamily="2" charset="-122"/>
-                        <a:ea typeface="等线" panose="02010600030101010101" pitchFamily="2" charset="-122"/>
-                      </a:endParaRPr>
-                    </a:p>
-                  </a:txBody>
-                  <a:tcPr marL="6350" marR="6350" marT="6350" marB="0" anchor="ctr"/>
-                </a:tc>
-                <a:tc>
-                  <a:txBody>
-                    <a:bodyPr/>
-                    <a:lstStyle/>
-                    <a:p>
-                      <a:pPr algn="ctr" fontAlgn="ctr"/>
-                      <a:r>
-                        <a:rPr lang="en-US" sz="1100" b="1" u="none" strike="noStrike" dirty="0">
-                          <a:effectLst/>
-                        </a:rPr>
-                        <a:t>Dataset2</a:t>
+                        <a:t>Datasets</a:t>
                       </a:r>
                       <a:endParaRPr lang="en-US" sz="1100" b="1" i="0" u="none" strike="noStrike" dirty="0">
                         <a:solidFill>
@@ -20154,12 +20123,79 @@
                     <a:p>
                       <a:pPr algn="ctr" fontAlgn="ctr"/>
                       <a:r>
-                        <a:rPr lang="en-US" sz="1100" u="none" strike="noStrike">
+                        <a:rPr lang="en-US" sz="1100" u="none" strike="noStrike" dirty="0">
                           <a:effectLst/>
                         </a:rPr>
-                        <a:t>drug_virus</a:t>
+                        <a:t>Drug – Virus</a:t>
                       </a:r>
-                      <a:endParaRPr lang="en-US" sz="1100" b="0" i="0" u="none" strike="noStrike">
+                      <a:endParaRPr lang="en-US" sz="1100" b="0" i="0" u="none" strike="noStrike" dirty="0">
+                        <a:solidFill>
+                          <a:srgbClr val="000000"/>
+                        </a:solidFill>
+                        <a:effectLst/>
+                        <a:latin typeface="等线" panose="02010600030101010101" pitchFamily="2" charset="-122"/>
+                        <a:ea typeface="等线" panose="02010600030101010101" pitchFamily="2" charset="-122"/>
+                      </a:endParaRPr>
+                    </a:p>
+                  </a:txBody>
+                  <a:tcPr marL="6350" marR="6350" marT="6350" marB="0" anchor="ctr"/>
+                </a:tc>
+                <a:tc>
+                  <a:txBody>
+                    <a:bodyPr/>
+                    <a:lstStyle/>
+                    <a:p>
+                      <a:pPr algn="ctr" fontAlgn="ctr"/>
+                      <a:r>
+                        <a:rPr lang="en-US" sz="1100" u="none" strike="noStrike" dirty="0" err="1">
+                          <a:effectLst/>
+                        </a:rPr>
+                        <a:t>OpenKG</a:t>
+                      </a:r>
+                      <a:r>
+                        <a:rPr lang="en-US" sz="1100" u="none" strike="noStrike" dirty="0">
+                          <a:effectLst/>
+                        </a:rPr>
+                        <a:t>, </a:t>
+                      </a:r>
+                      <a:r>
+                        <a:rPr lang="en-US" altLang="zh-CN" sz="1100" u="none" strike="noStrike" dirty="0">
+                          <a:effectLst/>
+                        </a:rPr>
+                        <a:t>Literature</a:t>
+                      </a:r>
+                      <a:endParaRPr lang="en-US" sz="1100" b="0" i="0" u="none" strike="noStrike" dirty="0">
+                        <a:solidFill>
+                          <a:srgbClr val="000000"/>
+                        </a:solidFill>
+                        <a:effectLst/>
+                        <a:latin typeface="等线" panose="02010600030101010101" pitchFamily="2" charset="-122"/>
+                        <a:ea typeface="等线" panose="02010600030101010101" pitchFamily="2" charset="-122"/>
+                      </a:endParaRPr>
+                    </a:p>
+                  </a:txBody>
+                  <a:tcPr marL="6350" marR="6350" marT="6350" marB="0" anchor="ctr"/>
+                </a:tc>
+                <a:extLst>
+                  <a:ext uri="{0D108BD9-81ED-4DB2-BD59-A6C34878D82A}">
+                    <a16:rowId xmlns:a16="http://schemas.microsoft.com/office/drawing/2014/main" val="1123286302"/>
+                  </a:ext>
+                </a:extLst>
+              </a:tr>
+              <a:tr h="177800">
+                <a:tc>
+                  <a:txBody>
+                    <a:bodyPr/>
+                    <a:lstStyle/>
+                    <a:p>
+                      <a:pPr algn="ctr" fontAlgn="ctr"/>
+                      <a:r>
+                        <a:rPr lang="en-US" sz="1100" u="none" strike="noStrike" dirty="0">
+                          <a:effectLst/>
+                        </a:rPr>
+                        <a:t>Drug – Virus Protein</a:t>
+                      </a:r>
+                      <a:endParaRPr lang="en-US" sz="1100" b="0" i="0" u="none" strike="noStrike" dirty="0">
                         <a:solidFill>
                           <a:srgbClr val="000000"/>
                         </a:solidFill>
@@ -20184,6 +20220,708 @@
                         <a:t>OpenKG</a:t>
                       </a:r>
                       <a:endParaRPr lang="en-US" sz="1100" b="0" i="0" u="none" strike="noStrike">
+                        <a:solidFill>
+                          <a:srgbClr val="000000"/>
+                        </a:solidFill>
+                        <a:effectLst/>
+                        <a:latin typeface="等线" panose="02010600030101010101" pitchFamily="2" charset="-122"/>
+                        <a:ea typeface="等线" panose="02010600030101010101" pitchFamily="2" charset="-122"/>
+                      </a:endParaRPr>
+                    </a:p>
+                  </a:txBody>
+                  <a:tcPr marL="6350" marR="6350" marT="6350" marB="0" anchor="ctr"/>
+                </a:tc>
+                <a:extLst>
+                  <a:ext uri="{0D108BD9-81ED-4DB2-BD59-A6C34878D82A}">
+                    <a16:rowId xmlns:a16="http://schemas.microsoft.com/office/drawing/2014/main" val="3236997274"/>
+                  </a:ext>
+                </a:extLst>
+              </a:tr>
+              <a:tr h="177800">
+                <a:tc>
+                  <a:txBody>
+                    <a:bodyPr/>
+                    <a:lstStyle/>
+                    <a:p>
+                      <a:pPr algn="ctr" fontAlgn="ctr"/>
+                      <a:r>
+                        <a:rPr lang="en-US" sz="1100" u="none" strike="noStrike" dirty="0">
+                          <a:effectLst/>
+                        </a:rPr>
+                        <a:t>Drug – Disease</a:t>
+                      </a:r>
+                      <a:endParaRPr lang="en-US" sz="1100" b="0" i="0" u="none" strike="noStrike" dirty="0">
+                        <a:solidFill>
+                          <a:srgbClr val="000000"/>
+                        </a:solidFill>
+                        <a:effectLst/>
+                        <a:latin typeface="等线" panose="02010600030101010101" pitchFamily="2" charset="-122"/>
+                        <a:ea typeface="等线" panose="02010600030101010101" pitchFamily="2" charset="-122"/>
+                      </a:endParaRPr>
+                    </a:p>
+                  </a:txBody>
+                  <a:tcPr marL="6350" marR="6350" marT="6350" marB="0" anchor="ctr"/>
+                </a:tc>
+                <a:tc>
+                  <a:txBody>
+                    <a:bodyPr/>
+                    <a:lstStyle/>
+                    <a:p>
+                      <a:pPr algn="ctr" fontAlgn="ctr"/>
+                      <a:r>
+                        <a:rPr lang="en-US" sz="1100" u="none" strike="noStrike" dirty="0">
+                          <a:effectLst/>
+                        </a:rPr>
+                        <a:t>HPO, </a:t>
+                      </a:r>
+                      <a:r>
+                        <a:rPr lang="en-US" altLang="zh-CN" sz="1100" u="none" strike="noStrike" dirty="0" err="1">
+                          <a:effectLst/>
+                        </a:rPr>
+                        <a:t>Drugbank</a:t>
+                      </a:r>
+                      <a:endParaRPr lang="en-US" sz="1100" b="0" i="0" u="none" strike="noStrike" dirty="0">
+                        <a:solidFill>
+                          <a:srgbClr val="000000"/>
+                        </a:solidFill>
+                        <a:effectLst/>
+                        <a:latin typeface="等线" panose="02010600030101010101" pitchFamily="2" charset="-122"/>
+                        <a:ea typeface="等线" panose="02010600030101010101" pitchFamily="2" charset="-122"/>
+                      </a:endParaRPr>
+                    </a:p>
+                  </a:txBody>
+                  <a:tcPr marL="6350" marR="6350" marT="6350" marB="0" anchor="ctr"/>
+                </a:tc>
+                <a:extLst>
+                  <a:ext uri="{0D108BD9-81ED-4DB2-BD59-A6C34878D82A}">
+                    <a16:rowId xmlns:a16="http://schemas.microsoft.com/office/drawing/2014/main" val="2571769517"/>
+                  </a:ext>
+                </a:extLst>
+              </a:tr>
+              <a:tr h="177800">
+                <a:tc>
+                  <a:txBody>
+                    <a:bodyPr/>
+                    <a:lstStyle/>
+                    <a:p>
+                      <a:pPr algn="ctr" fontAlgn="ctr"/>
+                      <a:r>
+                        <a:rPr lang="en-US" sz="1100" u="none" strike="noStrike" dirty="0">
+                          <a:effectLst/>
+                        </a:rPr>
+                        <a:t>Drug – Symptom</a:t>
+                      </a:r>
+                      <a:endParaRPr lang="en-US" sz="1100" b="0" i="0" u="none" strike="noStrike" dirty="0">
+                        <a:solidFill>
+                          <a:srgbClr val="000000"/>
+                        </a:solidFill>
+                        <a:effectLst/>
+                        <a:latin typeface="等线" panose="02010600030101010101" pitchFamily="2" charset="-122"/>
+                        <a:ea typeface="等线" panose="02010600030101010101" pitchFamily="2" charset="-122"/>
+                      </a:endParaRPr>
+                    </a:p>
+                  </a:txBody>
+                  <a:tcPr marL="6350" marR="6350" marT="6350" marB="0" anchor="ctr"/>
+                </a:tc>
+                <a:tc>
+                  <a:txBody>
+                    <a:bodyPr/>
+                    <a:lstStyle/>
+                    <a:p>
+                      <a:pPr algn="ctr" fontAlgn="ctr"/>
+                      <a:r>
+                        <a:rPr lang="en-US" sz="1100" u="none" strike="noStrike" dirty="0">
+                          <a:effectLst/>
+                        </a:rPr>
+                        <a:t>HPO,</a:t>
+                      </a:r>
+                      <a:r>
+                        <a:rPr lang="en-US" altLang="zh-CN" sz="1100" u="none" strike="noStrike" dirty="0">
+                          <a:effectLst/>
+                        </a:rPr>
+                        <a:t> </a:t>
+                      </a:r>
+                      <a:r>
+                        <a:rPr lang="en-US" altLang="zh-CN" sz="1100" u="none" strike="noStrike" dirty="0" err="1">
+                          <a:effectLst/>
+                        </a:rPr>
+                        <a:t>Drugbank</a:t>
+                      </a:r>
+                      <a:endParaRPr lang="en-US" sz="1100" b="0" i="0" u="none" strike="noStrike" dirty="0">
+                        <a:solidFill>
+                          <a:srgbClr val="000000"/>
+                        </a:solidFill>
+                        <a:effectLst/>
+                        <a:latin typeface="等线" panose="02010600030101010101" pitchFamily="2" charset="-122"/>
+                        <a:ea typeface="等线" panose="02010600030101010101" pitchFamily="2" charset="-122"/>
+                      </a:endParaRPr>
+                    </a:p>
+                  </a:txBody>
+                  <a:tcPr marL="6350" marR="6350" marT="6350" marB="0" anchor="ctr"/>
+                </a:tc>
+                <a:extLst>
+                  <a:ext uri="{0D108BD9-81ED-4DB2-BD59-A6C34878D82A}">
+                    <a16:rowId xmlns:a16="http://schemas.microsoft.com/office/drawing/2014/main" val="4134233228"/>
+                  </a:ext>
+                </a:extLst>
+              </a:tr>
+              <a:tr h="177800">
+                <a:tc>
+                  <a:txBody>
+                    <a:bodyPr/>
+                    <a:lstStyle/>
+                    <a:p>
+                      <a:pPr algn="ctr" fontAlgn="ctr"/>
+                      <a:r>
+                        <a:rPr lang="en-US" sz="1100" u="none" strike="noStrike" dirty="0">
+                          <a:effectLst/>
+                        </a:rPr>
+                        <a:t>Disease – Symptom</a:t>
+                      </a:r>
+                      <a:endParaRPr lang="en-US" sz="1100" b="0" i="0" u="none" strike="noStrike" dirty="0">
+                        <a:solidFill>
+                          <a:srgbClr val="000000"/>
+                        </a:solidFill>
+                        <a:effectLst/>
+                        <a:latin typeface="等线" panose="02010600030101010101" pitchFamily="2" charset="-122"/>
+                        <a:ea typeface="等线" panose="02010600030101010101" pitchFamily="2" charset="-122"/>
+                      </a:endParaRPr>
+                    </a:p>
+                  </a:txBody>
+                  <a:tcPr marL="6350" marR="6350" marT="6350" marB="0" anchor="ctr"/>
+                </a:tc>
+                <a:tc>
+                  <a:txBody>
+                    <a:bodyPr/>
+                    <a:lstStyle/>
+                    <a:p>
+                      <a:pPr algn="ctr" fontAlgn="ctr"/>
+                      <a:r>
+                        <a:rPr lang="en-US" sz="1100" u="none" strike="noStrike" dirty="0">
+                          <a:effectLst/>
+                        </a:rPr>
+                        <a:t>HPO</a:t>
+                      </a:r>
+                      <a:endParaRPr lang="en-US" sz="1100" b="0" i="0" u="none" strike="noStrike" dirty="0">
+                        <a:solidFill>
+                          <a:srgbClr val="000000"/>
+                        </a:solidFill>
+                        <a:effectLst/>
+                        <a:latin typeface="等线" panose="02010600030101010101" pitchFamily="2" charset="-122"/>
+                        <a:ea typeface="等线" panose="02010600030101010101" pitchFamily="2" charset="-122"/>
+                      </a:endParaRPr>
+                    </a:p>
+                  </a:txBody>
+                  <a:tcPr marL="6350" marR="6350" marT="6350" marB="0" anchor="ctr"/>
+                </a:tc>
+                <a:extLst>
+                  <a:ext uri="{0D108BD9-81ED-4DB2-BD59-A6C34878D82A}">
+                    <a16:rowId xmlns:a16="http://schemas.microsoft.com/office/drawing/2014/main" val="3420844432"/>
+                  </a:ext>
+                </a:extLst>
+              </a:tr>
+              <a:tr h="177800">
+                <a:tc>
+                  <a:txBody>
+                    <a:bodyPr/>
+                    <a:lstStyle/>
+                    <a:p>
+                      <a:pPr algn="ctr" fontAlgn="ctr"/>
+                      <a:r>
+                        <a:rPr lang="en-US" sz="1100" u="none" strike="noStrike" dirty="0">
+                          <a:effectLst/>
+                        </a:rPr>
+                        <a:t>Host Gene – Host Protein</a:t>
+                      </a:r>
+                      <a:endParaRPr lang="en-US" sz="1100" b="0" i="0" u="none" strike="noStrike" dirty="0">
+                        <a:solidFill>
+                          <a:srgbClr val="000000"/>
+                        </a:solidFill>
+                        <a:effectLst/>
+                        <a:latin typeface="等线" panose="02010600030101010101" pitchFamily="2" charset="-122"/>
+                        <a:ea typeface="等线" panose="02010600030101010101" pitchFamily="2" charset="-122"/>
+                      </a:endParaRPr>
+                    </a:p>
+                  </a:txBody>
+                  <a:tcPr marL="6350" marR="6350" marT="6350" marB="0" anchor="ctr"/>
+                </a:tc>
+                <a:tc>
+                  <a:txBody>
+                    <a:bodyPr/>
+                    <a:lstStyle/>
+                    <a:p>
+                      <a:pPr algn="ctr" fontAlgn="ctr"/>
+                      <a:r>
+                        <a:rPr lang="en-US" sz="1100" u="none" strike="noStrike" dirty="0">
+                          <a:effectLst/>
+                        </a:rPr>
+                        <a:t>NCBI, </a:t>
+                      </a:r>
+                      <a:r>
+                        <a:rPr lang="en-US" altLang="zh-CN" sz="1100" u="none" strike="noStrike" dirty="0">
+                          <a:effectLst/>
+                        </a:rPr>
+                        <a:t>Literature</a:t>
+                      </a:r>
+                      <a:endParaRPr lang="en-US" sz="1100" b="0" i="0" u="none" strike="noStrike" dirty="0">
+                        <a:solidFill>
+                          <a:srgbClr val="000000"/>
+                        </a:solidFill>
+                        <a:effectLst/>
+                        <a:latin typeface="等线" panose="02010600030101010101" pitchFamily="2" charset="-122"/>
+                        <a:ea typeface="等线" panose="02010600030101010101" pitchFamily="2" charset="-122"/>
+                      </a:endParaRPr>
+                    </a:p>
+                  </a:txBody>
+                  <a:tcPr marL="6350" marR="6350" marT="6350" marB="0" anchor="ctr"/>
+                </a:tc>
+                <a:extLst>
+                  <a:ext uri="{0D108BD9-81ED-4DB2-BD59-A6C34878D82A}">
+                    <a16:rowId xmlns:a16="http://schemas.microsoft.com/office/drawing/2014/main" val="2714120779"/>
+                  </a:ext>
+                </a:extLst>
+              </a:tr>
+              <a:tr h="177800">
+                <a:tc>
+                  <a:txBody>
+                    <a:bodyPr/>
+                    <a:lstStyle/>
+                    <a:p>
+                      <a:pPr algn="ctr" fontAlgn="ctr"/>
+                      <a:r>
+                        <a:rPr lang="en-US" sz="1100" u="none" strike="noStrike" dirty="0">
+                          <a:effectLst/>
+                        </a:rPr>
+                        <a:t>Host Gene – Disease</a:t>
+                      </a:r>
+                      <a:endParaRPr lang="en-US" sz="1100" b="0" i="0" u="none" strike="noStrike" dirty="0">
+                        <a:solidFill>
+                          <a:srgbClr val="000000"/>
+                        </a:solidFill>
+                        <a:effectLst/>
+                        <a:latin typeface="等线" panose="02010600030101010101" pitchFamily="2" charset="-122"/>
+                        <a:ea typeface="等线" panose="02010600030101010101" pitchFamily="2" charset="-122"/>
+                      </a:endParaRPr>
+                    </a:p>
+                  </a:txBody>
+                  <a:tcPr marL="6350" marR="6350" marT="6350" marB="0" anchor="ctr"/>
+                </a:tc>
+                <a:tc>
+                  <a:txBody>
+                    <a:bodyPr/>
+                    <a:lstStyle/>
+                    <a:p>
+                      <a:pPr algn="ctr" fontAlgn="ctr"/>
+                      <a:r>
+                        <a:rPr lang="en-US" sz="1100" u="none" strike="noStrike">
+                          <a:effectLst/>
+                        </a:rPr>
+                        <a:t>Disgenet</a:t>
+                      </a:r>
+                      <a:endParaRPr lang="en-US" sz="1100" b="0" i="0" u="none" strike="noStrike">
+                        <a:solidFill>
+                          <a:srgbClr val="000000"/>
+                        </a:solidFill>
+                        <a:effectLst/>
+                        <a:latin typeface="等线" panose="02010600030101010101" pitchFamily="2" charset="-122"/>
+                        <a:ea typeface="等线" panose="02010600030101010101" pitchFamily="2" charset="-122"/>
+                      </a:endParaRPr>
+                    </a:p>
+                  </a:txBody>
+                  <a:tcPr marL="6350" marR="6350" marT="6350" marB="0" anchor="ctr"/>
+                </a:tc>
+                <a:extLst>
+                  <a:ext uri="{0D108BD9-81ED-4DB2-BD59-A6C34878D82A}">
+                    <a16:rowId xmlns:a16="http://schemas.microsoft.com/office/drawing/2014/main" val="3667881434"/>
+                  </a:ext>
+                </a:extLst>
+              </a:tr>
+              <a:tr h="177800">
+                <a:tc>
+                  <a:txBody>
+                    <a:bodyPr/>
+                    <a:lstStyle/>
+                    <a:p>
+                      <a:pPr algn="ctr" fontAlgn="ctr"/>
+                      <a:r>
+                        <a:rPr lang="en-US" sz="1100" u="none" strike="noStrike" dirty="0">
+                          <a:effectLst/>
+                        </a:rPr>
+                        <a:t>Host Gene – Symptom</a:t>
+                      </a:r>
+                      <a:endParaRPr lang="en-US" sz="1100" b="0" i="0" u="none" strike="noStrike" dirty="0">
+                        <a:solidFill>
+                          <a:srgbClr val="000000"/>
+                        </a:solidFill>
+                        <a:effectLst/>
+                        <a:latin typeface="等线" panose="02010600030101010101" pitchFamily="2" charset="-122"/>
+                        <a:ea typeface="等线" panose="02010600030101010101" pitchFamily="2" charset="-122"/>
+                      </a:endParaRPr>
+                    </a:p>
+                  </a:txBody>
+                  <a:tcPr marL="6350" marR="6350" marT="6350" marB="0" anchor="ctr"/>
+                </a:tc>
+                <a:tc>
+                  <a:txBody>
+                    <a:bodyPr/>
+                    <a:lstStyle/>
+                    <a:p>
+                      <a:pPr algn="ctr" fontAlgn="ctr"/>
+                      <a:r>
+                        <a:rPr lang="en-US" sz="1100" u="none" strike="noStrike" dirty="0">
+                          <a:effectLst/>
+                        </a:rPr>
+                        <a:t>HPO</a:t>
+                      </a:r>
+                      <a:endParaRPr lang="en-US" sz="1100" b="0" i="0" u="none" strike="noStrike" dirty="0">
+                        <a:solidFill>
+                          <a:srgbClr val="000000"/>
+                        </a:solidFill>
+                        <a:effectLst/>
+                        <a:latin typeface="等线" panose="02010600030101010101" pitchFamily="2" charset="-122"/>
+                        <a:ea typeface="等线" panose="02010600030101010101" pitchFamily="2" charset="-122"/>
+                      </a:endParaRPr>
+                    </a:p>
+                  </a:txBody>
+                  <a:tcPr marL="6350" marR="6350" marT="6350" marB="0" anchor="ctr"/>
+                </a:tc>
+                <a:extLst>
+                  <a:ext uri="{0D108BD9-81ED-4DB2-BD59-A6C34878D82A}">
+                    <a16:rowId xmlns:a16="http://schemas.microsoft.com/office/drawing/2014/main" val="1317486829"/>
+                  </a:ext>
+                </a:extLst>
+              </a:tr>
+              <a:tr h="177800">
+                <a:tc>
+                  <a:txBody>
+                    <a:bodyPr/>
+                    <a:lstStyle/>
+                    <a:p>
+                      <a:pPr algn="ctr" fontAlgn="ctr"/>
+                      <a:r>
+                        <a:rPr lang="en-US" sz="1100" u="none" strike="noStrike" dirty="0">
+                          <a:effectLst/>
+                        </a:rPr>
+                        <a:t>Host Protein – Host Protein</a:t>
+                      </a:r>
+                      <a:endParaRPr lang="en-US" sz="1100" b="0" i="0" u="none" strike="noStrike" dirty="0">
+                        <a:solidFill>
+                          <a:srgbClr val="000000"/>
+                        </a:solidFill>
+                        <a:effectLst/>
+                        <a:latin typeface="等线" panose="02010600030101010101" pitchFamily="2" charset="-122"/>
+                        <a:ea typeface="等线" panose="02010600030101010101" pitchFamily="2" charset="-122"/>
+                      </a:endParaRPr>
+                    </a:p>
+                  </a:txBody>
+                  <a:tcPr marL="6350" marR="6350" marT="6350" marB="0" anchor="ctr"/>
+                </a:tc>
+                <a:tc>
+                  <a:txBody>
+                    <a:bodyPr/>
+                    <a:lstStyle/>
+                    <a:p>
+                      <a:pPr algn="ctr" fontAlgn="ctr"/>
+                      <a:r>
+                        <a:rPr lang="en-US" sz="1100" u="none" strike="noStrike" dirty="0" err="1">
+                          <a:effectLst/>
+                        </a:rPr>
+                        <a:t>Uniprot</a:t>
+                      </a:r>
+                      <a:r>
+                        <a:rPr lang="en-US" sz="1100" u="none" strike="noStrike" dirty="0">
+                          <a:effectLst/>
+                        </a:rPr>
+                        <a:t>, </a:t>
+                      </a:r>
+                      <a:r>
+                        <a:rPr lang="en-US" altLang="zh-CN" sz="1100" u="none" strike="noStrike" dirty="0" err="1">
+                          <a:effectLst/>
+                        </a:rPr>
+                        <a:t>Biogrid</a:t>
+                      </a:r>
+                      <a:r>
+                        <a:rPr lang="en-US" sz="1100" u="none" strike="noStrike" dirty="0">
+                          <a:effectLst/>
+                        </a:rPr>
+                        <a:t> </a:t>
+                      </a:r>
+                      <a:endParaRPr lang="en-US" sz="1100" b="0" i="0" u="none" strike="noStrike" dirty="0">
+                        <a:solidFill>
+                          <a:srgbClr val="000000"/>
+                        </a:solidFill>
+                        <a:effectLst/>
+                        <a:latin typeface="等线" panose="02010600030101010101" pitchFamily="2" charset="-122"/>
+                        <a:ea typeface="等线" panose="02010600030101010101" pitchFamily="2" charset="-122"/>
+                      </a:endParaRPr>
+                    </a:p>
+                  </a:txBody>
+                  <a:tcPr marL="6350" marR="6350" marT="6350" marB="0" anchor="ctr"/>
+                </a:tc>
+                <a:extLst>
+                  <a:ext uri="{0D108BD9-81ED-4DB2-BD59-A6C34878D82A}">
+                    <a16:rowId xmlns:a16="http://schemas.microsoft.com/office/drawing/2014/main" val="2136095854"/>
+                  </a:ext>
+                </a:extLst>
+              </a:tr>
+              <a:tr h="177800">
+                <a:tc>
+                  <a:txBody>
+                    <a:bodyPr/>
+                    <a:lstStyle/>
+                    <a:p>
+                      <a:pPr algn="ctr" fontAlgn="ctr"/>
+                      <a:r>
+                        <a:rPr lang="en-US" sz="1100" u="none" strike="noStrike" dirty="0">
+                          <a:effectLst/>
+                        </a:rPr>
+                        <a:t>Virus Protein – Virus Protein</a:t>
+                      </a:r>
+                      <a:endParaRPr lang="en-US" sz="1100" b="0" i="0" u="none" strike="noStrike" dirty="0">
+                        <a:solidFill>
+                          <a:srgbClr val="000000"/>
+                        </a:solidFill>
+                        <a:effectLst/>
+                        <a:latin typeface="等线" panose="02010600030101010101" pitchFamily="2" charset="-122"/>
+                        <a:ea typeface="等线" panose="02010600030101010101" pitchFamily="2" charset="-122"/>
+                      </a:endParaRPr>
+                    </a:p>
+                  </a:txBody>
+                  <a:tcPr marL="6350" marR="6350" marT="6350" marB="0" anchor="ctr"/>
+                </a:tc>
+                <a:tc>
+                  <a:txBody>
+                    <a:bodyPr/>
+                    <a:lstStyle/>
+                    <a:p>
+                      <a:pPr algn="ctr" fontAlgn="ctr"/>
+                      <a:r>
+                        <a:rPr lang="en-US" sz="1100" u="none" strike="noStrike" dirty="0" err="1">
+                          <a:effectLst/>
+                        </a:rPr>
+                        <a:t>Biogrid</a:t>
+                      </a:r>
+                      <a:endParaRPr lang="en-US" sz="1100" b="0" i="0" u="none" strike="noStrike" dirty="0">
+                        <a:solidFill>
+                          <a:srgbClr val="000000"/>
+                        </a:solidFill>
+                        <a:effectLst/>
+                        <a:latin typeface="等线" panose="02010600030101010101" pitchFamily="2" charset="-122"/>
+                        <a:ea typeface="等线" panose="02010600030101010101" pitchFamily="2" charset="-122"/>
+                      </a:endParaRPr>
+                    </a:p>
+                  </a:txBody>
+                  <a:tcPr marL="6350" marR="6350" marT="6350" marB="0" anchor="ctr"/>
+                </a:tc>
+                <a:extLst>
+                  <a:ext uri="{0D108BD9-81ED-4DB2-BD59-A6C34878D82A}">
+                    <a16:rowId xmlns:a16="http://schemas.microsoft.com/office/drawing/2014/main" val="633820843"/>
+                  </a:ext>
+                </a:extLst>
+              </a:tr>
+              <a:tr h="177800">
+                <a:tc>
+                  <a:txBody>
+                    <a:bodyPr/>
+                    <a:lstStyle/>
+                    <a:p>
+                      <a:pPr algn="ctr" fontAlgn="ctr"/>
+                      <a:r>
+                        <a:rPr lang="en-US" sz="1100" u="none" strike="noStrike" dirty="0">
+                          <a:effectLst/>
+                        </a:rPr>
+                        <a:t>Virus Protein – Host Protein</a:t>
+                      </a:r>
+                      <a:endParaRPr lang="en-US" sz="1100" b="0" i="0" u="none" strike="noStrike" dirty="0">
+                        <a:solidFill>
+                          <a:srgbClr val="000000"/>
+                        </a:solidFill>
+                        <a:effectLst/>
+                        <a:latin typeface="等线" panose="02010600030101010101" pitchFamily="2" charset="-122"/>
+                        <a:ea typeface="等线" panose="02010600030101010101" pitchFamily="2" charset="-122"/>
+                      </a:endParaRPr>
+                    </a:p>
+                  </a:txBody>
+                  <a:tcPr marL="6350" marR="6350" marT="6350" marB="0" anchor="ctr"/>
+                </a:tc>
+                <a:tc>
+                  <a:txBody>
+                    <a:bodyPr/>
+                    <a:lstStyle/>
+                    <a:p>
+                      <a:pPr algn="ctr" fontAlgn="ctr"/>
+                      <a:r>
+                        <a:rPr lang="en-US" sz="1100" u="none" strike="noStrike">
+                          <a:effectLst/>
+                        </a:rPr>
+                        <a:t>OpenKG</a:t>
+                      </a:r>
+                      <a:endParaRPr lang="en-US" sz="1100" b="0" i="0" u="none" strike="noStrike">
+                        <a:solidFill>
+                          <a:srgbClr val="000000"/>
+                        </a:solidFill>
+                        <a:effectLst/>
+                        <a:latin typeface="等线" panose="02010600030101010101" pitchFamily="2" charset="-122"/>
+                        <a:ea typeface="等线" panose="02010600030101010101" pitchFamily="2" charset="-122"/>
+                      </a:endParaRPr>
+                    </a:p>
+                  </a:txBody>
+                  <a:tcPr marL="6350" marR="6350" marT="6350" marB="0" anchor="ctr"/>
+                </a:tc>
+                <a:extLst>
+                  <a:ext uri="{0D108BD9-81ED-4DB2-BD59-A6C34878D82A}">
+                    <a16:rowId xmlns:a16="http://schemas.microsoft.com/office/drawing/2014/main" val="295334415"/>
+                  </a:ext>
+                </a:extLst>
+              </a:tr>
+              <a:tr h="177800">
+                <a:tc>
+                  <a:txBody>
+                    <a:bodyPr/>
+                    <a:lstStyle/>
+                    <a:p>
+                      <a:pPr algn="ctr" fontAlgn="ctr"/>
+                      <a:r>
+                        <a:rPr lang="en-US" sz="1100" u="none" strike="noStrike" dirty="0">
+                          <a:effectLst/>
+                        </a:rPr>
+                        <a:t>Virus – Disease</a:t>
+                      </a:r>
+                      <a:endParaRPr lang="en-US" sz="1100" b="0" i="0" u="none" strike="noStrike" dirty="0">
+                        <a:solidFill>
+                          <a:srgbClr val="000000"/>
+                        </a:solidFill>
+                        <a:effectLst/>
+                        <a:latin typeface="等线" panose="02010600030101010101" pitchFamily="2" charset="-122"/>
+                        <a:ea typeface="等线" panose="02010600030101010101" pitchFamily="2" charset="-122"/>
+                      </a:endParaRPr>
+                    </a:p>
+                  </a:txBody>
+                  <a:tcPr marL="6350" marR="6350" marT="6350" marB="0" anchor="ctr"/>
+                </a:tc>
+                <a:tc>
+                  <a:txBody>
+                    <a:bodyPr/>
+                    <a:lstStyle/>
+                    <a:p>
+                      <a:pPr algn="ctr" fontAlgn="ctr"/>
+                      <a:r>
+                        <a:rPr lang="en-US" sz="1100" u="none" strike="noStrike" dirty="0" err="1">
+                          <a:effectLst/>
+                        </a:rPr>
+                        <a:t>OpenKG</a:t>
+                      </a:r>
+                      <a:r>
+                        <a:rPr lang="en-US" sz="1100" u="none" strike="noStrike" dirty="0">
+                          <a:effectLst/>
+                        </a:rPr>
+                        <a:t>, </a:t>
+                      </a:r>
+                      <a:r>
+                        <a:rPr lang="en-US" altLang="zh-CN" sz="1100" u="none" strike="noStrike" dirty="0">
+                          <a:effectLst/>
+                        </a:rPr>
+                        <a:t>HPO</a:t>
+                      </a:r>
+                      <a:endParaRPr lang="en-US" sz="1100" b="0" i="0" u="none" strike="noStrike" dirty="0">
+                        <a:solidFill>
+                          <a:srgbClr val="000000"/>
+                        </a:solidFill>
+                        <a:effectLst/>
+                        <a:latin typeface="等线" panose="02010600030101010101" pitchFamily="2" charset="-122"/>
+                        <a:ea typeface="等线" panose="02010600030101010101" pitchFamily="2" charset="-122"/>
+                      </a:endParaRPr>
+                    </a:p>
+                  </a:txBody>
+                  <a:tcPr marL="6350" marR="6350" marT="6350" marB="0" anchor="ctr"/>
+                </a:tc>
+                <a:extLst>
+                  <a:ext uri="{0D108BD9-81ED-4DB2-BD59-A6C34878D82A}">
+                    <a16:rowId xmlns:a16="http://schemas.microsoft.com/office/drawing/2014/main" val="1770599693"/>
+                  </a:ext>
+                </a:extLst>
+              </a:tr>
+              <a:tr h="177800">
+                <a:tc>
+                  <a:txBody>
+                    <a:bodyPr/>
+                    <a:lstStyle/>
+                    <a:p>
+                      <a:pPr algn="ctr" fontAlgn="ctr"/>
+                      <a:r>
+                        <a:rPr lang="en-US" sz="1100" u="none" strike="noStrike" dirty="0">
+                          <a:effectLst/>
+                        </a:rPr>
+                        <a:t>Virus – Symptom</a:t>
+                      </a:r>
+                      <a:endParaRPr lang="en-US" sz="1100" b="0" i="0" u="none" strike="noStrike" dirty="0">
+                        <a:solidFill>
+                          <a:srgbClr val="000000"/>
+                        </a:solidFill>
+                        <a:effectLst/>
+                        <a:latin typeface="等线" panose="02010600030101010101" pitchFamily="2" charset="-122"/>
+                        <a:ea typeface="等线" panose="02010600030101010101" pitchFamily="2" charset="-122"/>
+                      </a:endParaRPr>
+                    </a:p>
+                  </a:txBody>
+                  <a:tcPr marL="6350" marR="6350" marT="6350" marB="0" anchor="ctr"/>
+                </a:tc>
+                <a:tc>
+                  <a:txBody>
+                    <a:bodyPr/>
+                    <a:lstStyle/>
+                    <a:p>
+                      <a:pPr algn="ctr" fontAlgn="ctr"/>
+                      <a:r>
+                        <a:rPr lang="en-US" sz="1100" u="none" strike="noStrike" dirty="0" err="1">
+                          <a:effectLst/>
+                        </a:rPr>
+                        <a:t>OpenKG</a:t>
+                      </a:r>
+                      <a:r>
+                        <a:rPr lang="en-US" sz="1100" u="none" strike="noStrike" dirty="0">
+                          <a:effectLst/>
+                        </a:rPr>
+                        <a:t>, </a:t>
+                      </a:r>
+                      <a:r>
+                        <a:rPr lang="en-US" altLang="zh-CN" sz="1100" u="none" strike="noStrike" dirty="0">
+                          <a:effectLst/>
+                        </a:rPr>
+                        <a:t>HPO</a:t>
+                      </a:r>
+                      <a:endParaRPr lang="en-US" sz="1100" b="0" i="0" u="none" strike="noStrike" dirty="0">
+                        <a:solidFill>
+                          <a:srgbClr val="000000"/>
+                        </a:solidFill>
+                        <a:effectLst/>
+                        <a:latin typeface="等线" panose="02010600030101010101" pitchFamily="2" charset="-122"/>
+                        <a:ea typeface="等线" panose="02010600030101010101" pitchFamily="2" charset="-122"/>
+                      </a:endParaRPr>
+                    </a:p>
+                  </a:txBody>
+                  <a:tcPr marL="6350" marR="6350" marT="6350" marB="0" anchor="ctr"/>
+                </a:tc>
+                <a:extLst>
+                  <a:ext uri="{0D108BD9-81ED-4DB2-BD59-A6C34878D82A}">
+                    <a16:rowId xmlns:a16="http://schemas.microsoft.com/office/drawing/2014/main" val="36052965"/>
+                  </a:ext>
+                </a:extLst>
+              </a:tr>
+              <a:tr h="177800">
+                <a:tc>
+                  <a:txBody>
+                    <a:bodyPr/>
+                    <a:lstStyle/>
+                    <a:p>
+                      <a:pPr algn="ctr" fontAlgn="ctr"/>
+                      <a:r>
+                        <a:rPr lang="en-US" sz="1100" u="none" strike="noStrike" dirty="0">
+                          <a:effectLst/>
+                        </a:rPr>
+                        <a:t>Virus – Host Protein</a:t>
+                      </a:r>
+                      <a:endParaRPr lang="en-US" sz="1100" b="0" i="0" u="none" strike="noStrike" dirty="0">
                         <a:solidFill>
                           <a:srgbClr val="000000"/>
                         </a:solidFill>
@@ -20221,7 +20959,7 @@
                 </a:tc>
                 <a:extLst>
                   <a:ext uri="{0D108BD9-81ED-4DB2-BD59-A6C34878D82A}">
-                    <a16:rowId xmlns:a16="http://schemas.microsoft.com/office/drawing/2014/main" val="1123286302"/>
+                    <a16:rowId xmlns:a16="http://schemas.microsoft.com/office/drawing/2014/main" val="3259836602"/>
                   </a:ext>
                 </a:extLst>
               </a:tr>
@@ -20233,12 +20971,12 @@
                     <a:p>
                       <a:pPr algn="ctr" fontAlgn="ctr"/>
                       <a:r>
-                        <a:rPr lang="en-US" sz="1100" u="none" strike="noStrike">
+                        <a:rPr lang="en-US" sz="1100" u="none" strike="noStrike" dirty="0">
                           <a:effectLst/>
                         </a:rPr>
-                        <a:t>drug_virusprotein</a:t>
+                        <a:t>Virus – Virus Protein</a:t>
                       </a:r>
-                      <a:endParaRPr lang="en-US" sz="1100" b="0" i="0" u="none" strike="noStrike">
+                      <a:endParaRPr lang="en-US" sz="1100" b="0" i="0" u="none" strike="noStrike" dirty="0">
                         <a:solidFill>
                           <a:srgbClr val="000000"/>
                         </a:solidFill>
@@ -20274,33 +21012,9 @@
                   </a:txBody>
                   <a:tcPr marL="6350" marR="6350" marT="6350" marB="0" anchor="ctr"/>
                 </a:tc>
-                <a:tc>
-                  <a:txBody>
-                    <a:bodyPr/>
-                    <a:lstStyle/>
-                    <a:p>
-                      <a:pPr algn="ctr" fontAlgn="ctr"/>
-                      <a:r>
-                        <a:rPr lang="zh-CN" altLang="en-US" sz="1100" u="none" strike="noStrike">
-                          <a:effectLst/>
-                        </a:rPr>
-                        <a:t>　</a:t>
-                      </a:r>
-                      <a:endParaRPr lang="zh-CN" altLang="en-US" sz="1100" b="0" i="0" u="none" strike="noStrike">
-                        <a:solidFill>
-                          <a:srgbClr val="000000"/>
-                        </a:solidFill>
-                        <a:effectLst/>
-                        <a:latin typeface="等线" panose="02010600030101010101" pitchFamily="2" charset="-122"/>
-                        <a:ea typeface="等线" panose="02010600030101010101" pitchFamily="2" charset="-122"/>
-                      </a:endParaRPr>
-                    </a:p>
-                  </a:txBody>
-                  <a:tcPr marL="6350" marR="6350" marT="6350" marB="0" anchor="ctr"/>
-                </a:tc>
                 <a:extLst>
                   <a:ext uri="{0D108BD9-81ED-4DB2-BD59-A6C34878D82A}">
-                    <a16:rowId xmlns:a16="http://schemas.microsoft.com/office/drawing/2014/main" val="3236997274"/>
+                    <a16:rowId xmlns:a16="http://schemas.microsoft.com/office/drawing/2014/main" val="1221702509"/>
                   </a:ext>
                 </a:extLst>
               </a:tr>
@@ -20312,644 +21026,12 @@
                     <a:p>
                       <a:pPr algn="ctr" fontAlgn="ctr"/>
                       <a:r>
-                        <a:rPr lang="en-US" sz="1100" u="none" strike="noStrike">
+                        <a:rPr lang="en-US" sz="1100" u="none" strike="noStrike" dirty="0">
                           <a:effectLst/>
                         </a:rPr>
-                        <a:t>drug_disease</a:t>
+                        <a:t>Virus – Virus Gene</a:t>
                       </a:r>
-                      <a:endParaRPr lang="en-US" sz="1100" b="0" i="0" u="none" strike="noStrike">
-                        <a:solidFill>
-                          <a:srgbClr val="000000"/>
-                        </a:solidFill>
-                        <a:effectLst/>
-                        <a:latin typeface="等线" panose="02010600030101010101" pitchFamily="2" charset="-122"/>
-                        <a:ea typeface="等线" panose="02010600030101010101" pitchFamily="2" charset="-122"/>
-                      </a:endParaRPr>
-                    </a:p>
-                  </a:txBody>
-                  <a:tcPr marL="6350" marR="6350" marT="6350" marB="0" anchor="ctr"/>
-                </a:tc>
-                <a:tc>
-                  <a:txBody>
-                    <a:bodyPr/>
-                    <a:lstStyle/>
-                    <a:p>
-                      <a:pPr algn="ctr" fontAlgn="ctr"/>
-                      <a:r>
-                        <a:rPr lang="en-US" sz="1100" u="none" strike="noStrike">
-                          <a:effectLst/>
-                        </a:rPr>
-                        <a:t>HPO</a:t>
-                      </a:r>
-                      <a:endParaRPr lang="en-US" sz="1100" b="0" i="0" u="none" strike="noStrike">
-                        <a:solidFill>
-                          <a:srgbClr val="000000"/>
-                        </a:solidFill>
-                        <a:effectLst/>
-                        <a:latin typeface="等线" panose="02010600030101010101" pitchFamily="2" charset="-122"/>
-                        <a:ea typeface="等线" panose="02010600030101010101" pitchFamily="2" charset="-122"/>
-                      </a:endParaRPr>
-                    </a:p>
-                  </a:txBody>
-                  <a:tcPr marL="6350" marR="6350" marT="6350" marB="0" anchor="ctr"/>
-                </a:tc>
-                <a:tc>
-                  <a:txBody>
-                    <a:bodyPr/>
-                    <a:lstStyle/>
-                    <a:p>
-                      <a:pPr algn="ctr" fontAlgn="ctr"/>
-                      <a:r>
-                        <a:rPr lang="en-US" sz="1100" u="none" strike="noStrike">
-                          <a:effectLst/>
-                        </a:rPr>
-                        <a:t>Drugbank</a:t>
-                      </a:r>
-                      <a:endParaRPr lang="en-US" sz="1100" b="0" i="0" u="none" strike="noStrike">
-                        <a:solidFill>
-                          <a:srgbClr val="000000"/>
-                        </a:solidFill>
-                        <a:effectLst/>
-                        <a:latin typeface="等线" panose="02010600030101010101" pitchFamily="2" charset="-122"/>
-                        <a:ea typeface="等线" panose="02010600030101010101" pitchFamily="2" charset="-122"/>
-                      </a:endParaRPr>
-                    </a:p>
-                  </a:txBody>
-                  <a:tcPr marL="6350" marR="6350" marT="6350" marB="0" anchor="ctr"/>
-                </a:tc>
-                <a:extLst>
-                  <a:ext uri="{0D108BD9-81ED-4DB2-BD59-A6C34878D82A}">
-                    <a16:rowId xmlns:a16="http://schemas.microsoft.com/office/drawing/2014/main" val="2571769517"/>
-                  </a:ext>
-                </a:extLst>
-              </a:tr>
-              <a:tr h="177800">
-                <a:tc>
-                  <a:txBody>
-                    <a:bodyPr/>
-                    <a:lstStyle/>
-                    <a:p>
-                      <a:pPr algn="ctr" fontAlgn="ctr"/>
-                      <a:r>
-                        <a:rPr lang="en-US" sz="1100" u="none" strike="noStrike">
-                          <a:effectLst/>
-                        </a:rPr>
-                        <a:t>drug-symptom</a:t>
-                      </a:r>
-                      <a:endParaRPr lang="en-US" sz="1100" b="0" i="0" u="none" strike="noStrike">
-                        <a:solidFill>
-                          <a:srgbClr val="000000"/>
-                        </a:solidFill>
-                        <a:effectLst/>
-                        <a:latin typeface="等线" panose="02010600030101010101" pitchFamily="2" charset="-122"/>
-                        <a:ea typeface="等线" panose="02010600030101010101" pitchFamily="2" charset="-122"/>
-                      </a:endParaRPr>
-                    </a:p>
-                  </a:txBody>
-                  <a:tcPr marL="6350" marR="6350" marT="6350" marB="0" anchor="ctr"/>
-                </a:tc>
-                <a:tc>
-                  <a:txBody>
-                    <a:bodyPr/>
-                    <a:lstStyle/>
-                    <a:p>
-                      <a:pPr algn="ctr" fontAlgn="ctr"/>
-                      <a:r>
-                        <a:rPr lang="en-US" sz="1100" u="none" strike="noStrike">
-                          <a:effectLst/>
-                        </a:rPr>
-                        <a:t>HPO</a:t>
-                      </a:r>
-                      <a:endParaRPr lang="en-US" sz="1100" b="0" i="0" u="none" strike="noStrike">
-                        <a:solidFill>
-                          <a:srgbClr val="000000"/>
-                        </a:solidFill>
-                        <a:effectLst/>
-                        <a:latin typeface="等线" panose="02010600030101010101" pitchFamily="2" charset="-122"/>
-                        <a:ea typeface="等线" panose="02010600030101010101" pitchFamily="2" charset="-122"/>
-                      </a:endParaRPr>
-                    </a:p>
-                  </a:txBody>
-                  <a:tcPr marL="6350" marR="6350" marT="6350" marB="0" anchor="ctr"/>
-                </a:tc>
-                <a:tc>
-                  <a:txBody>
-                    <a:bodyPr/>
-                    <a:lstStyle/>
-                    <a:p>
-                      <a:pPr algn="ctr" fontAlgn="ctr"/>
-                      <a:r>
-                        <a:rPr lang="en-US" sz="1100" u="none" strike="noStrike">
-                          <a:effectLst/>
-                        </a:rPr>
-                        <a:t>DrugBank </a:t>
-                      </a:r>
-                      <a:endParaRPr lang="en-US" sz="1100" b="0" i="0" u="none" strike="noStrike">
-                        <a:solidFill>
-                          <a:srgbClr val="000000"/>
-                        </a:solidFill>
-                        <a:effectLst/>
-                        <a:latin typeface="等线" panose="02010600030101010101" pitchFamily="2" charset="-122"/>
-                        <a:ea typeface="等线" panose="02010600030101010101" pitchFamily="2" charset="-122"/>
-                      </a:endParaRPr>
-                    </a:p>
-                  </a:txBody>
-                  <a:tcPr marL="6350" marR="6350" marT="6350" marB="0" anchor="ctr"/>
-                </a:tc>
-                <a:extLst>
-                  <a:ext uri="{0D108BD9-81ED-4DB2-BD59-A6C34878D82A}">
-                    <a16:rowId xmlns:a16="http://schemas.microsoft.com/office/drawing/2014/main" val="4134233228"/>
-                  </a:ext>
-                </a:extLst>
-              </a:tr>
-              <a:tr h="177800">
-                <a:tc>
-                  <a:txBody>
-                    <a:bodyPr/>
-                    <a:lstStyle/>
-                    <a:p>
-                      <a:pPr algn="ctr" fontAlgn="ctr"/>
-                      <a:r>
-                        <a:rPr lang="en-US" sz="1100" u="none" strike="noStrike">
-                          <a:effectLst/>
-                        </a:rPr>
-                        <a:t>disease-symptom</a:t>
-                      </a:r>
-                      <a:endParaRPr lang="en-US" sz="1100" b="0" i="0" u="none" strike="noStrike">
-                        <a:solidFill>
-                          <a:srgbClr val="000000"/>
-                        </a:solidFill>
-                        <a:effectLst/>
-                        <a:latin typeface="等线" panose="02010600030101010101" pitchFamily="2" charset="-122"/>
-                        <a:ea typeface="等线" panose="02010600030101010101" pitchFamily="2" charset="-122"/>
-                      </a:endParaRPr>
-                    </a:p>
-                  </a:txBody>
-                  <a:tcPr marL="6350" marR="6350" marT="6350" marB="0" anchor="ctr"/>
-                </a:tc>
-                <a:tc>
-                  <a:txBody>
-                    <a:bodyPr/>
-                    <a:lstStyle/>
-                    <a:p>
-                      <a:pPr algn="ctr" fontAlgn="ctr"/>
-                      <a:r>
-                        <a:rPr lang="en-US" sz="1100" u="none" strike="noStrike">
-                          <a:effectLst/>
-                        </a:rPr>
-                        <a:t>HPO</a:t>
-                      </a:r>
-                      <a:endParaRPr lang="en-US" sz="1100" b="0" i="0" u="none" strike="noStrike">
-                        <a:solidFill>
-                          <a:srgbClr val="000000"/>
-                        </a:solidFill>
-                        <a:effectLst/>
-                        <a:latin typeface="等线" panose="02010600030101010101" pitchFamily="2" charset="-122"/>
-                        <a:ea typeface="等线" panose="02010600030101010101" pitchFamily="2" charset="-122"/>
-                      </a:endParaRPr>
-                    </a:p>
-                  </a:txBody>
-                  <a:tcPr marL="6350" marR="6350" marT="6350" marB="0" anchor="ctr"/>
-                </a:tc>
-                <a:tc>
-                  <a:txBody>
-                    <a:bodyPr/>
-                    <a:lstStyle/>
-                    <a:p>
-                      <a:pPr algn="ctr" fontAlgn="ctr"/>
-                      <a:r>
-                        <a:rPr lang="zh-CN" altLang="en-US" sz="1100" u="none" strike="noStrike">
-                          <a:effectLst/>
-                        </a:rPr>
-                        <a:t>　</a:t>
-                      </a:r>
-                      <a:endParaRPr lang="zh-CN" altLang="en-US" sz="1100" b="0" i="0" u="none" strike="noStrike">
-                        <a:solidFill>
-                          <a:srgbClr val="000000"/>
-                        </a:solidFill>
-                        <a:effectLst/>
-                        <a:latin typeface="等线" panose="02010600030101010101" pitchFamily="2" charset="-122"/>
-                        <a:ea typeface="等线" panose="02010600030101010101" pitchFamily="2" charset="-122"/>
-                      </a:endParaRPr>
-                    </a:p>
-                  </a:txBody>
-                  <a:tcPr marL="6350" marR="6350" marT="6350" marB="0" anchor="ctr"/>
-                </a:tc>
-                <a:extLst>
-                  <a:ext uri="{0D108BD9-81ED-4DB2-BD59-A6C34878D82A}">
-                    <a16:rowId xmlns:a16="http://schemas.microsoft.com/office/drawing/2014/main" val="3420844432"/>
-                  </a:ext>
-                </a:extLst>
-              </a:tr>
-              <a:tr h="177800">
-                <a:tc>
-                  <a:txBody>
-                    <a:bodyPr/>
-                    <a:lstStyle/>
-                    <a:p>
-                      <a:pPr algn="ctr" fontAlgn="ctr"/>
-                      <a:r>
-                        <a:rPr lang="en-US" sz="1100" u="none" strike="noStrike">
-                          <a:effectLst/>
-                        </a:rPr>
-                        <a:t>hostgene_hostprotein</a:t>
-                      </a:r>
-                      <a:endParaRPr lang="en-US" sz="1100" b="0" i="0" u="none" strike="noStrike">
-                        <a:solidFill>
-                          <a:srgbClr val="000000"/>
-                        </a:solidFill>
-                        <a:effectLst/>
-                        <a:latin typeface="等线" panose="02010600030101010101" pitchFamily="2" charset="-122"/>
-                        <a:ea typeface="等线" panose="02010600030101010101" pitchFamily="2" charset="-122"/>
-                      </a:endParaRPr>
-                    </a:p>
-                  </a:txBody>
-                  <a:tcPr marL="6350" marR="6350" marT="6350" marB="0" anchor="ctr"/>
-                </a:tc>
-                <a:tc>
-                  <a:txBody>
-                    <a:bodyPr/>
-                    <a:lstStyle/>
-                    <a:p>
-                      <a:pPr algn="ctr" fontAlgn="ctr"/>
-                      <a:r>
-                        <a:rPr lang="en-US" sz="1100" u="none" strike="noStrike">
-                          <a:effectLst/>
-                        </a:rPr>
-                        <a:t>NCBI</a:t>
-                      </a:r>
-                      <a:endParaRPr lang="en-US" sz="1100" b="0" i="0" u="none" strike="noStrike">
-                        <a:solidFill>
-                          <a:srgbClr val="000000"/>
-                        </a:solidFill>
-                        <a:effectLst/>
-                        <a:latin typeface="等线" panose="02010600030101010101" pitchFamily="2" charset="-122"/>
-                        <a:ea typeface="等线" panose="02010600030101010101" pitchFamily="2" charset="-122"/>
-                      </a:endParaRPr>
-                    </a:p>
-                  </a:txBody>
-                  <a:tcPr marL="6350" marR="6350" marT="6350" marB="0" anchor="ctr"/>
-                </a:tc>
-                <a:tc>
-                  <a:txBody>
-                    <a:bodyPr/>
-                    <a:lstStyle/>
-                    <a:p>
-                      <a:pPr algn="ctr" fontAlgn="ctr"/>
-                      <a:r>
-                        <a:rPr lang="en-US" sz="1100" u="none" strike="noStrike">
-                          <a:effectLst/>
-                        </a:rPr>
-                        <a:t>Literature</a:t>
-                      </a:r>
-                      <a:endParaRPr lang="en-US" sz="1100" b="0" i="0" u="none" strike="noStrike">
-                        <a:solidFill>
-                          <a:srgbClr val="000000"/>
-                        </a:solidFill>
-                        <a:effectLst/>
-                        <a:latin typeface="等线" panose="02010600030101010101" pitchFamily="2" charset="-122"/>
-                        <a:ea typeface="等线" panose="02010600030101010101" pitchFamily="2" charset="-122"/>
-                      </a:endParaRPr>
-                    </a:p>
-                  </a:txBody>
-                  <a:tcPr marL="6350" marR="6350" marT="6350" marB="0" anchor="ctr"/>
-                </a:tc>
-                <a:extLst>
-                  <a:ext uri="{0D108BD9-81ED-4DB2-BD59-A6C34878D82A}">
-                    <a16:rowId xmlns:a16="http://schemas.microsoft.com/office/drawing/2014/main" val="2714120779"/>
-                  </a:ext>
-                </a:extLst>
-              </a:tr>
-              <a:tr h="177800">
-                <a:tc>
-                  <a:txBody>
-                    <a:bodyPr/>
-                    <a:lstStyle/>
-                    <a:p>
-                      <a:pPr algn="ctr" fontAlgn="ctr"/>
-                      <a:r>
-                        <a:rPr lang="en-US" sz="1100" u="none" strike="noStrike">
-                          <a:effectLst/>
-                        </a:rPr>
-                        <a:t>hostgene_disease</a:t>
-                      </a:r>
-                      <a:endParaRPr lang="en-US" sz="1100" b="0" i="0" u="none" strike="noStrike">
-                        <a:solidFill>
-                          <a:srgbClr val="000000"/>
-                        </a:solidFill>
-                        <a:effectLst/>
-                        <a:latin typeface="等线" panose="02010600030101010101" pitchFamily="2" charset="-122"/>
-                        <a:ea typeface="等线" panose="02010600030101010101" pitchFamily="2" charset="-122"/>
-                      </a:endParaRPr>
-                    </a:p>
-                  </a:txBody>
-                  <a:tcPr marL="6350" marR="6350" marT="6350" marB="0" anchor="ctr"/>
-                </a:tc>
-                <a:tc>
-                  <a:txBody>
-                    <a:bodyPr/>
-                    <a:lstStyle/>
-                    <a:p>
-                      <a:pPr algn="ctr" fontAlgn="ctr"/>
-                      <a:r>
-                        <a:rPr lang="en-US" sz="1100" u="none" strike="noStrike">
-                          <a:effectLst/>
-                        </a:rPr>
-                        <a:t>Disgenet</a:t>
-                      </a:r>
-                      <a:endParaRPr lang="en-US" sz="1100" b="0" i="0" u="none" strike="noStrike">
-                        <a:solidFill>
-                          <a:srgbClr val="000000"/>
-                        </a:solidFill>
-                        <a:effectLst/>
-                        <a:latin typeface="等线" panose="02010600030101010101" pitchFamily="2" charset="-122"/>
-                        <a:ea typeface="等线" panose="02010600030101010101" pitchFamily="2" charset="-122"/>
-                      </a:endParaRPr>
-                    </a:p>
-                  </a:txBody>
-                  <a:tcPr marL="6350" marR="6350" marT="6350" marB="0" anchor="ctr"/>
-                </a:tc>
-                <a:tc>
-                  <a:txBody>
-                    <a:bodyPr/>
-                    <a:lstStyle/>
-                    <a:p>
-                      <a:pPr algn="ctr" fontAlgn="ctr"/>
-                      <a:r>
-                        <a:rPr lang="zh-CN" altLang="en-US" sz="1100" u="none" strike="noStrike">
-                          <a:effectLst/>
-                        </a:rPr>
-                        <a:t>　</a:t>
-                      </a:r>
-                      <a:endParaRPr lang="zh-CN" altLang="en-US" sz="1100" b="0" i="0" u="none" strike="noStrike">
-                        <a:solidFill>
-                          <a:srgbClr val="000000"/>
-                        </a:solidFill>
-                        <a:effectLst/>
-                        <a:latin typeface="等线" panose="02010600030101010101" pitchFamily="2" charset="-122"/>
-                        <a:ea typeface="等线" panose="02010600030101010101" pitchFamily="2" charset="-122"/>
-                      </a:endParaRPr>
-                    </a:p>
-                  </a:txBody>
-                  <a:tcPr marL="6350" marR="6350" marT="6350" marB="0" anchor="ctr"/>
-                </a:tc>
-                <a:extLst>
-                  <a:ext uri="{0D108BD9-81ED-4DB2-BD59-A6C34878D82A}">
-                    <a16:rowId xmlns:a16="http://schemas.microsoft.com/office/drawing/2014/main" val="3667881434"/>
-                  </a:ext>
-                </a:extLst>
-              </a:tr>
-              <a:tr h="177800">
-                <a:tc>
-                  <a:txBody>
-                    <a:bodyPr/>
-                    <a:lstStyle/>
-                    <a:p>
-                      <a:pPr algn="ctr" fontAlgn="ctr"/>
-                      <a:r>
-                        <a:rPr lang="en-US" sz="1100" u="none" strike="noStrike">
-                          <a:effectLst/>
-                        </a:rPr>
-                        <a:t>hostgene_symptom</a:t>
-                      </a:r>
-                      <a:endParaRPr lang="en-US" sz="1100" b="0" i="0" u="none" strike="noStrike">
-                        <a:solidFill>
-                          <a:srgbClr val="000000"/>
-                        </a:solidFill>
-                        <a:effectLst/>
-                        <a:latin typeface="等线" panose="02010600030101010101" pitchFamily="2" charset="-122"/>
-                        <a:ea typeface="等线" panose="02010600030101010101" pitchFamily="2" charset="-122"/>
-                      </a:endParaRPr>
-                    </a:p>
-                  </a:txBody>
-                  <a:tcPr marL="6350" marR="6350" marT="6350" marB="0" anchor="ctr"/>
-                </a:tc>
-                <a:tc>
-                  <a:txBody>
-                    <a:bodyPr/>
-                    <a:lstStyle/>
-                    <a:p>
-                      <a:pPr algn="ctr" fontAlgn="ctr"/>
-                      <a:r>
-                        <a:rPr lang="en-US" sz="1100" u="none" strike="noStrike">
-                          <a:effectLst/>
-                        </a:rPr>
-                        <a:t>HPO</a:t>
-                      </a:r>
-                      <a:endParaRPr lang="en-US" sz="1100" b="0" i="0" u="none" strike="noStrike">
-                        <a:solidFill>
-                          <a:srgbClr val="000000"/>
-                        </a:solidFill>
-                        <a:effectLst/>
-                        <a:latin typeface="等线" panose="02010600030101010101" pitchFamily="2" charset="-122"/>
-                        <a:ea typeface="等线" panose="02010600030101010101" pitchFamily="2" charset="-122"/>
-                      </a:endParaRPr>
-                    </a:p>
-                  </a:txBody>
-                  <a:tcPr marL="6350" marR="6350" marT="6350" marB="0" anchor="ctr"/>
-                </a:tc>
-                <a:tc>
-                  <a:txBody>
-                    <a:bodyPr/>
-                    <a:lstStyle/>
-                    <a:p>
-                      <a:pPr algn="ctr" fontAlgn="ctr"/>
-                      <a:r>
-                        <a:rPr lang="zh-CN" altLang="en-US" sz="1100" u="none" strike="noStrike">
-                          <a:effectLst/>
-                        </a:rPr>
-                        <a:t>　</a:t>
-                      </a:r>
-                      <a:endParaRPr lang="zh-CN" altLang="en-US" sz="1100" b="0" i="0" u="none" strike="noStrike">
-                        <a:solidFill>
-                          <a:srgbClr val="000000"/>
-                        </a:solidFill>
-                        <a:effectLst/>
-                        <a:latin typeface="等线" panose="02010600030101010101" pitchFamily="2" charset="-122"/>
-                        <a:ea typeface="等线" panose="02010600030101010101" pitchFamily="2" charset="-122"/>
-                      </a:endParaRPr>
-                    </a:p>
-                  </a:txBody>
-                  <a:tcPr marL="6350" marR="6350" marT="6350" marB="0" anchor="ctr"/>
-                </a:tc>
-                <a:extLst>
-                  <a:ext uri="{0D108BD9-81ED-4DB2-BD59-A6C34878D82A}">
-                    <a16:rowId xmlns:a16="http://schemas.microsoft.com/office/drawing/2014/main" val="1317486829"/>
-                  </a:ext>
-                </a:extLst>
-              </a:tr>
-              <a:tr h="177800">
-                <a:tc>
-                  <a:txBody>
-                    <a:bodyPr/>
-                    <a:lstStyle/>
-                    <a:p>
-                      <a:pPr algn="ctr" fontAlgn="ctr"/>
-                      <a:r>
-                        <a:rPr lang="en-US" sz="1100" u="none" strike="noStrike">
-                          <a:effectLst/>
-                        </a:rPr>
-                        <a:t>hostprotein-hostprotein</a:t>
-                      </a:r>
-                      <a:endParaRPr lang="en-US" sz="1100" b="0" i="0" u="none" strike="noStrike">
-                        <a:solidFill>
-                          <a:srgbClr val="000000"/>
-                        </a:solidFill>
-                        <a:effectLst/>
-                        <a:latin typeface="等线" panose="02010600030101010101" pitchFamily="2" charset="-122"/>
-                        <a:ea typeface="等线" panose="02010600030101010101" pitchFamily="2" charset="-122"/>
-                      </a:endParaRPr>
-                    </a:p>
-                  </a:txBody>
-                  <a:tcPr marL="6350" marR="6350" marT="6350" marB="0" anchor="ctr"/>
-                </a:tc>
-                <a:tc>
-                  <a:txBody>
-                    <a:bodyPr/>
-                    <a:lstStyle/>
-                    <a:p>
-                      <a:pPr algn="ctr" fontAlgn="ctr"/>
-                      <a:r>
-                        <a:rPr lang="en-US" sz="1100" u="none" strike="noStrike">
-                          <a:effectLst/>
-                        </a:rPr>
-                        <a:t>Uniprot </a:t>
-                      </a:r>
-                      <a:endParaRPr lang="en-US" sz="1100" b="0" i="0" u="none" strike="noStrike">
-                        <a:solidFill>
-                          <a:srgbClr val="000000"/>
-                        </a:solidFill>
-                        <a:effectLst/>
-                        <a:latin typeface="等线" panose="02010600030101010101" pitchFamily="2" charset="-122"/>
-                        <a:ea typeface="等线" panose="02010600030101010101" pitchFamily="2" charset="-122"/>
-                      </a:endParaRPr>
-                    </a:p>
-                  </a:txBody>
-                  <a:tcPr marL="6350" marR="6350" marT="6350" marB="0" anchor="ctr"/>
-                </a:tc>
-                <a:tc>
-                  <a:txBody>
-                    <a:bodyPr/>
-                    <a:lstStyle/>
-                    <a:p>
-                      <a:pPr algn="ctr" fontAlgn="ctr"/>
-                      <a:r>
-                        <a:rPr lang="en-US" sz="1100" u="none" strike="noStrike">
-                          <a:effectLst/>
-                        </a:rPr>
-                        <a:t>Biogrid</a:t>
-                      </a:r>
-                      <a:endParaRPr lang="en-US" sz="1100" b="0" i="0" u="none" strike="noStrike">
-                        <a:solidFill>
-                          <a:srgbClr val="000000"/>
-                        </a:solidFill>
-                        <a:effectLst/>
-                        <a:latin typeface="等线" panose="02010600030101010101" pitchFamily="2" charset="-122"/>
-                        <a:ea typeface="等线" panose="02010600030101010101" pitchFamily="2" charset="-122"/>
-                      </a:endParaRPr>
-                    </a:p>
-                  </a:txBody>
-                  <a:tcPr marL="6350" marR="6350" marT="6350" marB="0" anchor="ctr"/>
-                </a:tc>
-                <a:extLst>
-                  <a:ext uri="{0D108BD9-81ED-4DB2-BD59-A6C34878D82A}">
-                    <a16:rowId xmlns:a16="http://schemas.microsoft.com/office/drawing/2014/main" val="2136095854"/>
-                  </a:ext>
-                </a:extLst>
-              </a:tr>
-              <a:tr h="177800">
-                <a:tc>
-                  <a:txBody>
-                    <a:bodyPr/>
-                    <a:lstStyle/>
-                    <a:p>
-                      <a:pPr algn="ctr" fontAlgn="ctr"/>
-                      <a:r>
-                        <a:rPr lang="en-US" sz="1100" u="none" strike="noStrike">
-                          <a:effectLst/>
-                        </a:rPr>
-                        <a:t>virusprotein-virusprotein</a:t>
-                      </a:r>
-                      <a:endParaRPr lang="en-US" sz="1100" b="0" i="0" u="none" strike="noStrike">
-                        <a:solidFill>
-                          <a:srgbClr val="000000"/>
-                        </a:solidFill>
-                        <a:effectLst/>
-                        <a:latin typeface="等线" panose="02010600030101010101" pitchFamily="2" charset="-122"/>
-                        <a:ea typeface="等线" panose="02010600030101010101" pitchFamily="2" charset="-122"/>
-                      </a:endParaRPr>
-                    </a:p>
-                  </a:txBody>
-                  <a:tcPr marL="6350" marR="6350" marT="6350" marB="0" anchor="ctr"/>
-                </a:tc>
-                <a:tc>
-                  <a:txBody>
-                    <a:bodyPr/>
-                    <a:lstStyle/>
-                    <a:p>
-                      <a:pPr algn="ctr" fontAlgn="ctr"/>
-                      <a:r>
-                        <a:rPr lang="en-US" sz="1100" u="none" strike="noStrike">
-                          <a:effectLst/>
-                        </a:rPr>
-                        <a:t>Biogrid</a:t>
-                      </a:r>
-                      <a:endParaRPr lang="en-US" sz="1100" b="0" i="0" u="none" strike="noStrike">
-                        <a:solidFill>
-                          <a:srgbClr val="000000"/>
-                        </a:solidFill>
-                        <a:effectLst/>
-                        <a:latin typeface="等线" panose="02010600030101010101" pitchFamily="2" charset="-122"/>
-                        <a:ea typeface="等线" panose="02010600030101010101" pitchFamily="2" charset="-122"/>
-                      </a:endParaRPr>
-                    </a:p>
-                  </a:txBody>
-                  <a:tcPr marL="6350" marR="6350" marT="6350" marB="0" anchor="ctr"/>
-                </a:tc>
-                <a:tc>
-                  <a:txBody>
-                    <a:bodyPr/>
-                    <a:lstStyle/>
-                    <a:p>
-                      <a:pPr algn="ctr" fontAlgn="ctr"/>
-                      <a:r>
-                        <a:rPr lang="zh-CN" altLang="en-US" sz="1100" u="none" strike="noStrike">
-                          <a:effectLst/>
-                        </a:rPr>
-                        <a:t>　</a:t>
-                      </a:r>
-                      <a:endParaRPr lang="zh-CN" altLang="en-US" sz="1100" b="0" i="0" u="none" strike="noStrike">
-                        <a:solidFill>
-                          <a:srgbClr val="000000"/>
-                        </a:solidFill>
-                        <a:effectLst/>
-                        <a:latin typeface="等线" panose="02010600030101010101" pitchFamily="2" charset="-122"/>
-                        <a:ea typeface="等线" panose="02010600030101010101" pitchFamily="2" charset="-122"/>
-                      </a:endParaRPr>
-                    </a:p>
-                  </a:txBody>
-                  <a:tcPr marL="6350" marR="6350" marT="6350" marB="0" anchor="ctr"/>
-                </a:tc>
-                <a:extLst>
-                  <a:ext uri="{0D108BD9-81ED-4DB2-BD59-A6C34878D82A}">
-                    <a16:rowId xmlns:a16="http://schemas.microsoft.com/office/drawing/2014/main" val="633820843"/>
-                  </a:ext>
-                </a:extLst>
-              </a:tr>
-              <a:tr h="177800">
-                <a:tc>
-                  <a:txBody>
-                    <a:bodyPr/>
-                    <a:lstStyle/>
-                    <a:p>
-                      <a:pPr algn="ctr" fontAlgn="ctr"/>
-                      <a:r>
-                        <a:rPr lang="en-US" sz="1100" u="none" strike="noStrike">
-                          <a:effectLst/>
-                        </a:rPr>
-                        <a:t>virusprotein_hostprotein</a:t>
-                      </a:r>
-                      <a:endParaRPr lang="en-US" sz="1100" b="0" i="0" u="none" strike="noStrike">
+                      <a:endParaRPr lang="en-US" sz="1100" b="0" i="0" u="none" strike="noStrike" dirty="0">
                         <a:solidFill>
                           <a:srgbClr val="000000"/>
                         </a:solidFill>
@@ -20985,33 +21067,9 @@
                   </a:txBody>
                   <a:tcPr marL="6350" marR="6350" marT="6350" marB="0" anchor="ctr"/>
                 </a:tc>
-                <a:tc>
-                  <a:txBody>
-                    <a:bodyPr/>
-                    <a:lstStyle/>
-                    <a:p>
-                      <a:pPr algn="ctr" fontAlgn="ctr"/>
-                      <a:r>
-                        <a:rPr lang="zh-CN" altLang="en-US" sz="1100" u="none" strike="noStrike">
-                          <a:effectLst/>
-                        </a:rPr>
-                        <a:t>　</a:t>
-                      </a:r>
-                      <a:endParaRPr lang="zh-CN" altLang="en-US" sz="1100" b="0" i="0" u="none" strike="noStrike">
-                        <a:solidFill>
-                          <a:srgbClr val="000000"/>
-                        </a:solidFill>
-                        <a:effectLst/>
-                        <a:latin typeface="等线" panose="02010600030101010101" pitchFamily="2" charset="-122"/>
-                        <a:ea typeface="等线" panose="02010600030101010101" pitchFamily="2" charset="-122"/>
-                      </a:endParaRPr>
-                    </a:p>
-                  </a:txBody>
-                  <a:tcPr marL="6350" marR="6350" marT="6350" marB="0" anchor="ctr"/>
-                </a:tc>
                 <a:extLst>
                   <a:ext uri="{0D108BD9-81ED-4DB2-BD59-A6C34878D82A}">
-                    <a16:rowId xmlns:a16="http://schemas.microsoft.com/office/drawing/2014/main" val="295334415"/>
+                    <a16:rowId xmlns:a16="http://schemas.microsoft.com/office/drawing/2014/main" val="3055906503"/>
                   </a:ext>
                 </a:extLst>
               </a:tr>
@@ -21023,12 +21081,12 @@
                     <a:p>
                       <a:pPr algn="ctr" fontAlgn="ctr"/>
                       <a:r>
-                        <a:rPr lang="en-US" sz="1100" u="none" strike="noStrike">
+                        <a:rPr lang="en-US" sz="1100" u="none" strike="noStrike" dirty="0">
                           <a:effectLst/>
                         </a:rPr>
-                        <a:t>virus_disease</a:t>
+                        <a:t>Virus Gene – Virus Protein</a:t>
                       </a:r>
-                      <a:endParaRPr lang="en-US" sz="1100" b="0" i="0" u="none" strike="noStrike">
+                      <a:endParaRPr lang="en-US" sz="1100" b="0" i="0" u="none" strike="noStrike" dirty="0">
                         <a:solidFill>
                           <a:srgbClr val="000000"/>
                         </a:solidFill>
@@ -21047,431 +21105,12 @@
                     <a:p>
                       <a:pPr algn="ctr" fontAlgn="ctr"/>
                       <a:r>
-                        <a:rPr lang="en-US" sz="1100" u="none" strike="noStrike">
+                        <a:rPr lang="en-US" sz="1100" u="none" strike="noStrike" dirty="0" err="1">
                           <a:effectLst/>
                         </a:rPr>
                         <a:t>OpenKG</a:t>
                       </a:r>
-                      <a:endParaRPr lang="en-US" sz="1100" b="0" i="0" u="none" strike="noStrike">
-                        <a:solidFill>
-                          <a:srgbClr val="000000"/>
-                        </a:solidFill>
-                        <a:effectLst/>
-                        <a:latin typeface="等线" panose="02010600030101010101" pitchFamily="2" charset="-122"/>
-                        <a:ea typeface="等线" panose="02010600030101010101" pitchFamily="2" charset="-122"/>
-                      </a:endParaRPr>
-                    </a:p>
-                  </a:txBody>
-                  <a:tcPr marL="6350" marR="6350" marT="6350" marB="0" anchor="ctr"/>
-                </a:tc>
-                <a:tc>
-                  <a:txBody>
-                    <a:bodyPr/>
-                    <a:lstStyle/>
-                    <a:p>
-                      <a:pPr algn="ctr" fontAlgn="ctr"/>
-                      <a:r>
-                        <a:rPr lang="en-US" sz="1100" u="none" strike="noStrike">
-                          <a:effectLst/>
-                        </a:rPr>
-                        <a:t>HPO</a:t>
-                      </a:r>
-                      <a:endParaRPr lang="en-US" sz="1100" b="0" i="0" u="none" strike="noStrike">
-                        <a:solidFill>
-                          <a:srgbClr val="000000"/>
-                        </a:solidFill>
-                        <a:effectLst/>
-                        <a:latin typeface="等线" panose="02010600030101010101" pitchFamily="2" charset="-122"/>
-                        <a:ea typeface="等线" panose="02010600030101010101" pitchFamily="2" charset="-122"/>
-                      </a:endParaRPr>
-                    </a:p>
-                  </a:txBody>
-                  <a:tcPr marL="6350" marR="6350" marT="6350" marB="0" anchor="ctr"/>
-                </a:tc>
-                <a:extLst>
-                  <a:ext uri="{0D108BD9-81ED-4DB2-BD59-A6C34878D82A}">
-                    <a16:rowId xmlns:a16="http://schemas.microsoft.com/office/drawing/2014/main" val="1770599693"/>
-                  </a:ext>
-                </a:extLst>
-              </a:tr>
-              <a:tr h="177800">
-                <a:tc>
-                  <a:txBody>
-                    <a:bodyPr/>
-                    <a:lstStyle/>
-                    <a:p>
-                      <a:pPr algn="ctr" fontAlgn="ctr"/>
-                      <a:r>
-                        <a:rPr lang="en-US" sz="1100" u="none" strike="noStrike">
-                          <a:effectLst/>
-                        </a:rPr>
-                        <a:t>virus_symptom</a:t>
-                      </a:r>
-                      <a:endParaRPr lang="en-US" sz="1100" b="0" i="0" u="none" strike="noStrike">
-                        <a:solidFill>
-                          <a:srgbClr val="000000"/>
-                        </a:solidFill>
-                        <a:effectLst/>
-                        <a:latin typeface="等线" panose="02010600030101010101" pitchFamily="2" charset="-122"/>
-                        <a:ea typeface="等线" panose="02010600030101010101" pitchFamily="2" charset="-122"/>
-                      </a:endParaRPr>
-                    </a:p>
-                  </a:txBody>
-                  <a:tcPr marL="6350" marR="6350" marT="6350" marB="0" anchor="ctr"/>
-                </a:tc>
-                <a:tc>
-                  <a:txBody>
-                    <a:bodyPr/>
-                    <a:lstStyle/>
-                    <a:p>
-                      <a:pPr algn="ctr" fontAlgn="ctr"/>
-                      <a:r>
-                        <a:rPr lang="en-US" sz="1100" u="none" strike="noStrike">
-                          <a:effectLst/>
-                        </a:rPr>
-                        <a:t>OpenKG</a:t>
-                      </a:r>
-                      <a:endParaRPr lang="en-US" sz="1100" b="0" i="0" u="none" strike="noStrike">
-                        <a:solidFill>
-                          <a:srgbClr val="000000"/>
-                        </a:solidFill>
-                        <a:effectLst/>
-                        <a:latin typeface="等线" panose="02010600030101010101" pitchFamily="2" charset="-122"/>
-                        <a:ea typeface="等线" panose="02010600030101010101" pitchFamily="2" charset="-122"/>
-                      </a:endParaRPr>
-                    </a:p>
-                  </a:txBody>
-                  <a:tcPr marL="6350" marR="6350" marT="6350" marB="0" anchor="ctr"/>
-                </a:tc>
-                <a:tc>
-                  <a:txBody>
-                    <a:bodyPr/>
-                    <a:lstStyle/>
-                    <a:p>
-                      <a:pPr algn="ctr" fontAlgn="ctr"/>
-                      <a:r>
-                        <a:rPr lang="en-US" sz="1100" u="none" strike="noStrike">
-                          <a:effectLst/>
-                        </a:rPr>
-                        <a:t>HPO</a:t>
-                      </a:r>
-                      <a:endParaRPr lang="en-US" sz="1100" b="0" i="0" u="none" strike="noStrike">
-                        <a:solidFill>
-                          <a:srgbClr val="000000"/>
-                        </a:solidFill>
-                        <a:effectLst/>
-                        <a:latin typeface="等线" panose="02010600030101010101" pitchFamily="2" charset="-122"/>
-                        <a:ea typeface="等线" panose="02010600030101010101" pitchFamily="2" charset="-122"/>
-                      </a:endParaRPr>
-                    </a:p>
-                  </a:txBody>
-                  <a:tcPr marL="6350" marR="6350" marT="6350" marB="0" anchor="ctr"/>
-                </a:tc>
-                <a:extLst>
-                  <a:ext uri="{0D108BD9-81ED-4DB2-BD59-A6C34878D82A}">
-                    <a16:rowId xmlns:a16="http://schemas.microsoft.com/office/drawing/2014/main" val="36052965"/>
-                  </a:ext>
-                </a:extLst>
-              </a:tr>
-              <a:tr h="177800">
-                <a:tc>
-                  <a:txBody>
-                    <a:bodyPr/>
-                    <a:lstStyle/>
-                    <a:p>
-                      <a:pPr algn="ctr" fontAlgn="ctr"/>
-                      <a:r>
-                        <a:rPr lang="en-US" sz="1100" u="none" strike="noStrike">
-                          <a:effectLst/>
-                        </a:rPr>
-                        <a:t>virus_hostprotein</a:t>
-                      </a:r>
-                      <a:endParaRPr lang="en-US" sz="1100" b="0" i="0" u="none" strike="noStrike">
-                        <a:solidFill>
-                          <a:srgbClr val="000000"/>
-                        </a:solidFill>
-                        <a:effectLst/>
-                        <a:latin typeface="等线" panose="02010600030101010101" pitchFamily="2" charset="-122"/>
-                        <a:ea typeface="等线" panose="02010600030101010101" pitchFamily="2" charset="-122"/>
-                      </a:endParaRPr>
-                    </a:p>
-                  </a:txBody>
-                  <a:tcPr marL="6350" marR="6350" marT="6350" marB="0" anchor="ctr"/>
-                </a:tc>
-                <a:tc>
-                  <a:txBody>
-                    <a:bodyPr/>
-                    <a:lstStyle/>
-                    <a:p>
-                      <a:pPr algn="ctr" fontAlgn="ctr"/>
-                      <a:r>
-                        <a:rPr lang="en-US" sz="1100" u="none" strike="noStrike">
-                          <a:effectLst/>
-                        </a:rPr>
-                        <a:t>Literature</a:t>
-                      </a:r>
-                      <a:endParaRPr lang="en-US" sz="1100" b="0" i="0" u="none" strike="noStrike">
-                        <a:solidFill>
-                          <a:srgbClr val="000000"/>
-                        </a:solidFill>
-                        <a:effectLst/>
-                        <a:latin typeface="等线" panose="02010600030101010101" pitchFamily="2" charset="-122"/>
-                        <a:ea typeface="等线" panose="02010600030101010101" pitchFamily="2" charset="-122"/>
-                      </a:endParaRPr>
-                    </a:p>
-                  </a:txBody>
-                  <a:tcPr marL="6350" marR="6350" marT="6350" marB="0" anchor="ctr"/>
-                </a:tc>
-                <a:tc>
-                  <a:txBody>
-                    <a:bodyPr/>
-                    <a:lstStyle/>
-                    <a:p>
-                      <a:pPr algn="ctr" fontAlgn="ctr"/>
-                      <a:r>
-                        <a:rPr lang="zh-CN" altLang="en-US" sz="1100" u="none" strike="noStrike">
-                          <a:effectLst/>
-                        </a:rPr>
-                        <a:t>　</a:t>
-                      </a:r>
-                      <a:endParaRPr lang="zh-CN" altLang="en-US" sz="1100" b="0" i="0" u="none" strike="noStrike">
-                        <a:solidFill>
-                          <a:srgbClr val="000000"/>
-                        </a:solidFill>
-                        <a:effectLst/>
-                        <a:latin typeface="等线" panose="02010600030101010101" pitchFamily="2" charset="-122"/>
-                        <a:ea typeface="等线" panose="02010600030101010101" pitchFamily="2" charset="-122"/>
-                      </a:endParaRPr>
-                    </a:p>
-                  </a:txBody>
-                  <a:tcPr marL="6350" marR="6350" marT="6350" marB="0" anchor="ctr"/>
-                </a:tc>
-                <a:extLst>
-                  <a:ext uri="{0D108BD9-81ED-4DB2-BD59-A6C34878D82A}">
-                    <a16:rowId xmlns:a16="http://schemas.microsoft.com/office/drawing/2014/main" val="3259836602"/>
-                  </a:ext>
-                </a:extLst>
-              </a:tr>
-              <a:tr h="177800">
-                <a:tc>
-                  <a:txBody>
-                    <a:bodyPr/>
-                    <a:lstStyle/>
-                    <a:p>
-                      <a:pPr algn="ctr" fontAlgn="ctr"/>
-                      <a:r>
-                        <a:rPr lang="en-US" sz="1100" u="none" strike="noStrike">
-                          <a:effectLst/>
-                        </a:rPr>
-                        <a:t>virus_virusprotein</a:t>
-                      </a:r>
-                      <a:endParaRPr lang="en-US" sz="1100" b="0" i="0" u="none" strike="noStrike">
-                        <a:solidFill>
-                          <a:srgbClr val="000000"/>
-                        </a:solidFill>
-                        <a:effectLst/>
-                        <a:latin typeface="等线" panose="02010600030101010101" pitchFamily="2" charset="-122"/>
-                        <a:ea typeface="等线" panose="02010600030101010101" pitchFamily="2" charset="-122"/>
-                      </a:endParaRPr>
-                    </a:p>
-                  </a:txBody>
-                  <a:tcPr marL="6350" marR="6350" marT="6350" marB="0" anchor="ctr"/>
-                </a:tc>
-                <a:tc>
-                  <a:txBody>
-                    <a:bodyPr/>
-                    <a:lstStyle/>
-                    <a:p>
-                      <a:pPr algn="ctr" fontAlgn="ctr"/>
-                      <a:r>
-                        <a:rPr lang="en-US" sz="1100" u="none" strike="noStrike">
-                          <a:effectLst/>
-                        </a:rPr>
-                        <a:t>OpenKG</a:t>
-                      </a:r>
-                      <a:endParaRPr lang="en-US" sz="1100" b="0" i="0" u="none" strike="noStrike">
-                        <a:solidFill>
-                          <a:srgbClr val="000000"/>
-                        </a:solidFill>
-                        <a:effectLst/>
-                        <a:latin typeface="等线" panose="02010600030101010101" pitchFamily="2" charset="-122"/>
-                        <a:ea typeface="等线" panose="02010600030101010101" pitchFamily="2" charset="-122"/>
-                      </a:endParaRPr>
-                    </a:p>
-                  </a:txBody>
-                  <a:tcPr marL="6350" marR="6350" marT="6350" marB="0" anchor="ctr"/>
-                </a:tc>
-                <a:tc>
-                  <a:txBody>
-                    <a:bodyPr/>
-                    <a:lstStyle/>
-                    <a:p>
-                      <a:pPr algn="ctr" fontAlgn="ctr"/>
-                      <a:r>
-                        <a:rPr lang="zh-CN" altLang="en-US" sz="1100" u="none" strike="noStrike">
-                          <a:effectLst/>
-                        </a:rPr>
-                        <a:t>　</a:t>
-                      </a:r>
-                      <a:endParaRPr lang="zh-CN" altLang="en-US" sz="1100" b="0" i="0" u="none" strike="noStrike">
-                        <a:solidFill>
-                          <a:srgbClr val="000000"/>
-                        </a:solidFill>
-                        <a:effectLst/>
-                        <a:latin typeface="等线" panose="02010600030101010101" pitchFamily="2" charset="-122"/>
-                        <a:ea typeface="等线" panose="02010600030101010101" pitchFamily="2" charset="-122"/>
-                      </a:endParaRPr>
-                    </a:p>
-                  </a:txBody>
-                  <a:tcPr marL="6350" marR="6350" marT="6350" marB="0" anchor="ctr"/>
-                </a:tc>
-                <a:extLst>
-                  <a:ext uri="{0D108BD9-81ED-4DB2-BD59-A6C34878D82A}">
-                    <a16:rowId xmlns:a16="http://schemas.microsoft.com/office/drawing/2014/main" val="1221702509"/>
-                  </a:ext>
-                </a:extLst>
-              </a:tr>
-              <a:tr h="177800">
-                <a:tc>
-                  <a:txBody>
-                    <a:bodyPr/>
-                    <a:lstStyle/>
-                    <a:p>
-                      <a:pPr algn="ctr" fontAlgn="ctr"/>
-                      <a:r>
-                        <a:rPr lang="en-US" sz="1100" u="none" strike="noStrike">
-                          <a:effectLst/>
-                        </a:rPr>
-                        <a:t>virus_virusgene</a:t>
-                      </a:r>
-                      <a:endParaRPr lang="en-US" sz="1100" b="0" i="0" u="none" strike="noStrike">
-                        <a:solidFill>
-                          <a:srgbClr val="000000"/>
-                        </a:solidFill>
-                        <a:effectLst/>
-                        <a:latin typeface="等线" panose="02010600030101010101" pitchFamily="2" charset="-122"/>
-                        <a:ea typeface="等线" panose="02010600030101010101" pitchFamily="2" charset="-122"/>
-                      </a:endParaRPr>
-                    </a:p>
-                  </a:txBody>
-                  <a:tcPr marL="6350" marR="6350" marT="6350" marB="0" anchor="ctr"/>
-                </a:tc>
-                <a:tc>
-                  <a:txBody>
-                    <a:bodyPr/>
-                    <a:lstStyle/>
-                    <a:p>
-                      <a:pPr algn="ctr" fontAlgn="ctr"/>
-                      <a:r>
-                        <a:rPr lang="en-US" sz="1100" u="none" strike="noStrike">
-                          <a:effectLst/>
-                        </a:rPr>
-                        <a:t>OpenKG</a:t>
-                      </a:r>
-                      <a:endParaRPr lang="en-US" sz="1100" b="0" i="0" u="none" strike="noStrike">
-                        <a:solidFill>
-                          <a:srgbClr val="000000"/>
-                        </a:solidFill>
-                        <a:effectLst/>
-                        <a:latin typeface="等线" panose="02010600030101010101" pitchFamily="2" charset="-122"/>
-                        <a:ea typeface="等线" panose="02010600030101010101" pitchFamily="2" charset="-122"/>
-                      </a:endParaRPr>
-                    </a:p>
-                  </a:txBody>
-                  <a:tcPr marL="6350" marR="6350" marT="6350" marB="0" anchor="ctr"/>
-                </a:tc>
-                <a:tc>
-                  <a:txBody>
-                    <a:bodyPr/>
-                    <a:lstStyle/>
-                    <a:p>
-                      <a:pPr algn="ctr" fontAlgn="ctr"/>
-                      <a:r>
-                        <a:rPr lang="zh-CN" altLang="en-US" sz="1100" u="none" strike="noStrike">
-                          <a:effectLst/>
-                        </a:rPr>
-                        <a:t>　</a:t>
-                      </a:r>
-                      <a:endParaRPr lang="zh-CN" altLang="en-US" sz="1100" b="0" i="0" u="none" strike="noStrike">
-                        <a:solidFill>
-                          <a:srgbClr val="000000"/>
-                        </a:solidFill>
-                        <a:effectLst/>
-                        <a:latin typeface="等线" panose="02010600030101010101" pitchFamily="2" charset="-122"/>
-                        <a:ea typeface="等线" panose="02010600030101010101" pitchFamily="2" charset="-122"/>
-                      </a:endParaRPr>
-                    </a:p>
-                  </a:txBody>
-                  <a:tcPr marL="6350" marR="6350" marT="6350" marB="0" anchor="ctr"/>
-                </a:tc>
-                <a:extLst>
-                  <a:ext uri="{0D108BD9-81ED-4DB2-BD59-A6C34878D82A}">
-                    <a16:rowId xmlns:a16="http://schemas.microsoft.com/office/drawing/2014/main" val="3055906503"/>
-                  </a:ext>
-                </a:extLst>
-              </a:tr>
-              <a:tr h="177800">
-                <a:tc>
-                  <a:txBody>
-                    <a:bodyPr/>
-                    <a:lstStyle/>
-                    <a:p>
-                      <a:pPr algn="ctr" fontAlgn="ctr"/>
-                      <a:r>
-                        <a:rPr lang="en-US" sz="1100" u="none" strike="noStrike">
-                          <a:effectLst/>
-                        </a:rPr>
-                        <a:t>virusgene_virusprotein</a:t>
-                      </a:r>
-                      <a:endParaRPr lang="en-US" sz="1100" b="0" i="0" u="none" strike="noStrike">
-                        <a:solidFill>
-                          <a:srgbClr val="000000"/>
-                        </a:solidFill>
-                        <a:effectLst/>
-                        <a:latin typeface="等线" panose="02010600030101010101" pitchFamily="2" charset="-122"/>
-                        <a:ea typeface="等线" panose="02010600030101010101" pitchFamily="2" charset="-122"/>
-                      </a:endParaRPr>
-                    </a:p>
-                  </a:txBody>
-                  <a:tcPr marL="6350" marR="6350" marT="6350" marB="0" anchor="ctr"/>
-                </a:tc>
-                <a:tc>
-                  <a:txBody>
-                    <a:bodyPr/>
-                    <a:lstStyle/>
-                    <a:p>
-                      <a:pPr algn="ctr" fontAlgn="ctr"/>
-                      <a:r>
-                        <a:rPr lang="en-US" sz="1100" u="none" strike="noStrike">
-                          <a:effectLst/>
-                        </a:rPr>
-                        <a:t>OpenKG</a:t>
-                      </a:r>
-                      <a:endParaRPr lang="en-US" sz="1100" b="0" i="0" u="none" strike="noStrike">
-                        <a:solidFill>
-                          <a:srgbClr val="000000"/>
-                        </a:solidFill>
-                        <a:effectLst/>
-                        <a:latin typeface="等线" panose="02010600030101010101" pitchFamily="2" charset="-122"/>
-                        <a:ea typeface="等线" panose="02010600030101010101" pitchFamily="2" charset="-122"/>
-                      </a:endParaRPr>
-                    </a:p>
-                  </a:txBody>
-                  <a:tcPr marL="6350" marR="6350" marT="6350" marB="0" anchor="ctr"/>
-                </a:tc>
-                <a:tc>
-                  <a:txBody>
-                    <a:bodyPr/>
-                    <a:lstStyle/>
-                    <a:p>
-                      <a:pPr algn="ctr" fontAlgn="ctr"/>
-                      <a:r>
-                        <a:rPr lang="zh-CN" altLang="en-US" sz="1100" u="none" strike="noStrike" dirty="0">
-                          <a:effectLst/>
-                        </a:rPr>
-                        <a:t>　</a:t>
-                      </a:r>
-                      <a:endParaRPr lang="zh-CN" altLang="en-US" sz="1100" b="0" i="0" u="none" strike="noStrike" dirty="0">
+                      <a:endParaRPr lang="en-US" sz="1100" b="0" i="0" u="none" strike="noStrike" dirty="0">
                         <a:solidFill>
                           <a:srgbClr val="000000"/>
                         </a:solidFill>
